--- a/docs/part1ca/02_DataTypes/CA_Lecture_02.pptx
+++ b/docs/part1ca/02_DataTypes/CA_Lecture_02.pptx
@@ -5,15 +5,16 @@
     <p:sldMasterId id="2147483648" r:id="rId1"/>
   </p:sldMasterIdLst>
   <p:notesMasterIdLst>
-    <p:notesMasterId r:id="rId5"/>
+    <p:notesMasterId r:id="rId6"/>
   </p:notesMasterIdLst>
   <p:handoutMasterIdLst>
-    <p:handoutMasterId r:id="rId6"/>
+    <p:handoutMasterId r:id="rId7"/>
   </p:handoutMasterIdLst>
   <p:sldIdLst>
     <p:sldId id="256" r:id="rId2"/>
     <p:sldId id="273" r:id="rId3"/>
-    <p:sldId id="272" r:id="rId4"/>
+    <p:sldId id="274" r:id="rId4"/>
+    <p:sldId id="272" r:id="rId5"/>
   </p:sldIdLst>
   <p:sldSz cx="12192000" cy="6858000"/>
   <p:notesSz cx="6858000" cy="9144000"/>
@@ -114,7 +115,7 @@
   </p:defaultTextStyle>
   <p:extLst>
     <p:ext uri="{EFAFB233-063F-42B5-8137-9DF3F51BA10A}">
-      <p15:sldGuideLst xmlns="" xmlns:p15="http://schemas.microsoft.com/office/powerpoint/2012/main">
+      <p15:sldGuideLst xmlns:p15="http://schemas.microsoft.com/office/powerpoint/2012/main" xmlns="">
         <p15:guide id="1" orient="horz" pos="2160">
           <p15:clr>
             <a:srgbClr val="A4A3A4"/>
@@ -128,7 +129,7 @@
       </p15:sldGuideLst>
     </p:ext>
     <p:ext uri="{2D200454-40CA-4A62-9FC3-DE9A4176ACB9}">
-      <p15:notesGuideLst xmlns="" xmlns:p15="http://schemas.microsoft.com/office/powerpoint/2012/main"/>
+      <p15:notesGuideLst xmlns:p15="http://schemas.microsoft.com/office/powerpoint/2012/main" xmlns=""/>
     </p:ext>
   </p:extLst>
 </p:presentation>
@@ -225,7 +226,7 @@
             <a:fld id="{D0106195-8D78-4F6F-B8E4-FA67975ACEF5}" type="datetimeFigureOut">
               <a:rPr lang="ru-RU" smtClean="0"/>
               <a:pPr/>
-              <a:t>25.09.2020</a:t>
+              <a:t>26.09.2020</a:t>
             </a:fld>
             <a:endParaRPr lang="ru-RU"/>
           </a:p>
@@ -301,7 +302,7 @@
     </p:spTree>
     <p:extLst>
       <p:ext uri="{BB962C8B-B14F-4D97-AF65-F5344CB8AC3E}">
-        <p14:creationId xmlns="" xmlns:p14="http://schemas.microsoft.com/office/powerpoint/2010/main" val="827279973"/>
+        <p14:creationId xmlns:p14="http://schemas.microsoft.com/office/powerpoint/2010/main" xmlns="" val="827279973"/>
       </p:ext>
     </p:extLst>
   </p:cSld>
@@ -393,7 +394,7 @@
             <a:fld id="{878212F1-C3D9-4F2B-8F42-5E960FE8BE51}" type="datetimeFigureOut">
               <a:rPr lang="ru-RU" smtClean="0"/>
               <a:pPr/>
-              <a:t>25.09.2020</a:t>
+              <a:t>26.09.2020</a:t>
             </a:fld>
             <a:endParaRPr lang="ru-RU"/>
           </a:p>
@@ -562,7 +563,7 @@
     </p:spTree>
     <p:extLst>
       <p:ext uri="{BB962C8B-B14F-4D97-AF65-F5344CB8AC3E}">
-        <p14:creationId xmlns="" xmlns:p14="http://schemas.microsoft.com/office/powerpoint/2010/main" val="3865021395"/>
+        <p14:creationId xmlns:p14="http://schemas.microsoft.com/office/powerpoint/2010/main" xmlns="" val="3865021395"/>
       </p:ext>
     </p:extLst>
   </p:cSld>
@@ -776,7 +777,7 @@
     </p:spTree>
     <p:extLst>
       <p:ext uri="{BB962C8B-B14F-4D97-AF65-F5344CB8AC3E}">
-        <p14:creationId xmlns="" xmlns:p14="http://schemas.microsoft.com/office/powerpoint/2010/main" val="2381791527"/>
+        <p14:creationId xmlns:p14="http://schemas.microsoft.com/office/powerpoint/2010/main" xmlns="" val="2381791527"/>
       </p:ext>
     </p:extLst>
   </p:cSld>
@@ -890,7 +891,7 @@
             <a:fld id="{5583B3A5-99BF-45D9-956B-DC57CC23AD97}" type="slidenum">
               <a:rPr lang="ru-RU" smtClean="0"/>
               <a:pPr/>
-              <a:t>3</a:t>
+              <a:t>4</a:t>
             </a:fld>
             <a:endParaRPr lang="ru-RU"/>
           </a:p>
@@ -899,7 +900,7 @@
     </p:spTree>
     <p:extLst>
       <p:ext uri="{BB962C8B-B14F-4D97-AF65-F5344CB8AC3E}">
-        <p14:creationId xmlns="" xmlns:p14="http://schemas.microsoft.com/office/powerpoint/2010/main" val="1915950851"/>
+        <p14:creationId xmlns:p14="http://schemas.microsoft.com/office/powerpoint/2010/main" xmlns="" val="1915950851"/>
       </p:ext>
     </p:extLst>
   </p:cSld>
@@ -1159,7 +1160,7 @@
     </p:spTree>
     <p:extLst>
       <p:ext uri="{BB962C8B-B14F-4D97-AF65-F5344CB8AC3E}">
-        <p14:creationId xmlns="" xmlns:p14="http://schemas.microsoft.com/office/powerpoint/2010/main" val="322455162"/>
+        <p14:creationId xmlns:p14="http://schemas.microsoft.com/office/powerpoint/2010/main" xmlns="" val="322455162"/>
       </p:ext>
     </p:extLst>
   </p:cSld>
@@ -1333,7 +1334,7 @@
     </p:spTree>
     <p:extLst>
       <p:ext uri="{BB962C8B-B14F-4D97-AF65-F5344CB8AC3E}">
-        <p14:creationId xmlns="" xmlns:p14="http://schemas.microsoft.com/office/powerpoint/2010/main" val="971117636"/>
+        <p14:creationId xmlns:p14="http://schemas.microsoft.com/office/powerpoint/2010/main" xmlns="" val="971117636"/>
       </p:ext>
     </p:extLst>
   </p:cSld>
@@ -1510,7 +1511,7 @@
     </p:spTree>
     <p:extLst>
       <p:ext uri="{BB962C8B-B14F-4D97-AF65-F5344CB8AC3E}">
-        <p14:creationId xmlns="" xmlns:p14="http://schemas.microsoft.com/office/powerpoint/2010/main" val="3348877825"/>
+        <p14:creationId xmlns:p14="http://schemas.microsoft.com/office/powerpoint/2010/main" xmlns="" val="3348877825"/>
       </p:ext>
     </p:extLst>
   </p:cSld>
@@ -1701,6 +1702,11 @@
               </a:defRPr>
             </a:lvl3pPr>
             <a:lvl4pPr>
+              <a:buClr>
+                <a:srgbClr val="F7B217"/>
+              </a:buClr>
+              <a:buFont typeface="Wingdings" pitchFamily="2" charset="2"/>
+              <a:buChar char="§"/>
               <a:defRPr sz="2000">
                 <a:solidFill>
                   <a:srgbClr val="273272"/>
@@ -1708,6 +1714,11 @@
               </a:defRPr>
             </a:lvl4pPr>
             <a:lvl5pPr>
+              <a:buClr>
+                <a:srgbClr val="1E3272"/>
+              </a:buClr>
+              <a:buFont typeface="Wingdings" pitchFamily="2" charset="2"/>
+              <a:buChar char="§"/>
               <a:defRPr sz="1800">
                 <a:solidFill>
                   <a:srgbClr val="273272"/>
@@ -1835,7 +1846,7 @@
     </p:spTree>
     <p:extLst>
       <p:ext uri="{BB962C8B-B14F-4D97-AF65-F5344CB8AC3E}">
-        <p14:creationId xmlns="" xmlns:p14="http://schemas.microsoft.com/office/powerpoint/2010/main" val="3256953994"/>
+        <p14:creationId xmlns:p14="http://schemas.microsoft.com/office/powerpoint/2010/main" xmlns="" val="3256953994"/>
       </p:ext>
     </p:extLst>
   </p:cSld>
@@ -2085,7 +2096,7 @@
     </p:spTree>
     <p:extLst>
       <p:ext uri="{BB962C8B-B14F-4D97-AF65-F5344CB8AC3E}">
-        <p14:creationId xmlns="" xmlns:p14="http://schemas.microsoft.com/office/powerpoint/2010/main" val="3067076846"/>
+        <p14:creationId xmlns:p14="http://schemas.microsoft.com/office/powerpoint/2010/main" xmlns="" val="3067076846"/>
       </p:ext>
     </p:extLst>
   </p:cSld>
@@ -2321,7 +2332,7 @@
     </p:spTree>
     <p:extLst>
       <p:ext uri="{BB962C8B-B14F-4D97-AF65-F5344CB8AC3E}">
-        <p14:creationId xmlns="" xmlns:p14="http://schemas.microsoft.com/office/powerpoint/2010/main" val="3710015975"/>
+        <p14:creationId xmlns:p14="http://schemas.microsoft.com/office/powerpoint/2010/main" xmlns="" val="3710015975"/>
       </p:ext>
     </p:extLst>
   </p:cSld>
@@ -2692,7 +2703,7 @@
     </p:spTree>
     <p:extLst>
       <p:ext uri="{BB962C8B-B14F-4D97-AF65-F5344CB8AC3E}">
-        <p14:creationId xmlns="" xmlns:p14="http://schemas.microsoft.com/office/powerpoint/2010/main" val="4075590966"/>
+        <p14:creationId xmlns:p14="http://schemas.microsoft.com/office/powerpoint/2010/main" xmlns="" val="4075590966"/>
       </p:ext>
     </p:extLst>
   </p:cSld>
@@ -2814,7 +2825,7 @@
     </p:spTree>
     <p:extLst>
       <p:ext uri="{BB962C8B-B14F-4D97-AF65-F5344CB8AC3E}">
-        <p14:creationId xmlns="" xmlns:p14="http://schemas.microsoft.com/office/powerpoint/2010/main" val="2889604898"/>
+        <p14:creationId xmlns:p14="http://schemas.microsoft.com/office/powerpoint/2010/main" xmlns="" val="2889604898"/>
       </p:ext>
     </p:extLst>
   </p:cSld>
@@ -2913,7 +2924,7 @@
     </p:spTree>
     <p:extLst>
       <p:ext uri="{BB962C8B-B14F-4D97-AF65-F5344CB8AC3E}">
-        <p14:creationId xmlns="" xmlns:p14="http://schemas.microsoft.com/office/powerpoint/2010/main" val="152384765"/>
+        <p14:creationId xmlns:p14="http://schemas.microsoft.com/office/powerpoint/2010/main" xmlns="" val="152384765"/>
       </p:ext>
     </p:extLst>
   </p:cSld>
@@ -3194,7 +3205,7 @@
     </p:spTree>
     <p:extLst>
       <p:ext uri="{BB962C8B-B14F-4D97-AF65-F5344CB8AC3E}">
-        <p14:creationId xmlns="" xmlns:p14="http://schemas.microsoft.com/office/powerpoint/2010/main" val="2127791886"/>
+        <p14:creationId xmlns:p14="http://schemas.microsoft.com/office/powerpoint/2010/main" xmlns="" val="2127791886"/>
       </p:ext>
     </p:extLst>
   </p:cSld>
@@ -3451,7 +3462,7 @@
     </p:spTree>
     <p:extLst>
       <p:ext uri="{BB962C8B-B14F-4D97-AF65-F5344CB8AC3E}">
-        <p14:creationId xmlns="" xmlns:p14="http://schemas.microsoft.com/office/powerpoint/2010/main" val="1752705130"/>
+        <p14:creationId xmlns:p14="http://schemas.microsoft.com/office/powerpoint/2010/main" xmlns="" val="1752705130"/>
       </p:ext>
     </p:extLst>
   </p:cSld>
@@ -3704,7 +3715,7 @@
     </p:spTree>
     <p:extLst>
       <p:ext uri="{BB962C8B-B14F-4D97-AF65-F5344CB8AC3E}">
-        <p14:creationId xmlns="" xmlns:p14="http://schemas.microsoft.com/office/powerpoint/2010/main" val="968833914"/>
+        <p14:creationId xmlns:p14="http://schemas.microsoft.com/office/powerpoint/2010/main" xmlns="" val="968833914"/>
       </p:ext>
     </p:extLst>
   </p:cSld>
@@ -4078,11 +4089,7 @@
             </a:r>
             <a:r>
               <a:rPr lang="en-US" b="1" dirty="0" smtClean="0"/>
-              <a:t>: </a:t>
-            </a:r>
-            <a:r>
-              <a:rPr lang="en-US" b="1" dirty="0" smtClean="0"/>
-              <a:t>Data Representation</a:t>
+              <a:t>: Data Representation</a:t>
             </a:r>
             <a:endParaRPr lang="ru-RU" b="1" dirty="0"/>
           </a:p>
@@ -4185,7 +4192,7 @@
     </p:spTree>
     <p:extLst>
       <p:ext uri="{BB962C8B-B14F-4D97-AF65-F5344CB8AC3E}">
-        <p14:creationId xmlns="" xmlns:p14="http://schemas.microsoft.com/office/powerpoint/2010/main" val="2492894732"/>
+        <p14:creationId xmlns:p14="http://schemas.microsoft.com/office/powerpoint/2010/main" xmlns="" val="2492894732"/>
       </p:ext>
     </p:extLst>
   </p:cSld>
@@ -4229,12 +4236,128 @@
             <p:ph idx="1"/>
           </p:nvPr>
         </p:nvSpPr>
-        <p:spPr/>
+        <p:spPr>
+          <a:xfrm>
+            <a:off x="838201" y="1047429"/>
+            <a:ext cx="10490860" cy="3488944"/>
+          </a:xfrm>
+        </p:spPr>
         <p:txBody>
           <a:bodyPr/>
           <a:lstStyle/>
           <a:p>
-            <a:endParaRPr lang="ru-RU"/>
+            <a:pPr>
+              <a:lnSpc>
+                <a:spcPct val="100000"/>
+              </a:lnSpc>
+              <a:spcBef>
+                <a:spcPts val="0"/>
+              </a:spcBef>
+            </a:pPr>
+            <a:r>
+              <a:rPr lang="en-US" dirty="0" smtClean="0"/>
+              <a:t>Each bit is 0 or 1</a:t>
+            </a:r>
+          </a:p>
+          <a:p>
+            <a:pPr>
+              <a:lnSpc>
+                <a:spcPct val="100000"/>
+              </a:lnSpc>
+              <a:spcBef>
+                <a:spcPts val="0"/>
+              </a:spcBef>
+            </a:pPr>
+            <a:r>
+              <a:rPr lang="en-US" dirty="0" smtClean="0"/>
+              <a:t>By encoding/interpreting sets of bits in various ways</a:t>
+            </a:r>
+          </a:p>
+          <a:p>
+            <a:pPr lvl="1">
+              <a:lnSpc>
+                <a:spcPct val="100000"/>
+              </a:lnSpc>
+              <a:spcBef>
+                <a:spcPts val="0"/>
+              </a:spcBef>
+            </a:pPr>
+            <a:r>
+              <a:rPr lang="en-US" sz="2800" dirty="0" smtClean="0"/>
+              <a:t>Computers determine what to do (instructions)</a:t>
+            </a:r>
+          </a:p>
+          <a:p>
+            <a:pPr lvl="1">
+              <a:lnSpc>
+                <a:spcPct val="100000"/>
+              </a:lnSpc>
+              <a:spcBef>
+                <a:spcPts val="0"/>
+              </a:spcBef>
+            </a:pPr>
+            <a:r>
+              <a:rPr lang="en-US" sz="2800" dirty="0" smtClean="0"/>
+              <a:t>… and represent and manipulate numbers, sets, strings, etc…</a:t>
+            </a:r>
+          </a:p>
+          <a:p>
+            <a:pPr>
+              <a:lnSpc>
+                <a:spcPct val="100000"/>
+              </a:lnSpc>
+              <a:spcBef>
+                <a:spcPts val="0"/>
+              </a:spcBef>
+            </a:pPr>
+            <a:r>
+              <a:rPr lang="en-US" dirty="0" smtClean="0"/>
+              <a:t>Why </a:t>
+            </a:r>
+            <a:r>
+              <a:rPr lang="en-US" dirty="0" smtClean="0"/>
+              <a:t>bits? Electronic implementation</a:t>
+            </a:r>
+            <a:endParaRPr lang="en-US" dirty="0" smtClean="0"/>
+          </a:p>
+          <a:p>
+            <a:pPr lvl="1">
+              <a:lnSpc>
+                <a:spcPct val="100000"/>
+              </a:lnSpc>
+              <a:spcBef>
+                <a:spcPts val="0"/>
+              </a:spcBef>
+            </a:pPr>
+            <a:r>
+              <a:rPr lang="en-US" sz="2800" dirty="0" smtClean="0"/>
+              <a:t>Easy to store with </a:t>
+            </a:r>
+            <a:r>
+              <a:rPr lang="en-US" sz="2800" dirty="0" err="1" smtClean="0"/>
+              <a:t>bistable</a:t>
+            </a:r>
+            <a:r>
+              <a:rPr lang="en-US" sz="2800" dirty="0" smtClean="0"/>
+              <a:t> elements</a:t>
+            </a:r>
+          </a:p>
+          <a:p>
+            <a:pPr lvl="1">
+              <a:lnSpc>
+                <a:spcPct val="100000"/>
+              </a:lnSpc>
+              <a:spcBef>
+                <a:spcPts val="0"/>
+              </a:spcBef>
+            </a:pPr>
+            <a:r>
+              <a:rPr lang="en-US" sz="2800" dirty="0" smtClean="0"/>
+              <a:t>Reliably transmitted on noisy and inaccurate wires </a:t>
+            </a:r>
+          </a:p>
+          <a:p>
+            <a:endParaRPr lang="ru-RU" sz="2800" dirty="0"/>
           </a:p>
         </p:txBody>
       </p:sp>
@@ -4278,19 +4401,7383 @@
           <a:bodyPr/>
           <a:lstStyle/>
           <a:p>
-            <a:endParaRPr lang="ru-RU"/>
+            <a:r>
+              <a:rPr lang="en-US" dirty="0" smtClean="0"/>
+              <a:t>Everything is Bits</a:t>
+            </a:r>
+            <a:endParaRPr lang="ru-RU" dirty="0"/>
           </a:p>
         </p:txBody>
       </p:sp>
+      <p:grpSp>
+        <p:nvGrpSpPr>
+          <p:cNvPr id="5" name="Group 4"/>
+          <p:cNvGrpSpPr>
+            <a:grpSpLocks/>
+          </p:cNvGrpSpPr>
+          <p:nvPr/>
+        </p:nvGrpSpPr>
+        <p:grpSpPr bwMode="auto">
+          <a:xfrm>
+            <a:off x="1542126" y="4611575"/>
+            <a:ext cx="8777528" cy="2086099"/>
+            <a:chOff x="0" y="0"/>
+            <a:chExt cx="4320" cy="1392"/>
+          </a:xfrm>
+        </p:grpSpPr>
+        <p:sp>
+          <p:nvSpPr>
+            <p:cNvPr id="6" name="Rectangle 5"/>
+            <p:cNvSpPr>
+              <a:spLocks/>
+            </p:cNvSpPr>
+            <p:nvPr/>
+          </p:nvSpPr>
+          <p:spPr bwMode="auto">
+            <a:xfrm>
+              <a:off x="575" y="1008"/>
+              <a:ext cx="3745" cy="240"/>
+            </a:xfrm>
+            <a:prstGeom prst="rect">
+              <a:avLst/>
+            </a:prstGeom>
+            <a:solidFill>
+              <a:srgbClr val="F7B217"/>
+            </a:solidFill>
+            <a:ln w="25400">
+              <a:noFill/>
+              <a:miter lim="800000"/>
+              <a:headEnd/>
+              <a:tailEnd/>
+            </a:ln>
+          </p:spPr>
+          <p:txBody>
+            <a:bodyPr lIns="0" tIns="0" rIns="0" bIns="0">
+              <a:prstTxWarp prst="textNoShape">
+                <a:avLst/>
+              </a:prstTxWarp>
+            </a:bodyPr>
+            <a:lstStyle/>
+            <a:p>
+              <a:pPr algn="ctr" eaLnBrk="1" hangingPunct="1"/>
+              <a:endParaRPr lang="en-US" sz="4200" b="0" smtClean="0">
+                <a:solidFill>
+                  <a:srgbClr val="000000"/>
+                </a:solidFill>
+                <a:latin typeface="Gill Sans" charset="0"/>
+                <a:ea typeface="ヒラギノ角ゴ ProN W3" charset="-128"/>
+                <a:cs typeface="ヒラギノ角ゴ ProN W3" charset="-128"/>
+                <a:sym typeface="Gill Sans" charset="0"/>
+              </a:endParaRPr>
+            </a:p>
+          </p:txBody>
+        </p:sp>
+        <p:sp>
+          <p:nvSpPr>
+            <p:cNvPr id="7" name="Rectangle 6"/>
+            <p:cNvSpPr>
+              <a:spLocks/>
+            </p:cNvSpPr>
+            <p:nvPr/>
+          </p:nvSpPr>
+          <p:spPr bwMode="auto">
+            <a:xfrm>
+              <a:off x="575" y="384"/>
+              <a:ext cx="3745" cy="240"/>
+            </a:xfrm>
+            <a:prstGeom prst="rect">
+              <a:avLst/>
+            </a:prstGeom>
+            <a:solidFill>
+              <a:srgbClr val="F7B217"/>
+            </a:solidFill>
+            <a:ln w="25400">
+              <a:noFill/>
+              <a:miter lim="800000"/>
+              <a:headEnd/>
+              <a:tailEnd/>
+            </a:ln>
+          </p:spPr>
+          <p:txBody>
+            <a:bodyPr lIns="0" tIns="0" rIns="0" bIns="0">
+              <a:prstTxWarp prst="textNoShape">
+                <a:avLst/>
+              </a:prstTxWarp>
+            </a:bodyPr>
+            <a:lstStyle/>
+            <a:p>
+              <a:pPr algn="ctr" eaLnBrk="1" hangingPunct="1"/>
+              <a:endParaRPr lang="en-US" sz="4200" b="0" smtClean="0">
+                <a:solidFill>
+                  <a:srgbClr val="000000"/>
+                </a:solidFill>
+                <a:latin typeface="Gill Sans" charset="0"/>
+                <a:ea typeface="ヒラギノ角ゴ ProN W3" charset="-128"/>
+                <a:cs typeface="ヒラギノ角ゴ ProN W3" charset="-128"/>
+                <a:sym typeface="Gill Sans" charset="0"/>
+              </a:endParaRPr>
+            </a:p>
+          </p:txBody>
+        </p:sp>
+        <p:sp>
+          <p:nvSpPr>
+            <p:cNvPr id="8" name="Freeform 7"/>
+            <p:cNvSpPr>
+              <a:spLocks/>
+            </p:cNvSpPr>
+            <p:nvPr/>
+          </p:nvSpPr>
+          <p:spPr bwMode="auto">
+            <a:xfrm>
+              <a:off x="576" y="484"/>
+              <a:ext cx="3732" cy="716"/>
+            </a:xfrm>
+            <a:custGeom>
+              <a:avLst/>
+              <a:gdLst>
+                <a:gd name="T0" fmla="*/ 0 w 21600"/>
+                <a:gd name="T1" fmla="*/ 21298 h 21600"/>
+                <a:gd name="T2" fmla="*/ 948 w 21600"/>
+                <a:gd name="T3" fmla="*/ 19699 h 21600"/>
+                <a:gd name="T4" fmla="*/ 1775 w 21600"/>
+                <a:gd name="T5" fmla="*/ 19398 h 21600"/>
+                <a:gd name="T6" fmla="*/ 3302 w 21600"/>
+                <a:gd name="T7" fmla="*/ 20665 h 21600"/>
+                <a:gd name="T8" fmla="*/ 4636 w 21600"/>
+                <a:gd name="T9" fmla="*/ 19699 h 21600"/>
+                <a:gd name="T10" fmla="*/ 5397 w 21600"/>
+                <a:gd name="T11" fmla="*/ 19066 h 21600"/>
+                <a:gd name="T12" fmla="*/ 6164 w 21600"/>
+                <a:gd name="T13" fmla="*/ 20031 h 21600"/>
+                <a:gd name="T14" fmla="*/ 7111 w 21600"/>
+                <a:gd name="T15" fmla="*/ 20333 h 21600"/>
+                <a:gd name="T16" fmla="*/ 7685 w 21600"/>
+                <a:gd name="T17" fmla="*/ 20031 h 21600"/>
+                <a:gd name="T18" fmla="*/ 7878 w 21600"/>
+                <a:gd name="T19" fmla="*/ 19699 h 21600"/>
+                <a:gd name="T20" fmla="*/ 8132 w 21600"/>
+                <a:gd name="T21" fmla="*/ 17165 h 21600"/>
+                <a:gd name="T22" fmla="*/ 8832 w 21600"/>
+                <a:gd name="T23" fmla="*/ 7632 h 21600"/>
+                <a:gd name="T24" fmla="*/ 9339 w 21600"/>
+                <a:gd name="T25" fmla="*/ 3499 h 21600"/>
+                <a:gd name="T26" fmla="*/ 9913 w 21600"/>
+                <a:gd name="T27" fmla="*/ 1599 h 21600"/>
+                <a:gd name="T28" fmla="*/ 11054 w 21600"/>
+                <a:gd name="T29" fmla="*/ 634 h 21600"/>
+                <a:gd name="T30" fmla="*/ 12261 w 21600"/>
+                <a:gd name="T31" fmla="*/ 965 h 21600"/>
+                <a:gd name="T32" fmla="*/ 12514 w 21600"/>
+                <a:gd name="T33" fmla="*/ 1267 h 21600"/>
+                <a:gd name="T34" fmla="*/ 13595 w 21600"/>
+                <a:gd name="T35" fmla="*/ 332 h 21600"/>
+                <a:gd name="T36" fmla="*/ 13975 w 21600"/>
+                <a:gd name="T37" fmla="*/ 1267 h 21600"/>
+                <a:gd name="T38" fmla="*/ 14422 w 21600"/>
+                <a:gd name="T39" fmla="*/ 1599 h 21600"/>
+                <a:gd name="T40" fmla="*/ 15436 w 21600"/>
+                <a:gd name="T41" fmla="*/ 1267 h 21600"/>
+                <a:gd name="T42" fmla="*/ 15817 w 21600"/>
+                <a:gd name="T43" fmla="*/ 1931 h 21600"/>
+                <a:gd name="T44" fmla="*/ 16390 w 21600"/>
+                <a:gd name="T45" fmla="*/ 332 h 21600"/>
+                <a:gd name="T46" fmla="*/ 16710 w 21600"/>
+                <a:gd name="T47" fmla="*/ 0 h 21600"/>
+                <a:gd name="T48" fmla="*/ 18358 w 21600"/>
+                <a:gd name="T49" fmla="*/ 12399 h 21600"/>
+                <a:gd name="T50" fmla="*/ 19058 w 21600"/>
+                <a:gd name="T51" fmla="*/ 19398 h 21600"/>
+                <a:gd name="T52" fmla="*/ 20205 w 21600"/>
+                <a:gd name="T53" fmla="*/ 21600 h 21600"/>
+                <a:gd name="T54" fmla="*/ 20773 w 21600"/>
+                <a:gd name="T55" fmla="*/ 21298 h 21600"/>
+                <a:gd name="T56" fmla="*/ 20900 w 21600"/>
+                <a:gd name="T57" fmla="*/ 20333 h 21600"/>
+                <a:gd name="T58" fmla="*/ 21600 w 21600"/>
+                <a:gd name="T59" fmla="*/ 19699 h 21600"/>
+                <a:gd name="T60" fmla="*/ 0 60000 65536"/>
+                <a:gd name="T61" fmla="*/ 0 60000 65536"/>
+                <a:gd name="T62" fmla="*/ 0 60000 65536"/>
+                <a:gd name="T63" fmla="*/ 0 60000 65536"/>
+                <a:gd name="T64" fmla="*/ 0 60000 65536"/>
+                <a:gd name="T65" fmla="*/ 0 60000 65536"/>
+                <a:gd name="T66" fmla="*/ 0 60000 65536"/>
+                <a:gd name="T67" fmla="*/ 0 60000 65536"/>
+                <a:gd name="T68" fmla="*/ 0 60000 65536"/>
+                <a:gd name="T69" fmla="*/ 0 60000 65536"/>
+                <a:gd name="T70" fmla="*/ 0 60000 65536"/>
+                <a:gd name="T71" fmla="*/ 0 60000 65536"/>
+                <a:gd name="T72" fmla="*/ 0 60000 65536"/>
+                <a:gd name="T73" fmla="*/ 0 60000 65536"/>
+                <a:gd name="T74" fmla="*/ 0 60000 65536"/>
+                <a:gd name="T75" fmla="*/ 0 60000 65536"/>
+                <a:gd name="T76" fmla="*/ 0 60000 65536"/>
+                <a:gd name="T77" fmla="*/ 0 60000 65536"/>
+                <a:gd name="T78" fmla="*/ 0 60000 65536"/>
+                <a:gd name="T79" fmla="*/ 0 60000 65536"/>
+                <a:gd name="T80" fmla="*/ 0 60000 65536"/>
+                <a:gd name="T81" fmla="*/ 0 60000 65536"/>
+                <a:gd name="T82" fmla="*/ 0 60000 65536"/>
+                <a:gd name="T83" fmla="*/ 0 60000 65536"/>
+                <a:gd name="T84" fmla="*/ 0 60000 65536"/>
+                <a:gd name="T85" fmla="*/ 0 60000 65536"/>
+                <a:gd name="T86" fmla="*/ 0 60000 65536"/>
+                <a:gd name="T87" fmla="*/ 0 60000 65536"/>
+                <a:gd name="T88" fmla="*/ 0 60000 65536"/>
+                <a:gd name="T89" fmla="*/ 0 60000 65536"/>
+                <a:gd name="T90" fmla="*/ 0 w 21600"/>
+                <a:gd name="T91" fmla="*/ 0 h 21600"/>
+                <a:gd name="T92" fmla="*/ 21600 w 21600"/>
+                <a:gd name="T93" fmla="*/ 21600 h 21600"/>
+              </a:gdLst>
+              <a:ahLst/>
+              <a:cxnLst>
+                <a:cxn ang="T60">
+                  <a:pos x="T0" y="T1"/>
+                </a:cxn>
+                <a:cxn ang="T61">
+                  <a:pos x="T2" y="T3"/>
+                </a:cxn>
+                <a:cxn ang="T62">
+                  <a:pos x="T4" y="T5"/>
+                </a:cxn>
+                <a:cxn ang="T63">
+                  <a:pos x="T6" y="T7"/>
+                </a:cxn>
+                <a:cxn ang="T64">
+                  <a:pos x="T8" y="T9"/>
+                </a:cxn>
+                <a:cxn ang="T65">
+                  <a:pos x="T10" y="T11"/>
+                </a:cxn>
+                <a:cxn ang="T66">
+                  <a:pos x="T12" y="T13"/>
+                </a:cxn>
+                <a:cxn ang="T67">
+                  <a:pos x="T14" y="T15"/>
+                </a:cxn>
+                <a:cxn ang="T68">
+                  <a:pos x="T16" y="T17"/>
+                </a:cxn>
+                <a:cxn ang="T69">
+                  <a:pos x="T18" y="T19"/>
+                </a:cxn>
+                <a:cxn ang="T70">
+                  <a:pos x="T20" y="T21"/>
+                </a:cxn>
+                <a:cxn ang="T71">
+                  <a:pos x="T22" y="T23"/>
+                </a:cxn>
+                <a:cxn ang="T72">
+                  <a:pos x="T24" y="T25"/>
+                </a:cxn>
+                <a:cxn ang="T73">
+                  <a:pos x="T26" y="T27"/>
+                </a:cxn>
+                <a:cxn ang="T74">
+                  <a:pos x="T28" y="T29"/>
+                </a:cxn>
+                <a:cxn ang="T75">
+                  <a:pos x="T30" y="T31"/>
+                </a:cxn>
+                <a:cxn ang="T76">
+                  <a:pos x="T32" y="T33"/>
+                </a:cxn>
+                <a:cxn ang="T77">
+                  <a:pos x="T34" y="T35"/>
+                </a:cxn>
+                <a:cxn ang="T78">
+                  <a:pos x="T36" y="T37"/>
+                </a:cxn>
+                <a:cxn ang="T79">
+                  <a:pos x="T38" y="T39"/>
+                </a:cxn>
+                <a:cxn ang="T80">
+                  <a:pos x="T40" y="T41"/>
+                </a:cxn>
+                <a:cxn ang="T81">
+                  <a:pos x="T42" y="T43"/>
+                </a:cxn>
+                <a:cxn ang="T82">
+                  <a:pos x="T44" y="T45"/>
+                </a:cxn>
+                <a:cxn ang="T83">
+                  <a:pos x="T46" y="T47"/>
+                </a:cxn>
+                <a:cxn ang="T84">
+                  <a:pos x="T48" y="T49"/>
+                </a:cxn>
+                <a:cxn ang="T85">
+                  <a:pos x="T50" y="T51"/>
+                </a:cxn>
+                <a:cxn ang="T86">
+                  <a:pos x="T52" y="T53"/>
+                </a:cxn>
+                <a:cxn ang="T87">
+                  <a:pos x="T54" y="T55"/>
+                </a:cxn>
+                <a:cxn ang="T88">
+                  <a:pos x="T56" y="T57"/>
+                </a:cxn>
+                <a:cxn ang="T89">
+                  <a:pos x="T58" y="T59"/>
+                </a:cxn>
+              </a:cxnLst>
+              <a:rect l="T90" t="T91" r="T92" b="T93"/>
+              <a:pathLst>
+                <a:path w="21600" h="21600">
+                  <a:moveTo>
+                    <a:pt x="0" y="21298"/>
+                  </a:moveTo>
+                  <a:cubicBezTo>
+                    <a:pt x="326" y="20936"/>
+                    <a:pt x="610" y="19820"/>
+                    <a:pt x="948" y="19699"/>
+                  </a:cubicBezTo>
+                  <a:cubicBezTo>
+                    <a:pt x="1219" y="19579"/>
+                    <a:pt x="1497" y="19488"/>
+                    <a:pt x="1775" y="19398"/>
+                  </a:cubicBezTo>
+                  <a:cubicBezTo>
+                    <a:pt x="2276" y="19850"/>
+                    <a:pt x="2789" y="20212"/>
+                    <a:pt x="3302" y="20665"/>
+                  </a:cubicBezTo>
+                  <a:cubicBezTo>
+                    <a:pt x="3791" y="19760"/>
+                    <a:pt x="3984" y="19911"/>
+                    <a:pt x="4636" y="19699"/>
+                  </a:cubicBezTo>
+                  <a:cubicBezTo>
+                    <a:pt x="4781" y="19549"/>
+                    <a:pt x="5282" y="19066"/>
+                    <a:pt x="5397" y="19066"/>
+                  </a:cubicBezTo>
+                  <a:cubicBezTo>
+                    <a:pt x="5663" y="19066"/>
+                    <a:pt x="5898" y="19880"/>
+                    <a:pt x="6164" y="20031"/>
+                  </a:cubicBezTo>
+                  <a:cubicBezTo>
+                    <a:pt x="6478" y="20182"/>
+                    <a:pt x="6792" y="20212"/>
+                    <a:pt x="7111" y="20333"/>
+                  </a:cubicBezTo>
+                  <a:cubicBezTo>
+                    <a:pt x="7299" y="20212"/>
+                    <a:pt x="7492" y="20182"/>
+                    <a:pt x="7685" y="20031"/>
+                  </a:cubicBezTo>
+                  <a:cubicBezTo>
+                    <a:pt x="7751" y="19971"/>
+                    <a:pt x="7836" y="19941"/>
+                    <a:pt x="7878" y="19699"/>
+                  </a:cubicBezTo>
+                  <a:cubicBezTo>
+                    <a:pt x="7993" y="18945"/>
+                    <a:pt x="8023" y="17950"/>
+                    <a:pt x="8132" y="17165"/>
+                  </a:cubicBezTo>
+                  <a:cubicBezTo>
+                    <a:pt x="8548" y="13937"/>
+                    <a:pt x="8566" y="10921"/>
+                    <a:pt x="8832" y="7632"/>
+                  </a:cubicBezTo>
+                  <a:cubicBezTo>
+                    <a:pt x="8935" y="6305"/>
+                    <a:pt x="9176" y="4616"/>
+                    <a:pt x="9339" y="3499"/>
+                  </a:cubicBezTo>
+                  <a:cubicBezTo>
+                    <a:pt x="9466" y="2594"/>
+                    <a:pt x="9689" y="1810"/>
+                    <a:pt x="9913" y="1599"/>
+                  </a:cubicBezTo>
+                  <a:cubicBezTo>
+                    <a:pt x="10287" y="1207"/>
+                    <a:pt x="11054" y="634"/>
+                    <a:pt x="11054" y="634"/>
+                  </a:cubicBezTo>
+                  <a:cubicBezTo>
+                    <a:pt x="11452" y="724"/>
+                    <a:pt x="11856" y="784"/>
+                    <a:pt x="12261" y="965"/>
+                  </a:cubicBezTo>
+                  <a:cubicBezTo>
+                    <a:pt x="12345" y="996"/>
+                    <a:pt x="12424" y="1267"/>
+                    <a:pt x="12514" y="1267"/>
+                  </a:cubicBezTo>
+                  <a:cubicBezTo>
+                    <a:pt x="12859" y="1267"/>
+                    <a:pt x="13245" y="603"/>
+                    <a:pt x="13595" y="332"/>
+                  </a:cubicBezTo>
+                  <a:cubicBezTo>
+                    <a:pt x="13728" y="513"/>
+                    <a:pt x="13837" y="1056"/>
+                    <a:pt x="13975" y="1267"/>
+                  </a:cubicBezTo>
+                  <a:cubicBezTo>
+                    <a:pt x="14114" y="1478"/>
+                    <a:pt x="14271" y="1478"/>
+                    <a:pt x="14422" y="1599"/>
+                  </a:cubicBezTo>
+                  <a:cubicBezTo>
+                    <a:pt x="14790" y="1086"/>
+                    <a:pt x="15050" y="935"/>
+                    <a:pt x="15436" y="1267"/>
+                  </a:cubicBezTo>
+                  <a:cubicBezTo>
+                    <a:pt x="15563" y="1478"/>
+                    <a:pt x="15684" y="2142"/>
+                    <a:pt x="15817" y="1931"/>
+                  </a:cubicBezTo>
+                  <a:cubicBezTo>
+                    <a:pt x="16022" y="1569"/>
+                    <a:pt x="16173" y="543"/>
+                    <a:pt x="16390" y="332"/>
+                  </a:cubicBezTo>
+                  <a:cubicBezTo>
+                    <a:pt x="16493" y="211"/>
+                    <a:pt x="16601" y="91"/>
+                    <a:pt x="16710" y="0"/>
+                  </a:cubicBezTo>
+                  <a:cubicBezTo>
+                    <a:pt x="17682" y="4857"/>
+                    <a:pt x="17851" y="5038"/>
+                    <a:pt x="18358" y="12399"/>
+                  </a:cubicBezTo>
+                  <a:cubicBezTo>
+                    <a:pt x="18539" y="15023"/>
+                    <a:pt x="18527" y="18010"/>
+                    <a:pt x="19058" y="19398"/>
+                  </a:cubicBezTo>
+                  <a:cubicBezTo>
+                    <a:pt x="19855" y="18674"/>
+                    <a:pt x="19445" y="17799"/>
+                    <a:pt x="20205" y="21600"/>
+                  </a:cubicBezTo>
+                  <a:cubicBezTo>
+                    <a:pt x="20393" y="21479"/>
+                    <a:pt x="20592" y="21600"/>
+                    <a:pt x="20773" y="21298"/>
+                  </a:cubicBezTo>
+                  <a:cubicBezTo>
+                    <a:pt x="20839" y="21147"/>
+                    <a:pt x="20839" y="20544"/>
+                    <a:pt x="20900" y="20333"/>
+                  </a:cubicBezTo>
+                  <a:cubicBezTo>
+                    <a:pt x="21063" y="19669"/>
+                    <a:pt x="21401" y="19699"/>
+                    <a:pt x="21600" y="19699"/>
+                  </a:cubicBezTo>
+                </a:path>
+              </a:pathLst>
+            </a:custGeom>
+            <a:noFill/>
+            <a:ln w="25400">
+              <a:solidFill>
+                <a:srgbClr val="000066"/>
+              </a:solidFill>
+              <a:round/>
+              <a:headEnd/>
+              <a:tailEnd/>
+            </a:ln>
+          </p:spPr>
+          <p:txBody>
+            <a:bodyPr lIns="0" tIns="0" rIns="0" bIns="0">
+              <a:prstTxWarp prst="textNoShape">
+                <a:avLst/>
+              </a:prstTxWarp>
+            </a:bodyPr>
+            <a:lstStyle/>
+            <a:p>
+              <a:pPr algn="ctr" eaLnBrk="1" hangingPunct="1"/>
+              <a:endParaRPr lang="en-US" sz="4200" b="0" smtClean="0">
+                <a:solidFill>
+                  <a:srgbClr val="000000"/>
+                </a:solidFill>
+                <a:latin typeface="Gill Sans" charset="0"/>
+                <a:ea typeface="ヒラギノ角ゴ ProN W3" charset="-128"/>
+                <a:cs typeface="ヒラギノ角ゴ ProN W3" charset="-128"/>
+                <a:sym typeface="Gill Sans" charset="0"/>
+              </a:endParaRPr>
+            </a:p>
+          </p:txBody>
+        </p:sp>
+        <p:sp>
+          <p:nvSpPr>
+            <p:cNvPr id="9" name="Line 8"/>
+            <p:cNvSpPr>
+              <a:spLocks noChangeShapeType="1"/>
+            </p:cNvSpPr>
+            <p:nvPr/>
+          </p:nvSpPr>
+          <p:spPr bwMode="auto">
+            <a:xfrm flipH="1">
+              <a:off x="432" y="1248"/>
+              <a:ext cx="144" cy="1"/>
+            </a:xfrm>
+            <a:prstGeom prst="line">
+              <a:avLst/>
+            </a:prstGeom>
+            <a:noFill/>
+            <a:ln w="25400">
+              <a:solidFill>
+                <a:srgbClr val="000066"/>
+              </a:solidFill>
+              <a:round/>
+              <a:headEnd/>
+              <a:tailEnd/>
+            </a:ln>
+          </p:spPr>
+          <p:txBody>
+            <a:bodyPr lIns="0" tIns="0" rIns="0" bIns="0">
+              <a:prstTxWarp prst="textNoShape">
+                <a:avLst/>
+              </a:prstTxWarp>
+            </a:bodyPr>
+            <a:lstStyle/>
+            <a:p>
+              <a:pPr algn="ctr" eaLnBrk="1" hangingPunct="1"/>
+              <a:endParaRPr lang="en-US" sz="4200" b="0" smtClean="0">
+                <a:solidFill>
+                  <a:srgbClr val="000000"/>
+                </a:solidFill>
+                <a:latin typeface="Gill Sans" charset="0"/>
+                <a:ea typeface="ヒラギノ角ゴ ProN W3" charset="-128"/>
+                <a:cs typeface="ヒラギノ角ゴ ProN W3" charset="-128"/>
+                <a:sym typeface="Gill Sans" charset="0"/>
+              </a:endParaRPr>
+            </a:p>
+          </p:txBody>
+        </p:sp>
+        <p:sp>
+          <p:nvSpPr>
+            <p:cNvPr id="10" name="Line 9"/>
+            <p:cNvSpPr>
+              <a:spLocks noChangeShapeType="1"/>
+            </p:cNvSpPr>
+            <p:nvPr/>
+          </p:nvSpPr>
+          <p:spPr bwMode="auto">
+            <a:xfrm flipH="1">
+              <a:off x="432" y="384"/>
+              <a:ext cx="144" cy="1"/>
+            </a:xfrm>
+            <a:prstGeom prst="line">
+              <a:avLst/>
+            </a:prstGeom>
+            <a:noFill/>
+            <a:ln w="25400">
+              <a:solidFill>
+                <a:srgbClr val="000066"/>
+              </a:solidFill>
+              <a:round/>
+              <a:headEnd/>
+              <a:tailEnd/>
+            </a:ln>
+          </p:spPr>
+          <p:txBody>
+            <a:bodyPr lIns="0" tIns="0" rIns="0" bIns="0">
+              <a:prstTxWarp prst="textNoShape">
+                <a:avLst/>
+              </a:prstTxWarp>
+            </a:bodyPr>
+            <a:lstStyle/>
+            <a:p>
+              <a:pPr algn="ctr" eaLnBrk="1" hangingPunct="1"/>
+              <a:endParaRPr lang="en-US" sz="4200" b="0" smtClean="0">
+                <a:solidFill>
+                  <a:srgbClr val="000000"/>
+                </a:solidFill>
+                <a:latin typeface="Gill Sans" charset="0"/>
+                <a:ea typeface="ヒラギノ角ゴ ProN W3" charset="-128"/>
+                <a:cs typeface="ヒラギノ角ゴ ProN W3" charset="-128"/>
+                <a:sym typeface="Gill Sans" charset="0"/>
+              </a:endParaRPr>
+            </a:p>
+          </p:txBody>
+        </p:sp>
+        <p:sp>
+          <p:nvSpPr>
+            <p:cNvPr id="11" name="Rectangle 10"/>
+            <p:cNvSpPr>
+              <a:spLocks/>
+            </p:cNvSpPr>
+            <p:nvPr/>
+          </p:nvSpPr>
+          <p:spPr bwMode="auto">
+            <a:xfrm>
+              <a:off x="0" y="1152"/>
+              <a:ext cx="393" cy="240"/>
+            </a:xfrm>
+            <a:prstGeom prst="rect">
+              <a:avLst/>
+            </a:prstGeom>
+            <a:noFill/>
+            <a:ln w="25400">
+              <a:noFill/>
+              <a:miter lim="800000"/>
+              <a:headEnd/>
+              <a:tailEnd/>
+            </a:ln>
+          </p:spPr>
+          <p:txBody>
+            <a:bodyPr wrap="none" lIns="50800" tIns="50800" bIns="50800">
+              <a:prstTxWarp prst="textNoShape">
+                <a:avLst/>
+              </a:prstTxWarp>
+              <a:spAutoFit/>
+            </a:bodyPr>
+            <a:lstStyle/>
+            <a:p>
+              <a:pPr eaLnBrk="1" hangingPunct="1"/>
+              <a:r>
+                <a:rPr lang="en-US" sz="1800" b="0">
+                  <a:solidFill>
+                    <a:srgbClr val="000066"/>
+                  </a:solidFill>
+                  <a:latin typeface="Helvetica" charset="0"/>
+                  <a:ea typeface="Helvetica" charset="0"/>
+                  <a:cs typeface="Helvetica" charset="0"/>
+                  <a:sym typeface="Helvetica" charset="0"/>
+                </a:rPr>
+                <a:t>0.0V</a:t>
+              </a:r>
+            </a:p>
+          </p:txBody>
+        </p:sp>
+        <p:sp>
+          <p:nvSpPr>
+            <p:cNvPr id="12" name="Rectangle 11"/>
+            <p:cNvSpPr>
+              <a:spLocks/>
+            </p:cNvSpPr>
+            <p:nvPr/>
+          </p:nvSpPr>
+          <p:spPr bwMode="auto">
+            <a:xfrm>
+              <a:off x="0" y="912"/>
+              <a:ext cx="397" cy="239"/>
+            </a:xfrm>
+            <a:prstGeom prst="rect">
+              <a:avLst/>
+            </a:prstGeom>
+            <a:noFill/>
+            <a:ln w="25400">
+              <a:noFill/>
+              <a:miter lim="800000"/>
+              <a:headEnd/>
+              <a:tailEnd/>
+            </a:ln>
+          </p:spPr>
+          <p:txBody>
+            <a:bodyPr wrap="none" lIns="50800" tIns="50800" bIns="50800">
+              <a:prstTxWarp prst="textNoShape">
+                <a:avLst/>
+              </a:prstTxWarp>
+              <a:spAutoFit/>
+            </a:bodyPr>
+            <a:lstStyle/>
+            <a:p>
+              <a:pPr eaLnBrk="1" hangingPunct="1"/>
+              <a:r>
+                <a:rPr lang="en-US" sz="1800" b="0" dirty="0" smtClean="0">
+                  <a:solidFill>
+                    <a:srgbClr val="000066"/>
+                  </a:solidFill>
+                  <a:latin typeface="Helvetica" charset="0"/>
+                  <a:ea typeface="Helvetica" charset="0"/>
+                  <a:cs typeface="Helvetica" charset="0"/>
+                  <a:sym typeface="Helvetica" charset="0"/>
+                </a:rPr>
+                <a:t>0.2V</a:t>
+              </a:r>
+              <a:endParaRPr lang="en-US" sz="1800" b="0" dirty="0">
+                <a:solidFill>
+                  <a:srgbClr val="000066"/>
+                </a:solidFill>
+                <a:latin typeface="Helvetica" charset="0"/>
+                <a:ea typeface="Helvetica" charset="0"/>
+                <a:cs typeface="Helvetica" charset="0"/>
+                <a:sym typeface="Helvetica" charset="0"/>
+              </a:endParaRPr>
+            </a:p>
+          </p:txBody>
+        </p:sp>
+        <p:sp>
+          <p:nvSpPr>
+            <p:cNvPr id="13" name="Rectangle 12"/>
+            <p:cNvSpPr>
+              <a:spLocks/>
+            </p:cNvSpPr>
+            <p:nvPr/>
+          </p:nvSpPr>
+          <p:spPr bwMode="auto">
+            <a:xfrm>
+              <a:off x="0" y="528"/>
+              <a:ext cx="397" cy="239"/>
+            </a:xfrm>
+            <a:prstGeom prst="rect">
+              <a:avLst/>
+            </a:prstGeom>
+            <a:noFill/>
+            <a:ln w="25400">
+              <a:noFill/>
+              <a:miter lim="800000"/>
+              <a:headEnd/>
+              <a:tailEnd/>
+            </a:ln>
+          </p:spPr>
+          <p:txBody>
+            <a:bodyPr wrap="none" lIns="50800" tIns="50800" bIns="50800">
+              <a:prstTxWarp prst="textNoShape">
+                <a:avLst/>
+              </a:prstTxWarp>
+              <a:spAutoFit/>
+            </a:bodyPr>
+            <a:lstStyle/>
+            <a:p>
+              <a:pPr eaLnBrk="1" hangingPunct="1"/>
+              <a:r>
+                <a:rPr lang="en-US" sz="1800" b="0" dirty="0" smtClean="0">
+                  <a:solidFill>
+                    <a:srgbClr val="000066"/>
+                  </a:solidFill>
+                  <a:latin typeface="Helvetica" charset="0"/>
+                  <a:ea typeface="Helvetica" charset="0"/>
+                  <a:cs typeface="Helvetica" charset="0"/>
+                  <a:sym typeface="Helvetica" charset="0"/>
+                </a:rPr>
+                <a:t>0.9V</a:t>
+              </a:r>
+              <a:endParaRPr lang="en-US" sz="1800" b="0" dirty="0">
+                <a:solidFill>
+                  <a:srgbClr val="000066"/>
+                </a:solidFill>
+                <a:latin typeface="Helvetica" charset="0"/>
+                <a:ea typeface="Helvetica" charset="0"/>
+                <a:cs typeface="Helvetica" charset="0"/>
+                <a:sym typeface="Helvetica" charset="0"/>
+              </a:endParaRPr>
+            </a:p>
+          </p:txBody>
+        </p:sp>
+        <p:sp>
+          <p:nvSpPr>
+            <p:cNvPr id="14" name="Rectangle 13"/>
+            <p:cNvSpPr>
+              <a:spLocks/>
+            </p:cNvSpPr>
+            <p:nvPr/>
+          </p:nvSpPr>
+          <p:spPr bwMode="auto">
+            <a:xfrm>
+              <a:off x="0" y="288"/>
+              <a:ext cx="397" cy="239"/>
+            </a:xfrm>
+            <a:prstGeom prst="rect">
+              <a:avLst/>
+            </a:prstGeom>
+            <a:noFill/>
+            <a:ln w="25400">
+              <a:noFill/>
+              <a:miter lim="800000"/>
+              <a:headEnd/>
+              <a:tailEnd/>
+            </a:ln>
+          </p:spPr>
+          <p:txBody>
+            <a:bodyPr wrap="none" lIns="50800" tIns="50800" bIns="50800">
+              <a:prstTxWarp prst="textNoShape">
+                <a:avLst/>
+              </a:prstTxWarp>
+              <a:spAutoFit/>
+            </a:bodyPr>
+            <a:lstStyle/>
+            <a:p>
+              <a:pPr eaLnBrk="1" hangingPunct="1"/>
+              <a:r>
+                <a:rPr lang="en-US" sz="1800" b="0" dirty="0" smtClean="0">
+                  <a:solidFill>
+                    <a:srgbClr val="000066"/>
+                  </a:solidFill>
+                  <a:latin typeface="Helvetica" charset="0"/>
+                  <a:ea typeface="Helvetica" charset="0"/>
+                  <a:cs typeface="Helvetica" charset="0"/>
+                  <a:sym typeface="Helvetica" charset="0"/>
+                </a:rPr>
+                <a:t>1.1V</a:t>
+              </a:r>
+              <a:endParaRPr lang="en-US" sz="1800" b="0" dirty="0">
+                <a:solidFill>
+                  <a:srgbClr val="000066"/>
+                </a:solidFill>
+                <a:latin typeface="Helvetica" charset="0"/>
+                <a:ea typeface="Helvetica" charset="0"/>
+                <a:cs typeface="Helvetica" charset="0"/>
+                <a:sym typeface="Helvetica" charset="0"/>
+              </a:endParaRPr>
+            </a:p>
+          </p:txBody>
+        </p:sp>
+        <p:sp>
+          <p:nvSpPr>
+            <p:cNvPr id="15" name="Line 14"/>
+            <p:cNvSpPr>
+              <a:spLocks noChangeShapeType="1"/>
+            </p:cNvSpPr>
+            <p:nvPr/>
+          </p:nvSpPr>
+          <p:spPr bwMode="auto">
+            <a:xfrm>
+              <a:off x="576" y="96"/>
+              <a:ext cx="1392" cy="1"/>
+            </a:xfrm>
+            <a:prstGeom prst="line">
+              <a:avLst/>
+            </a:prstGeom>
+            <a:noFill/>
+            <a:ln w="25400">
+              <a:solidFill>
+                <a:srgbClr val="000066"/>
+              </a:solidFill>
+              <a:round/>
+              <a:headEnd type="triangle" w="med" len="med"/>
+              <a:tailEnd type="triangle" w="med" len="med"/>
+            </a:ln>
+          </p:spPr>
+          <p:txBody>
+            <a:bodyPr lIns="0" tIns="0" rIns="0" bIns="0">
+              <a:prstTxWarp prst="textNoShape">
+                <a:avLst/>
+              </a:prstTxWarp>
+            </a:bodyPr>
+            <a:lstStyle/>
+            <a:p>
+              <a:pPr algn="ctr" eaLnBrk="1" hangingPunct="1"/>
+              <a:endParaRPr lang="en-US" sz="4200" b="0" smtClean="0">
+                <a:solidFill>
+                  <a:srgbClr val="000000"/>
+                </a:solidFill>
+                <a:latin typeface="Gill Sans" charset="0"/>
+                <a:ea typeface="ヒラギノ角ゴ ProN W3" charset="-128"/>
+                <a:cs typeface="ヒラギノ角ゴ ProN W3" charset="-128"/>
+                <a:sym typeface="Gill Sans" charset="0"/>
+              </a:endParaRPr>
+            </a:p>
+          </p:txBody>
+        </p:sp>
+        <p:sp>
+          <p:nvSpPr>
+            <p:cNvPr id="16" name="Line 15"/>
+            <p:cNvSpPr>
+              <a:spLocks noChangeShapeType="1"/>
+            </p:cNvSpPr>
+            <p:nvPr/>
+          </p:nvSpPr>
+          <p:spPr bwMode="auto">
+            <a:xfrm>
+              <a:off x="2160" y="96"/>
+              <a:ext cx="1440" cy="1"/>
+            </a:xfrm>
+            <a:prstGeom prst="line">
+              <a:avLst/>
+            </a:prstGeom>
+            <a:noFill/>
+            <a:ln w="25400">
+              <a:solidFill>
+                <a:srgbClr val="000066"/>
+              </a:solidFill>
+              <a:round/>
+              <a:headEnd type="triangle" w="med" len="med"/>
+              <a:tailEnd type="triangle" w="med" len="med"/>
+            </a:ln>
+          </p:spPr>
+          <p:txBody>
+            <a:bodyPr lIns="0" tIns="0" rIns="0" bIns="0">
+              <a:prstTxWarp prst="textNoShape">
+                <a:avLst/>
+              </a:prstTxWarp>
+            </a:bodyPr>
+            <a:lstStyle/>
+            <a:p>
+              <a:pPr algn="ctr" eaLnBrk="1" hangingPunct="1"/>
+              <a:endParaRPr lang="en-US" sz="4200" b="0" smtClean="0">
+                <a:solidFill>
+                  <a:srgbClr val="000000"/>
+                </a:solidFill>
+                <a:latin typeface="Gill Sans" charset="0"/>
+                <a:ea typeface="ヒラギノ角ゴ ProN W3" charset="-128"/>
+                <a:cs typeface="ヒラギノ角ゴ ProN W3" charset="-128"/>
+                <a:sym typeface="Gill Sans" charset="0"/>
+              </a:endParaRPr>
+            </a:p>
+          </p:txBody>
+        </p:sp>
+        <p:sp>
+          <p:nvSpPr>
+            <p:cNvPr id="17" name="Line 16"/>
+            <p:cNvSpPr>
+              <a:spLocks noChangeShapeType="1"/>
+            </p:cNvSpPr>
+            <p:nvPr/>
+          </p:nvSpPr>
+          <p:spPr bwMode="auto">
+            <a:xfrm>
+              <a:off x="3792" y="96"/>
+              <a:ext cx="480" cy="1"/>
+            </a:xfrm>
+            <a:prstGeom prst="line">
+              <a:avLst/>
+            </a:prstGeom>
+            <a:noFill/>
+            <a:ln w="25400">
+              <a:solidFill>
+                <a:srgbClr val="000066"/>
+              </a:solidFill>
+              <a:round/>
+              <a:headEnd type="triangle" w="med" len="med"/>
+              <a:tailEnd type="triangle" w="med" len="med"/>
+            </a:ln>
+          </p:spPr>
+          <p:txBody>
+            <a:bodyPr lIns="0" tIns="0" rIns="0" bIns="0">
+              <a:prstTxWarp prst="textNoShape">
+                <a:avLst/>
+              </a:prstTxWarp>
+            </a:bodyPr>
+            <a:lstStyle/>
+            <a:p>
+              <a:pPr algn="ctr" eaLnBrk="1" hangingPunct="1"/>
+              <a:endParaRPr lang="en-US" sz="4200" b="0" smtClean="0">
+                <a:solidFill>
+                  <a:srgbClr val="000000"/>
+                </a:solidFill>
+                <a:latin typeface="Gill Sans" charset="0"/>
+                <a:ea typeface="ヒラギノ角ゴ ProN W3" charset="-128"/>
+                <a:cs typeface="ヒラギノ角ゴ ProN W3" charset="-128"/>
+                <a:sym typeface="Gill Sans" charset="0"/>
+              </a:endParaRPr>
+            </a:p>
+          </p:txBody>
+        </p:sp>
+        <p:sp>
+          <p:nvSpPr>
+            <p:cNvPr id="18" name="Line 17"/>
+            <p:cNvSpPr>
+              <a:spLocks noChangeShapeType="1"/>
+            </p:cNvSpPr>
+            <p:nvPr/>
+          </p:nvSpPr>
+          <p:spPr bwMode="auto">
+            <a:xfrm>
+              <a:off x="1968" y="48"/>
+              <a:ext cx="1" cy="1008"/>
+            </a:xfrm>
+            <a:prstGeom prst="line">
+              <a:avLst/>
+            </a:prstGeom>
+            <a:noFill/>
+            <a:ln w="12700">
+              <a:solidFill>
+                <a:srgbClr val="000066"/>
+              </a:solidFill>
+              <a:round/>
+              <a:headEnd/>
+              <a:tailEnd/>
+            </a:ln>
+          </p:spPr>
+          <p:txBody>
+            <a:bodyPr lIns="0" tIns="0" rIns="0" bIns="0">
+              <a:prstTxWarp prst="textNoShape">
+                <a:avLst/>
+              </a:prstTxWarp>
+            </a:bodyPr>
+            <a:lstStyle/>
+            <a:p>
+              <a:pPr algn="ctr" eaLnBrk="1" hangingPunct="1"/>
+              <a:endParaRPr lang="en-US" sz="4200" b="0" smtClean="0">
+                <a:solidFill>
+                  <a:srgbClr val="000000"/>
+                </a:solidFill>
+                <a:latin typeface="Gill Sans" charset="0"/>
+                <a:ea typeface="ヒラギノ角ゴ ProN W3" charset="-128"/>
+                <a:cs typeface="ヒラギノ角ゴ ProN W3" charset="-128"/>
+                <a:sym typeface="Gill Sans" charset="0"/>
+              </a:endParaRPr>
+            </a:p>
+          </p:txBody>
+        </p:sp>
+        <p:sp>
+          <p:nvSpPr>
+            <p:cNvPr id="19" name="Line 18"/>
+            <p:cNvSpPr>
+              <a:spLocks noChangeShapeType="1"/>
+            </p:cNvSpPr>
+            <p:nvPr/>
+          </p:nvSpPr>
+          <p:spPr bwMode="auto">
+            <a:xfrm>
+              <a:off x="2160" y="48"/>
+              <a:ext cx="1" cy="576"/>
+            </a:xfrm>
+            <a:prstGeom prst="line">
+              <a:avLst/>
+            </a:prstGeom>
+            <a:noFill/>
+            <a:ln w="12700">
+              <a:solidFill>
+                <a:srgbClr val="000066"/>
+              </a:solidFill>
+              <a:round/>
+              <a:headEnd/>
+              <a:tailEnd/>
+            </a:ln>
+          </p:spPr>
+          <p:txBody>
+            <a:bodyPr lIns="0" tIns="0" rIns="0" bIns="0">
+              <a:prstTxWarp prst="textNoShape">
+                <a:avLst/>
+              </a:prstTxWarp>
+            </a:bodyPr>
+            <a:lstStyle/>
+            <a:p>
+              <a:pPr algn="ctr" eaLnBrk="1" hangingPunct="1"/>
+              <a:endParaRPr lang="en-US" sz="4200" b="0" smtClean="0">
+                <a:solidFill>
+                  <a:srgbClr val="000000"/>
+                </a:solidFill>
+                <a:latin typeface="Gill Sans" charset="0"/>
+                <a:ea typeface="ヒラギノ角ゴ ProN W3" charset="-128"/>
+                <a:cs typeface="ヒラギノ角ゴ ProN W3" charset="-128"/>
+                <a:sym typeface="Gill Sans" charset="0"/>
+              </a:endParaRPr>
+            </a:p>
+          </p:txBody>
+        </p:sp>
+        <p:sp>
+          <p:nvSpPr>
+            <p:cNvPr id="20" name="Line 19"/>
+            <p:cNvSpPr>
+              <a:spLocks noChangeShapeType="1"/>
+            </p:cNvSpPr>
+            <p:nvPr/>
+          </p:nvSpPr>
+          <p:spPr bwMode="auto">
+            <a:xfrm>
+              <a:off x="3600" y="48"/>
+              <a:ext cx="1" cy="576"/>
+            </a:xfrm>
+            <a:prstGeom prst="line">
+              <a:avLst/>
+            </a:prstGeom>
+            <a:noFill/>
+            <a:ln w="12700">
+              <a:solidFill>
+                <a:srgbClr val="000066"/>
+              </a:solidFill>
+              <a:round/>
+              <a:headEnd/>
+              <a:tailEnd/>
+            </a:ln>
+          </p:spPr>
+          <p:txBody>
+            <a:bodyPr lIns="0" tIns="0" rIns="0" bIns="0">
+              <a:prstTxWarp prst="textNoShape">
+                <a:avLst/>
+              </a:prstTxWarp>
+            </a:bodyPr>
+            <a:lstStyle/>
+            <a:p>
+              <a:pPr algn="ctr" eaLnBrk="1" hangingPunct="1"/>
+              <a:endParaRPr lang="en-US" sz="4200" b="0" smtClean="0">
+                <a:solidFill>
+                  <a:srgbClr val="000000"/>
+                </a:solidFill>
+                <a:latin typeface="Gill Sans" charset="0"/>
+                <a:ea typeface="ヒラギノ角ゴ ProN W3" charset="-128"/>
+                <a:cs typeface="ヒラギノ角ゴ ProN W3" charset="-128"/>
+                <a:sym typeface="Gill Sans" charset="0"/>
+              </a:endParaRPr>
+            </a:p>
+          </p:txBody>
+        </p:sp>
+        <p:sp>
+          <p:nvSpPr>
+            <p:cNvPr id="21" name="Line 20"/>
+            <p:cNvSpPr>
+              <a:spLocks noChangeShapeType="1"/>
+            </p:cNvSpPr>
+            <p:nvPr/>
+          </p:nvSpPr>
+          <p:spPr bwMode="auto">
+            <a:xfrm>
+              <a:off x="3792" y="48"/>
+              <a:ext cx="1" cy="960"/>
+            </a:xfrm>
+            <a:prstGeom prst="line">
+              <a:avLst/>
+            </a:prstGeom>
+            <a:noFill/>
+            <a:ln w="12700">
+              <a:solidFill>
+                <a:srgbClr val="000066"/>
+              </a:solidFill>
+              <a:round/>
+              <a:headEnd/>
+              <a:tailEnd/>
+            </a:ln>
+          </p:spPr>
+          <p:txBody>
+            <a:bodyPr lIns="0" tIns="0" rIns="0" bIns="0">
+              <a:prstTxWarp prst="textNoShape">
+                <a:avLst/>
+              </a:prstTxWarp>
+            </a:bodyPr>
+            <a:lstStyle/>
+            <a:p>
+              <a:pPr algn="ctr" eaLnBrk="1" hangingPunct="1"/>
+              <a:endParaRPr lang="en-US" sz="4200" b="0" smtClean="0">
+                <a:solidFill>
+                  <a:srgbClr val="000000"/>
+                </a:solidFill>
+                <a:latin typeface="Gill Sans" charset="0"/>
+                <a:ea typeface="ヒラギノ角ゴ ProN W3" charset="-128"/>
+                <a:cs typeface="ヒラギノ角ゴ ProN W3" charset="-128"/>
+                <a:sym typeface="Gill Sans" charset="0"/>
+              </a:endParaRPr>
+            </a:p>
+          </p:txBody>
+        </p:sp>
+        <p:sp>
+          <p:nvSpPr>
+            <p:cNvPr id="22" name="Rectangle 21"/>
+            <p:cNvSpPr>
+              <a:spLocks/>
+            </p:cNvSpPr>
+            <p:nvPr/>
+          </p:nvSpPr>
+          <p:spPr bwMode="auto">
+            <a:xfrm>
+              <a:off x="1105" y="0"/>
+              <a:ext cx="304" cy="240"/>
+            </a:xfrm>
+            <a:prstGeom prst="rect">
+              <a:avLst/>
+            </a:prstGeom>
+            <a:solidFill>
+              <a:srgbClr val="FFFFFF"/>
+            </a:solidFill>
+            <a:ln w="25400">
+              <a:noFill/>
+              <a:miter lim="800000"/>
+              <a:headEnd/>
+              <a:tailEnd/>
+            </a:ln>
+          </p:spPr>
+          <p:txBody>
+            <a:bodyPr lIns="50800" tIns="50800" bIns="50800">
+              <a:prstTxWarp prst="textNoShape">
+                <a:avLst/>
+              </a:prstTxWarp>
+            </a:bodyPr>
+            <a:lstStyle/>
+            <a:p>
+              <a:pPr algn="ctr" eaLnBrk="1" hangingPunct="1"/>
+              <a:r>
+                <a:rPr lang="en-US" sz="1800" b="0">
+                  <a:solidFill>
+                    <a:srgbClr val="000066"/>
+                  </a:solidFill>
+                  <a:latin typeface="Helvetica" charset="0"/>
+                  <a:ea typeface="Helvetica" charset="0"/>
+                  <a:cs typeface="Helvetica" charset="0"/>
+                  <a:sym typeface="Helvetica" charset="0"/>
+                </a:rPr>
+                <a:t>0</a:t>
+              </a:r>
+            </a:p>
+          </p:txBody>
+        </p:sp>
+        <p:sp>
+          <p:nvSpPr>
+            <p:cNvPr id="23" name="Rectangle 22"/>
+            <p:cNvSpPr>
+              <a:spLocks/>
+            </p:cNvSpPr>
+            <p:nvPr/>
+          </p:nvSpPr>
+          <p:spPr bwMode="auto">
+            <a:xfrm>
+              <a:off x="2641" y="0"/>
+              <a:ext cx="304" cy="240"/>
+            </a:xfrm>
+            <a:prstGeom prst="rect">
+              <a:avLst/>
+            </a:prstGeom>
+            <a:solidFill>
+              <a:srgbClr val="FFFFFF"/>
+            </a:solidFill>
+            <a:ln w="25400">
+              <a:noFill/>
+              <a:miter lim="800000"/>
+              <a:headEnd/>
+              <a:tailEnd/>
+            </a:ln>
+          </p:spPr>
+          <p:txBody>
+            <a:bodyPr lIns="50800" tIns="50800" bIns="50800">
+              <a:prstTxWarp prst="textNoShape">
+                <a:avLst/>
+              </a:prstTxWarp>
+            </a:bodyPr>
+            <a:lstStyle/>
+            <a:p>
+              <a:pPr algn="ctr" eaLnBrk="1" hangingPunct="1"/>
+              <a:r>
+                <a:rPr lang="en-US" sz="1800" b="0">
+                  <a:solidFill>
+                    <a:srgbClr val="000066"/>
+                  </a:solidFill>
+                  <a:latin typeface="Helvetica" charset="0"/>
+                  <a:ea typeface="Helvetica" charset="0"/>
+                  <a:cs typeface="Helvetica" charset="0"/>
+                  <a:sym typeface="Helvetica" charset="0"/>
+                </a:rPr>
+                <a:t>1</a:t>
+              </a:r>
+            </a:p>
+          </p:txBody>
+        </p:sp>
+        <p:sp>
+          <p:nvSpPr>
+            <p:cNvPr id="24" name="Rectangle 23"/>
+            <p:cNvSpPr>
+              <a:spLocks/>
+            </p:cNvSpPr>
+            <p:nvPr/>
+          </p:nvSpPr>
+          <p:spPr bwMode="auto">
+            <a:xfrm>
+              <a:off x="3936" y="0"/>
+              <a:ext cx="200" cy="240"/>
+            </a:xfrm>
+            <a:prstGeom prst="rect">
+              <a:avLst/>
+            </a:prstGeom>
+            <a:solidFill>
+              <a:srgbClr val="FFFFFF"/>
+            </a:solidFill>
+            <a:ln w="25400">
+              <a:noFill/>
+              <a:miter lim="800000"/>
+              <a:headEnd/>
+              <a:tailEnd/>
+            </a:ln>
+          </p:spPr>
+          <p:txBody>
+            <a:bodyPr lIns="50800" tIns="50800" bIns="50800">
+              <a:prstTxWarp prst="textNoShape">
+                <a:avLst/>
+              </a:prstTxWarp>
+            </a:bodyPr>
+            <a:lstStyle/>
+            <a:p>
+              <a:pPr algn="ctr" eaLnBrk="1" hangingPunct="1"/>
+              <a:r>
+                <a:rPr lang="en-US" sz="1800" b="0">
+                  <a:solidFill>
+                    <a:srgbClr val="000066"/>
+                  </a:solidFill>
+                  <a:latin typeface="Helvetica" charset="0"/>
+                  <a:ea typeface="Helvetica" charset="0"/>
+                  <a:cs typeface="Helvetica" charset="0"/>
+                  <a:sym typeface="Helvetica" charset="0"/>
+                </a:rPr>
+                <a:t>0</a:t>
+              </a:r>
+            </a:p>
+          </p:txBody>
+        </p:sp>
+        <p:sp>
+          <p:nvSpPr>
+            <p:cNvPr id="25" name="Line 24"/>
+            <p:cNvSpPr>
+              <a:spLocks noChangeShapeType="1"/>
+            </p:cNvSpPr>
+            <p:nvPr/>
+          </p:nvSpPr>
+          <p:spPr bwMode="auto">
+            <a:xfrm flipH="1">
+              <a:off x="432" y="1008"/>
+              <a:ext cx="144" cy="1"/>
+            </a:xfrm>
+            <a:prstGeom prst="line">
+              <a:avLst/>
+            </a:prstGeom>
+            <a:noFill/>
+            <a:ln w="25400">
+              <a:solidFill>
+                <a:srgbClr val="000066"/>
+              </a:solidFill>
+              <a:round/>
+              <a:headEnd/>
+              <a:tailEnd/>
+            </a:ln>
+          </p:spPr>
+          <p:txBody>
+            <a:bodyPr lIns="0" tIns="0" rIns="0" bIns="0">
+              <a:prstTxWarp prst="textNoShape">
+                <a:avLst/>
+              </a:prstTxWarp>
+            </a:bodyPr>
+            <a:lstStyle/>
+            <a:p>
+              <a:pPr algn="ctr" eaLnBrk="1" hangingPunct="1"/>
+              <a:endParaRPr lang="en-US" sz="4200" b="0" smtClean="0">
+                <a:solidFill>
+                  <a:srgbClr val="000000"/>
+                </a:solidFill>
+                <a:latin typeface="Gill Sans" charset="0"/>
+                <a:ea typeface="ヒラギノ角ゴ ProN W3" charset="-128"/>
+                <a:cs typeface="ヒラギノ角ゴ ProN W3" charset="-128"/>
+                <a:sym typeface="Gill Sans" charset="0"/>
+              </a:endParaRPr>
+            </a:p>
+          </p:txBody>
+        </p:sp>
+        <p:sp>
+          <p:nvSpPr>
+            <p:cNvPr id="26" name="Line 25"/>
+            <p:cNvSpPr>
+              <a:spLocks noChangeShapeType="1"/>
+            </p:cNvSpPr>
+            <p:nvPr/>
+          </p:nvSpPr>
+          <p:spPr bwMode="auto">
+            <a:xfrm flipH="1">
+              <a:off x="432" y="624"/>
+              <a:ext cx="144" cy="1"/>
+            </a:xfrm>
+            <a:prstGeom prst="line">
+              <a:avLst/>
+            </a:prstGeom>
+            <a:noFill/>
+            <a:ln w="25400">
+              <a:solidFill>
+                <a:srgbClr val="000066"/>
+              </a:solidFill>
+              <a:round/>
+              <a:headEnd/>
+              <a:tailEnd/>
+            </a:ln>
+          </p:spPr>
+          <p:txBody>
+            <a:bodyPr lIns="0" tIns="0" rIns="0" bIns="0">
+              <a:prstTxWarp prst="textNoShape">
+                <a:avLst/>
+              </a:prstTxWarp>
+            </a:bodyPr>
+            <a:lstStyle/>
+            <a:p>
+              <a:pPr algn="ctr" eaLnBrk="1" hangingPunct="1"/>
+              <a:endParaRPr lang="en-US" sz="4200" b="0" smtClean="0">
+                <a:solidFill>
+                  <a:srgbClr val="000000"/>
+                </a:solidFill>
+                <a:latin typeface="Gill Sans" charset="0"/>
+                <a:ea typeface="ヒラギノ角ゴ ProN W3" charset="-128"/>
+                <a:cs typeface="ヒラギノ角ゴ ProN W3" charset="-128"/>
+                <a:sym typeface="Gill Sans" charset="0"/>
+              </a:endParaRPr>
+            </a:p>
+          </p:txBody>
+        </p:sp>
+      </p:grpSp>
     </p:spTree>
   </p:cSld>
   <p:clrMapOvr>
     <a:masterClrMapping/>
   </p:clrMapOvr>
+  <p:timing>
+    <p:tnLst>
+      <p:par>
+        <p:cTn id="1" dur="indefinite" restart="never" nodeType="tmRoot"/>
+      </p:par>
+    </p:tnLst>
+  </p:timing>
 </p:sld>
 </file>
 
 <file path=ppt/slides/slide3.xml><?xml version="1.0" encoding="utf-8"?>
+<p:sld xmlns:a="http://schemas.openxmlformats.org/drawingml/2006/main" xmlns:r="http://schemas.openxmlformats.org/officeDocument/2006/relationships" xmlns:p="http://schemas.openxmlformats.org/presentationml/2006/main">
+  <p:cSld>
+    <p:spTree>
+      <p:nvGrpSpPr>
+        <p:cNvPr id="1" name=""/>
+        <p:cNvGrpSpPr/>
+        <p:nvPr/>
+      </p:nvGrpSpPr>
+      <p:grpSpPr>
+        <a:xfrm>
+          <a:off x="0" y="0"/>
+          <a:ext cx="0" cy="0"/>
+          <a:chOff x="0" y="0"/>
+          <a:chExt cx="0" cy="0"/>
+        </a:xfrm>
+      </p:grpSpPr>
+      <p:sp>
+        <p:nvSpPr>
+          <p:cNvPr id="2" name="Содержимое 1"/>
+          <p:cNvSpPr>
+            <a:spLocks noGrp="1"/>
+          </p:cNvSpPr>
+          <p:nvPr>
+            <p:ph idx="1"/>
+          </p:nvPr>
+        </p:nvSpPr>
+        <p:spPr>
+          <a:xfrm>
+            <a:off x="838200" y="1178053"/>
+            <a:ext cx="10515600" cy="5317750"/>
+          </a:xfrm>
+        </p:spPr>
+        <p:txBody>
+          <a:bodyPr>
+            <a:normAutofit lnSpcReduction="10000"/>
+          </a:bodyPr>
+          <a:lstStyle/>
+          <a:p>
+            <a:pPr>
+              <a:lnSpc>
+                <a:spcPct val="110000"/>
+              </a:lnSpc>
+            </a:pPr>
+            <a:r>
+              <a:rPr lang="en-US" sz="4000" dirty="0" smtClean="0"/>
+              <a:t>Byte = 8 bits</a:t>
+            </a:r>
+          </a:p>
+          <a:p>
+            <a:pPr marL="552450" lvl="1">
+              <a:lnSpc>
+                <a:spcPct val="110000"/>
+              </a:lnSpc>
+            </a:pPr>
+            <a:r>
+              <a:rPr lang="en-US" sz="3600" dirty="0" smtClean="0"/>
+              <a:t>Binary 00000000</a:t>
+            </a:r>
+            <a:r>
+              <a:rPr lang="en-US" sz="3600" baseline="-6000" dirty="0" smtClean="0"/>
+              <a:t>2</a:t>
+            </a:r>
+            <a:r>
+              <a:rPr lang="en-US" sz="3600" dirty="0" smtClean="0"/>
+              <a:t> to 11111111</a:t>
+            </a:r>
+            <a:r>
+              <a:rPr lang="en-US" sz="3600" baseline="-6000" dirty="0" smtClean="0"/>
+              <a:t>2</a:t>
+            </a:r>
+            <a:endParaRPr lang="en-US" sz="3600" dirty="0" smtClean="0"/>
+          </a:p>
+          <a:p>
+            <a:pPr marL="552450" lvl="1">
+              <a:lnSpc>
+                <a:spcPct val="110000"/>
+              </a:lnSpc>
+            </a:pPr>
+            <a:r>
+              <a:rPr lang="en-US" sz="3600" dirty="0" smtClean="0"/>
+              <a:t>Decimal</a:t>
+            </a:r>
+            <a:r>
+              <a:rPr lang="en-US" sz="3600" dirty="0" smtClean="0"/>
+              <a:t>: 0</a:t>
+            </a:r>
+            <a:r>
+              <a:rPr lang="en-US" sz="3600" baseline="-6000" dirty="0" smtClean="0"/>
+              <a:t>10</a:t>
+            </a:r>
+            <a:r>
+              <a:rPr lang="en-US" sz="3600" dirty="0" smtClean="0"/>
+              <a:t> to 255</a:t>
+            </a:r>
+            <a:r>
+              <a:rPr lang="en-US" sz="3600" baseline="-6000" dirty="0" smtClean="0"/>
+              <a:t>10</a:t>
+            </a:r>
+            <a:endParaRPr lang="en-US" sz="3600" dirty="0" smtClean="0"/>
+          </a:p>
+          <a:p>
+            <a:pPr marL="552450" lvl="1">
+              <a:lnSpc>
+                <a:spcPct val="110000"/>
+              </a:lnSpc>
+            </a:pPr>
+            <a:r>
+              <a:rPr lang="en-US" sz="3600" dirty="0" smtClean="0"/>
+              <a:t>Hexadecimal 00</a:t>
+            </a:r>
+            <a:r>
+              <a:rPr lang="en-US" sz="3600" baseline="-6000" dirty="0" smtClean="0"/>
+              <a:t>16</a:t>
+            </a:r>
+            <a:r>
+              <a:rPr lang="en-US" sz="3600" dirty="0" smtClean="0"/>
+              <a:t> to FF</a:t>
+            </a:r>
+            <a:r>
+              <a:rPr lang="en-US" sz="3600" baseline="-6000" dirty="0" smtClean="0"/>
+              <a:t>16</a:t>
+            </a:r>
+            <a:endParaRPr lang="en-US" sz="3600" dirty="0" smtClean="0"/>
+          </a:p>
+          <a:p>
+            <a:pPr marL="838200" lvl="2">
+              <a:lnSpc>
+                <a:spcPct val="110000"/>
+              </a:lnSpc>
+            </a:pPr>
+            <a:r>
+              <a:rPr lang="en-US" sz="3200" dirty="0" smtClean="0"/>
+              <a:t>Base 16 number representation</a:t>
+            </a:r>
+          </a:p>
+          <a:p>
+            <a:pPr marL="838200" lvl="2">
+              <a:lnSpc>
+                <a:spcPct val="110000"/>
+              </a:lnSpc>
+            </a:pPr>
+            <a:r>
+              <a:rPr lang="en-US" sz="3200" dirty="0" smtClean="0"/>
+              <a:t>Use characters ‘0’ to ‘9’ and ‘A’ to ‘F’</a:t>
+            </a:r>
+          </a:p>
+          <a:p>
+            <a:pPr marL="838200" lvl="2">
+              <a:lnSpc>
+                <a:spcPct val="110000"/>
+              </a:lnSpc>
+            </a:pPr>
+            <a:r>
+              <a:rPr lang="en-US" sz="3200" dirty="0" smtClean="0"/>
+              <a:t>Write FA1D37B</a:t>
+            </a:r>
+            <a:r>
+              <a:rPr lang="en-US" sz="3200" baseline="-6000" dirty="0" smtClean="0"/>
+              <a:t>16</a:t>
+            </a:r>
+            <a:r>
+              <a:rPr lang="en-US" sz="3200" dirty="0" smtClean="0"/>
+              <a:t> in C as</a:t>
+            </a:r>
+          </a:p>
+          <a:p>
+            <a:pPr marL="1295400" lvl="3">
+              <a:lnSpc>
+                <a:spcPct val="110000"/>
+              </a:lnSpc>
+            </a:pPr>
+            <a:r>
+              <a:rPr lang="en-US" sz="2800" dirty="0" smtClean="0"/>
+              <a:t>0xFA1D37B</a:t>
+            </a:r>
+          </a:p>
+          <a:p>
+            <a:pPr marL="1295400" lvl="3">
+              <a:lnSpc>
+                <a:spcPct val="110000"/>
+              </a:lnSpc>
+            </a:pPr>
+            <a:r>
+              <a:rPr lang="en-US" sz="2800" dirty="0" smtClean="0"/>
+              <a:t>0xfa1d37b </a:t>
+            </a:r>
+          </a:p>
+          <a:p>
+            <a:pPr marL="1181100" lvl="3">
+              <a:buNone/>
+            </a:pPr>
+            <a:endParaRPr lang="en-US" dirty="0" smtClean="0"/>
+          </a:p>
+          <a:p>
+            <a:endParaRPr lang="ru-RU" dirty="0"/>
+          </a:p>
+        </p:txBody>
+      </p:sp>
+      <p:sp>
+        <p:nvSpPr>
+          <p:cNvPr id="3" name="Номер слайда 2"/>
+          <p:cNvSpPr>
+            <a:spLocks noGrp="1"/>
+          </p:cNvSpPr>
+          <p:nvPr>
+            <p:ph type="sldNum" sz="quarter" idx="12"/>
+          </p:nvPr>
+        </p:nvSpPr>
+        <p:spPr/>
+        <p:txBody>
+          <a:bodyPr/>
+          <a:lstStyle/>
+          <a:p>
+            <a:pPr algn="ctr"/>
+            <a:fld id="{1397BFD8-F312-4EF2-A268-44FB4BDDBBB0}" type="slidenum">
+              <a:rPr lang="ru-RU" smtClean="0"/>
+              <a:pPr algn="ctr"/>
+              <a:t>3</a:t>
+            </a:fld>
+            <a:endParaRPr lang="ru-RU" dirty="0"/>
+          </a:p>
+        </p:txBody>
+      </p:sp>
+      <p:sp>
+        <p:nvSpPr>
+          <p:cNvPr id="4" name="Заголовок 3"/>
+          <p:cNvSpPr>
+            <a:spLocks noGrp="1"/>
+          </p:cNvSpPr>
+          <p:nvPr>
+            <p:ph type="title"/>
+          </p:nvPr>
+        </p:nvSpPr>
+        <p:spPr/>
+        <p:txBody>
+          <a:bodyPr/>
+          <a:lstStyle/>
+          <a:p>
+            <a:r>
+              <a:rPr lang="en-US" dirty="0" smtClean="0"/>
+              <a:t>Encoding Byte Values</a:t>
+            </a:r>
+            <a:endParaRPr lang="ru-RU" dirty="0"/>
+          </a:p>
+        </p:txBody>
+      </p:sp>
+      <p:grpSp>
+        <p:nvGrpSpPr>
+          <p:cNvPr id="5" name="Group 5"/>
+          <p:cNvGrpSpPr>
+            <a:grpSpLocks/>
+          </p:cNvGrpSpPr>
+          <p:nvPr/>
+        </p:nvGrpSpPr>
+        <p:grpSpPr bwMode="auto">
+          <a:xfrm>
+            <a:off x="8158346" y="1165287"/>
+            <a:ext cx="2992585" cy="4884144"/>
+            <a:chOff x="0" y="125"/>
+            <a:chExt cx="1104" cy="2762"/>
+          </a:xfrm>
+        </p:grpSpPr>
+        <p:grpSp>
+          <p:nvGrpSpPr>
+            <p:cNvPr id="6" name="Group 6"/>
+            <p:cNvGrpSpPr>
+              <a:grpSpLocks/>
+            </p:cNvGrpSpPr>
+            <p:nvPr/>
+          </p:nvGrpSpPr>
+          <p:grpSpPr bwMode="auto">
+            <a:xfrm>
+              <a:off x="0" y="512"/>
+              <a:ext cx="1104" cy="2375"/>
+              <a:chOff x="0" y="5"/>
+              <a:chExt cx="1104" cy="2375"/>
+            </a:xfrm>
+          </p:grpSpPr>
+          <p:grpSp>
+            <p:nvGrpSpPr>
+              <p:cNvPr id="10" name="Group 7"/>
+              <p:cNvGrpSpPr>
+                <a:grpSpLocks/>
+              </p:cNvGrpSpPr>
+              <p:nvPr/>
+            </p:nvGrpSpPr>
+            <p:grpSpPr bwMode="auto">
+              <a:xfrm>
+                <a:off x="0" y="5"/>
+                <a:ext cx="288" cy="215"/>
+                <a:chOff x="0" y="5"/>
+                <a:chExt cx="288" cy="215"/>
+              </a:xfrm>
+            </p:grpSpPr>
+            <p:sp>
+              <p:nvSpPr>
+                <p:cNvPr id="152" name="Rectangle 8"/>
+                <p:cNvSpPr>
+                  <a:spLocks/>
+                </p:cNvSpPr>
+                <p:nvPr/>
+              </p:nvSpPr>
+              <p:spPr bwMode="auto">
+                <a:xfrm>
+                  <a:off x="0" y="40"/>
+                  <a:ext cx="288" cy="144"/>
+                </a:xfrm>
+                <a:prstGeom prst="rect">
+                  <a:avLst/>
+                </a:prstGeom>
+                <a:solidFill>
+                  <a:srgbClr val="FFFFFF"/>
+                </a:solidFill>
+                <a:ln w="12700">
+                  <a:solidFill>
+                    <a:srgbClr val="000066"/>
+                  </a:solidFill>
+                  <a:miter lim="800000"/>
+                  <a:headEnd/>
+                  <a:tailEnd/>
+                </a:ln>
+              </p:spPr>
+              <p:txBody>
+                <a:bodyPr lIns="0" tIns="0" rIns="0" bIns="0">
+                  <a:prstTxWarp prst="textNoShape">
+                    <a:avLst/>
+                  </a:prstTxWarp>
+                </a:bodyPr>
+                <a:lstStyle/>
+                <a:p>
+                  <a:pPr algn="ctr" eaLnBrk="1" hangingPunct="1"/>
+                  <a:endParaRPr lang="en-US" sz="4200" b="1" smtClean="0">
+                    <a:solidFill>
+                      <a:srgbClr val="273272"/>
+                    </a:solidFill>
+                    <a:latin typeface="Gill Sans" charset="0"/>
+                    <a:ea typeface="ヒラギノ角ゴ ProN W3" charset="-128"/>
+                    <a:cs typeface="ヒラギノ角ゴ ProN W3" charset="-128"/>
+                    <a:sym typeface="Gill Sans" charset="0"/>
+                  </a:endParaRPr>
+                </a:p>
+              </p:txBody>
+            </p:sp>
+            <p:sp>
+              <p:nvSpPr>
+                <p:cNvPr id="153" name="Rectangle 9"/>
+                <p:cNvSpPr>
+                  <a:spLocks/>
+                </p:cNvSpPr>
+                <p:nvPr/>
+              </p:nvSpPr>
+              <p:spPr bwMode="auto">
+                <a:xfrm>
+                  <a:off x="94" y="5"/>
+                  <a:ext cx="100" cy="215"/>
+                </a:xfrm>
+                <a:prstGeom prst="rect">
+                  <a:avLst/>
+                </a:prstGeom>
+                <a:noFill/>
+                <a:ln w="12700">
+                  <a:noFill/>
+                  <a:miter lim="800000"/>
+                  <a:headEnd/>
+                  <a:tailEnd/>
+                </a:ln>
+              </p:spPr>
+              <p:txBody>
+                <a:bodyPr wrap="none" lIns="50800" tIns="50800" bIns="50800" anchor="ctr">
+                  <a:prstTxWarp prst="textNoShape">
+                    <a:avLst/>
+                  </a:prstTxWarp>
+                  <a:spAutoFit/>
+                </a:bodyPr>
+                <a:lstStyle/>
+                <a:p>
+                  <a:pPr algn="ctr" eaLnBrk="1" hangingPunct="1"/>
+                  <a:r>
+                    <a:rPr lang="en-US" sz="1800" b="1">
+                      <a:solidFill>
+                        <a:srgbClr val="273272"/>
+                      </a:solidFill>
+                      <a:latin typeface="Courier New Bold" charset="0"/>
+                      <a:ea typeface="Courier New Bold" charset="0"/>
+                      <a:cs typeface="Courier New Bold" charset="0"/>
+                      <a:sym typeface="Courier New Bold" charset="0"/>
+                    </a:rPr>
+                    <a:t>0</a:t>
+                  </a:r>
+                </a:p>
+              </p:txBody>
+            </p:sp>
+          </p:grpSp>
+          <p:grpSp>
+            <p:nvGrpSpPr>
+              <p:cNvPr id="11" name="Group 10"/>
+              <p:cNvGrpSpPr>
+                <a:grpSpLocks/>
+              </p:cNvGrpSpPr>
+              <p:nvPr/>
+            </p:nvGrpSpPr>
+            <p:grpSpPr bwMode="auto">
+              <a:xfrm>
+                <a:off x="288" y="5"/>
+                <a:ext cx="288" cy="215"/>
+                <a:chOff x="0" y="5"/>
+                <a:chExt cx="288" cy="215"/>
+              </a:xfrm>
+            </p:grpSpPr>
+            <p:sp>
+              <p:nvSpPr>
+                <p:cNvPr id="150" name="Rectangle 11"/>
+                <p:cNvSpPr>
+                  <a:spLocks/>
+                </p:cNvSpPr>
+                <p:nvPr/>
+              </p:nvSpPr>
+              <p:spPr bwMode="auto">
+                <a:xfrm>
+                  <a:off x="0" y="40"/>
+                  <a:ext cx="288" cy="144"/>
+                </a:xfrm>
+                <a:prstGeom prst="rect">
+                  <a:avLst/>
+                </a:prstGeom>
+                <a:solidFill>
+                  <a:srgbClr val="FFFFFF"/>
+                </a:solidFill>
+                <a:ln w="12700">
+                  <a:solidFill>
+                    <a:srgbClr val="000066"/>
+                  </a:solidFill>
+                  <a:miter lim="800000"/>
+                  <a:headEnd/>
+                  <a:tailEnd/>
+                </a:ln>
+              </p:spPr>
+              <p:txBody>
+                <a:bodyPr lIns="0" tIns="0" rIns="0" bIns="0">
+                  <a:prstTxWarp prst="textNoShape">
+                    <a:avLst/>
+                  </a:prstTxWarp>
+                </a:bodyPr>
+                <a:lstStyle/>
+                <a:p>
+                  <a:pPr algn="ctr" eaLnBrk="1" hangingPunct="1"/>
+                  <a:endParaRPr lang="en-US" sz="4200" b="1" smtClean="0">
+                    <a:solidFill>
+                      <a:srgbClr val="273272"/>
+                    </a:solidFill>
+                    <a:latin typeface="Gill Sans" charset="0"/>
+                    <a:ea typeface="ヒラギノ角ゴ ProN W3" charset="-128"/>
+                    <a:cs typeface="ヒラギノ角ゴ ProN W3" charset="-128"/>
+                    <a:sym typeface="Gill Sans" charset="0"/>
+                  </a:endParaRPr>
+                </a:p>
+              </p:txBody>
+            </p:sp>
+            <p:sp>
+              <p:nvSpPr>
+                <p:cNvPr id="151" name="Rectangle 12"/>
+                <p:cNvSpPr>
+                  <a:spLocks/>
+                </p:cNvSpPr>
+                <p:nvPr/>
+              </p:nvSpPr>
+              <p:spPr bwMode="auto">
+                <a:xfrm>
+                  <a:off x="94" y="5"/>
+                  <a:ext cx="100" cy="215"/>
+                </a:xfrm>
+                <a:prstGeom prst="rect">
+                  <a:avLst/>
+                </a:prstGeom>
+                <a:noFill/>
+                <a:ln w="12700">
+                  <a:noFill/>
+                  <a:miter lim="800000"/>
+                  <a:headEnd/>
+                  <a:tailEnd/>
+                </a:ln>
+              </p:spPr>
+              <p:txBody>
+                <a:bodyPr wrap="none" lIns="50800" tIns="50800" bIns="50800" anchor="ctr">
+                  <a:prstTxWarp prst="textNoShape">
+                    <a:avLst/>
+                  </a:prstTxWarp>
+                  <a:spAutoFit/>
+                </a:bodyPr>
+                <a:lstStyle/>
+                <a:p>
+                  <a:pPr algn="ctr" eaLnBrk="1" hangingPunct="1"/>
+                  <a:r>
+                    <a:rPr lang="en-US" sz="1800" b="1">
+                      <a:solidFill>
+                        <a:srgbClr val="273272"/>
+                      </a:solidFill>
+                      <a:latin typeface="Courier New Bold" charset="0"/>
+                      <a:ea typeface="Courier New Bold" charset="0"/>
+                      <a:cs typeface="Courier New Bold" charset="0"/>
+                      <a:sym typeface="Courier New Bold" charset="0"/>
+                    </a:rPr>
+                    <a:t>0</a:t>
+                  </a:r>
+                </a:p>
+              </p:txBody>
+            </p:sp>
+          </p:grpSp>
+          <p:grpSp>
+            <p:nvGrpSpPr>
+              <p:cNvPr id="12" name="Group 13"/>
+              <p:cNvGrpSpPr>
+                <a:grpSpLocks/>
+              </p:cNvGrpSpPr>
+              <p:nvPr/>
+            </p:nvGrpSpPr>
+            <p:grpSpPr bwMode="auto">
+              <a:xfrm>
+                <a:off x="576" y="5"/>
+                <a:ext cx="528" cy="215"/>
+                <a:chOff x="0" y="5"/>
+                <a:chExt cx="528" cy="215"/>
+              </a:xfrm>
+            </p:grpSpPr>
+            <p:sp>
+              <p:nvSpPr>
+                <p:cNvPr id="148" name="Rectangle 14"/>
+                <p:cNvSpPr>
+                  <a:spLocks/>
+                </p:cNvSpPr>
+                <p:nvPr/>
+              </p:nvSpPr>
+              <p:spPr bwMode="auto">
+                <a:xfrm>
+                  <a:off x="0" y="40"/>
+                  <a:ext cx="528" cy="144"/>
+                </a:xfrm>
+                <a:prstGeom prst="rect">
+                  <a:avLst/>
+                </a:prstGeom>
+                <a:solidFill>
+                  <a:srgbClr val="FFFFFF"/>
+                </a:solidFill>
+                <a:ln w="12700">
+                  <a:solidFill>
+                    <a:srgbClr val="000066"/>
+                  </a:solidFill>
+                  <a:miter lim="800000"/>
+                  <a:headEnd/>
+                  <a:tailEnd/>
+                </a:ln>
+              </p:spPr>
+              <p:txBody>
+                <a:bodyPr lIns="0" tIns="0" rIns="0" bIns="0">
+                  <a:prstTxWarp prst="textNoShape">
+                    <a:avLst/>
+                  </a:prstTxWarp>
+                </a:bodyPr>
+                <a:lstStyle/>
+                <a:p>
+                  <a:pPr algn="ctr" eaLnBrk="1" hangingPunct="1"/>
+                  <a:endParaRPr lang="en-US" sz="4200" b="1" smtClean="0">
+                    <a:solidFill>
+                      <a:srgbClr val="273272"/>
+                    </a:solidFill>
+                    <a:latin typeface="Gill Sans" charset="0"/>
+                    <a:ea typeface="ヒラギノ角ゴ ProN W3" charset="-128"/>
+                    <a:cs typeface="ヒラギノ角ゴ ProN W3" charset="-128"/>
+                    <a:sym typeface="Gill Sans" charset="0"/>
+                  </a:endParaRPr>
+                </a:p>
+              </p:txBody>
+            </p:sp>
+            <p:sp>
+              <p:nvSpPr>
+                <p:cNvPr id="149" name="Rectangle 15"/>
+                <p:cNvSpPr>
+                  <a:spLocks/>
+                </p:cNvSpPr>
+                <p:nvPr/>
+              </p:nvSpPr>
+              <p:spPr bwMode="auto">
+                <a:xfrm>
+                  <a:off x="142" y="5"/>
+                  <a:ext cx="242" cy="215"/>
+                </a:xfrm>
+                <a:prstGeom prst="rect">
+                  <a:avLst/>
+                </a:prstGeom>
+                <a:noFill/>
+                <a:ln w="12700">
+                  <a:noFill/>
+                  <a:miter lim="800000"/>
+                  <a:headEnd/>
+                  <a:tailEnd/>
+                </a:ln>
+              </p:spPr>
+              <p:txBody>
+                <a:bodyPr wrap="none" lIns="50800" tIns="50800" bIns="50800" anchor="ctr">
+                  <a:prstTxWarp prst="textNoShape">
+                    <a:avLst/>
+                  </a:prstTxWarp>
+                  <a:spAutoFit/>
+                </a:bodyPr>
+                <a:lstStyle/>
+                <a:p>
+                  <a:pPr algn="ctr" eaLnBrk="1" hangingPunct="1"/>
+                  <a:r>
+                    <a:rPr lang="en-US" sz="1800" b="1" dirty="0">
+                      <a:solidFill>
+                        <a:srgbClr val="273272"/>
+                      </a:solidFill>
+                      <a:latin typeface="Courier New Bold" charset="0"/>
+                      <a:ea typeface="Courier New Bold" charset="0"/>
+                      <a:cs typeface="Courier New Bold" charset="0"/>
+                      <a:sym typeface="Courier New Bold" charset="0"/>
+                    </a:rPr>
+                    <a:t>0000</a:t>
+                  </a:r>
+                </a:p>
+              </p:txBody>
+            </p:sp>
+          </p:grpSp>
+          <p:grpSp>
+            <p:nvGrpSpPr>
+              <p:cNvPr id="13" name="Group 16"/>
+              <p:cNvGrpSpPr>
+                <a:grpSpLocks/>
+              </p:cNvGrpSpPr>
+              <p:nvPr/>
+            </p:nvGrpSpPr>
+            <p:grpSpPr bwMode="auto">
+              <a:xfrm>
+                <a:off x="0" y="149"/>
+                <a:ext cx="288" cy="215"/>
+                <a:chOff x="0" y="5"/>
+                <a:chExt cx="288" cy="215"/>
+              </a:xfrm>
+            </p:grpSpPr>
+            <p:sp>
+              <p:nvSpPr>
+                <p:cNvPr id="146" name="Rectangle 17"/>
+                <p:cNvSpPr>
+                  <a:spLocks/>
+                </p:cNvSpPr>
+                <p:nvPr/>
+              </p:nvSpPr>
+              <p:spPr bwMode="auto">
+                <a:xfrm>
+                  <a:off x="0" y="40"/>
+                  <a:ext cx="288" cy="144"/>
+                </a:xfrm>
+                <a:prstGeom prst="rect">
+                  <a:avLst/>
+                </a:prstGeom>
+                <a:solidFill>
+                  <a:srgbClr val="FFFFFF"/>
+                </a:solidFill>
+                <a:ln w="12700">
+                  <a:solidFill>
+                    <a:srgbClr val="000066"/>
+                  </a:solidFill>
+                  <a:miter lim="800000"/>
+                  <a:headEnd/>
+                  <a:tailEnd/>
+                </a:ln>
+              </p:spPr>
+              <p:txBody>
+                <a:bodyPr lIns="0" tIns="0" rIns="0" bIns="0">
+                  <a:prstTxWarp prst="textNoShape">
+                    <a:avLst/>
+                  </a:prstTxWarp>
+                </a:bodyPr>
+                <a:lstStyle/>
+                <a:p>
+                  <a:pPr algn="ctr" eaLnBrk="1" hangingPunct="1"/>
+                  <a:endParaRPr lang="en-US" sz="4200" b="1" smtClean="0">
+                    <a:solidFill>
+                      <a:srgbClr val="273272"/>
+                    </a:solidFill>
+                    <a:latin typeface="Gill Sans" charset="0"/>
+                    <a:ea typeface="ヒラギノ角ゴ ProN W3" charset="-128"/>
+                    <a:cs typeface="ヒラギノ角ゴ ProN W3" charset="-128"/>
+                    <a:sym typeface="Gill Sans" charset="0"/>
+                  </a:endParaRPr>
+                </a:p>
+              </p:txBody>
+            </p:sp>
+            <p:sp>
+              <p:nvSpPr>
+                <p:cNvPr id="147" name="Rectangle 18"/>
+                <p:cNvSpPr>
+                  <a:spLocks/>
+                </p:cNvSpPr>
+                <p:nvPr/>
+              </p:nvSpPr>
+              <p:spPr bwMode="auto">
+                <a:xfrm>
+                  <a:off x="94" y="5"/>
+                  <a:ext cx="100" cy="215"/>
+                </a:xfrm>
+                <a:prstGeom prst="rect">
+                  <a:avLst/>
+                </a:prstGeom>
+                <a:noFill/>
+                <a:ln w="12700">
+                  <a:noFill/>
+                  <a:miter lim="800000"/>
+                  <a:headEnd/>
+                  <a:tailEnd/>
+                </a:ln>
+              </p:spPr>
+              <p:txBody>
+                <a:bodyPr wrap="none" lIns="50800" tIns="50800" bIns="50800" anchor="ctr">
+                  <a:prstTxWarp prst="textNoShape">
+                    <a:avLst/>
+                  </a:prstTxWarp>
+                  <a:spAutoFit/>
+                </a:bodyPr>
+                <a:lstStyle/>
+                <a:p>
+                  <a:pPr algn="ctr" eaLnBrk="1" hangingPunct="1"/>
+                  <a:r>
+                    <a:rPr lang="en-US" sz="1800" b="1">
+                      <a:solidFill>
+                        <a:srgbClr val="273272"/>
+                      </a:solidFill>
+                      <a:latin typeface="Courier New Bold" charset="0"/>
+                      <a:ea typeface="Courier New Bold" charset="0"/>
+                      <a:cs typeface="Courier New Bold" charset="0"/>
+                      <a:sym typeface="Courier New Bold" charset="0"/>
+                    </a:rPr>
+                    <a:t>1</a:t>
+                  </a:r>
+                </a:p>
+              </p:txBody>
+            </p:sp>
+          </p:grpSp>
+          <p:grpSp>
+            <p:nvGrpSpPr>
+              <p:cNvPr id="14" name="Group 19"/>
+              <p:cNvGrpSpPr>
+                <a:grpSpLocks/>
+              </p:cNvGrpSpPr>
+              <p:nvPr/>
+            </p:nvGrpSpPr>
+            <p:grpSpPr bwMode="auto">
+              <a:xfrm>
+                <a:off x="288" y="149"/>
+                <a:ext cx="288" cy="215"/>
+                <a:chOff x="0" y="5"/>
+                <a:chExt cx="288" cy="215"/>
+              </a:xfrm>
+            </p:grpSpPr>
+            <p:sp>
+              <p:nvSpPr>
+                <p:cNvPr id="144" name="Rectangle 20"/>
+                <p:cNvSpPr>
+                  <a:spLocks/>
+                </p:cNvSpPr>
+                <p:nvPr/>
+              </p:nvSpPr>
+              <p:spPr bwMode="auto">
+                <a:xfrm>
+                  <a:off x="0" y="40"/>
+                  <a:ext cx="288" cy="144"/>
+                </a:xfrm>
+                <a:prstGeom prst="rect">
+                  <a:avLst/>
+                </a:prstGeom>
+                <a:solidFill>
+                  <a:srgbClr val="FFFFFF"/>
+                </a:solidFill>
+                <a:ln w="12700">
+                  <a:solidFill>
+                    <a:srgbClr val="000066"/>
+                  </a:solidFill>
+                  <a:miter lim="800000"/>
+                  <a:headEnd/>
+                  <a:tailEnd/>
+                </a:ln>
+              </p:spPr>
+              <p:txBody>
+                <a:bodyPr lIns="0" tIns="0" rIns="0" bIns="0">
+                  <a:prstTxWarp prst="textNoShape">
+                    <a:avLst/>
+                  </a:prstTxWarp>
+                </a:bodyPr>
+                <a:lstStyle/>
+                <a:p>
+                  <a:pPr algn="ctr" eaLnBrk="1" hangingPunct="1"/>
+                  <a:endParaRPr lang="en-US" sz="4200" b="1" smtClean="0">
+                    <a:solidFill>
+                      <a:srgbClr val="273272"/>
+                    </a:solidFill>
+                    <a:latin typeface="Gill Sans" charset="0"/>
+                    <a:ea typeface="ヒラギノ角ゴ ProN W3" charset="-128"/>
+                    <a:cs typeface="ヒラギノ角ゴ ProN W3" charset="-128"/>
+                    <a:sym typeface="Gill Sans" charset="0"/>
+                  </a:endParaRPr>
+                </a:p>
+              </p:txBody>
+            </p:sp>
+            <p:sp>
+              <p:nvSpPr>
+                <p:cNvPr id="145" name="Rectangle 21"/>
+                <p:cNvSpPr>
+                  <a:spLocks/>
+                </p:cNvSpPr>
+                <p:nvPr/>
+              </p:nvSpPr>
+              <p:spPr bwMode="auto">
+                <a:xfrm>
+                  <a:off x="94" y="5"/>
+                  <a:ext cx="100" cy="215"/>
+                </a:xfrm>
+                <a:prstGeom prst="rect">
+                  <a:avLst/>
+                </a:prstGeom>
+                <a:noFill/>
+                <a:ln w="12700">
+                  <a:noFill/>
+                  <a:miter lim="800000"/>
+                  <a:headEnd/>
+                  <a:tailEnd/>
+                </a:ln>
+              </p:spPr>
+              <p:txBody>
+                <a:bodyPr wrap="none" lIns="50800" tIns="50800" bIns="50800" anchor="ctr">
+                  <a:prstTxWarp prst="textNoShape">
+                    <a:avLst/>
+                  </a:prstTxWarp>
+                  <a:spAutoFit/>
+                </a:bodyPr>
+                <a:lstStyle/>
+                <a:p>
+                  <a:pPr algn="ctr" eaLnBrk="1" hangingPunct="1"/>
+                  <a:r>
+                    <a:rPr lang="en-US" sz="1800" b="1">
+                      <a:solidFill>
+                        <a:srgbClr val="273272"/>
+                      </a:solidFill>
+                      <a:latin typeface="Courier New Bold" charset="0"/>
+                      <a:ea typeface="Courier New Bold" charset="0"/>
+                      <a:cs typeface="Courier New Bold" charset="0"/>
+                      <a:sym typeface="Courier New Bold" charset="0"/>
+                    </a:rPr>
+                    <a:t>1</a:t>
+                  </a:r>
+                </a:p>
+              </p:txBody>
+            </p:sp>
+          </p:grpSp>
+          <p:grpSp>
+            <p:nvGrpSpPr>
+              <p:cNvPr id="15" name="Group 22"/>
+              <p:cNvGrpSpPr>
+                <a:grpSpLocks/>
+              </p:cNvGrpSpPr>
+              <p:nvPr/>
+            </p:nvGrpSpPr>
+            <p:grpSpPr bwMode="auto">
+              <a:xfrm>
+                <a:off x="576" y="149"/>
+                <a:ext cx="528" cy="215"/>
+                <a:chOff x="0" y="5"/>
+                <a:chExt cx="528" cy="215"/>
+              </a:xfrm>
+            </p:grpSpPr>
+            <p:sp>
+              <p:nvSpPr>
+                <p:cNvPr id="142" name="Rectangle 23"/>
+                <p:cNvSpPr>
+                  <a:spLocks/>
+                </p:cNvSpPr>
+                <p:nvPr/>
+              </p:nvSpPr>
+              <p:spPr bwMode="auto">
+                <a:xfrm>
+                  <a:off x="0" y="40"/>
+                  <a:ext cx="528" cy="144"/>
+                </a:xfrm>
+                <a:prstGeom prst="rect">
+                  <a:avLst/>
+                </a:prstGeom>
+                <a:solidFill>
+                  <a:srgbClr val="FFFFFF"/>
+                </a:solidFill>
+                <a:ln w="12700">
+                  <a:solidFill>
+                    <a:srgbClr val="000066"/>
+                  </a:solidFill>
+                  <a:miter lim="800000"/>
+                  <a:headEnd/>
+                  <a:tailEnd/>
+                </a:ln>
+              </p:spPr>
+              <p:txBody>
+                <a:bodyPr lIns="0" tIns="0" rIns="0" bIns="0">
+                  <a:prstTxWarp prst="textNoShape">
+                    <a:avLst/>
+                  </a:prstTxWarp>
+                </a:bodyPr>
+                <a:lstStyle/>
+                <a:p>
+                  <a:pPr algn="ctr" eaLnBrk="1" hangingPunct="1"/>
+                  <a:endParaRPr lang="en-US" sz="4200" b="1" smtClean="0">
+                    <a:solidFill>
+                      <a:srgbClr val="273272"/>
+                    </a:solidFill>
+                    <a:latin typeface="Gill Sans" charset="0"/>
+                    <a:ea typeface="ヒラギノ角ゴ ProN W3" charset="-128"/>
+                    <a:cs typeface="ヒラギノ角ゴ ProN W3" charset="-128"/>
+                    <a:sym typeface="Gill Sans" charset="0"/>
+                  </a:endParaRPr>
+                </a:p>
+              </p:txBody>
+            </p:sp>
+            <p:sp>
+              <p:nvSpPr>
+                <p:cNvPr id="143" name="Rectangle 24"/>
+                <p:cNvSpPr>
+                  <a:spLocks/>
+                </p:cNvSpPr>
+                <p:nvPr/>
+              </p:nvSpPr>
+              <p:spPr bwMode="auto">
+                <a:xfrm>
+                  <a:off x="142" y="5"/>
+                  <a:ext cx="242" cy="215"/>
+                </a:xfrm>
+                <a:prstGeom prst="rect">
+                  <a:avLst/>
+                </a:prstGeom>
+                <a:noFill/>
+                <a:ln w="12700">
+                  <a:noFill/>
+                  <a:miter lim="800000"/>
+                  <a:headEnd/>
+                  <a:tailEnd/>
+                </a:ln>
+              </p:spPr>
+              <p:txBody>
+                <a:bodyPr wrap="none" lIns="50800" tIns="50800" bIns="50800" anchor="ctr">
+                  <a:prstTxWarp prst="textNoShape">
+                    <a:avLst/>
+                  </a:prstTxWarp>
+                  <a:spAutoFit/>
+                </a:bodyPr>
+                <a:lstStyle/>
+                <a:p>
+                  <a:pPr algn="ctr" eaLnBrk="1" hangingPunct="1"/>
+                  <a:r>
+                    <a:rPr lang="en-US" sz="1800" b="1">
+                      <a:solidFill>
+                        <a:srgbClr val="273272"/>
+                      </a:solidFill>
+                      <a:latin typeface="Courier New Bold" charset="0"/>
+                      <a:ea typeface="Courier New Bold" charset="0"/>
+                      <a:cs typeface="Courier New Bold" charset="0"/>
+                      <a:sym typeface="Courier New Bold" charset="0"/>
+                    </a:rPr>
+                    <a:t>0001</a:t>
+                  </a:r>
+                </a:p>
+              </p:txBody>
+            </p:sp>
+          </p:grpSp>
+          <p:grpSp>
+            <p:nvGrpSpPr>
+              <p:cNvPr id="16" name="Group 25"/>
+              <p:cNvGrpSpPr>
+                <a:grpSpLocks/>
+              </p:cNvGrpSpPr>
+              <p:nvPr/>
+            </p:nvGrpSpPr>
+            <p:grpSpPr bwMode="auto">
+              <a:xfrm>
+                <a:off x="0" y="293"/>
+                <a:ext cx="288" cy="215"/>
+                <a:chOff x="0" y="5"/>
+                <a:chExt cx="288" cy="215"/>
+              </a:xfrm>
+            </p:grpSpPr>
+            <p:sp>
+              <p:nvSpPr>
+                <p:cNvPr id="140" name="Rectangle 26"/>
+                <p:cNvSpPr>
+                  <a:spLocks/>
+                </p:cNvSpPr>
+                <p:nvPr/>
+              </p:nvSpPr>
+              <p:spPr bwMode="auto">
+                <a:xfrm>
+                  <a:off x="0" y="40"/>
+                  <a:ext cx="288" cy="144"/>
+                </a:xfrm>
+                <a:prstGeom prst="rect">
+                  <a:avLst/>
+                </a:prstGeom>
+                <a:solidFill>
+                  <a:srgbClr val="FFFFFF"/>
+                </a:solidFill>
+                <a:ln w="12700">
+                  <a:solidFill>
+                    <a:srgbClr val="000066"/>
+                  </a:solidFill>
+                  <a:miter lim="800000"/>
+                  <a:headEnd/>
+                  <a:tailEnd/>
+                </a:ln>
+              </p:spPr>
+              <p:txBody>
+                <a:bodyPr lIns="0" tIns="0" rIns="0" bIns="0">
+                  <a:prstTxWarp prst="textNoShape">
+                    <a:avLst/>
+                  </a:prstTxWarp>
+                </a:bodyPr>
+                <a:lstStyle/>
+                <a:p>
+                  <a:pPr algn="ctr" eaLnBrk="1" hangingPunct="1"/>
+                  <a:endParaRPr lang="en-US" sz="4200" b="1" smtClean="0">
+                    <a:solidFill>
+                      <a:srgbClr val="273272"/>
+                    </a:solidFill>
+                    <a:latin typeface="Gill Sans" charset="0"/>
+                    <a:ea typeface="ヒラギノ角ゴ ProN W3" charset="-128"/>
+                    <a:cs typeface="ヒラギノ角ゴ ProN W3" charset="-128"/>
+                    <a:sym typeface="Gill Sans" charset="0"/>
+                  </a:endParaRPr>
+                </a:p>
+              </p:txBody>
+            </p:sp>
+            <p:sp>
+              <p:nvSpPr>
+                <p:cNvPr id="141" name="Rectangle 27"/>
+                <p:cNvSpPr>
+                  <a:spLocks/>
+                </p:cNvSpPr>
+                <p:nvPr/>
+              </p:nvSpPr>
+              <p:spPr bwMode="auto">
+                <a:xfrm>
+                  <a:off x="94" y="5"/>
+                  <a:ext cx="100" cy="215"/>
+                </a:xfrm>
+                <a:prstGeom prst="rect">
+                  <a:avLst/>
+                </a:prstGeom>
+                <a:noFill/>
+                <a:ln w="12700">
+                  <a:noFill/>
+                  <a:miter lim="800000"/>
+                  <a:headEnd/>
+                  <a:tailEnd/>
+                </a:ln>
+              </p:spPr>
+              <p:txBody>
+                <a:bodyPr wrap="none" lIns="50800" tIns="50800" bIns="50800" anchor="ctr">
+                  <a:prstTxWarp prst="textNoShape">
+                    <a:avLst/>
+                  </a:prstTxWarp>
+                  <a:spAutoFit/>
+                </a:bodyPr>
+                <a:lstStyle/>
+                <a:p>
+                  <a:pPr algn="ctr" eaLnBrk="1" hangingPunct="1"/>
+                  <a:r>
+                    <a:rPr lang="en-US" sz="1800" b="1">
+                      <a:solidFill>
+                        <a:srgbClr val="273272"/>
+                      </a:solidFill>
+                      <a:latin typeface="Courier New Bold" charset="0"/>
+                      <a:ea typeface="Courier New Bold" charset="0"/>
+                      <a:cs typeface="Courier New Bold" charset="0"/>
+                      <a:sym typeface="Courier New Bold" charset="0"/>
+                    </a:rPr>
+                    <a:t>2</a:t>
+                  </a:r>
+                </a:p>
+              </p:txBody>
+            </p:sp>
+          </p:grpSp>
+          <p:grpSp>
+            <p:nvGrpSpPr>
+              <p:cNvPr id="17" name="Group 28"/>
+              <p:cNvGrpSpPr>
+                <a:grpSpLocks/>
+              </p:cNvGrpSpPr>
+              <p:nvPr/>
+            </p:nvGrpSpPr>
+            <p:grpSpPr bwMode="auto">
+              <a:xfrm>
+                <a:off x="288" y="293"/>
+                <a:ext cx="288" cy="215"/>
+                <a:chOff x="0" y="5"/>
+                <a:chExt cx="288" cy="215"/>
+              </a:xfrm>
+            </p:grpSpPr>
+            <p:sp>
+              <p:nvSpPr>
+                <p:cNvPr id="138" name="Rectangle 29"/>
+                <p:cNvSpPr>
+                  <a:spLocks/>
+                </p:cNvSpPr>
+                <p:nvPr/>
+              </p:nvSpPr>
+              <p:spPr bwMode="auto">
+                <a:xfrm>
+                  <a:off x="0" y="40"/>
+                  <a:ext cx="288" cy="144"/>
+                </a:xfrm>
+                <a:prstGeom prst="rect">
+                  <a:avLst/>
+                </a:prstGeom>
+                <a:solidFill>
+                  <a:srgbClr val="FFFFFF"/>
+                </a:solidFill>
+                <a:ln w="12700">
+                  <a:solidFill>
+                    <a:srgbClr val="000066"/>
+                  </a:solidFill>
+                  <a:miter lim="800000"/>
+                  <a:headEnd/>
+                  <a:tailEnd/>
+                </a:ln>
+              </p:spPr>
+              <p:txBody>
+                <a:bodyPr lIns="0" tIns="0" rIns="0" bIns="0">
+                  <a:prstTxWarp prst="textNoShape">
+                    <a:avLst/>
+                  </a:prstTxWarp>
+                </a:bodyPr>
+                <a:lstStyle/>
+                <a:p>
+                  <a:pPr algn="ctr" eaLnBrk="1" hangingPunct="1"/>
+                  <a:endParaRPr lang="en-US" sz="4200" b="1" smtClean="0">
+                    <a:solidFill>
+                      <a:srgbClr val="273272"/>
+                    </a:solidFill>
+                    <a:latin typeface="Gill Sans" charset="0"/>
+                    <a:ea typeface="ヒラギノ角ゴ ProN W3" charset="-128"/>
+                    <a:cs typeface="ヒラギノ角ゴ ProN W3" charset="-128"/>
+                    <a:sym typeface="Gill Sans" charset="0"/>
+                  </a:endParaRPr>
+                </a:p>
+              </p:txBody>
+            </p:sp>
+            <p:sp>
+              <p:nvSpPr>
+                <p:cNvPr id="139" name="Rectangle 30"/>
+                <p:cNvSpPr>
+                  <a:spLocks/>
+                </p:cNvSpPr>
+                <p:nvPr/>
+              </p:nvSpPr>
+              <p:spPr bwMode="auto">
+                <a:xfrm>
+                  <a:off x="94" y="5"/>
+                  <a:ext cx="100" cy="215"/>
+                </a:xfrm>
+                <a:prstGeom prst="rect">
+                  <a:avLst/>
+                </a:prstGeom>
+                <a:noFill/>
+                <a:ln w="12700">
+                  <a:noFill/>
+                  <a:miter lim="800000"/>
+                  <a:headEnd/>
+                  <a:tailEnd/>
+                </a:ln>
+              </p:spPr>
+              <p:txBody>
+                <a:bodyPr wrap="none" lIns="50800" tIns="50800" bIns="50800" anchor="ctr">
+                  <a:prstTxWarp prst="textNoShape">
+                    <a:avLst/>
+                  </a:prstTxWarp>
+                  <a:spAutoFit/>
+                </a:bodyPr>
+                <a:lstStyle/>
+                <a:p>
+                  <a:pPr algn="ctr" eaLnBrk="1" hangingPunct="1"/>
+                  <a:r>
+                    <a:rPr lang="en-US" sz="1800" b="1">
+                      <a:solidFill>
+                        <a:srgbClr val="273272"/>
+                      </a:solidFill>
+                      <a:latin typeface="Courier New Bold" charset="0"/>
+                      <a:ea typeface="Courier New Bold" charset="0"/>
+                      <a:cs typeface="Courier New Bold" charset="0"/>
+                      <a:sym typeface="Courier New Bold" charset="0"/>
+                    </a:rPr>
+                    <a:t>2</a:t>
+                  </a:r>
+                </a:p>
+              </p:txBody>
+            </p:sp>
+          </p:grpSp>
+          <p:grpSp>
+            <p:nvGrpSpPr>
+              <p:cNvPr id="18" name="Group 31"/>
+              <p:cNvGrpSpPr>
+                <a:grpSpLocks/>
+              </p:cNvGrpSpPr>
+              <p:nvPr/>
+            </p:nvGrpSpPr>
+            <p:grpSpPr bwMode="auto">
+              <a:xfrm>
+                <a:off x="576" y="293"/>
+                <a:ext cx="528" cy="215"/>
+                <a:chOff x="0" y="5"/>
+                <a:chExt cx="528" cy="215"/>
+              </a:xfrm>
+            </p:grpSpPr>
+            <p:sp>
+              <p:nvSpPr>
+                <p:cNvPr id="136" name="Rectangle 32"/>
+                <p:cNvSpPr>
+                  <a:spLocks/>
+                </p:cNvSpPr>
+                <p:nvPr/>
+              </p:nvSpPr>
+              <p:spPr bwMode="auto">
+                <a:xfrm>
+                  <a:off x="0" y="40"/>
+                  <a:ext cx="528" cy="144"/>
+                </a:xfrm>
+                <a:prstGeom prst="rect">
+                  <a:avLst/>
+                </a:prstGeom>
+                <a:solidFill>
+                  <a:srgbClr val="FFFFFF"/>
+                </a:solidFill>
+                <a:ln w="12700">
+                  <a:solidFill>
+                    <a:srgbClr val="000066"/>
+                  </a:solidFill>
+                  <a:miter lim="800000"/>
+                  <a:headEnd/>
+                  <a:tailEnd/>
+                </a:ln>
+              </p:spPr>
+              <p:txBody>
+                <a:bodyPr lIns="0" tIns="0" rIns="0" bIns="0">
+                  <a:prstTxWarp prst="textNoShape">
+                    <a:avLst/>
+                  </a:prstTxWarp>
+                </a:bodyPr>
+                <a:lstStyle/>
+                <a:p>
+                  <a:pPr algn="ctr" eaLnBrk="1" hangingPunct="1"/>
+                  <a:endParaRPr lang="en-US" sz="4200" b="1" smtClean="0">
+                    <a:solidFill>
+                      <a:srgbClr val="273272"/>
+                    </a:solidFill>
+                    <a:latin typeface="Gill Sans" charset="0"/>
+                    <a:ea typeface="ヒラギノ角ゴ ProN W3" charset="-128"/>
+                    <a:cs typeface="ヒラギノ角ゴ ProN W3" charset="-128"/>
+                    <a:sym typeface="Gill Sans" charset="0"/>
+                  </a:endParaRPr>
+                </a:p>
+              </p:txBody>
+            </p:sp>
+            <p:sp>
+              <p:nvSpPr>
+                <p:cNvPr id="137" name="Rectangle 33"/>
+                <p:cNvSpPr>
+                  <a:spLocks/>
+                </p:cNvSpPr>
+                <p:nvPr/>
+              </p:nvSpPr>
+              <p:spPr bwMode="auto">
+                <a:xfrm>
+                  <a:off x="142" y="5"/>
+                  <a:ext cx="242" cy="215"/>
+                </a:xfrm>
+                <a:prstGeom prst="rect">
+                  <a:avLst/>
+                </a:prstGeom>
+                <a:noFill/>
+                <a:ln w="12700">
+                  <a:noFill/>
+                  <a:miter lim="800000"/>
+                  <a:headEnd/>
+                  <a:tailEnd/>
+                </a:ln>
+              </p:spPr>
+              <p:txBody>
+                <a:bodyPr wrap="none" lIns="50800" tIns="50800" bIns="50800" anchor="ctr">
+                  <a:prstTxWarp prst="textNoShape">
+                    <a:avLst/>
+                  </a:prstTxWarp>
+                  <a:spAutoFit/>
+                </a:bodyPr>
+                <a:lstStyle/>
+                <a:p>
+                  <a:pPr algn="ctr" eaLnBrk="1" hangingPunct="1"/>
+                  <a:r>
+                    <a:rPr lang="en-US" sz="1800" b="1">
+                      <a:solidFill>
+                        <a:srgbClr val="273272"/>
+                      </a:solidFill>
+                      <a:latin typeface="Courier New Bold" charset="0"/>
+                      <a:ea typeface="Courier New Bold" charset="0"/>
+                      <a:cs typeface="Courier New Bold" charset="0"/>
+                      <a:sym typeface="Courier New Bold" charset="0"/>
+                    </a:rPr>
+                    <a:t>0010</a:t>
+                  </a:r>
+                </a:p>
+              </p:txBody>
+            </p:sp>
+          </p:grpSp>
+          <p:grpSp>
+            <p:nvGrpSpPr>
+              <p:cNvPr id="19" name="Group 34"/>
+              <p:cNvGrpSpPr>
+                <a:grpSpLocks/>
+              </p:cNvGrpSpPr>
+              <p:nvPr/>
+            </p:nvGrpSpPr>
+            <p:grpSpPr bwMode="auto">
+              <a:xfrm>
+                <a:off x="0" y="437"/>
+                <a:ext cx="288" cy="215"/>
+                <a:chOff x="0" y="5"/>
+                <a:chExt cx="288" cy="215"/>
+              </a:xfrm>
+            </p:grpSpPr>
+            <p:sp>
+              <p:nvSpPr>
+                <p:cNvPr id="134" name="Rectangle 35"/>
+                <p:cNvSpPr>
+                  <a:spLocks/>
+                </p:cNvSpPr>
+                <p:nvPr/>
+              </p:nvSpPr>
+              <p:spPr bwMode="auto">
+                <a:xfrm>
+                  <a:off x="0" y="40"/>
+                  <a:ext cx="288" cy="144"/>
+                </a:xfrm>
+                <a:prstGeom prst="rect">
+                  <a:avLst/>
+                </a:prstGeom>
+                <a:solidFill>
+                  <a:srgbClr val="FFFFFF"/>
+                </a:solidFill>
+                <a:ln w="12700">
+                  <a:solidFill>
+                    <a:srgbClr val="000066"/>
+                  </a:solidFill>
+                  <a:miter lim="800000"/>
+                  <a:headEnd/>
+                  <a:tailEnd/>
+                </a:ln>
+              </p:spPr>
+              <p:txBody>
+                <a:bodyPr lIns="0" tIns="0" rIns="0" bIns="0">
+                  <a:prstTxWarp prst="textNoShape">
+                    <a:avLst/>
+                  </a:prstTxWarp>
+                </a:bodyPr>
+                <a:lstStyle/>
+                <a:p>
+                  <a:pPr algn="ctr" eaLnBrk="1" hangingPunct="1"/>
+                  <a:endParaRPr lang="en-US" sz="4200" b="1" smtClean="0">
+                    <a:solidFill>
+                      <a:srgbClr val="273272"/>
+                    </a:solidFill>
+                    <a:latin typeface="Gill Sans" charset="0"/>
+                    <a:ea typeface="ヒラギノ角ゴ ProN W3" charset="-128"/>
+                    <a:cs typeface="ヒラギノ角ゴ ProN W3" charset="-128"/>
+                    <a:sym typeface="Gill Sans" charset="0"/>
+                  </a:endParaRPr>
+                </a:p>
+              </p:txBody>
+            </p:sp>
+            <p:sp>
+              <p:nvSpPr>
+                <p:cNvPr id="135" name="Rectangle 36"/>
+                <p:cNvSpPr>
+                  <a:spLocks/>
+                </p:cNvSpPr>
+                <p:nvPr/>
+              </p:nvSpPr>
+              <p:spPr bwMode="auto">
+                <a:xfrm>
+                  <a:off x="94" y="5"/>
+                  <a:ext cx="100" cy="215"/>
+                </a:xfrm>
+                <a:prstGeom prst="rect">
+                  <a:avLst/>
+                </a:prstGeom>
+                <a:noFill/>
+                <a:ln w="12700">
+                  <a:noFill/>
+                  <a:miter lim="800000"/>
+                  <a:headEnd/>
+                  <a:tailEnd/>
+                </a:ln>
+              </p:spPr>
+              <p:txBody>
+                <a:bodyPr wrap="none" lIns="50800" tIns="50800" bIns="50800" anchor="ctr">
+                  <a:prstTxWarp prst="textNoShape">
+                    <a:avLst/>
+                  </a:prstTxWarp>
+                  <a:spAutoFit/>
+                </a:bodyPr>
+                <a:lstStyle/>
+                <a:p>
+                  <a:pPr algn="ctr" eaLnBrk="1" hangingPunct="1"/>
+                  <a:r>
+                    <a:rPr lang="en-US" sz="1800" b="1">
+                      <a:solidFill>
+                        <a:srgbClr val="273272"/>
+                      </a:solidFill>
+                      <a:latin typeface="Courier New Bold" charset="0"/>
+                      <a:ea typeface="Courier New Bold" charset="0"/>
+                      <a:cs typeface="Courier New Bold" charset="0"/>
+                      <a:sym typeface="Courier New Bold" charset="0"/>
+                    </a:rPr>
+                    <a:t>3</a:t>
+                  </a:r>
+                </a:p>
+              </p:txBody>
+            </p:sp>
+          </p:grpSp>
+          <p:grpSp>
+            <p:nvGrpSpPr>
+              <p:cNvPr id="20" name="Group 37"/>
+              <p:cNvGrpSpPr>
+                <a:grpSpLocks/>
+              </p:cNvGrpSpPr>
+              <p:nvPr/>
+            </p:nvGrpSpPr>
+            <p:grpSpPr bwMode="auto">
+              <a:xfrm>
+                <a:off x="288" y="437"/>
+                <a:ext cx="288" cy="215"/>
+                <a:chOff x="0" y="5"/>
+                <a:chExt cx="288" cy="215"/>
+              </a:xfrm>
+            </p:grpSpPr>
+            <p:sp>
+              <p:nvSpPr>
+                <p:cNvPr id="132" name="Rectangle 38"/>
+                <p:cNvSpPr>
+                  <a:spLocks/>
+                </p:cNvSpPr>
+                <p:nvPr/>
+              </p:nvSpPr>
+              <p:spPr bwMode="auto">
+                <a:xfrm>
+                  <a:off x="0" y="40"/>
+                  <a:ext cx="288" cy="144"/>
+                </a:xfrm>
+                <a:prstGeom prst="rect">
+                  <a:avLst/>
+                </a:prstGeom>
+                <a:solidFill>
+                  <a:srgbClr val="FFFFFF"/>
+                </a:solidFill>
+                <a:ln w="12700">
+                  <a:solidFill>
+                    <a:srgbClr val="000066"/>
+                  </a:solidFill>
+                  <a:miter lim="800000"/>
+                  <a:headEnd/>
+                  <a:tailEnd/>
+                </a:ln>
+              </p:spPr>
+              <p:txBody>
+                <a:bodyPr lIns="0" tIns="0" rIns="0" bIns="0">
+                  <a:prstTxWarp prst="textNoShape">
+                    <a:avLst/>
+                  </a:prstTxWarp>
+                </a:bodyPr>
+                <a:lstStyle/>
+                <a:p>
+                  <a:pPr algn="ctr" eaLnBrk="1" hangingPunct="1"/>
+                  <a:endParaRPr lang="en-US" sz="4200" b="1" smtClean="0">
+                    <a:solidFill>
+                      <a:srgbClr val="273272"/>
+                    </a:solidFill>
+                    <a:latin typeface="Gill Sans" charset="0"/>
+                    <a:ea typeface="ヒラギノ角ゴ ProN W3" charset="-128"/>
+                    <a:cs typeface="ヒラギノ角ゴ ProN W3" charset="-128"/>
+                    <a:sym typeface="Gill Sans" charset="0"/>
+                  </a:endParaRPr>
+                </a:p>
+              </p:txBody>
+            </p:sp>
+            <p:sp>
+              <p:nvSpPr>
+                <p:cNvPr id="133" name="Rectangle 39"/>
+                <p:cNvSpPr>
+                  <a:spLocks/>
+                </p:cNvSpPr>
+                <p:nvPr/>
+              </p:nvSpPr>
+              <p:spPr bwMode="auto">
+                <a:xfrm>
+                  <a:off x="94" y="5"/>
+                  <a:ext cx="100" cy="215"/>
+                </a:xfrm>
+                <a:prstGeom prst="rect">
+                  <a:avLst/>
+                </a:prstGeom>
+                <a:noFill/>
+                <a:ln w="12700">
+                  <a:noFill/>
+                  <a:miter lim="800000"/>
+                  <a:headEnd/>
+                  <a:tailEnd/>
+                </a:ln>
+              </p:spPr>
+              <p:txBody>
+                <a:bodyPr wrap="none" lIns="50800" tIns="50800" bIns="50800" anchor="ctr">
+                  <a:prstTxWarp prst="textNoShape">
+                    <a:avLst/>
+                  </a:prstTxWarp>
+                  <a:spAutoFit/>
+                </a:bodyPr>
+                <a:lstStyle/>
+                <a:p>
+                  <a:pPr algn="ctr" eaLnBrk="1" hangingPunct="1"/>
+                  <a:r>
+                    <a:rPr lang="en-US" sz="1800" b="1" dirty="0">
+                      <a:solidFill>
+                        <a:srgbClr val="273272"/>
+                      </a:solidFill>
+                      <a:latin typeface="Courier New Bold" charset="0"/>
+                      <a:ea typeface="Courier New Bold" charset="0"/>
+                      <a:cs typeface="Courier New Bold" charset="0"/>
+                      <a:sym typeface="Courier New Bold" charset="0"/>
+                    </a:rPr>
+                    <a:t>3</a:t>
+                  </a:r>
+                </a:p>
+              </p:txBody>
+            </p:sp>
+          </p:grpSp>
+          <p:grpSp>
+            <p:nvGrpSpPr>
+              <p:cNvPr id="21" name="Group 40"/>
+              <p:cNvGrpSpPr>
+                <a:grpSpLocks/>
+              </p:cNvGrpSpPr>
+              <p:nvPr/>
+            </p:nvGrpSpPr>
+            <p:grpSpPr bwMode="auto">
+              <a:xfrm>
+                <a:off x="576" y="437"/>
+                <a:ext cx="528" cy="215"/>
+                <a:chOff x="0" y="5"/>
+                <a:chExt cx="528" cy="215"/>
+              </a:xfrm>
+            </p:grpSpPr>
+            <p:sp>
+              <p:nvSpPr>
+                <p:cNvPr id="130" name="Rectangle 41"/>
+                <p:cNvSpPr>
+                  <a:spLocks/>
+                </p:cNvSpPr>
+                <p:nvPr/>
+              </p:nvSpPr>
+              <p:spPr bwMode="auto">
+                <a:xfrm>
+                  <a:off x="0" y="40"/>
+                  <a:ext cx="528" cy="144"/>
+                </a:xfrm>
+                <a:prstGeom prst="rect">
+                  <a:avLst/>
+                </a:prstGeom>
+                <a:solidFill>
+                  <a:srgbClr val="FFFFFF"/>
+                </a:solidFill>
+                <a:ln w="12700">
+                  <a:solidFill>
+                    <a:srgbClr val="000066"/>
+                  </a:solidFill>
+                  <a:miter lim="800000"/>
+                  <a:headEnd/>
+                  <a:tailEnd/>
+                </a:ln>
+              </p:spPr>
+              <p:txBody>
+                <a:bodyPr lIns="0" tIns="0" rIns="0" bIns="0">
+                  <a:prstTxWarp prst="textNoShape">
+                    <a:avLst/>
+                  </a:prstTxWarp>
+                </a:bodyPr>
+                <a:lstStyle/>
+                <a:p>
+                  <a:pPr algn="ctr" eaLnBrk="1" hangingPunct="1"/>
+                  <a:endParaRPr lang="en-US" sz="4200" b="1" smtClean="0">
+                    <a:solidFill>
+                      <a:srgbClr val="273272"/>
+                    </a:solidFill>
+                    <a:latin typeface="Gill Sans" charset="0"/>
+                    <a:ea typeface="ヒラギノ角ゴ ProN W3" charset="-128"/>
+                    <a:cs typeface="ヒラギノ角ゴ ProN W3" charset="-128"/>
+                    <a:sym typeface="Gill Sans" charset="0"/>
+                  </a:endParaRPr>
+                </a:p>
+              </p:txBody>
+            </p:sp>
+            <p:sp>
+              <p:nvSpPr>
+                <p:cNvPr id="131" name="Rectangle 42"/>
+                <p:cNvSpPr>
+                  <a:spLocks/>
+                </p:cNvSpPr>
+                <p:nvPr/>
+              </p:nvSpPr>
+              <p:spPr bwMode="auto">
+                <a:xfrm>
+                  <a:off x="145" y="5"/>
+                  <a:ext cx="238" cy="215"/>
+                </a:xfrm>
+                <a:prstGeom prst="rect">
+                  <a:avLst/>
+                </a:prstGeom>
+                <a:noFill/>
+                <a:ln w="12700">
+                  <a:noFill/>
+                  <a:miter lim="800000"/>
+                  <a:headEnd/>
+                  <a:tailEnd/>
+                </a:ln>
+              </p:spPr>
+              <p:txBody>
+                <a:bodyPr wrap="none" lIns="50800" tIns="50800" bIns="50800" anchor="ctr">
+                  <a:prstTxWarp prst="textNoShape">
+                    <a:avLst/>
+                  </a:prstTxWarp>
+                  <a:spAutoFit/>
+                </a:bodyPr>
+                <a:lstStyle/>
+                <a:p>
+                  <a:pPr algn="ctr" eaLnBrk="1" hangingPunct="1"/>
+                  <a:r>
+                    <a:rPr lang="en-US" sz="1800" b="1">
+                      <a:solidFill>
+                        <a:srgbClr val="273272"/>
+                      </a:solidFill>
+                      <a:latin typeface="Courier New Bold" charset="0"/>
+                      <a:ea typeface="Courier New Bold" charset="0"/>
+                      <a:cs typeface="Courier New Bold" charset="0"/>
+                      <a:sym typeface="Courier New Bold" charset="0"/>
+                    </a:rPr>
+                    <a:t>0011</a:t>
+                  </a:r>
+                </a:p>
+              </p:txBody>
+            </p:sp>
+          </p:grpSp>
+          <p:grpSp>
+            <p:nvGrpSpPr>
+              <p:cNvPr id="22" name="Group 43"/>
+              <p:cNvGrpSpPr>
+                <a:grpSpLocks/>
+              </p:cNvGrpSpPr>
+              <p:nvPr/>
+            </p:nvGrpSpPr>
+            <p:grpSpPr bwMode="auto">
+              <a:xfrm>
+                <a:off x="0" y="581"/>
+                <a:ext cx="288" cy="215"/>
+                <a:chOff x="0" y="5"/>
+                <a:chExt cx="288" cy="215"/>
+              </a:xfrm>
+            </p:grpSpPr>
+            <p:sp>
+              <p:nvSpPr>
+                <p:cNvPr id="128" name="Rectangle 44"/>
+                <p:cNvSpPr>
+                  <a:spLocks/>
+                </p:cNvSpPr>
+                <p:nvPr/>
+              </p:nvSpPr>
+              <p:spPr bwMode="auto">
+                <a:xfrm>
+                  <a:off x="0" y="40"/>
+                  <a:ext cx="288" cy="144"/>
+                </a:xfrm>
+                <a:prstGeom prst="rect">
+                  <a:avLst/>
+                </a:prstGeom>
+                <a:solidFill>
+                  <a:srgbClr val="FFFFFF"/>
+                </a:solidFill>
+                <a:ln w="12700">
+                  <a:solidFill>
+                    <a:srgbClr val="000066"/>
+                  </a:solidFill>
+                  <a:miter lim="800000"/>
+                  <a:headEnd/>
+                  <a:tailEnd/>
+                </a:ln>
+              </p:spPr>
+              <p:txBody>
+                <a:bodyPr lIns="0" tIns="0" rIns="0" bIns="0">
+                  <a:prstTxWarp prst="textNoShape">
+                    <a:avLst/>
+                  </a:prstTxWarp>
+                </a:bodyPr>
+                <a:lstStyle/>
+                <a:p>
+                  <a:pPr algn="ctr" eaLnBrk="1" hangingPunct="1"/>
+                  <a:endParaRPr lang="en-US" sz="4200" b="1" smtClean="0">
+                    <a:solidFill>
+                      <a:srgbClr val="273272"/>
+                    </a:solidFill>
+                    <a:latin typeface="Gill Sans" charset="0"/>
+                    <a:ea typeface="ヒラギノ角ゴ ProN W3" charset="-128"/>
+                    <a:cs typeface="ヒラギノ角ゴ ProN W3" charset="-128"/>
+                    <a:sym typeface="Gill Sans" charset="0"/>
+                  </a:endParaRPr>
+                </a:p>
+              </p:txBody>
+            </p:sp>
+            <p:sp>
+              <p:nvSpPr>
+                <p:cNvPr id="129" name="Rectangle 45"/>
+                <p:cNvSpPr>
+                  <a:spLocks/>
+                </p:cNvSpPr>
+                <p:nvPr/>
+              </p:nvSpPr>
+              <p:spPr bwMode="auto">
+                <a:xfrm>
+                  <a:off x="94" y="5"/>
+                  <a:ext cx="100" cy="215"/>
+                </a:xfrm>
+                <a:prstGeom prst="rect">
+                  <a:avLst/>
+                </a:prstGeom>
+                <a:noFill/>
+                <a:ln w="12700">
+                  <a:noFill/>
+                  <a:miter lim="800000"/>
+                  <a:headEnd/>
+                  <a:tailEnd/>
+                </a:ln>
+              </p:spPr>
+              <p:txBody>
+                <a:bodyPr wrap="none" lIns="50800" tIns="50800" bIns="50800" anchor="ctr">
+                  <a:prstTxWarp prst="textNoShape">
+                    <a:avLst/>
+                  </a:prstTxWarp>
+                  <a:spAutoFit/>
+                </a:bodyPr>
+                <a:lstStyle/>
+                <a:p>
+                  <a:pPr algn="ctr" eaLnBrk="1" hangingPunct="1"/>
+                  <a:r>
+                    <a:rPr lang="en-US" sz="1800" b="1">
+                      <a:solidFill>
+                        <a:srgbClr val="273272"/>
+                      </a:solidFill>
+                      <a:latin typeface="Courier New Bold" charset="0"/>
+                      <a:ea typeface="Courier New Bold" charset="0"/>
+                      <a:cs typeface="Courier New Bold" charset="0"/>
+                      <a:sym typeface="Courier New Bold" charset="0"/>
+                    </a:rPr>
+                    <a:t>4</a:t>
+                  </a:r>
+                </a:p>
+              </p:txBody>
+            </p:sp>
+          </p:grpSp>
+          <p:grpSp>
+            <p:nvGrpSpPr>
+              <p:cNvPr id="23" name="Group 46"/>
+              <p:cNvGrpSpPr>
+                <a:grpSpLocks/>
+              </p:cNvGrpSpPr>
+              <p:nvPr/>
+            </p:nvGrpSpPr>
+            <p:grpSpPr bwMode="auto">
+              <a:xfrm>
+                <a:off x="288" y="581"/>
+                <a:ext cx="288" cy="215"/>
+                <a:chOff x="0" y="5"/>
+                <a:chExt cx="288" cy="215"/>
+              </a:xfrm>
+            </p:grpSpPr>
+            <p:sp>
+              <p:nvSpPr>
+                <p:cNvPr id="126" name="Rectangle 47"/>
+                <p:cNvSpPr>
+                  <a:spLocks/>
+                </p:cNvSpPr>
+                <p:nvPr/>
+              </p:nvSpPr>
+              <p:spPr bwMode="auto">
+                <a:xfrm>
+                  <a:off x="0" y="40"/>
+                  <a:ext cx="288" cy="144"/>
+                </a:xfrm>
+                <a:prstGeom prst="rect">
+                  <a:avLst/>
+                </a:prstGeom>
+                <a:solidFill>
+                  <a:srgbClr val="FFFFFF"/>
+                </a:solidFill>
+                <a:ln w="12700">
+                  <a:solidFill>
+                    <a:srgbClr val="000066"/>
+                  </a:solidFill>
+                  <a:miter lim="800000"/>
+                  <a:headEnd/>
+                  <a:tailEnd/>
+                </a:ln>
+              </p:spPr>
+              <p:txBody>
+                <a:bodyPr lIns="0" tIns="0" rIns="0" bIns="0">
+                  <a:prstTxWarp prst="textNoShape">
+                    <a:avLst/>
+                  </a:prstTxWarp>
+                </a:bodyPr>
+                <a:lstStyle/>
+                <a:p>
+                  <a:pPr algn="ctr" eaLnBrk="1" hangingPunct="1"/>
+                  <a:endParaRPr lang="en-US" sz="4200" b="1" smtClean="0">
+                    <a:solidFill>
+                      <a:srgbClr val="273272"/>
+                    </a:solidFill>
+                    <a:latin typeface="Gill Sans" charset="0"/>
+                    <a:ea typeface="ヒラギノ角ゴ ProN W3" charset="-128"/>
+                    <a:cs typeface="ヒラギノ角ゴ ProN W3" charset="-128"/>
+                    <a:sym typeface="Gill Sans" charset="0"/>
+                  </a:endParaRPr>
+                </a:p>
+              </p:txBody>
+            </p:sp>
+            <p:sp>
+              <p:nvSpPr>
+                <p:cNvPr id="127" name="Rectangle 48"/>
+                <p:cNvSpPr>
+                  <a:spLocks/>
+                </p:cNvSpPr>
+                <p:nvPr/>
+              </p:nvSpPr>
+              <p:spPr bwMode="auto">
+                <a:xfrm>
+                  <a:off x="94" y="5"/>
+                  <a:ext cx="100" cy="215"/>
+                </a:xfrm>
+                <a:prstGeom prst="rect">
+                  <a:avLst/>
+                </a:prstGeom>
+                <a:noFill/>
+                <a:ln w="12700">
+                  <a:noFill/>
+                  <a:miter lim="800000"/>
+                  <a:headEnd/>
+                  <a:tailEnd/>
+                </a:ln>
+              </p:spPr>
+              <p:txBody>
+                <a:bodyPr wrap="none" lIns="50800" tIns="50800" bIns="50800" anchor="ctr">
+                  <a:prstTxWarp prst="textNoShape">
+                    <a:avLst/>
+                  </a:prstTxWarp>
+                  <a:spAutoFit/>
+                </a:bodyPr>
+                <a:lstStyle/>
+                <a:p>
+                  <a:pPr algn="ctr" eaLnBrk="1" hangingPunct="1"/>
+                  <a:r>
+                    <a:rPr lang="en-US" sz="1800" b="1">
+                      <a:solidFill>
+                        <a:srgbClr val="273272"/>
+                      </a:solidFill>
+                      <a:latin typeface="Courier New Bold" charset="0"/>
+                      <a:ea typeface="Courier New Bold" charset="0"/>
+                      <a:cs typeface="Courier New Bold" charset="0"/>
+                      <a:sym typeface="Courier New Bold" charset="0"/>
+                    </a:rPr>
+                    <a:t>4</a:t>
+                  </a:r>
+                </a:p>
+              </p:txBody>
+            </p:sp>
+          </p:grpSp>
+          <p:grpSp>
+            <p:nvGrpSpPr>
+              <p:cNvPr id="24" name="Group 49"/>
+              <p:cNvGrpSpPr>
+                <a:grpSpLocks/>
+              </p:cNvGrpSpPr>
+              <p:nvPr/>
+            </p:nvGrpSpPr>
+            <p:grpSpPr bwMode="auto">
+              <a:xfrm>
+                <a:off x="576" y="581"/>
+                <a:ext cx="528" cy="215"/>
+                <a:chOff x="0" y="5"/>
+                <a:chExt cx="528" cy="215"/>
+              </a:xfrm>
+            </p:grpSpPr>
+            <p:sp>
+              <p:nvSpPr>
+                <p:cNvPr id="124" name="Rectangle 50"/>
+                <p:cNvSpPr>
+                  <a:spLocks/>
+                </p:cNvSpPr>
+                <p:nvPr/>
+              </p:nvSpPr>
+              <p:spPr bwMode="auto">
+                <a:xfrm>
+                  <a:off x="0" y="40"/>
+                  <a:ext cx="528" cy="144"/>
+                </a:xfrm>
+                <a:prstGeom prst="rect">
+                  <a:avLst/>
+                </a:prstGeom>
+                <a:solidFill>
+                  <a:srgbClr val="FFFFFF"/>
+                </a:solidFill>
+                <a:ln w="12700">
+                  <a:solidFill>
+                    <a:srgbClr val="000066"/>
+                  </a:solidFill>
+                  <a:miter lim="800000"/>
+                  <a:headEnd/>
+                  <a:tailEnd/>
+                </a:ln>
+              </p:spPr>
+              <p:txBody>
+                <a:bodyPr lIns="0" tIns="0" rIns="0" bIns="0">
+                  <a:prstTxWarp prst="textNoShape">
+                    <a:avLst/>
+                  </a:prstTxWarp>
+                </a:bodyPr>
+                <a:lstStyle/>
+                <a:p>
+                  <a:pPr algn="ctr" eaLnBrk="1" hangingPunct="1"/>
+                  <a:endParaRPr lang="en-US" sz="4200" b="1" smtClean="0">
+                    <a:solidFill>
+                      <a:srgbClr val="273272"/>
+                    </a:solidFill>
+                    <a:latin typeface="Gill Sans" charset="0"/>
+                    <a:ea typeface="ヒラギノ角ゴ ProN W3" charset="-128"/>
+                    <a:cs typeface="ヒラギノ角ゴ ProN W3" charset="-128"/>
+                    <a:sym typeface="Gill Sans" charset="0"/>
+                  </a:endParaRPr>
+                </a:p>
+              </p:txBody>
+            </p:sp>
+            <p:sp>
+              <p:nvSpPr>
+                <p:cNvPr id="125" name="Rectangle 51"/>
+                <p:cNvSpPr>
+                  <a:spLocks/>
+                </p:cNvSpPr>
+                <p:nvPr/>
+              </p:nvSpPr>
+              <p:spPr bwMode="auto">
+                <a:xfrm>
+                  <a:off x="142" y="5"/>
+                  <a:ext cx="242" cy="215"/>
+                </a:xfrm>
+                <a:prstGeom prst="rect">
+                  <a:avLst/>
+                </a:prstGeom>
+                <a:noFill/>
+                <a:ln w="12700">
+                  <a:noFill/>
+                  <a:miter lim="800000"/>
+                  <a:headEnd/>
+                  <a:tailEnd/>
+                </a:ln>
+              </p:spPr>
+              <p:txBody>
+                <a:bodyPr wrap="none" lIns="50800" tIns="50800" bIns="50800" anchor="ctr">
+                  <a:prstTxWarp prst="textNoShape">
+                    <a:avLst/>
+                  </a:prstTxWarp>
+                  <a:spAutoFit/>
+                </a:bodyPr>
+                <a:lstStyle/>
+                <a:p>
+                  <a:pPr algn="ctr" eaLnBrk="1" hangingPunct="1"/>
+                  <a:r>
+                    <a:rPr lang="en-US" sz="1800" b="1" dirty="0">
+                      <a:solidFill>
+                        <a:srgbClr val="273272"/>
+                      </a:solidFill>
+                      <a:latin typeface="Courier New Bold" charset="0"/>
+                      <a:ea typeface="Courier New Bold" charset="0"/>
+                      <a:cs typeface="Courier New Bold" charset="0"/>
+                      <a:sym typeface="Courier New Bold" charset="0"/>
+                    </a:rPr>
+                    <a:t>0100</a:t>
+                  </a:r>
+                </a:p>
+              </p:txBody>
+            </p:sp>
+          </p:grpSp>
+          <p:grpSp>
+            <p:nvGrpSpPr>
+              <p:cNvPr id="25" name="Group 52"/>
+              <p:cNvGrpSpPr>
+                <a:grpSpLocks/>
+              </p:cNvGrpSpPr>
+              <p:nvPr/>
+            </p:nvGrpSpPr>
+            <p:grpSpPr bwMode="auto">
+              <a:xfrm>
+                <a:off x="0" y="725"/>
+                <a:ext cx="288" cy="215"/>
+                <a:chOff x="0" y="5"/>
+                <a:chExt cx="288" cy="215"/>
+              </a:xfrm>
+            </p:grpSpPr>
+            <p:sp>
+              <p:nvSpPr>
+                <p:cNvPr id="122" name="Rectangle 53"/>
+                <p:cNvSpPr>
+                  <a:spLocks/>
+                </p:cNvSpPr>
+                <p:nvPr/>
+              </p:nvSpPr>
+              <p:spPr bwMode="auto">
+                <a:xfrm>
+                  <a:off x="0" y="40"/>
+                  <a:ext cx="288" cy="144"/>
+                </a:xfrm>
+                <a:prstGeom prst="rect">
+                  <a:avLst/>
+                </a:prstGeom>
+                <a:solidFill>
+                  <a:srgbClr val="FFFFFF"/>
+                </a:solidFill>
+                <a:ln w="12700">
+                  <a:solidFill>
+                    <a:srgbClr val="000066"/>
+                  </a:solidFill>
+                  <a:miter lim="800000"/>
+                  <a:headEnd/>
+                  <a:tailEnd/>
+                </a:ln>
+              </p:spPr>
+              <p:txBody>
+                <a:bodyPr lIns="0" tIns="0" rIns="0" bIns="0">
+                  <a:prstTxWarp prst="textNoShape">
+                    <a:avLst/>
+                  </a:prstTxWarp>
+                </a:bodyPr>
+                <a:lstStyle/>
+                <a:p>
+                  <a:pPr algn="ctr" eaLnBrk="1" hangingPunct="1"/>
+                  <a:endParaRPr lang="en-US" sz="4200" b="1" smtClean="0">
+                    <a:solidFill>
+                      <a:srgbClr val="273272"/>
+                    </a:solidFill>
+                    <a:latin typeface="Gill Sans" charset="0"/>
+                    <a:ea typeface="ヒラギノ角ゴ ProN W3" charset="-128"/>
+                    <a:cs typeface="ヒラギノ角ゴ ProN W3" charset="-128"/>
+                    <a:sym typeface="Gill Sans" charset="0"/>
+                  </a:endParaRPr>
+                </a:p>
+              </p:txBody>
+            </p:sp>
+            <p:sp>
+              <p:nvSpPr>
+                <p:cNvPr id="123" name="Rectangle 54"/>
+                <p:cNvSpPr>
+                  <a:spLocks/>
+                </p:cNvSpPr>
+                <p:nvPr/>
+              </p:nvSpPr>
+              <p:spPr bwMode="auto">
+                <a:xfrm>
+                  <a:off x="94" y="5"/>
+                  <a:ext cx="100" cy="215"/>
+                </a:xfrm>
+                <a:prstGeom prst="rect">
+                  <a:avLst/>
+                </a:prstGeom>
+                <a:noFill/>
+                <a:ln w="12700">
+                  <a:noFill/>
+                  <a:miter lim="800000"/>
+                  <a:headEnd/>
+                  <a:tailEnd/>
+                </a:ln>
+              </p:spPr>
+              <p:txBody>
+                <a:bodyPr wrap="none" lIns="50800" tIns="50800" bIns="50800" anchor="ctr">
+                  <a:prstTxWarp prst="textNoShape">
+                    <a:avLst/>
+                  </a:prstTxWarp>
+                  <a:spAutoFit/>
+                </a:bodyPr>
+                <a:lstStyle/>
+                <a:p>
+                  <a:pPr algn="ctr" eaLnBrk="1" hangingPunct="1"/>
+                  <a:r>
+                    <a:rPr lang="en-US" sz="1800" b="1">
+                      <a:solidFill>
+                        <a:srgbClr val="273272"/>
+                      </a:solidFill>
+                      <a:latin typeface="Courier New Bold" charset="0"/>
+                      <a:ea typeface="Courier New Bold" charset="0"/>
+                      <a:cs typeface="Courier New Bold" charset="0"/>
+                      <a:sym typeface="Courier New Bold" charset="0"/>
+                    </a:rPr>
+                    <a:t>5</a:t>
+                  </a:r>
+                </a:p>
+              </p:txBody>
+            </p:sp>
+          </p:grpSp>
+          <p:grpSp>
+            <p:nvGrpSpPr>
+              <p:cNvPr id="26" name="Group 55"/>
+              <p:cNvGrpSpPr>
+                <a:grpSpLocks/>
+              </p:cNvGrpSpPr>
+              <p:nvPr/>
+            </p:nvGrpSpPr>
+            <p:grpSpPr bwMode="auto">
+              <a:xfrm>
+                <a:off x="288" y="725"/>
+                <a:ext cx="288" cy="215"/>
+                <a:chOff x="0" y="5"/>
+                <a:chExt cx="288" cy="215"/>
+              </a:xfrm>
+            </p:grpSpPr>
+            <p:sp>
+              <p:nvSpPr>
+                <p:cNvPr id="120" name="Rectangle 56"/>
+                <p:cNvSpPr>
+                  <a:spLocks/>
+                </p:cNvSpPr>
+                <p:nvPr/>
+              </p:nvSpPr>
+              <p:spPr bwMode="auto">
+                <a:xfrm>
+                  <a:off x="0" y="40"/>
+                  <a:ext cx="288" cy="144"/>
+                </a:xfrm>
+                <a:prstGeom prst="rect">
+                  <a:avLst/>
+                </a:prstGeom>
+                <a:solidFill>
+                  <a:srgbClr val="FFFFFF"/>
+                </a:solidFill>
+                <a:ln w="12700">
+                  <a:solidFill>
+                    <a:srgbClr val="000066"/>
+                  </a:solidFill>
+                  <a:miter lim="800000"/>
+                  <a:headEnd/>
+                  <a:tailEnd/>
+                </a:ln>
+              </p:spPr>
+              <p:txBody>
+                <a:bodyPr lIns="0" tIns="0" rIns="0" bIns="0">
+                  <a:prstTxWarp prst="textNoShape">
+                    <a:avLst/>
+                  </a:prstTxWarp>
+                </a:bodyPr>
+                <a:lstStyle/>
+                <a:p>
+                  <a:pPr algn="ctr" eaLnBrk="1" hangingPunct="1"/>
+                  <a:endParaRPr lang="en-US" sz="4200" b="1" smtClean="0">
+                    <a:solidFill>
+                      <a:srgbClr val="273272"/>
+                    </a:solidFill>
+                    <a:latin typeface="Gill Sans" charset="0"/>
+                    <a:ea typeface="ヒラギノ角ゴ ProN W3" charset="-128"/>
+                    <a:cs typeface="ヒラギノ角ゴ ProN W3" charset="-128"/>
+                    <a:sym typeface="Gill Sans" charset="0"/>
+                  </a:endParaRPr>
+                </a:p>
+              </p:txBody>
+            </p:sp>
+            <p:sp>
+              <p:nvSpPr>
+                <p:cNvPr id="121" name="Rectangle 57"/>
+                <p:cNvSpPr>
+                  <a:spLocks/>
+                </p:cNvSpPr>
+                <p:nvPr/>
+              </p:nvSpPr>
+              <p:spPr bwMode="auto">
+                <a:xfrm>
+                  <a:off x="94" y="5"/>
+                  <a:ext cx="100" cy="215"/>
+                </a:xfrm>
+                <a:prstGeom prst="rect">
+                  <a:avLst/>
+                </a:prstGeom>
+                <a:noFill/>
+                <a:ln w="12700">
+                  <a:noFill/>
+                  <a:miter lim="800000"/>
+                  <a:headEnd/>
+                  <a:tailEnd/>
+                </a:ln>
+              </p:spPr>
+              <p:txBody>
+                <a:bodyPr wrap="none" lIns="50800" tIns="50800" bIns="50800" anchor="ctr">
+                  <a:prstTxWarp prst="textNoShape">
+                    <a:avLst/>
+                  </a:prstTxWarp>
+                  <a:spAutoFit/>
+                </a:bodyPr>
+                <a:lstStyle/>
+                <a:p>
+                  <a:pPr algn="ctr" eaLnBrk="1" hangingPunct="1"/>
+                  <a:r>
+                    <a:rPr lang="en-US" sz="1800" b="1">
+                      <a:solidFill>
+                        <a:srgbClr val="273272"/>
+                      </a:solidFill>
+                      <a:latin typeface="Courier New Bold" charset="0"/>
+                      <a:ea typeface="Courier New Bold" charset="0"/>
+                      <a:cs typeface="Courier New Bold" charset="0"/>
+                      <a:sym typeface="Courier New Bold" charset="0"/>
+                    </a:rPr>
+                    <a:t>5</a:t>
+                  </a:r>
+                </a:p>
+              </p:txBody>
+            </p:sp>
+          </p:grpSp>
+          <p:grpSp>
+            <p:nvGrpSpPr>
+              <p:cNvPr id="27" name="Group 58"/>
+              <p:cNvGrpSpPr>
+                <a:grpSpLocks/>
+              </p:cNvGrpSpPr>
+              <p:nvPr/>
+            </p:nvGrpSpPr>
+            <p:grpSpPr bwMode="auto">
+              <a:xfrm>
+                <a:off x="576" y="725"/>
+                <a:ext cx="528" cy="215"/>
+                <a:chOff x="0" y="5"/>
+                <a:chExt cx="528" cy="215"/>
+              </a:xfrm>
+            </p:grpSpPr>
+            <p:sp>
+              <p:nvSpPr>
+                <p:cNvPr id="118" name="Rectangle 59"/>
+                <p:cNvSpPr>
+                  <a:spLocks/>
+                </p:cNvSpPr>
+                <p:nvPr/>
+              </p:nvSpPr>
+              <p:spPr bwMode="auto">
+                <a:xfrm>
+                  <a:off x="0" y="40"/>
+                  <a:ext cx="528" cy="144"/>
+                </a:xfrm>
+                <a:prstGeom prst="rect">
+                  <a:avLst/>
+                </a:prstGeom>
+                <a:solidFill>
+                  <a:srgbClr val="FFFFFF"/>
+                </a:solidFill>
+                <a:ln w="12700">
+                  <a:solidFill>
+                    <a:srgbClr val="000066"/>
+                  </a:solidFill>
+                  <a:miter lim="800000"/>
+                  <a:headEnd/>
+                  <a:tailEnd/>
+                </a:ln>
+              </p:spPr>
+              <p:txBody>
+                <a:bodyPr lIns="0" tIns="0" rIns="0" bIns="0">
+                  <a:prstTxWarp prst="textNoShape">
+                    <a:avLst/>
+                  </a:prstTxWarp>
+                </a:bodyPr>
+                <a:lstStyle/>
+                <a:p>
+                  <a:pPr algn="ctr" eaLnBrk="1" hangingPunct="1"/>
+                  <a:endParaRPr lang="en-US" sz="4200" b="1" smtClean="0">
+                    <a:solidFill>
+                      <a:srgbClr val="273272"/>
+                    </a:solidFill>
+                    <a:latin typeface="Gill Sans" charset="0"/>
+                    <a:ea typeface="ヒラギノ角ゴ ProN W3" charset="-128"/>
+                    <a:cs typeface="ヒラギノ角ゴ ProN W3" charset="-128"/>
+                    <a:sym typeface="Gill Sans" charset="0"/>
+                  </a:endParaRPr>
+                </a:p>
+              </p:txBody>
+            </p:sp>
+            <p:sp>
+              <p:nvSpPr>
+                <p:cNvPr id="119" name="Rectangle 60"/>
+                <p:cNvSpPr>
+                  <a:spLocks/>
+                </p:cNvSpPr>
+                <p:nvPr/>
+              </p:nvSpPr>
+              <p:spPr bwMode="auto">
+                <a:xfrm>
+                  <a:off x="142" y="5"/>
+                  <a:ext cx="242" cy="215"/>
+                </a:xfrm>
+                <a:prstGeom prst="rect">
+                  <a:avLst/>
+                </a:prstGeom>
+                <a:noFill/>
+                <a:ln w="12700">
+                  <a:noFill/>
+                  <a:miter lim="800000"/>
+                  <a:headEnd/>
+                  <a:tailEnd/>
+                </a:ln>
+              </p:spPr>
+              <p:txBody>
+                <a:bodyPr wrap="none" lIns="50800" tIns="50800" bIns="50800" anchor="ctr">
+                  <a:prstTxWarp prst="textNoShape">
+                    <a:avLst/>
+                  </a:prstTxWarp>
+                  <a:spAutoFit/>
+                </a:bodyPr>
+                <a:lstStyle/>
+                <a:p>
+                  <a:pPr algn="ctr" eaLnBrk="1" hangingPunct="1"/>
+                  <a:r>
+                    <a:rPr lang="en-US" sz="1800" b="1">
+                      <a:solidFill>
+                        <a:srgbClr val="273272"/>
+                      </a:solidFill>
+                      <a:latin typeface="Courier New Bold" charset="0"/>
+                      <a:ea typeface="Courier New Bold" charset="0"/>
+                      <a:cs typeface="Courier New Bold" charset="0"/>
+                      <a:sym typeface="Courier New Bold" charset="0"/>
+                    </a:rPr>
+                    <a:t>0101</a:t>
+                  </a:r>
+                </a:p>
+              </p:txBody>
+            </p:sp>
+          </p:grpSp>
+          <p:grpSp>
+            <p:nvGrpSpPr>
+              <p:cNvPr id="28" name="Group 61"/>
+              <p:cNvGrpSpPr>
+                <a:grpSpLocks/>
+              </p:cNvGrpSpPr>
+              <p:nvPr/>
+            </p:nvGrpSpPr>
+            <p:grpSpPr bwMode="auto">
+              <a:xfrm>
+                <a:off x="0" y="869"/>
+                <a:ext cx="288" cy="215"/>
+                <a:chOff x="0" y="5"/>
+                <a:chExt cx="288" cy="215"/>
+              </a:xfrm>
+            </p:grpSpPr>
+            <p:sp>
+              <p:nvSpPr>
+                <p:cNvPr id="116" name="Rectangle 62"/>
+                <p:cNvSpPr>
+                  <a:spLocks/>
+                </p:cNvSpPr>
+                <p:nvPr/>
+              </p:nvSpPr>
+              <p:spPr bwMode="auto">
+                <a:xfrm>
+                  <a:off x="0" y="40"/>
+                  <a:ext cx="288" cy="144"/>
+                </a:xfrm>
+                <a:prstGeom prst="rect">
+                  <a:avLst/>
+                </a:prstGeom>
+                <a:solidFill>
+                  <a:srgbClr val="FFFFFF"/>
+                </a:solidFill>
+                <a:ln w="12700">
+                  <a:solidFill>
+                    <a:srgbClr val="000066"/>
+                  </a:solidFill>
+                  <a:miter lim="800000"/>
+                  <a:headEnd/>
+                  <a:tailEnd/>
+                </a:ln>
+              </p:spPr>
+              <p:txBody>
+                <a:bodyPr lIns="0" tIns="0" rIns="0" bIns="0">
+                  <a:prstTxWarp prst="textNoShape">
+                    <a:avLst/>
+                  </a:prstTxWarp>
+                </a:bodyPr>
+                <a:lstStyle/>
+                <a:p>
+                  <a:pPr algn="ctr" eaLnBrk="1" hangingPunct="1"/>
+                  <a:endParaRPr lang="en-US" sz="4200" b="1" smtClean="0">
+                    <a:solidFill>
+                      <a:srgbClr val="273272"/>
+                    </a:solidFill>
+                    <a:latin typeface="Gill Sans" charset="0"/>
+                    <a:ea typeface="ヒラギノ角ゴ ProN W3" charset="-128"/>
+                    <a:cs typeface="ヒラギノ角ゴ ProN W3" charset="-128"/>
+                    <a:sym typeface="Gill Sans" charset="0"/>
+                  </a:endParaRPr>
+                </a:p>
+              </p:txBody>
+            </p:sp>
+            <p:sp>
+              <p:nvSpPr>
+                <p:cNvPr id="117" name="Rectangle 63"/>
+                <p:cNvSpPr>
+                  <a:spLocks/>
+                </p:cNvSpPr>
+                <p:nvPr/>
+              </p:nvSpPr>
+              <p:spPr bwMode="auto">
+                <a:xfrm>
+                  <a:off x="94" y="5"/>
+                  <a:ext cx="100" cy="215"/>
+                </a:xfrm>
+                <a:prstGeom prst="rect">
+                  <a:avLst/>
+                </a:prstGeom>
+                <a:noFill/>
+                <a:ln w="12700">
+                  <a:noFill/>
+                  <a:miter lim="800000"/>
+                  <a:headEnd/>
+                  <a:tailEnd/>
+                </a:ln>
+              </p:spPr>
+              <p:txBody>
+                <a:bodyPr wrap="none" lIns="50800" tIns="50800" bIns="50800" anchor="ctr">
+                  <a:prstTxWarp prst="textNoShape">
+                    <a:avLst/>
+                  </a:prstTxWarp>
+                  <a:spAutoFit/>
+                </a:bodyPr>
+                <a:lstStyle/>
+                <a:p>
+                  <a:pPr algn="ctr" eaLnBrk="1" hangingPunct="1"/>
+                  <a:r>
+                    <a:rPr lang="en-US" sz="1800" b="1">
+                      <a:solidFill>
+                        <a:srgbClr val="273272"/>
+                      </a:solidFill>
+                      <a:latin typeface="Courier New Bold" charset="0"/>
+                      <a:ea typeface="Courier New Bold" charset="0"/>
+                      <a:cs typeface="Courier New Bold" charset="0"/>
+                      <a:sym typeface="Courier New Bold" charset="0"/>
+                    </a:rPr>
+                    <a:t>6</a:t>
+                  </a:r>
+                </a:p>
+              </p:txBody>
+            </p:sp>
+          </p:grpSp>
+          <p:grpSp>
+            <p:nvGrpSpPr>
+              <p:cNvPr id="29" name="Group 64"/>
+              <p:cNvGrpSpPr>
+                <a:grpSpLocks/>
+              </p:cNvGrpSpPr>
+              <p:nvPr/>
+            </p:nvGrpSpPr>
+            <p:grpSpPr bwMode="auto">
+              <a:xfrm>
+                <a:off x="288" y="869"/>
+                <a:ext cx="288" cy="215"/>
+                <a:chOff x="0" y="5"/>
+                <a:chExt cx="288" cy="215"/>
+              </a:xfrm>
+            </p:grpSpPr>
+            <p:sp>
+              <p:nvSpPr>
+                <p:cNvPr id="114" name="Rectangle 65"/>
+                <p:cNvSpPr>
+                  <a:spLocks/>
+                </p:cNvSpPr>
+                <p:nvPr/>
+              </p:nvSpPr>
+              <p:spPr bwMode="auto">
+                <a:xfrm>
+                  <a:off x="0" y="40"/>
+                  <a:ext cx="288" cy="144"/>
+                </a:xfrm>
+                <a:prstGeom prst="rect">
+                  <a:avLst/>
+                </a:prstGeom>
+                <a:solidFill>
+                  <a:srgbClr val="FFFFFF"/>
+                </a:solidFill>
+                <a:ln w="12700">
+                  <a:solidFill>
+                    <a:srgbClr val="000066"/>
+                  </a:solidFill>
+                  <a:miter lim="800000"/>
+                  <a:headEnd/>
+                  <a:tailEnd/>
+                </a:ln>
+              </p:spPr>
+              <p:txBody>
+                <a:bodyPr lIns="0" tIns="0" rIns="0" bIns="0">
+                  <a:prstTxWarp prst="textNoShape">
+                    <a:avLst/>
+                  </a:prstTxWarp>
+                </a:bodyPr>
+                <a:lstStyle/>
+                <a:p>
+                  <a:pPr algn="ctr" eaLnBrk="1" hangingPunct="1"/>
+                  <a:endParaRPr lang="en-US" sz="4200" b="1" smtClean="0">
+                    <a:solidFill>
+                      <a:srgbClr val="273272"/>
+                    </a:solidFill>
+                    <a:latin typeface="Gill Sans" charset="0"/>
+                    <a:ea typeface="ヒラギノ角ゴ ProN W3" charset="-128"/>
+                    <a:cs typeface="ヒラギノ角ゴ ProN W3" charset="-128"/>
+                    <a:sym typeface="Gill Sans" charset="0"/>
+                  </a:endParaRPr>
+                </a:p>
+              </p:txBody>
+            </p:sp>
+            <p:sp>
+              <p:nvSpPr>
+                <p:cNvPr id="115" name="Rectangle 66"/>
+                <p:cNvSpPr>
+                  <a:spLocks/>
+                </p:cNvSpPr>
+                <p:nvPr/>
+              </p:nvSpPr>
+              <p:spPr bwMode="auto">
+                <a:xfrm>
+                  <a:off x="94" y="5"/>
+                  <a:ext cx="100" cy="215"/>
+                </a:xfrm>
+                <a:prstGeom prst="rect">
+                  <a:avLst/>
+                </a:prstGeom>
+                <a:noFill/>
+                <a:ln w="12700">
+                  <a:noFill/>
+                  <a:miter lim="800000"/>
+                  <a:headEnd/>
+                  <a:tailEnd/>
+                </a:ln>
+              </p:spPr>
+              <p:txBody>
+                <a:bodyPr wrap="none" lIns="50800" tIns="50800" bIns="50800" anchor="ctr">
+                  <a:prstTxWarp prst="textNoShape">
+                    <a:avLst/>
+                  </a:prstTxWarp>
+                  <a:spAutoFit/>
+                </a:bodyPr>
+                <a:lstStyle/>
+                <a:p>
+                  <a:pPr algn="ctr" eaLnBrk="1" hangingPunct="1"/>
+                  <a:r>
+                    <a:rPr lang="en-US" sz="1800" b="1">
+                      <a:solidFill>
+                        <a:srgbClr val="273272"/>
+                      </a:solidFill>
+                      <a:latin typeface="Courier New Bold" charset="0"/>
+                      <a:ea typeface="Courier New Bold" charset="0"/>
+                      <a:cs typeface="Courier New Bold" charset="0"/>
+                      <a:sym typeface="Courier New Bold" charset="0"/>
+                    </a:rPr>
+                    <a:t>6</a:t>
+                  </a:r>
+                </a:p>
+              </p:txBody>
+            </p:sp>
+          </p:grpSp>
+          <p:grpSp>
+            <p:nvGrpSpPr>
+              <p:cNvPr id="30" name="Group 67"/>
+              <p:cNvGrpSpPr>
+                <a:grpSpLocks/>
+              </p:cNvGrpSpPr>
+              <p:nvPr/>
+            </p:nvGrpSpPr>
+            <p:grpSpPr bwMode="auto">
+              <a:xfrm>
+                <a:off x="576" y="869"/>
+                <a:ext cx="528" cy="215"/>
+                <a:chOff x="0" y="5"/>
+                <a:chExt cx="528" cy="215"/>
+              </a:xfrm>
+            </p:grpSpPr>
+            <p:sp>
+              <p:nvSpPr>
+                <p:cNvPr id="112" name="Rectangle 68"/>
+                <p:cNvSpPr>
+                  <a:spLocks/>
+                </p:cNvSpPr>
+                <p:nvPr/>
+              </p:nvSpPr>
+              <p:spPr bwMode="auto">
+                <a:xfrm>
+                  <a:off x="0" y="40"/>
+                  <a:ext cx="528" cy="144"/>
+                </a:xfrm>
+                <a:prstGeom prst="rect">
+                  <a:avLst/>
+                </a:prstGeom>
+                <a:solidFill>
+                  <a:srgbClr val="FFFFFF"/>
+                </a:solidFill>
+                <a:ln w="12700">
+                  <a:solidFill>
+                    <a:srgbClr val="000066"/>
+                  </a:solidFill>
+                  <a:miter lim="800000"/>
+                  <a:headEnd/>
+                  <a:tailEnd/>
+                </a:ln>
+              </p:spPr>
+              <p:txBody>
+                <a:bodyPr lIns="0" tIns="0" rIns="0" bIns="0">
+                  <a:prstTxWarp prst="textNoShape">
+                    <a:avLst/>
+                  </a:prstTxWarp>
+                </a:bodyPr>
+                <a:lstStyle/>
+                <a:p>
+                  <a:pPr algn="ctr" eaLnBrk="1" hangingPunct="1"/>
+                  <a:endParaRPr lang="en-US" sz="4200" b="1" smtClean="0">
+                    <a:solidFill>
+                      <a:srgbClr val="273272"/>
+                    </a:solidFill>
+                    <a:latin typeface="Gill Sans" charset="0"/>
+                    <a:ea typeface="ヒラギノ角ゴ ProN W3" charset="-128"/>
+                    <a:cs typeface="ヒラギノ角ゴ ProN W3" charset="-128"/>
+                    <a:sym typeface="Gill Sans" charset="0"/>
+                  </a:endParaRPr>
+                </a:p>
+              </p:txBody>
+            </p:sp>
+            <p:sp>
+              <p:nvSpPr>
+                <p:cNvPr id="113" name="Rectangle 69"/>
+                <p:cNvSpPr>
+                  <a:spLocks/>
+                </p:cNvSpPr>
+                <p:nvPr/>
+              </p:nvSpPr>
+              <p:spPr bwMode="auto">
+                <a:xfrm>
+                  <a:off x="145" y="5"/>
+                  <a:ext cx="238" cy="215"/>
+                </a:xfrm>
+                <a:prstGeom prst="rect">
+                  <a:avLst/>
+                </a:prstGeom>
+                <a:noFill/>
+                <a:ln w="12700">
+                  <a:noFill/>
+                  <a:miter lim="800000"/>
+                  <a:headEnd/>
+                  <a:tailEnd/>
+                </a:ln>
+              </p:spPr>
+              <p:txBody>
+                <a:bodyPr wrap="none" lIns="50800" tIns="50800" bIns="50800" anchor="ctr">
+                  <a:prstTxWarp prst="textNoShape">
+                    <a:avLst/>
+                  </a:prstTxWarp>
+                  <a:spAutoFit/>
+                </a:bodyPr>
+                <a:lstStyle/>
+                <a:p>
+                  <a:pPr algn="ctr" eaLnBrk="1" hangingPunct="1"/>
+                  <a:r>
+                    <a:rPr lang="en-US" sz="1800" b="1">
+                      <a:solidFill>
+                        <a:srgbClr val="273272"/>
+                      </a:solidFill>
+                      <a:latin typeface="Courier New Bold" charset="0"/>
+                      <a:ea typeface="Courier New Bold" charset="0"/>
+                      <a:cs typeface="Courier New Bold" charset="0"/>
+                      <a:sym typeface="Courier New Bold" charset="0"/>
+                    </a:rPr>
+                    <a:t>0110</a:t>
+                  </a:r>
+                </a:p>
+              </p:txBody>
+            </p:sp>
+          </p:grpSp>
+          <p:grpSp>
+            <p:nvGrpSpPr>
+              <p:cNvPr id="31" name="Group 70"/>
+              <p:cNvGrpSpPr>
+                <a:grpSpLocks/>
+              </p:cNvGrpSpPr>
+              <p:nvPr/>
+            </p:nvGrpSpPr>
+            <p:grpSpPr bwMode="auto">
+              <a:xfrm>
+                <a:off x="0" y="1013"/>
+                <a:ext cx="288" cy="215"/>
+                <a:chOff x="0" y="5"/>
+                <a:chExt cx="288" cy="215"/>
+              </a:xfrm>
+            </p:grpSpPr>
+            <p:sp>
+              <p:nvSpPr>
+                <p:cNvPr id="110" name="Rectangle 71"/>
+                <p:cNvSpPr>
+                  <a:spLocks/>
+                </p:cNvSpPr>
+                <p:nvPr/>
+              </p:nvSpPr>
+              <p:spPr bwMode="auto">
+                <a:xfrm>
+                  <a:off x="0" y="40"/>
+                  <a:ext cx="288" cy="144"/>
+                </a:xfrm>
+                <a:prstGeom prst="rect">
+                  <a:avLst/>
+                </a:prstGeom>
+                <a:solidFill>
+                  <a:srgbClr val="FFFFFF"/>
+                </a:solidFill>
+                <a:ln w="12700">
+                  <a:solidFill>
+                    <a:srgbClr val="000066"/>
+                  </a:solidFill>
+                  <a:miter lim="800000"/>
+                  <a:headEnd/>
+                  <a:tailEnd/>
+                </a:ln>
+              </p:spPr>
+              <p:txBody>
+                <a:bodyPr lIns="0" tIns="0" rIns="0" bIns="0">
+                  <a:prstTxWarp prst="textNoShape">
+                    <a:avLst/>
+                  </a:prstTxWarp>
+                </a:bodyPr>
+                <a:lstStyle/>
+                <a:p>
+                  <a:pPr algn="ctr" eaLnBrk="1" hangingPunct="1"/>
+                  <a:endParaRPr lang="en-US" sz="4200" b="1" smtClean="0">
+                    <a:solidFill>
+                      <a:srgbClr val="273272"/>
+                    </a:solidFill>
+                    <a:latin typeface="Gill Sans" charset="0"/>
+                    <a:ea typeface="ヒラギノ角ゴ ProN W3" charset="-128"/>
+                    <a:cs typeface="ヒラギノ角ゴ ProN W3" charset="-128"/>
+                    <a:sym typeface="Gill Sans" charset="0"/>
+                  </a:endParaRPr>
+                </a:p>
+              </p:txBody>
+            </p:sp>
+            <p:sp>
+              <p:nvSpPr>
+                <p:cNvPr id="111" name="Rectangle 72"/>
+                <p:cNvSpPr>
+                  <a:spLocks/>
+                </p:cNvSpPr>
+                <p:nvPr/>
+              </p:nvSpPr>
+              <p:spPr bwMode="auto">
+                <a:xfrm>
+                  <a:off x="94" y="5"/>
+                  <a:ext cx="100" cy="215"/>
+                </a:xfrm>
+                <a:prstGeom prst="rect">
+                  <a:avLst/>
+                </a:prstGeom>
+                <a:noFill/>
+                <a:ln w="12700">
+                  <a:noFill/>
+                  <a:miter lim="800000"/>
+                  <a:headEnd/>
+                  <a:tailEnd/>
+                </a:ln>
+              </p:spPr>
+              <p:txBody>
+                <a:bodyPr wrap="none" lIns="50800" tIns="50800" bIns="50800" anchor="ctr">
+                  <a:prstTxWarp prst="textNoShape">
+                    <a:avLst/>
+                  </a:prstTxWarp>
+                  <a:spAutoFit/>
+                </a:bodyPr>
+                <a:lstStyle/>
+                <a:p>
+                  <a:pPr algn="ctr" eaLnBrk="1" hangingPunct="1"/>
+                  <a:r>
+                    <a:rPr lang="en-US" sz="1800" b="1">
+                      <a:solidFill>
+                        <a:srgbClr val="273272"/>
+                      </a:solidFill>
+                      <a:latin typeface="Courier New Bold" charset="0"/>
+                      <a:ea typeface="Courier New Bold" charset="0"/>
+                      <a:cs typeface="Courier New Bold" charset="0"/>
+                      <a:sym typeface="Courier New Bold" charset="0"/>
+                    </a:rPr>
+                    <a:t>7</a:t>
+                  </a:r>
+                </a:p>
+              </p:txBody>
+            </p:sp>
+          </p:grpSp>
+          <p:grpSp>
+            <p:nvGrpSpPr>
+              <p:cNvPr id="32" name="Group 73"/>
+              <p:cNvGrpSpPr>
+                <a:grpSpLocks/>
+              </p:cNvGrpSpPr>
+              <p:nvPr/>
+            </p:nvGrpSpPr>
+            <p:grpSpPr bwMode="auto">
+              <a:xfrm>
+                <a:off x="288" y="1013"/>
+                <a:ext cx="288" cy="215"/>
+                <a:chOff x="0" y="5"/>
+                <a:chExt cx="288" cy="215"/>
+              </a:xfrm>
+            </p:grpSpPr>
+            <p:sp>
+              <p:nvSpPr>
+                <p:cNvPr id="108" name="Rectangle 74"/>
+                <p:cNvSpPr>
+                  <a:spLocks/>
+                </p:cNvSpPr>
+                <p:nvPr/>
+              </p:nvSpPr>
+              <p:spPr bwMode="auto">
+                <a:xfrm>
+                  <a:off x="0" y="40"/>
+                  <a:ext cx="288" cy="144"/>
+                </a:xfrm>
+                <a:prstGeom prst="rect">
+                  <a:avLst/>
+                </a:prstGeom>
+                <a:solidFill>
+                  <a:srgbClr val="FFFFFF"/>
+                </a:solidFill>
+                <a:ln w="12700">
+                  <a:solidFill>
+                    <a:srgbClr val="000066"/>
+                  </a:solidFill>
+                  <a:miter lim="800000"/>
+                  <a:headEnd/>
+                  <a:tailEnd/>
+                </a:ln>
+              </p:spPr>
+              <p:txBody>
+                <a:bodyPr lIns="0" tIns="0" rIns="0" bIns="0">
+                  <a:prstTxWarp prst="textNoShape">
+                    <a:avLst/>
+                  </a:prstTxWarp>
+                </a:bodyPr>
+                <a:lstStyle/>
+                <a:p>
+                  <a:pPr algn="ctr" eaLnBrk="1" hangingPunct="1"/>
+                  <a:endParaRPr lang="en-US" sz="4200" b="1" smtClean="0">
+                    <a:solidFill>
+                      <a:srgbClr val="273272"/>
+                    </a:solidFill>
+                    <a:latin typeface="Gill Sans" charset="0"/>
+                    <a:ea typeface="ヒラギノ角ゴ ProN W3" charset="-128"/>
+                    <a:cs typeface="ヒラギノ角ゴ ProN W3" charset="-128"/>
+                    <a:sym typeface="Gill Sans" charset="0"/>
+                  </a:endParaRPr>
+                </a:p>
+              </p:txBody>
+            </p:sp>
+            <p:sp>
+              <p:nvSpPr>
+                <p:cNvPr id="109" name="Rectangle 75"/>
+                <p:cNvSpPr>
+                  <a:spLocks/>
+                </p:cNvSpPr>
+                <p:nvPr/>
+              </p:nvSpPr>
+              <p:spPr bwMode="auto">
+                <a:xfrm>
+                  <a:off x="94" y="5"/>
+                  <a:ext cx="100" cy="215"/>
+                </a:xfrm>
+                <a:prstGeom prst="rect">
+                  <a:avLst/>
+                </a:prstGeom>
+                <a:noFill/>
+                <a:ln w="12700">
+                  <a:noFill/>
+                  <a:miter lim="800000"/>
+                  <a:headEnd/>
+                  <a:tailEnd/>
+                </a:ln>
+              </p:spPr>
+              <p:txBody>
+                <a:bodyPr wrap="none" lIns="50800" tIns="50800" bIns="50800" anchor="ctr">
+                  <a:prstTxWarp prst="textNoShape">
+                    <a:avLst/>
+                  </a:prstTxWarp>
+                  <a:spAutoFit/>
+                </a:bodyPr>
+                <a:lstStyle/>
+                <a:p>
+                  <a:pPr algn="ctr" eaLnBrk="1" hangingPunct="1"/>
+                  <a:r>
+                    <a:rPr lang="en-US" sz="1800" b="1">
+                      <a:solidFill>
+                        <a:srgbClr val="273272"/>
+                      </a:solidFill>
+                      <a:latin typeface="Courier New Bold" charset="0"/>
+                      <a:ea typeface="Courier New Bold" charset="0"/>
+                      <a:cs typeface="Courier New Bold" charset="0"/>
+                      <a:sym typeface="Courier New Bold" charset="0"/>
+                    </a:rPr>
+                    <a:t>7</a:t>
+                  </a:r>
+                </a:p>
+              </p:txBody>
+            </p:sp>
+          </p:grpSp>
+          <p:grpSp>
+            <p:nvGrpSpPr>
+              <p:cNvPr id="33" name="Group 76"/>
+              <p:cNvGrpSpPr>
+                <a:grpSpLocks/>
+              </p:cNvGrpSpPr>
+              <p:nvPr/>
+            </p:nvGrpSpPr>
+            <p:grpSpPr bwMode="auto">
+              <a:xfrm>
+                <a:off x="576" y="1013"/>
+                <a:ext cx="528" cy="215"/>
+                <a:chOff x="0" y="5"/>
+                <a:chExt cx="528" cy="215"/>
+              </a:xfrm>
+            </p:grpSpPr>
+            <p:sp>
+              <p:nvSpPr>
+                <p:cNvPr id="106" name="Rectangle 77"/>
+                <p:cNvSpPr>
+                  <a:spLocks/>
+                </p:cNvSpPr>
+                <p:nvPr/>
+              </p:nvSpPr>
+              <p:spPr bwMode="auto">
+                <a:xfrm>
+                  <a:off x="0" y="40"/>
+                  <a:ext cx="528" cy="144"/>
+                </a:xfrm>
+                <a:prstGeom prst="rect">
+                  <a:avLst/>
+                </a:prstGeom>
+                <a:solidFill>
+                  <a:srgbClr val="FFFFFF"/>
+                </a:solidFill>
+                <a:ln w="12700">
+                  <a:solidFill>
+                    <a:srgbClr val="000066"/>
+                  </a:solidFill>
+                  <a:miter lim="800000"/>
+                  <a:headEnd/>
+                  <a:tailEnd/>
+                </a:ln>
+              </p:spPr>
+              <p:txBody>
+                <a:bodyPr lIns="0" tIns="0" rIns="0" bIns="0">
+                  <a:prstTxWarp prst="textNoShape">
+                    <a:avLst/>
+                  </a:prstTxWarp>
+                </a:bodyPr>
+                <a:lstStyle/>
+                <a:p>
+                  <a:pPr algn="ctr" eaLnBrk="1" hangingPunct="1"/>
+                  <a:endParaRPr lang="en-US" sz="4200" b="1" smtClean="0">
+                    <a:solidFill>
+                      <a:srgbClr val="273272"/>
+                    </a:solidFill>
+                    <a:latin typeface="Gill Sans" charset="0"/>
+                    <a:ea typeface="ヒラギノ角ゴ ProN W3" charset="-128"/>
+                    <a:cs typeface="ヒラギノ角ゴ ProN W3" charset="-128"/>
+                    <a:sym typeface="Gill Sans" charset="0"/>
+                  </a:endParaRPr>
+                </a:p>
+              </p:txBody>
+            </p:sp>
+            <p:sp>
+              <p:nvSpPr>
+                <p:cNvPr id="107" name="Rectangle 78"/>
+                <p:cNvSpPr>
+                  <a:spLocks/>
+                </p:cNvSpPr>
+                <p:nvPr/>
+              </p:nvSpPr>
+              <p:spPr bwMode="auto">
+                <a:xfrm>
+                  <a:off x="147" y="5"/>
+                  <a:ext cx="233" cy="215"/>
+                </a:xfrm>
+                <a:prstGeom prst="rect">
+                  <a:avLst/>
+                </a:prstGeom>
+                <a:noFill/>
+                <a:ln w="12700">
+                  <a:noFill/>
+                  <a:miter lim="800000"/>
+                  <a:headEnd/>
+                  <a:tailEnd/>
+                </a:ln>
+              </p:spPr>
+              <p:txBody>
+                <a:bodyPr wrap="none" lIns="50800" tIns="50800" bIns="50800" anchor="ctr">
+                  <a:prstTxWarp prst="textNoShape">
+                    <a:avLst/>
+                  </a:prstTxWarp>
+                  <a:spAutoFit/>
+                </a:bodyPr>
+                <a:lstStyle/>
+                <a:p>
+                  <a:pPr algn="ctr" eaLnBrk="1" hangingPunct="1"/>
+                  <a:r>
+                    <a:rPr lang="en-US" sz="1800" b="1">
+                      <a:solidFill>
+                        <a:srgbClr val="273272"/>
+                      </a:solidFill>
+                      <a:latin typeface="Courier New Bold" charset="0"/>
+                      <a:ea typeface="Courier New Bold" charset="0"/>
+                      <a:cs typeface="Courier New Bold" charset="0"/>
+                      <a:sym typeface="Courier New Bold" charset="0"/>
+                    </a:rPr>
+                    <a:t>0111</a:t>
+                  </a:r>
+                </a:p>
+              </p:txBody>
+            </p:sp>
+          </p:grpSp>
+          <p:grpSp>
+            <p:nvGrpSpPr>
+              <p:cNvPr id="34" name="Group 79"/>
+              <p:cNvGrpSpPr>
+                <a:grpSpLocks/>
+              </p:cNvGrpSpPr>
+              <p:nvPr/>
+            </p:nvGrpSpPr>
+            <p:grpSpPr bwMode="auto">
+              <a:xfrm>
+                <a:off x="0" y="1157"/>
+                <a:ext cx="288" cy="215"/>
+                <a:chOff x="0" y="5"/>
+                <a:chExt cx="288" cy="215"/>
+              </a:xfrm>
+            </p:grpSpPr>
+            <p:sp>
+              <p:nvSpPr>
+                <p:cNvPr id="104" name="Rectangle 80"/>
+                <p:cNvSpPr>
+                  <a:spLocks/>
+                </p:cNvSpPr>
+                <p:nvPr/>
+              </p:nvSpPr>
+              <p:spPr bwMode="auto">
+                <a:xfrm>
+                  <a:off x="0" y="40"/>
+                  <a:ext cx="288" cy="144"/>
+                </a:xfrm>
+                <a:prstGeom prst="rect">
+                  <a:avLst/>
+                </a:prstGeom>
+                <a:solidFill>
+                  <a:srgbClr val="FFFFFF"/>
+                </a:solidFill>
+                <a:ln w="12700">
+                  <a:solidFill>
+                    <a:srgbClr val="000066"/>
+                  </a:solidFill>
+                  <a:miter lim="800000"/>
+                  <a:headEnd/>
+                  <a:tailEnd/>
+                </a:ln>
+              </p:spPr>
+              <p:txBody>
+                <a:bodyPr lIns="0" tIns="0" rIns="0" bIns="0">
+                  <a:prstTxWarp prst="textNoShape">
+                    <a:avLst/>
+                  </a:prstTxWarp>
+                </a:bodyPr>
+                <a:lstStyle/>
+                <a:p>
+                  <a:pPr algn="ctr" eaLnBrk="1" hangingPunct="1"/>
+                  <a:endParaRPr lang="en-US" sz="4200" b="1" smtClean="0">
+                    <a:solidFill>
+                      <a:srgbClr val="273272"/>
+                    </a:solidFill>
+                    <a:latin typeface="Gill Sans" charset="0"/>
+                    <a:ea typeface="ヒラギノ角ゴ ProN W3" charset="-128"/>
+                    <a:cs typeface="ヒラギノ角ゴ ProN W3" charset="-128"/>
+                    <a:sym typeface="Gill Sans" charset="0"/>
+                  </a:endParaRPr>
+                </a:p>
+              </p:txBody>
+            </p:sp>
+            <p:sp>
+              <p:nvSpPr>
+                <p:cNvPr id="105" name="Rectangle 81"/>
+                <p:cNvSpPr>
+                  <a:spLocks/>
+                </p:cNvSpPr>
+                <p:nvPr/>
+              </p:nvSpPr>
+              <p:spPr bwMode="auto">
+                <a:xfrm>
+                  <a:off x="94" y="5"/>
+                  <a:ext cx="100" cy="215"/>
+                </a:xfrm>
+                <a:prstGeom prst="rect">
+                  <a:avLst/>
+                </a:prstGeom>
+                <a:noFill/>
+                <a:ln w="12700">
+                  <a:noFill/>
+                  <a:miter lim="800000"/>
+                  <a:headEnd/>
+                  <a:tailEnd/>
+                </a:ln>
+              </p:spPr>
+              <p:txBody>
+                <a:bodyPr wrap="none" lIns="50800" tIns="50800" bIns="50800" anchor="ctr">
+                  <a:prstTxWarp prst="textNoShape">
+                    <a:avLst/>
+                  </a:prstTxWarp>
+                  <a:spAutoFit/>
+                </a:bodyPr>
+                <a:lstStyle/>
+                <a:p>
+                  <a:pPr algn="ctr" eaLnBrk="1" hangingPunct="1"/>
+                  <a:r>
+                    <a:rPr lang="en-US" sz="1800" b="1">
+                      <a:solidFill>
+                        <a:srgbClr val="273272"/>
+                      </a:solidFill>
+                      <a:latin typeface="Courier New Bold" charset="0"/>
+                      <a:ea typeface="Courier New Bold" charset="0"/>
+                      <a:cs typeface="Courier New Bold" charset="0"/>
+                      <a:sym typeface="Courier New Bold" charset="0"/>
+                    </a:rPr>
+                    <a:t>8</a:t>
+                  </a:r>
+                </a:p>
+              </p:txBody>
+            </p:sp>
+          </p:grpSp>
+          <p:grpSp>
+            <p:nvGrpSpPr>
+              <p:cNvPr id="35" name="Group 82"/>
+              <p:cNvGrpSpPr>
+                <a:grpSpLocks/>
+              </p:cNvGrpSpPr>
+              <p:nvPr/>
+            </p:nvGrpSpPr>
+            <p:grpSpPr bwMode="auto">
+              <a:xfrm>
+                <a:off x="288" y="1157"/>
+                <a:ext cx="288" cy="215"/>
+                <a:chOff x="0" y="5"/>
+                <a:chExt cx="288" cy="215"/>
+              </a:xfrm>
+            </p:grpSpPr>
+            <p:sp>
+              <p:nvSpPr>
+                <p:cNvPr id="102" name="Rectangle 83"/>
+                <p:cNvSpPr>
+                  <a:spLocks/>
+                </p:cNvSpPr>
+                <p:nvPr/>
+              </p:nvSpPr>
+              <p:spPr bwMode="auto">
+                <a:xfrm>
+                  <a:off x="0" y="40"/>
+                  <a:ext cx="288" cy="144"/>
+                </a:xfrm>
+                <a:prstGeom prst="rect">
+                  <a:avLst/>
+                </a:prstGeom>
+                <a:solidFill>
+                  <a:srgbClr val="FFFFFF"/>
+                </a:solidFill>
+                <a:ln w="12700">
+                  <a:solidFill>
+                    <a:srgbClr val="000066"/>
+                  </a:solidFill>
+                  <a:miter lim="800000"/>
+                  <a:headEnd/>
+                  <a:tailEnd/>
+                </a:ln>
+              </p:spPr>
+              <p:txBody>
+                <a:bodyPr lIns="0" tIns="0" rIns="0" bIns="0">
+                  <a:prstTxWarp prst="textNoShape">
+                    <a:avLst/>
+                  </a:prstTxWarp>
+                </a:bodyPr>
+                <a:lstStyle/>
+                <a:p>
+                  <a:pPr algn="ctr" eaLnBrk="1" hangingPunct="1"/>
+                  <a:endParaRPr lang="en-US" sz="4200" b="1" smtClean="0">
+                    <a:solidFill>
+                      <a:srgbClr val="273272"/>
+                    </a:solidFill>
+                    <a:latin typeface="Gill Sans" charset="0"/>
+                    <a:ea typeface="ヒラギノ角ゴ ProN W3" charset="-128"/>
+                    <a:cs typeface="ヒラギノ角ゴ ProN W3" charset="-128"/>
+                    <a:sym typeface="Gill Sans" charset="0"/>
+                  </a:endParaRPr>
+                </a:p>
+              </p:txBody>
+            </p:sp>
+            <p:sp>
+              <p:nvSpPr>
+                <p:cNvPr id="103" name="Rectangle 84"/>
+                <p:cNvSpPr>
+                  <a:spLocks/>
+                </p:cNvSpPr>
+                <p:nvPr/>
+              </p:nvSpPr>
+              <p:spPr bwMode="auto">
+                <a:xfrm>
+                  <a:off x="94" y="5"/>
+                  <a:ext cx="100" cy="215"/>
+                </a:xfrm>
+                <a:prstGeom prst="rect">
+                  <a:avLst/>
+                </a:prstGeom>
+                <a:noFill/>
+                <a:ln w="12700">
+                  <a:noFill/>
+                  <a:miter lim="800000"/>
+                  <a:headEnd/>
+                  <a:tailEnd/>
+                </a:ln>
+              </p:spPr>
+              <p:txBody>
+                <a:bodyPr wrap="none" lIns="50800" tIns="50800" bIns="50800" anchor="ctr">
+                  <a:prstTxWarp prst="textNoShape">
+                    <a:avLst/>
+                  </a:prstTxWarp>
+                  <a:spAutoFit/>
+                </a:bodyPr>
+                <a:lstStyle/>
+                <a:p>
+                  <a:pPr algn="ctr" eaLnBrk="1" hangingPunct="1"/>
+                  <a:r>
+                    <a:rPr lang="en-US" sz="1800" b="1">
+                      <a:solidFill>
+                        <a:srgbClr val="273272"/>
+                      </a:solidFill>
+                      <a:latin typeface="Courier New Bold" charset="0"/>
+                      <a:ea typeface="Courier New Bold" charset="0"/>
+                      <a:cs typeface="Courier New Bold" charset="0"/>
+                      <a:sym typeface="Courier New Bold" charset="0"/>
+                    </a:rPr>
+                    <a:t>8</a:t>
+                  </a:r>
+                </a:p>
+              </p:txBody>
+            </p:sp>
+          </p:grpSp>
+          <p:grpSp>
+            <p:nvGrpSpPr>
+              <p:cNvPr id="36" name="Group 85"/>
+              <p:cNvGrpSpPr>
+                <a:grpSpLocks/>
+              </p:cNvGrpSpPr>
+              <p:nvPr/>
+            </p:nvGrpSpPr>
+            <p:grpSpPr bwMode="auto">
+              <a:xfrm>
+                <a:off x="576" y="1157"/>
+                <a:ext cx="528" cy="215"/>
+                <a:chOff x="0" y="5"/>
+                <a:chExt cx="528" cy="215"/>
+              </a:xfrm>
+            </p:grpSpPr>
+            <p:sp>
+              <p:nvSpPr>
+                <p:cNvPr id="100" name="Rectangle 86"/>
+                <p:cNvSpPr>
+                  <a:spLocks/>
+                </p:cNvSpPr>
+                <p:nvPr/>
+              </p:nvSpPr>
+              <p:spPr bwMode="auto">
+                <a:xfrm>
+                  <a:off x="0" y="40"/>
+                  <a:ext cx="528" cy="144"/>
+                </a:xfrm>
+                <a:prstGeom prst="rect">
+                  <a:avLst/>
+                </a:prstGeom>
+                <a:solidFill>
+                  <a:srgbClr val="FFFFFF"/>
+                </a:solidFill>
+                <a:ln w="12700">
+                  <a:solidFill>
+                    <a:srgbClr val="000066"/>
+                  </a:solidFill>
+                  <a:miter lim="800000"/>
+                  <a:headEnd/>
+                  <a:tailEnd/>
+                </a:ln>
+              </p:spPr>
+              <p:txBody>
+                <a:bodyPr lIns="0" tIns="0" rIns="0" bIns="0">
+                  <a:prstTxWarp prst="textNoShape">
+                    <a:avLst/>
+                  </a:prstTxWarp>
+                </a:bodyPr>
+                <a:lstStyle/>
+                <a:p>
+                  <a:pPr algn="ctr" eaLnBrk="1" hangingPunct="1"/>
+                  <a:endParaRPr lang="en-US" sz="4200" b="1" smtClean="0">
+                    <a:solidFill>
+                      <a:srgbClr val="273272"/>
+                    </a:solidFill>
+                    <a:latin typeface="Gill Sans" charset="0"/>
+                    <a:ea typeface="ヒラギノ角ゴ ProN W3" charset="-128"/>
+                    <a:cs typeface="ヒラギノ角ゴ ProN W3" charset="-128"/>
+                    <a:sym typeface="Gill Sans" charset="0"/>
+                  </a:endParaRPr>
+                </a:p>
+              </p:txBody>
+            </p:sp>
+            <p:sp>
+              <p:nvSpPr>
+                <p:cNvPr id="101" name="Rectangle 87"/>
+                <p:cNvSpPr>
+                  <a:spLocks/>
+                </p:cNvSpPr>
+                <p:nvPr/>
+              </p:nvSpPr>
+              <p:spPr bwMode="auto">
+                <a:xfrm>
+                  <a:off x="142" y="5"/>
+                  <a:ext cx="242" cy="215"/>
+                </a:xfrm>
+                <a:prstGeom prst="rect">
+                  <a:avLst/>
+                </a:prstGeom>
+                <a:noFill/>
+                <a:ln w="12700">
+                  <a:noFill/>
+                  <a:miter lim="800000"/>
+                  <a:headEnd/>
+                  <a:tailEnd/>
+                </a:ln>
+              </p:spPr>
+              <p:txBody>
+                <a:bodyPr wrap="none" lIns="50800" tIns="50800" bIns="50800" anchor="ctr">
+                  <a:prstTxWarp prst="textNoShape">
+                    <a:avLst/>
+                  </a:prstTxWarp>
+                  <a:spAutoFit/>
+                </a:bodyPr>
+                <a:lstStyle/>
+                <a:p>
+                  <a:pPr algn="ctr" eaLnBrk="1" hangingPunct="1"/>
+                  <a:r>
+                    <a:rPr lang="en-US" sz="1800" b="1">
+                      <a:solidFill>
+                        <a:srgbClr val="273272"/>
+                      </a:solidFill>
+                      <a:latin typeface="Courier New Bold" charset="0"/>
+                      <a:ea typeface="Courier New Bold" charset="0"/>
+                      <a:cs typeface="Courier New Bold" charset="0"/>
+                      <a:sym typeface="Courier New Bold" charset="0"/>
+                    </a:rPr>
+                    <a:t>1000</a:t>
+                  </a:r>
+                </a:p>
+              </p:txBody>
+            </p:sp>
+          </p:grpSp>
+          <p:grpSp>
+            <p:nvGrpSpPr>
+              <p:cNvPr id="37" name="Group 88"/>
+              <p:cNvGrpSpPr>
+                <a:grpSpLocks/>
+              </p:cNvGrpSpPr>
+              <p:nvPr/>
+            </p:nvGrpSpPr>
+            <p:grpSpPr bwMode="auto">
+              <a:xfrm>
+                <a:off x="0" y="1301"/>
+                <a:ext cx="288" cy="215"/>
+                <a:chOff x="0" y="5"/>
+                <a:chExt cx="288" cy="215"/>
+              </a:xfrm>
+            </p:grpSpPr>
+            <p:sp>
+              <p:nvSpPr>
+                <p:cNvPr id="98" name="Rectangle 89"/>
+                <p:cNvSpPr>
+                  <a:spLocks/>
+                </p:cNvSpPr>
+                <p:nvPr/>
+              </p:nvSpPr>
+              <p:spPr bwMode="auto">
+                <a:xfrm>
+                  <a:off x="0" y="40"/>
+                  <a:ext cx="288" cy="144"/>
+                </a:xfrm>
+                <a:prstGeom prst="rect">
+                  <a:avLst/>
+                </a:prstGeom>
+                <a:solidFill>
+                  <a:srgbClr val="FFFFFF"/>
+                </a:solidFill>
+                <a:ln w="12700">
+                  <a:solidFill>
+                    <a:srgbClr val="000066"/>
+                  </a:solidFill>
+                  <a:miter lim="800000"/>
+                  <a:headEnd/>
+                  <a:tailEnd/>
+                </a:ln>
+              </p:spPr>
+              <p:txBody>
+                <a:bodyPr lIns="0" tIns="0" rIns="0" bIns="0">
+                  <a:prstTxWarp prst="textNoShape">
+                    <a:avLst/>
+                  </a:prstTxWarp>
+                </a:bodyPr>
+                <a:lstStyle/>
+                <a:p>
+                  <a:pPr algn="ctr" eaLnBrk="1" hangingPunct="1"/>
+                  <a:endParaRPr lang="en-US" sz="4200" b="1" smtClean="0">
+                    <a:solidFill>
+                      <a:srgbClr val="273272"/>
+                    </a:solidFill>
+                    <a:latin typeface="Gill Sans" charset="0"/>
+                    <a:ea typeface="ヒラギノ角ゴ ProN W3" charset="-128"/>
+                    <a:cs typeface="ヒラギノ角ゴ ProN W3" charset="-128"/>
+                    <a:sym typeface="Gill Sans" charset="0"/>
+                  </a:endParaRPr>
+                </a:p>
+              </p:txBody>
+            </p:sp>
+            <p:sp>
+              <p:nvSpPr>
+                <p:cNvPr id="99" name="Rectangle 90"/>
+                <p:cNvSpPr>
+                  <a:spLocks/>
+                </p:cNvSpPr>
+                <p:nvPr/>
+              </p:nvSpPr>
+              <p:spPr bwMode="auto">
+                <a:xfrm>
+                  <a:off x="94" y="5"/>
+                  <a:ext cx="100" cy="215"/>
+                </a:xfrm>
+                <a:prstGeom prst="rect">
+                  <a:avLst/>
+                </a:prstGeom>
+                <a:noFill/>
+                <a:ln w="12700">
+                  <a:noFill/>
+                  <a:miter lim="800000"/>
+                  <a:headEnd/>
+                  <a:tailEnd/>
+                </a:ln>
+              </p:spPr>
+              <p:txBody>
+                <a:bodyPr wrap="none" lIns="50800" tIns="50800" bIns="50800" anchor="ctr">
+                  <a:prstTxWarp prst="textNoShape">
+                    <a:avLst/>
+                  </a:prstTxWarp>
+                  <a:spAutoFit/>
+                </a:bodyPr>
+                <a:lstStyle/>
+                <a:p>
+                  <a:pPr algn="ctr" eaLnBrk="1" hangingPunct="1"/>
+                  <a:r>
+                    <a:rPr lang="en-US" sz="1800" b="1">
+                      <a:solidFill>
+                        <a:srgbClr val="273272"/>
+                      </a:solidFill>
+                      <a:latin typeface="Courier New Bold" charset="0"/>
+                      <a:ea typeface="Courier New Bold" charset="0"/>
+                      <a:cs typeface="Courier New Bold" charset="0"/>
+                      <a:sym typeface="Courier New Bold" charset="0"/>
+                    </a:rPr>
+                    <a:t>9</a:t>
+                  </a:r>
+                </a:p>
+              </p:txBody>
+            </p:sp>
+          </p:grpSp>
+          <p:grpSp>
+            <p:nvGrpSpPr>
+              <p:cNvPr id="38" name="Group 91"/>
+              <p:cNvGrpSpPr>
+                <a:grpSpLocks/>
+              </p:cNvGrpSpPr>
+              <p:nvPr/>
+            </p:nvGrpSpPr>
+            <p:grpSpPr bwMode="auto">
+              <a:xfrm>
+                <a:off x="288" y="1301"/>
+                <a:ext cx="288" cy="215"/>
+                <a:chOff x="0" y="5"/>
+                <a:chExt cx="288" cy="215"/>
+              </a:xfrm>
+            </p:grpSpPr>
+            <p:sp>
+              <p:nvSpPr>
+                <p:cNvPr id="96" name="Rectangle 92"/>
+                <p:cNvSpPr>
+                  <a:spLocks/>
+                </p:cNvSpPr>
+                <p:nvPr/>
+              </p:nvSpPr>
+              <p:spPr bwMode="auto">
+                <a:xfrm>
+                  <a:off x="0" y="40"/>
+                  <a:ext cx="288" cy="144"/>
+                </a:xfrm>
+                <a:prstGeom prst="rect">
+                  <a:avLst/>
+                </a:prstGeom>
+                <a:solidFill>
+                  <a:srgbClr val="FFFFFF"/>
+                </a:solidFill>
+                <a:ln w="12700">
+                  <a:solidFill>
+                    <a:srgbClr val="000066"/>
+                  </a:solidFill>
+                  <a:miter lim="800000"/>
+                  <a:headEnd/>
+                  <a:tailEnd/>
+                </a:ln>
+              </p:spPr>
+              <p:txBody>
+                <a:bodyPr lIns="0" tIns="0" rIns="0" bIns="0">
+                  <a:prstTxWarp prst="textNoShape">
+                    <a:avLst/>
+                  </a:prstTxWarp>
+                </a:bodyPr>
+                <a:lstStyle/>
+                <a:p>
+                  <a:pPr algn="ctr" eaLnBrk="1" hangingPunct="1"/>
+                  <a:endParaRPr lang="en-US" sz="4200" b="1" smtClean="0">
+                    <a:solidFill>
+                      <a:srgbClr val="273272"/>
+                    </a:solidFill>
+                    <a:latin typeface="Gill Sans" charset="0"/>
+                    <a:ea typeface="ヒラギノ角ゴ ProN W3" charset="-128"/>
+                    <a:cs typeface="ヒラギノ角ゴ ProN W3" charset="-128"/>
+                    <a:sym typeface="Gill Sans" charset="0"/>
+                  </a:endParaRPr>
+                </a:p>
+              </p:txBody>
+            </p:sp>
+            <p:sp>
+              <p:nvSpPr>
+                <p:cNvPr id="97" name="Rectangle 93"/>
+                <p:cNvSpPr>
+                  <a:spLocks/>
+                </p:cNvSpPr>
+                <p:nvPr/>
+              </p:nvSpPr>
+              <p:spPr bwMode="auto">
+                <a:xfrm>
+                  <a:off x="94" y="5"/>
+                  <a:ext cx="100" cy="215"/>
+                </a:xfrm>
+                <a:prstGeom prst="rect">
+                  <a:avLst/>
+                </a:prstGeom>
+                <a:noFill/>
+                <a:ln w="12700">
+                  <a:noFill/>
+                  <a:miter lim="800000"/>
+                  <a:headEnd/>
+                  <a:tailEnd/>
+                </a:ln>
+              </p:spPr>
+              <p:txBody>
+                <a:bodyPr wrap="none" lIns="50800" tIns="50800" bIns="50800" anchor="ctr">
+                  <a:prstTxWarp prst="textNoShape">
+                    <a:avLst/>
+                  </a:prstTxWarp>
+                  <a:spAutoFit/>
+                </a:bodyPr>
+                <a:lstStyle/>
+                <a:p>
+                  <a:pPr algn="ctr" eaLnBrk="1" hangingPunct="1"/>
+                  <a:r>
+                    <a:rPr lang="en-US" sz="1800" b="1">
+                      <a:solidFill>
+                        <a:srgbClr val="273272"/>
+                      </a:solidFill>
+                      <a:latin typeface="Courier New Bold" charset="0"/>
+                      <a:ea typeface="Courier New Bold" charset="0"/>
+                      <a:cs typeface="Courier New Bold" charset="0"/>
+                      <a:sym typeface="Courier New Bold" charset="0"/>
+                    </a:rPr>
+                    <a:t>9</a:t>
+                  </a:r>
+                </a:p>
+              </p:txBody>
+            </p:sp>
+          </p:grpSp>
+          <p:grpSp>
+            <p:nvGrpSpPr>
+              <p:cNvPr id="39" name="Group 94"/>
+              <p:cNvGrpSpPr>
+                <a:grpSpLocks/>
+              </p:cNvGrpSpPr>
+              <p:nvPr/>
+            </p:nvGrpSpPr>
+            <p:grpSpPr bwMode="auto">
+              <a:xfrm>
+                <a:off x="576" y="1301"/>
+                <a:ext cx="528" cy="215"/>
+                <a:chOff x="0" y="5"/>
+                <a:chExt cx="528" cy="215"/>
+              </a:xfrm>
+            </p:grpSpPr>
+            <p:sp>
+              <p:nvSpPr>
+                <p:cNvPr id="94" name="Rectangle 95"/>
+                <p:cNvSpPr>
+                  <a:spLocks/>
+                </p:cNvSpPr>
+                <p:nvPr/>
+              </p:nvSpPr>
+              <p:spPr bwMode="auto">
+                <a:xfrm>
+                  <a:off x="0" y="40"/>
+                  <a:ext cx="528" cy="144"/>
+                </a:xfrm>
+                <a:prstGeom prst="rect">
+                  <a:avLst/>
+                </a:prstGeom>
+                <a:solidFill>
+                  <a:srgbClr val="FFFFFF"/>
+                </a:solidFill>
+                <a:ln w="12700">
+                  <a:solidFill>
+                    <a:srgbClr val="000066"/>
+                  </a:solidFill>
+                  <a:miter lim="800000"/>
+                  <a:headEnd/>
+                  <a:tailEnd/>
+                </a:ln>
+              </p:spPr>
+              <p:txBody>
+                <a:bodyPr lIns="0" tIns="0" rIns="0" bIns="0">
+                  <a:prstTxWarp prst="textNoShape">
+                    <a:avLst/>
+                  </a:prstTxWarp>
+                </a:bodyPr>
+                <a:lstStyle/>
+                <a:p>
+                  <a:pPr algn="ctr" eaLnBrk="1" hangingPunct="1"/>
+                  <a:endParaRPr lang="en-US" sz="4200" b="1" smtClean="0">
+                    <a:solidFill>
+                      <a:srgbClr val="273272"/>
+                    </a:solidFill>
+                    <a:latin typeface="Gill Sans" charset="0"/>
+                    <a:ea typeface="ヒラギノ角ゴ ProN W3" charset="-128"/>
+                    <a:cs typeface="ヒラギノ角ゴ ProN W3" charset="-128"/>
+                    <a:sym typeface="Gill Sans" charset="0"/>
+                  </a:endParaRPr>
+                </a:p>
+              </p:txBody>
+            </p:sp>
+            <p:sp>
+              <p:nvSpPr>
+                <p:cNvPr id="95" name="Rectangle 96"/>
+                <p:cNvSpPr>
+                  <a:spLocks/>
+                </p:cNvSpPr>
+                <p:nvPr/>
+              </p:nvSpPr>
+              <p:spPr bwMode="auto">
+                <a:xfrm>
+                  <a:off x="142" y="5"/>
+                  <a:ext cx="242" cy="215"/>
+                </a:xfrm>
+                <a:prstGeom prst="rect">
+                  <a:avLst/>
+                </a:prstGeom>
+                <a:noFill/>
+                <a:ln w="12700">
+                  <a:noFill/>
+                  <a:miter lim="800000"/>
+                  <a:headEnd/>
+                  <a:tailEnd/>
+                </a:ln>
+              </p:spPr>
+              <p:txBody>
+                <a:bodyPr wrap="none" lIns="50800" tIns="50800" bIns="50800" anchor="ctr">
+                  <a:prstTxWarp prst="textNoShape">
+                    <a:avLst/>
+                  </a:prstTxWarp>
+                  <a:spAutoFit/>
+                </a:bodyPr>
+                <a:lstStyle/>
+                <a:p>
+                  <a:pPr algn="ctr" eaLnBrk="1" hangingPunct="1"/>
+                  <a:r>
+                    <a:rPr lang="en-US" sz="1800" b="1">
+                      <a:solidFill>
+                        <a:srgbClr val="273272"/>
+                      </a:solidFill>
+                      <a:latin typeface="Courier New Bold" charset="0"/>
+                      <a:ea typeface="Courier New Bold" charset="0"/>
+                      <a:cs typeface="Courier New Bold" charset="0"/>
+                      <a:sym typeface="Courier New Bold" charset="0"/>
+                    </a:rPr>
+                    <a:t>1001</a:t>
+                  </a:r>
+                </a:p>
+              </p:txBody>
+            </p:sp>
+          </p:grpSp>
+          <p:grpSp>
+            <p:nvGrpSpPr>
+              <p:cNvPr id="40" name="Group 97"/>
+              <p:cNvGrpSpPr>
+                <a:grpSpLocks/>
+              </p:cNvGrpSpPr>
+              <p:nvPr/>
+            </p:nvGrpSpPr>
+            <p:grpSpPr bwMode="auto">
+              <a:xfrm>
+                <a:off x="0" y="1445"/>
+                <a:ext cx="288" cy="215"/>
+                <a:chOff x="0" y="5"/>
+                <a:chExt cx="288" cy="215"/>
+              </a:xfrm>
+            </p:grpSpPr>
+            <p:sp>
+              <p:nvSpPr>
+                <p:cNvPr id="92" name="Rectangle 98"/>
+                <p:cNvSpPr>
+                  <a:spLocks/>
+                </p:cNvSpPr>
+                <p:nvPr/>
+              </p:nvSpPr>
+              <p:spPr bwMode="auto">
+                <a:xfrm>
+                  <a:off x="0" y="40"/>
+                  <a:ext cx="288" cy="144"/>
+                </a:xfrm>
+                <a:prstGeom prst="rect">
+                  <a:avLst/>
+                </a:prstGeom>
+                <a:solidFill>
+                  <a:srgbClr val="FFFFFF"/>
+                </a:solidFill>
+                <a:ln w="12700">
+                  <a:solidFill>
+                    <a:srgbClr val="000066"/>
+                  </a:solidFill>
+                  <a:miter lim="800000"/>
+                  <a:headEnd/>
+                  <a:tailEnd/>
+                </a:ln>
+              </p:spPr>
+              <p:txBody>
+                <a:bodyPr lIns="0" tIns="0" rIns="0" bIns="0">
+                  <a:prstTxWarp prst="textNoShape">
+                    <a:avLst/>
+                  </a:prstTxWarp>
+                </a:bodyPr>
+                <a:lstStyle/>
+                <a:p>
+                  <a:pPr algn="ctr" eaLnBrk="1" hangingPunct="1"/>
+                  <a:endParaRPr lang="en-US" sz="4200" b="1" smtClean="0">
+                    <a:solidFill>
+                      <a:srgbClr val="273272"/>
+                    </a:solidFill>
+                    <a:latin typeface="Gill Sans" charset="0"/>
+                    <a:ea typeface="ヒラギノ角ゴ ProN W3" charset="-128"/>
+                    <a:cs typeface="ヒラギノ角ゴ ProN W3" charset="-128"/>
+                    <a:sym typeface="Gill Sans" charset="0"/>
+                  </a:endParaRPr>
+                </a:p>
+              </p:txBody>
+            </p:sp>
+            <p:sp>
+              <p:nvSpPr>
+                <p:cNvPr id="93" name="Rectangle 99"/>
+                <p:cNvSpPr>
+                  <a:spLocks/>
+                </p:cNvSpPr>
+                <p:nvPr/>
+              </p:nvSpPr>
+              <p:spPr bwMode="auto">
+                <a:xfrm>
+                  <a:off x="87" y="5"/>
+                  <a:ext cx="114" cy="215"/>
+                </a:xfrm>
+                <a:prstGeom prst="rect">
+                  <a:avLst/>
+                </a:prstGeom>
+                <a:noFill/>
+                <a:ln w="12700">
+                  <a:noFill/>
+                  <a:miter lim="800000"/>
+                  <a:headEnd/>
+                  <a:tailEnd/>
+                </a:ln>
+              </p:spPr>
+              <p:txBody>
+                <a:bodyPr wrap="none" lIns="50800" tIns="50800" bIns="50800" anchor="ctr">
+                  <a:prstTxWarp prst="textNoShape">
+                    <a:avLst/>
+                  </a:prstTxWarp>
+                  <a:spAutoFit/>
+                </a:bodyPr>
+                <a:lstStyle/>
+                <a:p>
+                  <a:pPr algn="ctr" eaLnBrk="1" hangingPunct="1"/>
+                  <a:r>
+                    <a:rPr lang="en-US" sz="1800" b="1">
+                      <a:solidFill>
+                        <a:srgbClr val="273272"/>
+                      </a:solidFill>
+                      <a:latin typeface="Courier New Bold" charset="0"/>
+                      <a:ea typeface="Courier New Bold" charset="0"/>
+                      <a:cs typeface="Courier New Bold" charset="0"/>
+                      <a:sym typeface="Courier New Bold" charset="0"/>
+                    </a:rPr>
+                    <a:t>A</a:t>
+                  </a:r>
+                </a:p>
+              </p:txBody>
+            </p:sp>
+          </p:grpSp>
+          <p:grpSp>
+            <p:nvGrpSpPr>
+              <p:cNvPr id="41" name="Group 100"/>
+              <p:cNvGrpSpPr>
+                <a:grpSpLocks/>
+              </p:cNvGrpSpPr>
+              <p:nvPr/>
+            </p:nvGrpSpPr>
+            <p:grpSpPr bwMode="auto">
+              <a:xfrm>
+                <a:off x="288" y="1445"/>
+                <a:ext cx="288" cy="215"/>
+                <a:chOff x="0" y="5"/>
+                <a:chExt cx="288" cy="215"/>
+              </a:xfrm>
+            </p:grpSpPr>
+            <p:sp>
+              <p:nvSpPr>
+                <p:cNvPr id="90" name="Rectangle 101"/>
+                <p:cNvSpPr>
+                  <a:spLocks/>
+                </p:cNvSpPr>
+                <p:nvPr/>
+              </p:nvSpPr>
+              <p:spPr bwMode="auto">
+                <a:xfrm>
+                  <a:off x="0" y="40"/>
+                  <a:ext cx="288" cy="144"/>
+                </a:xfrm>
+                <a:prstGeom prst="rect">
+                  <a:avLst/>
+                </a:prstGeom>
+                <a:solidFill>
+                  <a:srgbClr val="FFFFFF"/>
+                </a:solidFill>
+                <a:ln w="12700">
+                  <a:solidFill>
+                    <a:srgbClr val="000066"/>
+                  </a:solidFill>
+                  <a:miter lim="800000"/>
+                  <a:headEnd/>
+                  <a:tailEnd/>
+                </a:ln>
+              </p:spPr>
+              <p:txBody>
+                <a:bodyPr lIns="0" tIns="0" rIns="0" bIns="0">
+                  <a:prstTxWarp prst="textNoShape">
+                    <a:avLst/>
+                  </a:prstTxWarp>
+                </a:bodyPr>
+                <a:lstStyle/>
+                <a:p>
+                  <a:pPr algn="ctr" eaLnBrk="1" hangingPunct="1"/>
+                  <a:endParaRPr lang="en-US" sz="4200" b="1" smtClean="0">
+                    <a:solidFill>
+                      <a:srgbClr val="273272"/>
+                    </a:solidFill>
+                    <a:latin typeface="Gill Sans" charset="0"/>
+                    <a:ea typeface="ヒラギノ角ゴ ProN W3" charset="-128"/>
+                    <a:cs typeface="ヒラギノ角ゴ ProN W3" charset="-128"/>
+                    <a:sym typeface="Gill Sans" charset="0"/>
+                  </a:endParaRPr>
+                </a:p>
+              </p:txBody>
+            </p:sp>
+            <p:sp>
+              <p:nvSpPr>
+                <p:cNvPr id="91" name="Rectangle 102"/>
+                <p:cNvSpPr>
+                  <a:spLocks/>
+                </p:cNvSpPr>
+                <p:nvPr/>
+              </p:nvSpPr>
+              <p:spPr bwMode="auto">
+                <a:xfrm>
+                  <a:off x="69" y="5"/>
+                  <a:ext cx="148" cy="215"/>
+                </a:xfrm>
+                <a:prstGeom prst="rect">
+                  <a:avLst/>
+                </a:prstGeom>
+                <a:noFill/>
+                <a:ln w="12700">
+                  <a:noFill/>
+                  <a:miter lim="800000"/>
+                  <a:headEnd/>
+                  <a:tailEnd/>
+                </a:ln>
+              </p:spPr>
+              <p:txBody>
+                <a:bodyPr wrap="none" lIns="50800" tIns="50800" bIns="50800" anchor="ctr">
+                  <a:prstTxWarp prst="textNoShape">
+                    <a:avLst/>
+                  </a:prstTxWarp>
+                  <a:spAutoFit/>
+                </a:bodyPr>
+                <a:lstStyle/>
+                <a:p>
+                  <a:pPr algn="ctr" eaLnBrk="1" hangingPunct="1"/>
+                  <a:r>
+                    <a:rPr lang="en-US" sz="1800" b="1">
+                      <a:solidFill>
+                        <a:srgbClr val="273272"/>
+                      </a:solidFill>
+                      <a:latin typeface="Courier New Bold" charset="0"/>
+                      <a:ea typeface="Courier New Bold" charset="0"/>
+                      <a:cs typeface="Courier New Bold" charset="0"/>
+                      <a:sym typeface="Courier New Bold" charset="0"/>
+                    </a:rPr>
+                    <a:t>10</a:t>
+                  </a:r>
+                </a:p>
+              </p:txBody>
+            </p:sp>
+          </p:grpSp>
+          <p:grpSp>
+            <p:nvGrpSpPr>
+              <p:cNvPr id="42" name="Group 103"/>
+              <p:cNvGrpSpPr>
+                <a:grpSpLocks/>
+              </p:cNvGrpSpPr>
+              <p:nvPr/>
+            </p:nvGrpSpPr>
+            <p:grpSpPr bwMode="auto">
+              <a:xfrm>
+                <a:off x="576" y="1445"/>
+                <a:ext cx="528" cy="215"/>
+                <a:chOff x="0" y="5"/>
+                <a:chExt cx="528" cy="215"/>
+              </a:xfrm>
+            </p:grpSpPr>
+            <p:sp>
+              <p:nvSpPr>
+                <p:cNvPr id="88" name="Rectangle 104"/>
+                <p:cNvSpPr>
+                  <a:spLocks/>
+                </p:cNvSpPr>
+                <p:nvPr/>
+              </p:nvSpPr>
+              <p:spPr bwMode="auto">
+                <a:xfrm>
+                  <a:off x="0" y="40"/>
+                  <a:ext cx="528" cy="144"/>
+                </a:xfrm>
+                <a:prstGeom prst="rect">
+                  <a:avLst/>
+                </a:prstGeom>
+                <a:solidFill>
+                  <a:srgbClr val="FFFFFF"/>
+                </a:solidFill>
+                <a:ln w="12700">
+                  <a:solidFill>
+                    <a:srgbClr val="000066"/>
+                  </a:solidFill>
+                  <a:miter lim="800000"/>
+                  <a:headEnd/>
+                  <a:tailEnd/>
+                </a:ln>
+              </p:spPr>
+              <p:txBody>
+                <a:bodyPr lIns="0" tIns="0" rIns="0" bIns="0">
+                  <a:prstTxWarp prst="textNoShape">
+                    <a:avLst/>
+                  </a:prstTxWarp>
+                </a:bodyPr>
+                <a:lstStyle/>
+                <a:p>
+                  <a:pPr algn="ctr" eaLnBrk="1" hangingPunct="1"/>
+                  <a:endParaRPr lang="en-US" sz="4200" b="1" smtClean="0">
+                    <a:solidFill>
+                      <a:srgbClr val="273272"/>
+                    </a:solidFill>
+                    <a:latin typeface="Gill Sans" charset="0"/>
+                    <a:ea typeface="ヒラギノ角ゴ ProN W3" charset="-128"/>
+                    <a:cs typeface="ヒラギノ角ゴ ProN W3" charset="-128"/>
+                    <a:sym typeface="Gill Sans" charset="0"/>
+                  </a:endParaRPr>
+                </a:p>
+              </p:txBody>
+            </p:sp>
+            <p:sp>
+              <p:nvSpPr>
+                <p:cNvPr id="89" name="Rectangle 105"/>
+                <p:cNvSpPr>
+                  <a:spLocks/>
+                </p:cNvSpPr>
+                <p:nvPr/>
+              </p:nvSpPr>
+              <p:spPr bwMode="auto">
+                <a:xfrm>
+                  <a:off x="142" y="5"/>
+                  <a:ext cx="242" cy="215"/>
+                </a:xfrm>
+                <a:prstGeom prst="rect">
+                  <a:avLst/>
+                </a:prstGeom>
+                <a:noFill/>
+                <a:ln w="12700">
+                  <a:noFill/>
+                  <a:miter lim="800000"/>
+                  <a:headEnd/>
+                  <a:tailEnd/>
+                </a:ln>
+              </p:spPr>
+              <p:txBody>
+                <a:bodyPr wrap="none" lIns="50800" tIns="50800" bIns="50800" anchor="ctr">
+                  <a:prstTxWarp prst="textNoShape">
+                    <a:avLst/>
+                  </a:prstTxWarp>
+                  <a:spAutoFit/>
+                </a:bodyPr>
+                <a:lstStyle/>
+                <a:p>
+                  <a:pPr algn="ctr" eaLnBrk="1" hangingPunct="1"/>
+                  <a:r>
+                    <a:rPr lang="en-US" sz="1800" b="1">
+                      <a:solidFill>
+                        <a:srgbClr val="273272"/>
+                      </a:solidFill>
+                      <a:latin typeface="Courier New Bold" charset="0"/>
+                      <a:ea typeface="Courier New Bold" charset="0"/>
+                      <a:cs typeface="Courier New Bold" charset="0"/>
+                      <a:sym typeface="Courier New Bold" charset="0"/>
+                    </a:rPr>
+                    <a:t>1010</a:t>
+                  </a:r>
+                </a:p>
+              </p:txBody>
+            </p:sp>
+          </p:grpSp>
+          <p:grpSp>
+            <p:nvGrpSpPr>
+              <p:cNvPr id="43" name="Group 106"/>
+              <p:cNvGrpSpPr>
+                <a:grpSpLocks/>
+              </p:cNvGrpSpPr>
+              <p:nvPr/>
+            </p:nvGrpSpPr>
+            <p:grpSpPr bwMode="auto">
+              <a:xfrm>
+                <a:off x="0" y="1589"/>
+                <a:ext cx="288" cy="215"/>
+                <a:chOff x="0" y="5"/>
+                <a:chExt cx="288" cy="215"/>
+              </a:xfrm>
+            </p:grpSpPr>
+            <p:sp>
+              <p:nvSpPr>
+                <p:cNvPr id="86" name="Rectangle 107"/>
+                <p:cNvSpPr>
+                  <a:spLocks/>
+                </p:cNvSpPr>
+                <p:nvPr/>
+              </p:nvSpPr>
+              <p:spPr bwMode="auto">
+                <a:xfrm>
+                  <a:off x="0" y="40"/>
+                  <a:ext cx="288" cy="144"/>
+                </a:xfrm>
+                <a:prstGeom prst="rect">
+                  <a:avLst/>
+                </a:prstGeom>
+                <a:solidFill>
+                  <a:srgbClr val="FFFFFF"/>
+                </a:solidFill>
+                <a:ln w="12700">
+                  <a:solidFill>
+                    <a:srgbClr val="000066"/>
+                  </a:solidFill>
+                  <a:miter lim="800000"/>
+                  <a:headEnd/>
+                  <a:tailEnd/>
+                </a:ln>
+              </p:spPr>
+              <p:txBody>
+                <a:bodyPr lIns="0" tIns="0" rIns="0" bIns="0">
+                  <a:prstTxWarp prst="textNoShape">
+                    <a:avLst/>
+                  </a:prstTxWarp>
+                </a:bodyPr>
+                <a:lstStyle/>
+                <a:p>
+                  <a:pPr algn="ctr" eaLnBrk="1" hangingPunct="1"/>
+                  <a:endParaRPr lang="en-US" sz="4200" b="1" smtClean="0">
+                    <a:solidFill>
+                      <a:srgbClr val="273272"/>
+                    </a:solidFill>
+                    <a:latin typeface="Gill Sans" charset="0"/>
+                    <a:ea typeface="ヒラギノ角ゴ ProN W3" charset="-128"/>
+                    <a:cs typeface="ヒラギノ角ゴ ProN W3" charset="-128"/>
+                    <a:sym typeface="Gill Sans" charset="0"/>
+                  </a:endParaRPr>
+                </a:p>
+              </p:txBody>
+            </p:sp>
+            <p:sp>
+              <p:nvSpPr>
+                <p:cNvPr id="87" name="Rectangle 108"/>
+                <p:cNvSpPr>
+                  <a:spLocks/>
+                </p:cNvSpPr>
+                <p:nvPr/>
+              </p:nvSpPr>
+              <p:spPr bwMode="auto">
+                <a:xfrm>
+                  <a:off x="87" y="5"/>
+                  <a:ext cx="114" cy="215"/>
+                </a:xfrm>
+                <a:prstGeom prst="rect">
+                  <a:avLst/>
+                </a:prstGeom>
+                <a:noFill/>
+                <a:ln w="12700">
+                  <a:noFill/>
+                  <a:miter lim="800000"/>
+                  <a:headEnd/>
+                  <a:tailEnd/>
+                </a:ln>
+              </p:spPr>
+              <p:txBody>
+                <a:bodyPr wrap="none" lIns="50800" tIns="50800" bIns="50800" anchor="ctr">
+                  <a:prstTxWarp prst="textNoShape">
+                    <a:avLst/>
+                  </a:prstTxWarp>
+                  <a:spAutoFit/>
+                </a:bodyPr>
+                <a:lstStyle/>
+                <a:p>
+                  <a:pPr algn="ctr" eaLnBrk="1" hangingPunct="1"/>
+                  <a:r>
+                    <a:rPr lang="en-US" sz="1800" b="1">
+                      <a:solidFill>
+                        <a:srgbClr val="273272"/>
+                      </a:solidFill>
+                      <a:latin typeface="Courier New Bold" charset="0"/>
+                      <a:ea typeface="Courier New Bold" charset="0"/>
+                      <a:cs typeface="Courier New Bold" charset="0"/>
+                      <a:sym typeface="Courier New Bold" charset="0"/>
+                    </a:rPr>
+                    <a:t>B</a:t>
+                  </a:r>
+                </a:p>
+              </p:txBody>
+            </p:sp>
+          </p:grpSp>
+          <p:grpSp>
+            <p:nvGrpSpPr>
+              <p:cNvPr id="44" name="Group 109"/>
+              <p:cNvGrpSpPr>
+                <a:grpSpLocks/>
+              </p:cNvGrpSpPr>
+              <p:nvPr/>
+            </p:nvGrpSpPr>
+            <p:grpSpPr bwMode="auto">
+              <a:xfrm>
+                <a:off x="288" y="1589"/>
+                <a:ext cx="288" cy="215"/>
+                <a:chOff x="0" y="5"/>
+                <a:chExt cx="288" cy="215"/>
+              </a:xfrm>
+            </p:grpSpPr>
+            <p:sp>
+              <p:nvSpPr>
+                <p:cNvPr id="84" name="Rectangle 110"/>
+                <p:cNvSpPr>
+                  <a:spLocks/>
+                </p:cNvSpPr>
+                <p:nvPr/>
+              </p:nvSpPr>
+              <p:spPr bwMode="auto">
+                <a:xfrm>
+                  <a:off x="0" y="40"/>
+                  <a:ext cx="288" cy="144"/>
+                </a:xfrm>
+                <a:prstGeom prst="rect">
+                  <a:avLst/>
+                </a:prstGeom>
+                <a:solidFill>
+                  <a:srgbClr val="FFFFFF"/>
+                </a:solidFill>
+                <a:ln w="12700">
+                  <a:solidFill>
+                    <a:srgbClr val="000066"/>
+                  </a:solidFill>
+                  <a:miter lim="800000"/>
+                  <a:headEnd/>
+                  <a:tailEnd/>
+                </a:ln>
+              </p:spPr>
+              <p:txBody>
+                <a:bodyPr lIns="0" tIns="0" rIns="0" bIns="0">
+                  <a:prstTxWarp prst="textNoShape">
+                    <a:avLst/>
+                  </a:prstTxWarp>
+                </a:bodyPr>
+                <a:lstStyle/>
+                <a:p>
+                  <a:pPr algn="ctr" eaLnBrk="1" hangingPunct="1"/>
+                  <a:endParaRPr lang="en-US" sz="4200" b="1" smtClean="0">
+                    <a:solidFill>
+                      <a:srgbClr val="273272"/>
+                    </a:solidFill>
+                    <a:latin typeface="Gill Sans" charset="0"/>
+                    <a:ea typeface="ヒラギノ角ゴ ProN W3" charset="-128"/>
+                    <a:cs typeface="ヒラギノ角ゴ ProN W3" charset="-128"/>
+                    <a:sym typeface="Gill Sans" charset="0"/>
+                  </a:endParaRPr>
+                </a:p>
+              </p:txBody>
+            </p:sp>
+            <p:sp>
+              <p:nvSpPr>
+                <p:cNvPr id="85" name="Rectangle 111"/>
+                <p:cNvSpPr>
+                  <a:spLocks/>
+                </p:cNvSpPr>
+                <p:nvPr/>
+              </p:nvSpPr>
+              <p:spPr bwMode="auto">
+                <a:xfrm>
+                  <a:off x="72" y="5"/>
+                  <a:ext cx="143" cy="215"/>
+                </a:xfrm>
+                <a:prstGeom prst="rect">
+                  <a:avLst/>
+                </a:prstGeom>
+                <a:noFill/>
+                <a:ln w="12700">
+                  <a:noFill/>
+                  <a:miter lim="800000"/>
+                  <a:headEnd/>
+                  <a:tailEnd/>
+                </a:ln>
+              </p:spPr>
+              <p:txBody>
+                <a:bodyPr wrap="none" lIns="50800" tIns="50800" bIns="50800" anchor="ctr">
+                  <a:prstTxWarp prst="textNoShape">
+                    <a:avLst/>
+                  </a:prstTxWarp>
+                  <a:spAutoFit/>
+                </a:bodyPr>
+                <a:lstStyle/>
+                <a:p>
+                  <a:pPr algn="ctr" eaLnBrk="1" hangingPunct="1"/>
+                  <a:r>
+                    <a:rPr lang="en-US" sz="1800" b="1">
+                      <a:solidFill>
+                        <a:srgbClr val="273272"/>
+                      </a:solidFill>
+                      <a:latin typeface="Courier New Bold" charset="0"/>
+                      <a:ea typeface="Courier New Bold" charset="0"/>
+                      <a:cs typeface="Courier New Bold" charset="0"/>
+                      <a:sym typeface="Courier New Bold" charset="0"/>
+                    </a:rPr>
+                    <a:t>11</a:t>
+                  </a:r>
+                </a:p>
+              </p:txBody>
+            </p:sp>
+          </p:grpSp>
+          <p:grpSp>
+            <p:nvGrpSpPr>
+              <p:cNvPr id="45" name="Group 112"/>
+              <p:cNvGrpSpPr>
+                <a:grpSpLocks/>
+              </p:cNvGrpSpPr>
+              <p:nvPr/>
+            </p:nvGrpSpPr>
+            <p:grpSpPr bwMode="auto">
+              <a:xfrm>
+                <a:off x="576" y="1589"/>
+                <a:ext cx="528" cy="215"/>
+                <a:chOff x="0" y="5"/>
+                <a:chExt cx="528" cy="215"/>
+              </a:xfrm>
+            </p:grpSpPr>
+            <p:sp>
+              <p:nvSpPr>
+                <p:cNvPr id="82" name="Rectangle 113"/>
+                <p:cNvSpPr>
+                  <a:spLocks/>
+                </p:cNvSpPr>
+                <p:nvPr/>
+              </p:nvSpPr>
+              <p:spPr bwMode="auto">
+                <a:xfrm>
+                  <a:off x="0" y="40"/>
+                  <a:ext cx="528" cy="144"/>
+                </a:xfrm>
+                <a:prstGeom prst="rect">
+                  <a:avLst/>
+                </a:prstGeom>
+                <a:solidFill>
+                  <a:srgbClr val="FFFFFF"/>
+                </a:solidFill>
+                <a:ln w="12700">
+                  <a:solidFill>
+                    <a:srgbClr val="000066"/>
+                  </a:solidFill>
+                  <a:miter lim="800000"/>
+                  <a:headEnd/>
+                  <a:tailEnd/>
+                </a:ln>
+              </p:spPr>
+              <p:txBody>
+                <a:bodyPr lIns="0" tIns="0" rIns="0" bIns="0">
+                  <a:prstTxWarp prst="textNoShape">
+                    <a:avLst/>
+                  </a:prstTxWarp>
+                </a:bodyPr>
+                <a:lstStyle/>
+                <a:p>
+                  <a:pPr algn="ctr" eaLnBrk="1" hangingPunct="1"/>
+                  <a:endParaRPr lang="en-US" sz="4200" b="1" smtClean="0">
+                    <a:solidFill>
+                      <a:srgbClr val="273272"/>
+                    </a:solidFill>
+                    <a:latin typeface="Gill Sans" charset="0"/>
+                    <a:ea typeface="ヒラギノ角ゴ ProN W3" charset="-128"/>
+                    <a:cs typeface="ヒラギノ角ゴ ProN W3" charset="-128"/>
+                    <a:sym typeface="Gill Sans" charset="0"/>
+                  </a:endParaRPr>
+                </a:p>
+              </p:txBody>
+            </p:sp>
+            <p:sp>
+              <p:nvSpPr>
+                <p:cNvPr id="83" name="Rectangle 114"/>
+                <p:cNvSpPr>
+                  <a:spLocks/>
+                </p:cNvSpPr>
+                <p:nvPr/>
+              </p:nvSpPr>
+              <p:spPr bwMode="auto">
+                <a:xfrm>
+                  <a:off x="145" y="5"/>
+                  <a:ext cx="238" cy="215"/>
+                </a:xfrm>
+                <a:prstGeom prst="rect">
+                  <a:avLst/>
+                </a:prstGeom>
+                <a:noFill/>
+                <a:ln w="12700">
+                  <a:noFill/>
+                  <a:miter lim="800000"/>
+                  <a:headEnd/>
+                  <a:tailEnd/>
+                </a:ln>
+              </p:spPr>
+              <p:txBody>
+                <a:bodyPr wrap="none" lIns="50800" tIns="50800" bIns="50800" anchor="ctr">
+                  <a:prstTxWarp prst="textNoShape">
+                    <a:avLst/>
+                  </a:prstTxWarp>
+                  <a:spAutoFit/>
+                </a:bodyPr>
+                <a:lstStyle/>
+                <a:p>
+                  <a:pPr algn="ctr" eaLnBrk="1" hangingPunct="1"/>
+                  <a:r>
+                    <a:rPr lang="en-US" sz="1800" b="1">
+                      <a:solidFill>
+                        <a:srgbClr val="273272"/>
+                      </a:solidFill>
+                      <a:latin typeface="Courier New Bold" charset="0"/>
+                      <a:ea typeface="Courier New Bold" charset="0"/>
+                      <a:cs typeface="Courier New Bold" charset="0"/>
+                      <a:sym typeface="Courier New Bold" charset="0"/>
+                    </a:rPr>
+                    <a:t>1011</a:t>
+                  </a:r>
+                </a:p>
+              </p:txBody>
+            </p:sp>
+          </p:grpSp>
+          <p:grpSp>
+            <p:nvGrpSpPr>
+              <p:cNvPr id="46" name="Group 115"/>
+              <p:cNvGrpSpPr>
+                <a:grpSpLocks/>
+              </p:cNvGrpSpPr>
+              <p:nvPr/>
+            </p:nvGrpSpPr>
+            <p:grpSpPr bwMode="auto">
+              <a:xfrm>
+                <a:off x="0" y="1733"/>
+                <a:ext cx="288" cy="215"/>
+                <a:chOff x="0" y="5"/>
+                <a:chExt cx="288" cy="215"/>
+              </a:xfrm>
+            </p:grpSpPr>
+            <p:sp>
+              <p:nvSpPr>
+                <p:cNvPr id="80" name="Rectangle 116"/>
+                <p:cNvSpPr>
+                  <a:spLocks/>
+                </p:cNvSpPr>
+                <p:nvPr/>
+              </p:nvSpPr>
+              <p:spPr bwMode="auto">
+                <a:xfrm>
+                  <a:off x="0" y="40"/>
+                  <a:ext cx="288" cy="144"/>
+                </a:xfrm>
+                <a:prstGeom prst="rect">
+                  <a:avLst/>
+                </a:prstGeom>
+                <a:solidFill>
+                  <a:srgbClr val="FFFFFF"/>
+                </a:solidFill>
+                <a:ln w="12700">
+                  <a:solidFill>
+                    <a:srgbClr val="000066"/>
+                  </a:solidFill>
+                  <a:miter lim="800000"/>
+                  <a:headEnd/>
+                  <a:tailEnd/>
+                </a:ln>
+              </p:spPr>
+              <p:txBody>
+                <a:bodyPr lIns="0" tIns="0" rIns="0" bIns="0">
+                  <a:prstTxWarp prst="textNoShape">
+                    <a:avLst/>
+                  </a:prstTxWarp>
+                </a:bodyPr>
+                <a:lstStyle/>
+                <a:p>
+                  <a:pPr algn="ctr" eaLnBrk="1" hangingPunct="1"/>
+                  <a:endParaRPr lang="en-US" sz="4200" b="1" smtClean="0">
+                    <a:solidFill>
+                      <a:srgbClr val="273272"/>
+                    </a:solidFill>
+                    <a:latin typeface="Gill Sans" charset="0"/>
+                    <a:ea typeface="ヒラギノ角ゴ ProN W3" charset="-128"/>
+                    <a:cs typeface="ヒラギノ角ゴ ProN W3" charset="-128"/>
+                    <a:sym typeface="Gill Sans" charset="0"/>
+                  </a:endParaRPr>
+                </a:p>
+              </p:txBody>
+            </p:sp>
+            <p:sp>
+              <p:nvSpPr>
+                <p:cNvPr id="81" name="Rectangle 117"/>
+                <p:cNvSpPr>
+                  <a:spLocks/>
+                </p:cNvSpPr>
+                <p:nvPr/>
+              </p:nvSpPr>
+              <p:spPr bwMode="auto">
+                <a:xfrm>
+                  <a:off x="87" y="5"/>
+                  <a:ext cx="114" cy="215"/>
+                </a:xfrm>
+                <a:prstGeom prst="rect">
+                  <a:avLst/>
+                </a:prstGeom>
+                <a:noFill/>
+                <a:ln w="12700">
+                  <a:noFill/>
+                  <a:miter lim="800000"/>
+                  <a:headEnd/>
+                  <a:tailEnd/>
+                </a:ln>
+              </p:spPr>
+              <p:txBody>
+                <a:bodyPr wrap="none" lIns="50800" tIns="50800" bIns="50800" anchor="ctr">
+                  <a:prstTxWarp prst="textNoShape">
+                    <a:avLst/>
+                  </a:prstTxWarp>
+                  <a:spAutoFit/>
+                </a:bodyPr>
+                <a:lstStyle/>
+                <a:p>
+                  <a:pPr algn="ctr" eaLnBrk="1" hangingPunct="1"/>
+                  <a:r>
+                    <a:rPr lang="en-US" sz="1800" b="1">
+                      <a:solidFill>
+                        <a:srgbClr val="273272"/>
+                      </a:solidFill>
+                      <a:latin typeface="Courier New Bold" charset="0"/>
+                      <a:ea typeface="Courier New Bold" charset="0"/>
+                      <a:cs typeface="Courier New Bold" charset="0"/>
+                      <a:sym typeface="Courier New Bold" charset="0"/>
+                    </a:rPr>
+                    <a:t>C</a:t>
+                  </a:r>
+                </a:p>
+              </p:txBody>
+            </p:sp>
+          </p:grpSp>
+          <p:grpSp>
+            <p:nvGrpSpPr>
+              <p:cNvPr id="47" name="Group 118"/>
+              <p:cNvGrpSpPr>
+                <a:grpSpLocks/>
+              </p:cNvGrpSpPr>
+              <p:nvPr/>
+            </p:nvGrpSpPr>
+            <p:grpSpPr bwMode="auto">
+              <a:xfrm>
+                <a:off x="288" y="1733"/>
+                <a:ext cx="288" cy="215"/>
+                <a:chOff x="0" y="5"/>
+                <a:chExt cx="288" cy="215"/>
+              </a:xfrm>
+            </p:grpSpPr>
+            <p:sp>
+              <p:nvSpPr>
+                <p:cNvPr id="78" name="Rectangle 119"/>
+                <p:cNvSpPr>
+                  <a:spLocks/>
+                </p:cNvSpPr>
+                <p:nvPr/>
+              </p:nvSpPr>
+              <p:spPr bwMode="auto">
+                <a:xfrm>
+                  <a:off x="0" y="40"/>
+                  <a:ext cx="288" cy="144"/>
+                </a:xfrm>
+                <a:prstGeom prst="rect">
+                  <a:avLst/>
+                </a:prstGeom>
+                <a:solidFill>
+                  <a:srgbClr val="FFFFFF"/>
+                </a:solidFill>
+                <a:ln w="12700">
+                  <a:solidFill>
+                    <a:srgbClr val="000066"/>
+                  </a:solidFill>
+                  <a:miter lim="800000"/>
+                  <a:headEnd/>
+                  <a:tailEnd/>
+                </a:ln>
+              </p:spPr>
+              <p:txBody>
+                <a:bodyPr lIns="0" tIns="0" rIns="0" bIns="0">
+                  <a:prstTxWarp prst="textNoShape">
+                    <a:avLst/>
+                  </a:prstTxWarp>
+                </a:bodyPr>
+                <a:lstStyle/>
+                <a:p>
+                  <a:pPr algn="ctr" eaLnBrk="1" hangingPunct="1"/>
+                  <a:endParaRPr lang="en-US" sz="4200" b="1" smtClean="0">
+                    <a:solidFill>
+                      <a:srgbClr val="273272"/>
+                    </a:solidFill>
+                    <a:latin typeface="Gill Sans" charset="0"/>
+                    <a:ea typeface="ヒラギノ角ゴ ProN W3" charset="-128"/>
+                    <a:cs typeface="ヒラギノ角ゴ ProN W3" charset="-128"/>
+                    <a:sym typeface="Gill Sans" charset="0"/>
+                  </a:endParaRPr>
+                </a:p>
+              </p:txBody>
+            </p:sp>
+            <p:sp>
+              <p:nvSpPr>
+                <p:cNvPr id="79" name="Rectangle 120"/>
+                <p:cNvSpPr>
+                  <a:spLocks/>
+                </p:cNvSpPr>
+                <p:nvPr/>
+              </p:nvSpPr>
+              <p:spPr bwMode="auto">
+                <a:xfrm>
+                  <a:off x="69" y="5"/>
+                  <a:ext cx="148" cy="215"/>
+                </a:xfrm>
+                <a:prstGeom prst="rect">
+                  <a:avLst/>
+                </a:prstGeom>
+                <a:noFill/>
+                <a:ln w="12700">
+                  <a:noFill/>
+                  <a:miter lim="800000"/>
+                  <a:headEnd/>
+                  <a:tailEnd/>
+                </a:ln>
+              </p:spPr>
+              <p:txBody>
+                <a:bodyPr wrap="none" lIns="50800" tIns="50800" bIns="50800" anchor="ctr">
+                  <a:prstTxWarp prst="textNoShape">
+                    <a:avLst/>
+                  </a:prstTxWarp>
+                  <a:spAutoFit/>
+                </a:bodyPr>
+                <a:lstStyle/>
+                <a:p>
+                  <a:pPr algn="ctr" eaLnBrk="1" hangingPunct="1"/>
+                  <a:r>
+                    <a:rPr lang="en-US" sz="1800" b="1">
+                      <a:solidFill>
+                        <a:srgbClr val="273272"/>
+                      </a:solidFill>
+                      <a:latin typeface="Courier New Bold" charset="0"/>
+                      <a:ea typeface="Courier New Bold" charset="0"/>
+                      <a:cs typeface="Courier New Bold" charset="0"/>
+                      <a:sym typeface="Courier New Bold" charset="0"/>
+                    </a:rPr>
+                    <a:t>12</a:t>
+                  </a:r>
+                </a:p>
+              </p:txBody>
+            </p:sp>
+          </p:grpSp>
+          <p:grpSp>
+            <p:nvGrpSpPr>
+              <p:cNvPr id="48" name="Group 121"/>
+              <p:cNvGrpSpPr>
+                <a:grpSpLocks/>
+              </p:cNvGrpSpPr>
+              <p:nvPr/>
+            </p:nvGrpSpPr>
+            <p:grpSpPr bwMode="auto">
+              <a:xfrm>
+                <a:off x="576" y="1733"/>
+                <a:ext cx="528" cy="215"/>
+                <a:chOff x="0" y="5"/>
+                <a:chExt cx="528" cy="215"/>
+              </a:xfrm>
+            </p:grpSpPr>
+            <p:sp>
+              <p:nvSpPr>
+                <p:cNvPr id="76" name="Rectangle 122"/>
+                <p:cNvSpPr>
+                  <a:spLocks/>
+                </p:cNvSpPr>
+                <p:nvPr/>
+              </p:nvSpPr>
+              <p:spPr bwMode="auto">
+                <a:xfrm>
+                  <a:off x="0" y="40"/>
+                  <a:ext cx="528" cy="144"/>
+                </a:xfrm>
+                <a:prstGeom prst="rect">
+                  <a:avLst/>
+                </a:prstGeom>
+                <a:solidFill>
+                  <a:srgbClr val="FFFFFF"/>
+                </a:solidFill>
+                <a:ln w="12700">
+                  <a:solidFill>
+                    <a:srgbClr val="000066"/>
+                  </a:solidFill>
+                  <a:miter lim="800000"/>
+                  <a:headEnd/>
+                  <a:tailEnd/>
+                </a:ln>
+              </p:spPr>
+              <p:txBody>
+                <a:bodyPr lIns="0" tIns="0" rIns="0" bIns="0">
+                  <a:prstTxWarp prst="textNoShape">
+                    <a:avLst/>
+                  </a:prstTxWarp>
+                </a:bodyPr>
+                <a:lstStyle/>
+                <a:p>
+                  <a:pPr algn="ctr" eaLnBrk="1" hangingPunct="1"/>
+                  <a:endParaRPr lang="en-US" sz="4200" b="1" smtClean="0">
+                    <a:solidFill>
+                      <a:srgbClr val="273272"/>
+                    </a:solidFill>
+                    <a:latin typeface="Gill Sans" charset="0"/>
+                    <a:ea typeface="ヒラギノ角ゴ ProN W3" charset="-128"/>
+                    <a:cs typeface="ヒラギノ角ゴ ProN W3" charset="-128"/>
+                    <a:sym typeface="Gill Sans" charset="0"/>
+                  </a:endParaRPr>
+                </a:p>
+              </p:txBody>
+            </p:sp>
+            <p:sp>
+              <p:nvSpPr>
+                <p:cNvPr id="77" name="Rectangle 123"/>
+                <p:cNvSpPr>
+                  <a:spLocks/>
+                </p:cNvSpPr>
+                <p:nvPr/>
+              </p:nvSpPr>
+              <p:spPr bwMode="auto">
+                <a:xfrm>
+                  <a:off x="145" y="5"/>
+                  <a:ext cx="238" cy="215"/>
+                </a:xfrm>
+                <a:prstGeom prst="rect">
+                  <a:avLst/>
+                </a:prstGeom>
+                <a:noFill/>
+                <a:ln w="12700">
+                  <a:noFill/>
+                  <a:miter lim="800000"/>
+                  <a:headEnd/>
+                  <a:tailEnd/>
+                </a:ln>
+              </p:spPr>
+              <p:txBody>
+                <a:bodyPr wrap="none" lIns="50800" tIns="50800" bIns="50800" anchor="ctr">
+                  <a:prstTxWarp prst="textNoShape">
+                    <a:avLst/>
+                  </a:prstTxWarp>
+                  <a:spAutoFit/>
+                </a:bodyPr>
+                <a:lstStyle/>
+                <a:p>
+                  <a:pPr algn="ctr" eaLnBrk="1" hangingPunct="1"/>
+                  <a:r>
+                    <a:rPr lang="en-US" sz="1800" b="1">
+                      <a:solidFill>
+                        <a:srgbClr val="273272"/>
+                      </a:solidFill>
+                      <a:latin typeface="Courier New Bold" charset="0"/>
+                      <a:ea typeface="Courier New Bold" charset="0"/>
+                      <a:cs typeface="Courier New Bold" charset="0"/>
+                      <a:sym typeface="Courier New Bold" charset="0"/>
+                    </a:rPr>
+                    <a:t>1100</a:t>
+                  </a:r>
+                </a:p>
+              </p:txBody>
+            </p:sp>
+          </p:grpSp>
+          <p:grpSp>
+            <p:nvGrpSpPr>
+              <p:cNvPr id="49" name="Group 124"/>
+              <p:cNvGrpSpPr>
+                <a:grpSpLocks/>
+              </p:cNvGrpSpPr>
+              <p:nvPr/>
+            </p:nvGrpSpPr>
+            <p:grpSpPr bwMode="auto">
+              <a:xfrm>
+                <a:off x="0" y="1877"/>
+                <a:ext cx="288" cy="215"/>
+                <a:chOff x="0" y="5"/>
+                <a:chExt cx="288" cy="215"/>
+              </a:xfrm>
+            </p:grpSpPr>
+            <p:sp>
+              <p:nvSpPr>
+                <p:cNvPr id="74" name="Rectangle 125"/>
+                <p:cNvSpPr>
+                  <a:spLocks/>
+                </p:cNvSpPr>
+                <p:nvPr/>
+              </p:nvSpPr>
+              <p:spPr bwMode="auto">
+                <a:xfrm>
+                  <a:off x="0" y="40"/>
+                  <a:ext cx="288" cy="144"/>
+                </a:xfrm>
+                <a:prstGeom prst="rect">
+                  <a:avLst/>
+                </a:prstGeom>
+                <a:solidFill>
+                  <a:srgbClr val="FFFFFF"/>
+                </a:solidFill>
+                <a:ln w="12700">
+                  <a:solidFill>
+                    <a:srgbClr val="000066"/>
+                  </a:solidFill>
+                  <a:miter lim="800000"/>
+                  <a:headEnd/>
+                  <a:tailEnd/>
+                </a:ln>
+              </p:spPr>
+              <p:txBody>
+                <a:bodyPr lIns="0" tIns="0" rIns="0" bIns="0">
+                  <a:prstTxWarp prst="textNoShape">
+                    <a:avLst/>
+                  </a:prstTxWarp>
+                </a:bodyPr>
+                <a:lstStyle/>
+                <a:p>
+                  <a:pPr algn="ctr" eaLnBrk="1" hangingPunct="1"/>
+                  <a:endParaRPr lang="en-US" sz="4200" b="1" smtClean="0">
+                    <a:solidFill>
+                      <a:srgbClr val="273272"/>
+                    </a:solidFill>
+                    <a:latin typeface="Gill Sans" charset="0"/>
+                    <a:ea typeface="ヒラギノ角ゴ ProN W3" charset="-128"/>
+                    <a:cs typeface="ヒラギノ角ゴ ProN W3" charset="-128"/>
+                    <a:sym typeface="Gill Sans" charset="0"/>
+                  </a:endParaRPr>
+                </a:p>
+              </p:txBody>
+            </p:sp>
+            <p:sp>
+              <p:nvSpPr>
+                <p:cNvPr id="75" name="Rectangle 126"/>
+                <p:cNvSpPr>
+                  <a:spLocks/>
+                </p:cNvSpPr>
+                <p:nvPr/>
+              </p:nvSpPr>
+              <p:spPr bwMode="auto">
+                <a:xfrm>
+                  <a:off x="87" y="5"/>
+                  <a:ext cx="114" cy="215"/>
+                </a:xfrm>
+                <a:prstGeom prst="rect">
+                  <a:avLst/>
+                </a:prstGeom>
+                <a:noFill/>
+                <a:ln w="12700">
+                  <a:noFill/>
+                  <a:miter lim="800000"/>
+                  <a:headEnd/>
+                  <a:tailEnd/>
+                </a:ln>
+              </p:spPr>
+              <p:txBody>
+                <a:bodyPr wrap="none" lIns="50800" tIns="50800" bIns="50800" anchor="ctr">
+                  <a:prstTxWarp prst="textNoShape">
+                    <a:avLst/>
+                  </a:prstTxWarp>
+                  <a:spAutoFit/>
+                </a:bodyPr>
+                <a:lstStyle/>
+                <a:p>
+                  <a:pPr algn="ctr" eaLnBrk="1" hangingPunct="1"/>
+                  <a:r>
+                    <a:rPr lang="en-US" sz="1800" b="1">
+                      <a:solidFill>
+                        <a:srgbClr val="273272"/>
+                      </a:solidFill>
+                      <a:latin typeface="Courier New Bold" charset="0"/>
+                      <a:ea typeface="Courier New Bold" charset="0"/>
+                      <a:cs typeface="Courier New Bold" charset="0"/>
+                      <a:sym typeface="Courier New Bold" charset="0"/>
+                    </a:rPr>
+                    <a:t>D</a:t>
+                  </a:r>
+                </a:p>
+              </p:txBody>
+            </p:sp>
+          </p:grpSp>
+          <p:grpSp>
+            <p:nvGrpSpPr>
+              <p:cNvPr id="50" name="Group 127"/>
+              <p:cNvGrpSpPr>
+                <a:grpSpLocks/>
+              </p:cNvGrpSpPr>
+              <p:nvPr/>
+            </p:nvGrpSpPr>
+            <p:grpSpPr bwMode="auto">
+              <a:xfrm>
+                <a:off x="288" y="1877"/>
+                <a:ext cx="288" cy="215"/>
+                <a:chOff x="0" y="5"/>
+                <a:chExt cx="288" cy="215"/>
+              </a:xfrm>
+            </p:grpSpPr>
+            <p:sp>
+              <p:nvSpPr>
+                <p:cNvPr id="72" name="Rectangle 128"/>
+                <p:cNvSpPr>
+                  <a:spLocks/>
+                </p:cNvSpPr>
+                <p:nvPr/>
+              </p:nvSpPr>
+              <p:spPr bwMode="auto">
+                <a:xfrm>
+                  <a:off x="0" y="40"/>
+                  <a:ext cx="288" cy="144"/>
+                </a:xfrm>
+                <a:prstGeom prst="rect">
+                  <a:avLst/>
+                </a:prstGeom>
+                <a:solidFill>
+                  <a:srgbClr val="FFFFFF"/>
+                </a:solidFill>
+                <a:ln w="12700">
+                  <a:solidFill>
+                    <a:srgbClr val="000066"/>
+                  </a:solidFill>
+                  <a:miter lim="800000"/>
+                  <a:headEnd/>
+                  <a:tailEnd/>
+                </a:ln>
+              </p:spPr>
+              <p:txBody>
+                <a:bodyPr lIns="0" tIns="0" rIns="0" bIns="0">
+                  <a:prstTxWarp prst="textNoShape">
+                    <a:avLst/>
+                  </a:prstTxWarp>
+                </a:bodyPr>
+                <a:lstStyle/>
+                <a:p>
+                  <a:pPr algn="ctr" eaLnBrk="1" hangingPunct="1"/>
+                  <a:endParaRPr lang="en-US" sz="4200" b="1" smtClean="0">
+                    <a:solidFill>
+                      <a:srgbClr val="273272"/>
+                    </a:solidFill>
+                    <a:latin typeface="Gill Sans" charset="0"/>
+                    <a:ea typeface="ヒラギノ角ゴ ProN W3" charset="-128"/>
+                    <a:cs typeface="ヒラギノ角ゴ ProN W3" charset="-128"/>
+                    <a:sym typeface="Gill Sans" charset="0"/>
+                  </a:endParaRPr>
+                </a:p>
+              </p:txBody>
+            </p:sp>
+            <p:sp>
+              <p:nvSpPr>
+                <p:cNvPr id="73" name="Rectangle 129"/>
+                <p:cNvSpPr>
+                  <a:spLocks/>
+                </p:cNvSpPr>
+                <p:nvPr/>
+              </p:nvSpPr>
+              <p:spPr bwMode="auto">
+                <a:xfrm>
+                  <a:off x="69" y="5"/>
+                  <a:ext cx="148" cy="215"/>
+                </a:xfrm>
+                <a:prstGeom prst="rect">
+                  <a:avLst/>
+                </a:prstGeom>
+                <a:noFill/>
+                <a:ln w="12700">
+                  <a:noFill/>
+                  <a:miter lim="800000"/>
+                  <a:headEnd/>
+                  <a:tailEnd/>
+                </a:ln>
+              </p:spPr>
+              <p:txBody>
+                <a:bodyPr wrap="none" lIns="50800" tIns="50800" bIns="50800" anchor="ctr">
+                  <a:prstTxWarp prst="textNoShape">
+                    <a:avLst/>
+                  </a:prstTxWarp>
+                  <a:spAutoFit/>
+                </a:bodyPr>
+                <a:lstStyle/>
+                <a:p>
+                  <a:pPr algn="ctr" eaLnBrk="1" hangingPunct="1"/>
+                  <a:r>
+                    <a:rPr lang="en-US" sz="1800" b="1">
+                      <a:solidFill>
+                        <a:srgbClr val="273272"/>
+                      </a:solidFill>
+                      <a:latin typeface="Courier New Bold" charset="0"/>
+                      <a:ea typeface="Courier New Bold" charset="0"/>
+                      <a:cs typeface="Courier New Bold" charset="0"/>
+                      <a:sym typeface="Courier New Bold" charset="0"/>
+                    </a:rPr>
+                    <a:t>13</a:t>
+                  </a:r>
+                </a:p>
+              </p:txBody>
+            </p:sp>
+          </p:grpSp>
+          <p:grpSp>
+            <p:nvGrpSpPr>
+              <p:cNvPr id="51" name="Group 130"/>
+              <p:cNvGrpSpPr>
+                <a:grpSpLocks/>
+              </p:cNvGrpSpPr>
+              <p:nvPr/>
+            </p:nvGrpSpPr>
+            <p:grpSpPr bwMode="auto">
+              <a:xfrm>
+                <a:off x="576" y="1877"/>
+                <a:ext cx="528" cy="215"/>
+                <a:chOff x="0" y="5"/>
+                <a:chExt cx="528" cy="215"/>
+              </a:xfrm>
+            </p:grpSpPr>
+            <p:sp>
+              <p:nvSpPr>
+                <p:cNvPr id="70" name="Rectangle 131"/>
+                <p:cNvSpPr>
+                  <a:spLocks/>
+                </p:cNvSpPr>
+                <p:nvPr/>
+              </p:nvSpPr>
+              <p:spPr bwMode="auto">
+                <a:xfrm>
+                  <a:off x="0" y="40"/>
+                  <a:ext cx="528" cy="144"/>
+                </a:xfrm>
+                <a:prstGeom prst="rect">
+                  <a:avLst/>
+                </a:prstGeom>
+                <a:solidFill>
+                  <a:srgbClr val="FFFFFF"/>
+                </a:solidFill>
+                <a:ln w="12700">
+                  <a:solidFill>
+                    <a:srgbClr val="000066"/>
+                  </a:solidFill>
+                  <a:miter lim="800000"/>
+                  <a:headEnd/>
+                  <a:tailEnd/>
+                </a:ln>
+              </p:spPr>
+              <p:txBody>
+                <a:bodyPr lIns="0" tIns="0" rIns="0" bIns="0">
+                  <a:prstTxWarp prst="textNoShape">
+                    <a:avLst/>
+                  </a:prstTxWarp>
+                </a:bodyPr>
+                <a:lstStyle/>
+                <a:p>
+                  <a:pPr algn="ctr" eaLnBrk="1" hangingPunct="1"/>
+                  <a:endParaRPr lang="en-US" sz="4200" b="1" smtClean="0">
+                    <a:solidFill>
+                      <a:srgbClr val="273272"/>
+                    </a:solidFill>
+                    <a:latin typeface="Gill Sans" charset="0"/>
+                    <a:ea typeface="ヒラギノ角ゴ ProN W3" charset="-128"/>
+                    <a:cs typeface="ヒラギノ角ゴ ProN W3" charset="-128"/>
+                    <a:sym typeface="Gill Sans" charset="0"/>
+                  </a:endParaRPr>
+                </a:p>
+              </p:txBody>
+            </p:sp>
+            <p:sp>
+              <p:nvSpPr>
+                <p:cNvPr id="71" name="Rectangle 132"/>
+                <p:cNvSpPr>
+                  <a:spLocks/>
+                </p:cNvSpPr>
+                <p:nvPr/>
+              </p:nvSpPr>
+              <p:spPr bwMode="auto">
+                <a:xfrm>
+                  <a:off x="145" y="5"/>
+                  <a:ext cx="238" cy="215"/>
+                </a:xfrm>
+                <a:prstGeom prst="rect">
+                  <a:avLst/>
+                </a:prstGeom>
+                <a:noFill/>
+                <a:ln w="12700">
+                  <a:noFill/>
+                  <a:miter lim="800000"/>
+                  <a:headEnd/>
+                  <a:tailEnd/>
+                </a:ln>
+              </p:spPr>
+              <p:txBody>
+                <a:bodyPr wrap="none" lIns="50800" tIns="50800" bIns="50800" anchor="ctr">
+                  <a:prstTxWarp prst="textNoShape">
+                    <a:avLst/>
+                  </a:prstTxWarp>
+                  <a:spAutoFit/>
+                </a:bodyPr>
+                <a:lstStyle/>
+                <a:p>
+                  <a:pPr algn="ctr" eaLnBrk="1" hangingPunct="1"/>
+                  <a:r>
+                    <a:rPr lang="en-US" sz="1800" b="1">
+                      <a:solidFill>
+                        <a:srgbClr val="273272"/>
+                      </a:solidFill>
+                      <a:latin typeface="Courier New Bold" charset="0"/>
+                      <a:ea typeface="Courier New Bold" charset="0"/>
+                      <a:cs typeface="Courier New Bold" charset="0"/>
+                      <a:sym typeface="Courier New Bold" charset="0"/>
+                    </a:rPr>
+                    <a:t>1101</a:t>
+                  </a:r>
+                </a:p>
+              </p:txBody>
+            </p:sp>
+          </p:grpSp>
+          <p:grpSp>
+            <p:nvGrpSpPr>
+              <p:cNvPr id="52" name="Group 133"/>
+              <p:cNvGrpSpPr>
+                <a:grpSpLocks/>
+              </p:cNvGrpSpPr>
+              <p:nvPr/>
+            </p:nvGrpSpPr>
+            <p:grpSpPr bwMode="auto">
+              <a:xfrm>
+                <a:off x="0" y="2021"/>
+                <a:ext cx="288" cy="215"/>
+                <a:chOff x="0" y="5"/>
+                <a:chExt cx="288" cy="215"/>
+              </a:xfrm>
+            </p:grpSpPr>
+            <p:sp>
+              <p:nvSpPr>
+                <p:cNvPr id="68" name="Rectangle 134"/>
+                <p:cNvSpPr>
+                  <a:spLocks/>
+                </p:cNvSpPr>
+                <p:nvPr/>
+              </p:nvSpPr>
+              <p:spPr bwMode="auto">
+                <a:xfrm>
+                  <a:off x="0" y="40"/>
+                  <a:ext cx="288" cy="144"/>
+                </a:xfrm>
+                <a:prstGeom prst="rect">
+                  <a:avLst/>
+                </a:prstGeom>
+                <a:solidFill>
+                  <a:srgbClr val="FFFFFF"/>
+                </a:solidFill>
+                <a:ln w="12700">
+                  <a:solidFill>
+                    <a:srgbClr val="000066"/>
+                  </a:solidFill>
+                  <a:miter lim="800000"/>
+                  <a:headEnd/>
+                  <a:tailEnd/>
+                </a:ln>
+              </p:spPr>
+              <p:txBody>
+                <a:bodyPr lIns="0" tIns="0" rIns="0" bIns="0">
+                  <a:prstTxWarp prst="textNoShape">
+                    <a:avLst/>
+                  </a:prstTxWarp>
+                </a:bodyPr>
+                <a:lstStyle/>
+                <a:p>
+                  <a:pPr algn="ctr" eaLnBrk="1" hangingPunct="1"/>
+                  <a:endParaRPr lang="en-US" sz="4200" b="1" smtClean="0">
+                    <a:solidFill>
+                      <a:srgbClr val="273272"/>
+                    </a:solidFill>
+                    <a:latin typeface="Gill Sans" charset="0"/>
+                    <a:ea typeface="ヒラギノ角ゴ ProN W3" charset="-128"/>
+                    <a:cs typeface="ヒラギノ角ゴ ProN W3" charset="-128"/>
+                    <a:sym typeface="Gill Sans" charset="0"/>
+                  </a:endParaRPr>
+                </a:p>
+              </p:txBody>
+            </p:sp>
+            <p:sp>
+              <p:nvSpPr>
+                <p:cNvPr id="69" name="Rectangle 135"/>
+                <p:cNvSpPr>
+                  <a:spLocks/>
+                </p:cNvSpPr>
+                <p:nvPr/>
+              </p:nvSpPr>
+              <p:spPr bwMode="auto">
+                <a:xfrm>
+                  <a:off x="90" y="5"/>
+                  <a:ext cx="110" cy="215"/>
+                </a:xfrm>
+                <a:prstGeom prst="rect">
+                  <a:avLst/>
+                </a:prstGeom>
+                <a:noFill/>
+                <a:ln w="12700">
+                  <a:noFill/>
+                  <a:miter lim="800000"/>
+                  <a:headEnd/>
+                  <a:tailEnd/>
+                </a:ln>
+              </p:spPr>
+              <p:txBody>
+                <a:bodyPr wrap="none" lIns="50800" tIns="50800" bIns="50800" anchor="ctr">
+                  <a:prstTxWarp prst="textNoShape">
+                    <a:avLst/>
+                  </a:prstTxWarp>
+                  <a:spAutoFit/>
+                </a:bodyPr>
+                <a:lstStyle/>
+                <a:p>
+                  <a:pPr algn="ctr" eaLnBrk="1" hangingPunct="1"/>
+                  <a:r>
+                    <a:rPr lang="en-US" sz="1800" b="1">
+                      <a:solidFill>
+                        <a:srgbClr val="273272"/>
+                      </a:solidFill>
+                      <a:latin typeface="Courier New Bold" charset="0"/>
+                      <a:ea typeface="Courier New Bold" charset="0"/>
+                      <a:cs typeface="Courier New Bold" charset="0"/>
+                      <a:sym typeface="Courier New Bold" charset="0"/>
+                    </a:rPr>
+                    <a:t>E</a:t>
+                  </a:r>
+                </a:p>
+              </p:txBody>
+            </p:sp>
+          </p:grpSp>
+          <p:grpSp>
+            <p:nvGrpSpPr>
+              <p:cNvPr id="53" name="Group 136"/>
+              <p:cNvGrpSpPr>
+                <a:grpSpLocks/>
+              </p:cNvGrpSpPr>
+              <p:nvPr/>
+            </p:nvGrpSpPr>
+            <p:grpSpPr bwMode="auto">
+              <a:xfrm>
+                <a:off x="288" y="2021"/>
+                <a:ext cx="288" cy="215"/>
+                <a:chOff x="0" y="5"/>
+                <a:chExt cx="288" cy="215"/>
+              </a:xfrm>
+            </p:grpSpPr>
+            <p:sp>
+              <p:nvSpPr>
+                <p:cNvPr id="66" name="Rectangle 137"/>
+                <p:cNvSpPr>
+                  <a:spLocks/>
+                </p:cNvSpPr>
+                <p:nvPr/>
+              </p:nvSpPr>
+              <p:spPr bwMode="auto">
+                <a:xfrm>
+                  <a:off x="0" y="40"/>
+                  <a:ext cx="288" cy="144"/>
+                </a:xfrm>
+                <a:prstGeom prst="rect">
+                  <a:avLst/>
+                </a:prstGeom>
+                <a:solidFill>
+                  <a:srgbClr val="FFFFFF"/>
+                </a:solidFill>
+                <a:ln w="12700">
+                  <a:solidFill>
+                    <a:srgbClr val="000066"/>
+                  </a:solidFill>
+                  <a:miter lim="800000"/>
+                  <a:headEnd/>
+                  <a:tailEnd/>
+                </a:ln>
+              </p:spPr>
+              <p:txBody>
+                <a:bodyPr lIns="0" tIns="0" rIns="0" bIns="0">
+                  <a:prstTxWarp prst="textNoShape">
+                    <a:avLst/>
+                  </a:prstTxWarp>
+                </a:bodyPr>
+                <a:lstStyle/>
+                <a:p>
+                  <a:pPr algn="ctr" eaLnBrk="1" hangingPunct="1"/>
+                  <a:endParaRPr lang="en-US" sz="4200" b="1" smtClean="0">
+                    <a:solidFill>
+                      <a:srgbClr val="273272"/>
+                    </a:solidFill>
+                    <a:latin typeface="Gill Sans" charset="0"/>
+                    <a:ea typeface="ヒラギノ角ゴ ProN W3" charset="-128"/>
+                    <a:cs typeface="ヒラギノ角ゴ ProN W3" charset="-128"/>
+                    <a:sym typeface="Gill Sans" charset="0"/>
+                  </a:endParaRPr>
+                </a:p>
+              </p:txBody>
+            </p:sp>
+            <p:sp>
+              <p:nvSpPr>
+                <p:cNvPr id="67" name="Rectangle 138"/>
+                <p:cNvSpPr>
+                  <a:spLocks/>
+                </p:cNvSpPr>
+                <p:nvPr/>
+              </p:nvSpPr>
+              <p:spPr bwMode="auto">
+                <a:xfrm>
+                  <a:off x="69" y="5"/>
+                  <a:ext cx="148" cy="215"/>
+                </a:xfrm>
+                <a:prstGeom prst="rect">
+                  <a:avLst/>
+                </a:prstGeom>
+                <a:noFill/>
+                <a:ln w="12700">
+                  <a:noFill/>
+                  <a:miter lim="800000"/>
+                  <a:headEnd/>
+                  <a:tailEnd/>
+                </a:ln>
+              </p:spPr>
+              <p:txBody>
+                <a:bodyPr wrap="none" lIns="50800" tIns="50800" bIns="50800" anchor="ctr">
+                  <a:prstTxWarp prst="textNoShape">
+                    <a:avLst/>
+                  </a:prstTxWarp>
+                  <a:spAutoFit/>
+                </a:bodyPr>
+                <a:lstStyle/>
+                <a:p>
+                  <a:pPr algn="ctr" eaLnBrk="1" hangingPunct="1"/>
+                  <a:r>
+                    <a:rPr lang="en-US" sz="1800" b="1">
+                      <a:solidFill>
+                        <a:srgbClr val="273272"/>
+                      </a:solidFill>
+                      <a:latin typeface="Courier New Bold" charset="0"/>
+                      <a:ea typeface="Courier New Bold" charset="0"/>
+                      <a:cs typeface="Courier New Bold" charset="0"/>
+                      <a:sym typeface="Courier New Bold" charset="0"/>
+                    </a:rPr>
+                    <a:t>14</a:t>
+                  </a:r>
+                </a:p>
+              </p:txBody>
+            </p:sp>
+          </p:grpSp>
+          <p:grpSp>
+            <p:nvGrpSpPr>
+              <p:cNvPr id="54" name="Group 139"/>
+              <p:cNvGrpSpPr>
+                <a:grpSpLocks/>
+              </p:cNvGrpSpPr>
+              <p:nvPr/>
+            </p:nvGrpSpPr>
+            <p:grpSpPr bwMode="auto">
+              <a:xfrm>
+                <a:off x="576" y="2021"/>
+                <a:ext cx="528" cy="215"/>
+                <a:chOff x="0" y="5"/>
+                <a:chExt cx="528" cy="215"/>
+              </a:xfrm>
+            </p:grpSpPr>
+            <p:sp>
+              <p:nvSpPr>
+                <p:cNvPr id="64" name="Rectangle 140"/>
+                <p:cNvSpPr>
+                  <a:spLocks/>
+                </p:cNvSpPr>
+                <p:nvPr/>
+              </p:nvSpPr>
+              <p:spPr bwMode="auto">
+                <a:xfrm>
+                  <a:off x="0" y="40"/>
+                  <a:ext cx="528" cy="144"/>
+                </a:xfrm>
+                <a:prstGeom prst="rect">
+                  <a:avLst/>
+                </a:prstGeom>
+                <a:solidFill>
+                  <a:srgbClr val="FFFFFF"/>
+                </a:solidFill>
+                <a:ln w="12700">
+                  <a:solidFill>
+                    <a:srgbClr val="000066"/>
+                  </a:solidFill>
+                  <a:miter lim="800000"/>
+                  <a:headEnd/>
+                  <a:tailEnd/>
+                </a:ln>
+              </p:spPr>
+              <p:txBody>
+                <a:bodyPr lIns="0" tIns="0" rIns="0" bIns="0">
+                  <a:prstTxWarp prst="textNoShape">
+                    <a:avLst/>
+                  </a:prstTxWarp>
+                </a:bodyPr>
+                <a:lstStyle/>
+                <a:p>
+                  <a:pPr algn="ctr" eaLnBrk="1" hangingPunct="1"/>
+                  <a:endParaRPr lang="en-US" sz="4200" b="1" smtClean="0">
+                    <a:solidFill>
+                      <a:srgbClr val="273272"/>
+                    </a:solidFill>
+                    <a:latin typeface="Gill Sans" charset="0"/>
+                    <a:ea typeface="ヒラギノ角ゴ ProN W3" charset="-128"/>
+                    <a:cs typeface="ヒラギノ角ゴ ProN W3" charset="-128"/>
+                    <a:sym typeface="Gill Sans" charset="0"/>
+                  </a:endParaRPr>
+                </a:p>
+              </p:txBody>
+            </p:sp>
+            <p:sp>
+              <p:nvSpPr>
+                <p:cNvPr id="65" name="Rectangle 141"/>
+                <p:cNvSpPr>
+                  <a:spLocks/>
+                </p:cNvSpPr>
+                <p:nvPr/>
+              </p:nvSpPr>
+              <p:spPr bwMode="auto">
+                <a:xfrm>
+                  <a:off x="147" y="5"/>
+                  <a:ext cx="233" cy="215"/>
+                </a:xfrm>
+                <a:prstGeom prst="rect">
+                  <a:avLst/>
+                </a:prstGeom>
+                <a:noFill/>
+                <a:ln w="12700">
+                  <a:noFill/>
+                  <a:miter lim="800000"/>
+                  <a:headEnd/>
+                  <a:tailEnd/>
+                </a:ln>
+              </p:spPr>
+              <p:txBody>
+                <a:bodyPr wrap="none" lIns="50800" tIns="50800" bIns="50800" anchor="ctr">
+                  <a:prstTxWarp prst="textNoShape">
+                    <a:avLst/>
+                  </a:prstTxWarp>
+                  <a:spAutoFit/>
+                </a:bodyPr>
+                <a:lstStyle/>
+                <a:p>
+                  <a:pPr algn="ctr" eaLnBrk="1" hangingPunct="1"/>
+                  <a:r>
+                    <a:rPr lang="en-US" sz="1800" b="1">
+                      <a:solidFill>
+                        <a:srgbClr val="273272"/>
+                      </a:solidFill>
+                      <a:latin typeface="Courier New Bold" charset="0"/>
+                      <a:ea typeface="Courier New Bold" charset="0"/>
+                      <a:cs typeface="Courier New Bold" charset="0"/>
+                      <a:sym typeface="Courier New Bold" charset="0"/>
+                    </a:rPr>
+                    <a:t>1110</a:t>
+                  </a:r>
+                </a:p>
+              </p:txBody>
+            </p:sp>
+          </p:grpSp>
+          <p:grpSp>
+            <p:nvGrpSpPr>
+              <p:cNvPr id="55" name="Group 142"/>
+              <p:cNvGrpSpPr>
+                <a:grpSpLocks/>
+              </p:cNvGrpSpPr>
+              <p:nvPr/>
+            </p:nvGrpSpPr>
+            <p:grpSpPr bwMode="auto">
+              <a:xfrm>
+                <a:off x="0" y="2165"/>
+                <a:ext cx="288" cy="215"/>
+                <a:chOff x="0" y="5"/>
+                <a:chExt cx="288" cy="215"/>
+              </a:xfrm>
+            </p:grpSpPr>
+            <p:sp>
+              <p:nvSpPr>
+                <p:cNvPr id="62" name="Rectangle 143"/>
+                <p:cNvSpPr>
+                  <a:spLocks/>
+                </p:cNvSpPr>
+                <p:nvPr/>
+              </p:nvSpPr>
+              <p:spPr bwMode="auto">
+                <a:xfrm>
+                  <a:off x="0" y="40"/>
+                  <a:ext cx="288" cy="144"/>
+                </a:xfrm>
+                <a:prstGeom prst="rect">
+                  <a:avLst/>
+                </a:prstGeom>
+                <a:solidFill>
+                  <a:srgbClr val="FFFFFF"/>
+                </a:solidFill>
+                <a:ln w="12700">
+                  <a:solidFill>
+                    <a:srgbClr val="000066"/>
+                  </a:solidFill>
+                  <a:miter lim="800000"/>
+                  <a:headEnd/>
+                  <a:tailEnd/>
+                </a:ln>
+              </p:spPr>
+              <p:txBody>
+                <a:bodyPr lIns="0" tIns="0" rIns="0" bIns="0">
+                  <a:prstTxWarp prst="textNoShape">
+                    <a:avLst/>
+                  </a:prstTxWarp>
+                </a:bodyPr>
+                <a:lstStyle/>
+                <a:p>
+                  <a:pPr algn="ctr" eaLnBrk="1" hangingPunct="1"/>
+                  <a:endParaRPr lang="en-US" sz="4200" b="1" smtClean="0">
+                    <a:solidFill>
+                      <a:srgbClr val="273272"/>
+                    </a:solidFill>
+                    <a:latin typeface="Gill Sans" charset="0"/>
+                    <a:ea typeface="ヒラギノ角ゴ ProN W3" charset="-128"/>
+                    <a:cs typeface="ヒラギノ角ゴ ProN W3" charset="-128"/>
+                    <a:sym typeface="Gill Sans" charset="0"/>
+                  </a:endParaRPr>
+                </a:p>
+              </p:txBody>
+            </p:sp>
+            <p:sp>
+              <p:nvSpPr>
+                <p:cNvPr id="63" name="Rectangle 144"/>
+                <p:cNvSpPr>
+                  <a:spLocks/>
+                </p:cNvSpPr>
+                <p:nvPr/>
+              </p:nvSpPr>
+              <p:spPr bwMode="auto">
+                <a:xfrm>
+                  <a:off x="91" y="5"/>
+                  <a:ext cx="105" cy="215"/>
+                </a:xfrm>
+                <a:prstGeom prst="rect">
+                  <a:avLst/>
+                </a:prstGeom>
+                <a:noFill/>
+                <a:ln w="12700">
+                  <a:noFill/>
+                  <a:miter lim="800000"/>
+                  <a:headEnd/>
+                  <a:tailEnd/>
+                </a:ln>
+              </p:spPr>
+              <p:txBody>
+                <a:bodyPr wrap="none" lIns="50800" tIns="50800" bIns="50800" anchor="ctr">
+                  <a:prstTxWarp prst="textNoShape">
+                    <a:avLst/>
+                  </a:prstTxWarp>
+                  <a:spAutoFit/>
+                </a:bodyPr>
+                <a:lstStyle/>
+                <a:p>
+                  <a:pPr algn="ctr" eaLnBrk="1" hangingPunct="1"/>
+                  <a:r>
+                    <a:rPr lang="en-US" sz="1800" b="1">
+                      <a:solidFill>
+                        <a:srgbClr val="273272"/>
+                      </a:solidFill>
+                      <a:latin typeface="Courier New Bold" charset="0"/>
+                      <a:ea typeface="Courier New Bold" charset="0"/>
+                      <a:cs typeface="Courier New Bold" charset="0"/>
+                      <a:sym typeface="Courier New Bold" charset="0"/>
+                    </a:rPr>
+                    <a:t>F</a:t>
+                  </a:r>
+                </a:p>
+              </p:txBody>
+            </p:sp>
+          </p:grpSp>
+          <p:grpSp>
+            <p:nvGrpSpPr>
+              <p:cNvPr id="56" name="Group 145"/>
+              <p:cNvGrpSpPr>
+                <a:grpSpLocks/>
+              </p:cNvGrpSpPr>
+              <p:nvPr/>
+            </p:nvGrpSpPr>
+            <p:grpSpPr bwMode="auto">
+              <a:xfrm>
+                <a:off x="288" y="2165"/>
+                <a:ext cx="288" cy="215"/>
+                <a:chOff x="0" y="5"/>
+                <a:chExt cx="288" cy="215"/>
+              </a:xfrm>
+            </p:grpSpPr>
+            <p:sp>
+              <p:nvSpPr>
+                <p:cNvPr id="60" name="Rectangle 146"/>
+                <p:cNvSpPr>
+                  <a:spLocks/>
+                </p:cNvSpPr>
+                <p:nvPr/>
+              </p:nvSpPr>
+              <p:spPr bwMode="auto">
+                <a:xfrm>
+                  <a:off x="0" y="40"/>
+                  <a:ext cx="288" cy="144"/>
+                </a:xfrm>
+                <a:prstGeom prst="rect">
+                  <a:avLst/>
+                </a:prstGeom>
+                <a:solidFill>
+                  <a:srgbClr val="FFFFFF"/>
+                </a:solidFill>
+                <a:ln w="12700">
+                  <a:solidFill>
+                    <a:srgbClr val="000066"/>
+                  </a:solidFill>
+                  <a:miter lim="800000"/>
+                  <a:headEnd/>
+                  <a:tailEnd/>
+                </a:ln>
+              </p:spPr>
+              <p:txBody>
+                <a:bodyPr lIns="0" tIns="0" rIns="0" bIns="0">
+                  <a:prstTxWarp prst="textNoShape">
+                    <a:avLst/>
+                  </a:prstTxWarp>
+                </a:bodyPr>
+                <a:lstStyle/>
+                <a:p>
+                  <a:pPr algn="ctr" eaLnBrk="1" hangingPunct="1"/>
+                  <a:endParaRPr lang="en-US" sz="4200" b="1" smtClean="0">
+                    <a:solidFill>
+                      <a:srgbClr val="273272"/>
+                    </a:solidFill>
+                    <a:latin typeface="Gill Sans" charset="0"/>
+                    <a:ea typeface="ヒラギノ角ゴ ProN W3" charset="-128"/>
+                    <a:cs typeface="ヒラギノ角ゴ ProN W3" charset="-128"/>
+                    <a:sym typeface="Gill Sans" charset="0"/>
+                  </a:endParaRPr>
+                </a:p>
+              </p:txBody>
+            </p:sp>
+            <p:sp>
+              <p:nvSpPr>
+                <p:cNvPr id="61" name="Rectangle 147"/>
+                <p:cNvSpPr>
+                  <a:spLocks/>
+                </p:cNvSpPr>
+                <p:nvPr/>
+              </p:nvSpPr>
+              <p:spPr bwMode="auto">
+                <a:xfrm>
+                  <a:off x="69" y="5"/>
+                  <a:ext cx="148" cy="215"/>
+                </a:xfrm>
+                <a:prstGeom prst="rect">
+                  <a:avLst/>
+                </a:prstGeom>
+                <a:noFill/>
+                <a:ln w="12700">
+                  <a:noFill/>
+                  <a:miter lim="800000"/>
+                  <a:headEnd/>
+                  <a:tailEnd/>
+                </a:ln>
+              </p:spPr>
+              <p:txBody>
+                <a:bodyPr wrap="none" lIns="50800" tIns="50800" bIns="50800" anchor="ctr">
+                  <a:prstTxWarp prst="textNoShape">
+                    <a:avLst/>
+                  </a:prstTxWarp>
+                  <a:spAutoFit/>
+                </a:bodyPr>
+                <a:lstStyle/>
+                <a:p>
+                  <a:pPr algn="ctr" eaLnBrk="1" hangingPunct="1"/>
+                  <a:r>
+                    <a:rPr lang="en-US" sz="1800" b="1">
+                      <a:solidFill>
+                        <a:srgbClr val="273272"/>
+                      </a:solidFill>
+                      <a:latin typeface="Courier New Bold" charset="0"/>
+                      <a:ea typeface="Courier New Bold" charset="0"/>
+                      <a:cs typeface="Courier New Bold" charset="0"/>
+                      <a:sym typeface="Courier New Bold" charset="0"/>
+                    </a:rPr>
+                    <a:t>15</a:t>
+                  </a:r>
+                </a:p>
+              </p:txBody>
+            </p:sp>
+          </p:grpSp>
+          <p:grpSp>
+            <p:nvGrpSpPr>
+              <p:cNvPr id="57" name="Group 148"/>
+              <p:cNvGrpSpPr>
+                <a:grpSpLocks/>
+              </p:cNvGrpSpPr>
+              <p:nvPr/>
+            </p:nvGrpSpPr>
+            <p:grpSpPr bwMode="auto">
+              <a:xfrm>
+                <a:off x="576" y="2165"/>
+                <a:ext cx="528" cy="215"/>
+                <a:chOff x="0" y="5"/>
+                <a:chExt cx="528" cy="215"/>
+              </a:xfrm>
+            </p:grpSpPr>
+            <p:sp>
+              <p:nvSpPr>
+                <p:cNvPr id="58" name="Rectangle 149"/>
+                <p:cNvSpPr>
+                  <a:spLocks/>
+                </p:cNvSpPr>
+                <p:nvPr/>
+              </p:nvSpPr>
+              <p:spPr bwMode="auto">
+                <a:xfrm>
+                  <a:off x="0" y="40"/>
+                  <a:ext cx="528" cy="144"/>
+                </a:xfrm>
+                <a:prstGeom prst="rect">
+                  <a:avLst/>
+                </a:prstGeom>
+                <a:solidFill>
+                  <a:srgbClr val="FFFFFF"/>
+                </a:solidFill>
+                <a:ln w="12700">
+                  <a:solidFill>
+                    <a:srgbClr val="000066"/>
+                  </a:solidFill>
+                  <a:miter lim="800000"/>
+                  <a:headEnd/>
+                  <a:tailEnd/>
+                </a:ln>
+              </p:spPr>
+              <p:txBody>
+                <a:bodyPr lIns="0" tIns="0" rIns="0" bIns="0">
+                  <a:prstTxWarp prst="textNoShape">
+                    <a:avLst/>
+                  </a:prstTxWarp>
+                </a:bodyPr>
+                <a:lstStyle/>
+                <a:p>
+                  <a:pPr algn="ctr" eaLnBrk="1" hangingPunct="1"/>
+                  <a:endParaRPr lang="en-US" sz="4200" b="1" smtClean="0">
+                    <a:solidFill>
+                      <a:srgbClr val="273272"/>
+                    </a:solidFill>
+                    <a:latin typeface="Gill Sans" charset="0"/>
+                    <a:ea typeface="ヒラギノ角ゴ ProN W3" charset="-128"/>
+                    <a:cs typeface="ヒラギノ角ゴ ProN W3" charset="-128"/>
+                    <a:sym typeface="Gill Sans" charset="0"/>
+                  </a:endParaRPr>
+                </a:p>
+              </p:txBody>
+            </p:sp>
+            <p:sp>
+              <p:nvSpPr>
+                <p:cNvPr id="59" name="Rectangle 150"/>
+                <p:cNvSpPr>
+                  <a:spLocks/>
+                </p:cNvSpPr>
+                <p:nvPr/>
+              </p:nvSpPr>
+              <p:spPr bwMode="auto">
+                <a:xfrm>
+                  <a:off x="149" y="5"/>
+                  <a:ext cx="228" cy="215"/>
+                </a:xfrm>
+                <a:prstGeom prst="rect">
+                  <a:avLst/>
+                </a:prstGeom>
+                <a:noFill/>
+                <a:ln w="12700">
+                  <a:noFill/>
+                  <a:miter lim="800000"/>
+                  <a:headEnd/>
+                  <a:tailEnd/>
+                </a:ln>
+              </p:spPr>
+              <p:txBody>
+                <a:bodyPr wrap="none" lIns="50800" tIns="50800" bIns="50800" anchor="ctr">
+                  <a:prstTxWarp prst="textNoShape">
+                    <a:avLst/>
+                  </a:prstTxWarp>
+                  <a:spAutoFit/>
+                </a:bodyPr>
+                <a:lstStyle/>
+                <a:p>
+                  <a:pPr algn="ctr" eaLnBrk="1" hangingPunct="1"/>
+                  <a:r>
+                    <a:rPr lang="en-US" sz="1800" b="1">
+                      <a:solidFill>
+                        <a:srgbClr val="273272"/>
+                      </a:solidFill>
+                      <a:latin typeface="Courier New Bold" charset="0"/>
+                      <a:ea typeface="Courier New Bold" charset="0"/>
+                      <a:cs typeface="Courier New Bold" charset="0"/>
+                      <a:sym typeface="Courier New Bold" charset="0"/>
+                    </a:rPr>
+                    <a:t>1111</a:t>
+                  </a:r>
+                </a:p>
+              </p:txBody>
+            </p:sp>
+          </p:grpSp>
+        </p:grpSp>
+        <p:sp>
+          <p:nvSpPr>
+            <p:cNvPr id="7" name="Rectangle 151"/>
+            <p:cNvSpPr>
+              <a:spLocks/>
+            </p:cNvSpPr>
+            <p:nvPr/>
+          </p:nvSpPr>
+          <p:spPr bwMode="auto">
+            <a:xfrm rot="19260000">
+              <a:off x="46" y="195"/>
+              <a:ext cx="227" cy="232"/>
+            </a:xfrm>
+            <a:prstGeom prst="rect">
+              <a:avLst/>
+            </a:prstGeom>
+            <a:noFill/>
+            <a:ln w="25400">
+              <a:noFill/>
+              <a:miter lim="800000"/>
+              <a:headEnd/>
+              <a:tailEnd/>
+            </a:ln>
+          </p:spPr>
+          <p:txBody>
+            <a:bodyPr wrap="none" lIns="50800" tIns="50800" bIns="50800">
+              <a:prstTxWarp prst="textNoShape">
+                <a:avLst/>
+              </a:prstTxWarp>
+              <a:spAutoFit/>
+            </a:bodyPr>
+            <a:lstStyle/>
+            <a:p>
+              <a:pPr eaLnBrk="1" hangingPunct="1"/>
+              <a:r>
+                <a:rPr lang="en-US" sz="2000" b="1" dirty="0">
+                  <a:solidFill>
+                    <a:srgbClr val="273272"/>
+                  </a:solidFill>
+                  <a:latin typeface="Helvetica" charset="0"/>
+                  <a:ea typeface="Helvetica" charset="0"/>
+                  <a:cs typeface="Helvetica" charset="0"/>
+                  <a:sym typeface="Helvetica" charset="0"/>
+                </a:rPr>
+                <a:t>Hex</a:t>
+              </a:r>
+            </a:p>
+          </p:txBody>
+        </p:sp>
+        <p:sp>
+          <p:nvSpPr>
+            <p:cNvPr id="8" name="Rectangle 152"/>
+            <p:cNvSpPr>
+              <a:spLocks/>
+            </p:cNvSpPr>
+            <p:nvPr/>
+          </p:nvSpPr>
+          <p:spPr bwMode="auto">
+            <a:xfrm rot="19260000">
+              <a:off x="308" y="125"/>
+              <a:ext cx="415" cy="232"/>
+            </a:xfrm>
+            <a:prstGeom prst="rect">
+              <a:avLst/>
+            </a:prstGeom>
+            <a:noFill/>
+            <a:ln w="25400">
+              <a:noFill/>
+              <a:miter lim="800000"/>
+              <a:headEnd/>
+              <a:tailEnd/>
+            </a:ln>
+          </p:spPr>
+          <p:txBody>
+            <a:bodyPr wrap="none" lIns="50800" tIns="50800" bIns="50800">
+              <a:prstTxWarp prst="textNoShape">
+                <a:avLst/>
+              </a:prstTxWarp>
+              <a:spAutoFit/>
+            </a:bodyPr>
+            <a:lstStyle/>
+            <a:p>
+              <a:pPr eaLnBrk="1" hangingPunct="1"/>
+              <a:r>
+                <a:rPr lang="en-US" sz="2000" b="1" dirty="0">
+                  <a:solidFill>
+                    <a:srgbClr val="273272"/>
+                  </a:solidFill>
+                  <a:latin typeface="Helvetica" charset="0"/>
+                  <a:ea typeface="Helvetica" charset="0"/>
+                  <a:cs typeface="Helvetica" charset="0"/>
+                  <a:sym typeface="Helvetica" charset="0"/>
+                </a:rPr>
+                <a:t>Decimal</a:t>
+              </a:r>
+            </a:p>
+          </p:txBody>
+        </p:sp>
+        <p:sp>
+          <p:nvSpPr>
+            <p:cNvPr id="9" name="Rectangle 153"/>
+            <p:cNvSpPr>
+              <a:spLocks/>
+            </p:cNvSpPr>
+            <p:nvPr/>
+          </p:nvSpPr>
+          <p:spPr bwMode="auto">
+            <a:xfrm rot="19260000">
+              <a:off x="705" y="152"/>
+              <a:ext cx="347" cy="232"/>
+            </a:xfrm>
+            <a:prstGeom prst="rect">
+              <a:avLst/>
+            </a:prstGeom>
+            <a:noFill/>
+            <a:ln w="25400">
+              <a:noFill/>
+              <a:miter lim="800000"/>
+              <a:headEnd/>
+              <a:tailEnd/>
+            </a:ln>
+          </p:spPr>
+          <p:txBody>
+            <a:bodyPr wrap="none" lIns="50800" tIns="50800" bIns="50800">
+              <a:prstTxWarp prst="textNoShape">
+                <a:avLst/>
+              </a:prstTxWarp>
+              <a:spAutoFit/>
+            </a:bodyPr>
+            <a:lstStyle/>
+            <a:p>
+              <a:pPr eaLnBrk="1" hangingPunct="1"/>
+              <a:r>
+                <a:rPr lang="en-US" sz="2000" b="1" dirty="0">
+                  <a:solidFill>
+                    <a:srgbClr val="273272"/>
+                  </a:solidFill>
+                  <a:latin typeface="Helvetica" charset="0"/>
+                  <a:ea typeface="Helvetica" charset="0"/>
+                  <a:cs typeface="Helvetica" charset="0"/>
+                  <a:sym typeface="Helvetica" charset="0"/>
+                </a:rPr>
+                <a:t>Binary</a:t>
+              </a:r>
+            </a:p>
+          </p:txBody>
+        </p:sp>
+      </p:grpSp>
+    </p:spTree>
+  </p:cSld>
+  <p:clrMapOvr>
+    <a:masterClrMapping/>
+  </p:clrMapOvr>
+  <p:timing>
+    <p:tnLst>
+      <p:par>
+        <p:cTn id="1" dur="indefinite" restart="never" nodeType="tmRoot"/>
+      </p:par>
+    </p:tnLst>
+  </p:timing>
+</p:sld>
+</file>
+
+<file path=ppt/slides/slide4.xml><?xml version="1.0" encoding="utf-8"?>
 <p:sld xmlns:a="http://schemas.openxmlformats.org/drawingml/2006/main" xmlns:r="http://schemas.openxmlformats.org/officeDocument/2006/relationships" xmlns:p="http://schemas.openxmlformats.org/presentationml/2006/main">
   <p:cSld>
     <p:spTree>
@@ -4845,7 +12332,7 @@
             <a:fld id="{1397BFD8-F312-4EF2-A268-44FB4BDDBBB0}" type="slidenum">
               <a:rPr lang="ru-RU" smtClean="0"/>
               <a:pPr algn="ctr"/>
-              <a:t>3</a:t>
+              <a:t>4</a:t>
             </a:fld>
             <a:endParaRPr lang="ru-RU" dirty="0"/>
           </a:p>
@@ -4854,7 +12341,7 @@
     </p:spTree>
     <p:extLst>
       <p:ext uri="{BB962C8B-B14F-4D97-AF65-F5344CB8AC3E}">
-        <p14:creationId xmlns="" xmlns:p14="http://schemas.microsoft.com/office/powerpoint/2010/main" val="4217875043"/>
+        <p14:creationId xmlns:p14="http://schemas.microsoft.com/office/powerpoint/2010/main" xmlns="" val="4217875043"/>
       </p:ext>
     </p:extLst>
   </p:cSld>
@@ -5146,7 +12633,7 @@
   <a:extraClrSchemeLst/>
   <a:extLst>
     <a:ext uri="{05A4C25C-085E-4340-85A3-A5531E510DB2}">
-      <thm15:themeFamily xmlns="" xmlns:thm15="http://schemas.microsoft.com/office/thememl/2012/main" name="Office Theme" id="{62F939B6-93AF-4DB8-9C6B-D6C7DFDC589F}" vid="{4A3C46E8-61CC-4603-A589-7422A47A8E4A}"/>
+      <thm15:themeFamily xmlns:thm15="http://schemas.microsoft.com/office/thememl/2012/main" xmlns="" name="Office Theme" id="{62F939B6-93AF-4DB8-9C6B-D6C7DFDC589F}" vid="{4A3C46E8-61CC-4603-A589-7422A47A8E4A}"/>
     </a:ext>
   </a:extLst>
 </a:theme>
@@ -5407,7 +12894,7 @@
   <a:extraClrSchemeLst/>
   <a:extLst>
     <a:ext uri="{05A4C25C-085E-4340-85A3-A5531E510DB2}">
-      <thm15:themeFamily xmlns="" xmlns:thm15="http://schemas.microsoft.com/office/thememl/2012/main" name="Office Theme" id="{62F939B6-93AF-4DB8-9C6B-D6C7DFDC589F}" vid="{4A3C46E8-61CC-4603-A589-7422A47A8E4A}"/>
+      <thm15:themeFamily xmlns:thm15="http://schemas.microsoft.com/office/thememl/2012/main" xmlns="" name="Office Theme" id="{62F939B6-93AF-4DB8-9C6B-D6C7DFDC589F}" vid="{4A3C46E8-61CC-4603-A589-7422A47A8E4A}"/>
     </a:ext>
   </a:extLst>
 </a:theme>
@@ -5668,7 +13155,7 @@
   <a:extraClrSchemeLst/>
   <a:extLst>
     <a:ext uri="{05A4C25C-085E-4340-85A3-A5531E510DB2}">
-      <thm15:themeFamily xmlns="" xmlns:thm15="http://schemas.microsoft.com/office/thememl/2012/main" name="Office Theme" id="{62F939B6-93AF-4DB8-9C6B-D6C7DFDC589F}" vid="{4A3C46E8-61CC-4603-A589-7422A47A8E4A}"/>
+      <thm15:themeFamily xmlns:thm15="http://schemas.microsoft.com/office/thememl/2012/main" xmlns="" name="Office Theme" id="{62F939B6-93AF-4DB8-9C6B-D6C7DFDC589F}" vid="{4A3C46E8-61CC-4603-A589-7422A47A8E4A}"/>
     </a:ext>
   </a:extLst>
 </a:theme>

--- a/docs/part1ca/02_DataTypes/CA_Lecture_02.pptx
+++ b/docs/part1ca/02_DataTypes/CA_Lecture_02.pptx
@@ -5,16 +5,21 @@
     <p:sldMasterId id="2147483648" r:id="rId1"/>
   </p:sldMasterIdLst>
   <p:notesMasterIdLst>
-    <p:notesMasterId r:id="rId6"/>
+    <p:notesMasterId r:id="rId11"/>
   </p:notesMasterIdLst>
   <p:handoutMasterIdLst>
-    <p:handoutMasterId r:id="rId7"/>
+    <p:handoutMasterId r:id="rId12"/>
   </p:handoutMasterIdLst>
   <p:sldIdLst>
     <p:sldId id="256" r:id="rId2"/>
     <p:sldId id="273" r:id="rId3"/>
     <p:sldId id="274" r:id="rId4"/>
-    <p:sldId id="272" r:id="rId5"/>
+    <p:sldId id="275" r:id="rId5"/>
+    <p:sldId id="278" r:id="rId6"/>
+    <p:sldId id="279" r:id="rId7"/>
+    <p:sldId id="277" r:id="rId8"/>
+    <p:sldId id="276" r:id="rId9"/>
+    <p:sldId id="272" r:id="rId10"/>
   </p:sldIdLst>
   <p:sldSz cx="12192000" cy="6858000"/>
   <p:notesSz cx="6858000" cy="9144000"/>
@@ -115,7 +120,7 @@
   </p:defaultTextStyle>
   <p:extLst>
     <p:ext uri="{EFAFB233-063F-42B5-8137-9DF3F51BA10A}">
-      <p15:sldGuideLst xmlns:p15="http://schemas.microsoft.com/office/powerpoint/2012/main" xmlns="">
+      <p15:sldGuideLst xmlns="" xmlns:p15="http://schemas.microsoft.com/office/powerpoint/2012/main">
         <p15:guide id="1" orient="horz" pos="2160">
           <p15:clr>
             <a:srgbClr val="A4A3A4"/>
@@ -129,7 +134,7 @@
       </p15:sldGuideLst>
     </p:ext>
     <p:ext uri="{2D200454-40CA-4A62-9FC3-DE9A4176ACB9}">
-      <p15:notesGuideLst xmlns:p15="http://schemas.microsoft.com/office/powerpoint/2012/main" xmlns=""/>
+      <p15:notesGuideLst xmlns="" xmlns:p15="http://schemas.microsoft.com/office/powerpoint/2012/main"/>
     </p:ext>
   </p:extLst>
 </p:presentation>
@@ -302,7 +307,7 @@
     </p:spTree>
     <p:extLst>
       <p:ext uri="{BB962C8B-B14F-4D97-AF65-F5344CB8AC3E}">
-        <p14:creationId xmlns:p14="http://schemas.microsoft.com/office/powerpoint/2010/main" xmlns="" val="827279973"/>
+        <p14:creationId xmlns="" xmlns:p14="http://schemas.microsoft.com/office/powerpoint/2010/main" val="827279973"/>
       </p:ext>
     </p:extLst>
   </p:cSld>
@@ -563,7 +568,7 @@
     </p:spTree>
     <p:extLst>
       <p:ext uri="{BB962C8B-B14F-4D97-AF65-F5344CB8AC3E}">
-        <p14:creationId xmlns:p14="http://schemas.microsoft.com/office/powerpoint/2010/main" xmlns="" val="3865021395"/>
+        <p14:creationId xmlns="" xmlns:p14="http://schemas.microsoft.com/office/powerpoint/2010/main" val="3865021395"/>
       </p:ext>
     </p:extLst>
   </p:cSld>
@@ -777,7 +782,7 @@
     </p:spTree>
     <p:extLst>
       <p:ext uri="{BB962C8B-B14F-4D97-AF65-F5344CB8AC3E}">
-        <p14:creationId xmlns:p14="http://schemas.microsoft.com/office/powerpoint/2010/main" xmlns="" val="2381791527"/>
+        <p14:creationId xmlns="" xmlns:p14="http://schemas.microsoft.com/office/powerpoint/2010/main" val="2381791527"/>
       </p:ext>
     </p:extLst>
   </p:cSld>
@@ -891,7 +896,7 @@
             <a:fld id="{5583B3A5-99BF-45D9-956B-DC57CC23AD97}" type="slidenum">
               <a:rPr lang="ru-RU" smtClean="0"/>
               <a:pPr/>
-              <a:t>4</a:t>
+              <a:t>9</a:t>
             </a:fld>
             <a:endParaRPr lang="ru-RU"/>
           </a:p>
@@ -900,7 +905,7 @@
     </p:spTree>
     <p:extLst>
       <p:ext uri="{BB962C8B-B14F-4D97-AF65-F5344CB8AC3E}">
-        <p14:creationId xmlns:p14="http://schemas.microsoft.com/office/powerpoint/2010/main" xmlns="" val="1915950851"/>
+        <p14:creationId xmlns="" xmlns:p14="http://schemas.microsoft.com/office/powerpoint/2010/main" val="1915950851"/>
       </p:ext>
     </p:extLst>
   </p:cSld>
@@ -1160,7 +1165,7 @@
     </p:spTree>
     <p:extLst>
       <p:ext uri="{BB962C8B-B14F-4D97-AF65-F5344CB8AC3E}">
-        <p14:creationId xmlns:p14="http://schemas.microsoft.com/office/powerpoint/2010/main" xmlns="" val="322455162"/>
+        <p14:creationId xmlns="" xmlns:p14="http://schemas.microsoft.com/office/powerpoint/2010/main" val="322455162"/>
       </p:ext>
     </p:extLst>
   </p:cSld>
@@ -1334,7 +1339,7 @@
     </p:spTree>
     <p:extLst>
       <p:ext uri="{BB962C8B-B14F-4D97-AF65-F5344CB8AC3E}">
-        <p14:creationId xmlns:p14="http://schemas.microsoft.com/office/powerpoint/2010/main" xmlns="" val="971117636"/>
+        <p14:creationId xmlns="" xmlns:p14="http://schemas.microsoft.com/office/powerpoint/2010/main" val="971117636"/>
       </p:ext>
     </p:extLst>
   </p:cSld>
@@ -1511,7 +1516,7 @@
     </p:spTree>
     <p:extLst>
       <p:ext uri="{BB962C8B-B14F-4D97-AF65-F5344CB8AC3E}">
-        <p14:creationId xmlns:p14="http://schemas.microsoft.com/office/powerpoint/2010/main" xmlns="" val="3348877825"/>
+        <p14:creationId xmlns="" xmlns:p14="http://schemas.microsoft.com/office/powerpoint/2010/main" val="3348877825"/>
       </p:ext>
     </p:extLst>
   </p:cSld>
@@ -1846,7 +1851,7 @@
     </p:spTree>
     <p:extLst>
       <p:ext uri="{BB962C8B-B14F-4D97-AF65-F5344CB8AC3E}">
-        <p14:creationId xmlns:p14="http://schemas.microsoft.com/office/powerpoint/2010/main" xmlns="" val="3256953994"/>
+        <p14:creationId xmlns="" xmlns:p14="http://schemas.microsoft.com/office/powerpoint/2010/main" val="3256953994"/>
       </p:ext>
     </p:extLst>
   </p:cSld>
@@ -2096,7 +2101,7 @@
     </p:spTree>
     <p:extLst>
       <p:ext uri="{BB962C8B-B14F-4D97-AF65-F5344CB8AC3E}">
-        <p14:creationId xmlns:p14="http://schemas.microsoft.com/office/powerpoint/2010/main" xmlns="" val="3067076846"/>
+        <p14:creationId xmlns="" xmlns:p14="http://schemas.microsoft.com/office/powerpoint/2010/main" val="3067076846"/>
       </p:ext>
     </p:extLst>
   </p:cSld>
@@ -2332,7 +2337,7 @@
     </p:spTree>
     <p:extLst>
       <p:ext uri="{BB962C8B-B14F-4D97-AF65-F5344CB8AC3E}">
-        <p14:creationId xmlns:p14="http://schemas.microsoft.com/office/powerpoint/2010/main" xmlns="" val="3710015975"/>
+        <p14:creationId xmlns="" xmlns:p14="http://schemas.microsoft.com/office/powerpoint/2010/main" val="3710015975"/>
       </p:ext>
     </p:extLst>
   </p:cSld>
@@ -2703,7 +2708,7 @@
     </p:spTree>
     <p:extLst>
       <p:ext uri="{BB962C8B-B14F-4D97-AF65-F5344CB8AC3E}">
-        <p14:creationId xmlns:p14="http://schemas.microsoft.com/office/powerpoint/2010/main" xmlns="" val="4075590966"/>
+        <p14:creationId xmlns="" xmlns:p14="http://schemas.microsoft.com/office/powerpoint/2010/main" val="4075590966"/>
       </p:ext>
     </p:extLst>
   </p:cSld>
@@ -2825,7 +2830,7 @@
     </p:spTree>
     <p:extLst>
       <p:ext uri="{BB962C8B-B14F-4D97-AF65-F5344CB8AC3E}">
-        <p14:creationId xmlns:p14="http://schemas.microsoft.com/office/powerpoint/2010/main" xmlns="" val="2889604898"/>
+        <p14:creationId xmlns="" xmlns:p14="http://schemas.microsoft.com/office/powerpoint/2010/main" val="2889604898"/>
       </p:ext>
     </p:extLst>
   </p:cSld>
@@ -2924,7 +2929,7 @@
     </p:spTree>
     <p:extLst>
       <p:ext uri="{BB962C8B-B14F-4D97-AF65-F5344CB8AC3E}">
-        <p14:creationId xmlns:p14="http://schemas.microsoft.com/office/powerpoint/2010/main" xmlns="" val="152384765"/>
+        <p14:creationId xmlns="" xmlns:p14="http://schemas.microsoft.com/office/powerpoint/2010/main" val="152384765"/>
       </p:ext>
     </p:extLst>
   </p:cSld>
@@ -3205,7 +3210,7 @@
     </p:spTree>
     <p:extLst>
       <p:ext uri="{BB962C8B-B14F-4D97-AF65-F5344CB8AC3E}">
-        <p14:creationId xmlns:p14="http://schemas.microsoft.com/office/powerpoint/2010/main" xmlns="" val="2127791886"/>
+        <p14:creationId xmlns="" xmlns:p14="http://schemas.microsoft.com/office/powerpoint/2010/main" val="2127791886"/>
       </p:ext>
     </p:extLst>
   </p:cSld>
@@ -3462,7 +3467,7 @@
     </p:spTree>
     <p:extLst>
       <p:ext uri="{BB962C8B-B14F-4D97-AF65-F5344CB8AC3E}">
-        <p14:creationId xmlns:p14="http://schemas.microsoft.com/office/powerpoint/2010/main" xmlns="" val="1752705130"/>
+        <p14:creationId xmlns="" xmlns:p14="http://schemas.microsoft.com/office/powerpoint/2010/main" val="1752705130"/>
       </p:ext>
     </p:extLst>
   </p:cSld>
@@ -3715,7 +3720,7 @@
     </p:spTree>
     <p:extLst>
       <p:ext uri="{BB962C8B-B14F-4D97-AF65-F5344CB8AC3E}">
-        <p14:creationId xmlns:p14="http://schemas.microsoft.com/office/powerpoint/2010/main" xmlns="" val="968833914"/>
+        <p14:creationId xmlns="" xmlns:p14="http://schemas.microsoft.com/office/powerpoint/2010/main" val="968833914"/>
       </p:ext>
     </p:extLst>
   </p:cSld>
@@ -4192,7 +4197,7 @@
     </p:spTree>
     <p:extLst>
       <p:ext uri="{BB962C8B-B14F-4D97-AF65-F5344CB8AC3E}">
-        <p14:creationId xmlns:p14="http://schemas.microsoft.com/office/powerpoint/2010/main" xmlns="" val="2492894732"/>
+        <p14:creationId xmlns="" xmlns:p14="http://schemas.microsoft.com/office/powerpoint/2010/main" val="2492894732"/>
       </p:ext>
     </p:extLst>
   </p:cSld>
@@ -4312,13 +4317,8 @@
             </a:pPr>
             <a:r>
               <a:rPr lang="en-US" dirty="0" smtClean="0"/>
-              <a:t>Why </a:t>
+              <a:t>Why bits? Electronic implementation</a:t>
             </a:r>
-            <a:r>
-              <a:rPr lang="en-US" dirty="0" smtClean="0"/>
-              <a:t>bits? Electronic implementation</a:t>
-            </a:r>
-            <a:endParaRPr lang="en-US" dirty="0" smtClean="0"/>
           </a:p>
           <a:p>
             <a:pPr lvl="1">
@@ -5895,11 +5895,7 @@
             </a:pPr>
             <a:r>
               <a:rPr lang="en-US" sz="3600" dirty="0" smtClean="0"/>
-              <a:t>Decimal</a:t>
-            </a:r>
-            <a:r>
-              <a:rPr lang="en-US" sz="3600" dirty="0" smtClean="0"/>
-              <a:t>: 0</a:t>
+              <a:t>Decimal: 0</a:t>
             </a:r>
             <a:r>
               <a:rPr lang="en-US" sz="3600" baseline="-6000" dirty="0" smtClean="0"/>
@@ -7573,7 +7569,7 @@
                 <a:p>
                   <a:pPr algn="ctr" eaLnBrk="1" hangingPunct="1"/>
                   <a:r>
-                    <a:rPr lang="en-US" sz="1800" b="1">
+                    <a:rPr lang="en-US" sz="1800" b="1" dirty="0">
                       <a:solidFill>
                         <a:srgbClr val="273272"/>
                       </a:solidFill>
@@ -8378,7 +8374,7 @@
                 <a:p>
                   <a:pPr algn="ctr" eaLnBrk="1" hangingPunct="1"/>
                   <a:r>
-                    <a:rPr lang="en-US" sz="1800" b="1">
+                    <a:rPr lang="en-US" sz="1800" b="1" dirty="0">
                       <a:solidFill>
                         <a:srgbClr val="273272"/>
                       </a:solidFill>
@@ -11138,7 +11134,7 @@
                 <a:p>
                   <a:pPr algn="ctr" eaLnBrk="1" hangingPunct="1"/>
                   <a:r>
-                    <a:rPr lang="en-US" sz="1800" b="1">
+                    <a:rPr lang="en-US" sz="1800" b="1" dirty="0">
                       <a:solidFill>
                         <a:srgbClr val="273272"/>
                       </a:solidFill>
@@ -11483,7 +11479,7 @@
                 <a:p>
                   <a:pPr algn="ctr" eaLnBrk="1" hangingPunct="1"/>
                   <a:r>
-                    <a:rPr lang="en-US" sz="1800" b="1">
+                    <a:rPr lang="en-US" sz="1800" b="1" dirty="0">
                       <a:solidFill>
                         <a:srgbClr val="273272"/>
                       </a:solidFill>
@@ -11778,6 +11774,8071 @@
 </file>
 
 <file path=ppt/slides/slide4.xml><?xml version="1.0" encoding="utf-8"?>
+<p:sld xmlns:a="http://schemas.openxmlformats.org/drawingml/2006/main" xmlns:r="http://schemas.openxmlformats.org/officeDocument/2006/relationships" xmlns:p="http://schemas.openxmlformats.org/presentationml/2006/main">
+  <p:cSld>
+    <p:spTree>
+      <p:nvGrpSpPr>
+        <p:cNvPr id="1" name=""/>
+        <p:cNvGrpSpPr/>
+        <p:nvPr/>
+      </p:nvGrpSpPr>
+      <p:grpSpPr>
+        <a:xfrm>
+          <a:off x="0" y="0"/>
+          <a:ext cx="0" cy="0"/>
+          <a:chOff x="0" y="0"/>
+          <a:chExt cx="0" cy="0"/>
+        </a:xfrm>
+      </p:grpSpPr>
+      <p:sp>
+        <p:nvSpPr>
+          <p:cNvPr id="2" name="Содержимое 1"/>
+          <p:cNvSpPr>
+            <a:spLocks noGrp="1"/>
+          </p:cNvSpPr>
+          <p:nvPr>
+            <p:ph idx="1"/>
+          </p:nvPr>
+        </p:nvSpPr>
+        <p:spPr>
+          <a:xfrm>
+            <a:off x="761999" y="1216153"/>
+            <a:ext cx="10918372" cy="3714581"/>
+          </a:xfrm>
+        </p:spPr>
+        <p:txBody>
+          <a:bodyPr>
+            <a:normAutofit/>
+          </a:bodyPr>
+          <a:lstStyle/>
+          <a:p>
+            <a:r>
+              <a:rPr lang="en-US" sz="3200" dirty="0" smtClean="0"/>
+              <a:t>Programs refer to data by address</a:t>
+            </a:r>
+          </a:p>
+          <a:p>
+            <a:pPr marL="552450" lvl="1"/>
+            <a:r>
+              <a:rPr lang="en-US" sz="2800" dirty="0" smtClean="0"/>
+              <a:t>Conceptually, envision it as a very large array of bytes</a:t>
+            </a:r>
+          </a:p>
+          <a:p>
+            <a:pPr marL="952500" lvl="2"/>
+            <a:r>
+              <a:rPr lang="en-US" dirty="0" smtClean="0"/>
+              <a:t>In reality, it’s not, but can think of it that way</a:t>
+            </a:r>
+          </a:p>
+          <a:p>
+            <a:pPr marL="552450" lvl="1"/>
+            <a:r>
+              <a:rPr lang="en-US" sz="2800" dirty="0" smtClean="0"/>
+              <a:t>An address is like an index into that array</a:t>
+            </a:r>
+          </a:p>
+          <a:p>
+            <a:pPr marL="952500" lvl="2"/>
+            <a:r>
+              <a:rPr lang="en-US" dirty="0" smtClean="0"/>
+              <a:t>and, a pointer variable stores an </a:t>
+            </a:r>
+            <a:r>
+              <a:rPr lang="en-US" dirty="0" smtClean="0"/>
+              <a:t>address</a:t>
+            </a:r>
+            <a:endParaRPr lang="en-US" dirty="0" smtClean="0"/>
+          </a:p>
+          <a:p>
+            <a:pPr marL="152400"/>
+            <a:r>
+              <a:rPr lang="en-US" sz="3200" dirty="0" smtClean="0"/>
+              <a:t>Note: system provides private address spaces to each “process”</a:t>
+            </a:r>
+          </a:p>
+          <a:p>
+            <a:pPr marL="438150" lvl="1"/>
+            <a:r>
+              <a:rPr lang="en-US" sz="2800" dirty="0" smtClean="0"/>
+              <a:t>Think of a process as a program being executed</a:t>
+            </a:r>
+          </a:p>
+          <a:p>
+            <a:pPr marL="438150" lvl="1"/>
+            <a:r>
+              <a:rPr lang="en-US" sz="2800" dirty="0" smtClean="0"/>
+              <a:t>So, a program can clobber its own data, but not that of others</a:t>
+            </a:r>
+          </a:p>
+          <a:p>
+            <a:endParaRPr lang="ru-RU" dirty="0"/>
+          </a:p>
+        </p:txBody>
+      </p:sp>
+      <p:sp>
+        <p:nvSpPr>
+          <p:cNvPr id="3" name="Номер слайда 2"/>
+          <p:cNvSpPr>
+            <a:spLocks noGrp="1"/>
+          </p:cNvSpPr>
+          <p:nvPr>
+            <p:ph type="sldNum" sz="quarter" idx="12"/>
+          </p:nvPr>
+        </p:nvSpPr>
+        <p:spPr/>
+        <p:txBody>
+          <a:bodyPr/>
+          <a:lstStyle/>
+          <a:p>
+            <a:pPr algn="ctr"/>
+            <a:fld id="{1397BFD8-F312-4EF2-A268-44FB4BDDBBB0}" type="slidenum">
+              <a:rPr lang="ru-RU" smtClean="0"/>
+              <a:pPr algn="ctr"/>
+              <a:t>4</a:t>
+            </a:fld>
+            <a:endParaRPr lang="ru-RU" dirty="0"/>
+          </a:p>
+        </p:txBody>
+      </p:sp>
+      <p:sp>
+        <p:nvSpPr>
+          <p:cNvPr id="4" name="Заголовок 3"/>
+          <p:cNvSpPr>
+            <a:spLocks noGrp="1"/>
+          </p:cNvSpPr>
+          <p:nvPr>
+            <p:ph type="title"/>
+          </p:nvPr>
+        </p:nvSpPr>
+        <p:spPr/>
+        <p:txBody>
+          <a:bodyPr/>
+          <a:lstStyle/>
+          <a:p>
+            <a:r>
+              <a:rPr lang="en-US" dirty="0" smtClean="0"/>
+              <a:t>Byte-Oriented Memory Organization</a:t>
+            </a:r>
+            <a:endParaRPr lang="ru-RU" dirty="0"/>
+          </a:p>
+        </p:txBody>
+      </p:sp>
+      <p:grpSp>
+        <p:nvGrpSpPr>
+          <p:cNvPr id="5" name="Group 5"/>
+          <p:cNvGrpSpPr>
+            <a:grpSpLocks/>
+          </p:cNvGrpSpPr>
+          <p:nvPr/>
+        </p:nvGrpSpPr>
+        <p:grpSpPr bwMode="auto">
+          <a:xfrm>
+            <a:off x="3015447" y="5135356"/>
+            <a:ext cx="7046616" cy="1325325"/>
+            <a:chOff x="-16" y="84"/>
+            <a:chExt cx="4048" cy="696"/>
+          </a:xfrm>
+        </p:grpSpPr>
+        <p:sp>
+          <p:nvSpPr>
+            <p:cNvPr id="6" name="Rectangle 6"/>
+            <p:cNvSpPr>
+              <a:spLocks/>
+            </p:cNvSpPr>
+            <p:nvPr/>
+          </p:nvSpPr>
+          <p:spPr bwMode="auto">
+            <a:xfrm>
+              <a:off x="138" y="520"/>
+              <a:ext cx="248" cy="192"/>
+            </a:xfrm>
+            <a:prstGeom prst="rect">
+              <a:avLst/>
+            </a:prstGeom>
+            <a:solidFill>
+              <a:srgbClr val="F7B217"/>
+            </a:solidFill>
+            <a:ln w="25400">
+              <a:solidFill>
+                <a:srgbClr val="273272"/>
+              </a:solidFill>
+              <a:round/>
+              <a:headEnd/>
+              <a:tailEnd/>
+            </a:ln>
+          </p:spPr>
+          <p:txBody>
+            <a:bodyPr wrap="none" lIns="0" tIns="0" rIns="0" bIns="0">
+              <a:prstTxWarp prst="textNoShape">
+                <a:avLst/>
+              </a:prstTxWarp>
+              <a:spAutoFit/>
+            </a:bodyPr>
+            <a:lstStyle/>
+            <a:p>
+              <a:pPr algn="ctr" eaLnBrk="1" hangingPunct="1"/>
+              <a:endParaRPr lang="en-US" sz="4200" b="0" smtClean="0">
+                <a:solidFill>
+                  <a:srgbClr val="000000"/>
+                </a:solidFill>
+                <a:latin typeface="Gill Sans" charset="0"/>
+                <a:ea typeface="ヒラギノ角ゴ ProN W3" charset="-128"/>
+                <a:cs typeface="ヒラギノ角ゴ ProN W3" charset="-128"/>
+                <a:sym typeface="Gill Sans" charset="0"/>
+              </a:endParaRPr>
+            </a:p>
+          </p:txBody>
+        </p:sp>
+        <p:sp>
+          <p:nvSpPr>
+            <p:cNvPr id="7" name="Rectangle 7"/>
+            <p:cNvSpPr>
+              <a:spLocks/>
+            </p:cNvSpPr>
+            <p:nvPr/>
+          </p:nvSpPr>
+          <p:spPr bwMode="auto">
+            <a:xfrm>
+              <a:off x="378" y="520"/>
+              <a:ext cx="248" cy="192"/>
+            </a:xfrm>
+            <a:prstGeom prst="rect">
+              <a:avLst/>
+            </a:prstGeom>
+            <a:solidFill>
+              <a:srgbClr val="F7B217"/>
+            </a:solidFill>
+            <a:ln w="25400">
+              <a:solidFill>
+                <a:srgbClr val="273272"/>
+              </a:solidFill>
+              <a:round/>
+              <a:headEnd/>
+              <a:tailEnd/>
+            </a:ln>
+          </p:spPr>
+          <p:txBody>
+            <a:bodyPr wrap="none" lIns="0" tIns="0" rIns="0" bIns="0">
+              <a:prstTxWarp prst="textNoShape">
+                <a:avLst/>
+              </a:prstTxWarp>
+              <a:spAutoFit/>
+            </a:bodyPr>
+            <a:lstStyle/>
+            <a:p>
+              <a:pPr algn="ctr" eaLnBrk="1" hangingPunct="1"/>
+              <a:endParaRPr lang="en-US" sz="4200" b="0" smtClean="0">
+                <a:solidFill>
+                  <a:srgbClr val="000000"/>
+                </a:solidFill>
+                <a:latin typeface="Gill Sans" charset="0"/>
+                <a:ea typeface="ヒラギノ角ゴ ProN W3" charset="-128"/>
+                <a:cs typeface="ヒラギノ角ゴ ProN W3" charset="-128"/>
+                <a:sym typeface="Gill Sans" charset="0"/>
+              </a:endParaRPr>
+            </a:p>
+          </p:txBody>
+        </p:sp>
+        <p:sp>
+          <p:nvSpPr>
+            <p:cNvPr id="8" name="Rectangle 8"/>
+            <p:cNvSpPr>
+              <a:spLocks/>
+            </p:cNvSpPr>
+            <p:nvPr/>
+          </p:nvSpPr>
+          <p:spPr bwMode="auto">
+            <a:xfrm>
+              <a:off x="618" y="520"/>
+              <a:ext cx="248" cy="192"/>
+            </a:xfrm>
+            <a:prstGeom prst="rect">
+              <a:avLst/>
+            </a:prstGeom>
+            <a:solidFill>
+              <a:srgbClr val="F7B217"/>
+            </a:solidFill>
+            <a:ln w="25400">
+              <a:solidFill>
+                <a:srgbClr val="273272"/>
+              </a:solidFill>
+              <a:round/>
+              <a:headEnd/>
+              <a:tailEnd/>
+            </a:ln>
+          </p:spPr>
+          <p:txBody>
+            <a:bodyPr wrap="none" lIns="0" tIns="0" rIns="0" bIns="0">
+              <a:prstTxWarp prst="textNoShape">
+                <a:avLst/>
+              </a:prstTxWarp>
+              <a:spAutoFit/>
+            </a:bodyPr>
+            <a:lstStyle/>
+            <a:p>
+              <a:pPr algn="ctr" eaLnBrk="1" hangingPunct="1"/>
+              <a:endParaRPr lang="en-US" sz="4200" b="0" smtClean="0">
+                <a:solidFill>
+                  <a:srgbClr val="000000"/>
+                </a:solidFill>
+                <a:latin typeface="Gill Sans" charset="0"/>
+                <a:ea typeface="ヒラギノ角ゴ ProN W3" charset="-128"/>
+                <a:cs typeface="ヒラギノ角ゴ ProN W3" charset="-128"/>
+                <a:sym typeface="Gill Sans" charset="0"/>
+              </a:endParaRPr>
+            </a:p>
+          </p:txBody>
+        </p:sp>
+        <p:sp>
+          <p:nvSpPr>
+            <p:cNvPr id="9" name="Rectangle 9"/>
+            <p:cNvSpPr>
+              <a:spLocks/>
+            </p:cNvSpPr>
+            <p:nvPr/>
+          </p:nvSpPr>
+          <p:spPr bwMode="auto">
+            <a:xfrm>
+              <a:off x="858" y="520"/>
+              <a:ext cx="248" cy="192"/>
+            </a:xfrm>
+            <a:prstGeom prst="rect">
+              <a:avLst/>
+            </a:prstGeom>
+            <a:solidFill>
+              <a:srgbClr val="F7B217"/>
+            </a:solidFill>
+            <a:ln w="25400">
+              <a:solidFill>
+                <a:srgbClr val="273272"/>
+              </a:solidFill>
+              <a:round/>
+              <a:headEnd/>
+              <a:tailEnd/>
+            </a:ln>
+          </p:spPr>
+          <p:txBody>
+            <a:bodyPr wrap="none" lIns="0" tIns="0" rIns="0" bIns="0">
+              <a:prstTxWarp prst="textNoShape">
+                <a:avLst/>
+              </a:prstTxWarp>
+              <a:spAutoFit/>
+            </a:bodyPr>
+            <a:lstStyle/>
+            <a:p>
+              <a:pPr algn="ctr" eaLnBrk="1" hangingPunct="1"/>
+              <a:endParaRPr lang="en-US" sz="4200" b="0" smtClean="0">
+                <a:solidFill>
+                  <a:srgbClr val="000000"/>
+                </a:solidFill>
+                <a:latin typeface="Gill Sans" charset="0"/>
+                <a:ea typeface="ヒラギノ角ゴ ProN W3" charset="-128"/>
+                <a:cs typeface="ヒラギノ角ゴ ProN W3" charset="-128"/>
+                <a:sym typeface="Gill Sans" charset="0"/>
+              </a:endParaRPr>
+            </a:p>
+          </p:txBody>
+        </p:sp>
+        <p:sp>
+          <p:nvSpPr>
+            <p:cNvPr id="10" name="Rectangle 10"/>
+            <p:cNvSpPr>
+              <a:spLocks/>
+            </p:cNvSpPr>
+            <p:nvPr/>
+          </p:nvSpPr>
+          <p:spPr bwMode="auto">
+            <a:xfrm>
+              <a:off x="1098" y="520"/>
+              <a:ext cx="248" cy="192"/>
+            </a:xfrm>
+            <a:prstGeom prst="rect">
+              <a:avLst/>
+            </a:prstGeom>
+            <a:solidFill>
+              <a:srgbClr val="F7B217"/>
+            </a:solidFill>
+            <a:ln w="25400">
+              <a:solidFill>
+                <a:srgbClr val="273272"/>
+              </a:solidFill>
+              <a:round/>
+              <a:headEnd/>
+              <a:tailEnd/>
+            </a:ln>
+          </p:spPr>
+          <p:txBody>
+            <a:bodyPr wrap="none" lIns="0" tIns="0" rIns="0" bIns="0">
+              <a:prstTxWarp prst="textNoShape">
+                <a:avLst/>
+              </a:prstTxWarp>
+              <a:spAutoFit/>
+            </a:bodyPr>
+            <a:lstStyle/>
+            <a:p>
+              <a:pPr algn="ctr" eaLnBrk="1" hangingPunct="1"/>
+              <a:endParaRPr lang="en-US" sz="4200" b="0" smtClean="0">
+                <a:solidFill>
+                  <a:srgbClr val="000000"/>
+                </a:solidFill>
+                <a:latin typeface="Gill Sans" charset="0"/>
+                <a:ea typeface="ヒラギノ角ゴ ProN W3" charset="-128"/>
+                <a:cs typeface="ヒラギノ角ゴ ProN W3" charset="-128"/>
+                <a:sym typeface="Gill Sans" charset="0"/>
+              </a:endParaRPr>
+            </a:p>
+          </p:txBody>
+        </p:sp>
+        <p:sp>
+          <p:nvSpPr>
+            <p:cNvPr id="11" name="Rectangle 11"/>
+            <p:cNvSpPr>
+              <a:spLocks/>
+            </p:cNvSpPr>
+            <p:nvPr/>
+          </p:nvSpPr>
+          <p:spPr bwMode="auto">
+            <a:xfrm>
+              <a:off x="1338" y="520"/>
+              <a:ext cx="968" cy="192"/>
+            </a:xfrm>
+            <a:prstGeom prst="rect">
+              <a:avLst/>
+            </a:prstGeom>
+            <a:solidFill>
+              <a:srgbClr val="F7B217"/>
+            </a:solidFill>
+            <a:ln w="25400">
+              <a:solidFill>
+                <a:srgbClr val="273272"/>
+              </a:solidFill>
+              <a:round/>
+              <a:headEnd/>
+              <a:tailEnd/>
+            </a:ln>
+          </p:spPr>
+          <p:txBody>
+            <a:bodyPr lIns="0" tIns="0" rIns="0" bIns="0">
+              <a:prstTxWarp prst="textNoShape">
+                <a:avLst/>
+              </a:prstTxWarp>
+            </a:bodyPr>
+            <a:lstStyle/>
+            <a:p>
+              <a:pPr algn="ctr" eaLnBrk="1" hangingPunct="1"/>
+              <a:endParaRPr lang="en-US" sz="4200" b="0" smtClean="0">
+                <a:solidFill>
+                  <a:srgbClr val="000000"/>
+                </a:solidFill>
+                <a:latin typeface="Gill Sans" charset="0"/>
+                <a:ea typeface="ヒラギノ角ゴ ProN W3" charset="-128"/>
+                <a:cs typeface="ヒラギノ角ゴ ProN W3" charset="-128"/>
+                <a:sym typeface="Gill Sans" charset="0"/>
+              </a:endParaRPr>
+            </a:p>
+          </p:txBody>
+        </p:sp>
+        <p:sp>
+          <p:nvSpPr>
+            <p:cNvPr id="12" name="Rectangle 12"/>
+            <p:cNvSpPr>
+              <a:spLocks/>
+            </p:cNvSpPr>
+            <p:nvPr/>
+          </p:nvSpPr>
+          <p:spPr bwMode="auto">
+            <a:xfrm>
+              <a:off x="2298" y="520"/>
+              <a:ext cx="248" cy="192"/>
+            </a:xfrm>
+            <a:prstGeom prst="rect">
+              <a:avLst/>
+            </a:prstGeom>
+            <a:solidFill>
+              <a:srgbClr val="F7B217"/>
+            </a:solidFill>
+            <a:ln w="25400">
+              <a:solidFill>
+                <a:srgbClr val="273272"/>
+              </a:solidFill>
+              <a:round/>
+              <a:headEnd/>
+              <a:tailEnd/>
+            </a:ln>
+          </p:spPr>
+          <p:txBody>
+            <a:bodyPr wrap="none" lIns="0" tIns="0" rIns="0" bIns="0">
+              <a:prstTxWarp prst="textNoShape">
+                <a:avLst/>
+              </a:prstTxWarp>
+              <a:spAutoFit/>
+            </a:bodyPr>
+            <a:lstStyle/>
+            <a:p>
+              <a:pPr algn="ctr" eaLnBrk="1" hangingPunct="1"/>
+              <a:endParaRPr lang="en-US" sz="4200" b="0" smtClean="0">
+                <a:solidFill>
+                  <a:srgbClr val="000000"/>
+                </a:solidFill>
+                <a:latin typeface="Gill Sans" charset="0"/>
+                <a:ea typeface="ヒラギノ角ゴ ProN W3" charset="-128"/>
+                <a:cs typeface="ヒラギノ角ゴ ProN W3" charset="-128"/>
+                <a:sym typeface="Gill Sans" charset="0"/>
+              </a:endParaRPr>
+            </a:p>
+          </p:txBody>
+        </p:sp>
+        <p:sp>
+          <p:nvSpPr>
+            <p:cNvPr id="13" name="Rectangle 13"/>
+            <p:cNvSpPr>
+              <a:spLocks/>
+            </p:cNvSpPr>
+            <p:nvPr/>
+          </p:nvSpPr>
+          <p:spPr bwMode="auto">
+            <a:xfrm>
+              <a:off x="2538" y="520"/>
+              <a:ext cx="248" cy="192"/>
+            </a:xfrm>
+            <a:prstGeom prst="rect">
+              <a:avLst/>
+            </a:prstGeom>
+            <a:solidFill>
+              <a:srgbClr val="F7B217"/>
+            </a:solidFill>
+            <a:ln w="25400">
+              <a:solidFill>
+                <a:srgbClr val="273272"/>
+              </a:solidFill>
+              <a:round/>
+              <a:headEnd/>
+              <a:tailEnd/>
+            </a:ln>
+          </p:spPr>
+          <p:txBody>
+            <a:bodyPr wrap="none" lIns="0" tIns="0" rIns="0" bIns="0">
+              <a:prstTxWarp prst="textNoShape">
+                <a:avLst/>
+              </a:prstTxWarp>
+              <a:spAutoFit/>
+            </a:bodyPr>
+            <a:lstStyle/>
+            <a:p>
+              <a:pPr algn="ctr" eaLnBrk="1" hangingPunct="1"/>
+              <a:endParaRPr lang="en-US" sz="4200" b="0" smtClean="0">
+                <a:solidFill>
+                  <a:srgbClr val="000000"/>
+                </a:solidFill>
+                <a:latin typeface="Gill Sans" charset="0"/>
+                <a:ea typeface="ヒラギノ角ゴ ProN W3" charset="-128"/>
+                <a:cs typeface="ヒラギノ角ゴ ProN W3" charset="-128"/>
+                <a:sym typeface="Gill Sans" charset="0"/>
+              </a:endParaRPr>
+            </a:p>
+          </p:txBody>
+        </p:sp>
+        <p:sp>
+          <p:nvSpPr>
+            <p:cNvPr id="14" name="Rectangle 14"/>
+            <p:cNvSpPr>
+              <a:spLocks/>
+            </p:cNvSpPr>
+            <p:nvPr/>
+          </p:nvSpPr>
+          <p:spPr bwMode="auto">
+            <a:xfrm>
+              <a:off x="2778" y="520"/>
+              <a:ext cx="248" cy="192"/>
+            </a:xfrm>
+            <a:prstGeom prst="rect">
+              <a:avLst/>
+            </a:prstGeom>
+            <a:solidFill>
+              <a:srgbClr val="F7B217"/>
+            </a:solidFill>
+            <a:ln w="25400">
+              <a:solidFill>
+                <a:srgbClr val="273272"/>
+              </a:solidFill>
+              <a:round/>
+              <a:headEnd/>
+              <a:tailEnd/>
+            </a:ln>
+          </p:spPr>
+          <p:txBody>
+            <a:bodyPr wrap="none" lIns="0" tIns="0" rIns="0" bIns="0">
+              <a:prstTxWarp prst="textNoShape">
+                <a:avLst/>
+              </a:prstTxWarp>
+              <a:spAutoFit/>
+            </a:bodyPr>
+            <a:lstStyle/>
+            <a:p>
+              <a:pPr algn="ctr" eaLnBrk="1" hangingPunct="1"/>
+              <a:endParaRPr lang="en-US" sz="4200" b="0" smtClean="0">
+                <a:solidFill>
+                  <a:srgbClr val="000000"/>
+                </a:solidFill>
+                <a:latin typeface="Gill Sans" charset="0"/>
+                <a:ea typeface="ヒラギノ角ゴ ProN W3" charset="-128"/>
+                <a:cs typeface="ヒラギノ角ゴ ProN W3" charset="-128"/>
+                <a:sym typeface="Gill Sans" charset="0"/>
+              </a:endParaRPr>
+            </a:p>
+          </p:txBody>
+        </p:sp>
+        <p:sp>
+          <p:nvSpPr>
+            <p:cNvPr id="15" name="Rectangle 15"/>
+            <p:cNvSpPr>
+              <a:spLocks/>
+            </p:cNvSpPr>
+            <p:nvPr/>
+          </p:nvSpPr>
+          <p:spPr bwMode="auto">
+            <a:xfrm>
+              <a:off x="3018" y="520"/>
+              <a:ext cx="248" cy="192"/>
+            </a:xfrm>
+            <a:prstGeom prst="rect">
+              <a:avLst/>
+            </a:prstGeom>
+            <a:solidFill>
+              <a:srgbClr val="F7B217"/>
+            </a:solidFill>
+            <a:ln w="25400">
+              <a:solidFill>
+                <a:srgbClr val="273272"/>
+              </a:solidFill>
+              <a:round/>
+              <a:headEnd/>
+              <a:tailEnd/>
+            </a:ln>
+          </p:spPr>
+          <p:txBody>
+            <a:bodyPr wrap="none" lIns="0" tIns="0" rIns="0" bIns="0">
+              <a:prstTxWarp prst="textNoShape">
+                <a:avLst/>
+              </a:prstTxWarp>
+              <a:spAutoFit/>
+            </a:bodyPr>
+            <a:lstStyle/>
+            <a:p>
+              <a:pPr algn="ctr" eaLnBrk="1" hangingPunct="1"/>
+              <a:endParaRPr lang="en-US" sz="4200" b="0" smtClean="0">
+                <a:solidFill>
+                  <a:srgbClr val="000000"/>
+                </a:solidFill>
+                <a:latin typeface="Gill Sans" charset="0"/>
+                <a:ea typeface="ヒラギノ角ゴ ProN W3" charset="-128"/>
+                <a:cs typeface="ヒラギノ角ゴ ProN W3" charset="-128"/>
+                <a:sym typeface="Gill Sans" charset="0"/>
+              </a:endParaRPr>
+            </a:p>
+          </p:txBody>
+        </p:sp>
+        <p:sp>
+          <p:nvSpPr>
+            <p:cNvPr id="16" name="Rectangle 16"/>
+            <p:cNvSpPr>
+              <a:spLocks/>
+            </p:cNvSpPr>
+            <p:nvPr/>
+          </p:nvSpPr>
+          <p:spPr bwMode="auto">
+            <a:xfrm>
+              <a:off x="3258" y="520"/>
+              <a:ext cx="248" cy="192"/>
+            </a:xfrm>
+            <a:prstGeom prst="rect">
+              <a:avLst/>
+            </a:prstGeom>
+            <a:solidFill>
+              <a:srgbClr val="F7B217"/>
+            </a:solidFill>
+            <a:ln w="25400">
+              <a:solidFill>
+                <a:srgbClr val="273272"/>
+              </a:solidFill>
+              <a:round/>
+              <a:headEnd/>
+              <a:tailEnd/>
+            </a:ln>
+          </p:spPr>
+          <p:txBody>
+            <a:bodyPr wrap="none" lIns="0" tIns="0" rIns="0" bIns="0">
+              <a:prstTxWarp prst="textNoShape">
+                <a:avLst/>
+              </a:prstTxWarp>
+              <a:spAutoFit/>
+            </a:bodyPr>
+            <a:lstStyle/>
+            <a:p>
+              <a:pPr algn="ctr" eaLnBrk="1" hangingPunct="1"/>
+              <a:endParaRPr lang="en-US" sz="4200" b="0" smtClean="0">
+                <a:solidFill>
+                  <a:srgbClr val="000000"/>
+                </a:solidFill>
+                <a:latin typeface="Gill Sans" charset="0"/>
+                <a:ea typeface="ヒラギノ角ゴ ProN W3" charset="-128"/>
+                <a:cs typeface="ヒラギノ角ゴ ProN W3" charset="-128"/>
+                <a:sym typeface="Gill Sans" charset="0"/>
+              </a:endParaRPr>
+            </a:p>
+          </p:txBody>
+        </p:sp>
+        <p:sp>
+          <p:nvSpPr>
+            <p:cNvPr id="17" name="Rectangle 17"/>
+            <p:cNvSpPr>
+              <a:spLocks/>
+            </p:cNvSpPr>
+            <p:nvPr/>
+          </p:nvSpPr>
+          <p:spPr bwMode="auto">
+            <a:xfrm>
+              <a:off x="3498" y="520"/>
+              <a:ext cx="248" cy="192"/>
+            </a:xfrm>
+            <a:prstGeom prst="rect">
+              <a:avLst/>
+            </a:prstGeom>
+            <a:solidFill>
+              <a:srgbClr val="F7B217"/>
+            </a:solidFill>
+            <a:ln w="25400">
+              <a:solidFill>
+                <a:srgbClr val="273272"/>
+              </a:solidFill>
+              <a:round/>
+              <a:headEnd/>
+              <a:tailEnd/>
+            </a:ln>
+          </p:spPr>
+          <p:txBody>
+            <a:bodyPr wrap="none" lIns="0" tIns="0" rIns="0" bIns="0">
+              <a:prstTxWarp prst="textNoShape">
+                <a:avLst/>
+              </a:prstTxWarp>
+              <a:spAutoFit/>
+            </a:bodyPr>
+            <a:lstStyle/>
+            <a:p>
+              <a:pPr algn="ctr" eaLnBrk="1" hangingPunct="1"/>
+              <a:endParaRPr lang="en-US" sz="4200" b="0" smtClean="0">
+                <a:solidFill>
+                  <a:srgbClr val="000000"/>
+                </a:solidFill>
+                <a:latin typeface="Gill Sans" charset="0"/>
+                <a:ea typeface="ヒラギノ角ゴ ProN W3" charset="-128"/>
+                <a:cs typeface="ヒラギノ角ゴ ProN W3" charset="-128"/>
+                <a:sym typeface="Gill Sans" charset="0"/>
+              </a:endParaRPr>
+            </a:p>
+          </p:txBody>
+        </p:sp>
+        <p:sp>
+          <p:nvSpPr>
+            <p:cNvPr id="18" name="Rectangle 18"/>
+            <p:cNvSpPr>
+              <a:spLocks/>
+            </p:cNvSpPr>
+            <p:nvPr/>
+          </p:nvSpPr>
+          <p:spPr bwMode="auto">
+            <a:xfrm>
+              <a:off x="1332" y="484"/>
+              <a:ext cx="968" cy="296"/>
+            </a:xfrm>
+            <a:prstGeom prst="rect">
+              <a:avLst/>
+            </a:prstGeom>
+            <a:noFill/>
+            <a:ln w="19050">
+              <a:noFill/>
+              <a:miter lim="800000"/>
+              <a:headEnd/>
+              <a:tailEnd/>
+            </a:ln>
+          </p:spPr>
+          <p:txBody>
+            <a:bodyPr lIns="50800" tIns="50800" rIns="45720" bIns="50800">
+              <a:prstTxWarp prst="textNoShape">
+                <a:avLst/>
+              </a:prstTxWarp>
+            </a:bodyPr>
+            <a:lstStyle/>
+            <a:p>
+              <a:pPr algn="ctr" eaLnBrk="1" hangingPunct="1">
+                <a:lnSpc>
+                  <a:spcPct val="90000"/>
+                </a:lnSpc>
+              </a:pPr>
+              <a:r>
+                <a:rPr lang="en-US" dirty="0">
+                  <a:solidFill>
+                    <a:srgbClr val="000066"/>
+                  </a:solidFill>
+                  <a:latin typeface="Helvetica" charset="0"/>
+                  <a:ea typeface="Helvetica" charset="0"/>
+                  <a:cs typeface="Helvetica" charset="0"/>
+                  <a:sym typeface="Helvetica" charset="0"/>
+                </a:rPr>
+                <a:t>• • •</a:t>
+              </a:r>
+            </a:p>
+          </p:txBody>
+        </p:sp>
+        <p:sp>
+          <p:nvSpPr>
+            <p:cNvPr id="19" name="Rectangle 19"/>
+            <p:cNvSpPr>
+              <a:spLocks/>
+            </p:cNvSpPr>
+            <p:nvPr/>
+          </p:nvSpPr>
+          <p:spPr bwMode="auto">
+            <a:xfrm rot="19020000">
+              <a:off x="-16" y="84"/>
+              <a:ext cx="617" cy="258"/>
+            </a:xfrm>
+            <a:prstGeom prst="rect">
+              <a:avLst/>
+            </a:prstGeom>
+            <a:noFill/>
+            <a:ln w="19050">
+              <a:noFill/>
+              <a:miter lim="800000"/>
+              <a:headEnd/>
+              <a:tailEnd/>
+            </a:ln>
+          </p:spPr>
+          <p:txBody>
+            <a:bodyPr wrap="none" lIns="50800" tIns="50800" rIns="45720" bIns="50800">
+              <a:prstTxWarp prst="textNoShape">
+                <a:avLst/>
+              </a:prstTxWarp>
+              <a:spAutoFit/>
+            </a:bodyPr>
+            <a:lstStyle/>
+            <a:p>
+              <a:pPr eaLnBrk="1" hangingPunct="1">
+                <a:lnSpc>
+                  <a:spcPct val="90000"/>
+                </a:lnSpc>
+              </a:pPr>
+              <a:r>
+                <a:rPr lang="en-US" sz="2800" b="0" dirty="0">
+                  <a:solidFill>
+                    <a:srgbClr val="000066"/>
+                  </a:solidFill>
+                  <a:latin typeface="Courier New Bold" charset="0"/>
+                  <a:ea typeface="Courier New Bold" charset="0"/>
+                  <a:cs typeface="Courier New Bold" charset="0"/>
+                  <a:sym typeface="Courier New Bold" charset="0"/>
+                </a:rPr>
+                <a:t>00•••0</a:t>
+              </a:r>
+            </a:p>
+          </p:txBody>
+        </p:sp>
+        <p:sp>
+          <p:nvSpPr>
+            <p:cNvPr id="20" name="Rectangle 20"/>
+            <p:cNvSpPr>
+              <a:spLocks/>
+            </p:cNvSpPr>
+            <p:nvPr/>
+          </p:nvSpPr>
+          <p:spPr bwMode="auto">
+            <a:xfrm rot="19020000">
+              <a:off x="3468" y="94"/>
+              <a:ext cx="564" cy="228"/>
+            </a:xfrm>
+            <a:prstGeom prst="rect">
+              <a:avLst/>
+            </a:prstGeom>
+            <a:noFill/>
+            <a:ln w="19050">
+              <a:noFill/>
+              <a:miter lim="800000"/>
+              <a:headEnd/>
+              <a:tailEnd/>
+            </a:ln>
+          </p:spPr>
+          <p:txBody>
+            <a:bodyPr wrap="none" lIns="50800" tIns="50800" rIns="45720" bIns="50800">
+              <a:prstTxWarp prst="textNoShape">
+                <a:avLst/>
+              </a:prstTxWarp>
+              <a:spAutoFit/>
+            </a:bodyPr>
+            <a:lstStyle/>
+            <a:p>
+              <a:pPr eaLnBrk="1" hangingPunct="1">
+                <a:lnSpc>
+                  <a:spcPct val="90000"/>
+                </a:lnSpc>
+              </a:pPr>
+              <a:r>
+                <a:rPr lang="en-US" sz="2400" b="0" dirty="0">
+                  <a:solidFill>
+                    <a:srgbClr val="000066"/>
+                  </a:solidFill>
+                  <a:latin typeface="Courier New Bold" charset="0"/>
+                  <a:ea typeface="Courier New Bold" charset="0"/>
+                  <a:cs typeface="Courier New Bold" charset="0"/>
+                  <a:sym typeface="Courier New Bold" charset="0"/>
+                </a:rPr>
+                <a:t>FF•••F</a:t>
+              </a:r>
+            </a:p>
+          </p:txBody>
+        </p:sp>
+      </p:grpSp>
+    </p:spTree>
+  </p:cSld>
+  <p:clrMapOvr>
+    <a:masterClrMapping/>
+  </p:clrMapOvr>
+  <p:timing>
+    <p:tnLst>
+      <p:par>
+        <p:cTn id="1" dur="indefinite" restart="never" nodeType="tmRoot"/>
+      </p:par>
+    </p:tnLst>
+  </p:timing>
+</p:sld>
+</file>
+
+<file path=ppt/slides/slide5.xml><?xml version="1.0" encoding="utf-8"?>
+<p:sld xmlns:a="http://schemas.openxmlformats.org/drawingml/2006/main" xmlns:r="http://schemas.openxmlformats.org/officeDocument/2006/relationships" xmlns:p="http://schemas.openxmlformats.org/presentationml/2006/main">
+  <p:cSld>
+    <p:spTree>
+      <p:nvGrpSpPr>
+        <p:cNvPr id="1" name=""/>
+        <p:cNvGrpSpPr/>
+        <p:nvPr/>
+      </p:nvGrpSpPr>
+      <p:grpSpPr>
+        <a:xfrm>
+          <a:off x="0" y="0"/>
+          <a:ext cx="0" cy="0"/>
+          <a:chOff x="0" y="0"/>
+          <a:chExt cx="0" cy="0"/>
+        </a:xfrm>
+      </p:grpSpPr>
+      <p:sp>
+        <p:nvSpPr>
+          <p:cNvPr id="2" name="Содержимое 1"/>
+          <p:cNvSpPr>
+            <a:spLocks noGrp="1"/>
+          </p:cNvSpPr>
+          <p:nvPr>
+            <p:ph idx="1"/>
+          </p:nvPr>
+        </p:nvSpPr>
+        <p:spPr>
+          <a:xfrm>
+            <a:off x="790699" y="1083052"/>
+            <a:ext cx="10734675" cy="5413247"/>
+          </a:xfrm>
+        </p:spPr>
+        <p:txBody>
+          <a:bodyPr>
+            <a:normAutofit fontScale="85000" lnSpcReduction="20000"/>
+          </a:bodyPr>
+          <a:lstStyle/>
+          <a:p>
+            <a:pPr>
+              <a:lnSpc>
+                <a:spcPct val="110000"/>
+              </a:lnSpc>
+            </a:pPr>
+            <a:r>
+              <a:rPr lang="en-US" sz="3900" dirty="0" smtClean="0"/>
+              <a:t>Word is a native unit of information handled by computer</a:t>
+            </a:r>
+          </a:p>
+          <a:p>
+            <a:pPr>
+              <a:lnSpc>
+                <a:spcPct val="110000"/>
+              </a:lnSpc>
+            </a:pPr>
+            <a:r>
+              <a:rPr lang="en-US" sz="3900" dirty="0" smtClean="0"/>
+              <a:t>Any computer </a:t>
+            </a:r>
+            <a:r>
+              <a:rPr lang="en-US" sz="3900" dirty="0" smtClean="0"/>
+              <a:t>has a </a:t>
+            </a:r>
+            <a:r>
+              <a:rPr lang="en-US" sz="3900" dirty="0" smtClean="0"/>
+              <a:t>“Word </a:t>
+            </a:r>
+            <a:r>
+              <a:rPr lang="en-US" sz="3900" dirty="0" smtClean="0"/>
+              <a:t>Size”</a:t>
+            </a:r>
+          </a:p>
+          <a:p>
+            <a:pPr marL="552450" lvl="1">
+              <a:lnSpc>
+                <a:spcPct val="110000"/>
+              </a:lnSpc>
+            </a:pPr>
+            <a:r>
+              <a:rPr lang="en-US" sz="3500" dirty="0" smtClean="0"/>
+              <a:t>Nominal size of integer-valued data</a:t>
+            </a:r>
+          </a:p>
+          <a:p>
+            <a:pPr marL="838200" lvl="2">
+              <a:lnSpc>
+                <a:spcPct val="110000"/>
+              </a:lnSpc>
+            </a:pPr>
+            <a:r>
+              <a:rPr lang="en-US" sz="2800" dirty="0" smtClean="0"/>
+              <a:t>and of addresses</a:t>
+            </a:r>
+          </a:p>
+          <a:p>
+            <a:pPr marL="552450" lvl="1">
+              <a:lnSpc>
+                <a:spcPct val="110000"/>
+              </a:lnSpc>
+            </a:pPr>
+            <a:r>
+              <a:rPr lang="en-US" dirty="0" smtClean="0"/>
+              <a:t>Until </a:t>
+            </a:r>
+            <a:r>
+              <a:rPr lang="en-US" dirty="0" smtClean="0"/>
+              <a:t>recently, most machines used 32 bits (4 bytes) as word size</a:t>
+            </a:r>
+          </a:p>
+          <a:p>
+            <a:pPr marL="838200" lvl="2">
+              <a:lnSpc>
+                <a:spcPct val="110000"/>
+              </a:lnSpc>
+            </a:pPr>
+            <a:r>
+              <a:rPr lang="en-US" sz="2800" dirty="0" smtClean="0"/>
+              <a:t>Limits addresses to 4GB (2</a:t>
+            </a:r>
+            <a:r>
+              <a:rPr lang="en-US" sz="2800" baseline="30000" dirty="0" smtClean="0"/>
+              <a:t>32</a:t>
+            </a:r>
+            <a:r>
+              <a:rPr lang="en-US" sz="2800" dirty="0" smtClean="0"/>
+              <a:t> bytes)</a:t>
+            </a:r>
+          </a:p>
+          <a:p>
+            <a:pPr marL="438150" lvl="1">
+              <a:lnSpc>
+                <a:spcPct val="110000"/>
+              </a:lnSpc>
+            </a:pPr>
+            <a:r>
+              <a:rPr lang="en-US" dirty="0" smtClean="0"/>
+              <a:t>Increasingly</a:t>
+            </a:r>
+            <a:r>
+              <a:rPr lang="en-US" dirty="0" smtClean="0"/>
+              <a:t>, machines have 64-bit word size</a:t>
+            </a:r>
+          </a:p>
+          <a:p>
+            <a:pPr marL="838200" lvl="2">
+              <a:lnSpc>
+                <a:spcPct val="110000"/>
+              </a:lnSpc>
+            </a:pPr>
+            <a:r>
+              <a:rPr lang="en-US" sz="2800" dirty="0" smtClean="0"/>
+              <a:t>Potentially, could have 18 EB (</a:t>
+            </a:r>
+            <a:r>
+              <a:rPr lang="en-US" sz="2800" dirty="0" err="1" smtClean="0"/>
+              <a:t>exabytes</a:t>
+            </a:r>
+            <a:r>
+              <a:rPr lang="en-US" sz="2800" dirty="0" smtClean="0"/>
+              <a:t>) of addressable memory</a:t>
+            </a:r>
+          </a:p>
+          <a:p>
+            <a:pPr marL="838200" lvl="2">
+              <a:lnSpc>
+                <a:spcPct val="110000"/>
+              </a:lnSpc>
+            </a:pPr>
+            <a:r>
+              <a:rPr lang="en-US" sz="2800" dirty="0" smtClean="0"/>
+              <a:t>That’s 18.4 X 10</a:t>
+            </a:r>
+            <a:r>
+              <a:rPr lang="en-US" sz="2800" baseline="30000" dirty="0" smtClean="0"/>
+              <a:t>18</a:t>
+            </a:r>
+          </a:p>
+          <a:p>
+            <a:pPr marL="552450" lvl="1">
+              <a:lnSpc>
+                <a:spcPct val="110000"/>
+              </a:lnSpc>
+            </a:pPr>
+            <a:r>
+              <a:rPr lang="en-US" dirty="0" smtClean="0"/>
+              <a:t>Machines </a:t>
+            </a:r>
+            <a:r>
+              <a:rPr lang="en-US" dirty="0" smtClean="0"/>
+              <a:t>still support multiple data formats</a:t>
+            </a:r>
+          </a:p>
+          <a:p>
+            <a:pPr marL="838200" lvl="2">
+              <a:lnSpc>
+                <a:spcPct val="110000"/>
+              </a:lnSpc>
+            </a:pPr>
+            <a:r>
+              <a:rPr lang="en-US" sz="2800" dirty="0" smtClean="0"/>
+              <a:t>Fractions or multiples of word size</a:t>
+            </a:r>
+          </a:p>
+          <a:p>
+            <a:pPr marL="838200" lvl="2">
+              <a:lnSpc>
+                <a:spcPct val="110000"/>
+              </a:lnSpc>
+            </a:pPr>
+            <a:r>
+              <a:rPr lang="en-US" sz="2800" dirty="0" smtClean="0"/>
+              <a:t>Always integral number of </a:t>
+            </a:r>
+            <a:r>
+              <a:rPr lang="en-US" sz="2800" dirty="0" smtClean="0"/>
+              <a:t>bytes</a:t>
+            </a:r>
+            <a:endParaRPr lang="en-US" sz="2800" dirty="0" smtClean="0"/>
+          </a:p>
+        </p:txBody>
+      </p:sp>
+      <p:sp>
+        <p:nvSpPr>
+          <p:cNvPr id="3" name="Номер слайда 2"/>
+          <p:cNvSpPr>
+            <a:spLocks noGrp="1"/>
+          </p:cNvSpPr>
+          <p:nvPr>
+            <p:ph type="sldNum" sz="quarter" idx="12"/>
+          </p:nvPr>
+        </p:nvSpPr>
+        <p:spPr/>
+        <p:txBody>
+          <a:bodyPr/>
+          <a:lstStyle/>
+          <a:p>
+            <a:pPr algn="ctr"/>
+            <a:fld id="{1397BFD8-F312-4EF2-A268-44FB4BDDBBB0}" type="slidenum">
+              <a:rPr lang="ru-RU" smtClean="0"/>
+              <a:pPr algn="ctr"/>
+              <a:t>5</a:t>
+            </a:fld>
+            <a:endParaRPr lang="ru-RU" dirty="0"/>
+          </a:p>
+        </p:txBody>
+      </p:sp>
+      <p:sp>
+        <p:nvSpPr>
+          <p:cNvPr id="4" name="Заголовок 3"/>
+          <p:cNvSpPr>
+            <a:spLocks noGrp="1"/>
+          </p:cNvSpPr>
+          <p:nvPr>
+            <p:ph type="title"/>
+          </p:nvPr>
+        </p:nvSpPr>
+        <p:spPr/>
+        <p:txBody>
+          <a:bodyPr/>
+          <a:lstStyle/>
+          <a:p>
+            <a:r>
+              <a:rPr lang="en-US" dirty="0" smtClean="0"/>
+              <a:t>Machine Words</a:t>
+            </a:r>
+            <a:endParaRPr lang="ru-RU" dirty="0"/>
+          </a:p>
+        </p:txBody>
+      </p:sp>
+    </p:spTree>
+  </p:cSld>
+  <p:clrMapOvr>
+    <a:masterClrMapping/>
+  </p:clrMapOvr>
+  <p:timing>
+    <p:tnLst>
+      <p:par>
+        <p:cTn id="1" dur="indefinite" restart="never" nodeType="tmRoot"/>
+      </p:par>
+    </p:tnLst>
+  </p:timing>
+</p:sld>
+</file>
+
+<file path=ppt/slides/slide6.xml><?xml version="1.0" encoding="utf-8"?>
+<p:sld xmlns:a="http://schemas.openxmlformats.org/drawingml/2006/main" xmlns:r="http://schemas.openxmlformats.org/officeDocument/2006/relationships" xmlns:p="http://schemas.openxmlformats.org/presentationml/2006/main">
+  <p:cSld>
+    <p:spTree>
+      <p:nvGrpSpPr>
+        <p:cNvPr id="1" name=""/>
+        <p:cNvGrpSpPr/>
+        <p:nvPr/>
+      </p:nvGrpSpPr>
+      <p:grpSpPr>
+        <a:xfrm>
+          <a:off x="0" y="0"/>
+          <a:ext cx="0" cy="0"/>
+          <a:chOff x="0" y="0"/>
+          <a:chExt cx="0" cy="0"/>
+        </a:xfrm>
+      </p:grpSpPr>
+      <p:sp>
+        <p:nvSpPr>
+          <p:cNvPr id="2" name="Содержимое 1"/>
+          <p:cNvSpPr>
+            <a:spLocks noGrp="1"/>
+          </p:cNvSpPr>
+          <p:nvPr>
+            <p:ph idx="1"/>
+          </p:nvPr>
+        </p:nvSpPr>
+        <p:spPr>
+          <a:xfrm>
+            <a:off x="4768824" y="1225553"/>
+            <a:ext cx="6702745" cy="4997896"/>
+          </a:xfrm>
+        </p:spPr>
+        <p:txBody>
+          <a:bodyPr/>
+          <a:lstStyle/>
+          <a:p>
+            <a:r>
+              <a:rPr lang="en-US" dirty="0" smtClean="0"/>
+              <a:t>Addresses Specify Byte Locations</a:t>
+            </a:r>
+          </a:p>
+          <a:p>
+            <a:pPr marL="552450" lvl="1"/>
+            <a:r>
+              <a:rPr lang="en-US" dirty="0" smtClean="0"/>
+              <a:t>Address of first byte in word</a:t>
+            </a:r>
+          </a:p>
+          <a:p>
+            <a:pPr marL="552450" lvl="1"/>
+            <a:r>
+              <a:rPr lang="en-US" dirty="0" smtClean="0"/>
+              <a:t>Addresses of successive words differ by 4 (32-bit) or 8 (64-bit</a:t>
+            </a:r>
+            <a:r>
+              <a:rPr lang="en-US" dirty="0" smtClean="0"/>
+              <a:t>)</a:t>
+            </a:r>
+            <a:endParaRPr lang="ru-RU" dirty="0"/>
+          </a:p>
+        </p:txBody>
+      </p:sp>
+      <p:sp>
+        <p:nvSpPr>
+          <p:cNvPr id="3" name="Номер слайда 2"/>
+          <p:cNvSpPr>
+            <a:spLocks noGrp="1"/>
+          </p:cNvSpPr>
+          <p:nvPr>
+            <p:ph type="sldNum" sz="quarter" idx="12"/>
+          </p:nvPr>
+        </p:nvSpPr>
+        <p:spPr/>
+        <p:txBody>
+          <a:bodyPr/>
+          <a:lstStyle/>
+          <a:p>
+            <a:pPr algn="ctr"/>
+            <a:fld id="{1397BFD8-F312-4EF2-A268-44FB4BDDBBB0}" type="slidenum">
+              <a:rPr lang="ru-RU" smtClean="0"/>
+              <a:pPr algn="ctr"/>
+              <a:t>6</a:t>
+            </a:fld>
+            <a:endParaRPr lang="ru-RU" dirty="0"/>
+          </a:p>
+        </p:txBody>
+      </p:sp>
+      <p:sp>
+        <p:nvSpPr>
+          <p:cNvPr id="4" name="Заголовок 3"/>
+          <p:cNvSpPr>
+            <a:spLocks noGrp="1"/>
+          </p:cNvSpPr>
+          <p:nvPr>
+            <p:ph type="title"/>
+          </p:nvPr>
+        </p:nvSpPr>
+        <p:spPr/>
+        <p:txBody>
+          <a:bodyPr/>
+          <a:lstStyle/>
+          <a:p>
+            <a:r>
+              <a:rPr lang="en-US" dirty="0" smtClean="0"/>
+              <a:t>Word-Oriented Memory Organization</a:t>
+            </a:r>
+            <a:endParaRPr lang="ru-RU" dirty="0"/>
+          </a:p>
+        </p:txBody>
+      </p:sp>
+      <p:grpSp>
+        <p:nvGrpSpPr>
+          <p:cNvPr id="5" name="Group 5"/>
+          <p:cNvGrpSpPr>
+            <a:grpSpLocks/>
+          </p:cNvGrpSpPr>
+          <p:nvPr/>
+        </p:nvGrpSpPr>
+        <p:grpSpPr bwMode="auto">
+          <a:xfrm>
+            <a:off x="956575" y="1095500"/>
+            <a:ext cx="3467100" cy="5591175"/>
+            <a:chOff x="0" y="0"/>
+            <a:chExt cx="2184" cy="3522"/>
+          </a:xfrm>
+        </p:grpSpPr>
+        <p:sp>
+          <p:nvSpPr>
+            <p:cNvPr id="6" name="Rectangle 6"/>
+            <p:cNvSpPr>
+              <a:spLocks/>
+            </p:cNvSpPr>
+            <p:nvPr/>
+          </p:nvSpPr>
+          <p:spPr bwMode="auto">
+            <a:xfrm>
+              <a:off x="1253" y="418"/>
+              <a:ext cx="384" cy="192"/>
+            </a:xfrm>
+            <a:prstGeom prst="rect">
+              <a:avLst/>
+            </a:prstGeom>
+            <a:solidFill>
+              <a:srgbClr val="FFFFFF"/>
+            </a:solidFill>
+            <a:ln w="25400">
+              <a:solidFill>
+                <a:srgbClr val="000066"/>
+              </a:solidFill>
+              <a:miter lim="800000"/>
+              <a:headEnd/>
+              <a:tailEnd/>
+            </a:ln>
+          </p:spPr>
+          <p:txBody>
+            <a:bodyPr lIns="0" tIns="0" rIns="0" bIns="0">
+              <a:prstTxWarp prst="textNoShape">
+                <a:avLst/>
+              </a:prstTxWarp>
+            </a:bodyPr>
+            <a:lstStyle/>
+            <a:p>
+              <a:pPr algn="ctr" eaLnBrk="1" hangingPunct="1"/>
+              <a:endParaRPr lang="en-US" sz="4200" b="0" smtClean="0">
+                <a:solidFill>
+                  <a:srgbClr val="000000"/>
+                </a:solidFill>
+                <a:latin typeface="Gill Sans" charset="0"/>
+                <a:ea typeface="ヒラギノ角ゴ ProN W3" charset="-128"/>
+                <a:cs typeface="ヒラギノ角ゴ ProN W3" charset="-128"/>
+                <a:sym typeface="Gill Sans" charset="0"/>
+              </a:endParaRPr>
+            </a:p>
+          </p:txBody>
+        </p:sp>
+        <p:sp>
+          <p:nvSpPr>
+            <p:cNvPr id="7" name="Rectangle 7"/>
+            <p:cNvSpPr>
+              <a:spLocks/>
+            </p:cNvSpPr>
+            <p:nvPr/>
+          </p:nvSpPr>
+          <p:spPr bwMode="auto">
+            <a:xfrm>
+              <a:off x="1253" y="610"/>
+              <a:ext cx="384" cy="192"/>
+            </a:xfrm>
+            <a:prstGeom prst="rect">
+              <a:avLst/>
+            </a:prstGeom>
+            <a:solidFill>
+              <a:srgbClr val="FFFFFF"/>
+            </a:solidFill>
+            <a:ln w="25400">
+              <a:solidFill>
+                <a:srgbClr val="000066"/>
+              </a:solidFill>
+              <a:miter lim="800000"/>
+              <a:headEnd/>
+              <a:tailEnd/>
+            </a:ln>
+          </p:spPr>
+          <p:txBody>
+            <a:bodyPr lIns="0" tIns="0" rIns="0" bIns="0">
+              <a:prstTxWarp prst="textNoShape">
+                <a:avLst/>
+              </a:prstTxWarp>
+            </a:bodyPr>
+            <a:lstStyle/>
+            <a:p>
+              <a:pPr algn="ctr" eaLnBrk="1" hangingPunct="1"/>
+              <a:endParaRPr lang="en-US" sz="4200" b="0" smtClean="0">
+                <a:solidFill>
+                  <a:srgbClr val="000000"/>
+                </a:solidFill>
+                <a:latin typeface="Gill Sans" charset="0"/>
+                <a:ea typeface="ヒラギノ角ゴ ProN W3" charset="-128"/>
+                <a:cs typeface="ヒラギノ角ゴ ProN W3" charset="-128"/>
+                <a:sym typeface="Gill Sans" charset="0"/>
+              </a:endParaRPr>
+            </a:p>
+          </p:txBody>
+        </p:sp>
+        <p:sp>
+          <p:nvSpPr>
+            <p:cNvPr id="8" name="Rectangle 8"/>
+            <p:cNvSpPr>
+              <a:spLocks/>
+            </p:cNvSpPr>
+            <p:nvPr/>
+          </p:nvSpPr>
+          <p:spPr bwMode="auto">
+            <a:xfrm>
+              <a:off x="1253" y="802"/>
+              <a:ext cx="384" cy="192"/>
+            </a:xfrm>
+            <a:prstGeom prst="rect">
+              <a:avLst/>
+            </a:prstGeom>
+            <a:solidFill>
+              <a:srgbClr val="FFFFFF"/>
+            </a:solidFill>
+            <a:ln w="25400">
+              <a:solidFill>
+                <a:srgbClr val="000066"/>
+              </a:solidFill>
+              <a:miter lim="800000"/>
+              <a:headEnd/>
+              <a:tailEnd/>
+            </a:ln>
+          </p:spPr>
+          <p:txBody>
+            <a:bodyPr lIns="0" tIns="0" rIns="0" bIns="0">
+              <a:prstTxWarp prst="textNoShape">
+                <a:avLst/>
+              </a:prstTxWarp>
+            </a:bodyPr>
+            <a:lstStyle/>
+            <a:p>
+              <a:pPr algn="ctr" eaLnBrk="1" hangingPunct="1"/>
+              <a:endParaRPr lang="en-US" sz="4200" b="0" smtClean="0">
+                <a:solidFill>
+                  <a:srgbClr val="000000"/>
+                </a:solidFill>
+                <a:latin typeface="Gill Sans" charset="0"/>
+                <a:ea typeface="ヒラギノ角ゴ ProN W3" charset="-128"/>
+                <a:cs typeface="ヒラギノ角ゴ ProN W3" charset="-128"/>
+                <a:sym typeface="Gill Sans" charset="0"/>
+              </a:endParaRPr>
+            </a:p>
+          </p:txBody>
+        </p:sp>
+        <p:sp>
+          <p:nvSpPr>
+            <p:cNvPr id="9" name="Rectangle 9"/>
+            <p:cNvSpPr>
+              <a:spLocks/>
+            </p:cNvSpPr>
+            <p:nvPr/>
+          </p:nvSpPr>
+          <p:spPr bwMode="auto">
+            <a:xfrm>
+              <a:off x="1253" y="994"/>
+              <a:ext cx="384" cy="192"/>
+            </a:xfrm>
+            <a:prstGeom prst="rect">
+              <a:avLst/>
+            </a:prstGeom>
+            <a:solidFill>
+              <a:srgbClr val="FFFFFF"/>
+            </a:solidFill>
+            <a:ln w="25400">
+              <a:solidFill>
+                <a:srgbClr val="000066"/>
+              </a:solidFill>
+              <a:miter lim="800000"/>
+              <a:headEnd/>
+              <a:tailEnd/>
+            </a:ln>
+          </p:spPr>
+          <p:txBody>
+            <a:bodyPr lIns="0" tIns="0" rIns="0" bIns="0">
+              <a:prstTxWarp prst="textNoShape">
+                <a:avLst/>
+              </a:prstTxWarp>
+            </a:bodyPr>
+            <a:lstStyle/>
+            <a:p>
+              <a:pPr algn="ctr" eaLnBrk="1" hangingPunct="1"/>
+              <a:endParaRPr lang="en-US" sz="4200" b="0" smtClean="0">
+                <a:solidFill>
+                  <a:srgbClr val="000000"/>
+                </a:solidFill>
+                <a:latin typeface="Gill Sans" charset="0"/>
+                <a:ea typeface="ヒラギノ角ゴ ProN W3" charset="-128"/>
+                <a:cs typeface="ヒラギノ角ゴ ProN W3" charset="-128"/>
+                <a:sym typeface="Gill Sans" charset="0"/>
+              </a:endParaRPr>
+            </a:p>
+          </p:txBody>
+        </p:sp>
+        <p:sp>
+          <p:nvSpPr>
+            <p:cNvPr id="10" name="Rectangle 10"/>
+            <p:cNvSpPr>
+              <a:spLocks/>
+            </p:cNvSpPr>
+            <p:nvPr/>
+          </p:nvSpPr>
+          <p:spPr bwMode="auto">
+            <a:xfrm>
+              <a:off x="1253" y="1186"/>
+              <a:ext cx="384" cy="192"/>
+            </a:xfrm>
+            <a:prstGeom prst="rect">
+              <a:avLst/>
+            </a:prstGeom>
+            <a:solidFill>
+              <a:srgbClr val="FFFFFF"/>
+            </a:solidFill>
+            <a:ln w="25400">
+              <a:solidFill>
+                <a:srgbClr val="000066"/>
+              </a:solidFill>
+              <a:miter lim="800000"/>
+              <a:headEnd/>
+              <a:tailEnd/>
+            </a:ln>
+          </p:spPr>
+          <p:txBody>
+            <a:bodyPr lIns="0" tIns="0" rIns="0" bIns="0">
+              <a:prstTxWarp prst="textNoShape">
+                <a:avLst/>
+              </a:prstTxWarp>
+            </a:bodyPr>
+            <a:lstStyle/>
+            <a:p>
+              <a:pPr algn="ctr" eaLnBrk="1" hangingPunct="1"/>
+              <a:endParaRPr lang="en-US" sz="4200" b="0" smtClean="0">
+                <a:solidFill>
+                  <a:srgbClr val="000000"/>
+                </a:solidFill>
+                <a:latin typeface="Gill Sans" charset="0"/>
+                <a:ea typeface="ヒラギノ角ゴ ProN W3" charset="-128"/>
+                <a:cs typeface="ヒラギノ角ゴ ProN W3" charset="-128"/>
+                <a:sym typeface="Gill Sans" charset="0"/>
+              </a:endParaRPr>
+            </a:p>
+          </p:txBody>
+        </p:sp>
+        <p:sp>
+          <p:nvSpPr>
+            <p:cNvPr id="11" name="Rectangle 11"/>
+            <p:cNvSpPr>
+              <a:spLocks/>
+            </p:cNvSpPr>
+            <p:nvPr/>
+          </p:nvSpPr>
+          <p:spPr bwMode="auto">
+            <a:xfrm>
+              <a:off x="1253" y="1378"/>
+              <a:ext cx="384" cy="192"/>
+            </a:xfrm>
+            <a:prstGeom prst="rect">
+              <a:avLst/>
+            </a:prstGeom>
+            <a:solidFill>
+              <a:srgbClr val="FFFFFF"/>
+            </a:solidFill>
+            <a:ln w="25400">
+              <a:solidFill>
+                <a:srgbClr val="000066"/>
+              </a:solidFill>
+              <a:miter lim="800000"/>
+              <a:headEnd/>
+              <a:tailEnd/>
+            </a:ln>
+          </p:spPr>
+          <p:txBody>
+            <a:bodyPr lIns="0" tIns="0" rIns="0" bIns="0">
+              <a:prstTxWarp prst="textNoShape">
+                <a:avLst/>
+              </a:prstTxWarp>
+            </a:bodyPr>
+            <a:lstStyle/>
+            <a:p>
+              <a:pPr algn="ctr" eaLnBrk="1" hangingPunct="1"/>
+              <a:endParaRPr lang="en-US" sz="4200" b="0" smtClean="0">
+                <a:solidFill>
+                  <a:srgbClr val="000000"/>
+                </a:solidFill>
+                <a:latin typeface="Gill Sans" charset="0"/>
+                <a:ea typeface="ヒラギノ角ゴ ProN W3" charset="-128"/>
+                <a:cs typeface="ヒラギノ角ゴ ProN W3" charset="-128"/>
+                <a:sym typeface="Gill Sans" charset="0"/>
+              </a:endParaRPr>
+            </a:p>
+          </p:txBody>
+        </p:sp>
+        <p:sp>
+          <p:nvSpPr>
+            <p:cNvPr id="12" name="Rectangle 12"/>
+            <p:cNvSpPr>
+              <a:spLocks/>
+            </p:cNvSpPr>
+            <p:nvPr/>
+          </p:nvSpPr>
+          <p:spPr bwMode="auto">
+            <a:xfrm>
+              <a:off x="1253" y="1570"/>
+              <a:ext cx="384" cy="192"/>
+            </a:xfrm>
+            <a:prstGeom prst="rect">
+              <a:avLst/>
+            </a:prstGeom>
+            <a:solidFill>
+              <a:srgbClr val="FFFFFF"/>
+            </a:solidFill>
+            <a:ln w="25400">
+              <a:solidFill>
+                <a:srgbClr val="000066"/>
+              </a:solidFill>
+              <a:miter lim="800000"/>
+              <a:headEnd/>
+              <a:tailEnd/>
+            </a:ln>
+          </p:spPr>
+          <p:txBody>
+            <a:bodyPr lIns="0" tIns="0" rIns="0" bIns="0">
+              <a:prstTxWarp prst="textNoShape">
+                <a:avLst/>
+              </a:prstTxWarp>
+            </a:bodyPr>
+            <a:lstStyle/>
+            <a:p>
+              <a:pPr algn="ctr" eaLnBrk="1" hangingPunct="1"/>
+              <a:endParaRPr lang="en-US" sz="4200" b="0" smtClean="0">
+                <a:solidFill>
+                  <a:srgbClr val="000000"/>
+                </a:solidFill>
+                <a:latin typeface="Gill Sans" charset="0"/>
+                <a:ea typeface="ヒラギノ角ゴ ProN W3" charset="-128"/>
+                <a:cs typeface="ヒラギノ角ゴ ProN W3" charset="-128"/>
+                <a:sym typeface="Gill Sans" charset="0"/>
+              </a:endParaRPr>
+            </a:p>
+          </p:txBody>
+        </p:sp>
+        <p:sp>
+          <p:nvSpPr>
+            <p:cNvPr id="13" name="Rectangle 13"/>
+            <p:cNvSpPr>
+              <a:spLocks/>
+            </p:cNvSpPr>
+            <p:nvPr/>
+          </p:nvSpPr>
+          <p:spPr bwMode="auto">
+            <a:xfrm>
+              <a:off x="1253" y="1762"/>
+              <a:ext cx="384" cy="192"/>
+            </a:xfrm>
+            <a:prstGeom prst="rect">
+              <a:avLst/>
+            </a:prstGeom>
+            <a:solidFill>
+              <a:srgbClr val="FFFFFF"/>
+            </a:solidFill>
+            <a:ln w="25400">
+              <a:solidFill>
+                <a:srgbClr val="000066"/>
+              </a:solidFill>
+              <a:miter lim="800000"/>
+              <a:headEnd/>
+              <a:tailEnd/>
+            </a:ln>
+          </p:spPr>
+          <p:txBody>
+            <a:bodyPr lIns="0" tIns="0" rIns="0" bIns="0">
+              <a:prstTxWarp prst="textNoShape">
+                <a:avLst/>
+              </a:prstTxWarp>
+            </a:bodyPr>
+            <a:lstStyle/>
+            <a:p>
+              <a:pPr algn="ctr" eaLnBrk="1" hangingPunct="1"/>
+              <a:endParaRPr lang="en-US" sz="4200" b="0" smtClean="0">
+                <a:solidFill>
+                  <a:srgbClr val="000000"/>
+                </a:solidFill>
+                <a:latin typeface="Gill Sans" charset="0"/>
+                <a:ea typeface="ヒラギノ角ゴ ProN W3" charset="-128"/>
+                <a:cs typeface="ヒラギノ角ゴ ProN W3" charset="-128"/>
+                <a:sym typeface="Gill Sans" charset="0"/>
+              </a:endParaRPr>
+            </a:p>
+          </p:txBody>
+        </p:sp>
+        <p:sp>
+          <p:nvSpPr>
+            <p:cNvPr id="14" name="Rectangle 14"/>
+            <p:cNvSpPr>
+              <a:spLocks/>
+            </p:cNvSpPr>
+            <p:nvPr/>
+          </p:nvSpPr>
+          <p:spPr bwMode="auto">
+            <a:xfrm>
+              <a:off x="1253" y="1954"/>
+              <a:ext cx="384" cy="192"/>
+            </a:xfrm>
+            <a:prstGeom prst="rect">
+              <a:avLst/>
+            </a:prstGeom>
+            <a:solidFill>
+              <a:srgbClr val="FFFFFF"/>
+            </a:solidFill>
+            <a:ln w="25400">
+              <a:solidFill>
+                <a:srgbClr val="000066"/>
+              </a:solidFill>
+              <a:miter lim="800000"/>
+              <a:headEnd/>
+              <a:tailEnd/>
+            </a:ln>
+          </p:spPr>
+          <p:txBody>
+            <a:bodyPr lIns="0" tIns="0" rIns="0" bIns="0">
+              <a:prstTxWarp prst="textNoShape">
+                <a:avLst/>
+              </a:prstTxWarp>
+            </a:bodyPr>
+            <a:lstStyle/>
+            <a:p>
+              <a:pPr algn="ctr" eaLnBrk="1" hangingPunct="1"/>
+              <a:endParaRPr lang="en-US" sz="4200" b="0" smtClean="0">
+                <a:solidFill>
+                  <a:srgbClr val="000000"/>
+                </a:solidFill>
+                <a:latin typeface="Gill Sans" charset="0"/>
+                <a:ea typeface="ヒラギノ角ゴ ProN W3" charset="-128"/>
+                <a:cs typeface="ヒラギノ角ゴ ProN W3" charset="-128"/>
+                <a:sym typeface="Gill Sans" charset="0"/>
+              </a:endParaRPr>
+            </a:p>
+          </p:txBody>
+        </p:sp>
+        <p:sp>
+          <p:nvSpPr>
+            <p:cNvPr id="15" name="Rectangle 15"/>
+            <p:cNvSpPr>
+              <a:spLocks/>
+            </p:cNvSpPr>
+            <p:nvPr/>
+          </p:nvSpPr>
+          <p:spPr bwMode="auto">
+            <a:xfrm>
+              <a:off x="1253" y="2146"/>
+              <a:ext cx="384" cy="192"/>
+            </a:xfrm>
+            <a:prstGeom prst="rect">
+              <a:avLst/>
+            </a:prstGeom>
+            <a:solidFill>
+              <a:srgbClr val="FFFFFF"/>
+            </a:solidFill>
+            <a:ln w="25400">
+              <a:solidFill>
+                <a:srgbClr val="000066"/>
+              </a:solidFill>
+              <a:miter lim="800000"/>
+              <a:headEnd/>
+              <a:tailEnd/>
+            </a:ln>
+          </p:spPr>
+          <p:txBody>
+            <a:bodyPr lIns="0" tIns="0" rIns="0" bIns="0">
+              <a:prstTxWarp prst="textNoShape">
+                <a:avLst/>
+              </a:prstTxWarp>
+            </a:bodyPr>
+            <a:lstStyle/>
+            <a:p>
+              <a:pPr algn="ctr" eaLnBrk="1" hangingPunct="1"/>
+              <a:endParaRPr lang="en-US" sz="4200" b="0" smtClean="0">
+                <a:solidFill>
+                  <a:srgbClr val="000000"/>
+                </a:solidFill>
+                <a:latin typeface="Gill Sans" charset="0"/>
+                <a:ea typeface="ヒラギノ角ゴ ProN W3" charset="-128"/>
+                <a:cs typeface="ヒラギノ角ゴ ProN W3" charset="-128"/>
+                <a:sym typeface="Gill Sans" charset="0"/>
+              </a:endParaRPr>
+            </a:p>
+          </p:txBody>
+        </p:sp>
+        <p:sp>
+          <p:nvSpPr>
+            <p:cNvPr id="16" name="Rectangle 16"/>
+            <p:cNvSpPr>
+              <a:spLocks/>
+            </p:cNvSpPr>
+            <p:nvPr/>
+          </p:nvSpPr>
+          <p:spPr bwMode="auto">
+            <a:xfrm>
+              <a:off x="1253" y="2338"/>
+              <a:ext cx="384" cy="192"/>
+            </a:xfrm>
+            <a:prstGeom prst="rect">
+              <a:avLst/>
+            </a:prstGeom>
+            <a:solidFill>
+              <a:srgbClr val="FFFFFF"/>
+            </a:solidFill>
+            <a:ln w="25400">
+              <a:solidFill>
+                <a:srgbClr val="000066"/>
+              </a:solidFill>
+              <a:miter lim="800000"/>
+              <a:headEnd/>
+              <a:tailEnd/>
+            </a:ln>
+          </p:spPr>
+          <p:txBody>
+            <a:bodyPr lIns="0" tIns="0" rIns="0" bIns="0">
+              <a:prstTxWarp prst="textNoShape">
+                <a:avLst/>
+              </a:prstTxWarp>
+            </a:bodyPr>
+            <a:lstStyle/>
+            <a:p>
+              <a:pPr algn="ctr" eaLnBrk="1" hangingPunct="1"/>
+              <a:endParaRPr lang="en-US" sz="4200" b="0" smtClean="0">
+                <a:solidFill>
+                  <a:srgbClr val="000000"/>
+                </a:solidFill>
+                <a:latin typeface="Gill Sans" charset="0"/>
+                <a:ea typeface="ヒラギノ角ゴ ProN W3" charset="-128"/>
+                <a:cs typeface="ヒラギノ角ゴ ProN W3" charset="-128"/>
+                <a:sym typeface="Gill Sans" charset="0"/>
+              </a:endParaRPr>
+            </a:p>
+          </p:txBody>
+        </p:sp>
+        <p:sp>
+          <p:nvSpPr>
+            <p:cNvPr id="17" name="Rectangle 17"/>
+            <p:cNvSpPr>
+              <a:spLocks/>
+            </p:cNvSpPr>
+            <p:nvPr/>
+          </p:nvSpPr>
+          <p:spPr bwMode="auto">
+            <a:xfrm>
+              <a:off x="1253" y="2530"/>
+              <a:ext cx="384" cy="192"/>
+            </a:xfrm>
+            <a:prstGeom prst="rect">
+              <a:avLst/>
+            </a:prstGeom>
+            <a:solidFill>
+              <a:srgbClr val="FFFFFF"/>
+            </a:solidFill>
+            <a:ln w="25400">
+              <a:solidFill>
+                <a:srgbClr val="000066"/>
+              </a:solidFill>
+              <a:miter lim="800000"/>
+              <a:headEnd/>
+              <a:tailEnd/>
+            </a:ln>
+          </p:spPr>
+          <p:txBody>
+            <a:bodyPr lIns="0" tIns="0" rIns="0" bIns="0">
+              <a:prstTxWarp prst="textNoShape">
+                <a:avLst/>
+              </a:prstTxWarp>
+            </a:bodyPr>
+            <a:lstStyle/>
+            <a:p>
+              <a:pPr algn="ctr" eaLnBrk="1" hangingPunct="1"/>
+              <a:endParaRPr lang="en-US" sz="4200" b="0" smtClean="0">
+                <a:solidFill>
+                  <a:srgbClr val="000000"/>
+                </a:solidFill>
+                <a:latin typeface="Gill Sans" charset="0"/>
+                <a:ea typeface="ヒラギノ角ゴ ProN W3" charset="-128"/>
+                <a:cs typeface="ヒラギノ角ゴ ProN W3" charset="-128"/>
+                <a:sym typeface="Gill Sans" charset="0"/>
+              </a:endParaRPr>
+            </a:p>
+          </p:txBody>
+        </p:sp>
+        <p:sp>
+          <p:nvSpPr>
+            <p:cNvPr id="18" name="Rectangle 18"/>
+            <p:cNvSpPr>
+              <a:spLocks/>
+            </p:cNvSpPr>
+            <p:nvPr/>
+          </p:nvSpPr>
+          <p:spPr bwMode="auto">
+            <a:xfrm>
+              <a:off x="1733" y="418"/>
+              <a:ext cx="443" cy="224"/>
+            </a:xfrm>
+            <a:prstGeom prst="rect">
+              <a:avLst/>
+            </a:prstGeom>
+            <a:noFill/>
+            <a:ln w="25400">
+              <a:noFill/>
+              <a:miter lim="800000"/>
+              <a:headEnd/>
+              <a:tailEnd/>
+            </a:ln>
+          </p:spPr>
+          <p:txBody>
+            <a:bodyPr wrap="none" lIns="50800" tIns="50800" bIns="50800">
+              <a:prstTxWarp prst="textNoShape">
+                <a:avLst/>
+              </a:prstTxWarp>
+              <a:spAutoFit/>
+            </a:bodyPr>
+            <a:lstStyle/>
+            <a:p>
+              <a:pPr eaLnBrk="1" hangingPunct="1"/>
+              <a:r>
+                <a:rPr lang="en-US" sz="1800" b="0" dirty="0">
+                  <a:solidFill>
+                    <a:srgbClr val="000066"/>
+                  </a:solidFill>
+                  <a:latin typeface="Courier New" charset="0"/>
+                  <a:ea typeface="Courier New" charset="0"/>
+                  <a:cs typeface="Courier New" charset="0"/>
+                  <a:sym typeface="Courier New" charset="0"/>
+                </a:rPr>
+                <a:t>0000</a:t>
+              </a:r>
+            </a:p>
+          </p:txBody>
+        </p:sp>
+        <p:sp>
+          <p:nvSpPr>
+            <p:cNvPr id="19" name="Rectangle 19"/>
+            <p:cNvSpPr>
+              <a:spLocks/>
+            </p:cNvSpPr>
+            <p:nvPr/>
+          </p:nvSpPr>
+          <p:spPr bwMode="auto">
+            <a:xfrm>
+              <a:off x="1733" y="610"/>
+              <a:ext cx="443" cy="224"/>
+            </a:xfrm>
+            <a:prstGeom prst="rect">
+              <a:avLst/>
+            </a:prstGeom>
+            <a:noFill/>
+            <a:ln w="25400">
+              <a:noFill/>
+              <a:miter lim="800000"/>
+              <a:headEnd/>
+              <a:tailEnd/>
+            </a:ln>
+          </p:spPr>
+          <p:txBody>
+            <a:bodyPr wrap="none" lIns="50800" tIns="50800" bIns="50800">
+              <a:prstTxWarp prst="textNoShape">
+                <a:avLst/>
+              </a:prstTxWarp>
+              <a:spAutoFit/>
+            </a:bodyPr>
+            <a:lstStyle/>
+            <a:p>
+              <a:pPr eaLnBrk="1" hangingPunct="1"/>
+              <a:r>
+                <a:rPr lang="en-US" sz="1800" b="0">
+                  <a:solidFill>
+                    <a:srgbClr val="000066"/>
+                  </a:solidFill>
+                  <a:latin typeface="Courier New" charset="0"/>
+                  <a:ea typeface="Courier New" charset="0"/>
+                  <a:cs typeface="Courier New" charset="0"/>
+                  <a:sym typeface="Courier New" charset="0"/>
+                </a:rPr>
+                <a:t>0001</a:t>
+              </a:r>
+            </a:p>
+          </p:txBody>
+        </p:sp>
+        <p:sp>
+          <p:nvSpPr>
+            <p:cNvPr id="20" name="Rectangle 20"/>
+            <p:cNvSpPr>
+              <a:spLocks/>
+            </p:cNvSpPr>
+            <p:nvPr/>
+          </p:nvSpPr>
+          <p:spPr bwMode="auto">
+            <a:xfrm>
+              <a:off x="1733" y="802"/>
+              <a:ext cx="443" cy="224"/>
+            </a:xfrm>
+            <a:prstGeom prst="rect">
+              <a:avLst/>
+            </a:prstGeom>
+            <a:noFill/>
+            <a:ln w="25400">
+              <a:noFill/>
+              <a:miter lim="800000"/>
+              <a:headEnd/>
+              <a:tailEnd/>
+            </a:ln>
+          </p:spPr>
+          <p:txBody>
+            <a:bodyPr wrap="none" lIns="50800" tIns="50800" bIns="50800">
+              <a:prstTxWarp prst="textNoShape">
+                <a:avLst/>
+              </a:prstTxWarp>
+              <a:spAutoFit/>
+            </a:bodyPr>
+            <a:lstStyle/>
+            <a:p>
+              <a:pPr eaLnBrk="1" hangingPunct="1"/>
+              <a:r>
+                <a:rPr lang="en-US" sz="1800" b="0">
+                  <a:solidFill>
+                    <a:srgbClr val="000066"/>
+                  </a:solidFill>
+                  <a:latin typeface="Courier New" charset="0"/>
+                  <a:ea typeface="Courier New" charset="0"/>
+                  <a:cs typeface="Courier New" charset="0"/>
+                  <a:sym typeface="Courier New" charset="0"/>
+                </a:rPr>
+                <a:t>0002</a:t>
+              </a:r>
+            </a:p>
+          </p:txBody>
+        </p:sp>
+        <p:sp>
+          <p:nvSpPr>
+            <p:cNvPr id="21" name="Rectangle 21"/>
+            <p:cNvSpPr>
+              <a:spLocks/>
+            </p:cNvSpPr>
+            <p:nvPr/>
+          </p:nvSpPr>
+          <p:spPr bwMode="auto">
+            <a:xfrm>
+              <a:off x="1733" y="994"/>
+              <a:ext cx="443" cy="224"/>
+            </a:xfrm>
+            <a:prstGeom prst="rect">
+              <a:avLst/>
+            </a:prstGeom>
+            <a:noFill/>
+            <a:ln w="25400">
+              <a:noFill/>
+              <a:miter lim="800000"/>
+              <a:headEnd/>
+              <a:tailEnd/>
+            </a:ln>
+          </p:spPr>
+          <p:txBody>
+            <a:bodyPr wrap="none" lIns="50800" tIns="50800" bIns="50800">
+              <a:prstTxWarp prst="textNoShape">
+                <a:avLst/>
+              </a:prstTxWarp>
+              <a:spAutoFit/>
+            </a:bodyPr>
+            <a:lstStyle/>
+            <a:p>
+              <a:pPr eaLnBrk="1" hangingPunct="1"/>
+              <a:r>
+                <a:rPr lang="en-US" sz="1800" b="0">
+                  <a:solidFill>
+                    <a:srgbClr val="000066"/>
+                  </a:solidFill>
+                  <a:latin typeface="Courier New" charset="0"/>
+                  <a:ea typeface="Courier New" charset="0"/>
+                  <a:cs typeface="Courier New" charset="0"/>
+                  <a:sym typeface="Courier New" charset="0"/>
+                </a:rPr>
+                <a:t>0003</a:t>
+              </a:r>
+            </a:p>
+          </p:txBody>
+        </p:sp>
+        <p:sp>
+          <p:nvSpPr>
+            <p:cNvPr id="22" name="Rectangle 22"/>
+            <p:cNvSpPr>
+              <a:spLocks/>
+            </p:cNvSpPr>
+            <p:nvPr/>
+          </p:nvSpPr>
+          <p:spPr bwMode="auto">
+            <a:xfrm>
+              <a:off x="1733" y="1186"/>
+              <a:ext cx="443" cy="224"/>
+            </a:xfrm>
+            <a:prstGeom prst="rect">
+              <a:avLst/>
+            </a:prstGeom>
+            <a:noFill/>
+            <a:ln w="25400">
+              <a:noFill/>
+              <a:miter lim="800000"/>
+              <a:headEnd/>
+              <a:tailEnd/>
+            </a:ln>
+          </p:spPr>
+          <p:txBody>
+            <a:bodyPr wrap="none" lIns="50800" tIns="50800" bIns="50800">
+              <a:prstTxWarp prst="textNoShape">
+                <a:avLst/>
+              </a:prstTxWarp>
+              <a:spAutoFit/>
+            </a:bodyPr>
+            <a:lstStyle/>
+            <a:p>
+              <a:pPr eaLnBrk="1" hangingPunct="1"/>
+              <a:r>
+                <a:rPr lang="en-US" sz="1800" b="0">
+                  <a:solidFill>
+                    <a:srgbClr val="000066"/>
+                  </a:solidFill>
+                  <a:latin typeface="Courier New" charset="0"/>
+                  <a:ea typeface="Courier New" charset="0"/>
+                  <a:cs typeface="Courier New" charset="0"/>
+                  <a:sym typeface="Courier New" charset="0"/>
+                </a:rPr>
+                <a:t>0004</a:t>
+              </a:r>
+            </a:p>
+          </p:txBody>
+        </p:sp>
+        <p:sp>
+          <p:nvSpPr>
+            <p:cNvPr id="23" name="Rectangle 23"/>
+            <p:cNvSpPr>
+              <a:spLocks/>
+            </p:cNvSpPr>
+            <p:nvPr/>
+          </p:nvSpPr>
+          <p:spPr bwMode="auto">
+            <a:xfrm>
+              <a:off x="1733" y="1378"/>
+              <a:ext cx="443" cy="224"/>
+            </a:xfrm>
+            <a:prstGeom prst="rect">
+              <a:avLst/>
+            </a:prstGeom>
+            <a:noFill/>
+            <a:ln w="25400">
+              <a:noFill/>
+              <a:miter lim="800000"/>
+              <a:headEnd/>
+              <a:tailEnd/>
+            </a:ln>
+          </p:spPr>
+          <p:txBody>
+            <a:bodyPr wrap="none" lIns="50800" tIns="50800" bIns="50800">
+              <a:prstTxWarp prst="textNoShape">
+                <a:avLst/>
+              </a:prstTxWarp>
+              <a:spAutoFit/>
+            </a:bodyPr>
+            <a:lstStyle/>
+            <a:p>
+              <a:pPr eaLnBrk="1" hangingPunct="1"/>
+              <a:r>
+                <a:rPr lang="en-US" sz="1800" b="0">
+                  <a:solidFill>
+                    <a:srgbClr val="000066"/>
+                  </a:solidFill>
+                  <a:latin typeface="Courier New" charset="0"/>
+                  <a:ea typeface="Courier New" charset="0"/>
+                  <a:cs typeface="Courier New" charset="0"/>
+                  <a:sym typeface="Courier New" charset="0"/>
+                </a:rPr>
+                <a:t>0005</a:t>
+              </a:r>
+            </a:p>
+          </p:txBody>
+        </p:sp>
+        <p:sp>
+          <p:nvSpPr>
+            <p:cNvPr id="24" name="Rectangle 24"/>
+            <p:cNvSpPr>
+              <a:spLocks/>
+            </p:cNvSpPr>
+            <p:nvPr/>
+          </p:nvSpPr>
+          <p:spPr bwMode="auto">
+            <a:xfrm>
+              <a:off x="1733" y="1570"/>
+              <a:ext cx="443" cy="224"/>
+            </a:xfrm>
+            <a:prstGeom prst="rect">
+              <a:avLst/>
+            </a:prstGeom>
+            <a:noFill/>
+            <a:ln w="25400">
+              <a:noFill/>
+              <a:miter lim="800000"/>
+              <a:headEnd/>
+              <a:tailEnd/>
+            </a:ln>
+          </p:spPr>
+          <p:txBody>
+            <a:bodyPr wrap="none" lIns="50800" tIns="50800" bIns="50800">
+              <a:prstTxWarp prst="textNoShape">
+                <a:avLst/>
+              </a:prstTxWarp>
+              <a:spAutoFit/>
+            </a:bodyPr>
+            <a:lstStyle/>
+            <a:p>
+              <a:pPr eaLnBrk="1" hangingPunct="1"/>
+              <a:r>
+                <a:rPr lang="en-US" sz="1800" b="0">
+                  <a:solidFill>
+                    <a:srgbClr val="000066"/>
+                  </a:solidFill>
+                  <a:latin typeface="Courier New" charset="0"/>
+                  <a:ea typeface="Courier New" charset="0"/>
+                  <a:cs typeface="Courier New" charset="0"/>
+                  <a:sym typeface="Courier New" charset="0"/>
+                </a:rPr>
+                <a:t>0006</a:t>
+              </a:r>
+            </a:p>
+          </p:txBody>
+        </p:sp>
+        <p:sp>
+          <p:nvSpPr>
+            <p:cNvPr id="25" name="Rectangle 25"/>
+            <p:cNvSpPr>
+              <a:spLocks/>
+            </p:cNvSpPr>
+            <p:nvPr/>
+          </p:nvSpPr>
+          <p:spPr bwMode="auto">
+            <a:xfrm>
+              <a:off x="1733" y="1762"/>
+              <a:ext cx="443" cy="224"/>
+            </a:xfrm>
+            <a:prstGeom prst="rect">
+              <a:avLst/>
+            </a:prstGeom>
+            <a:noFill/>
+            <a:ln w="25400">
+              <a:noFill/>
+              <a:miter lim="800000"/>
+              <a:headEnd/>
+              <a:tailEnd/>
+            </a:ln>
+          </p:spPr>
+          <p:txBody>
+            <a:bodyPr wrap="none" lIns="50800" tIns="50800" bIns="50800">
+              <a:prstTxWarp prst="textNoShape">
+                <a:avLst/>
+              </a:prstTxWarp>
+              <a:spAutoFit/>
+            </a:bodyPr>
+            <a:lstStyle/>
+            <a:p>
+              <a:pPr eaLnBrk="1" hangingPunct="1"/>
+              <a:r>
+                <a:rPr lang="en-US" sz="1800" b="0">
+                  <a:solidFill>
+                    <a:srgbClr val="000066"/>
+                  </a:solidFill>
+                  <a:latin typeface="Courier New" charset="0"/>
+                  <a:ea typeface="Courier New" charset="0"/>
+                  <a:cs typeface="Courier New" charset="0"/>
+                  <a:sym typeface="Courier New" charset="0"/>
+                </a:rPr>
+                <a:t>0007</a:t>
+              </a:r>
+            </a:p>
+          </p:txBody>
+        </p:sp>
+        <p:sp>
+          <p:nvSpPr>
+            <p:cNvPr id="26" name="Rectangle 26"/>
+            <p:cNvSpPr>
+              <a:spLocks/>
+            </p:cNvSpPr>
+            <p:nvPr/>
+          </p:nvSpPr>
+          <p:spPr bwMode="auto">
+            <a:xfrm>
+              <a:off x="1733" y="1954"/>
+              <a:ext cx="443" cy="224"/>
+            </a:xfrm>
+            <a:prstGeom prst="rect">
+              <a:avLst/>
+            </a:prstGeom>
+            <a:noFill/>
+            <a:ln w="25400">
+              <a:noFill/>
+              <a:miter lim="800000"/>
+              <a:headEnd/>
+              <a:tailEnd/>
+            </a:ln>
+          </p:spPr>
+          <p:txBody>
+            <a:bodyPr wrap="none" lIns="50800" tIns="50800" bIns="50800">
+              <a:prstTxWarp prst="textNoShape">
+                <a:avLst/>
+              </a:prstTxWarp>
+              <a:spAutoFit/>
+            </a:bodyPr>
+            <a:lstStyle/>
+            <a:p>
+              <a:pPr eaLnBrk="1" hangingPunct="1"/>
+              <a:r>
+                <a:rPr lang="en-US" sz="1800" b="0">
+                  <a:solidFill>
+                    <a:srgbClr val="000066"/>
+                  </a:solidFill>
+                  <a:latin typeface="Courier New" charset="0"/>
+                  <a:ea typeface="Courier New" charset="0"/>
+                  <a:cs typeface="Courier New" charset="0"/>
+                  <a:sym typeface="Courier New" charset="0"/>
+                </a:rPr>
+                <a:t>0008</a:t>
+              </a:r>
+            </a:p>
+          </p:txBody>
+        </p:sp>
+        <p:sp>
+          <p:nvSpPr>
+            <p:cNvPr id="27" name="Rectangle 27"/>
+            <p:cNvSpPr>
+              <a:spLocks/>
+            </p:cNvSpPr>
+            <p:nvPr/>
+          </p:nvSpPr>
+          <p:spPr bwMode="auto">
+            <a:xfrm>
+              <a:off x="1733" y="2146"/>
+              <a:ext cx="443" cy="224"/>
+            </a:xfrm>
+            <a:prstGeom prst="rect">
+              <a:avLst/>
+            </a:prstGeom>
+            <a:noFill/>
+            <a:ln w="25400">
+              <a:noFill/>
+              <a:miter lim="800000"/>
+              <a:headEnd/>
+              <a:tailEnd/>
+            </a:ln>
+          </p:spPr>
+          <p:txBody>
+            <a:bodyPr wrap="none" lIns="50800" tIns="50800" bIns="50800">
+              <a:prstTxWarp prst="textNoShape">
+                <a:avLst/>
+              </a:prstTxWarp>
+              <a:spAutoFit/>
+            </a:bodyPr>
+            <a:lstStyle/>
+            <a:p>
+              <a:pPr eaLnBrk="1" hangingPunct="1"/>
+              <a:r>
+                <a:rPr lang="en-US" sz="1800" b="0">
+                  <a:solidFill>
+                    <a:srgbClr val="000066"/>
+                  </a:solidFill>
+                  <a:latin typeface="Courier New" charset="0"/>
+                  <a:ea typeface="Courier New" charset="0"/>
+                  <a:cs typeface="Courier New" charset="0"/>
+                  <a:sym typeface="Courier New" charset="0"/>
+                </a:rPr>
+                <a:t>0009</a:t>
+              </a:r>
+            </a:p>
+          </p:txBody>
+        </p:sp>
+        <p:sp>
+          <p:nvSpPr>
+            <p:cNvPr id="28" name="Rectangle 28"/>
+            <p:cNvSpPr>
+              <a:spLocks/>
+            </p:cNvSpPr>
+            <p:nvPr/>
+          </p:nvSpPr>
+          <p:spPr bwMode="auto">
+            <a:xfrm>
+              <a:off x="1733" y="2338"/>
+              <a:ext cx="443" cy="224"/>
+            </a:xfrm>
+            <a:prstGeom prst="rect">
+              <a:avLst/>
+            </a:prstGeom>
+            <a:noFill/>
+            <a:ln w="25400">
+              <a:noFill/>
+              <a:miter lim="800000"/>
+              <a:headEnd/>
+              <a:tailEnd/>
+            </a:ln>
+          </p:spPr>
+          <p:txBody>
+            <a:bodyPr wrap="none" lIns="50800" tIns="50800" bIns="50800">
+              <a:prstTxWarp prst="textNoShape">
+                <a:avLst/>
+              </a:prstTxWarp>
+              <a:spAutoFit/>
+            </a:bodyPr>
+            <a:lstStyle/>
+            <a:p>
+              <a:pPr eaLnBrk="1" hangingPunct="1"/>
+              <a:r>
+                <a:rPr lang="en-US" sz="1800" b="0">
+                  <a:solidFill>
+                    <a:srgbClr val="000066"/>
+                  </a:solidFill>
+                  <a:latin typeface="Courier New" charset="0"/>
+                  <a:ea typeface="Courier New" charset="0"/>
+                  <a:cs typeface="Courier New" charset="0"/>
+                  <a:sym typeface="Courier New" charset="0"/>
+                </a:rPr>
+                <a:t>0010</a:t>
+              </a:r>
+            </a:p>
+          </p:txBody>
+        </p:sp>
+        <p:sp>
+          <p:nvSpPr>
+            <p:cNvPr id="29" name="Rectangle 29"/>
+            <p:cNvSpPr>
+              <a:spLocks/>
+            </p:cNvSpPr>
+            <p:nvPr/>
+          </p:nvSpPr>
+          <p:spPr bwMode="auto">
+            <a:xfrm>
+              <a:off x="1733" y="2530"/>
+              <a:ext cx="443" cy="224"/>
+            </a:xfrm>
+            <a:prstGeom prst="rect">
+              <a:avLst/>
+            </a:prstGeom>
+            <a:noFill/>
+            <a:ln w="25400">
+              <a:noFill/>
+              <a:miter lim="800000"/>
+              <a:headEnd/>
+              <a:tailEnd/>
+            </a:ln>
+          </p:spPr>
+          <p:txBody>
+            <a:bodyPr wrap="none" lIns="50800" tIns="50800" bIns="50800">
+              <a:prstTxWarp prst="textNoShape">
+                <a:avLst/>
+              </a:prstTxWarp>
+              <a:spAutoFit/>
+            </a:bodyPr>
+            <a:lstStyle/>
+            <a:p>
+              <a:pPr eaLnBrk="1" hangingPunct="1"/>
+              <a:r>
+                <a:rPr lang="en-US" sz="1800" b="0">
+                  <a:solidFill>
+                    <a:srgbClr val="000066"/>
+                  </a:solidFill>
+                  <a:latin typeface="Courier New" charset="0"/>
+                  <a:ea typeface="Courier New" charset="0"/>
+                  <a:cs typeface="Courier New" charset="0"/>
+                  <a:sym typeface="Courier New" charset="0"/>
+                </a:rPr>
+                <a:t>0011</a:t>
+              </a:r>
+            </a:p>
+          </p:txBody>
+        </p:sp>
+        <p:grpSp>
+          <p:nvGrpSpPr>
+            <p:cNvPr id="30" name="Group 30"/>
+            <p:cNvGrpSpPr>
+              <a:grpSpLocks/>
+            </p:cNvGrpSpPr>
+            <p:nvPr/>
+          </p:nvGrpSpPr>
+          <p:grpSpPr bwMode="auto">
+            <a:xfrm>
+              <a:off x="657" y="418"/>
+              <a:ext cx="384" cy="3072"/>
+              <a:chOff x="0" y="0"/>
+              <a:chExt cx="384" cy="3072"/>
+            </a:xfrm>
+          </p:grpSpPr>
+          <p:sp>
+            <p:nvSpPr>
+              <p:cNvPr id="74" name="Rectangle 31"/>
+              <p:cNvSpPr>
+                <a:spLocks/>
+              </p:cNvSpPr>
+              <p:nvPr/>
+            </p:nvSpPr>
+            <p:spPr bwMode="auto">
+              <a:xfrm>
+                <a:off x="0" y="1536"/>
+                <a:ext cx="384" cy="1536"/>
+              </a:xfrm>
+              <a:prstGeom prst="rect">
+                <a:avLst/>
+              </a:prstGeom>
+              <a:solidFill>
+                <a:srgbClr val="FFFFFF"/>
+              </a:solidFill>
+              <a:ln w="25400">
+                <a:solidFill>
+                  <a:srgbClr val="000066"/>
+                </a:solidFill>
+                <a:miter lim="800000"/>
+                <a:headEnd/>
+                <a:tailEnd/>
+              </a:ln>
+            </p:spPr>
+            <p:txBody>
+              <a:bodyPr lIns="0" tIns="0" rIns="0" bIns="0">
+                <a:prstTxWarp prst="textNoShape">
+                  <a:avLst/>
+                </a:prstTxWarp>
+              </a:bodyPr>
+              <a:lstStyle/>
+              <a:p>
+                <a:pPr algn="ctr" eaLnBrk="1" hangingPunct="1"/>
+                <a:endParaRPr lang="en-US" sz="4200" b="0" smtClean="0">
+                  <a:solidFill>
+                    <a:srgbClr val="000000"/>
+                  </a:solidFill>
+                  <a:latin typeface="Gill Sans" charset="0"/>
+                  <a:ea typeface="ヒラギノ角ゴ ProN W3" charset="-128"/>
+                  <a:cs typeface="ヒラギノ角ゴ ProN W3" charset="-128"/>
+                  <a:sym typeface="Gill Sans" charset="0"/>
+                </a:endParaRPr>
+              </a:p>
+            </p:txBody>
+          </p:sp>
+          <p:sp>
+            <p:nvSpPr>
+              <p:cNvPr id="75" name="Rectangle 32"/>
+              <p:cNvSpPr>
+                <a:spLocks/>
+              </p:cNvSpPr>
+              <p:nvPr/>
+            </p:nvSpPr>
+            <p:spPr bwMode="auto">
+              <a:xfrm>
+                <a:off x="0" y="0"/>
+                <a:ext cx="384" cy="1536"/>
+              </a:xfrm>
+              <a:prstGeom prst="rect">
+                <a:avLst/>
+              </a:prstGeom>
+              <a:solidFill>
+                <a:srgbClr val="FFFFFF"/>
+              </a:solidFill>
+              <a:ln w="25400">
+                <a:solidFill>
+                  <a:srgbClr val="000066"/>
+                </a:solidFill>
+                <a:miter lim="800000"/>
+                <a:headEnd/>
+                <a:tailEnd/>
+              </a:ln>
+            </p:spPr>
+            <p:txBody>
+              <a:bodyPr lIns="0" tIns="0" rIns="0" bIns="0">
+                <a:prstTxWarp prst="textNoShape">
+                  <a:avLst/>
+                </a:prstTxWarp>
+              </a:bodyPr>
+              <a:lstStyle/>
+              <a:p>
+                <a:pPr algn="ctr" eaLnBrk="1" hangingPunct="1"/>
+                <a:endParaRPr lang="en-US" sz="4200" b="0" smtClean="0">
+                  <a:solidFill>
+                    <a:srgbClr val="000000"/>
+                  </a:solidFill>
+                  <a:latin typeface="Gill Sans" charset="0"/>
+                  <a:ea typeface="ヒラギノ角ゴ ProN W3" charset="-128"/>
+                  <a:cs typeface="ヒラギノ角ゴ ProN W3" charset="-128"/>
+                  <a:sym typeface="Gill Sans" charset="0"/>
+                </a:endParaRPr>
+              </a:p>
+            </p:txBody>
+          </p:sp>
+        </p:grpSp>
+        <p:grpSp>
+          <p:nvGrpSpPr>
+            <p:cNvPr id="31" name="Group 33"/>
+            <p:cNvGrpSpPr>
+              <a:grpSpLocks/>
+            </p:cNvGrpSpPr>
+            <p:nvPr/>
+          </p:nvGrpSpPr>
+          <p:grpSpPr bwMode="auto">
+            <a:xfrm>
+              <a:off x="81" y="418"/>
+              <a:ext cx="384" cy="3072"/>
+              <a:chOff x="0" y="0"/>
+              <a:chExt cx="384" cy="3072"/>
+            </a:xfrm>
+          </p:grpSpPr>
+          <p:sp>
+            <p:nvSpPr>
+              <p:cNvPr id="70" name="Rectangle 34"/>
+              <p:cNvSpPr>
+                <a:spLocks/>
+              </p:cNvSpPr>
+              <p:nvPr/>
+            </p:nvSpPr>
+            <p:spPr bwMode="auto">
+              <a:xfrm>
+                <a:off x="0" y="0"/>
+                <a:ext cx="384" cy="768"/>
+              </a:xfrm>
+              <a:prstGeom prst="rect">
+                <a:avLst/>
+              </a:prstGeom>
+              <a:solidFill>
+                <a:srgbClr val="FFFFFF"/>
+              </a:solidFill>
+              <a:ln w="25400">
+                <a:solidFill>
+                  <a:srgbClr val="000066"/>
+                </a:solidFill>
+                <a:miter lim="800000"/>
+                <a:headEnd/>
+                <a:tailEnd/>
+              </a:ln>
+            </p:spPr>
+            <p:txBody>
+              <a:bodyPr lIns="0" tIns="0" rIns="0" bIns="0">
+                <a:prstTxWarp prst="textNoShape">
+                  <a:avLst/>
+                </a:prstTxWarp>
+              </a:bodyPr>
+              <a:lstStyle/>
+              <a:p>
+                <a:pPr algn="ctr" eaLnBrk="1" hangingPunct="1"/>
+                <a:endParaRPr lang="en-US" sz="4200" b="0" smtClean="0">
+                  <a:solidFill>
+                    <a:srgbClr val="000000"/>
+                  </a:solidFill>
+                  <a:latin typeface="Gill Sans" charset="0"/>
+                  <a:ea typeface="ヒラギノ角ゴ ProN W3" charset="-128"/>
+                  <a:cs typeface="ヒラギノ角ゴ ProN W3" charset="-128"/>
+                  <a:sym typeface="Gill Sans" charset="0"/>
+                </a:endParaRPr>
+              </a:p>
+            </p:txBody>
+          </p:sp>
+          <p:sp>
+            <p:nvSpPr>
+              <p:cNvPr id="71" name="Rectangle 35"/>
+              <p:cNvSpPr>
+                <a:spLocks/>
+              </p:cNvSpPr>
+              <p:nvPr/>
+            </p:nvSpPr>
+            <p:spPr bwMode="auto">
+              <a:xfrm>
+                <a:off x="0" y="768"/>
+                <a:ext cx="384" cy="768"/>
+              </a:xfrm>
+              <a:prstGeom prst="rect">
+                <a:avLst/>
+              </a:prstGeom>
+              <a:solidFill>
+                <a:srgbClr val="FFFFFF"/>
+              </a:solidFill>
+              <a:ln w="25400">
+                <a:solidFill>
+                  <a:srgbClr val="000066"/>
+                </a:solidFill>
+                <a:miter lim="800000"/>
+                <a:headEnd/>
+                <a:tailEnd/>
+              </a:ln>
+            </p:spPr>
+            <p:txBody>
+              <a:bodyPr lIns="0" tIns="0" rIns="0" bIns="0">
+                <a:prstTxWarp prst="textNoShape">
+                  <a:avLst/>
+                </a:prstTxWarp>
+              </a:bodyPr>
+              <a:lstStyle/>
+              <a:p>
+                <a:pPr algn="ctr" eaLnBrk="1" hangingPunct="1"/>
+                <a:endParaRPr lang="en-US" sz="4200" b="0" smtClean="0">
+                  <a:solidFill>
+                    <a:srgbClr val="000000"/>
+                  </a:solidFill>
+                  <a:latin typeface="Gill Sans" charset="0"/>
+                  <a:ea typeface="ヒラギノ角ゴ ProN W3" charset="-128"/>
+                  <a:cs typeface="ヒラギノ角ゴ ProN W3" charset="-128"/>
+                  <a:sym typeface="Gill Sans" charset="0"/>
+                </a:endParaRPr>
+              </a:p>
+            </p:txBody>
+          </p:sp>
+          <p:sp>
+            <p:nvSpPr>
+              <p:cNvPr id="72" name="Rectangle 36"/>
+              <p:cNvSpPr>
+                <a:spLocks/>
+              </p:cNvSpPr>
+              <p:nvPr/>
+            </p:nvSpPr>
+            <p:spPr bwMode="auto">
+              <a:xfrm>
+                <a:off x="0" y="1536"/>
+                <a:ext cx="384" cy="768"/>
+              </a:xfrm>
+              <a:prstGeom prst="rect">
+                <a:avLst/>
+              </a:prstGeom>
+              <a:solidFill>
+                <a:srgbClr val="FFFFFF"/>
+              </a:solidFill>
+              <a:ln w="25400">
+                <a:solidFill>
+                  <a:srgbClr val="000066"/>
+                </a:solidFill>
+                <a:miter lim="800000"/>
+                <a:headEnd/>
+                <a:tailEnd/>
+              </a:ln>
+            </p:spPr>
+            <p:txBody>
+              <a:bodyPr lIns="0" tIns="0" rIns="0" bIns="0">
+                <a:prstTxWarp prst="textNoShape">
+                  <a:avLst/>
+                </a:prstTxWarp>
+              </a:bodyPr>
+              <a:lstStyle/>
+              <a:p>
+                <a:pPr algn="ctr" eaLnBrk="1" hangingPunct="1"/>
+                <a:endParaRPr lang="en-US" sz="4200" b="0" smtClean="0">
+                  <a:solidFill>
+                    <a:srgbClr val="000000"/>
+                  </a:solidFill>
+                  <a:latin typeface="Gill Sans" charset="0"/>
+                  <a:ea typeface="ヒラギノ角ゴ ProN W3" charset="-128"/>
+                  <a:cs typeface="ヒラギノ角ゴ ProN W3" charset="-128"/>
+                  <a:sym typeface="Gill Sans" charset="0"/>
+                </a:endParaRPr>
+              </a:p>
+            </p:txBody>
+          </p:sp>
+          <p:sp>
+            <p:nvSpPr>
+              <p:cNvPr id="73" name="Rectangle 37"/>
+              <p:cNvSpPr>
+                <a:spLocks/>
+              </p:cNvSpPr>
+              <p:nvPr/>
+            </p:nvSpPr>
+            <p:spPr bwMode="auto">
+              <a:xfrm>
+                <a:off x="0" y="2304"/>
+                <a:ext cx="384" cy="768"/>
+              </a:xfrm>
+              <a:prstGeom prst="rect">
+                <a:avLst/>
+              </a:prstGeom>
+              <a:solidFill>
+                <a:srgbClr val="FFFFFF"/>
+              </a:solidFill>
+              <a:ln w="25400">
+                <a:solidFill>
+                  <a:srgbClr val="000066"/>
+                </a:solidFill>
+                <a:miter lim="800000"/>
+                <a:headEnd/>
+                <a:tailEnd/>
+              </a:ln>
+            </p:spPr>
+            <p:txBody>
+              <a:bodyPr lIns="0" tIns="0" rIns="0" bIns="0">
+                <a:prstTxWarp prst="textNoShape">
+                  <a:avLst/>
+                </a:prstTxWarp>
+              </a:bodyPr>
+              <a:lstStyle/>
+              <a:p>
+                <a:pPr algn="ctr" eaLnBrk="1" hangingPunct="1"/>
+                <a:endParaRPr lang="en-US" sz="4200" b="0" smtClean="0">
+                  <a:solidFill>
+                    <a:srgbClr val="000000"/>
+                  </a:solidFill>
+                  <a:latin typeface="Gill Sans" charset="0"/>
+                  <a:ea typeface="ヒラギノ角ゴ ProN W3" charset="-128"/>
+                  <a:cs typeface="ヒラギノ角ゴ ProN W3" charset="-128"/>
+                  <a:sym typeface="Gill Sans" charset="0"/>
+                </a:endParaRPr>
+              </a:p>
+            </p:txBody>
+          </p:sp>
+        </p:grpSp>
+        <p:sp>
+          <p:nvSpPr>
+            <p:cNvPr id="32" name="Rectangle 38"/>
+            <p:cNvSpPr>
+              <a:spLocks/>
+            </p:cNvSpPr>
+            <p:nvPr/>
+          </p:nvSpPr>
+          <p:spPr bwMode="auto">
+            <a:xfrm>
+              <a:off x="0" y="0"/>
+              <a:ext cx="543" cy="416"/>
+            </a:xfrm>
+            <a:prstGeom prst="rect">
+              <a:avLst/>
+            </a:prstGeom>
+            <a:noFill/>
+            <a:ln w="25400">
+              <a:noFill/>
+              <a:miter lim="800000"/>
+              <a:headEnd/>
+              <a:tailEnd/>
+            </a:ln>
+          </p:spPr>
+          <p:txBody>
+            <a:bodyPr wrap="none" lIns="50800" tIns="50800" bIns="50800">
+              <a:prstTxWarp prst="textNoShape">
+                <a:avLst/>
+              </a:prstTxWarp>
+              <a:spAutoFit/>
+            </a:bodyPr>
+            <a:lstStyle/>
+            <a:p>
+              <a:pPr algn="ctr" eaLnBrk="1" hangingPunct="1"/>
+              <a:r>
+                <a:rPr lang="en-US" sz="1800" b="1" dirty="0">
+                  <a:solidFill>
+                    <a:srgbClr val="000066"/>
+                  </a:solidFill>
+                  <a:latin typeface="Helvetica" charset="0"/>
+                  <a:ea typeface="Helvetica" charset="0"/>
+                  <a:cs typeface="Helvetica" charset="0"/>
+                  <a:sym typeface="Helvetica" charset="0"/>
+                </a:rPr>
+                <a:t>32-bit</a:t>
+              </a:r>
+            </a:p>
+            <a:p>
+              <a:pPr algn="ctr" eaLnBrk="1" hangingPunct="1"/>
+              <a:r>
+                <a:rPr lang="en-US" sz="1800" b="1" dirty="0">
+                  <a:solidFill>
+                    <a:srgbClr val="000066"/>
+                  </a:solidFill>
+                  <a:latin typeface="Helvetica" charset="0"/>
+                  <a:ea typeface="Helvetica" charset="0"/>
+                  <a:cs typeface="Helvetica" charset="0"/>
+                  <a:sym typeface="Helvetica" charset="0"/>
+                </a:rPr>
+                <a:t>Words</a:t>
+              </a:r>
+            </a:p>
+          </p:txBody>
+        </p:sp>
+        <p:sp>
+          <p:nvSpPr>
+            <p:cNvPr id="33" name="Rectangle 39"/>
+            <p:cNvSpPr>
+              <a:spLocks/>
+            </p:cNvSpPr>
+            <p:nvPr/>
+          </p:nvSpPr>
+          <p:spPr bwMode="auto">
+            <a:xfrm>
+              <a:off x="1198" y="82"/>
+              <a:ext cx="490" cy="240"/>
+            </a:xfrm>
+            <a:prstGeom prst="rect">
+              <a:avLst/>
+            </a:prstGeom>
+            <a:noFill/>
+            <a:ln w="25400">
+              <a:noFill/>
+              <a:miter lim="800000"/>
+              <a:headEnd/>
+              <a:tailEnd/>
+            </a:ln>
+          </p:spPr>
+          <p:txBody>
+            <a:bodyPr wrap="none" lIns="50800" tIns="50800" bIns="50800">
+              <a:prstTxWarp prst="textNoShape">
+                <a:avLst/>
+              </a:prstTxWarp>
+              <a:spAutoFit/>
+            </a:bodyPr>
+            <a:lstStyle/>
+            <a:p>
+              <a:pPr algn="ctr" eaLnBrk="1" hangingPunct="1"/>
+              <a:r>
+                <a:rPr lang="en-US" sz="1800" b="1" dirty="0">
+                  <a:solidFill>
+                    <a:srgbClr val="000066"/>
+                  </a:solidFill>
+                  <a:latin typeface="Helvetica" charset="0"/>
+                  <a:ea typeface="Helvetica" charset="0"/>
+                  <a:cs typeface="Helvetica" charset="0"/>
+                  <a:sym typeface="Helvetica" charset="0"/>
+                </a:rPr>
+                <a:t>Bytes</a:t>
+              </a:r>
+            </a:p>
+          </p:txBody>
+        </p:sp>
+        <p:sp>
+          <p:nvSpPr>
+            <p:cNvPr id="34" name="Rectangle 40"/>
+            <p:cNvSpPr>
+              <a:spLocks/>
+            </p:cNvSpPr>
+            <p:nvPr/>
+          </p:nvSpPr>
+          <p:spPr bwMode="auto">
+            <a:xfrm>
+              <a:off x="1718" y="82"/>
+              <a:ext cx="466" cy="240"/>
+            </a:xfrm>
+            <a:prstGeom prst="rect">
+              <a:avLst/>
+            </a:prstGeom>
+            <a:noFill/>
+            <a:ln w="25400">
+              <a:noFill/>
+              <a:miter lim="800000"/>
+              <a:headEnd/>
+              <a:tailEnd/>
+            </a:ln>
+          </p:spPr>
+          <p:txBody>
+            <a:bodyPr wrap="none" lIns="50800" tIns="50800" bIns="50800">
+              <a:prstTxWarp prst="textNoShape">
+                <a:avLst/>
+              </a:prstTxWarp>
+              <a:spAutoFit/>
+            </a:bodyPr>
+            <a:lstStyle/>
+            <a:p>
+              <a:pPr algn="ctr" eaLnBrk="1" hangingPunct="1"/>
+              <a:r>
+                <a:rPr lang="en-US" sz="1800" b="1" dirty="0" err="1">
+                  <a:solidFill>
+                    <a:srgbClr val="000066"/>
+                  </a:solidFill>
+                  <a:latin typeface="Helvetica" charset="0"/>
+                  <a:ea typeface="Helvetica" charset="0"/>
+                  <a:cs typeface="Helvetica" charset="0"/>
+                  <a:sym typeface="Helvetica" charset="0"/>
+                </a:rPr>
+                <a:t>Addr</a:t>
+              </a:r>
+              <a:r>
+                <a:rPr lang="en-US" sz="1800" dirty="0">
+                  <a:solidFill>
+                    <a:srgbClr val="000066"/>
+                  </a:solidFill>
+                  <a:latin typeface="Helvetica" charset="0"/>
+                  <a:ea typeface="Helvetica" charset="0"/>
+                  <a:cs typeface="Helvetica" charset="0"/>
+                  <a:sym typeface="Helvetica" charset="0"/>
+                </a:rPr>
+                <a:t>.</a:t>
+              </a:r>
+            </a:p>
+          </p:txBody>
+        </p:sp>
+        <p:sp>
+          <p:nvSpPr>
+            <p:cNvPr id="35" name="Rectangle 41"/>
+            <p:cNvSpPr>
+              <a:spLocks/>
+            </p:cNvSpPr>
+            <p:nvPr/>
+          </p:nvSpPr>
+          <p:spPr bwMode="auto">
+            <a:xfrm>
+              <a:off x="1253" y="2722"/>
+              <a:ext cx="384" cy="192"/>
+            </a:xfrm>
+            <a:prstGeom prst="rect">
+              <a:avLst/>
+            </a:prstGeom>
+            <a:solidFill>
+              <a:srgbClr val="FFFFFF"/>
+            </a:solidFill>
+            <a:ln w="25400">
+              <a:solidFill>
+                <a:srgbClr val="000066"/>
+              </a:solidFill>
+              <a:miter lim="800000"/>
+              <a:headEnd/>
+              <a:tailEnd/>
+            </a:ln>
+          </p:spPr>
+          <p:txBody>
+            <a:bodyPr lIns="0" tIns="0" rIns="0" bIns="0">
+              <a:prstTxWarp prst="textNoShape">
+                <a:avLst/>
+              </a:prstTxWarp>
+            </a:bodyPr>
+            <a:lstStyle/>
+            <a:p>
+              <a:pPr algn="ctr" eaLnBrk="1" hangingPunct="1"/>
+              <a:endParaRPr lang="en-US" sz="4200" b="0" smtClean="0">
+                <a:solidFill>
+                  <a:srgbClr val="000000"/>
+                </a:solidFill>
+                <a:latin typeface="Gill Sans" charset="0"/>
+                <a:ea typeface="ヒラギノ角ゴ ProN W3" charset="-128"/>
+                <a:cs typeface="ヒラギノ角ゴ ProN W3" charset="-128"/>
+                <a:sym typeface="Gill Sans" charset="0"/>
+              </a:endParaRPr>
+            </a:p>
+          </p:txBody>
+        </p:sp>
+        <p:sp>
+          <p:nvSpPr>
+            <p:cNvPr id="36" name="Rectangle 42"/>
+            <p:cNvSpPr>
+              <a:spLocks/>
+            </p:cNvSpPr>
+            <p:nvPr/>
+          </p:nvSpPr>
+          <p:spPr bwMode="auto">
+            <a:xfrm>
+              <a:off x="1733" y="2722"/>
+              <a:ext cx="443" cy="224"/>
+            </a:xfrm>
+            <a:prstGeom prst="rect">
+              <a:avLst/>
+            </a:prstGeom>
+            <a:noFill/>
+            <a:ln w="25400">
+              <a:noFill/>
+              <a:miter lim="800000"/>
+              <a:headEnd/>
+              <a:tailEnd/>
+            </a:ln>
+          </p:spPr>
+          <p:txBody>
+            <a:bodyPr wrap="none" lIns="50800" tIns="50800" bIns="50800">
+              <a:prstTxWarp prst="textNoShape">
+                <a:avLst/>
+              </a:prstTxWarp>
+              <a:spAutoFit/>
+            </a:bodyPr>
+            <a:lstStyle/>
+            <a:p>
+              <a:pPr eaLnBrk="1" hangingPunct="1"/>
+              <a:r>
+                <a:rPr lang="en-US" sz="1800" b="0">
+                  <a:solidFill>
+                    <a:srgbClr val="000066"/>
+                  </a:solidFill>
+                  <a:latin typeface="Courier New" charset="0"/>
+                  <a:ea typeface="Courier New" charset="0"/>
+                  <a:cs typeface="Courier New" charset="0"/>
+                  <a:sym typeface="Courier New" charset="0"/>
+                </a:rPr>
+                <a:t>0012</a:t>
+              </a:r>
+            </a:p>
+          </p:txBody>
+        </p:sp>
+        <p:sp>
+          <p:nvSpPr>
+            <p:cNvPr id="37" name="Rectangle 43"/>
+            <p:cNvSpPr>
+              <a:spLocks/>
+            </p:cNvSpPr>
+            <p:nvPr/>
+          </p:nvSpPr>
+          <p:spPr bwMode="auto">
+            <a:xfrm>
+              <a:off x="1253" y="2914"/>
+              <a:ext cx="384" cy="192"/>
+            </a:xfrm>
+            <a:prstGeom prst="rect">
+              <a:avLst/>
+            </a:prstGeom>
+            <a:solidFill>
+              <a:srgbClr val="FFFFFF"/>
+            </a:solidFill>
+            <a:ln w="25400">
+              <a:solidFill>
+                <a:srgbClr val="000066"/>
+              </a:solidFill>
+              <a:miter lim="800000"/>
+              <a:headEnd/>
+              <a:tailEnd/>
+            </a:ln>
+          </p:spPr>
+          <p:txBody>
+            <a:bodyPr lIns="0" tIns="0" rIns="0" bIns="0">
+              <a:prstTxWarp prst="textNoShape">
+                <a:avLst/>
+              </a:prstTxWarp>
+            </a:bodyPr>
+            <a:lstStyle/>
+            <a:p>
+              <a:pPr algn="ctr" eaLnBrk="1" hangingPunct="1"/>
+              <a:endParaRPr lang="en-US" sz="4200" b="0" smtClean="0">
+                <a:solidFill>
+                  <a:srgbClr val="000000"/>
+                </a:solidFill>
+                <a:latin typeface="Gill Sans" charset="0"/>
+                <a:ea typeface="ヒラギノ角ゴ ProN W3" charset="-128"/>
+                <a:cs typeface="ヒラギノ角ゴ ProN W3" charset="-128"/>
+                <a:sym typeface="Gill Sans" charset="0"/>
+              </a:endParaRPr>
+            </a:p>
+          </p:txBody>
+        </p:sp>
+        <p:sp>
+          <p:nvSpPr>
+            <p:cNvPr id="38" name="Rectangle 44"/>
+            <p:cNvSpPr>
+              <a:spLocks/>
+            </p:cNvSpPr>
+            <p:nvPr/>
+          </p:nvSpPr>
+          <p:spPr bwMode="auto">
+            <a:xfrm>
+              <a:off x="1733" y="2914"/>
+              <a:ext cx="443" cy="224"/>
+            </a:xfrm>
+            <a:prstGeom prst="rect">
+              <a:avLst/>
+            </a:prstGeom>
+            <a:noFill/>
+            <a:ln w="25400">
+              <a:noFill/>
+              <a:miter lim="800000"/>
+              <a:headEnd/>
+              <a:tailEnd/>
+            </a:ln>
+          </p:spPr>
+          <p:txBody>
+            <a:bodyPr wrap="none" lIns="50800" tIns="50800" bIns="50800">
+              <a:prstTxWarp prst="textNoShape">
+                <a:avLst/>
+              </a:prstTxWarp>
+              <a:spAutoFit/>
+            </a:bodyPr>
+            <a:lstStyle/>
+            <a:p>
+              <a:pPr eaLnBrk="1" hangingPunct="1"/>
+              <a:r>
+                <a:rPr lang="en-US" sz="1800" b="0">
+                  <a:solidFill>
+                    <a:srgbClr val="000066"/>
+                  </a:solidFill>
+                  <a:latin typeface="Courier New" charset="0"/>
+                  <a:ea typeface="Courier New" charset="0"/>
+                  <a:cs typeface="Courier New" charset="0"/>
+                  <a:sym typeface="Courier New" charset="0"/>
+                </a:rPr>
+                <a:t>0013</a:t>
+              </a:r>
+            </a:p>
+          </p:txBody>
+        </p:sp>
+        <p:sp>
+          <p:nvSpPr>
+            <p:cNvPr id="39" name="Rectangle 45"/>
+            <p:cNvSpPr>
+              <a:spLocks/>
+            </p:cNvSpPr>
+            <p:nvPr/>
+          </p:nvSpPr>
+          <p:spPr bwMode="auto">
+            <a:xfrm>
+              <a:off x="1253" y="3106"/>
+              <a:ext cx="384" cy="192"/>
+            </a:xfrm>
+            <a:prstGeom prst="rect">
+              <a:avLst/>
+            </a:prstGeom>
+            <a:solidFill>
+              <a:srgbClr val="FFFFFF"/>
+            </a:solidFill>
+            <a:ln w="25400">
+              <a:solidFill>
+                <a:srgbClr val="000066"/>
+              </a:solidFill>
+              <a:miter lim="800000"/>
+              <a:headEnd/>
+              <a:tailEnd/>
+            </a:ln>
+          </p:spPr>
+          <p:txBody>
+            <a:bodyPr lIns="0" tIns="0" rIns="0" bIns="0">
+              <a:prstTxWarp prst="textNoShape">
+                <a:avLst/>
+              </a:prstTxWarp>
+            </a:bodyPr>
+            <a:lstStyle/>
+            <a:p>
+              <a:pPr algn="ctr" eaLnBrk="1" hangingPunct="1"/>
+              <a:endParaRPr lang="en-US" sz="4200" b="0" smtClean="0">
+                <a:solidFill>
+                  <a:srgbClr val="000000"/>
+                </a:solidFill>
+                <a:latin typeface="Gill Sans" charset="0"/>
+                <a:ea typeface="ヒラギノ角ゴ ProN W3" charset="-128"/>
+                <a:cs typeface="ヒラギノ角ゴ ProN W3" charset="-128"/>
+                <a:sym typeface="Gill Sans" charset="0"/>
+              </a:endParaRPr>
+            </a:p>
+          </p:txBody>
+        </p:sp>
+        <p:sp>
+          <p:nvSpPr>
+            <p:cNvPr id="40" name="Rectangle 46"/>
+            <p:cNvSpPr>
+              <a:spLocks/>
+            </p:cNvSpPr>
+            <p:nvPr/>
+          </p:nvSpPr>
+          <p:spPr bwMode="auto">
+            <a:xfrm>
+              <a:off x="1733" y="3106"/>
+              <a:ext cx="443" cy="224"/>
+            </a:xfrm>
+            <a:prstGeom prst="rect">
+              <a:avLst/>
+            </a:prstGeom>
+            <a:noFill/>
+            <a:ln w="25400">
+              <a:noFill/>
+              <a:miter lim="800000"/>
+              <a:headEnd/>
+              <a:tailEnd/>
+            </a:ln>
+          </p:spPr>
+          <p:txBody>
+            <a:bodyPr wrap="none" lIns="50800" tIns="50800" bIns="50800">
+              <a:prstTxWarp prst="textNoShape">
+                <a:avLst/>
+              </a:prstTxWarp>
+              <a:spAutoFit/>
+            </a:bodyPr>
+            <a:lstStyle/>
+            <a:p>
+              <a:pPr eaLnBrk="1" hangingPunct="1"/>
+              <a:r>
+                <a:rPr lang="en-US" sz="1800" b="0">
+                  <a:solidFill>
+                    <a:srgbClr val="000066"/>
+                  </a:solidFill>
+                  <a:latin typeface="Courier New" charset="0"/>
+                  <a:ea typeface="Courier New" charset="0"/>
+                  <a:cs typeface="Courier New" charset="0"/>
+                  <a:sym typeface="Courier New" charset="0"/>
+                </a:rPr>
+                <a:t>0014</a:t>
+              </a:r>
+            </a:p>
+          </p:txBody>
+        </p:sp>
+        <p:sp>
+          <p:nvSpPr>
+            <p:cNvPr id="41" name="Rectangle 47"/>
+            <p:cNvSpPr>
+              <a:spLocks/>
+            </p:cNvSpPr>
+            <p:nvPr/>
+          </p:nvSpPr>
+          <p:spPr bwMode="auto">
+            <a:xfrm>
+              <a:off x="1253" y="3298"/>
+              <a:ext cx="384" cy="192"/>
+            </a:xfrm>
+            <a:prstGeom prst="rect">
+              <a:avLst/>
+            </a:prstGeom>
+            <a:solidFill>
+              <a:srgbClr val="FFFFFF"/>
+            </a:solidFill>
+            <a:ln w="25400">
+              <a:solidFill>
+                <a:srgbClr val="000066"/>
+              </a:solidFill>
+              <a:miter lim="800000"/>
+              <a:headEnd/>
+              <a:tailEnd/>
+            </a:ln>
+          </p:spPr>
+          <p:txBody>
+            <a:bodyPr lIns="0" tIns="0" rIns="0" bIns="0">
+              <a:prstTxWarp prst="textNoShape">
+                <a:avLst/>
+              </a:prstTxWarp>
+            </a:bodyPr>
+            <a:lstStyle/>
+            <a:p>
+              <a:pPr algn="ctr" eaLnBrk="1" hangingPunct="1"/>
+              <a:endParaRPr lang="en-US" sz="4200" b="0" smtClean="0">
+                <a:solidFill>
+                  <a:srgbClr val="000000"/>
+                </a:solidFill>
+                <a:latin typeface="Gill Sans" charset="0"/>
+                <a:ea typeface="ヒラギノ角ゴ ProN W3" charset="-128"/>
+                <a:cs typeface="ヒラギノ角ゴ ProN W3" charset="-128"/>
+                <a:sym typeface="Gill Sans" charset="0"/>
+              </a:endParaRPr>
+            </a:p>
+          </p:txBody>
+        </p:sp>
+        <p:sp>
+          <p:nvSpPr>
+            <p:cNvPr id="42" name="Rectangle 48"/>
+            <p:cNvSpPr>
+              <a:spLocks/>
+            </p:cNvSpPr>
+            <p:nvPr/>
+          </p:nvSpPr>
+          <p:spPr bwMode="auto">
+            <a:xfrm>
+              <a:off x="1733" y="3298"/>
+              <a:ext cx="443" cy="224"/>
+            </a:xfrm>
+            <a:prstGeom prst="rect">
+              <a:avLst/>
+            </a:prstGeom>
+            <a:noFill/>
+            <a:ln w="25400">
+              <a:noFill/>
+              <a:miter lim="800000"/>
+              <a:headEnd/>
+              <a:tailEnd/>
+            </a:ln>
+          </p:spPr>
+          <p:txBody>
+            <a:bodyPr wrap="none" lIns="50800" tIns="50800" bIns="50800">
+              <a:prstTxWarp prst="textNoShape">
+                <a:avLst/>
+              </a:prstTxWarp>
+              <a:spAutoFit/>
+            </a:bodyPr>
+            <a:lstStyle/>
+            <a:p>
+              <a:pPr eaLnBrk="1" hangingPunct="1"/>
+              <a:r>
+                <a:rPr lang="en-US" sz="1800" b="0">
+                  <a:solidFill>
+                    <a:srgbClr val="000066"/>
+                  </a:solidFill>
+                  <a:latin typeface="Courier New" charset="0"/>
+                  <a:ea typeface="Courier New" charset="0"/>
+                  <a:cs typeface="Courier New" charset="0"/>
+                  <a:sym typeface="Courier New" charset="0"/>
+                </a:rPr>
+                <a:t>0015</a:t>
+              </a:r>
+            </a:p>
+          </p:txBody>
+        </p:sp>
+        <p:sp>
+          <p:nvSpPr>
+            <p:cNvPr id="43" name="Rectangle 49"/>
+            <p:cNvSpPr>
+              <a:spLocks/>
+            </p:cNvSpPr>
+            <p:nvPr/>
+          </p:nvSpPr>
+          <p:spPr bwMode="auto">
+            <a:xfrm>
+              <a:off x="576" y="0"/>
+              <a:ext cx="543" cy="416"/>
+            </a:xfrm>
+            <a:prstGeom prst="rect">
+              <a:avLst/>
+            </a:prstGeom>
+            <a:noFill/>
+            <a:ln w="25400">
+              <a:noFill/>
+              <a:miter lim="800000"/>
+              <a:headEnd/>
+              <a:tailEnd/>
+            </a:ln>
+          </p:spPr>
+          <p:txBody>
+            <a:bodyPr wrap="none" lIns="50800" tIns="50800" bIns="50800">
+              <a:prstTxWarp prst="textNoShape">
+                <a:avLst/>
+              </a:prstTxWarp>
+              <a:spAutoFit/>
+            </a:bodyPr>
+            <a:lstStyle/>
+            <a:p>
+              <a:pPr algn="ctr" eaLnBrk="1" hangingPunct="1"/>
+              <a:r>
+                <a:rPr lang="en-US" sz="1800" b="1" dirty="0">
+                  <a:solidFill>
+                    <a:srgbClr val="000066"/>
+                  </a:solidFill>
+                  <a:latin typeface="Helvetica" charset="0"/>
+                  <a:ea typeface="Helvetica" charset="0"/>
+                  <a:cs typeface="Helvetica" charset="0"/>
+                  <a:sym typeface="Helvetica" charset="0"/>
+                </a:rPr>
+                <a:t>64-bit</a:t>
+              </a:r>
+            </a:p>
+            <a:p>
+              <a:pPr algn="ctr" eaLnBrk="1" hangingPunct="1"/>
+              <a:r>
+                <a:rPr lang="en-US" sz="1800" b="1" dirty="0">
+                  <a:solidFill>
+                    <a:srgbClr val="000066"/>
+                  </a:solidFill>
+                  <a:latin typeface="Helvetica" charset="0"/>
+                  <a:ea typeface="Helvetica" charset="0"/>
+                  <a:cs typeface="Helvetica" charset="0"/>
+                  <a:sym typeface="Helvetica" charset="0"/>
+                </a:rPr>
+                <a:t>Words</a:t>
+              </a:r>
+            </a:p>
+          </p:txBody>
+        </p:sp>
+        <p:sp>
+          <p:nvSpPr>
+            <p:cNvPr id="44" name="Rectangle 50"/>
+            <p:cNvSpPr>
+              <a:spLocks/>
+            </p:cNvSpPr>
+            <p:nvPr/>
+          </p:nvSpPr>
+          <p:spPr bwMode="auto">
+            <a:xfrm>
+              <a:off x="657" y="946"/>
+              <a:ext cx="392" cy="460"/>
+            </a:xfrm>
+            <a:prstGeom prst="rect">
+              <a:avLst/>
+            </a:prstGeom>
+            <a:noFill/>
+            <a:ln w="25400">
+              <a:noFill/>
+              <a:miter lim="800000"/>
+              <a:headEnd/>
+              <a:tailEnd/>
+            </a:ln>
+          </p:spPr>
+          <p:txBody>
+            <a:bodyPr lIns="50800" tIns="50800" bIns="50800">
+              <a:prstTxWarp prst="textNoShape">
+                <a:avLst/>
+              </a:prstTxWarp>
+            </a:bodyPr>
+            <a:lstStyle/>
+            <a:p>
+              <a:pPr algn="ctr" eaLnBrk="1" hangingPunct="1"/>
+              <a:r>
+                <a:rPr lang="en-US" sz="1400" dirty="0" err="1">
+                  <a:solidFill>
+                    <a:srgbClr val="000066"/>
+                  </a:solidFill>
+                  <a:latin typeface="Helvetica" charset="0"/>
+                  <a:ea typeface="Helvetica" charset="0"/>
+                  <a:cs typeface="Helvetica" charset="0"/>
+                  <a:sym typeface="Helvetica" charset="0"/>
+                </a:rPr>
+                <a:t>Addr</a:t>
+              </a:r>
+              <a:r>
+                <a:rPr lang="en-US" sz="1400" dirty="0">
+                  <a:solidFill>
+                    <a:srgbClr val="000066"/>
+                  </a:solidFill>
+                  <a:latin typeface="Helvetica" charset="0"/>
+                  <a:ea typeface="Helvetica" charset="0"/>
+                  <a:cs typeface="Helvetica" charset="0"/>
+                  <a:sym typeface="Helvetica" charset="0"/>
+                </a:rPr>
+                <a:t> </a:t>
+              </a:r>
+            </a:p>
+            <a:p>
+              <a:pPr algn="ctr" eaLnBrk="1" hangingPunct="1"/>
+              <a:r>
+                <a:rPr lang="en-US" sz="1400" dirty="0">
+                  <a:solidFill>
+                    <a:srgbClr val="000066"/>
+                  </a:solidFill>
+                  <a:latin typeface="Helvetica" charset="0"/>
+                  <a:ea typeface="Helvetica" charset="0"/>
+                  <a:cs typeface="Helvetica" charset="0"/>
+                  <a:sym typeface="Helvetica" charset="0"/>
+                </a:rPr>
+                <a:t>=</a:t>
+              </a:r>
+            </a:p>
+            <a:p>
+              <a:pPr algn="ctr" eaLnBrk="1" hangingPunct="1"/>
+              <a:r>
+                <a:rPr lang="en-US" sz="1400" b="0" dirty="0">
+                  <a:solidFill>
+                    <a:srgbClr val="000066"/>
+                  </a:solidFill>
+                  <a:latin typeface="Courier New" charset="0"/>
+                  <a:ea typeface="Courier New" charset="0"/>
+                  <a:cs typeface="Courier New" charset="0"/>
+                  <a:sym typeface="Courier New" charset="0"/>
+                </a:rPr>
+                <a:t>??</a:t>
+              </a:r>
+            </a:p>
+          </p:txBody>
+        </p:sp>
+        <p:sp>
+          <p:nvSpPr>
+            <p:cNvPr id="45" name="Rectangle 51"/>
+            <p:cNvSpPr>
+              <a:spLocks/>
+            </p:cNvSpPr>
+            <p:nvPr/>
+          </p:nvSpPr>
+          <p:spPr bwMode="auto">
+            <a:xfrm>
+              <a:off x="657" y="2434"/>
+              <a:ext cx="392" cy="460"/>
+            </a:xfrm>
+            <a:prstGeom prst="rect">
+              <a:avLst/>
+            </a:prstGeom>
+            <a:noFill/>
+            <a:ln w="25400">
+              <a:noFill/>
+              <a:miter lim="800000"/>
+              <a:headEnd/>
+              <a:tailEnd/>
+            </a:ln>
+          </p:spPr>
+          <p:txBody>
+            <a:bodyPr lIns="50800" tIns="50800" bIns="50800">
+              <a:prstTxWarp prst="textNoShape">
+                <a:avLst/>
+              </a:prstTxWarp>
+            </a:bodyPr>
+            <a:lstStyle/>
+            <a:p>
+              <a:pPr algn="ctr" eaLnBrk="1" hangingPunct="1"/>
+              <a:r>
+                <a:rPr lang="en-US" sz="1400">
+                  <a:solidFill>
+                    <a:srgbClr val="000066"/>
+                  </a:solidFill>
+                  <a:latin typeface="Helvetica" charset="0"/>
+                  <a:ea typeface="Helvetica" charset="0"/>
+                  <a:cs typeface="Helvetica" charset="0"/>
+                  <a:sym typeface="Helvetica" charset="0"/>
+                </a:rPr>
+                <a:t>Addr </a:t>
+              </a:r>
+            </a:p>
+            <a:p>
+              <a:pPr algn="ctr" eaLnBrk="1" hangingPunct="1"/>
+              <a:r>
+                <a:rPr lang="en-US" sz="1400">
+                  <a:solidFill>
+                    <a:srgbClr val="000066"/>
+                  </a:solidFill>
+                  <a:latin typeface="Helvetica" charset="0"/>
+                  <a:ea typeface="Helvetica" charset="0"/>
+                  <a:cs typeface="Helvetica" charset="0"/>
+                  <a:sym typeface="Helvetica" charset="0"/>
+                </a:rPr>
+                <a:t>=</a:t>
+              </a:r>
+            </a:p>
+            <a:p>
+              <a:pPr algn="ctr" eaLnBrk="1" hangingPunct="1"/>
+              <a:r>
+                <a:rPr lang="en-US" sz="1400" b="0">
+                  <a:solidFill>
+                    <a:srgbClr val="000066"/>
+                  </a:solidFill>
+                  <a:latin typeface="Courier New" charset="0"/>
+                  <a:ea typeface="Courier New" charset="0"/>
+                  <a:cs typeface="Courier New" charset="0"/>
+                  <a:sym typeface="Courier New" charset="0"/>
+                </a:rPr>
+                <a:t>??</a:t>
+              </a:r>
+            </a:p>
+          </p:txBody>
+        </p:sp>
+        <p:sp>
+          <p:nvSpPr>
+            <p:cNvPr id="46" name="Rectangle 52"/>
+            <p:cNvSpPr>
+              <a:spLocks/>
+            </p:cNvSpPr>
+            <p:nvPr/>
+          </p:nvSpPr>
+          <p:spPr bwMode="auto">
+            <a:xfrm>
+              <a:off x="81" y="562"/>
+              <a:ext cx="392" cy="460"/>
+            </a:xfrm>
+            <a:prstGeom prst="rect">
+              <a:avLst/>
+            </a:prstGeom>
+            <a:noFill/>
+            <a:ln w="25400">
+              <a:noFill/>
+              <a:miter lim="800000"/>
+              <a:headEnd/>
+              <a:tailEnd/>
+            </a:ln>
+          </p:spPr>
+          <p:txBody>
+            <a:bodyPr lIns="50800" tIns="50800" bIns="50800">
+              <a:prstTxWarp prst="textNoShape">
+                <a:avLst/>
+              </a:prstTxWarp>
+            </a:bodyPr>
+            <a:lstStyle/>
+            <a:p>
+              <a:pPr algn="ctr" eaLnBrk="1" hangingPunct="1"/>
+              <a:r>
+                <a:rPr lang="en-US" sz="1400" dirty="0" err="1">
+                  <a:solidFill>
+                    <a:srgbClr val="000066"/>
+                  </a:solidFill>
+                  <a:latin typeface="Helvetica" charset="0"/>
+                  <a:ea typeface="Helvetica" charset="0"/>
+                  <a:cs typeface="Helvetica" charset="0"/>
+                  <a:sym typeface="Helvetica" charset="0"/>
+                </a:rPr>
+                <a:t>Addr</a:t>
+              </a:r>
+              <a:r>
+                <a:rPr lang="en-US" sz="1400" dirty="0">
+                  <a:solidFill>
+                    <a:srgbClr val="000066"/>
+                  </a:solidFill>
+                  <a:latin typeface="Helvetica" charset="0"/>
+                  <a:ea typeface="Helvetica" charset="0"/>
+                  <a:cs typeface="Helvetica" charset="0"/>
+                  <a:sym typeface="Helvetica" charset="0"/>
+                </a:rPr>
+                <a:t> </a:t>
+              </a:r>
+            </a:p>
+            <a:p>
+              <a:pPr algn="ctr" eaLnBrk="1" hangingPunct="1"/>
+              <a:r>
+                <a:rPr lang="en-US" sz="1400" dirty="0">
+                  <a:solidFill>
+                    <a:srgbClr val="000066"/>
+                  </a:solidFill>
+                  <a:latin typeface="Helvetica" charset="0"/>
+                  <a:ea typeface="Helvetica" charset="0"/>
+                  <a:cs typeface="Helvetica" charset="0"/>
+                  <a:sym typeface="Helvetica" charset="0"/>
+                </a:rPr>
+                <a:t>=</a:t>
+              </a:r>
+            </a:p>
+            <a:p>
+              <a:pPr algn="ctr" eaLnBrk="1" hangingPunct="1"/>
+              <a:r>
+                <a:rPr lang="en-US" sz="1400" b="0" dirty="0">
+                  <a:solidFill>
+                    <a:srgbClr val="000066"/>
+                  </a:solidFill>
+                  <a:latin typeface="Courier New" charset="0"/>
+                  <a:ea typeface="Courier New" charset="0"/>
+                  <a:cs typeface="Courier New" charset="0"/>
+                  <a:sym typeface="Courier New" charset="0"/>
+                </a:rPr>
+                <a:t>??</a:t>
+              </a:r>
+            </a:p>
+          </p:txBody>
+        </p:sp>
+        <p:sp>
+          <p:nvSpPr>
+            <p:cNvPr id="47" name="Rectangle 53"/>
+            <p:cNvSpPr>
+              <a:spLocks/>
+            </p:cNvSpPr>
+            <p:nvPr/>
+          </p:nvSpPr>
+          <p:spPr bwMode="auto">
+            <a:xfrm>
+              <a:off x="81" y="1330"/>
+              <a:ext cx="392" cy="460"/>
+            </a:xfrm>
+            <a:prstGeom prst="rect">
+              <a:avLst/>
+            </a:prstGeom>
+            <a:noFill/>
+            <a:ln w="25400">
+              <a:noFill/>
+              <a:miter lim="800000"/>
+              <a:headEnd/>
+              <a:tailEnd/>
+            </a:ln>
+          </p:spPr>
+          <p:txBody>
+            <a:bodyPr lIns="50800" tIns="50800" bIns="50800">
+              <a:prstTxWarp prst="textNoShape">
+                <a:avLst/>
+              </a:prstTxWarp>
+            </a:bodyPr>
+            <a:lstStyle/>
+            <a:p>
+              <a:pPr algn="ctr" eaLnBrk="1" hangingPunct="1"/>
+              <a:r>
+                <a:rPr lang="en-US" sz="1400">
+                  <a:solidFill>
+                    <a:srgbClr val="000066"/>
+                  </a:solidFill>
+                  <a:latin typeface="Helvetica" charset="0"/>
+                  <a:ea typeface="Helvetica" charset="0"/>
+                  <a:cs typeface="Helvetica" charset="0"/>
+                  <a:sym typeface="Helvetica" charset="0"/>
+                </a:rPr>
+                <a:t>Addr </a:t>
+              </a:r>
+            </a:p>
+            <a:p>
+              <a:pPr algn="ctr" eaLnBrk="1" hangingPunct="1"/>
+              <a:r>
+                <a:rPr lang="en-US" sz="1400">
+                  <a:solidFill>
+                    <a:srgbClr val="000066"/>
+                  </a:solidFill>
+                  <a:latin typeface="Helvetica" charset="0"/>
+                  <a:ea typeface="Helvetica" charset="0"/>
+                  <a:cs typeface="Helvetica" charset="0"/>
+                  <a:sym typeface="Helvetica" charset="0"/>
+                </a:rPr>
+                <a:t>=</a:t>
+              </a:r>
+            </a:p>
+            <a:p>
+              <a:pPr algn="ctr" eaLnBrk="1" hangingPunct="1"/>
+              <a:r>
+                <a:rPr lang="en-US" sz="1400" b="0">
+                  <a:solidFill>
+                    <a:srgbClr val="000066"/>
+                  </a:solidFill>
+                  <a:latin typeface="Courier New" charset="0"/>
+                  <a:ea typeface="Courier New" charset="0"/>
+                  <a:cs typeface="Courier New" charset="0"/>
+                  <a:sym typeface="Courier New" charset="0"/>
+                </a:rPr>
+                <a:t>??</a:t>
+              </a:r>
+            </a:p>
+          </p:txBody>
+        </p:sp>
+        <p:sp>
+          <p:nvSpPr>
+            <p:cNvPr id="48" name="Rectangle 54"/>
+            <p:cNvSpPr>
+              <a:spLocks/>
+            </p:cNvSpPr>
+            <p:nvPr/>
+          </p:nvSpPr>
+          <p:spPr bwMode="auto">
+            <a:xfrm>
+              <a:off x="81" y="2098"/>
+              <a:ext cx="392" cy="460"/>
+            </a:xfrm>
+            <a:prstGeom prst="rect">
+              <a:avLst/>
+            </a:prstGeom>
+            <a:noFill/>
+            <a:ln w="25400">
+              <a:noFill/>
+              <a:miter lim="800000"/>
+              <a:headEnd/>
+              <a:tailEnd/>
+            </a:ln>
+          </p:spPr>
+          <p:txBody>
+            <a:bodyPr lIns="50800" tIns="50800" bIns="50800">
+              <a:prstTxWarp prst="textNoShape">
+                <a:avLst/>
+              </a:prstTxWarp>
+            </a:bodyPr>
+            <a:lstStyle/>
+            <a:p>
+              <a:pPr algn="ctr" eaLnBrk="1" hangingPunct="1"/>
+              <a:r>
+                <a:rPr lang="en-US" sz="1400">
+                  <a:solidFill>
+                    <a:srgbClr val="000066"/>
+                  </a:solidFill>
+                  <a:latin typeface="Helvetica" charset="0"/>
+                  <a:ea typeface="Helvetica" charset="0"/>
+                  <a:cs typeface="Helvetica" charset="0"/>
+                  <a:sym typeface="Helvetica" charset="0"/>
+                </a:rPr>
+                <a:t>Addr </a:t>
+              </a:r>
+            </a:p>
+            <a:p>
+              <a:pPr algn="ctr" eaLnBrk="1" hangingPunct="1"/>
+              <a:r>
+                <a:rPr lang="en-US" sz="1400">
+                  <a:solidFill>
+                    <a:srgbClr val="000066"/>
+                  </a:solidFill>
+                  <a:latin typeface="Helvetica" charset="0"/>
+                  <a:ea typeface="Helvetica" charset="0"/>
+                  <a:cs typeface="Helvetica" charset="0"/>
+                  <a:sym typeface="Helvetica" charset="0"/>
+                </a:rPr>
+                <a:t>=</a:t>
+              </a:r>
+            </a:p>
+            <a:p>
+              <a:pPr algn="ctr" eaLnBrk="1" hangingPunct="1"/>
+              <a:r>
+                <a:rPr lang="en-US" sz="1400" b="0">
+                  <a:solidFill>
+                    <a:srgbClr val="000066"/>
+                  </a:solidFill>
+                  <a:latin typeface="Courier New" charset="0"/>
+                  <a:ea typeface="Courier New" charset="0"/>
+                  <a:cs typeface="Courier New" charset="0"/>
+                  <a:sym typeface="Courier New" charset="0"/>
+                </a:rPr>
+                <a:t>??</a:t>
+              </a:r>
+            </a:p>
+          </p:txBody>
+        </p:sp>
+        <p:sp>
+          <p:nvSpPr>
+            <p:cNvPr id="49" name="Rectangle 55"/>
+            <p:cNvSpPr>
+              <a:spLocks/>
+            </p:cNvSpPr>
+            <p:nvPr/>
+          </p:nvSpPr>
+          <p:spPr bwMode="auto">
+            <a:xfrm>
+              <a:off x="81" y="2866"/>
+              <a:ext cx="392" cy="460"/>
+            </a:xfrm>
+            <a:prstGeom prst="rect">
+              <a:avLst/>
+            </a:prstGeom>
+            <a:noFill/>
+            <a:ln w="25400">
+              <a:noFill/>
+              <a:miter lim="800000"/>
+              <a:headEnd/>
+              <a:tailEnd/>
+            </a:ln>
+          </p:spPr>
+          <p:txBody>
+            <a:bodyPr lIns="50800" tIns="50800" bIns="50800">
+              <a:prstTxWarp prst="textNoShape">
+                <a:avLst/>
+              </a:prstTxWarp>
+            </a:bodyPr>
+            <a:lstStyle/>
+            <a:p>
+              <a:pPr algn="ctr" eaLnBrk="1" hangingPunct="1"/>
+              <a:r>
+                <a:rPr lang="en-US" sz="1400">
+                  <a:solidFill>
+                    <a:srgbClr val="000066"/>
+                  </a:solidFill>
+                  <a:latin typeface="Helvetica" charset="0"/>
+                  <a:ea typeface="Helvetica" charset="0"/>
+                  <a:cs typeface="Helvetica" charset="0"/>
+                  <a:sym typeface="Helvetica" charset="0"/>
+                </a:rPr>
+                <a:t>Addr </a:t>
+              </a:r>
+            </a:p>
+            <a:p>
+              <a:pPr algn="ctr" eaLnBrk="1" hangingPunct="1"/>
+              <a:r>
+                <a:rPr lang="en-US" sz="1400">
+                  <a:solidFill>
+                    <a:srgbClr val="000066"/>
+                  </a:solidFill>
+                  <a:latin typeface="Helvetica" charset="0"/>
+                  <a:ea typeface="Helvetica" charset="0"/>
+                  <a:cs typeface="Helvetica" charset="0"/>
+                  <a:sym typeface="Helvetica" charset="0"/>
+                </a:rPr>
+                <a:t>=</a:t>
+              </a:r>
+            </a:p>
+            <a:p>
+              <a:pPr algn="ctr" eaLnBrk="1" hangingPunct="1"/>
+              <a:r>
+                <a:rPr lang="en-US" sz="1400" b="0">
+                  <a:solidFill>
+                    <a:srgbClr val="000066"/>
+                  </a:solidFill>
+                  <a:latin typeface="Courier New" charset="0"/>
+                  <a:ea typeface="Courier New" charset="0"/>
+                  <a:cs typeface="Courier New" charset="0"/>
+                  <a:sym typeface="Courier New" charset="0"/>
+                </a:rPr>
+                <a:t>??</a:t>
+              </a:r>
+            </a:p>
+          </p:txBody>
+        </p:sp>
+        <p:grpSp>
+          <p:nvGrpSpPr>
+            <p:cNvPr id="50" name="Group 56"/>
+            <p:cNvGrpSpPr>
+              <a:grpSpLocks/>
+            </p:cNvGrpSpPr>
+            <p:nvPr/>
+          </p:nvGrpSpPr>
+          <p:grpSpPr bwMode="auto">
+            <a:xfrm>
+              <a:off x="103" y="860"/>
+              <a:ext cx="340" cy="2486"/>
+              <a:chOff x="0" y="34"/>
+              <a:chExt cx="340" cy="2486"/>
+            </a:xfrm>
+          </p:grpSpPr>
+          <p:sp>
+            <p:nvSpPr>
+              <p:cNvPr id="69" name="Rectangle 59"/>
+              <p:cNvSpPr>
+                <a:spLocks/>
+              </p:cNvSpPr>
+              <p:nvPr/>
+            </p:nvSpPr>
+            <p:spPr bwMode="auto">
+              <a:xfrm>
+                <a:off x="0" y="34"/>
+                <a:ext cx="340" cy="192"/>
+              </a:xfrm>
+              <a:prstGeom prst="rect">
+                <a:avLst/>
+              </a:prstGeom>
+              <a:solidFill>
+                <a:srgbClr val="F7B217"/>
+              </a:solidFill>
+              <a:ln w="12700">
+                <a:noFill/>
+                <a:miter lim="800000"/>
+                <a:headEnd/>
+                <a:tailEnd/>
+              </a:ln>
+            </p:spPr>
+            <p:txBody>
+              <a:bodyPr wrap="none" lIns="50800" tIns="50800" rIns="45720" bIns="50800" anchor="ctr">
+                <a:prstTxWarp prst="textNoShape">
+                  <a:avLst/>
+                </a:prstTxWarp>
+                <a:spAutoFit/>
+              </a:bodyPr>
+              <a:lstStyle/>
+              <a:p>
+                <a:pPr algn="ctr" eaLnBrk="1" hangingPunct="1">
+                  <a:lnSpc>
+                    <a:spcPct val="90000"/>
+                  </a:lnSpc>
+                </a:pPr>
+                <a:r>
+                  <a:rPr lang="en-US" sz="1400" b="0" dirty="0">
+                    <a:solidFill>
+                      <a:srgbClr val="000066"/>
+                    </a:solidFill>
+                    <a:latin typeface="Courier New" charset="0"/>
+                    <a:ea typeface="Courier New" charset="0"/>
+                    <a:cs typeface="Courier New" charset="0"/>
+                    <a:sym typeface="Courier New" charset="0"/>
+                  </a:rPr>
+                  <a:t>0000</a:t>
+                </a:r>
+              </a:p>
+            </p:txBody>
+          </p:sp>
+          <p:sp>
+            <p:nvSpPr>
+              <p:cNvPr id="67" name="Rectangle 62"/>
+              <p:cNvSpPr>
+                <a:spLocks/>
+              </p:cNvSpPr>
+              <p:nvPr/>
+            </p:nvSpPr>
+            <p:spPr bwMode="auto">
+              <a:xfrm>
+                <a:off x="0" y="804"/>
+                <a:ext cx="340" cy="192"/>
+              </a:xfrm>
+              <a:prstGeom prst="rect">
+                <a:avLst/>
+              </a:prstGeom>
+              <a:solidFill>
+                <a:srgbClr val="F7B217"/>
+              </a:solidFill>
+              <a:ln w="12700">
+                <a:noFill/>
+                <a:miter lim="800000"/>
+                <a:headEnd/>
+                <a:tailEnd/>
+              </a:ln>
+            </p:spPr>
+            <p:txBody>
+              <a:bodyPr wrap="none" lIns="50800" tIns="50800" rIns="45720" bIns="50800" anchor="ctr">
+                <a:prstTxWarp prst="textNoShape">
+                  <a:avLst/>
+                </a:prstTxWarp>
+                <a:spAutoFit/>
+              </a:bodyPr>
+              <a:lstStyle/>
+              <a:p>
+                <a:pPr algn="ctr" eaLnBrk="1" hangingPunct="1">
+                  <a:lnSpc>
+                    <a:spcPct val="90000"/>
+                  </a:lnSpc>
+                </a:pPr>
+                <a:r>
+                  <a:rPr lang="en-US" sz="1400" b="0" dirty="0">
+                    <a:solidFill>
+                      <a:srgbClr val="000066"/>
+                    </a:solidFill>
+                    <a:latin typeface="Courier New" charset="0"/>
+                    <a:ea typeface="Courier New" charset="0"/>
+                    <a:cs typeface="Courier New" charset="0"/>
+                    <a:sym typeface="Courier New" charset="0"/>
+                  </a:rPr>
+                  <a:t>0004</a:t>
+                </a:r>
+              </a:p>
+            </p:txBody>
+          </p:sp>
+          <p:sp>
+            <p:nvSpPr>
+              <p:cNvPr id="65" name="Rectangle 65"/>
+              <p:cNvSpPr>
+                <a:spLocks/>
+              </p:cNvSpPr>
+              <p:nvPr/>
+            </p:nvSpPr>
+            <p:spPr bwMode="auto">
+              <a:xfrm>
+                <a:off x="0" y="1576"/>
+                <a:ext cx="340" cy="192"/>
+              </a:xfrm>
+              <a:prstGeom prst="rect">
+                <a:avLst/>
+              </a:prstGeom>
+              <a:solidFill>
+                <a:srgbClr val="F7B217"/>
+              </a:solidFill>
+              <a:ln w="12700">
+                <a:noFill/>
+                <a:miter lim="800000"/>
+                <a:headEnd/>
+                <a:tailEnd/>
+              </a:ln>
+            </p:spPr>
+            <p:txBody>
+              <a:bodyPr wrap="none" lIns="50800" tIns="50800" rIns="45720" bIns="50800" anchor="ctr">
+                <a:prstTxWarp prst="textNoShape">
+                  <a:avLst/>
+                </a:prstTxWarp>
+                <a:spAutoFit/>
+              </a:bodyPr>
+              <a:lstStyle/>
+              <a:p>
+                <a:pPr algn="ctr" eaLnBrk="1" hangingPunct="1">
+                  <a:lnSpc>
+                    <a:spcPct val="90000"/>
+                  </a:lnSpc>
+                </a:pPr>
+                <a:r>
+                  <a:rPr lang="en-US" sz="1400" b="0" dirty="0">
+                    <a:solidFill>
+                      <a:srgbClr val="000066"/>
+                    </a:solidFill>
+                    <a:latin typeface="Courier New" charset="0"/>
+                    <a:ea typeface="Courier New" charset="0"/>
+                    <a:cs typeface="Courier New" charset="0"/>
+                    <a:sym typeface="Courier New" charset="0"/>
+                  </a:rPr>
+                  <a:t>0008</a:t>
+                </a:r>
+              </a:p>
+            </p:txBody>
+          </p:sp>
+          <p:sp>
+            <p:nvSpPr>
+              <p:cNvPr id="63" name="Rectangle 68"/>
+              <p:cNvSpPr>
+                <a:spLocks/>
+              </p:cNvSpPr>
+              <p:nvPr/>
+            </p:nvSpPr>
+            <p:spPr bwMode="auto">
+              <a:xfrm>
+                <a:off x="0" y="2328"/>
+                <a:ext cx="340" cy="192"/>
+              </a:xfrm>
+              <a:prstGeom prst="rect">
+                <a:avLst/>
+              </a:prstGeom>
+              <a:solidFill>
+                <a:srgbClr val="F7B217"/>
+              </a:solidFill>
+              <a:ln w="12700">
+                <a:noFill/>
+                <a:miter lim="800000"/>
+                <a:headEnd/>
+                <a:tailEnd/>
+              </a:ln>
+            </p:spPr>
+            <p:txBody>
+              <a:bodyPr wrap="none" lIns="50800" tIns="50800" rIns="45720" bIns="50800" anchor="ctr">
+                <a:prstTxWarp prst="textNoShape">
+                  <a:avLst/>
+                </a:prstTxWarp>
+                <a:spAutoFit/>
+              </a:bodyPr>
+              <a:lstStyle/>
+              <a:p>
+                <a:pPr algn="ctr" eaLnBrk="1" hangingPunct="1">
+                  <a:lnSpc>
+                    <a:spcPct val="90000"/>
+                  </a:lnSpc>
+                </a:pPr>
+                <a:r>
+                  <a:rPr lang="en-US" sz="1400" b="0" dirty="0">
+                    <a:solidFill>
+                      <a:srgbClr val="000066"/>
+                    </a:solidFill>
+                    <a:latin typeface="Courier New" charset="0"/>
+                    <a:ea typeface="Courier New" charset="0"/>
+                    <a:cs typeface="Courier New" charset="0"/>
+                    <a:sym typeface="Courier New" charset="0"/>
+                  </a:rPr>
+                  <a:t>0012</a:t>
+                </a:r>
+              </a:p>
+            </p:txBody>
+          </p:sp>
+        </p:grpSp>
+        <p:grpSp>
+          <p:nvGrpSpPr>
+            <p:cNvPr id="51" name="Group 69"/>
+            <p:cNvGrpSpPr>
+              <a:grpSpLocks/>
+            </p:cNvGrpSpPr>
+            <p:nvPr/>
+          </p:nvGrpSpPr>
+          <p:grpSpPr bwMode="auto">
+            <a:xfrm>
+              <a:off x="679" y="1246"/>
+              <a:ext cx="340" cy="1676"/>
+              <a:chOff x="0" y="36"/>
+              <a:chExt cx="340" cy="1676"/>
+            </a:xfrm>
+          </p:grpSpPr>
+          <p:sp>
+            <p:nvSpPr>
+              <p:cNvPr id="57" name="Rectangle 72"/>
+              <p:cNvSpPr>
+                <a:spLocks/>
+              </p:cNvSpPr>
+              <p:nvPr/>
+            </p:nvSpPr>
+            <p:spPr bwMode="auto">
+              <a:xfrm>
+                <a:off x="0" y="36"/>
+                <a:ext cx="340" cy="192"/>
+              </a:xfrm>
+              <a:prstGeom prst="rect">
+                <a:avLst/>
+              </a:prstGeom>
+              <a:solidFill>
+                <a:srgbClr val="F7B217"/>
+              </a:solidFill>
+              <a:ln w="12700">
+                <a:noFill/>
+                <a:miter lim="800000"/>
+                <a:headEnd/>
+                <a:tailEnd/>
+              </a:ln>
+            </p:spPr>
+            <p:txBody>
+              <a:bodyPr wrap="none" lIns="50800" tIns="50800" rIns="45720" bIns="50800" anchor="ctr">
+                <a:prstTxWarp prst="textNoShape">
+                  <a:avLst/>
+                </a:prstTxWarp>
+                <a:spAutoFit/>
+              </a:bodyPr>
+              <a:lstStyle/>
+              <a:p>
+                <a:pPr algn="ctr" eaLnBrk="1" hangingPunct="1">
+                  <a:lnSpc>
+                    <a:spcPct val="90000"/>
+                  </a:lnSpc>
+                </a:pPr>
+                <a:r>
+                  <a:rPr lang="en-US" sz="1400" b="0" dirty="0">
+                    <a:solidFill>
+                      <a:srgbClr val="000066"/>
+                    </a:solidFill>
+                    <a:latin typeface="Courier New" charset="0"/>
+                    <a:ea typeface="Courier New" charset="0"/>
+                    <a:cs typeface="Courier New" charset="0"/>
+                    <a:sym typeface="Courier New" charset="0"/>
+                  </a:rPr>
+                  <a:t>0000</a:t>
+                </a:r>
+              </a:p>
+            </p:txBody>
+          </p:sp>
+          <p:sp>
+            <p:nvSpPr>
+              <p:cNvPr id="55" name="Rectangle 75"/>
+              <p:cNvSpPr>
+                <a:spLocks/>
+              </p:cNvSpPr>
+              <p:nvPr/>
+            </p:nvSpPr>
+            <p:spPr bwMode="auto">
+              <a:xfrm>
+                <a:off x="0" y="1520"/>
+                <a:ext cx="340" cy="192"/>
+              </a:xfrm>
+              <a:prstGeom prst="rect">
+                <a:avLst/>
+              </a:prstGeom>
+              <a:solidFill>
+                <a:srgbClr val="F7B217"/>
+              </a:solidFill>
+              <a:ln w="12700">
+                <a:noFill/>
+                <a:miter lim="800000"/>
+                <a:headEnd/>
+                <a:tailEnd/>
+              </a:ln>
+            </p:spPr>
+            <p:txBody>
+              <a:bodyPr wrap="none" lIns="50800" tIns="50800" rIns="45720" bIns="50800" anchor="ctr">
+                <a:prstTxWarp prst="textNoShape">
+                  <a:avLst/>
+                </a:prstTxWarp>
+                <a:spAutoFit/>
+              </a:bodyPr>
+              <a:lstStyle/>
+              <a:p>
+                <a:pPr algn="ctr" eaLnBrk="1" hangingPunct="1">
+                  <a:lnSpc>
+                    <a:spcPct val="90000"/>
+                  </a:lnSpc>
+                </a:pPr>
+                <a:r>
+                  <a:rPr lang="en-US" sz="1400" b="0" dirty="0">
+                    <a:solidFill>
+                      <a:srgbClr val="000066"/>
+                    </a:solidFill>
+                    <a:latin typeface="Courier New" charset="0"/>
+                    <a:ea typeface="Courier New" charset="0"/>
+                    <a:cs typeface="Courier New" charset="0"/>
+                    <a:sym typeface="Courier New" charset="0"/>
+                  </a:rPr>
+                  <a:t>0008</a:t>
+                </a:r>
+              </a:p>
+            </p:txBody>
+          </p:sp>
+        </p:grpSp>
+      </p:grpSp>
+    </p:spTree>
+  </p:cSld>
+  <p:clrMapOvr>
+    <a:masterClrMapping/>
+  </p:clrMapOvr>
+  <p:timing>
+    <p:tnLst>
+      <p:par>
+        <p:cTn id="1" dur="indefinite" restart="never" nodeType="tmRoot"/>
+      </p:par>
+    </p:tnLst>
+  </p:timing>
+</p:sld>
+</file>
+
+<file path=ppt/slides/slide7.xml><?xml version="1.0" encoding="utf-8"?>
+<p:sld xmlns:a="http://schemas.openxmlformats.org/drawingml/2006/main" xmlns:r="http://schemas.openxmlformats.org/officeDocument/2006/relationships" xmlns:p="http://schemas.openxmlformats.org/presentationml/2006/main">
+  <p:cSld>
+    <p:spTree>
+      <p:nvGrpSpPr>
+        <p:cNvPr id="1" name=""/>
+        <p:cNvGrpSpPr/>
+        <p:nvPr/>
+      </p:nvGrpSpPr>
+      <p:grpSpPr>
+        <a:xfrm>
+          <a:off x="0" y="0"/>
+          <a:ext cx="0" cy="0"/>
+          <a:chOff x="0" y="0"/>
+          <a:chExt cx="0" cy="0"/>
+        </a:xfrm>
+      </p:grpSpPr>
+      <p:sp>
+        <p:nvSpPr>
+          <p:cNvPr id="2" name="Содержимое 1"/>
+          <p:cNvSpPr>
+            <a:spLocks noGrp="1"/>
+          </p:cNvSpPr>
+          <p:nvPr>
+            <p:ph idx="1"/>
+          </p:nvPr>
+        </p:nvSpPr>
+        <p:spPr/>
+        <p:txBody>
+          <a:bodyPr/>
+          <a:lstStyle/>
+          <a:p>
+            <a:pPr>
+              <a:lnSpc>
+                <a:spcPct val="100000"/>
+              </a:lnSpc>
+            </a:pPr>
+            <a:r>
+              <a:rPr lang="en-US" dirty="0" smtClean="0"/>
+              <a:t>How </a:t>
+            </a:r>
+            <a:r>
+              <a:rPr lang="en-US" dirty="0" smtClean="0"/>
+              <a:t>are the bytes within a multi-byte word ordered in memory?</a:t>
+            </a:r>
+          </a:p>
+          <a:p>
+            <a:pPr>
+              <a:lnSpc>
+                <a:spcPct val="100000"/>
+              </a:lnSpc>
+            </a:pPr>
+            <a:r>
+              <a:rPr lang="en-US" dirty="0" smtClean="0"/>
+              <a:t>Conventions</a:t>
+            </a:r>
+          </a:p>
+          <a:p>
+            <a:pPr marL="552450" lvl="1">
+              <a:lnSpc>
+                <a:spcPct val="100000"/>
+              </a:lnSpc>
+            </a:pPr>
+            <a:r>
+              <a:rPr lang="en-US" b="1" dirty="0" smtClean="0"/>
+              <a:t>Big </a:t>
+            </a:r>
+            <a:r>
+              <a:rPr lang="en-US" b="1" dirty="0" err="1" smtClean="0"/>
+              <a:t>Endian</a:t>
+            </a:r>
+            <a:r>
+              <a:rPr lang="en-US" dirty="0" smtClean="0"/>
+              <a:t>: </a:t>
+            </a:r>
+            <a:r>
+              <a:rPr lang="en-US" dirty="0" smtClean="0"/>
+              <a:t>Sun, PPC Mac, Internet</a:t>
+            </a:r>
+            <a:endParaRPr lang="en-US" dirty="0" smtClean="0"/>
+          </a:p>
+          <a:p>
+            <a:pPr marL="838200" lvl="2">
+              <a:lnSpc>
+                <a:spcPct val="100000"/>
+              </a:lnSpc>
+            </a:pPr>
+            <a:r>
+              <a:rPr lang="en-US" sz="2800" dirty="0" smtClean="0"/>
+              <a:t>Least significant byte has highest address</a:t>
+            </a:r>
+            <a:endParaRPr lang="en-US" sz="2800" dirty="0" smtClean="0"/>
+          </a:p>
+          <a:p>
+            <a:pPr marL="552450" lvl="1">
+              <a:lnSpc>
+                <a:spcPct val="100000"/>
+              </a:lnSpc>
+            </a:pPr>
+            <a:r>
+              <a:rPr lang="en-US" b="1" dirty="0" smtClean="0"/>
+              <a:t>Little </a:t>
+            </a:r>
+            <a:r>
+              <a:rPr lang="en-US" b="1" dirty="0" err="1" smtClean="0"/>
+              <a:t>Endian</a:t>
+            </a:r>
+            <a:r>
+              <a:rPr lang="en-US" dirty="0" smtClean="0"/>
+              <a:t>: x86, ARM processors running Android, </a:t>
+            </a:r>
+            <a:r>
+              <a:rPr lang="en-US" dirty="0" err="1" smtClean="0"/>
+              <a:t>iOS</a:t>
+            </a:r>
+            <a:r>
+              <a:rPr lang="en-US" dirty="0" smtClean="0"/>
+              <a:t>, and </a:t>
+            </a:r>
+            <a:r>
+              <a:rPr lang="en-US" dirty="0" smtClean="0"/>
+              <a:t>Windows, RISC-V</a:t>
+            </a:r>
+            <a:endParaRPr lang="en-US" dirty="0" smtClean="0"/>
+          </a:p>
+          <a:p>
+            <a:pPr marL="838200" lvl="2">
+              <a:lnSpc>
+                <a:spcPct val="100000"/>
+              </a:lnSpc>
+            </a:pPr>
+            <a:r>
+              <a:rPr lang="en-US" sz="2800" dirty="0" smtClean="0"/>
+              <a:t>Least significant byte has lowest address</a:t>
+            </a:r>
+          </a:p>
+          <a:p>
+            <a:endParaRPr lang="ru-RU" dirty="0"/>
+          </a:p>
+        </p:txBody>
+      </p:sp>
+      <p:sp>
+        <p:nvSpPr>
+          <p:cNvPr id="3" name="Номер слайда 2"/>
+          <p:cNvSpPr>
+            <a:spLocks noGrp="1"/>
+          </p:cNvSpPr>
+          <p:nvPr>
+            <p:ph type="sldNum" sz="quarter" idx="12"/>
+          </p:nvPr>
+        </p:nvSpPr>
+        <p:spPr/>
+        <p:txBody>
+          <a:bodyPr/>
+          <a:lstStyle/>
+          <a:p>
+            <a:pPr algn="ctr"/>
+            <a:fld id="{1397BFD8-F312-4EF2-A268-44FB4BDDBBB0}" type="slidenum">
+              <a:rPr lang="ru-RU" smtClean="0"/>
+              <a:pPr algn="ctr"/>
+              <a:t>7</a:t>
+            </a:fld>
+            <a:endParaRPr lang="ru-RU" dirty="0"/>
+          </a:p>
+        </p:txBody>
+      </p:sp>
+      <p:sp>
+        <p:nvSpPr>
+          <p:cNvPr id="4" name="Заголовок 3"/>
+          <p:cNvSpPr>
+            <a:spLocks noGrp="1"/>
+          </p:cNvSpPr>
+          <p:nvPr>
+            <p:ph type="title"/>
+          </p:nvPr>
+        </p:nvSpPr>
+        <p:spPr/>
+        <p:txBody>
+          <a:bodyPr/>
+          <a:lstStyle/>
+          <a:p>
+            <a:r>
+              <a:rPr lang="en-US" dirty="0" smtClean="0"/>
+              <a:t>Byte Ordering</a:t>
+            </a:r>
+            <a:endParaRPr lang="ru-RU" dirty="0"/>
+          </a:p>
+        </p:txBody>
+      </p:sp>
+    </p:spTree>
+  </p:cSld>
+  <p:clrMapOvr>
+    <a:masterClrMapping/>
+  </p:clrMapOvr>
+  <p:timing>
+    <p:tnLst>
+      <p:par>
+        <p:cTn id="1" dur="indefinite" restart="never" nodeType="tmRoot"/>
+      </p:par>
+    </p:tnLst>
+  </p:timing>
+</p:sld>
+</file>
+
+<file path=ppt/slides/slide8.xml><?xml version="1.0" encoding="utf-8"?>
+<p:sld xmlns:a="http://schemas.openxmlformats.org/drawingml/2006/main" xmlns:r="http://schemas.openxmlformats.org/officeDocument/2006/relationships" xmlns:p="http://schemas.openxmlformats.org/presentationml/2006/main">
+  <p:cSld>
+    <p:spTree>
+      <p:nvGrpSpPr>
+        <p:cNvPr id="1" name=""/>
+        <p:cNvGrpSpPr/>
+        <p:nvPr/>
+      </p:nvGrpSpPr>
+      <p:grpSpPr>
+        <a:xfrm>
+          <a:off x="0" y="0"/>
+          <a:ext cx="0" cy="0"/>
+          <a:chOff x="0" y="0"/>
+          <a:chExt cx="0" cy="0"/>
+        </a:xfrm>
+      </p:grpSpPr>
+      <p:sp>
+        <p:nvSpPr>
+          <p:cNvPr id="2" name="Содержимое 1"/>
+          <p:cNvSpPr>
+            <a:spLocks noGrp="1"/>
+          </p:cNvSpPr>
+          <p:nvPr>
+            <p:ph idx="1"/>
+          </p:nvPr>
+        </p:nvSpPr>
+        <p:spPr>
+          <a:xfrm>
+            <a:off x="838200" y="1311403"/>
+            <a:ext cx="10515600" cy="1936622"/>
+          </a:xfrm>
+        </p:spPr>
+        <p:txBody>
+          <a:bodyPr/>
+          <a:lstStyle/>
+          <a:p>
+            <a:r>
+              <a:rPr lang="en-US" dirty="0" smtClean="0"/>
+              <a:t>Example</a:t>
+            </a:r>
+          </a:p>
+          <a:p>
+            <a:pPr marL="552450" lvl="1"/>
+            <a:r>
+              <a:rPr lang="en-US" dirty="0" smtClean="0"/>
+              <a:t>Variable x has 4-byte value of 0x01234567</a:t>
+            </a:r>
+          </a:p>
+          <a:p>
+            <a:pPr marL="552450" lvl="1"/>
+            <a:r>
+              <a:rPr lang="en-US" dirty="0" smtClean="0"/>
+              <a:t>Address given by &amp;x is 0x100</a:t>
+            </a:r>
+          </a:p>
+          <a:p>
+            <a:endParaRPr lang="ru-RU" dirty="0"/>
+          </a:p>
+        </p:txBody>
+      </p:sp>
+      <p:sp>
+        <p:nvSpPr>
+          <p:cNvPr id="3" name="Номер слайда 2"/>
+          <p:cNvSpPr>
+            <a:spLocks noGrp="1"/>
+          </p:cNvSpPr>
+          <p:nvPr>
+            <p:ph type="sldNum" sz="quarter" idx="12"/>
+          </p:nvPr>
+        </p:nvSpPr>
+        <p:spPr/>
+        <p:txBody>
+          <a:bodyPr/>
+          <a:lstStyle/>
+          <a:p>
+            <a:pPr algn="ctr"/>
+            <a:fld id="{1397BFD8-F312-4EF2-A268-44FB4BDDBBB0}" type="slidenum">
+              <a:rPr lang="ru-RU" smtClean="0"/>
+              <a:pPr algn="ctr"/>
+              <a:t>8</a:t>
+            </a:fld>
+            <a:endParaRPr lang="ru-RU" dirty="0"/>
+          </a:p>
+        </p:txBody>
+      </p:sp>
+      <p:sp>
+        <p:nvSpPr>
+          <p:cNvPr id="4" name="Заголовок 3"/>
+          <p:cNvSpPr>
+            <a:spLocks noGrp="1"/>
+          </p:cNvSpPr>
+          <p:nvPr>
+            <p:ph type="title"/>
+          </p:nvPr>
+        </p:nvSpPr>
+        <p:spPr/>
+        <p:txBody>
+          <a:bodyPr/>
+          <a:lstStyle/>
+          <a:p>
+            <a:r>
+              <a:rPr lang="en-US" dirty="0" smtClean="0"/>
+              <a:t>Byte Ordering Example</a:t>
+            </a:r>
+            <a:endParaRPr lang="ru-RU" dirty="0"/>
+          </a:p>
+        </p:txBody>
+      </p:sp>
+      <p:grpSp>
+        <p:nvGrpSpPr>
+          <p:cNvPr id="5" name="Group 5"/>
+          <p:cNvGrpSpPr>
+            <a:grpSpLocks/>
+          </p:cNvGrpSpPr>
+          <p:nvPr/>
+        </p:nvGrpSpPr>
+        <p:grpSpPr bwMode="auto">
+          <a:xfrm>
+            <a:off x="3073399" y="3549650"/>
+            <a:ext cx="6867526" cy="816429"/>
+            <a:chOff x="0" y="0"/>
+            <a:chExt cx="3456" cy="400"/>
+          </a:xfrm>
+        </p:grpSpPr>
+        <p:grpSp>
+          <p:nvGrpSpPr>
+            <p:cNvPr id="6" name="Group 6"/>
+            <p:cNvGrpSpPr>
+              <a:grpSpLocks/>
+            </p:cNvGrpSpPr>
+            <p:nvPr/>
+          </p:nvGrpSpPr>
+          <p:grpSpPr bwMode="auto">
+            <a:xfrm>
+              <a:off x="864" y="0"/>
+              <a:ext cx="432" cy="192"/>
+              <a:chOff x="0" y="0"/>
+              <a:chExt cx="432" cy="192"/>
+            </a:xfrm>
+          </p:grpSpPr>
+          <p:sp>
+            <p:nvSpPr>
+              <p:cNvPr id="32" name="Rectangle 7"/>
+              <p:cNvSpPr>
+                <a:spLocks/>
+              </p:cNvSpPr>
+              <p:nvPr/>
+            </p:nvSpPr>
+            <p:spPr bwMode="auto">
+              <a:xfrm>
+                <a:off x="0" y="0"/>
+                <a:ext cx="432" cy="192"/>
+              </a:xfrm>
+              <a:prstGeom prst="rect">
+                <a:avLst/>
+              </a:prstGeom>
+              <a:solidFill>
+                <a:srgbClr val="FFFFFF"/>
+              </a:solidFill>
+              <a:ln w="25400">
+                <a:noFill/>
+                <a:miter lim="800000"/>
+                <a:headEnd/>
+                <a:tailEnd/>
+              </a:ln>
+            </p:spPr>
+            <p:txBody>
+              <a:bodyPr lIns="0" tIns="0" rIns="0" bIns="0">
+                <a:prstTxWarp prst="textNoShape">
+                  <a:avLst/>
+                </a:prstTxWarp>
+              </a:bodyPr>
+              <a:lstStyle/>
+              <a:p>
+                <a:pPr algn="ctr" eaLnBrk="1" hangingPunct="1"/>
+                <a:endParaRPr lang="en-US" sz="4200" b="0" smtClean="0">
+                  <a:solidFill>
+                    <a:srgbClr val="000000"/>
+                  </a:solidFill>
+                  <a:latin typeface="Gill Sans" charset="0"/>
+                  <a:ea typeface="ヒラギノ角ゴ ProN W3" charset="-128"/>
+                  <a:cs typeface="ヒラギノ角ゴ ProN W3" charset="-128"/>
+                  <a:sym typeface="Gill Sans" charset="0"/>
+                </a:endParaRPr>
+              </a:p>
+            </p:txBody>
+          </p:sp>
+          <p:sp>
+            <p:nvSpPr>
+              <p:cNvPr id="33" name="Rectangle 8"/>
+              <p:cNvSpPr>
+                <a:spLocks/>
+              </p:cNvSpPr>
+              <p:nvPr/>
+            </p:nvSpPr>
+            <p:spPr bwMode="auto">
+              <a:xfrm>
+                <a:off x="0" y="11"/>
+                <a:ext cx="359" cy="171"/>
+              </a:xfrm>
+              <a:prstGeom prst="rect">
+                <a:avLst/>
+              </a:prstGeom>
+              <a:noFill/>
+              <a:ln w="12700">
+                <a:noFill/>
+                <a:miter lim="800000"/>
+                <a:headEnd/>
+                <a:tailEnd/>
+              </a:ln>
+            </p:spPr>
+            <p:txBody>
+              <a:bodyPr wrap="none" lIns="50800" tIns="50800" bIns="50800" anchor="ctr">
+                <a:prstTxWarp prst="textNoShape">
+                  <a:avLst/>
+                </a:prstTxWarp>
+                <a:spAutoFit/>
+              </a:bodyPr>
+              <a:lstStyle/>
+              <a:p>
+                <a:pPr eaLnBrk="1" hangingPunct="1"/>
+                <a:r>
+                  <a:rPr lang="en-US" sz="1600" b="1" dirty="0">
+                    <a:solidFill>
+                      <a:srgbClr val="000066"/>
+                    </a:solidFill>
+                    <a:latin typeface="Courier New Bold" charset="0"/>
+                    <a:ea typeface="Courier New Bold" charset="0"/>
+                    <a:cs typeface="Courier New Bold" charset="0"/>
+                    <a:sym typeface="Courier New Bold" charset="0"/>
+                  </a:rPr>
+                  <a:t>0x100</a:t>
+                </a:r>
+              </a:p>
+            </p:txBody>
+          </p:sp>
+        </p:grpSp>
+        <p:grpSp>
+          <p:nvGrpSpPr>
+            <p:cNvPr id="7" name="Group 9"/>
+            <p:cNvGrpSpPr>
+              <a:grpSpLocks/>
+            </p:cNvGrpSpPr>
+            <p:nvPr/>
+          </p:nvGrpSpPr>
+          <p:grpSpPr bwMode="auto">
+            <a:xfrm>
+              <a:off x="1296" y="0"/>
+              <a:ext cx="432" cy="192"/>
+              <a:chOff x="0" y="0"/>
+              <a:chExt cx="432" cy="192"/>
+            </a:xfrm>
+          </p:grpSpPr>
+          <p:sp>
+            <p:nvSpPr>
+              <p:cNvPr id="30" name="Rectangle 10"/>
+              <p:cNvSpPr>
+                <a:spLocks/>
+              </p:cNvSpPr>
+              <p:nvPr/>
+            </p:nvSpPr>
+            <p:spPr bwMode="auto">
+              <a:xfrm>
+                <a:off x="0" y="0"/>
+                <a:ext cx="432" cy="192"/>
+              </a:xfrm>
+              <a:prstGeom prst="rect">
+                <a:avLst/>
+              </a:prstGeom>
+              <a:solidFill>
+                <a:srgbClr val="FFFFFF"/>
+              </a:solidFill>
+              <a:ln w="25400">
+                <a:noFill/>
+                <a:miter lim="800000"/>
+                <a:headEnd/>
+                <a:tailEnd/>
+              </a:ln>
+            </p:spPr>
+            <p:txBody>
+              <a:bodyPr lIns="0" tIns="0" rIns="0" bIns="0">
+                <a:prstTxWarp prst="textNoShape">
+                  <a:avLst/>
+                </a:prstTxWarp>
+              </a:bodyPr>
+              <a:lstStyle/>
+              <a:p>
+                <a:pPr algn="ctr" eaLnBrk="1" hangingPunct="1"/>
+                <a:endParaRPr lang="en-US" sz="4200" b="0" smtClean="0">
+                  <a:solidFill>
+                    <a:srgbClr val="000000"/>
+                  </a:solidFill>
+                  <a:latin typeface="Gill Sans" charset="0"/>
+                  <a:ea typeface="ヒラギノ角ゴ ProN W3" charset="-128"/>
+                  <a:cs typeface="ヒラギノ角ゴ ProN W3" charset="-128"/>
+                  <a:sym typeface="Gill Sans" charset="0"/>
+                </a:endParaRPr>
+              </a:p>
+            </p:txBody>
+          </p:sp>
+          <p:sp>
+            <p:nvSpPr>
+              <p:cNvPr id="31" name="Rectangle 11"/>
+              <p:cNvSpPr>
+                <a:spLocks/>
+              </p:cNvSpPr>
+              <p:nvPr/>
+            </p:nvSpPr>
+            <p:spPr bwMode="auto">
+              <a:xfrm>
+                <a:off x="0" y="11"/>
+                <a:ext cx="359" cy="171"/>
+              </a:xfrm>
+              <a:prstGeom prst="rect">
+                <a:avLst/>
+              </a:prstGeom>
+              <a:noFill/>
+              <a:ln w="12700">
+                <a:noFill/>
+                <a:miter lim="800000"/>
+                <a:headEnd/>
+                <a:tailEnd/>
+              </a:ln>
+            </p:spPr>
+            <p:txBody>
+              <a:bodyPr wrap="none" lIns="50800" tIns="50800" bIns="50800" anchor="ctr">
+                <a:prstTxWarp prst="textNoShape">
+                  <a:avLst/>
+                </a:prstTxWarp>
+                <a:spAutoFit/>
+              </a:bodyPr>
+              <a:lstStyle/>
+              <a:p>
+                <a:pPr eaLnBrk="1" hangingPunct="1"/>
+                <a:r>
+                  <a:rPr lang="en-US" sz="1600" b="1" dirty="0">
+                    <a:solidFill>
+                      <a:srgbClr val="000066"/>
+                    </a:solidFill>
+                    <a:latin typeface="Courier New Bold" charset="0"/>
+                    <a:ea typeface="Courier New Bold" charset="0"/>
+                    <a:cs typeface="Courier New Bold" charset="0"/>
+                    <a:sym typeface="Courier New Bold" charset="0"/>
+                  </a:rPr>
+                  <a:t>0x101</a:t>
+                </a:r>
+              </a:p>
+            </p:txBody>
+          </p:sp>
+        </p:grpSp>
+        <p:grpSp>
+          <p:nvGrpSpPr>
+            <p:cNvPr id="8" name="Group 12"/>
+            <p:cNvGrpSpPr>
+              <a:grpSpLocks/>
+            </p:cNvGrpSpPr>
+            <p:nvPr/>
+          </p:nvGrpSpPr>
+          <p:grpSpPr bwMode="auto">
+            <a:xfrm>
+              <a:off x="1728" y="0"/>
+              <a:ext cx="432" cy="192"/>
+              <a:chOff x="0" y="0"/>
+              <a:chExt cx="432" cy="192"/>
+            </a:xfrm>
+          </p:grpSpPr>
+          <p:sp>
+            <p:nvSpPr>
+              <p:cNvPr id="28" name="Rectangle 13"/>
+              <p:cNvSpPr>
+                <a:spLocks/>
+              </p:cNvSpPr>
+              <p:nvPr/>
+            </p:nvSpPr>
+            <p:spPr bwMode="auto">
+              <a:xfrm>
+                <a:off x="0" y="0"/>
+                <a:ext cx="432" cy="192"/>
+              </a:xfrm>
+              <a:prstGeom prst="rect">
+                <a:avLst/>
+              </a:prstGeom>
+              <a:solidFill>
+                <a:srgbClr val="FFFFFF"/>
+              </a:solidFill>
+              <a:ln w="25400">
+                <a:noFill/>
+                <a:miter lim="800000"/>
+                <a:headEnd/>
+                <a:tailEnd/>
+              </a:ln>
+            </p:spPr>
+            <p:txBody>
+              <a:bodyPr lIns="0" tIns="0" rIns="0" bIns="0">
+                <a:prstTxWarp prst="textNoShape">
+                  <a:avLst/>
+                </a:prstTxWarp>
+              </a:bodyPr>
+              <a:lstStyle/>
+              <a:p>
+                <a:pPr algn="ctr" eaLnBrk="1" hangingPunct="1"/>
+                <a:endParaRPr lang="en-US" sz="4200" b="0" smtClean="0">
+                  <a:solidFill>
+                    <a:srgbClr val="000000"/>
+                  </a:solidFill>
+                  <a:latin typeface="Gill Sans" charset="0"/>
+                  <a:ea typeface="ヒラギノ角ゴ ProN W3" charset="-128"/>
+                  <a:cs typeface="ヒラギノ角ゴ ProN W3" charset="-128"/>
+                  <a:sym typeface="Gill Sans" charset="0"/>
+                </a:endParaRPr>
+              </a:p>
+            </p:txBody>
+          </p:sp>
+          <p:sp>
+            <p:nvSpPr>
+              <p:cNvPr id="29" name="Rectangle 14"/>
+              <p:cNvSpPr>
+                <a:spLocks/>
+              </p:cNvSpPr>
+              <p:nvPr/>
+            </p:nvSpPr>
+            <p:spPr bwMode="auto">
+              <a:xfrm>
+                <a:off x="0" y="11"/>
+                <a:ext cx="359" cy="171"/>
+              </a:xfrm>
+              <a:prstGeom prst="rect">
+                <a:avLst/>
+              </a:prstGeom>
+              <a:noFill/>
+              <a:ln w="12700">
+                <a:noFill/>
+                <a:miter lim="800000"/>
+                <a:headEnd/>
+                <a:tailEnd/>
+              </a:ln>
+            </p:spPr>
+            <p:txBody>
+              <a:bodyPr wrap="none" lIns="50800" tIns="50800" bIns="50800" anchor="ctr">
+                <a:prstTxWarp prst="textNoShape">
+                  <a:avLst/>
+                </a:prstTxWarp>
+                <a:spAutoFit/>
+              </a:bodyPr>
+              <a:lstStyle/>
+              <a:p>
+                <a:pPr eaLnBrk="1" hangingPunct="1"/>
+                <a:r>
+                  <a:rPr lang="en-US" sz="1600" b="1" dirty="0">
+                    <a:solidFill>
+                      <a:srgbClr val="000066"/>
+                    </a:solidFill>
+                    <a:latin typeface="Courier New Bold" charset="0"/>
+                    <a:ea typeface="Courier New Bold" charset="0"/>
+                    <a:cs typeface="Courier New Bold" charset="0"/>
+                    <a:sym typeface="Courier New Bold" charset="0"/>
+                  </a:rPr>
+                  <a:t>0x102</a:t>
+                </a:r>
+              </a:p>
+            </p:txBody>
+          </p:sp>
+        </p:grpSp>
+        <p:grpSp>
+          <p:nvGrpSpPr>
+            <p:cNvPr id="9" name="Group 15"/>
+            <p:cNvGrpSpPr>
+              <a:grpSpLocks/>
+            </p:cNvGrpSpPr>
+            <p:nvPr/>
+          </p:nvGrpSpPr>
+          <p:grpSpPr bwMode="auto">
+            <a:xfrm>
+              <a:off x="2160" y="0"/>
+              <a:ext cx="432" cy="192"/>
+              <a:chOff x="0" y="0"/>
+              <a:chExt cx="432" cy="192"/>
+            </a:xfrm>
+          </p:grpSpPr>
+          <p:sp>
+            <p:nvSpPr>
+              <p:cNvPr id="26" name="Rectangle 16"/>
+              <p:cNvSpPr>
+                <a:spLocks/>
+              </p:cNvSpPr>
+              <p:nvPr/>
+            </p:nvSpPr>
+            <p:spPr bwMode="auto">
+              <a:xfrm>
+                <a:off x="0" y="0"/>
+                <a:ext cx="432" cy="192"/>
+              </a:xfrm>
+              <a:prstGeom prst="rect">
+                <a:avLst/>
+              </a:prstGeom>
+              <a:solidFill>
+                <a:srgbClr val="FFFFFF"/>
+              </a:solidFill>
+              <a:ln w="25400">
+                <a:noFill/>
+                <a:miter lim="800000"/>
+                <a:headEnd/>
+                <a:tailEnd/>
+              </a:ln>
+            </p:spPr>
+            <p:txBody>
+              <a:bodyPr lIns="0" tIns="0" rIns="0" bIns="0">
+                <a:prstTxWarp prst="textNoShape">
+                  <a:avLst/>
+                </a:prstTxWarp>
+              </a:bodyPr>
+              <a:lstStyle/>
+              <a:p>
+                <a:pPr algn="ctr" eaLnBrk="1" hangingPunct="1"/>
+                <a:endParaRPr lang="en-US" sz="4200" b="0" smtClean="0">
+                  <a:solidFill>
+                    <a:srgbClr val="000000"/>
+                  </a:solidFill>
+                  <a:latin typeface="Gill Sans" charset="0"/>
+                  <a:ea typeface="ヒラギノ角ゴ ProN W3" charset="-128"/>
+                  <a:cs typeface="ヒラギノ角ゴ ProN W3" charset="-128"/>
+                  <a:sym typeface="Gill Sans" charset="0"/>
+                </a:endParaRPr>
+              </a:p>
+            </p:txBody>
+          </p:sp>
+          <p:sp>
+            <p:nvSpPr>
+              <p:cNvPr id="27" name="Rectangle 17"/>
+              <p:cNvSpPr>
+                <a:spLocks/>
+              </p:cNvSpPr>
+              <p:nvPr/>
+            </p:nvSpPr>
+            <p:spPr bwMode="auto">
+              <a:xfrm>
+                <a:off x="0" y="11"/>
+                <a:ext cx="359" cy="171"/>
+              </a:xfrm>
+              <a:prstGeom prst="rect">
+                <a:avLst/>
+              </a:prstGeom>
+              <a:noFill/>
+              <a:ln w="12700">
+                <a:noFill/>
+                <a:miter lim="800000"/>
+                <a:headEnd/>
+                <a:tailEnd/>
+              </a:ln>
+            </p:spPr>
+            <p:txBody>
+              <a:bodyPr wrap="none" lIns="50800" tIns="50800" bIns="50800" anchor="ctr">
+                <a:prstTxWarp prst="textNoShape">
+                  <a:avLst/>
+                </a:prstTxWarp>
+                <a:spAutoFit/>
+              </a:bodyPr>
+              <a:lstStyle/>
+              <a:p>
+                <a:pPr eaLnBrk="1" hangingPunct="1"/>
+                <a:r>
+                  <a:rPr lang="en-US" sz="1600" b="1" dirty="0">
+                    <a:solidFill>
+                      <a:srgbClr val="000066"/>
+                    </a:solidFill>
+                    <a:latin typeface="Courier New Bold" charset="0"/>
+                    <a:ea typeface="Courier New Bold" charset="0"/>
+                    <a:cs typeface="Courier New Bold" charset="0"/>
+                    <a:sym typeface="Courier New Bold" charset="0"/>
+                  </a:rPr>
+                  <a:t>0x103</a:t>
+                </a:r>
+              </a:p>
+            </p:txBody>
+          </p:sp>
+        </p:grpSp>
+        <p:sp>
+          <p:nvSpPr>
+            <p:cNvPr id="10" name="Rectangle 18"/>
+            <p:cNvSpPr>
+              <a:spLocks/>
+            </p:cNvSpPr>
+            <p:nvPr/>
+          </p:nvSpPr>
+          <p:spPr bwMode="auto">
+            <a:xfrm>
+              <a:off x="0" y="192"/>
+              <a:ext cx="432" cy="192"/>
+            </a:xfrm>
+            <a:prstGeom prst="rect">
+              <a:avLst/>
+            </a:prstGeom>
+            <a:solidFill>
+              <a:srgbClr val="FFFFFF"/>
+            </a:solidFill>
+            <a:ln w="25400">
+              <a:solidFill>
+                <a:srgbClr val="000066"/>
+              </a:solidFill>
+              <a:miter lim="800000"/>
+              <a:headEnd/>
+              <a:tailEnd/>
+            </a:ln>
+          </p:spPr>
+          <p:txBody>
+            <a:bodyPr lIns="0" tIns="0" rIns="0" bIns="0">
+              <a:prstTxWarp prst="textNoShape">
+                <a:avLst/>
+              </a:prstTxWarp>
+            </a:bodyPr>
+            <a:lstStyle/>
+            <a:p>
+              <a:pPr algn="ctr" eaLnBrk="1" hangingPunct="1"/>
+              <a:endParaRPr lang="en-US" sz="4200" b="0" smtClean="0">
+                <a:solidFill>
+                  <a:srgbClr val="000000"/>
+                </a:solidFill>
+                <a:latin typeface="Gill Sans" charset="0"/>
+                <a:ea typeface="ヒラギノ角ゴ ProN W3" charset="-128"/>
+                <a:cs typeface="ヒラギノ角ゴ ProN W3" charset="-128"/>
+                <a:sym typeface="Gill Sans" charset="0"/>
+              </a:endParaRPr>
+            </a:p>
+          </p:txBody>
+        </p:sp>
+        <p:sp>
+          <p:nvSpPr>
+            <p:cNvPr id="11" name="Rectangle 19"/>
+            <p:cNvSpPr>
+              <a:spLocks/>
+            </p:cNvSpPr>
+            <p:nvPr/>
+          </p:nvSpPr>
+          <p:spPr bwMode="auto">
+            <a:xfrm>
+              <a:off x="432" y="192"/>
+              <a:ext cx="432" cy="192"/>
+            </a:xfrm>
+            <a:prstGeom prst="rect">
+              <a:avLst/>
+            </a:prstGeom>
+            <a:solidFill>
+              <a:srgbClr val="FFFFFF"/>
+            </a:solidFill>
+            <a:ln w="25400">
+              <a:solidFill>
+                <a:srgbClr val="000066"/>
+              </a:solidFill>
+              <a:miter lim="800000"/>
+              <a:headEnd/>
+              <a:tailEnd/>
+            </a:ln>
+          </p:spPr>
+          <p:txBody>
+            <a:bodyPr lIns="0" tIns="0" rIns="0" bIns="0">
+              <a:prstTxWarp prst="textNoShape">
+                <a:avLst/>
+              </a:prstTxWarp>
+            </a:bodyPr>
+            <a:lstStyle/>
+            <a:p>
+              <a:pPr algn="ctr" eaLnBrk="1" hangingPunct="1"/>
+              <a:endParaRPr lang="en-US" sz="4200" b="0" smtClean="0">
+                <a:solidFill>
+                  <a:srgbClr val="000000"/>
+                </a:solidFill>
+                <a:latin typeface="Gill Sans" charset="0"/>
+                <a:ea typeface="ヒラギノ角ゴ ProN W3" charset="-128"/>
+                <a:cs typeface="ヒラギノ角ゴ ProN W3" charset="-128"/>
+                <a:sym typeface="Gill Sans" charset="0"/>
+              </a:endParaRPr>
+            </a:p>
+          </p:txBody>
+        </p:sp>
+        <p:grpSp>
+          <p:nvGrpSpPr>
+            <p:cNvPr id="12" name="Group 20"/>
+            <p:cNvGrpSpPr>
+              <a:grpSpLocks/>
+            </p:cNvGrpSpPr>
+            <p:nvPr/>
+          </p:nvGrpSpPr>
+          <p:grpSpPr bwMode="auto">
+            <a:xfrm>
+              <a:off x="864" y="176"/>
+              <a:ext cx="432" cy="224"/>
+              <a:chOff x="0" y="0"/>
+              <a:chExt cx="432" cy="224"/>
+            </a:xfrm>
+          </p:grpSpPr>
+          <p:sp>
+            <p:nvSpPr>
+              <p:cNvPr id="24" name="Rectangle 21"/>
+              <p:cNvSpPr>
+                <a:spLocks/>
+              </p:cNvSpPr>
+              <p:nvPr/>
+            </p:nvSpPr>
+            <p:spPr bwMode="auto">
+              <a:xfrm>
+                <a:off x="0" y="16"/>
+                <a:ext cx="432" cy="192"/>
+              </a:xfrm>
+              <a:prstGeom prst="rect">
+                <a:avLst/>
+              </a:prstGeom>
+              <a:solidFill>
+                <a:srgbClr val="FFFFFF"/>
+              </a:solidFill>
+              <a:ln w="25400">
+                <a:solidFill>
+                  <a:srgbClr val="000066"/>
+                </a:solidFill>
+                <a:miter lim="800000"/>
+                <a:headEnd/>
+                <a:tailEnd/>
+              </a:ln>
+            </p:spPr>
+            <p:txBody>
+              <a:bodyPr lIns="0" tIns="0" rIns="0" bIns="0">
+                <a:prstTxWarp prst="textNoShape">
+                  <a:avLst/>
+                </a:prstTxWarp>
+              </a:bodyPr>
+              <a:lstStyle/>
+              <a:p>
+                <a:pPr algn="ctr" eaLnBrk="1" hangingPunct="1"/>
+                <a:endParaRPr lang="en-US" sz="4200" b="0" smtClean="0">
+                  <a:solidFill>
+                    <a:srgbClr val="000000"/>
+                  </a:solidFill>
+                  <a:latin typeface="Gill Sans" charset="0"/>
+                  <a:ea typeface="ヒラギノ角ゴ ProN W3" charset="-128"/>
+                  <a:cs typeface="ヒラギノ角ゴ ProN W3" charset="-128"/>
+                  <a:sym typeface="Gill Sans" charset="0"/>
+                </a:endParaRPr>
+              </a:p>
+            </p:txBody>
+          </p:sp>
+          <p:sp>
+            <p:nvSpPr>
+              <p:cNvPr id="25" name="Rectangle 22"/>
+              <p:cNvSpPr>
+                <a:spLocks/>
+              </p:cNvSpPr>
+              <p:nvPr/>
+            </p:nvSpPr>
+            <p:spPr bwMode="auto">
+              <a:xfrm>
+                <a:off x="80" y="0"/>
+                <a:ext cx="271" cy="224"/>
+              </a:xfrm>
+              <a:prstGeom prst="rect">
+                <a:avLst/>
+              </a:prstGeom>
+              <a:noFill/>
+              <a:ln w="12700">
+                <a:noFill/>
+                <a:miter lim="800000"/>
+                <a:headEnd/>
+                <a:tailEnd/>
+              </a:ln>
+            </p:spPr>
+            <p:txBody>
+              <a:bodyPr wrap="none" lIns="50800" tIns="50800" bIns="50800" anchor="ctr">
+                <a:prstTxWarp prst="textNoShape">
+                  <a:avLst/>
+                </a:prstTxWarp>
+                <a:spAutoFit/>
+              </a:bodyPr>
+              <a:lstStyle/>
+              <a:p>
+                <a:pPr algn="ctr" eaLnBrk="1" hangingPunct="1"/>
+                <a:r>
+                  <a:rPr lang="en-US" sz="1800" b="0">
+                    <a:solidFill>
+                      <a:srgbClr val="FFFFFF"/>
+                    </a:solidFill>
+                    <a:latin typeface="Courier New Bold" charset="0"/>
+                    <a:ea typeface="Courier New Bold" charset="0"/>
+                    <a:cs typeface="Courier New Bold" charset="0"/>
+                    <a:sym typeface="Courier New Bold" charset="0"/>
+                  </a:rPr>
+                  <a:t>01</a:t>
+                </a:r>
+              </a:p>
+            </p:txBody>
+          </p:sp>
+        </p:grpSp>
+        <p:grpSp>
+          <p:nvGrpSpPr>
+            <p:cNvPr id="13" name="Group 23"/>
+            <p:cNvGrpSpPr>
+              <a:grpSpLocks/>
+            </p:cNvGrpSpPr>
+            <p:nvPr/>
+          </p:nvGrpSpPr>
+          <p:grpSpPr bwMode="auto">
+            <a:xfrm>
+              <a:off x="1296" y="176"/>
+              <a:ext cx="432" cy="224"/>
+              <a:chOff x="0" y="0"/>
+              <a:chExt cx="432" cy="224"/>
+            </a:xfrm>
+          </p:grpSpPr>
+          <p:sp>
+            <p:nvSpPr>
+              <p:cNvPr id="22" name="Rectangle 24"/>
+              <p:cNvSpPr>
+                <a:spLocks/>
+              </p:cNvSpPr>
+              <p:nvPr/>
+            </p:nvSpPr>
+            <p:spPr bwMode="auto">
+              <a:xfrm>
+                <a:off x="0" y="16"/>
+                <a:ext cx="432" cy="192"/>
+              </a:xfrm>
+              <a:prstGeom prst="rect">
+                <a:avLst/>
+              </a:prstGeom>
+              <a:solidFill>
+                <a:srgbClr val="FFFFFF"/>
+              </a:solidFill>
+              <a:ln w="25400">
+                <a:solidFill>
+                  <a:srgbClr val="000066"/>
+                </a:solidFill>
+                <a:miter lim="800000"/>
+                <a:headEnd/>
+                <a:tailEnd/>
+              </a:ln>
+            </p:spPr>
+            <p:txBody>
+              <a:bodyPr lIns="0" tIns="0" rIns="0" bIns="0">
+                <a:prstTxWarp prst="textNoShape">
+                  <a:avLst/>
+                </a:prstTxWarp>
+              </a:bodyPr>
+              <a:lstStyle/>
+              <a:p>
+                <a:pPr algn="ctr" eaLnBrk="1" hangingPunct="1"/>
+                <a:endParaRPr lang="en-US" sz="4200" b="0" smtClean="0">
+                  <a:solidFill>
+                    <a:srgbClr val="000000"/>
+                  </a:solidFill>
+                  <a:latin typeface="Gill Sans" charset="0"/>
+                  <a:ea typeface="ヒラギノ角ゴ ProN W3" charset="-128"/>
+                  <a:cs typeface="ヒラギノ角ゴ ProN W3" charset="-128"/>
+                  <a:sym typeface="Gill Sans" charset="0"/>
+                </a:endParaRPr>
+              </a:p>
+            </p:txBody>
+          </p:sp>
+          <p:sp>
+            <p:nvSpPr>
+              <p:cNvPr id="23" name="Rectangle 25"/>
+              <p:cNvSpPr>
+                <a:spLocks/>
+              </p:cNvSpPr>
+              <p:nvPr/>
+            </p:nvSpPr>
+            <p:spPr bwMode="auto">
+              <a:xfrm>
+                <a:off x="80" y="0"/>
+                <a:ext cx="271" cy="224"/>
+              </a:xfrm>
+              <a:prstGeom prst="rect">
+                <a:avLst/>
+              </a:prstGeom>
+              <a:noFill/>
+              <a:ln w="12700">
+                <a:noFill/>
+                <a:miter lim="800000"/>
+                <a:headEnd/>
+                <a:tailEnd/>
+              </a:ln>
+            </p:spPr>
+            <p:txBody>
+              <a:bodyPr wrap="none" lIns="50800" tIns="50800" bIns="50800" anchor="ctr">
+                <a:prstTxWarp prst="textNoShape">
+                  <a:avLst/>
+                </a:prstTxWarp>
+                <a:spAutoFit/>
+              </a:bodyPr>
+              <a:lstStyle/>
+              <a:p>
+                <a:pPr algn="ctr" eaLnBrk="1" hangingPunct="1"/>
+                <a:r>
+                  <a:rPr lang="en-US" sz="1800" b="0">
+                    <a:solidFill>
+                      <a:srgbClr val="FFFFFF"/>
+                    </a:solidFill>
+                    <a:latin typeface="Courier New Bold" charset="0"/>
+                    <a:ea typeface="Courier New Bold" charset="0"/>
+                    <a:cs typeface="Courier New Bold" charset="0"/>
+                    <a:sym typeface="Courier New Bold" charset="0"/>
+                  </a:rPr>
+                  <a:t>23</a:t>
+                </a:r>
+              </a:p>
+            </p:txBody>
+          </p:sp>
+        </p:grpSp>
+        <p:grpSp>
+          <p:nvGrpSpPr>
+            <p:cNvPr id="14" name="Group 26"/>
+            <p:cNvGrpSpPr>
+              <a:grpSpLocks/>
+            </p:cNvGrpSpPr>
+            <p:nvPr/>
+          </p:nvGrpSpPr>
+          <p:grpSpPr bwMode="auto">
+            <a:xfrm>
+              <a:off x="1728" y="176"/>
+              <a:ext cx="432" cy="224"/>
+              <a:chOff x="0" y="0"/>
+              <a:chExt cx="432" cy="224"/>
+            </a:xfrm>
+          </p:grpSpPr>
+          <p:sp>
+            <p:nvSpPr>
+              <p:cNvPr id="20" name="Rectangle 27"/>
+              <p:cNvSpPr>
+                <a:spLocks/>
+              </p:cNvSpPr>
+              <p:nvPr/>
+            </p:nvSpPr>
+            <p:spPr bwMode="auto">
+              <a:xfrm>
+                <a:off x="0" y="16"/>
+                <a:ext cx="432" cy="192"/>
+              </a:xfrm>
+              <a:prstGeom prst="rect">
+                <a:avLst/>
+              </a:prstGeom>
+              <a:solidFill>
+                <a:srgbClr val="FFFFFF"/>
+              </a:solidFill>
+              <a:ln w="25400">
+                <a:solidFill>
+                  <a:srgbClr val="000066"/>
+                </a:solidFill>
+                <a:miter lim="800000"/>
+                <a:headEnd/>
+                <a:tailEnd/>
+              </a:ln>
+            </p:spPr>
+            <p:txBody>
+              <a:bodyPr lIns="0" tIns="0" rIns="0" bIns="0">
+                <a:prstTxWarp prst="textNoShape">
+                  <a:avLst/>
+                </a:prstTxWarp>
+              </a:bodyPr>
+              <a:lstStyle/>
+              <a:p>
+                <a:pPr algn="ctr" eaLnBrk="1" hangingPunct="1"/>
+                <a:endParaRPr lang="en-US" sz="4200" b="0" smtClean="0">
+                  <a:solidFill>
+                    <a:srgbClr val="000000"/>
+                  </a:solidFill>
+                  <a:latin typeface="Gill Sans" charset="0"/>
+                  <a:ea typeface="ヒラギノ角ゴ ProN W3" charset="-128"/>
+                  <a:cs typeface="ヒラギノ角ゴ ProN W3" charset="-128"/>
+                  <a:sym typeface="Gill Sans" charset="0"/>
+                </a:endParaRPr>
+              </a:p>
+            </p:txBody>
+          </p:sp>
+          <p:sp>
+            <p:nvSpPr>
+              <p:cNvPr id="21" name="Rectangle 28"/>
+              <p:cNvSpPr>
+                <a:spLocks/>
+              </p:cNvSpPr>
+              <p:nvPr/>
+            </p:nvSpPr>
+            <p:spPr bwMode="auto">
+              <a:xfrm>
+                <a:off x="80" y="0"/>
+                <a:ext cx="271" cy="224"/>
+              </a:xfrm>
+              <a:prstGeom prst="rect">
+                <a:avLst/>
+              </a:prstGeom>
+              <a:noFill/>
+              <a:ln w="12700">
+                <a:noFill/>
+                <a:miter lim="800000"/>
+                <a:headEnd/>
+                <a:tailEnd/>
+              </a:ln>
+            </p:spPr>
+            <p:txBody>
+              <a:bodyPr wrap="none" lIns="50800" tIns="50800" bIns="50800" anchor="ctr">
+                <a:prstTxWarp prst="textNoShape">
+                  <a:avLst/>
+                </a:prstTxWarp>
+                <a:spAutoFit/>
+              </a:bodyPr>
+              <a:lstStyle/>
+              <a:p>
+                <a:pPr algn="ctr" eaLnBrk="1" hangingPunct="1"/>
+                <a:r>
+                  <a:rPr lang="en-US" sz="1800" b="0">
+                    <a:solidFill>
+                      <a:srgbClr val="FFFFFF"/>
+                    </a:solidFill>
+                    <a:latin typeface="Courier New Bold" charset="0"/>
+                    <a:ea typeface="Courier New Bold" charset="0"/>
+                    <a:cs typeface="Courier New Bold" charset="0"/>
+                    <a:sym typeface="Courier New Bold" charset="0"/>
+                  </a:rPr>
+                  <a:t>45</a:t>
+                </a:r>
+              </a:p>
+            </p:txBody>
+          </p:sp>
+        </p:grpSp>
+        <p:grpSp>
+          <p:nvGrpSpPr>
+            <p:cNvPr id="15" name="Group 29"/>
+            <p:cNvGrpSpPr>
+              <a:grpSpLocks/>
+            </p:cNvGrpSpPr>
+            <p:nvPr/>
+          </p:nvGrpSpPr>
+          <p:grpSpPr bwMode="auto">
+            <a:xfrm>
+              <a:off x="2160" y="176"/>
+              <a:ext cx="432" cy="224"/>
+              <a:chOff x="0" y="0"/>
+              <a:chExt cx="432" cy="224"/>
+            </a:xfrm>
+          </p:grpSpPr>
+          <p:sp>
+            <p:nvSpPr>
+              <p:cNvPr id="18" name="Rectangle 30"/>
+              <p:cNvSpPr>
+                <a:spLocks/>
+              </p:cNvSpPr>
+              <p:nvPr/>
+            </p:nvSpPr>
+            <p:spPr bwMode="auto">
+              <a:xfrm>
+                <a:off x="0" y="16"/>
+                <a:ext cx="432" cy="192"/>
+              </a:xfrm>
+              <a:prstGeom prst="rect">
+                <a:avLst/>
+              </a:prstGeom>
+              <a:solidFill>
+                <a:srgbClr val="FFFFFF"/>
+              </a:solidFill>
+              <a:ln w="25400">
+                <a:solidFill>
+                  <a:srgbClr val="000066"/>
+                </a:solidFill>
+                <a:miter lim="800000"/>
+                <a:headEnd/>
+                <a:tailEnd/>
+              </a:ln>
+            </p:spPr>
+            <p:txBody>
+              <a:bodyPr lIns="0" tIns="0" rIns="0" bIns="0">
+                <a:prstTxWarp prst="textNoShape">
+                  <a:avLst/>
+                </a:prstTxWarp>
+              </a:bodyPr>
+              <a:lstStyle/>
+              <a:p>
+                <a:pPr algn="ctr" eaLnBrk="1" hangingPunct="1"/>
+                <a:endParaRPr lang="en-US" sz="4200" b="0" smtClean="0">
+                  <a:solidFill>
+                    <a:srgbClr val="000000"/>
+                  </a:solidFill>
+                  <a:latin typeface="Gill Sans" charset="0"/>
+                  <a:ea typeface="ヒラギノ角ゴ ProN W3" charset="-128"/>
+                  <a:cs typeface="ヒラギノ角ゴ ProN W3" charset="-128"/>
+                  <a:sym typeface="Gill Sans" charset="0"/>
+                </a:endParaRPr>
+              </a:p>
+            </p:txBody>
+          </p:sp>
+          <p:sp>
+            <p:nvSpPr>
+              <p:cNvPr id="19" name="Rectangle 31"/>
+              <p:cNvSpPr>
+                <a:spLocks/>
+              </p:cNvSpPr>
+              <p:nvPr/>
+            </p:nvSpPr>
+            <p:spPr bwMode="auto">
+              <a:xfrm>
+                <a:off x="80" y="0"/>
+                <a:ext cx="271" cy="224"/>
+              </a:xfrm>
+              <a:prstGeom prst="rect">
+                <a:avLst/>
+              </a:prstGeom>
+              <a:noFill/>
+              <a:ln w="12700">
+                <a:noFill/>
+                <a:miter lim="800000"/>
+                <a:headEnd/>
+                <a:tailEnd/>
+              </a:ln>
+            </p:spPr>
+            <p:txBody>
+              <a:bodyPr wrap="none" lIns="50800" tIns="50800" bIns="50800" anchor="ctr">
+                <a:prstTxWarp prst="textNoShape">
+                  <a:avLst/>
+                </a:prstTxWarp>
+                <a:spAutoFit/>
+              </a:bodyPr>
+              <a:lstStyle/>
+              <a:p>
+                <a:pPr algn="ctr" eaLnBrk="1" hangingPunct="1"/>
+                <a:r>
+                  <a:rPr lang="en-US" sz="1800" b="0">
+                    <a:solidFill>
+                      <a:srgbClr val="FFFFFF"/>
+                    </a:solidFill>
+                    <a:latin typeface="Courier New Bold" charset="0"/>
+                    <a:ea typeface="Courier New Bold" charset="0"/>
+                    <a:cs typeface="Courier New Bold" charset="0"/>
+                    <a:sym typeface="Courier New Bold" charset="0"/>
+                  </a:rPr>
+                  <a:t>67</a:t>
+                </a:r>
+              </a:p>
+            </p:txBody>
+          </p:sp>
+        </p:grpSp>
+        <p:sp>
+          <p:nvSpPr>
+            <p:cNvPr id="16" name="Rectangle 32"/>
+            <p:cNvSpPr>
+              <a:spLocks/>
+            </p:cNvSpPr>
+            <p:nvPr/>
+          </p:nvSpPr>
+          <p:spPr bwMode="auto">
+            <a:xfrm>
+              <a:off x="2592" y="192"/>
+              <a:ext cx="432" cy="192"/>
+            </a:xfrm>
+            <a:prstGeom prst="rect">
+              <a:avLst/>
+            </a:prstGeom>
+            <a:solidFill>
+              <a:srgbClr val="FFFFFF"/>
+            </a:solidFill>
+            <a:ln w="25400">
+              <a:solidFill>
+                <a:srgbClr val="000066"/>
+              </a:solidFill>
+              <a:miter lim="800000"/>
+              <a:headEnd/>
+              <a:tailEnd/>
+            </a:ln>
+          </p:spPr>
+          <p:txBody>
+            <a:bodyPr lIns="0" tIns="0" rIns="0" bIns="0">
+              <a:prstTxWarp prst="textNoShape">
+                <a:avLst/>
+              </a:prstTxWarp>
+            </a:bodyPr>
+            <a:lstStyle/>
+            <a:p>
+              <a:pPr algn="ctr" eaLnBrk="1" hangingPunct="1"/>
+              <a:endParaRPr lang="en-US" sz="4200" b="0" smtClean="0">
+                <a:solidFill>
+                  <a:srgbClr val="000000"/>
+                </a:solidFill>
+                <a:latin typeface="Gill Sans" charset="0"/>
+                <a:ea typeface="ヒラギノ角ゴ ProN W3" charset="-128"/>
+                <a:cs typeface="ヒラギノ角ゴ ProN W3" charset="-128"/>
+                <a:sym typeface="Gill Sans" charset="0"/>
+              </a:endParaRPr>
+            </a:p>
+          </p:txBody>
+        </p:sp>
+        <p:sp>
+          <p:nvSpPr>
+            <p:cNvPr id="17" name="Rectangle 33"/>
+            <p:cNvSpPr>
+              <a:spLocks/>
+            </p:cNvSpPr>
+            <p:nvPr/>
+          </p:nvSpPr>
+          <p:spPr bwMode="auto">
+            <a:xfrm>
+              <a:off x="3024" y="192"/>
+              <a:ext cx="432" cy="192"/>
+            </a:xfrm>
+            <a:prstGeom prst="rect">
+              <a:avLst/>
+            </a:prstGeom>
+            <a:solidFill>
+              <a:srgbClr val="FFFFFF"/>
+            </a:solidFill>
+            <a:ln w="25400">
+              <a:solidFill>
+                <a:srgbClr val="000066"/>
+              </a:solidFill>
+              <a:miter lim="800000"/>
+              <a:headEnd/>
+              <a:tailEnd/>
+            </a:ln>
+          </p:spPr>
+          <p:txBody>
+            <a:bodyPr lIns="0" tIns="0" rIns="0" bIns="0">
+              <a:prstTxWarp prst="textNoShape">
+                <a:avLst/>
+              </a:prstTxWarp>
+            </a:bodyPr>
+            <a:lstStyle/>
+            <a:p>
+              <a:pPr algn="ctr" eaLnBrk="1" hangingPunct="1"/>
+              <a:endParaRPr lang="en-US" sz="4200" b="0" smtClean="0">
+                <a:solidFill>
+                  <a:srgbClr val="000000"/>
+                </a:solidFill>
+                <a:latin typeface="Gill Sans" charset="0"/>
+                <a:ea typeface="ヒラギノ角ゴ ProN W3" charset="-128"/>
+                <a:cs typeface="ヒラギノ角ゴ ProN W3" charset="-128"/>
+                <a:sym typeface="Gill Sans" charset="0"/>
+              </a:endParaRPr>
+            </a:p>
+          </p:txBody>
+        </p:sp>
+      </p:grpSp>
+      <p:grpSp>
+        <p:nvGrpSpPr>
+          <p:cNvPr id="34" name="Group 34"/>
+          <p:cNvGrpSpPr>
+            <a:grpSpLocks/>
+          </p:cNvGrpSpPr>
+          <p:nvPr/>
+        </p:nvGrpSpPr>
+        <p:grpSpPr bwMode="auto">
+          <a:xfrm>
+            <a:off x="3073399" y="4749800"/>
+            <a:ext cx="6867526" cy="816429"/>
+            <a:chOff x="0" y="0"/>
+            <a:chExt cx="3456" cy="400"/>
+          </a:xfrm>
+        </p:grpSpPr>
+        <p:grpSp>
+          <p:nvGrpSpPr>
+            <p:cNvPr id="35" name="Group 35"/>
+            <p:cNvGrpSpPr>
+              <a:grpSpLocks/>
+            </p:cNvGrpSpPr>
+            <p:nvPr/>
+          </p:nvGrpSpPr>
+          <p:grpSpPr bwMode="auto">
+            <a:xfrm>
+              <a:off x="864" y="0"/>
+              <a:ext cx="432" cy="192"/>
+              <a:chOff x="0" y="0"/>
+              <a:chExt cx="432" cy="192"/>
+            </a:xfrm>
+          </p:grpSpPr>
+          <p:sp>
+            <p:nvSpPr>
+              <p:cNvPr id="61" name="Rectangle 36"/>
+              <p:cNvSpPr>
+                <a:spLocks/>
+              </p:cNvSpPr>
+              <p:nvPr/>
+            </p:nvSpPr>
+            <p:spPr bwMode="auto">
+              <a:xfrm>
+                <a:off x="0" y="0"/>
+                <a:ext cx="432" cy="192"/>
+              </a:xfrm>
+              <a:prstGeom prst="rect">
+                <a:avLst/>
+              </a:prstGeom>
+              <a:solidFill>
+                <a:srgbClr val="FFFFFF"/>
+              </a:solidFill>
+              <a:ln w="25400">
+                <a:noFill/>
+                <a:miter lim="800000"/>
+                <a:headEnd/>
+                <a:tailEnd/>
+              </a:ln>
+            </p:spPr>
+            <p:txBody>
+              <a:bodyPr lIns="0" tIns="0" rIns="0" bIns="0">
+                <a:prstTxWarp prst="textNoShape">
+                  <a:avLst/>
+                </a:prstTxWarp>
+              </a:bodyPr>
+              <a:lstStyle/>
+              <a:p>
+                <a:pPr algn="ctr" eaLnBrk="1" hangingPunct="1"/>
+                <a:endParaRPr lang="en-US" sz="4200" b="0" smtClean="0">
+                  <a:solidFill>
+                    <a:srgbClr val="000000"/>
+                  </a:solidFill>
+                  <a:latin typeface="Gill Sans" charset="0"/>
+                  <a:ea typeface="ヒラギノ角ゴ ProN W3" charset="-128"/>
+                  <a:cs typeface="ヒラギノ角ゴ ProN W3" charset="-128"/>
+                  <a:sym typeface="Gill Sans" charset="0"/>
+                </a:endParaRPr>
+              </a:p>
+            </p:txBody>
+          </p:sp>
+          <p:sp>
+            <p:nvSpPr>
+              <p:cNvPr id="62" name="Rectangle 37"/>
+              <p:cNvSpPr>
+                <a:spLocks/>
+              </p:cNvSpPr>
+              <p:nvPr/>
+            </p:nvSpPr>
+            <p:spPr bwMode="auto">
+              <a:xfrm>
+                <a:off x="0" y="11"/>
+                <a:ext cx="359" cy="171"/>
+              </a:xfrm>
+              <a:prstGeom prst="rect">
+                <a:avLst/>
+              </a:prstGeom>
+              <a:noFill/>
+              <a:ln w="12700">
+                <a:noFill/>
+                <a:miter lim="800000"/>
+                <a:headEnd/>
+                <a:tailEnd/>
+              </a:ln>
+            </p:spPr>
+            <p:txBody>
+              <a:bodyPr wrap="none" lIns="50800" tIns="50800" bIns="50800" anchor="ctr">
+                <a:prstTxWarp prst="textNoShape">
+                  <a:avLst/>
+                </a:prstTxWarp>
+                <a:spAutoFit/>
+              </a:bodyPr>
+              <a:lstStyle/>
+              <a:p>
+                <a:pPr eaLnBrk="1" hangingPunct="1"/>
+                <a:r>
+                  <a:rPr lang="en-US" sz="1600" b="1" dirty="0">
+                    <a:solidFill>
+                      <a:srgbClr val="000066"/>
+                    </a:solidFill>
+                    <a:latin typeface="Courier New Bold" charset="0"/>
+                    <a:ea typeface="Courier New Bold" charset="0"/>
+                    <a:cs typeface="Courier New Bold" charset="0"/>
+                    <a:sym typeface="Courier New Bold" charset="0"/>
+                  </a:rPr>
+                  <a:t>0x100</a:t>
+                </a:r>
+              </a:p>
+            </p:txBody>
+          </p:sp>
+        </p:grpSp>
+        <p:grpSp>
+          <p:nvGrpSpPr>
+            <p:cNvPr id="36" name="Group 38"/>
+            <p:cNvGrpSpPr>
+              <a:grpSpLocks/>
+            </p:cNvGrpSpPr>
+            <p:nvPr/>
+          </p:nvGrpSpPr>
+          <p:grpSpPr bwMode="auto">
+            <a:xfrm>
+              <a:off x="1296" y="0"/>
+              <a:ext cx="432" cy="192"/>
+              <a:chOff x="0" y="0"/>
+              <a:chExt cx="432" cy="192"/>
+            </a:xfrm>
+          </p:grpSpPr>
+          <p:sp>
+            <p:nvSpPr>
+              <p:cNvPr id="59" name="Rectangle 39"/>
+              <p:cNvSpPr>
+                <a:spLocks/>
+              </p:cNvSpPr>
+              <p:nvPr/>
+            </p:nvSpPr>
+            <p:spPr bwMode="auto">
+              <a:xfrm>
+                <a:off x="0" y="0"/>
+                <a:ext cx="432" cy="192"/>
+              </a:xfrm>
+              <a:prstGeom prst="rect">
+                <a:avLst/>
+              </a:prstGeom>
+              <a:solidFill>
+                <a:srgbClr val="FFFFFF"/>
+              </a:solidFill>
+              <a:ln w="25400">
+                <a:noFill/>
+                <a:miter lim="800000"/>
+                <a:headEnd/>
+                <a:tailEnd/>
+              </a:ln>
+            </p:spPr>
+            <p:txBody>
+              <a:bodyPr lIns="0" tIns="0" rIns="0" bIns="0">
+                <a:prstTxWarp prst="textNoShape">
+                  <a:avLst/>
+                </a:prstTxWarp>
+              </a:bodyPr>
+              <a:lstStyle/>
+              <a:p>
+                <a:pPr algn="ctr" eaLnBrk="1" hangingPunct="1"/>
+                <a:endParaRPr lang="en-US" sz="4200" b="0" smtClean="0">
+                  <a:solidFill>
+                    <a:srgbClr val="000000"/>
+                  </a:solidFill>
+                  <a:latin typeface="Gill Sans" charset="0"/>
+                  <a:ea typeface="ヒラギノ角ゴ ProN W3" charset="-128"/>
+                  <a:cs typeface="ヒラギノ角ゴ ProN W3" charset="-128"/>
+                  <a:sym typeface="Gill Sans" charset="0"/>
+                </a:endParaRPr>
+              </a:p>
+            </p:txBody>
+          </p:sp>
+          <p:sp>
+            <p:nvSpPr>
+              <p:cNvPr id="60" name="Rectangle 40"/>
+              <p:cNvSpPr>
+                <a:spLocks/>
+              </p:cNvSpPr>
+              <p:nvPr/>
+            </p:nvSpPr>
+            <p:spPr bwMode="auto">
+              <a:xfrm>
+                <a:off x="0" y="11"/>
+                <a:ext cx="359" cy="171"/>
+              </a:xfrm>
+              <a:prstGeom prst="rect">
+                <a:avLst/>
+              </a:prstGeom>
+              <a:noFill/>
+              <a:ln w="12700">
+                <a:noFill/>
+                <a:miter lim="800000"/>
+                <a:headEnd/>
+                <a:tailEnd/>
+              </a:ln>
+            </p:spPr>
+            <p:txBody>
+              <a:bodyPr wrap="none" lIns="50800" tIns="50800" bIns="50800" anchor="ctr">
+                <a:prstTxWarp prst="textNoShape">
+                  <a:avLst/>
+                </a:prstTxWarp>
+                <a:spAutoFit/>
+              </a:bodyPr>
+              <a:lstStyle/>
+              <a:p>
+                <a:pPr eaLnBrk="1" hangingPunct="1"/>
+                <a:r>
+                  <a:rPr lang="en-US" sz="1600" b="1" dirty="0">
+                    <a:solidFill>
+                      <a:srgbClr val="000066"/>
+                    </a:solidFill>
+                    <a:latin typeface="Courier New Bold" charset="0"/>
+                    <a:ea typeface="Courier New Bold" charset="0"/>
+                    <a:cs typeface="Courier New Bold" charset="0"/>
+                    <a:sym typeface="Courier New Bold" charset="0"/>
+                  </a:rPr>
+                  <a:t>0x101</a:t>
+                </a:r>
+              </a:p>
+            </p:txBody>
+          </p:sp>
+        </p:grpSp>
+        <p:grpSp>
+          <p:nvGrpSpPr>
+            <p:cNvPr id="37" name="Group 41"/>
+            <p:cNvGrpSpPr>
+              <a:grpSpLocks/>
+            </p:cNvGrpSpPr>
+            <p:nvPr/>
+          </p:nvGrpSpPr>
+          <p:grpSpPr bwMode="auto">
+            <a:xfrm>
+              <a:off x="1728" y="0"/>
+              <a:ext cx="432" cy="192"/>
+              <a:chOff x="0" y="0"/>
+              <a:chExt cx="432" cy="192"/>
+            </a:xfrm>
+          </p:grpSpPr>
+          <p:sp>
+            <p:nvSpPr>
+              <p:cNvPr id="57" name="Rectangle 42"/>
+              <p:cNvSpPr>
+                <a:spLocks/>
+              </p:cNvSpPr>
+              <p:nvPr/>
+            </p:nvSpPr>
+            <p:spPr bwMode="auto">
+              <a:xfrm>
+                <a:off x="0" y="0"/>
+                <a:ext cx="432" cy="192"/>
+              </a:xfrm>
+              <a:prstGeom prst="rect">
+                <a:avLst/>
+              </a:prstGeom>
+              <a:solidFill>
+                <a:srgbClr val="FFFFFF"/>
+              </a:solidFill>
+              <a:ln w="25400">
+                <a:noFill/>
+                <a:miter lim="800000"/>
+                <a:headEnd/>
+                <a:tailEnd/>
+              </a:ln>
+            </p:spPr>
+            <p:txBody>
+              <a:bodyPr lIns="0" tIns="0" rIns="0" bIns="0">
+                <a:prstTxWarp prst="textNoShape">
+                  <a:avLst/>
+                </a:prstTxWarp>
+              </a:bodyPr>
+              <a:lstStyle/>
+              <a:p>
+                <a:pPr algn="ctr" eaLnBrk="1" hangingPunct="1"/>
+                <a:endParaRPr lang="en-US" sz="4200" b="0" smtClean="0">
+                  <a:solidFill>
+                    <a:srgbClr val="000000"/>
+                  </a:solidFill>
+                  <a:latin typeface="Gill Sans" charset="0"/>
+                  <a:ea typeface="ヒラギノ角ゴ ProN W3" charset="-128"/>
+                  <a:cs typeface="ヒラギノ角ゴ ProN W3" charset="-128"/>
+                  <a:sym typeface="Gill Sans" charset="0"/>
+                </a:endParaRPr>
+              </a:p>
+            </p:txBody>
+          </p:sp>
+          <p:sp>
+            <p:nvSpPr>
+              <p:cNvPr id="58" name="Rectangle 43"/>
+              <p:cNvSpPr>
+                <a:spLocks/>
+              </p:cNvSpPr>
+              <p:nvPr/>
+            </p:nvSpPr>
+            <p:spPr bwMode="auto">
+              <a:xfrm>
+                <a:off x="0" y="11"/>
+                <a:ext cx="359" cy="171"/>
+              </a:xfrm>
+              <a:prstGeom prst="rect">
+                <a:avLst/>
+              </a:prstGeom>
+              <a:noFill/>
+              <a:ln w="12700">
+                <a:noFill/>
+                <a:miter lim="800000"/>
+                <a:headEnd/>
+                <a:tailEnd/>
+              </a:ln>
+            </p:spPr>
+            <p:txBody>
+              <a:bodyPr wrap="none" lIns="50800" tIns="50800" bIns="50800" anchor="ctr">
+                <a:prstTxWarp prst="textNoShape">
+                  <a:avLst/>
+                </a:prstTxWarp>
+                <a:spAutoFit/>
+              </a:bodyPr>
+              <a:lstStyle/>
+              <a:p>
+                <a:pPr eaLnBrk="1" hangingPunct="1"/>
+                <a:r>
+                  <a:rPr lang="en-US" sz="1600" b="1" dirty="0">
+                    <a:solidFill>
+                      <a:srgbClr val="000066"/>
+                    </a:solidFill>
+                    <a:latin typeface="Courier New Bold" charset="0"/>
+                    <a:ea typeface="Courier New Bold" charset="0"/>
+                    <a:cs typeface="Courier New Bold" charset="0"/>
+                    <a:sym typeface="Courier New Bold" charset="0"/>
+                  </a:rPr>
+                  <a:t>0x102</a:t>
+                </a:r>
+              </a:p>
+            </p:txBody>
+          </p:sp>
+        </p:grpSp>
+        <p:grpSp>
+          <p:nvGrpSpPr>
+            <p:cNvPr id="38" name="Group 44"/>
+            <p:cNvGrpSpPr>
+              <a:grpSpLocks/>
+            </p:cNvGrpSpPr>
+            <p:nvPr/>
+          </p:nvGrpSpPr>
+          <p:grpSpPr bwMode="auto">
+            <a:xfrm>
+              <a:off x="2160" y="0"/>
+              <a:ext cx="432" cy="192"/>
+              <a:chOff x="0" y="0"/>
+              <a:chExt cx="432" cy="192"/>
+            </a:xfrm>
+          </p:grpSpPr>
+          <p:sp>
+            <p:nvSpPr>
+              <p:cNvPr id="55" name="Rectangle 45"/>
+              <p:cNvSpPr>
+                <a:spLocks/>
+              </p:cNvSpPr>
+              <p:nvPr/>
+            </p:nvSpPr>
+            <p:spPr bwMode="auto">
+              <a:xfrm>
+                <a:off x="0" y="0"/>
+                <a:ext cx="432" cy="192"/>
+              </a:xfrm>
+              <a:prstGeom prst="rect">
+                <a:avLst/>
+              </a:prstGeom>
+              <a:solidFill>
+                <a:srgbClr val="FFFFFF"/>
+              </a:solidFill>
+              <a:ln w="25400">
+                <a:noFill/>
+                <a:miter lim="800000"/>
+                <a:headEnd/>
+                <a:tailEnd/>
+              </a:ln>
+            </p:spPr>
+            <p:txBody>
+              <a:bodyPr lIns="0" tIns="0" rIns="0" bIns="0">
+                <a:prstTxWarp prst="textNoShape">
+                  <a:avLst/>
+                </a:prstTxWarp>
+              </a:bodyPr>
+              <a:lstStyle/>
+              <a:p>
+                <a:pPr algn="ctr" eaLnBrk="1" hangingPunct="1"/>
+                <a:endParaRPr lang="en-US" sz="4200" b="0" smtClean="0">
+                  <a:solidFill>
+                    <a:srgbClr val="000000"/>
+                  </a:solidFill>
+                  <a:latin typeface="Gill Sans" charset="0"/>
+                  <a:ea typeface="ヒラギノ角ゴ ProN W3" charset="-128"/>
+                  <a:cs typeface="ヒラギノ角ゴ ProN W3" charset="-128"/>
+                  <a:sym typeface="Gill Sans" charset="0"/>
+                </a:endParaRPr>
+              </a:p>
+            </p:txBody>
+          </p:sp>
+          <p:sp>
+            <p:nvSpPr>
+              <p:cNvPr id="56" name="Rectangle 46"/>
+              <p:cNvSpPr>
+                <a:spLocks/>
+              </p:cNvSpPr>
+              <p:nvPr/>
+            </p:nvSpPr>
+            <p:spPr bwMode="auto">
+              <a:xfrm>
+                <a:off x="0" y="11"/>
+                <a:ext cx="359" cy="171"/>
+              </a:xfrm>
+              <a:prstGeom prst="rect">
+                <a:avLst/>
+              </a:prstGeom>
+              <a:noFill/>
+              <a:ln w="12700">
+                <a:noFill/>
+                <a:miter lim="800000"/>
+                <a:headEnd/>
+                <a:tailEnd/>
+              </a:ln>
+            </p:spPr>
+            <p:txBody>
+              <a:bodyPr wrap="none" lIns="50800" tIns="50800" bIns="50800" anchor="ctr">
+                <a:prstTxWarp prst="textNoShape">
+                  <a:avLst/>
+                </a:prstTxWarp>
+                <a:spAutoFit/>
+              </a:bodyPr>
+              <a:lstStyle/>
+              <a:p>
+                <a:pPr eaLnBrk="1" hangingPunct="1"/>
+                <a:r>
+                  <a:rPr lang="en-US" sz="1600" b="1" dirty="0">
+                    <a:solidFill>
+                      <a:srgbClr val="000066"/>
+                    </a:solidFill>
+                    <a:latin typeface="Courier New Bold" charset="0"/>
+                    <a:ea typeface="Courier New Bold" charset="0"/>
+                    <a:cs typeface="Courier New Bold" charset="0"/>
+                    <a:sym typeface="Courier New Bold" charset="0"/>
+                  </a:rPr>
+                  <a:t>0x103</a:t>
+                </a:r>
+              </a:p>
+            </p:txBody>
+          </p:sp>
+        </p:grpSp>
+        <p:sp>
+          <p:nvSpPr>
+            <p:cNvPr id="39" name="Rectangle 47"/>
+            <p:cNvSpPr>
+              <a:spLocks/>
+            </p:cNvSpPr>
+            <p:nvPr/>
+          </p:nvSpPr>
+          <p:spPr bwMode="auto">
+            <a:xfrm>
+              <a:off x="0" y="192"/>
+              <a:ext cx="432" cy="192"/>
+            </a:xfrm>
+            <a:prstGeom prst="rect">
+              <a:avLst/>
+            </a:prstGeom>
+            <a:solidFill>
+              <a:srgbClr val="FFFFFF"/>
+            </a:solidFill>
+            <a:ln w="25400">
+              <a:solidFill>
+                <a:srgbClr val="000066"/>
+              </a:solidFill>
+              <a:miter lim="800000"/>
+              <a:headEnd/>
+              <a:tailEnd/>
+            </a:ln>
+          </p:spPr>
+          <p:txBody>
+            <a:bodyPr lIns="0" tIns="0" rIns="0" bIns="0">
+              <a:prstTxWarp prst="textNoShape">
+                <a:avLst/>
+              </a:prstTxWarp>
+            </a:bodyPr>
+            <a:lstStyle/>
+            <a:p>
+              <a:pPr algn="ctr" eaLnBrk="1" hangingPunct="1"/>
+              <a:endParaRPr lang="en-US" sz="4200" b="0" smtClean="0">
+                <a:solidFill>
+                  <a:srgbClr val="000000"/>
+                </a:solidFill>
+                <a:latin typeface="Gill Sans" charset="0"/>
+                <a:ea typeface="ヒラギノ角ゴ ProN W3" charset="-128"/>
+                <a:cs typeface="ヒラギノ角ゴ ProN W3" charset="-128"/>
+                <a:sym typeface="Gill Sans" charset="0"/>
+              </a:endParaRPr>
+            </a:p>
+          </p:txBody>
+        </p:sp>
+        <p:sp>
+          <p:nvSpPr>
+            <p:cNvPr id="40" name="Rectangle 48"/>
+            <p:cNvSpPr>
+              <a:spLocks/>
+            </p:cNvSpPr>
+            <p:nvPr/>
+          </p:nvSpPr>
+          <p:spPr bwMode="auto">
+            <a:xfrm>
+              <a:off x="432" y="192"/>
+              <a:ext cx="432" cy="192"/>
+            </a:xfrm>
+            <a:prstGeom prst="rect">
+              <a:avLst/>
+            </a:prstGeom>
+            <a:solidFill>
+              <a:srgbClr val="FFFFFF"/>
+            </a:solidFill>
+            <a:ln w="25400">
+              <a:solidFill>
+                <a:srgbClr val="000066"/>
+              </a:solidFill>
+              <a:miter lim="800000"/>
+              <a:headEnd/>
+              <a:tailEnd/>
+            </a:ln>
+          </p:spPr>
+          <p:txBody>
+            <a:bodyPr lIns="0" tIns="0" rIns="0" bIns="0">
+              <a:prstTxWarp prst="textNoShape">
+                <a:avLst/>
+              </a:prstTxWarp>
+            </a:bodyPr>
+            <a:lstStyle/>
+            <a:p>
+              <a:pPr algn="ctr" eaLnBrk="1" hangingPunct="1"/>
+              <a:endParaRPr lang="en-US" sz="4200" b="0" smtClean="0">
+                <a:solidFill>
+                  <a:srgbClr val="000000"/>
+                </a:solidFill>
+                <a:latin typeface="Gill Sans" charset="0"/>
+                <a:ea typeface="ヒラギノ角ゴ ProN W3" charset="-128"/>
+                <a:cs typeface="ヒラギノ角ゴ ProN W3" charset="-128"/>
+                <a:sym typeface="Gill Sans" charset="0"/>
+              </a:endParaRPr>
+            </a:p>
+          </p:txBody>
+        </p:sp>
+        <p:grpSp>
+          <p:nvGrpSpPr>
+            <p:cNvPr id="41" name="Group 49"/>
+            <p:cNvGrpSpPr>
+              <a:grpSpLocks/>
+            </p:cNvGrpSpPr>
+            <p:nvPr/>
+          </p:nvGrpSpPr>
+          <p:grpSpPr bwMode="auto">
+            <a:xfrm>
+              <a:off x="864" y="176"/>
+              <a:ext cx="432" cy="224"/>
+              <a:chOff x="0" y="0"/>
+              <a:chExt cx="432" cy="224"/>
+            </a:xfrm>
+          </p:grpSpPr>
+          <p:sp>
+            <p:nvSpPr>
+              <p:cNvPr id="53" name="Rectangle 50"/>
+              <p:cNvSpPr>
+                <a:spLocks/>
+              </p:cNvSpPr>
+              <p:nvPr/>
+            </p:nvSpPr>
+            <p:spPr bwMode="auto">
+              <a:xfrm>
+                <a:off x="0" y="16"/>
+                <a:ext cx="432" cy="192"/>
+              </a:xfrm>
+              <a:prstGeom prst="rect">
+                <a:avLst/>
+              </a:prstGeom>
+              <a:solidFill>
+                <a:srgbClr val="FFFFFF"/>
+              </a:solidFill>
+              <a:ln w="25400">
+                <a:solidFill>
+                  <a:srgbClr val="000066"/>
+                </a:solidFill>
+                <a:miter lim="800000"/>
+                <a:headEnd/>
+                <a:tailEnd/>
+              </a:ln>
+            </p:spPr>
+            <p:txBody>
+              <a:bodyPr lIns="0" tIns="0" rIns="0" bIns="0">
+                <a:prstTxWarp prst="textNoShape">
+                  <a:avLst/>
+                </a:prstTxWarp>
+              </a:bodyPr>
+              <a:lstStyle/>
+              <a:p>
+                <a:pPr algn="ctr" eaLnBrk="1" hangingPunct="1"/>
+                <a:endParaRPr lang="en-US" sz="4200" b="0" smtClean="0">
+                  <a:solidFill>
+                    <a:srgbClr val="000000"/>
+                  </a:solidFill>
+                  <a:latin typeface="Gill Sans" charset="0"/>
+                  <a:ea typeface="ヒラギノ角ゴ ProN W3" charset="-128"/>
+                  <a:cs typeface="ヒラギノ角ゴ ProN W3" charset="-128"/>
+                  <a:sym typeface="Gill Sans" charset="0"/>
+                </a:endParaRPr>
+              </a:p>
+            </p:txBody>
+          </p:sp>
+          <p:sp>
+            <p:nvSpPr>
+              <p:cNvPr id="54" name="Rectangle 51"/>
+              <p:cNvSpPr>
+                <a:spLocks/>
+              </p:cNvSpPr>
+              <p:nvPr/>
+            </p:nvSpPr>
+            <p:spPr bwMode="auto">
+              <a:xfrm>
+                <a:off x="80" y="0"/>
+                <a:ext cx="271" cy="224"/>
+              </a:xfrm>
+              <a:prstGeom prst="rect">
+                <a:avLst/>
+              </a:prstGeom>
+              <a:noFill/>
+              <a:ln w="12700">
+                <a:noFill/>
+                <a:miter lim="800000"/>
+                <a:headEnd/>
+                <a:tailEnd/>
+              </a:ln>
+            </p:spPr>
+            <p:txBody>
+              <a:bodyPr wrap="none" lIns="50800" tIns="50800" bIns="50800" anchor="ctr">
+                <a:prstTxWarp prst="textNoShape">
+                  <a:avLst/>
+                </a:prstTxWarp>
+                <a:spAutoFit/>
+              </a:bodyPr>
+              <a:lstStyle/>
+              <a:p>
+                <a:pPr algn="ctr" eaLnBrk="1" hangingPunct="1"/>
+                <a:r>
+                  <a:rPr lang="en-US" sz="1800" b="0">
+                    <a:solidFill>
+                      <a:srgbClr val="FFFFFF"/>
+                    </a:solidFill>
+                    <a:latin typeface="Courier New Bold" charset="0"/>
+                    <a:ea typeface="Courier New Bold" charset="0"/>
+                    <a:cs typeface="Courier New Bold" charset="0"/>
+                    <a:sym typeface="Courier New Bold" charset="0"/>
+                  </a:rPr>
+                  <a:t>67</a:t>
+                </a:r>
+              </a:p>
+            </p:txBody>
+          </p:sp>
+        </p:grpSp>
+        <p:grpSp>
+          <p:nvGrpSpPr>
+            <p:cNvPr id="42" name="Group 52"/>
+            <p:cNvGrpSpPr>
+              <a:grpSpLocks/>
+            </p:cNvGrpSpPr>
+            <p:nvPr/>
+          </p:nvGrpSpPr>
+          <p:grpSpPr bwMode="auto">
+            <a:xfrm>
+              <a:off x="1296" y="176"/>
+              <a:ext cx="432" cy="224"/>
+              <a:chOff x="0" y="0"/>
+              <a:chExt cx="432" cy="224"/>
+            </a:xfrm>
+          </p:grpSpPr>
+          <p:sp>
+            <p:nvSpPr>
+              <p:cNvPr id="51" name="Rectangle 53"/>
+              <p:cNvSpPr>
+                <a:spLocks/>
+              </p:cNvSpPr>
+              <p:nvPr/>
+            </p:nvSpPr>
+            <p:spPr bwMode="auto">
+              <a:xfrm>
+                <a:off x="0" y="16"/>
+                <a:ext cx="432" cy="192"/>
+              </a:xfrm>
+              <a:prstGeom prst="rect">
+                <a:avLst/>
+              </a:prstGeom>
+              <a:solidFill>
+                <a:srgbClr val="FFFFFF"/>
+              </a:solidFill>
+              <a:ln w="25400">
+                <a:solidFill>
+                  <a:srgbClr val="000066"/>
+                </a:solidFill>
+                <a:miter lim="800000"/>
+                <a:headEnd/>
+                <a:tailEnd/>
+              </a:ln>
+            </p:spPr>
+            <p:txBody>
+              <a:bodyPr lIns="0" tIns="0" rIns="0" bIns="0">
+                <a:prstTxWarp prst="textNoShape">
+                  <a:avLst/>
+                </a:prstTxWarp>
+              </a:bodyPr>
+              <a:lstStyle/>
+              <a:p>
+                <a:pPr algn="ctr" eaLnBrk="1" hangingPunct="1"/>
+                <a:endParaRPr lang="en-US" sz="4200" b="0" smtClean="0">
+                  <a:solidFill>
+                    <a:srgbClr val="000000"/>
+                  </a:solidFill>
+                  <a:latin typeface="Gill Sans" charset="0"/>
+                  <a:ea typeface="ヒラギノ角ゴ ProN W3" charset="-128"/>
+                  <a:cs typeface="ヒラギノ角ゴ ProN W3" charset="-128"/>
+                  <a:sym typeface="Gill Sans" charset="0"/>
+                </a:endParaRPr>
+              </a:p>
+            </p:txBody>
+          </p:sp>
+          <p:sp>
+            <p:nvSpPr>
+              <p:cNvPr id="52" name="Rectangle 54"/>
+              <p:cNvSpPr>
+                <a:spLocks/>
+              </p:cNvSpPr>
+              <p:nvPr/>
+            </p:nvSpPr>
+            <p:spPr bwMode="auto">
+              <a:xfrm>
+                <a:off x="80" y="0"/>
+                <a:ext cx="271" cy="224"/>
+              </a:xfrm>
+              <a:prstGeom prst="rect">
+                <a:avLst/>
+              </a:prstGeom>
+              <a:noFill/>
+              <a:ln w="12700">
+                <a:noFill/>
+                <a:miter lim="800000"/>
+                <a:headEnd/>
+                <a:tailEnd/>
+              </a:ln>
+            </p:spPr>
+            <p:txBody>
+              <a:bodyPr wrap="none" lIns="50800" tIns="50800" bIns="50800" anchor="ctr">
+                <a:prstTxWarp prst="textNoShape">
+                  <a:avLst/>
+                </a:prstTxWarp>
+                <a:spAutoFit/>
+              </a:bodyPr>
+              <a:lstStyle/>
+              <a:p>
+                <a:pPr algn="ctr" eaLnBrk="1" hangingPunct="1"/>
+                <a:r>
+                  <a:rPr lang="en-US" sz="1800" b="0">
+                    <a:solidFill>
+                      <a:srgbClr val="FFFFFF"/>
+                    </a:solidFill>
+                    <a:latin typeface="Courier New Bold" charset="0"/>
+                    <a:ea typeface="Courier New Bold" charset="0"/>
+                    <a:cs typeface="Courier New Bold" charset="0"/>
+                    <a:sym typeface="Courier New Bold" charset="0"/>
+                  </a:rPr>
+                  <a:t>45</a:t>
+                </a:r>
+              </a:p>
+            </p:txBody>
+          </p:sp>
+        </p:grpSp>
+        <p:grpSp>
+          <p:nvGrpSpPr>
+            <p:cNvPr id="43" name="Group 55"/>
+            <p:cNvGrpSpPr>
+              <a:grpSpLocks/>
+            </p:cNvGrpSpPr>
+            <p:nvPr/>
+          </p:nvGrpSpPr>
+          <p:grpSpPr bwMode="auto">
+            <a:xfrm>
+              <a:off x="1728" y="176"/>
+              <a:ext cx="432" cy="224"/>
+              <a:chOff x="0" y="0"/>
+              <a:chExt cx="432" cy="224"/>
+            </a:xfrm>
+          </p:grpSpPr>
+          <p:sp>
+            <p:nvSpPr>
+              <p:cNvPr id="49" name="Rectangle 56"/>
+              <p:cNvSpPr>
+                <a:spLocks/>
+              </p:cNvSpPr>
+              <p:nvPr/>
+            </p:nvSpPr>
+            <p:spPr bwMode="auto">
+              <a:xfrm>
+                <a:off x="0" y="16"/>
+                <a:ext cx="432" cy="192"/>
+              </a:xfrm>
+              <a:prstGeom prst="rect">
+                <a:avLst/>
+              </a:prstGeom>
+              <a:solidFill>
+                <a:srgbClr val="FFFFFF"/>
+              </a:solidFill>
+              <a:ln w="25400">
+                <a:solidFill>
+                  <a:srgbClr val="000066"/>
+                </a:solidFill>
+                <a:miter lim="800000"/>
+                <a:headEnd/>
+                <a:tailEnd/>
+              </a:ln>
+            </p:spPr>
+            <p:txBody>
+              <a:bodyPr lIns="0" tIns="0" rIns="0" bIns="0">
+                <a:prstTxWarp prst="textNoShape">
+                  <a:avLst/>
+                </a:prstTxWarp>
+              </a:bodyPr>
+              <a:lstStyle/>
+              <a:p>
+                <a:pPr algn="ctr" eaLnBrk="1" hangingPunct="1"/>
+                <a:endParaRPr lang="en-US" sz="4200" b="0" smtClean="0">
+                  <a:solidFill>
+                    <a:srgbClr val="000000"/>
+                  </a:solidFill>
+                  <a:latin typeface="Gill Sans" charset="0"/>
+                  <a:ea typeface="ヒラギノ角ゴ ProN W3" charset="-128"/>
+                  <a:cs typeface="ヒラギノ角ゴ ProN W3" charset="-128"/>
+                  <a:sym typeface="Gill Sans" charset="0"/>
+                </a:endParaRPr>
+              </a:p>
+            </p:txBody>
+          </p:sp>
+          <p:sp>
+            <p:nvSpPr>
+              <p:cNvPr id="50" name="Rectangle 57"/>
+              <p:cNvSpPr>
+                <a:spLocks/>
+              </p:cNvSpPr>
+              <p:nvPr/>
+            </p:nvSpPr>
+            <p:spPr bwMode="auto">
+              <a:xfrm>
+                <a:off x="80" y="0"/>
+                <a:ext cx="271" cy="224"/>
+              </a:xfrm>
+              <a:prstGeom prst="rect">
+                <a:avLst/>
+              </a:prstGeom>
+              <a:noFill/>
+              <a:ln w="12700">
+                <a:noFill/>
+                <a:miter lim="800000"/>
+                <a:headEnd/>
+                <a:tailEnd/>
+              </a:ln>
+            </p:spPr>
+            <p:txBody>
+              <a:bodyPr wrap="none" lIns="50800" tIns="50800" bIns="50800" anchor="ctr">
+                <a:prstTxWarp prst="textNoShape">
+                  <a:avLst/>
+                </a:prstTxWarp>
+                <a:spAutoFit/>
+              </a:bodyPr>
+              <a:lstStyle/>
+              <a:p>
+                <a:pPr algn="ctr" eaLnBrk="1" hangingPunct="1"/>
+                <a:r>
+                  <a:rPr lang="en-US" sz="1800" b="0">
+                    <a:solidFill>
+                      <a:srgbClr val="FFFFFF"/>
+                    </a:solidFill>
+                    <a:latin typeface="Courier New Bold" charset="0"/>
+                    <a:ea typeface="Courier New Bold" charset="0"/>
+                    <a:cs typeface="Courier New Bold" charset="0"/>
+                    <a:sym typeface="Courier New Bold" charset="0"/>
+                  </a:rPr>
+                  <a:t>23</a:t>
+                </a:r>
+              </a:p>
+            </p:txBody>
+          </p:sp>
+        </p:grpSp>
+        <p:grpSp>
+          <p:nvGrpSpPr>
+            <p:cNvPr id="44" name="Group 58"/>
+            <p:cNvGrpSpPr>
+              <a:grpSpLocks/>
+            </p:cNvGrpSpPr>
+            <p:nvPr/>
+          </p:nvGrpSpPr>
+          <p:grpSpPr bwMode="auto">
+            <a:xfrm>
+              <a:off x="2160" y="176"/>
+              <a:ext cx="432" cy="224"/>
+              <a:chOff x="0" y="0"/>
+              <a:chExt cx="432" cy="224"/>
+            </a:xfrm>
+          </p:grpSpPr>
+          <p:sp>
+            <p:nvSpPr>
+              <p:cNvPr id="47" name="Rectangle 59"/>
+              <p:cNvSpPr>
+                <a:spLocks/>
+              </p:cNvSpPr>
+              <p:nvPr/>
+            </p:nvSpPr>
+            <p:spPr bwMode="auto">
+              <a:xfrm>
+                <a:off x="0" y="16"/>
+                <a:ext cx="432" cy="192"/>
+              </a:xfrm>
+              <a:prstGeom prst="rect">
+                <a:avLst/>
+              </a:prstGeom>
+              <a:solidFill>
+                <a:srgbClr val="FFFFFF"/>
+              </a:solidFill>
+              <a:ln w="25400">
+                <a:solidFill>
+                  <a:srgbClr val="000066"/>
+                </a:solidFill>
+                <a:miter lim="800000"/>
+                <a:headEnd/>
+                <a:tailEnd/>
+              </a:ln>
+            </p:spPr>
+            <p:txBody>
+              <a:bodyPr lIns="0" tIns="0" rIns="0" bIns="0">
+                <a:prstTxWarp prst="textNoShape">
+                  <a:avLst/>
+                </a:prstTxWarp>
+              </a:bodyPr>
+              <a:lstStyle/>
+              <a:p>
+                <a:pPr algn="ctr" eaLnBrk="1" hangingPunct="1"/>
+                <a:endParaRPr lang="en-US" sz="4200" b="0" smtClean="0">
+                  <a:solidFill>
+                    <a:srgbClr val="000000"/>
+                  </a:solidFill>
+                  <a:latin typeface="Gill Sans" charset="0"/>
+                  <a:ea typeface="ヒラギノ角ゴ ProN W3" charset="-128"/>
+                  <a:cs typeface="ヒラギノ角ゴ ProN W3" charset="-128"/>
+                  <a:sym typeface="Gill Sans" charset="0"/>
+                </a:endParaRPr>
+              </a:p>
+            </p:txBody>
+          </p:sp>
+          <p:sp>
+            <p:nvSpPr>
+              <p:cNvPr id="48" name="Rectangle 60"/>
+              <p:cNvSpPr>
+                <a:spLocks/>
+              </p:cNvSpPr>
+              <p:nvPr/>
+            </p:nvSpPr>
+            <p:spPr bwMode="auto">
+              <a:xfrm>
+                <a:off x="80" y="0"/>
+                <a:ext cx="271" cy="224"/>
+              </a:xfrm>
+              <a:prstGeom prst="rect">
+                <a:avLst/>
+              </a:prstGeom>
+              <a:noFill/>
+              <a:ln w="12700">
+                <a:noFill/>
+                <a:miter lim="800000"/>
+                <a:headEnd/>
+                <a:tailEnd/>
+              </a:ln>
+            </p:spPr>
+            <p:txBody>
+              <a:bodyPr wrap="none" lIns="50800" tIns="50800" bIns="50800" anchor="ctr">
+                <a:prstTxWarp prst="textNoShape">
+                  <a:avLst/>
+                </a:prstTxWarp>
+                <a:spAutoFit/>
+              </a:bodyPr>
+              <a:lstStyle/>
+              <a:p>
+                <a:pPr algn="ctr" eaLnBrk="1" hangingPunct="1"/>
+                <a:r>
+                  <a:rPr lang="en-US" sz="1800" b="0">
+                    <a:solidFill>
+                      <a:srgbClr val="FFFFFF"/>
+                    </a:solidFill>
+                    <a:latin typeface="Courier New Bold" charset="0"/>
+                    <a:ea typeface="Courier New Bold" charset="0"/>
+                    <a:cs typeface="Courier New Bold" charset="0"/>
+                    <a:sym typeface="Courier New Bold" charset="0"/>
+                  </a:rPr>
+                  <a:t>01</a:t>
+                </a:r>
+              </a:p>
+            </p:txBody>
+          </p:sp>
+        </p:grpSp>
+        <p:sp>
+          <p:nvSpPr>
+            <p:cNvPr id="45" name="Rectangle 61"/>
+            <p:cNvSpPr>
+              <a:spLocks/>
+            </p:cNvSpPr>
+            <p:nvPr/>
+          </p:nvSpPr>
+          <p:spPr bwMode="auto">
+            <a:xfrm>
+              <a:off x="2592" y="192"/>
+              <a:ext cx="432" cy="192"/>
+            </a:xfrm>
+            <a:prstGeom prst="rect">
+              <a:avLst/>
+            </a:prstGeom>
+            <a:solidFill>
+              <a:srgbClr val="FFFFFF"/>
+            </a:solidFill>
+            <a:ln w="25400">
+              <a:solidFill>
+                <a:srgbClr val="000066"/>
+              </a:solidFill>
+              <a:miter lim="800000"/>
+              <a:headEnd/>
+              <a:tailEnd/>
+            </a:ln>
+          </p:spPr>
+          <p:txBody>
+            <a:bodyPr lIns="0" tIns="0" rIns="0" bIns="0">
+              <a:prstTxWarp prst="textNoShape">
+                <a:avLst/>
+              </a:prstTxWarp>
+            </a:bodyPr>
+            <a:lstStyle/>
+            <a:p>
+              <a:pPr algn="ctr" eaLnBrk="1" hangingPunct="1"/>
+              <a:endParaRPr lang="en-US" sz="4200" b="0" smtClean="0">
+                <a:solidFill>
+                  <a:srgbClr val="000000"/>
+                </a:solidFill>
+                <a:latin typeface="Gill Sans" charset="0"/>
+                <a:ea typeface="ヒラギノ角ゴ ProN W3" charset="-128"/>
+                <a:cs typeface="ヒラギノ角ゴ ProN W3" charset="-128"/>
+                <a:sym typeface="Gill Sans" charset="0"/>
+              </a:endParaRPr>
+            </a:p>
+          </p:txBody>
+        </p:sp>
+        <p:sp>
+          <p:nvSpPr>
+            <p:cNvPr id="46" name="Rectangle 62"/>
+            <p:cNvSpPr>
+              <a:spLocks/>
+            </p:cNvSpPr>
+            <p:nvPr/>
+          </p:nvSpPr>
+          <p:spPr bwMode="auto">
+            <a:xfrm>
+              <a:off x="3024" y="192"/>
+              <a:ext cx="432" cy="192"/>
+            </a:xfrm>
+            <a:prstGeom prst="rect">
+              <a:avLst/>
+            </a:prstGeom>
+            <a:solidFill>
+              <a:srgbClr val="FFFFFF"/>
+            </a:solidFill>
+            <a:ln w="25400">
+              <a:solidFill>
+                <a:srgbClr val="000066"/>
+              </a:solidFill>
+              <a:miter lim="800000"/>
+              <a:headEnd/>
+              <a:tailEnd/>
+            </a:ln>
+          </p:spPr>
+          <p:txBody>
+            <a:bodyPr lIns="0" tIns="0" rIns="0" bIns="0">
+              <a:prstTxWarp prst="textNoShape">
+                <a:avLst/>
+              </a:prstTxWarp>
+            </a:bodyPr>
+            <a:lstStyle/>
+            <a:p>
+              <a:pPr algn="ctr" eaLnBrk="1" hangingPunct="1"/>
+              <a:endParaRPr lang="en-US" sz="4200" b="0" smtClean="0">
+                <a:solidFill>
+                  <a:srgbClr val="000000"/>
+                </a:solidFill>
+                <a:latin typeface="Gill Sans" charset="0"/>
+                <a:ea typeface="ヒラギノ角ゴ ProN W3" charset="-128"/>
+                <a:cs typeface="ヒラギノ角ゴ ProN W3" charset="-128"/>
+                <a:sym typeface="Gill Sans" charset="0"/>
+              </a:endParaRPr>
+            </a:p>
+          </p:txBody>
+        </p:sp>
+      </p:grpSp>
+      <p:sp>
+        <p:nvSpPr>
+          <p:cNvPr id="63" name="Rectangle 63"/>
+          <p:cNvSpPr>
+            <a:spLocks/>
+          </p:cNvSpPr>
+          <p:nvPr/>
+        </p:nvSpPr>
+        <p:spPr bwMode="auto">
+          <a:xfrm>
+            <a:off x="1854200" y="3324225"/>
+            <a:ext cx="1790700" cy="330200"/>
+          </a:xfrm>
+          <a:prstGeom prst="rect">
+            <a:avLst/>
+          </a:prstGeom>
+          <a:noFill/>
+          <a:ln w="12700">
+            <a:noFill/>
+            <a:miter lim="800000"/>
+            <a:headEnd/>
+            <a:tailEnd/>
+          </a:ln>
+        </p:spPr>
+        <p:txBody>
+          <a:bodyPr lIns="25400" tIns="25400" rIns="63500" bIns="25400">
+            <a:prstTxWarp prst="textNoShape">
+              <a:avLst/>
+            </a:prstTxWarp>
+          </a:bodyPr>
+          <a:lstStyle/>
+          <a:p>
+            <a:pPr marL="12700" eaLnBrk="1" hangingPunct="1">
+              <a:lnSpc>
+                <a:spcPct val="95000"/>
+              </a:lnSpc>
+            </a:pPr>
+            <a:r>
+              <a:rPr lang="en-US" sz="2400" b="1" dirty="0">
+                <a:solidFill>
+                  <a:srgbClr val="980002"/>
+                </a:solidFill>
+                <a:latin typeface="Helvetica" charset="0"/>
+                <a:ea typeface="Helvetica" charset="0"/>
+                <a:cs typeface="Helvetica" charset="0"/>
+                <a:sym typeface="Helvetica" charset="0"/>
+              </a:rPr>
+              <a:t>Big </a:t>
+            </a:r>
+            <a:r>
+              <a:rPr lang="en-US" sz="2400" b="1" dirty="0" err="1">
+                <a:solidFill>
+                  <a:srgbClr val="980002"/>
+                </a:solidFill>
+                <a:latin typeface="Helvetica" charset="0"/>
+                <a:ea typeface="Helvetica" charset="0"/>
+                <a:cs typeface="Helvetica" charset="0"/>
+                <a:sym typeface="Helvetica" charset="0"/>
+              </a:rPr>
+              <a:t>Endian</a:t>
+            </a:r>
+            <a:endParaRPr lang="en-US" sz="2400" b="1" dirty="0">
+              <a:solidFill>
+                <a:srgbClr val="980002"/>
+              </a:solidFill>
+              <a:latin typeface="Helvetica" charset="0"/>
+              <a:ea typeface="Helvetica" charset="0"/>
+              <a:cs typeface="Helvetica" charset="0"/>
+              <a:sym typeface="Helvetica" charset="0"/>
+            </a:endParaRPr>
+          </a:p>
+        </p:txBody>
+      </p:sp>
+      <p:sp>
+        <p:nvSpPr>
+          <p:cNvPr id="64" name="Rectangle 64"/>
+          <p:cNvSpPr>
+            <a:spLocks/>
+          </p:cNvSpPr>
+          <p:nvPr/>
+        </p:nvSpPr>
+        <p:spPr bwMode="auto">
+          <a:xfrm>
+            <a:off x="1854199" y="4667249"/>
+            <a:ext cx="2308225" cy="424543"/>
+          </a:xfrm>
+          <a:prstGeom prst="rect">
+            <a:avLst/>
+          </a:prstGeom>
+          <a:noFill/>
+          <a:ln w="12700">
+            <a:noFill/>
+            <a:miter lim="800000"/>
+            <a:headEnd/>
+            <a:tailEnd/>
+          </a:ln>
+        </p:spPr>
+        <p:txBody>
+          <a:bodyPr lIns="25400" tIns="25400" rIns="63500" bIns="25400">
+            <a:prstTxWarp prst="textNoShape">
+              <a:avLst/>
+            </a:prstTxWarp>
+          </a:bodyPr>
+          <a:lstStyle/>
+          <a:p>
+            <a:pPr marL="12700" eaLnBrk="1" hangingPunct="1">
+              <a:lnSpc>
+                <a:spcPct val="95000"/>
+              </a:lnSpc>
+            </a:pPr>
+            <a:r>
+              <a:rPr lang="en-US" sz="2400" b="1" dirty="0">
+                <a:solidFill>
+                  <a:srgbClr val="980002"/>
+                </a:solidFill>
+                <a:latin typeface="Helvetica" charset="0"/>
+                <a:ea typeface="Helvetica" charset="0"/>
+                <a:cs typeface="Helvetica" charset="0"/>
+                <a:sym typeface="Helvetica" charset="0"/>
+              </a:rPr>
+              <a:t>Little </a:t>
+            </a:r>
+            <a:r>
+              <a:rPr lang="en-US" sz="2400" b="1" dirty="0" err="1">
+                <a:solidFill>
+                  <a:srgbClr val="980002"/>
+                </a:solidFill>
+                <a:latin typeface="Helvetica" charset="0"/>
+                <a:ea typeface="Helvetica" charset="0"/>
+                <a:cs typeface="Helvetica" charset="0"/>
+                <a:sym typeface="Helvetica" charset="0"/>
+              </a:rPr>
+              <a:t>Endian</a:t>
+            </a:r>
+            <a:endParaRPr lang="en-US" sz="2400" b="1" dirty="0">
+              <a:solidFill>
+                <a:srgbClr val="980002"/>
+              </a:solidFill>
+              <a:latin typeface="Helvetica" charset="0"/>
+              <a:ea typeface="Helvetica" charset="0"/>
+              <a:cs typeface="Helvetica" charset="0"/>
+              <a:sym typeface="Helvetica" charset="0"/>
+            </a:endParaRPr>
+          </a:p>
+        </p:txBody>
+      </p:sp>
+      <p:grpSp>
+        <p:nvGrpSpPr>
+          <p:cNvPr id="65" name="Group 65"/>
+          <p:cNvGrpSpPr>
+            <a:grpSpLocks/>
+          </p:cNvGrpSpPr>
+          <p:nvPr/>
+        </p:nvGrpSpPr>
+        <p:grpSpPr bwMode="auto">
+          <a:xfrm>
+            <a:off x="4787900" y="3945854"/>
+            <a:ext cx="3433764" cy="391886"/>
+            <a:chOff x="0" y="16"/>
+            <a:chExt cx="1728" cy="192"/>
+          </a:xfrm>
+          <a:solidFill>
+            <a:srgbClr val="F7B217"/>
+          </a:solidFill>
+        </p:grpSpPr>
+        <p:grpSp>
+          <p:nvGrpSpPr>
+            <p:cNvPr id="66" name="Group 66"/>
+            <p:cNvGrpSpPr>
+              <a:grpSpLocks/>
+            </p:cNvGrpSpPr>
+            <p:nvPr/>
+          </p:nvGrpSpPr>
+          <p:grpSpPr bwMode="auto">
+            <a:xfrm>
+              <a:off x="0" y="16"/>
+              <a:ext cx="432" cy="192"/>
+              <a:chOff x="0" y="16"/>
+              <a:chExt cx="432" cy="192"/>
+            </a:xfrm>
+            <a:grpFill/>
+          </p:grpSpPr>
+          <p:sp>
+            <p:nvSpPr>
+              <p:cNvPr id="76" name="Rectangle 67"/>
+              <p:cNvSpPr>
+                <a:spLocks/>
+              </p:cNvSpPr>
+              <p:nvPr/>
+            </p:nvSpPr>
+            <p:spPr bwMode="auto">
+              <a:xfrm>
+                <a:off x="0" y="16"/>
+                <a:ext cx="432" cy="192"/>
+              </a:xfrm>
+              <a:prstGeom prst="rect">
+                <a:avLst/>
+              </a:prstGeom>
+              <a:grpFill/>
+              <a:ln w="28575">
+                <a:solidFill>
+                  <a:srgbClr val="003300"/>
+                </a:solidFill>
+                <a:miter lim="800000"/>
+                <a:headEnd/>
+                <a:tailEnd/>
+              </a:ln>
+            </p:spPr>
+            <p:txBody>
+              <a:bodyPr lIns="0" tIns="0" rIns="0" bIns="0">
+                <a:prstTxWarp prst="textNoShape">
+                  <a:avLst/>
+                </a:prstTxWarp>
+              </a:bodyPr>
+              <a:lstStyle/>
+              <a:p>
+                <a:pPr algn="ctr" eaLnBrk="1" hangingPunct="1"/>
+                <a:endParaRPr lang="en-US" sz="4200" b="0" smtClean="0">
+                  <a:solidFill>
+                    <a:srgbClr val="000000"/>
+                  </a:solidFill>
+                  <a:latin typeface="Gill Sans" charset="0"/>
+                  <a:ea typeface="ヒラギノ角ゴ ProN W3" charset="-128"/>
+                  <a:cs typeface="ヒラギノ角ゴ ProN W3" charset="-128"/>
+                  <a:sym typeface="Gill Sans" charset="0"/>
+                </a:endParaRPr>
+              </a:p>
+            </p:txBody>
+          </p:sp>
+          <p:sp>
+            <p:nvSpPr>
+              <p:cNvPr id="77" name="Rectangle 68"/>
+              <p:cNvSpPr>
+                <a:spLocks/>
+              </p:cNvSpPr>
+              <p:nvPr/>
+            </p:nvSpPr>
+            <p:spPr bwMode="auto">
+              <a:xfrm>
+                <a:off x="93" y="29"/>
+                <a:ext cx="245" cy="172"/>
+              </a:xfrm>
+              <a:prstGeom prst="rect">
+                <a:avLst/>
+              </a:prstGeom>
+              <a:grpFill/>
+              <a:ln w="12700">
+                <a:noFill/>
+                <a:miter lim="800000"/>
+                <a:headEnd/>
+                <a:tailEnd/>
+              </a:ln>
+            </p:spPr>
+            <p:txBody>
+              <a:bodyPr wrap="square" lIns="50800" tIns="50800" rIns="45720" bIns="50800" anchor="ctr">
+                <a:prstTxWarp prst="textNoShape">
+                  <a:avLst/>
+                </a:prstTxWarp>
+                <a:spAutoFit/>
+              </a:bodyPr>
+              <a:lstStyle/>
+              <a:p>
+                <a:pPr algn="ctr" eaLnBrk="1" hangingPunct="1">
+                  <a:lnSpc>
+                    <a:spcPct val="90000"/>
+                  </a:lnSpc>
+                </a:pPr>
+                <a:r>
+                  <a:rPr lang="en-US" sz="1800" b="1" dirty="0">
+                    <a:solidFill>
+                      <a:srgbClr val="000066"/>
+                    </a:solidFill>
+                    <a:latin typeface="Courier New Bold" charset="0"/>
+                    <a:ea typeface="Courier New Bold" charset="0"/>
+                    <a:cs typeface="Courier New Bold" charset="0"/>
+                    <a:sym typeface="Courier New Bold" charset="0"/>
+                  </a:rPr>
+                  <a:t>01</a:t>
+                </a:r>
+              </a:p>
+            </p:txBody>
+          </p:sp>
+        </p:grpSp>
+        <p:grpSp>
+          <p:nvGrpSpPr>
+            <p:cNvPr id="67" name="Group 69"/>
+            <p:cNvGrpSpPr>
+              <a:grpSpLocks/>
+            </p:cNvGrpSpPr>
+            <p:nvPr/>
+          </p:nvGrpSpPr>
+          <p:grpSpPr bwMode="auto">
+            <a:xfrm>
+              <a:off x="432" y="16"/>
+              <a:ext cx="432" cy="192"/>
+              <a:chOff x="0" y="16"/>
+              <a:chExt cx="432" cy="192"/>
+            </a:xfrm>
+            <a:grpFill/>
+          </p:grpSpPr>
+          <p:sp>
+            <p:nvSpPr>
+              <p:cNvPr id="74" name="Rectangle 70"/>
+              <p:cNvSpPr>
+                <a:spLocks/>
+              </p:cNvSpPr>
+              <p:nvPr/>
+            </p:nvSpPr>
+            <p:spPr bwMode="auto">
+              <a:xfrm>
+                <a:off x="0" y="16"/>
+                <a:ext cx="432" cy="192"/>
+              </a:xfrm>
+              <a:prstGeom prst="rect">
+                <a:avLst/>
+              </a:prstGeom>
+              <a:grpFill/>
+              <a:ln w="28575">
+                <a:solidFill>
+                  <a:srgbClr val="003300"/>
+                </a:solidFill>
+                <a:miter lim="800000"/>
+                <a:headEnd/>
+                <a:tailEnd/>
+              </a:ln>
+            </p:spPr>
+            <p:txBody>
+              <a:bodyPr lIns="0" tIns="0" rIns="0" bIns="0">
+                <a:prstTxWarp prst="textNoShape">
+                  <a:avLst/>
+                </a:prstTxWarp>
+              </a:bodyPr>
+              <a:lstStyle/>
+              <a:p>
+                <a:pPr algn="ctr" eaLnBrk="1" hangingPunct="1"/>
+                <a:endParaRPr lang="en-US" sz="4200" b="0" smtClean="0">
+                  <a:solidFill>
+                    <a:srgbClr val="000000"/>
+                  </a:solidFill>
+                  <a:latin typeface="Gill Sans" charset="0"/>
+                  <a:ea typeface="ヒラギノ角ゴ ProN W3" charset="-128"/>
+                  <a:cs typeface="ヒラギノ角ゴ ProN W3" charset="-128"/>
+                  <a:sym typeface="Gill Sans" charset="0"/>
+                </a:endParaRPr>
+              </a:p>
+            </p:txBody>
+          </p:sp>
+          <p:sp>
+            <p:nvSpPr>
+              <p:cNvPr id="75" name="Rectangle 71"/>
+              <p:cNvSpPr>
+                <a:spLocks/>
+              </p:cNvSpPr>
+              <p:nvPr/>
+            </p:nvSpPr>
+            <p:spPr bwMode="auto">
+              <a:xfrm>
+                <a:off x="93" y="28"/>
+                <a:ext cx="245" cy="172"/>
+              </a:xfrm>
+              <a:prstGeom prst="rect">
+                <a:avLst/>
+              </a:prstGeom>
+              <a:grpFill/>
+              <a:ln w="12700">
+                <a:noFill/>
+                <a:miter lim="800000"/>
+                <a:headEnd/>
+                <a:tailEnd/>
+              </a:ln>
+            </p:spPr>
+            <p:txBody>
+              <a:bodyPr wrap="square" lIns="50800" tIns="50800" rIns="45720" bIns="50800" anchor="ctr">
+                <a:prstTxWarp prst="textNoShape">
+                  <a:avLst/>
+                </a:prstTxWarp>
+                <a:spAutoFit/>
+              </a:bodyPr>
+              <a:lstStyle/>
+              <a:p>
+                <a:pPr algn="ctr" eaLnBrk="1" hangingPunct="1">
+                  <a:lnSpc>
+                    <a:spcPct val="90000"/>
+                  </a:lnSpc>
+                </a:pPr>
+                <a:r>
+                  <a:rPr lang="en-US" sz="1800" b="1" dirty="0">
+                    <a:solidFill>
+                      <a:srgbClr val="000066"/>
+                    </a:solidFill>
+                    <a:latin typeface="Courier New Bold" charset="0"/>
+                    <a:ea typeface="Courier New Bold" charset="0"/>
+                    <a:cs typeface="Courier New Bold" charset="0"/>
+                    <a:sym typeface="Courier New Bold" charset="0"/>
+                  </a:rPr>
+                  <a:t>23</a:t>
+                </a:r>
+              </a:p>
+            </p:txBody>
+          </p:sp>
+        </p:grpSp>
+        <p:grpSp>
+          <p:nvGrpSpPr>
+            <p:cNvPr id="68" name="Group 72"/>
+            <p:cNvGrpSpPr>
+              <a:grpSpLocks/>
+            </p:cNvGrpSpPr>
+            <p:nvPr/>
+          </p:nvGrpSpPr>
+          <p:grpSpPr bwMode="auto">
+            <a:xfrm>
+              <a:off x="864" y="16"/>
+              <a:ext cx="432" cy="192"/>
+              <a:chOff x="0" y="16"/>
+              <a:chExt cx="432" cy="192"/>
+            </a:xfrm>
+            <a:grpFill/>
+          </p:grpSpPr>
+          <p:sp>
+            <p:nvSpPr>
+              <p:cNvPr id="72" name="Rectangle 73"/>
+              <p:cNvSpPr>
+                <a:spLocks/>
+              </p:cNvSpPr>
+              <p:nvPr/>
+            </p:nvSpPr>
+            <p:spPr bwMode="auto">
+              <a:xfrm>
+                <a:off x="0" y="16"/>
+                <a:ext cx="432" cy="192"/>
+              </a:xfrm>
+              <a:prstGeom prst="rect">
+                <a:avLst/>
+              </a:prstGeom>
+              <a:grpFill/>
+              <a:ln w="28575">
+                <a:solidFill>
+                  <a:srgbClr val="003300"/>
+                </a:solidFill>
+                <a:miter lim="800000"/>
+                <a:headEnd/>
+                <a:tailEnd/>
+              </a:ln>
+            </p:spPr>
+            <p:txBody>
+              <a:bodyPr lIns="0" tIns="0" rIns="0" bIns="0">
+                <a:prstTxWarp prst="textNoShape">
+                  <a:avLst/>
+                </a:prstTxWarp>
+              </a:bodyPr>
+              <a:lstStyle/>
+              <a:p>
+                <a:pPr algn="ctr" eaLnBrk="1" hangingPunct="1"/>
+                <a:endParaRPr lang="en-US" sz="4200" b="0" smtClean="0">
+                  <a:solidFill>
+                    <a:srgbClr val="000000"/>
+                  </a:solidFill>
+                  <a:latin typeface="Gill Sans" charset="0"/>
+                  <a:ea typeface="ヒラギノ角ゴ ProN W3" charset="-128"/>
+                  <a:cs typeface="ヒラギノ角ゴ ProN W3" charset="-128"/>
+                  <a:sym typeface="Gill Sans" charset="0"/>
+                </a:endParaRPr>
+              </a:p>
+            </p:txBody>
+          </p:sp>
+          <p:sp>
+            <p:nvSpPr>
+              <p:cNvPr id="73" name="Rectangle 74"/>
+              <p:cNvSpPr>
+                <a:spLocks/>
+              </p:cNvSpPr>
+              <p:nvPr/>
+            </p:nvSpPr>
+            <p:spPr bwMode="auto">
+              <a:xfrm>
+                <a:off x="93" y="25"/>
+                <a:ext cx="245" cy="172"/>
+              </a:xfrm>
+              <a:prstGeom prst="rect">
+                <a:avLst/>
+              </a:prstGeom>
+              <a:grpFill/>
+              <a:ln w="12700">
+                <a:noFill/>
+                <a:miter lim="800000"/>
+                <a:headEnd/>
+                <a:tailEnd/>
+              </a:ln>
+            </p:spPr>
+            <p:txBody>
+              <a:bodyPr wrap="square" lIns="50800" tIns="50800" rIns="45720" bIns="50800" anchor="ctr">
+                <a:prstTxWarp prst="textNoShape">
+                  <a:avLst/>
+                </a:prstTxWarp>
+                <a:spAutoFit/>
+              </a:bodyPr>
+              <a:lstStyle/>
+              <a:p>
+                <a:pPr algn="ctr" eaLnBrk="1" hangingPunct="1">
+                  <a:lnSpc>
+                    <a:spcPct val="90000"/>
+                  </a:lnSpc>
+                </a:pPr>
+                <a:r>
+                  <a:rPr lang="en-US" sz="1800" b="1" dirty="0">
+                    <a:solidFill>
+                      <a:srgbClr val="000066"/>
+                    </a:solidFill>
+                    <a:latin typeface="Courier New Bold" charset="0"/>
+                    <a:ea typeface="Courier New Bold" charset="0"/>
+                    <a:cs typeface="Courier New Bold" charset="0"/>
+                    <a:sym typeface="Courier New Bold" charset="0"/>
+                  </a:rPr>
+                  <a:t>45</a:t>
+                </a:r>
+              </a:p>
+            </p:txBody>
+          </p:sp>
+        </p:grpSp>
+        <p:grpSp>
+          <p:nvGrpSpPr>
+            <p:cNvPr id="69" name="Group 75"/>
+            <p:cNvGrpSpPr>
+              <a:grpSpLocks/>
+            </p:cNvGrpSpPr>
+            <p:nvPr/>
+          </p:nvGrpSpPr>
+          <p:grpSpPr bwMode="auto">
+            <a:xfrm>
+              <a:off x="1296" y="16"/>
+              <a:ext cx="432" cy="192"/>
+              <a:chOff x="0" y="16"/>
+              <a:chExt cx="432" cy="192"/>
+            </a:xfrm>
+            <a:grpFill/>
+          </p:grpSpPr>
+          <p:sp>
+            <p:nvSpPr>
+              <p:cNvPr id="70" name="Rectangle 76"/>
+              <p:cNvSpPr>
+                <a:spLocks/>
+              </p:cNvSpPr>
+              <p:nvPr/>
+            </p:nvSpPr>
+            <p:spPr bwMode="auto">
+              <a:xfrm>
+                <a:off x="0" y="16"/>
+                <a:ext cx="432" cy="192"/>
+              </a:xfrm>
+              <a:prstGeom prst="rect">
+                <a:avLst/>
+              </a:prstGeom>
+              <a:grpFill/>
+              <a:ln w="28575">
+                <a:solidFill>
+                  <a:srgbClr val="003300"/>
+                </a:solidFill>
+                <a:miter lim="800000"/>
+                <a:headEnd/>
+                <a:tailEnd/>
+              </a:ln>
+            </p:spPr>
+            <p:txBody>
+              <a:bodyPr lIns="0" tIns="0" rIns="0" bIns="0">
+                <a:prstTxWarp prst="textNoShape">
+                  <a:avLst/>
+                </a:prstTxWarp>
+              </a:bodyPr>
+              <a:lstStyle/>
+              <a:p>
+                <a:pPr algn="ctr" eaLnBrk="1" hangingPunct="1"/>
+                <a:endParaRPr lang="en-US" sz="4200" b="0" smtClean="0">
+                  <a:solidFill>
+                    <a:srgbClr val="000000"/>
+                  </a:solidFill>
+                  <a:latin typeface="Gill Sans" charset="0"/>
+                  <a:ea typeface="ヒラギノ角ゴ ProN W3" charset="-128"/>
+                  <a:cs typeface="ヒラギノ角ゴ ProN W3" charset="-128"/>
+                  <a:sym typeface="Gill Sans" charset="0"/>
+                </a:endParaRPr>
+              </a:p>
+            </p:txBody>
+          </p:sp>
+          <p:sp>
+            <p:nvSpPr>
+              <p:cNvPr id="71" name="Rectangle 77"/>
+              <p:cNvSpPr>
+                <a:spLocks/>
+              </p:cNvSpPr>
+              <p:nvPr/>
+            </p:nvSpPr>
+            <p:spPr bwMode="auto">
+              <a:xfrm>
+                <a:off x="93" y="26"/>
+                <a:ext cx="245" cy="172"/>
+              </a:xfrm>
+              <a:prstGeom prst="rect">
+                <a:avLst/>
+              </a:prstGeom>
+              <a:grpFill/>
+              <a:ln w="12700">
+                <a:noFill/>
+                <a:miter lim="800000"/>
+                <a:headEnd/>
+                <a:tailEnd/>
+              </a:ln>
+            </p:spPr>
+            <p:txBody>
+              <a:bodyPr wrap="square" lIns="50800" tIns="50800" rIns="45720" bIns="50800" anchor="ctr">
+                <a:prstTxWarp prst="textNoShape">
+                  <a:avLst/>
+                </a:prstTxWarp>
+                <a:spAutoFit/>
+              </a:bodyPr>
+              <a:lstStyle/>
+              <a:p>
+                <a:pPr algn="ctr" eaLnBrk="1" hangingPunct="1">
+                  <a:lnSpc>
+                    <a:spcPct val="90000"/>
+                  </a:lnSpc>
+                </a:pPr>
+                <a:r>
+                  <a:rPr lang="en-US" sz="1800" b="1" dirty="0">
+                    <a:solidFill>
+                      <a:srgbClr val="000066"/>
+                    </a:solidFill>
+                    <a:latin typeface="Courier New Bold" charset="0"/>
+                    <a:ea typeface="Courier New Bold" charset="0"/>
+                    <a:cs typeface="Courier New Bold" charset="0"/>
+                    <a:sym typeface="Courier New Bold" charset="0"/>
+                  </a:rPr>
+                  <a:t>67</a:t>
+                </a:r>
+              </a:p>
+            </p:txBody>
+          </p:sp>
+        </p:grpSp>
+      </p:grpSp>
+      <p:grpSp>
+        <p:nvGrpSpPr>
+          <p:cNvPr id="78" name="Group 78"/>
+          <p:cNvGrpSpPr>
+            <a:grpSpLocks/>
+          </p:cNvGrpSpPr>
+          <p:nvPr/>
+        </p:nvGrpSpPr>
+        <p:grpSpPr bwMode="auto">
+          <a:xfrm>
+            <a:off x="4787899" y="5145996"/>
+            <a:ext cx="3433764" cy="391886"/>
+            <a:chOff x="0" y="16"/>
+            <a:chExt cx="1728" cy="192"/>
+          </a:xfrm>
+          <a:solidFill>
+            <a:srgbClr val="F7B217"/>
+          </a:solidFill>
+        </p:grpSpPr>
+        <p:grpSp>
+          <p:nvGrpSpPr>
+            <p:cNvPr id="79" name="Group 79"/>
+            <p:cNvGrpSpPr>
+              <a:grpSpLocks/>
+            </p:cNvGrpSpPr>
+            <p:nvPr/>
+          </p:nvGrpSpPr>
+          <p:grpSpPr bwMode="auto">
+            <a:xfrm>
+              <a:off x="0" y="16"/>
+              <a:ext cx="432" cy="192"/>
+              <a:chOff x="0" y="16"/>
+              <a:chExt cx="432" cy="192"/>
+            </a:xfrm>
+            <a:grpFill/>
+          </p:grpSpPr>
+          <p:sp>
+            <p:nvSpPr>
+              <p:cNvPr id="89" name="Rectangle 80"/>
+              <p:cNvSpPr>
+                <a:spLocks/>
+              </p:cNvSpPr>
+              <p:nvPr/>
+            </p:nvSpPr>
+            <p:spPr bwMode="auto">
+              <a:xfrm>
+                <a:off x="0" y="16"/>
+                <a:ext cx="432" cy="192"/>
+              </a:xfrm>
+              <a:prstGeom prst="rect">
+                <a:avLst/>
+              </a:prstGeom>
+              <a:grpFill/>
+              <a:ln w="28575">
+                <a:solidFill>
+                  <a:srgbClr val="003300"/>
+                </a:solidFill>
+                <a:miter lim="800000"/>
+                <a:headEnd/>
+                <a:tailEnd/>
+              </a:ln>
+            </p:spPr>
+            <p:txBody>
+              <a:bodyPr lIns="0" tIns="0" rIns="0" bIns="0">
+                <a:prstTxWarp prst="textNoShape">
+                  <a:avLst/>
+                </a:prstTxWarp>
+              </a:bodyPr>
+              <a:lstStyle/>
+              <a:p>
+                <a:pPr algn="ctr" eaLnBrk="1" hangingPunct="1"/>
+                <a:endParaRPr lang="en-US" sz="4200" b="0" smtClean="0">
+                  <a:solidFill>
+                    <a:srgbClr val="000000"/>
+                  </a:solidFill>
+                  <a:latin typeface="Gill Sans" charset="0"/>
+                  <a:ea typeface="ヒラギノ角ゴ ProN W3" charset="-128"/>
+                  <a:cs typeface="ヒラギノ角ゴ ProN W3" charset="-128"/>
+                  <a:sym typeface="Gill Sans" charset="0"/>
+                </a:endParaRPr>
+              </a:p>
+            </p:txBody>
+          </p:sp>
+          <p:sp>
+            <p:nvSpPr>
+              <p:cNvPr id="90" name="Rectangle 81"/>
+              <p:cNvSpPr>
+                <a:spLocks/>
+              </p:cNvSpPr>
+              <p:nvPr/>
+            </p:nvSpPr>
+            <p:spPr bwMode="auto">
+              <a:xfrm>
+                <a:off x="93" y="28"/>
+                <a:ext cx="245" cy="172"/>
+              </a:xfrm>
+              <a:prstGeom prst="rect">
+                <a:avLst/>
+              </a:prstGeom>
+              <a:grpFill/>
+              <a:ln w="12700">
+                <a:noFill/>
+                <a:miter lim="800000"/>
+                <a:headEnd/>
+                <a:tailEnd/>
+              </a:ln>
+            </p:spPr>
+            <p:txBody>
+              <a:bodyPr wrap="square" lIns="50800" tIns="50800" rIns="45720" bIns="50800" anchor="ctr">
+                <a:prstTxWarp prst="textNoShape">
+                  <a:avLst/>
+                </a:prstTxWarp>
+                <a:spAutoFit/>
+              </a:bodyPr>
+              <a:lstStyle/>
+              <a:p>
+                <a:pPr algn="ctr" eaLnBrk="1" hangingPunct="1">
+                  <a:lnSpc>
+                    <a:spcPct val="90000"/>
+                  </a:lnSpc>
+                </a:pPr>
+                <a:r>
+                  <a:rPr lang="en-US" sz="1800" b="1" dirty="0">
+                    <a:solidFill>
+                      <a:srgbClr val="000066"/>
+                    </a:solidFill>
+                    <a:latin typeface="Courier New Bold" charset="0"/>
+                    <a:ea typeface="Courier New Bold" charset="0"/>
+                    <a:cs typeface="Courier New Bold" charset="0"/>
+                    <a:sym typeface="Courier New Bold" charset="0"/>
+                  </a:rPr>
+                  <a:t>67</a:t>
+                </a:r>
+              </a:p>
+            </p:txBody>
+          </p:sp>
+        </p:grpSp>
+        <p:grpSp>
+          <p:nvGrpSpPr>
+            <p:cNvPr id="80" name="Group 82"/>
+            <p:cNvGrpSpPr>
+              <a:grpSpLocks/>
+            </p:cNvGrpSpPr>
+            <p:nvPr/>
+          </p:nvGrpSpPr>
+          <p:grpSpPr bwMode="auto">
+            <a:xfrm>
+              <a:off x="432" y="16"/>
+              <a:ext cx="432" cy="192"/>
+              <a:chOff x="0" y="16"/>
+              <a:chExt cx="432" cy="192"/>
+            </a:xfrm>
+            <a:grpFill/>
+          </p:grpSpPr>
+          <p:sp>
+            <p:nvSpPr>
+              <p:cNvPr id="87" name="Rectangle 83"/>
+              <p:cNvSpPr>
+                <a:spLocks/>
+              </p:cNvSpPr>
+              <p:nvPr/>
+            </p:nvSpPr>
+            <p:spPr bwMode="auto">
+              <a:xfrm>
+                <a:off x="0" y="16"/>
+                <a:ext cx="432" cy="192"/>
+              </a:xfrm>
+              <a:prstGeom prst="rect">
+                <a:avLst/>
+              </a:prstGeom>
+              <a:grpFill/>
+              <a:ln w="28575">
+                <a:solidFill>
+                  <a:srgbClr val="003300"/>
+                </a:solidFill>
+                <a:miter lim="800000"/>
+                <a:headEnd/>
+                <a:tailEnd/>
+              </a:ln>
+            </p:spPr>
+            <p:txBody>
+              <a:bodyPr lIns="0" tIns="0" rIns="0" bIns="0">
+                <a:prstTxWarp prst="textNoShape">
+                  <a:avLst/>
+                </a:prstTxWarp>
+              </a:bodyPr>
+              <a:lstStyle/>
+              <a:p>
+                <a:pPr algn="ctr" eaLnBrk="1" hangingPunct="1"/>
+                <a:endParaRPr lang="en-US" sz="4200" b="0" smtClean="0">
+                  <a:solidFill>
+                    <a:srgbClr val="000000"/>
+                  </a:solidFill>
+                  <a:latin typeface="Gill Sans" charset="0"/>
+                  <a:ea typeface="ヒラギノ角ゴ ProN W3" charset="-128"/>
+                  <a:cs typeface="ヒラギノ角ゴ ProN W3" charset="-128"/>
+                  <a:sym typeface="Gill Sans" charset="0"/>
+                </a:endParaRPr>
+              </a:p>
+            </p:txBody>
+          </p:sp>
+          <p:sp>
+            <p:nvSpPr>
+              <p:cNvPr id="88" name="Rectangle 84"/>
+              <p:cNvSpPr>
+                <a:spLocks/>
+              </p:cNvSpPr>
+              <p:nvPr/>
+            </p:nvSpPr>
+            <p:spPr bwMode="auto">
+              <a:xfrm>
+                <a:off x="93" y="30"/>
+                <a:ext cx="245" cy="172"/>
+              </a:xfrm>
+              <a:prstGeom prst="rect">
+                <a:avLst/>
+              </a:prstGeom>
+              <a:grpFill/>
+              <a:ln w="12700">
+                <a:noFill/>
+                <a:miter lim="800000"/>
+                <a:headEnd/>
+                <a:tailEnd/>
+              </a:ln>
+            </p:spPr>
+            <p:txBody>
+              <a:bodyPr wrap="square" lIns="50800" tIns="50800" rIns="45720" bIns="50800" anchor="ctr">
+                <a:prstTxWarp prst="textNoShape">
+                  <a:avLst/>
+                </a:prstTxWarp>
+                <a:spAutoFit/>
+              </a:bodyPr>
+              <a:lstStyle/>
+              <a:p>
+                <a:pPr algn="ctr" eaLnBrk="1" hangingPunct="1">
+                  <a:lnSpc>
+                    <a:spcPct val="90000"/>
+                  </a:lnSpc>
+                </a:pPr>
+                <a:r>
+                  <a:rPr lang="en-US" sz="1800" b="1" dirty="0">
+                    <a:solidFill>
+                      <a:srgbClr val="000066"/>
+                    </a:solidFill>
+                    <a:latin typeface="Courier New Bold" charset="0"/>
+                    <a:ea typeface="Courier New Bold" charset="0"/>
+                    <a:cs typeface="Courier New Bold" charset="0"/>
+                    <a:sym typeface="Courier New Bold" charset="0"/>
+                  </a:rPr>
+                  <a:t>45</a:t>
+                </a:r>
+              </a:p>
+            </p:txBody>
+          </p:sp>
+        </p:grpSp>
+        <p:grpSp>
+          <p:nvGrpSpPr>
+            <p:cNvPr id="81" name="Group 85"/>
+            <p:cNvGrpSpPr>
+              <a:grpSpLocks/>
+            </p:cNvGrpSpPr>
+            <p:nvPr/>
+          </p:nvGrpSpPr>
+          <p:grpSpPr bwMode="auto">
+            <a:xfrm>
+              <a:off x="864" y="16"/>
+              <a:ext cx="432" cy="192"/>
+              <a:chOff x="0" y="16"/>
+              <a:chExt cx="432" cy="192"/>
+            </a:xfrm>
+            <a:grpFill/>
+          </p:grpSpPr>
+          <p:sp>
+            <p:nvSpPr>
+              <p:cNvPr id="85" name="Rectangle 86"/>
+              <p:cNvSpPr>
+                <a:spLocks/>
+              </p:cNvSpPr>
+              <p:nvPr/>
+            </p:nvSpPr>
+            <p:spPr bwMode="auto">
+              <a:xfrm>
+                <a:off x="0" y="16"/>
+                <a:ext cx="432" cy="192"/>
+              </a:xfrm>
+              <a:prstGeom prst="rect">
+                <a:avLst/>
+              </a:prstGeom>
+              <a:grpFill/>
+              <a:ln w="28575">
+                <a:solidFill>
+                  <a:srgbClr val="003300"/>
+                </a:solidFill>
+                <a:miter lim="800000"/>
+                <a:headEnd/>
+                <a:tailEnd/>
+              </a:ln>
+            </p:spPr>
+            <p:txBody>
+              <a:bodyPr lIns="0" tIns="0" rIns="0" bIns="0">
+                <a:prstTxWarp prst="textNoShape">
+                  <a:avLst/>
+                </a:prstTxWarp>
+              </a:bodyPr>
+              <a:lstStyle/>
+              <a:p>
+                <a:pPr algn="ctr" eaLnBrk="1" hangingPunct="1"/>
+                <a:endParaRPr lang="en-US" sz="4200" b="0" smtClean="0">
+                  <a:solidFill>
+                    <a:srgbClr val="000000"/>
+                  </a:solidFill>
+                  <a:latin typeface="Gill Sans" charset="0"/>
+                  <a:ea typeface="ヒラギノ角ゴ ProN W3" charset="-128"/>
+                  <a:cs typeface="ヒラギノ角ゴ ProN W3" charset="-128"/>
+                  <a:sym typeface="Gill Sans" charset="0"/>
+                </a:endParaRPr>
+              </a:p>
+            </p:txBody>
+          </p:sp>
+          <p:sp>
+            <p:nvSpPr>
+              <p:cNvPr id="86" name="Rectangle 87"/>
+              <p:cNvSpPr>
+                <a:spLocks/>
+              </p:cNvSpPr>
+              <p:nvPr/>
+            </p:nvSpPr>
+            <p:spPr bwMode="auto">
+              <a:xfrm>
+                <a:off x="93" y="29"/>
+                <a:ext cx="245" cy="172"/>
+              </a:xfrm>
+              <a:prstGeom prst="rect">
+                <a:avLst/>
+              </a:prstGeom>
+              <a:grpFill/>
+              <a:ln w="12700">
+                <a:noFill/>
+                <a:miter lim="800000"/>
+                <a:headEnd/>
+                <a:tailEnd/>
+              </a:ln>
+            </p:spPr>
+            <p:txBody>
+              <a:bodyPr wrap="square" lIns="50800" tIns="50800" rIns="45720" bIns="50800" anchor="ctr">
+                <a:prstTxWarp prst="textNoShape">
+                  <a:avLst/>
+                </a:prstTxWarp>
+                <a:spAutoFit/>
+              </a:bodyPr>
+              <a:lstStyle/>
+              <a:p>
+                <a:pPr algn="ctr" eaLnBrk="1" hangingPunct="1">
+                  <a:lnSpc>
+                    <a:spcPct val="90000"/>
+                  </a:lnSpc>
+                </a:pPr>
+                <a:r>
+                  <a:rPr lang="en-US" sz="1800" b="1" dirty="0">
+                    <a:solidFill>
+                      <a:srgbClr val="000066"/>
+                    </a:solidFill>
+                    <a:latin typeface="Courier New Bold" charset="0"/>
+                    <a:ea typeface="Courier New Bold" charset="0"/>
+                    <a:cs typeface="Courier New Bold" charset="0"/>
+                    <a:sym typeface="Courier New Bold" charset="0"/>
+                  </a:rPr>
+                  <a:t>23</a:t>
+                </a:r>
+              </a:p>
+            </p:txBody>
+          </p:sp>
+        </p:grpSp>
+        <p:grpSp>
+          <p:nvGrpSpPr>
+            <p:cNvPr id="82" name="Group 88"/>
+            <p:cNvGrpSpPr>
+              <a:grpSpLocks/>
+            </p:cNvGrpSpPr>
+            <p:nvPr/>
+          </p:nvGrpSpPr>
+          <p:grpSpPr bwMode="auto">
+            <a:xfrm>
+              <a:off x="1296" y="16"/>
+              <a:ext cx="432" cy="192"/>
+              <a:chOff x="0" y="16"/>
+              <a:chExt cx="432" cy="192"/>
+            </a:xfrm>
+            <a:grpFill/>
+          </p:grpSpPr>
+          <p:sp>
+            <p:nvSpPr>
+              <p:cNvPr id="83" name="Rectangle 89"/>
+              <p:cNvSpPr>
+                <a:spLocks/>
+              </p:cNvSpPr>
+              <p:nvPr/>
+            </p:nvSpPr>
+            <p:spPr bwMode="auto">
+              <a:xfrm>
+                <a:off x="0" y="16"/>
+                <a:ext cx="432" cy="192"/>
+              </a:xfrm>
+              <a:prstGeom prst="rect">
+                <a:avLst/>
+              </a:prstGeom>
+              <a:grpFill/>
+              <a:ln w="28575">
+                <a:solidFill>
+                  <a:srgbClr val="003300"/>
+                </a:solidFill>
+                <a:miter lim="800000"/>
+                <a:headEnd/>
+                <a:tailEnd/>
+              </a:ln>
+            </p:spPr>
+            <p:txBody>
+              <a:bodyPr lIns="0" tIns="0" rIns="0" bIns="0">
+                <a:prstTxWarp prst="textNoShape">
+                  <a:avLst/>
+                </a:prstTxWarp>
+              </a:bodyPr>
+              <a:lstStyle/>
+              <a:p>
+                <a:pPr algn="ctr" eaLnBrk="1" hangingPunct="1"/>
+                <a:endParaRPr lang="en-US" sz="4200" b="0" smtClean="0">
+                  <a:solidFill>
+                    <a:srgbClr val="000000"/>
+                  </a:solidFill>
+                  <a:latin typeface="Gill Sans" charset="0"/>
+                  <a:ea typeface="ヒラギノ角ゴ ProN W3" charset="-128"/>
+                  <a:cs typeface="ヒラギノ角ゴ ProN W3" charset="-128"/>
+                  <a:sym typeface="Gill Sans" charset="0"/>
+                </a:endParaRPr>
+              </a:p>
+            </p:txBody>
+          </p:sp>
+          <p:sp>
+            <p:nvSpPr>
+              <p:cNvPr id="84" name="Rectangle 90"/>
+              <p:cNvSpPr>
+                <a:spLocks/>
+              </p:cNvSpPr>
+              <p:nvPr/>
+            </p:nvSpPr>
+            <p:spPr bwMode="auto">
+              <a:xfrm>
+                <a:off x="93" y="26"/>
+                <a:ext cx="245" cy="172"/>
+              </a:xfrm>
+              <a:prstGeom prst="rect">
+                <a:avLst/>
+              </a:prstGeom>
+              <a:grpFill/>
+              <a:ln w="12700">
+                <a:noFill/>
+                <a:miter lim="800000"/>
+                <a:headEnd/>
+                <a:tailEnd/>
+              </a:ln>
+            </p:spPr>
+            <p:txBody>
+              <a:bodyPr wrap="square" lIns="50800" tIns="50800" rIns="45720" bIns="50800" anchor="ctr">
+                <a:prstTxWarp prst="textNoShape">
+                  <a:avLst/>
+                </a:prstTxWarp>
+                <a:spAutoFit/>
+              </a:bodyPr>
+              <a:lstStyle/>
+              <a:p>
+                <a:pPr algn="ctr" eaLnBrk="1" hangingPunct="1">
+                  <a:lnSpc>
+                    <a:spcPct val="90000"/>
+                  </a:lnSpc>
+                </a:pPr>
+                <a:r>
+                  <a:rPr lang="en-US" sz="1800" b="1" dirty="0">
+                    <a:solidFill>
+                      <a:srgbClr val="000066"/>
+                    </a:solidFill>
+                    <a:latin typeface="Courier New Bold" charset="0"/>
+                    <a:ea typeface="Courier New Bold" charset="0"/>
+                    <a:cs typeface="Courier New Bold" charset="0"/>
+                    <a:sym typeface="Courier New Bold" charset="0"/>
+                  </a:rPr>
+                  <a:t>01</a:t>
+                </a:r>
+              </a:p>
+            </p:txBody>
+          </p:sp>
+        </p:grpSp>
+      </p:grpSp>
+    </p:spTree>
+  </p:cSld>
+  <p:clrMapOvr>
+    <a:masterClrMapping/>
+  </p:clrMapOvr>
+  <p:timing>
+    <p:tnLst>
+      <p:par>
+        <p:cTn id="1" dur="indefinite" restart="never" nodeType="tmRoot"/>
+      </p:par>
+    </p:tnLst>
+  </p:timing>
+</p:sld>
+</file>
+
+<file path=ppt/slides/slide9.xml><?xml version="1.0" encoding="utf-8"?>
 <p:sld xmlns:a="http://schemas.openxmlformats.org/drawingml/2006/main" xmlns:r="http://schemas.openxmlformats.org/officeDocument/2006/relationships" xmlns:p="http://schemas.openxmlformats.org/presentationml/2006/main">
   <p:cSld>
     <p:spTree>
@@ -12332,7 +20393,7 @@
             <a:fld id="{1397BFD8-F312-4EF2-A268-44FB4BDDBBB0}" type="slidenum">
               <a:rPr lang="ru-RU" smtClean="0"/>
               <a:pPr algn="ctr"/>
-              <a:t>4</a:t>
+              <a:t>9</a:t>
             </a:fld>
             <a:endParaRPr lang="ru-RU" dirty="0"/>
           </a:p>
@@ -12341,7 +20402,7 @@
     </p:spTree>
     <p:extLst>
       <p:ext uri="{BB962C8B-B14F-4D97-AF65-F5344CB8AC3E}">
-        <p14:creationId xmlns:p14="http://schemas.microsoft.com/office/powerpoint/2010/main" xmlns="" val="4217875043"/>
+        <p14:creationId xmlns="" xmlns:p14="http://schemas.microsoft.com/office/powerpoint/2010/main" val="4217875043"/>
       </p:ext>
     </p:extLst>
   </p:cSld>
@@ -12633,7 +20694,7 @@
   <a:extraClrSchemeLst/>
   <a:extLst>
     <a:ext uri="{05A4C25C-085E-4340-85A3-A5531E510DB2}">
-      <thm15:themeFamily xmlns:thm15="http://schemas.microsoft.com/office/thememl/2012/main" xmlns="" name="Office Theme" id="{62F939B6-93AF-4DB8-9C6B-D6C7DFDC589F}" vid="{4A3C46E8-61CC-4603-A589-7422A47A8E4A}"/>
+      <thm15:themeFamily xmlns="" xmlns:thm15="http://schemas.microsoft.com/office/thememl/2012/main" name="Office Theme" id="{62F939B6-93AF-4DB8-9C6B-D6C7DFDC589F}" vid="{4A3C46E8-61CC-4603-A589-7422A47A8E4A}"/>
     </a:ext>
   </a:extLst>
 </a:theme>
@@ -12894,7 +20955,7 @@
   <a:extraClrSchemeLst/>
   <a:extLst>
     <a:ext uri="{05A4C25C-085E-4340-85A3-A5531E510DB2}">
-      <thm15:themeFamily xmlns:thm15="http://schemas.microsoft.com/office/thememl/2012/main" xmlns="" name="Office Theme" id="{62F939B6-93AF-4DB8-9C6B-D6C7DFDC589F}" vid="{4A3C46E8-61CC-4603-A589-7422A47A8E4A}"/>
+      <thm15:themeFamily xmlns="" xmlns:thm15="http://schemas.microsoft.com/office/thememl/2012/main" name="Office Theme" id="{62F939B6-93AF-4DB8-9C6B-D6C7DFDC589F}" vid="{4A3C46E8-61CC-4603-A589-7422A47A8E4A}"/>
     </a:ext>
   </a:extLst>
 </a:theme>
@@ -13155,7 +21216,7 @@
   <a:extraClrSchemeLst/>
   <a:extLst>
     <a:ext uri="{05A4C25C-085E-4340-85A3-A5531E510DB2}">
-      <thm15:themeFamily xmlns:thm15="http://schemas.microsoft.com/office/thememl/2012/main" xmlns="" name="Office Theme" id="{62F939B6-93AF-4DB8-9C6B-D6C7DFDC589F}" vid="{4A3C46E8-61CC-4603-A589-7422A47A8E4A}"/>
+      <thm15:themeFamily xmlns="" xmlns:thm15="http://schemas.microsoft.com/office/thememl/2012/main" name="Office Theme" id="{62F939B6-93AF-4DB8-9C6B-D6C7DFDC589F}" vid="{4A3C46E8-61CC-4603-A589-7422A47A8E4A}"/>
     </a:ext>
   </a:extLst>
 </a:theme>

--- a/docs/part1ca/02_DataTypes/CA_Lecture_02.pptx
+++ b/docs/part1ca/02_DataTypes/CA_Lecture_02.pptx
@@ -5,21 +5,22 @@
     <p:sldMasterId id="2147483648" r:id="rId1"/>
   </p:sldMasterIdLst>
   <p:notesMasterIdLst>
-    <p:notesMasterId r:id="rId11"/>
+    <p:notesMasterId r:id="rId12"/>
   </p:notesMasterIdLst>
   <p:handoutMasterIdLst>
-    <p:handoutMasterId r:id="rId12"/>
+    <p:handoutMasterId r:id="rId13"/>
   </p:handoutMasterIdLst>
   <p:sldIdLst>
     <p:sldId id="256" r:id="rId2"/>
     <p:sldId id="273" r:id="rId3"/>
     <p:sldId id="274" r:id="rId4"/>
-    <p:sldId id="275" r:id="rId5"/>
-    <p:sldId id="278" r:id="rId6"/>
-    <p:sldId id="279" r:id="rId7"/>
-    <p:sldId id="277" r:id="rId8"/>
-    <p:sldId id="276" r:id="rId9"/>
-    <p:sldId id="272" r:id="rId10"/>
+    <p:sldId id="280" r:id="rId5"/>
+    <p:sldId id="275" r:id="rId6"/>
+    <p:sldId id="278" r:id="rId7"/>
+    <p:sldId id="279" r:id="rId8"/>
+    <p:sldId id="277" r:id="rId9"/>
+    <p:sldId id="276" r:id="rId10"/>
+    <p:sldId id="272" r:id="rId11"/>
   </p:sldIdLst>
   <p:sldSz cx="12192000" cy="6858000"/>
   <p:notesSz cx="6858000" cy="9144000"/>
@@ -896,7 +897,7 @@
             <a:fld id="{5583B3A5-99BF-45D9-956B-DC57CC23AD97}" type="slidenum">
               <a:rPr lang="ru-RU" smtClean="0"/>
               <a:pPr/>
-              <a:t>9</a:t>
+              <a:t>10</a:t>
             </a:fld>
             <a:endParaRPr lang="ru-RU"/>
           </a:p>
@@ -4198,6 +4199,587 @@
     <p:extLst>
       <p:ext uri="{BB962C8B-B14F-4D97-AF65-F5344CB8AC3E}">
         <p14:creationId xmlns="" xmlns:p14="http://schemas.microsoft.com/office/powerpoint/2010/main" val="2492894732"/>
+      </p:ext>
+    </p:extLst>
+  </p:cSld>
+  <p:clrMapOvr>
+    <a:masterClrMapping/>
+  </p:clrMapOvr>
+  <p:timing>
+    <p:tnLst>
+      <p:par>
+        <p:cTn id="1" dur="indefinite" restart="never" nodeType="tmRoot"/>
+      </p:par>
+    </p:tnLst>
+  </p:timing>
+</p:sld>
+</file>
+
+<file path=ppt/slides/slide10.xml><?xml version="1.0" encoding="utf-8"?>
+<p:sld xmlns:a="http://schemas.openxmlformats.org/drawingml/2006/main" xmlns:r="http://schemas.openxmlformats.org/officeDocument/2006/relationships" xmlns:p="http://schemas.openxmlformats.org/presentationml/2006/main">
+  <p:cSld>
+    <p:spTree>
+      <p:nvGrpSpPr>
+        <p:cNvPr id="1" name=""/>
+        <p:cNvGrpSpPr/>
+        <p:nvPr/>
+      </p:nvGrpSpPr>
+      <p:grpSpPr>
+        <a:xfrm>
+          <a:off x="0" y="0"/>
+          <a:ext cx="0" cy="0"/>
+          <a:chOff x="0" y="0"/>
+          <a:chExt cx="0" cy="0"/>
+        </a:xfrm>
+      </p:grpSpPr>
+      <p:sp>
+        <p:nvSpPr>
+          <p:cNvPr id="4" name="Прямоугольник 3"/>
+          <p:cNvSpPr/>
+          <p:nvPr/>
+        </p:nvSpPr>
+        <p:spPr>
+          <a:xfrm>
+            <a:off x="2664999" y="472120"/>
+            <a:ext cx="7524751" cy="5262979"/>
+          </a:xfrm>
+          <a:prstGeom prst="rect">
+            <a:avLst/>
+          </a:prstGeom>
+          <a:noFill/>
+          <a:ln>
+            <a:noFill/>
+          </a:ln>
+          <a:scene3d>
+            <a:camera prst="perspectiveRelaxed"/>
+            <a:lightRig rig="threePt" dir="t"/>
+          </a:scene3d>
+        </p:spPr>
+        <p:txBody>
+          <a:bodyPr wrap="square" lIns="91440" tIns="45720" rIns="91440" bIns="45720">
+            <a:spAutoFit/>
+          </a:bodyPr>
+          <a:lstStyle/>
+          <a:p>
+            <a:r>
+              <a:rPr lang="en-US" sz="2400" dirty="0" smtClean="0">
+                <a:ln w="0"/>
+                <a:solidFill>
+                  <a:srgbClr val="273272"/>
+                </a:solidFill>
+                <a:effectLst>
+                  <a:reflection blurRad="6350" stA="53000" endA="300" endPos="35500" dir="5400000" sy="-90000" algn="bl" rotWithShape="0"/>
+                </a:effectLst>
+                <a:latin typeface="Courier New" pitchFamily="49" charset="0"/>
+                <a:cs typeface="Courier New" pitchFamily="49" charset="0"/>
+              </a:rPr>
+              <a:t>		</a:t>
+            </a:r>
+          </a:p>
+          <a:p>
+            <a:r>
+              <a:rPr lang="en-US" sz="2400" dirty="0" smtClean="0">
+                <a:ln w="0"/>
+                <a:solidFill>
+                  <a:srgbClr val="273272"/>
+                </a:solidFill>
+                <a:effectLst>
+                  <a:reflection blurRad="6350" stA="53000" endA="300" endPos="35500" dir="5400000" sy="-90000" algn="bl" rotWithShape="0"/>
+                </a:effectLst>
+                <a:latin typeface="Courier New" pitchFamily="49" charset="0"/>
+                <a:cs typeface="Courier New" pitchFamily="49" charset="0"/>
+              </a:rPr>
+              <a:t>		.text</a:t>
+            </a:r>
+          </a:p>
+          <a:p>
+            <a:r>
+              <a:rPr lang="en-US" sz="2400" dirty="0" smtClean="0">
+                <a:ln w="0"/>
+                <a:solidFill>
+                  <a:srgbClr val="273272"/>
+                </a:solidFill>
+                <a:effectLst>
+                  <a:reflection blurRad="6350" stA="53000" endA="300" endPos="35500" dir="5400000" sy="-90000" algn="bl" rotWithShape="0"/>
+                </a:effectLst>
+                <a:latin typeface="Courier New" pitchFamily="49" charset="0"/>
+                <a:cs typeface="Courier New" pitchFamily="49" charset="0"/>
+              </a:rPr>
+              <a:t>__start:	</a:t>
+            </a:r>
+            <a:r>
+              <a:rPr lang="en-US" sz="2400" dirty="0" err="1" smtClean="0">
+                <a:ln w="0"/>
+                <a:solidFill>
+                  <a:srgbClr val="273272"/>
+                </a:solidFill>
+                <a:effectLst>
+                  <a:reflection blurRad="6350" stA="53000" endA="300" endPos="35500" dir="5400000" sy="-90000" algn="bl" rotWithShape="0"/>
+                </a:effectLst>
+                <a:latin typeface="Courier New" pitchFamily="49" charset="0"/>
+                <a:cs typeface="Courier New" pitchFamily="49" charset="0"/>
+              </a:rPr>
+              <a:t>addi</a:t>
+            </a:r>
+            <a:r>
+              <a:rPr lang="en-US" sz="2400" dirty="0" smtClean="0">
+                <a:ln w="0"/>
+                <a:solidFill>
+                  <a:srgbClr val="273272"/>
+                </a:solidFill>
+                <a:effectLst>
+                  <a:reflection blurRad="6350" stA="53000" endA="300" endPos="35500" dir="5400000" sy="-90000" algn="bl" rotWithShape="0"/>
+                </a:effectLst>
+                <a:latin typeface="Courier New" pitchFamily="49" charset="0"/>
+                <a:cs typeface="Courier New" pitchFamily="49" charset="0"/>
+              </a:rPr>
+              <a:t> t1, zero, 0x18</a:t>
+            </a:r>
+          </a:p>
+          <a:p>
+            <a:r>
+              <a:rPr lang="en-US" sz="2400" dirty="0" smtClean="0">
+                <a:ln w="0"/>
+                <a:solidFill>
+                  <a:srgbClr val="273272"/>
+                </a:solidFill>
+                <a:effectLst>
+                  <a:reflection blurRad="6350" stA="53000" endA="300" endPos="35500" dir="5400000" sy="-90000" algn="bl" rotWithShape="0"/>
+                </a:effectLst>
+                <a:latin typeface="Courier New" pitchFamily="49" charset="0"/>
+                <a:cs typeface="Courier New" pitchFamily="49" charset="0"/>
+              </a:rPr>
+              <a:t>		</a:t>
+            </a:r>
+            <a:r>
+              <a:rPr lang="en-US" sz="2400" dirty="0" err="1" smtClean="0">
+                <a:ln w="0"/>
+                <a:solidFill>
+                  <a:srgbClr val="273272"/>
+                </a:solidFill>
+                <a:effectLst>
+                  <a:reflection blurRad="6350" stA="53000" endA="300" endPos="35500" dir="5400000" sy="-90000" algn="bl" rotWithShape="0"/>
+                </a:effectLst>
+                <a:latin typeface="Courier New" pitchFamily="49" charset="0"/>
+                <a:cs typeface="Courier New" pitchFamily="49" charset="0"/>
+              </a:rPr>
+              <a:t>addi</a:t>
+            </a:r>
+            <a:r>
+              <a:rPr lang="en-US" sz="2400" dirty="0" smtClean="0">
+                <a:ln w="0"/>
+                <a:solidFill>
+                  <a:srgbClr val="273272"/>
+                </a:solidFill>
+                <a:effectLst>
+                  <a:reflection blurRad="6350" stA="53000" endA="300" endPos="35500" dir="5400000" sy="-90000" algn="bl" rotWithShape="0"/>
+                </a:effectLst>
+                <a:latin typeface="Courier New" pitchFamily="49" charset="0"/>
+                <a:cs typeface="Courier New" pitchFamily="49" charset="0"/>
+              </a:rPr>
+              <a:t> t2, zero, 0x21</a:t>
+            </a:r>
+          </a:p>
+          <a:p>
+            <a:r>
+              <a:rPr lang="en-US" sz="2400" dirty="0" smtClean="0">
+                <a:ln w="0"/>
+                <a:solidFill>
+                  <a:srgbClr val="273272"/>
+                </a:solidFill>
+                <a:effectLst>
+                  <a:reflection blurRad="6350" stA="53000" endA="300" endPos="35500" dir="5400000" sy="-90000" algn="bl" rotWithShape="0"/>
+                </a:effectLst>
+                <a:latin typeface="Courier New" pitchFamily="49" charset="0"/>
+                <a:cs typeface="Courier New" pitchFamily="49" charset="0"/>
+              </a:rPr>
+              <a:t>cycle:	</a:t>
+            </a:r>
+            <a:r>
+              <a:rPr lang="en-US" sz="2400" dirty="0" err="1" smtClean="0">
+                <a:ln w="0"/>
+                <a:solidFill>
+                  <a:srgbClr val="273272"/>
+                </a:solidFill>
+                <a:effectLst>
+                  <a:reflection blurRad="6350" stA="53000" endA="300" endPos="35500" dir="5400000" sy="-90000" algn="bl" rotWithShape="0"/>
+                </a:effectLst>
+                <a:latin typeface="Courier New" pitchFamily="49" charset="0"/>
+                <a:cs typeface="Courier New" pitchFamily="49" charset="0"/>
+              </a:rPr>
+              <a:t>beq</a:t>
+            </a:r>
+            <a:r>
+              <a:rPr lang="en-US" sz="2400" dirty="0" smtClean="0">
+                <a:ln w="0"/>
+                <a:solidFill>
+                  <a:srgbClr val="273272"/>
+                </a:solidFill>
+                <a:effectLst>
+                  <a:reflection blurRad="6350" stA="53000" endA="300" endPos="35500" dir="5400000" sy="-90000" algn="bl" rotWithShape="0"/>
+                </a:effectLst>
+                <a:latin typeface="Courier New" pitchFamily="49" charset="0"/>
+                <a:cs typeface="Courier New" pitchFamily="49" charset="0"/>
+              </a:rPr>
+              <a:t> t1, t2, done</a:t>
+            </a:r>
+          </a:p>
+          <a:p>
+            <a:r>
+              <a:rPr lang="en-US" sz="2400" dirty="0" smtClean="0">
+                <a:ln w="0"/>
+                <a:solidFill>
+                  <a:srgbClr val="273272"/>
+                </a:solidFill>
+                <a:effectLst>
+                  <a:reflection blurRad="6350" stA="53000" endA="300" endPos="35500" dir="5400000" sy="-90000" algn="bl" rotWithShape="0"/>
+                </a:effectLst>
+                <a:latin typeface="Courier New" pitchFamily="49" charset="0"/>
+                <a:cs typeface="Courier New" pitchFamily="49" charset="0"/>
+              </a:rPr>
+              <a:t>		</a:t>
+            </a:r>
+            <a:r>
+              <a:rPr lang="en-US" sz="2400" dirty="0" err="1" smtClean="0">
+                <a:ln w="0"/>
+                <a:solidFill>
+                  <a:srgbClr val="273272"/>
+                </a:solidFill>
+                <a:effectLst>
+                  <a:reflection blurRad="6350" stA="53000" endA="300" endPos="35500" dir="5400000" sy="-90000" algn="bl" rotWithShape="0"/>
+                </a:effectLst>
+                <a:latin typeface="Courier New" pitchFamily="49" charset="0"/>
+                <a:cs typeface="Courier New" pitchFamily="49" charset="0"/>
+              </a:rPr>
+              <a:t>slt</a:t>
+            </a:r>
+            <a:r>
+              <a:rPr lang="en-US" sz="2400" dirty="0" smtClean="0">
+                <a:ln w="0"/>
+                <a:solidFill>
+                  <a:srgbClr val="273272"/>
+                </a:solidFill>
+                <a:effectLst>
+                  <a:reflection blurRad="6350" stA="53000" endA="300" endPos="35500" dir="5400000" sy="-90000" algn="bl" rotWithShape="0"/>
+                </a:effectLst>
+                <a:latin typeface="Courier New" pitchFamily="49" charset="0"/>
+                <a:cs typeface="Courier New" pitchFamily="49" charset="0"/>
+              </a:rPr>
+              <a:t> t0, t1, t2</a:t>
+            </a:r>
+          </a:p>
+          <a:p>
+            <a:r>
+              <a:rPr lang="en-US" sz="2400" dirty="0" smtClean="0">
+                <a:ln w="0"/>
+                <a:solidFill>
+                  <a:srgbClr val="273272"/>
+                </a:solidFill>
+                <a:effectLst>
+                  <a:reflection blurRad="6350" stA="53000" endA="300" endPos="35500" dir="5400000" sy="-90000" algn="bl" rotWithShape="0"/>
+                </a:effectLst>
+                <a:latin typeface="Courier New" pitchFamily="49" charset="0"/>
+                <a:cs typeface="Courier New" pitchFamily="49" charset="0"/>
+              </a:rPr>
+              <a:t>		</a:t>
+            </a:r>
+            <a:r>
+              <a:rPr lang="en-US" sz="2400" dirty="0" err="1" smtClean="0">
+                <a:ln w="0"/>
+                <a:solidFill>
+                  <a:srgbClr val="273272"/>
+                </a:solidFill>
+                <a:effectLst>
+                  <a:reflection blurRad="6350" stA="53000" endA="300" endPos="35500" dir="5400000" sy="-90000" algn="bl" rotWithShape="0"/>
+                </a:effectLst>
+                <a:latin typeface="Courier New" pitchFamily="49" charset="0"/>
+                <a:cs typeface="Courier New" pitchFamily="49" charset="0"/>
+              </a:rPr>
+              <a:t>bne</a:t>
+            </a:r>
+            <a:r>
+              <a:rPr lang="en-US" sz="2400" dirty="0" smtClean="0">
+                <a:ln w="0"/>
+                <a:solidFill>
+                  <a:srgbClr val="273272"/>
+                </a:solidFill>
+                <a:effectLst>
+                  <a:reflection blurRad="6350" stA="53000" endA="300" endPos="35500" dir="5400000" sy="-90000" algn="bl" rotWithShape="0"/>
+                </a:effectLst>
+                <a:latin typeface="Courier New" pitchFamily="49" charset="0"/>
+                <a:cs typeface="Courier New" pitchFamily="49" charset="0"/>
+              </a:rPr>
+              <a:t> t0, zero, </a:t>
+            </a:r>
+            <a:r>
+              <a:rPr lang="en-US" sz="2400" dirty="0" err="1" smtClean="0">
+                <a:ln w="0"/>
+                <a:solidFill>
+                  <a:srgbClr val="273272"/>
+                </a:solidFill>
+                <a:effectLst>
+                  <a:reflection blurRad="6350" stA="53000" endA="300" endPos="35500" dir="5400000" sy="-90000" algn="bl" rotWithShape="0"/>
+                </a:effectLst>
+                <a:latin typeface="Courier New" pitchFamily="49" charset="0"/>
+                <a:cs typeface="Courier New" pitchFamily="49" charset="0"/>
+              </a:rPr>
+              <a:t>if_less</a:t>
+            </a:r>
+            <a:endParaRPr lang="en-US" sz="2400" dirty="0" smtClean="0">
+              <a:ln w="0"/>
+              <a:solidFill>
+                <a:srgbClr val="273272"/>
+              </a:solidFill>
+              <a:effectLst>
+                <a:reflection blurRad="6350" stA="53000" endA="300" endPos="35500" dir="5400000" sy="-90000" algn="bl" rotWithShape="0"/>
+              </a:effectLst>
+              <a:latin typeface="Courier New" pitchFamily="49" charset="0"/>
+              <a:cs typeface="Courier New" pitchFamily="49" charset="0"/>
+            </a:endParaRPr>
+          </a:p>
+          <a:p>
+            <a:r>
+              <a:rPr lang="en-US" sz="2400" dirty="0" smtClean="0">
+                <a:ln w="0"/>
+                <a:solidFill>
+                  <a:srgbClr val="273272"/>
+                </a:solidFill>
+                <a:effectLst>
+                  <a:reflection blurRad="6350" stA="53000" endA="300" endPos="35500" dir="5400000" sy="-90000" algn="bl" rotWithShape="0"/>
+                </a:effectLst>
+                <a:latin typeface="Courier New" pitchFamily="49" charset="0"/>
+                <a:cs typeface="Courier New" pitchFamily="49" charset="0"/>
+              </a:rPr>
+              <a:t>		</a:t>
+            </a:r>
+            <a:r>
+              <a:rPr lang="en-US" sz="2400" dirty="0" err="1" smtClean="0">
+                <a:ln w="0"/>
+                <a:solidFill>
+                  <a:srgbClr val="273272"/>
+                </a:solidFill>
+                <a:effectLst>
+                  <a:reflection blurRad="6350" stA="53000" endA="300" endPos="35500" dir="5400000" sy="-90000" algn="bl" rotWithShape="0"/>
+                </a:effectLst>
+                <a:latin typeface="Courier New" pitchFamily="49" charset="0"/>
+                <a:cs typeface="Courier New" pitchFamily="49" charset="0"/>
+              </a:rPr>
+              <a:t>nop</a:t>
+            </a:r>
+            <a:endParaRPr lang="en-US" sz="2400" dirty="0" smtClean="0">
+              <a:ln w="0"/>
+              <a:solidFill>
+                <a:srgbClr val="273272"/>
+              </a:solidFill>
+              <a:effectLst>
+                <a:reflection blurRad="6350" stA="53000" endA="300" endPos="35500" dir="5400000" sy="-90000" algn="bl" rotWithShape="0"/>
+              </a:effectLst>
+              <a:latin typeface="Courier New" pitchFamily="49" charset="0"/>
+              <a:cs typeface="Courier New" pitchFamily="49" charset="0"/>
+            </a:endParaRPr>
+          </a:p>
+          <a:p>
+            <a:r>
+              <a:rPr lang="en-US" sz="2400" dirty="0" smtClean="0">
+                <a:ln w="0"/>
+                <a:solidFill>
+                  <a:srgbClr val="273272"/>
+                </a:solidFill>
+                <a:effectLst>
+                  <a:reflection blurRad="6350" stA="53000" endA="300" endPos="35500" dir="5400000" sy="-90000" algn="bl" rotWithShape="0"/>
+                </a:effectLst>
+                <a:latin typeface="Courier New" pitchFamily="49" charset="0"/>
+                <a:cs typeface="Courier New" pitchFamily="49" charset="0"/>
+              </a:rPr>
+              <a:t>		sub t1, t1, t2</a:t>
+            </a:r>
+          </a:p>
+          <a:p>
+            <a:r>
+              <a:rPr lang="en-US" sz="2400" dirty="0" smtClean="0">
+                <a:ln w="0"/>
+                <a:solidFill>
+                  <a:srgbClr val="273272"/>
+                </a:solidFill>
+                <a:effectLst>
+                  <a:reflection blurRad="6350" stA="53000" endA="300" endPos="35500" dir="5400000" sy="-90000" algn="bl" rotWithShape="0"/>
+                </a:effectLst>
+                <a:latin typeface="Courier New" pitchFamily="49" charset="0"/>
+                <a:cs typeface="Courier New" pitchFamily="49" charset="0"/>
+              </a:rPr>
+              <a:t>		j cycle</a:t>
+            </a:r>
+          </a:p>
+          <a:p>
+            <a:r>
+              <a:rPr lang="en-US" sz="2400" dirty="0" smtClean="0">
+                <a:ln w="0"/>
+                <a:solidFill>
+                  <a:srgbClr val="273272"/>
+                </a:solidFill>
+                <a:effectLst>
+                  <a:reflection blurRad="6350" stA="53000" endA="300" endPos="35500" dir="5400000" sy="-90000" algn="bl" rotWithShape="0"/>
+                </a:effectLst>
+                <a:latin typeface="Courier New" pitchFamily="49" charset="0"/>
+                <a:cs typeface="Courier New" pitchFamily="49" charset="0"/>
+              </a:rPr>
+              <a:t>		</a:t>
+            </a:r>
+            <a:r>
+              <a:rPr lang="en-US" sz="2400" dirty="0" err="1" smtClean="0">
+                <a:ln w="0"/>
+                <a:solidFill>
+                  <a:srgbClr val="273272"/>
+                </a:solidFill>
+                <a:effectLst>
+                  <a:reflection blurRad="6350" stA="53000" endA="300" endPos="35500" dir="5400000" sy="-90000" algn="bl" rotWithShape="0"/>
+                </a:effectLst>
+                <a:latin typeface="Courier New" pitchFamily="49" charset="0"/>
+                <a:cs typeface="Courier New" pitchFamily="49" charset="0"/>
+              </a:rPr>
+              <a:t>nop</a:t>
+            </a:r>
+            <a:endParaRPr lang="en-US" sz="2400" dirty="0" smtClean="0">
+              <a:ln w="0"/>
+              <a:solidFill>
+                <a:srgbClr val="273272"/>
+              </a:solidFill>
+              <a:effectLst>
+                <a:reflection blurRad="6350" stA="53000" endA="300" endPos="35500" dir="5400000" sy="-90000" algn="bl" rotWithShape="0"/>
+              </a:effectLst>
+              <a:latin typeface="Courier New" pitchFamily="49" charset="0"/>
+              <a:cs typeface="Courier New" pitchFamily="49" charset="0"/>
+            </a:endParaRPr>
+          </a:p>
+          <a:p>
+            <a:r>
+              <a:rPr lang="en-US" sz="2400" dirty="0" err="1" smtClean="0">
+                <a:ln w="0"/>
+                <a:solidFill>
+                  <a:srgbClr val="273272"/>
+                </a:solidFill>
+                <a:effectLst>
+                  <a:reflection blurRad="6350" stA="53000" endA="300" endPos="35500" dir="5400000" sy="-90000" algn="bl" rotWithShape="0"/>
+                </a:effectLst>
+                <a:latin typeface="Courier New" pitchFamily="49" charset="0"/>
+                <a:cs typeface="Courier New" pitchFamily="49" charset="0"/>
+              </a:rPr>
+              <a:t>if_less</a:t>
+            </a:r>
+            <a:r>
+              <a:rPr lang="en-US" sz="2400" dirty="0" smtClean="0">
+                <a:ln w="0"/>
+                <a:solidFill>
+                  <a:srgbClr val="273272"/>
+                </a:solidFill>
+                <a:effectLst>
+                  <a:reflection blurRad="6350" stA="53000" endA="300" endPos="35500" dir="5400000" sy="-90000" algn="bl" rotWithShape="0"/>
+                </a:effectLst>
+                <a:latin typeface="Courier New" pitchFamily="49" charset="0"/>
+                <a:cs typeface="Courier New" pitchFamily="49" charset="0"/>
+              </a:rPr>
+              <a:t>:	sub t2, t2, t1</a:t>
+            </a:r>
+          </a:p>
+          <a:p>
+            <a:r>
+              <a:rPr lang="en-US" sz="2400" dirty="0" smtClean="0">
+                <a:ln w="0"/>
+                <a:solidFill>
+                  <a:srgbClr val="273272"/>
+                </a:solidFill>
+                <a:effectLst>
+                  <a:reflection blurRad="6350" stA="53000" endA="300" endPos="35500" dir="5400000" sy="-90000" algn="bl" rotWithShape="0"/>
+                </a:effectLst>
+                <a:latin typeface="Courier New" pitchFamily="49" charset="0"/>
+                <a:cs typeface="Courier New" pitchFamily="49" charset="0"/>
+              </a:rPr>
+              <a:t>		j cycle</a:t>
+            </a:r>
+          </a:p>
+          <a:p>
+            <a:r>
+              <a:rPr lang="en-US" sz="2400" dirty="0" smtClean="0">
+                <a:ln w="0"/>
+                <a:solidFill>
+                  <a:srgbClr val="273272"/>
+                </a:solidFill>
+                <a:effectLst>
+                  <a:reflection blurRad="6350" stA="53000" endA="300" endPos="35500" dir="5400000" sy="-90000" algn="bl" rotWithShape="0"/>
+                </a:effectLst>
+                <a:latin typeface="Courier New" pitchFamily="49" charset="0"/>
+                <a:cs typeface="Courier New" pitchFamily="49" charset="0"/>
+              </a:rPr>
+              <a:t>done:		add t3, t1, zero</a:t>
+            </a:r>
+            <a:endParaRPr lang="ru-RU" sz="2400" b="0" cap="none" spc="0" dirty="0">
+              <a:ln w="0"/>
+              <a:solidFill>
+                <a:srgbClr val="273272"/>
+              </a:solidFill>
+              <a:effectLst>
+                <a:reflection blurRad="6350" stA="53000" endA="300" endPos="35500" dir="5400000" sy="-90000" algn="bl" rotWithShape="0"/>
+              </a:effectLst>
+              <a:latin typeface="Courier New" pitchFamily="49" charset="0"/>
+              <a:cs typeface="Courier New" pitchFamily="49" charset="0"/>
+            </a:endParaRPr>
+          </a:p>
+        </p:txBody>
+      </p:sp>
+      <p:sp>
+        <p:nvSpPr>
+          <p:cNvPr id="2" name="Заголовок 1"/>
+          <p:cNvSpPr>
+            <a:spLocks noGrp="1"/>
+          </p:cNvSpPr>
+          <p:nvPr>
+            <p:ph type="title"/>
+          </p:nvPr>
+        </p:nvSpPr>
+        <p:spPr/>
+        <p:txBody>
+          <a:bodyPr>
+            <a:normAutofit/>
+          </a:bodyPr>
+          <a:lstStyle/>
+          <a:p>
+            <a:r>
+              <a:rPr lang="en-US" dirty="0" smtClean="0"/>
+              <a:t>Any Questions?</a:t>
+            </a:r>
+            <a:endParaRPr lang="ru-RU" sz="4000" dirty="0"/>
+          </a:p>
+        </p:txBody>
+      </p:sp>
+      <p:sp>
+        <p:nvSpPr>
+          <p:cNvPr id="6" name="Номер слайда 5"/>
+          <p:cNvSpPr>
+            <a:spLocks noGrp="1"/>
+          </p:cNvSpPr>
+          <p:nvPr>
+            <p:ph type="sldNum" sz="quarter" idx="12"/>
+          </p:nvPr>
+        </p:nvSpPr>
+        <p:spPr/>
+        <p:txBody>
+          <a:bodyPr/>
+          <a:lstStyle/>
+          <a:p>
+            <a:pPr algn="ctr"/>
+            <a:fld id="{1397BFD8-F312-4EF2-A268-44FB4BDDBBB0}" type="slidenum">
+              <a:rPr lang="ru-RU" smtClean="0"/>
+              <a:pPr algn="ctr"/>
+              <a:t>10</a:t>
+            </a:fld>
+            <a:endParaRPr lang="ru-RU" dirty="0"/>
+          </a:p>
+        </p:txBody>
+      </p:sp>
+    </p:spTree>
+    <p:extLst>
+      <p:ext uri="{BB962C8B-B14F-4D97-AF65-F5344CB8AC3E}">
+        <p14:creationId xmlns="" xmlns:p14="http://schemas.microsoft.com/office/powerpoint/2010/main" val="4217875043"/>
       </p:ext>
     </p:extLst>
   </p:cSld>
@@ -11792,6 +12374,2657 @@
       </p:grpSpPr>
       <p:sp>
         <p:nvSpPr>
+          <p:cNvPr id="3" name="Номер слайда 2"/>
+          <p:cNvSpPr>
+            <a:spLocks noGrp="1"/>
+          </p:cNvSpPr>
+          <p:nvPr>
+            <p:ph type="sldNum" sz="quarter" idx="12"/>
+          </p:nvPr>
+        </p:nvSpPr>
+        <p:spPr/>
+        <p:txBody>
+          <a:bodyPr/>
+          <a:lstStyle/>
+          <a:p>
+            <a:pPr algn="ctr"/>
+            <a:fld id="{1397BFD8-F312-4EF2-A268-44FB4BDDBBB0}" type="slidenum">
+              <a:rPr lang="ru-RU" smtClean="0"/>
+              <a:pPr algn="ctr"/>
+              <a:t>4</a:t>
+            </a:fld>
+            <a:endParaRPr lang="ru-RU" dirty="0"/>
+          </a:p>
+        </p:txBody>
+      </p:sp>
+      <p:sp>
+        <p:nvSpPr>
+          <p:cNvPr id="4" name="Заголовок 3"/>
+          <p:cNvSpPr>
+            <a:spLocks noGrp="1"/>
+          </p:cNvSpPr>
+          <p:nvPr>
+            <p:ph type="title"/>
+          </p:nvPr>
+        </p:nvSpPr>
+        <p:spPr/>
+        <p:txBody>
+          <a:bodyPr/>
+          <a:lstStyle/>
+          <a:p>
+            <a:r>
+              <a:rPr lang="en-US" dirty="0" smtClean="0"/>
+              <a:t>Example Data Representations</a:t>
+            </a:r>
+            <a:endParaRPr lang="ru-RU" dirty="0"/>
+          </a:p>
+        </p:txBody>
+      </p:sp>
+      <p:graphicFrame>
+        <p:nvGraphicFramePr>
+          <p:cNvPr id="5" name="Group 4"/>
+          <p:cNvGraphicFramePr>
+            <a:graphicFrameLocks noGrp="1"/>
+          </p:cNvGraphicFramePr>
+          <p:nvPr>
+            <p:extLst>
+              <p:ext uri="{D42A27DB-BD31-4B8C-83A1-F6EECF244321}">
+                <p14:modId xmlns:p14="http://schemas.microsoft.com/office/powerpoint/2010/main" xmlns="" val="513603203"/>
+              </p:ext>
+            </p:extLst>
+          </p:nvPr>
+        </p:nvGraphicFramePr>
+        <p:xfrm>
+          <a:off x="2794000" y="1371600"/>
+          <a:ext cx="6972301" cy="4495797"/>
+        </p:xfrm>
+        <a:graphic>
+          <a:graphicData uri="http://schemas.openxmlformats.org/drawingml/2006/table">
+            <a:tbl>
+              <a:tblPr/>
+              <a:tblGrid>
+                <a:gridCol w="2517775"/>
+                <a:gridCol w="2227263"/>
+                <a:gridCol w="2227263"/>
+              </a:tblGrid>
+              <a:tr h="548269">
+                <a:tc>
+                  <a:txBody>
+                    <a:bodyPr/>
+                    <a:lstStyle/>
+                    <a:p>
+                      <a:pPr marL="0" marR="0" lvl="0" indent="0" algn="l" defTabSz="914400" rtl="0" eaLnBrk="1" fontAlgn="base" latinLnBrk="0" hangingPunct="1">
+                        <a:lnSpc>
+                          <a:spcPct val="100000"/>
+                        </a:lnSpc>
+                        <a:spcBef>
+                          <a:spcPct val="0"/>
+                        </a:spcBef>
+                        <a:spcAft>
+                          <a:spcPct val="0"/>
+                        </a:spcAft>
+                        <a:buClr>
+                          <a:srgbClr val="990000"/>
+                        </a:buClr>
+                        <a:buSzPct val="60000"/>
+                        <a:buFont typeface="Wingdings 2" charset="2"/>
+                        <a:buNone/>
+                        <a:tabLst>
+                          <a:tab pos="914400" algn="l"/>
+                        </a:tabLst>
+                      </a:pPr>
+                      <a:r>
+                        <a:rPr kumimoji="0" lang="en-US" sz="2000" b="1" i="0" u="none" strike="noStrike" cap="none" normalizeH="0" baseline="0" dirty="0">
+                          <a:ln>
+                            <a:noFill/>
+                          </a:ln>
+                          <a:solidFill>
+                            <a:srgbClr val="FFFFFF"/>
+                          </a:solidFill>
+                          <a:effectLst/>
+                          <a:latin typeface="Calibri"/>
+                          <a:ea typeface="Arial Narrow Bold" charset="0"/>
+                          <a:cs typeface="Calibri"/>
+                          <a:sym typeface="Arial Narrow Bold" charset="0"/>
+                        </a:rPr>
+                        <a:t>C Data Type</a:t>
+                      </a:r>
+                    </a:p>
+                  </a:txBody>
+                  <a:tcPr marL="50800" marR="50800" marT="50800" marB="50800" anchor="ctr" horzOverflow="overflow">
+                    <a:lnL w="12700" cap="flat" cmpd="sng" algn="ctr">
+                      <a:solidFill>
+                        <a:srgbClr val="FFFFFF"/>
+                      </a:solidFill>
+                      <a:prstDash val="solid"/>
+                      <a:round/>
+                      <a:headEnd type="none" w="med" len="med"/>
+                      <a:tailEnd type="none" w="med" len="med"/>
+                    </a:lnL>
+                    <a:lnR w="12700" cap="flat" cmpd="sng" algn="ctr">
+                      <a:solidFill>
+                        <a:srgbClr val="FFFFFF"/>
+                      </a:solidFill>
+                      <a:prstDash val="solid"/>
+                      <a:round/>
+                      <a:headEnd type="none" w="med" len="med"/>
+                      <a:tailEnd type="none" w="med" len="med"/>
+                    </a:lnR>
+                    <a:lnT w="12700" cap="flat" cmpd="sng" algn="ctr">
+                      <a:solidFill>
+                        <a:srgbClr val="FFFFFF"/>
+                      </a:solidFill>
+                      <a:prstDash val="solid"/>
+                      <a:round/>
+                      <a:headEnd type="none" w="med" len="med"/>
+                      <a:tailEnd type="none" w="med" len="med"/>
+                    </a:lnT>
+                    <a:lnB w="38100" cap="flat" cmpd="sng" algn="ctr">
+                      <a:solidFill>
+                        <a:srgbClr val="FFFFFF"/>
+                      </a:solidFill>
+                      <a:prstDash val="solid"/>
+                      <a:round/>
+                      <a:headEnd type="none" w="med" len="med"/>
+                      <a:tailEnd type="none" w="med" len="med"/>
+                    </a:lnB>
+                    <a:lnTlToBr>
+                      <a:noFill/>
+                    </a:lnTlToBr>
+                    <a:lnBlToTr>
+                      <a:noFill/>
+                    </a:lnBlToTr>
+                    <a:solidFill>
+                      <a:srgbClr val="2F5CB5"/>
+                    </a:solidFill>
+                  </a:tcPr>
+                </a:tc>
+                <a:tc>
+                  <a:txBody>
+                    <a:bodyPr/>
+                    <a:lstStyle/>
+                    <a:p>
+                      <a:pPr marL="0" marR="0" lvl="0" indent="0" algn="ctr" defTabSz="914400" rtl="0" eaLnBrk="1" fontAlgn="base" latinLnBrk="0" hangingPunct="1">
+                        <a:lnSpc>
+                          <a:spcPct val="100000"/>
+                        </a:lnSpc>
+                        <a:spcBef>
+                          <a:spcPct val="0"/>
+                        </a:spcBef>
+                        <a:spcAft>
+                          <a:spcPct val="0"/>
+                        </a:spcAft>
+                        <a:buClr>
+                          <a:srgbClr val="990000"/>
+                        </a:buClr>
+                        <a:buSzPct val="60000"/>
+                        <a:buFont typeface="Wingdings 2" charset="2"/>
+                        <a:buNone/>
+                        <a:tabLst>
+                          <a:tab pos="914400" algn="l"/>
+                        </a:tabLst>
+                      </a:pPr>
+                      <a:r>
+                        <a:rPr kumimoji="0" lang="en-US" sz="2000" b="1" i="0" u="none" strike="noStrike" cap="none" normalizeH="0" baseline="0" dirty="0">
+                          <a:ln>
+                            <a:noFill/>
+                          </a:ln>
+                          <a:solidFill>
+                            <a:srgbClr val="FFFFFF"/>
+                          </a:solidFill>
+                          <a:effectLst/>
+                          <a:latin typeface="Calibri"/>
+                          <a:ea typeface="Arial Narrow Bold" charset="0"/>
+                          <a:cs typeface="Calibri"/>
+                          <a:sym typeface="Arial Narrow Bold" charset="0"/>
+                        </a:rPr>
+                        <a:t>Typical 32-bit</a:t>
+                      </a:r>
+                    </a:p>
+                  </a:txBody>
+                  <a:tcPr marL="50800" marR="50800" marT="50800" marB="50800" anchor="ctr" horzOverflow="overflow">
+                    <a:lnL w="12700" cap="flat" cmpd="sng" algn="ctr">
+                      <a:solidFill>
+                        <a:srgbClr val="FFFFFF"/>
+                      </a:solidFill>
+                      <a:prstDash val="solid"/>
+                      <a:round/>
+                      <a:headEnd type="none" w="med" len="med"/>
+                      <a:tailEnd type="none" w="med" len="med"/>
+                    </a:lnL>
+                    <a:lnR w="12700" cap="flat" cmpd="sng" algn="ctr">
+                      <a:solidFill>
+                        <a:srgbClr val="FFFFFF"/>
+                      </a:solidFill>
+                      <a:prstDash val="solid"/>
+                      <a:round/>
+                      <a:headEnd type="none" w="med" len="med"/>
+                      <a:tailEnd type="none" w="med" len="med"/>
+                    </a:lnR>
+                    <a:lnT w="12700" cap="flat" cmpd="sng" algn="ctr">
+                      <a:solidFill>
+                        <a:srgbClr val="FFFFFF"/>
+                      </a:solidFill>
+                      <a:prstDash val="solid"/>
+                      <a:round/>
+                      <a:headEnd type="none" w="med" len="med"/>
+                      <a:tailEnd type="none" w="med" len="med"/>
+                    </a:lnT>
+                    <a:lnB w="38100" cap="flat" cmpd="sng" algn="ctr">
+                      <a:solidFill>
+                        <a:srgbClr val="FFFFFF"/>
+                      </a:solidFill>
+                      <a:prstDash val="solid"/>
+                      <a:round/>
+                      <a:headEnd type="none" w="med" len="med"/>
+                      <a:tailEnd type="none" w="med" len="med"/>
+                    </a:lnB>
+                    <a:lnTlToBr>
+                      <a:noFill/>
+                    </a:lnTlToBr>
+                    <a:lnBlToTr>
+                      <a:noFill/>
+                    </a:lnBlToTr>
+                    <a:solidFill>
+                      <a:srgbClr val="2F5CB5"/>
+                    </a:solidFill>
+                  </a:tcPr>
+                </a:tc>
+                <a:tc>
+                  <a:txBody>
+                    <a:bodyPr/>
+                    <a:lstStyle/>
+                    <a:p>
+                      <a:pPr marL="0" marR="0" lvl="0" indent="0" algn="ctr" defTabSz="914400" rtl="0" eaLnBrk="1" fontAlgn="base" latinLnBrk="0" hangingPunct="1">
+                        <a:lnSpc>
+                          <a:spcPct val="100000"/>
+                        </a:lnSpc>
+                        <a:spcBef>
+                          <a:spcPct val="0"/>
+                        </a:spcBef>
+                        <a:spcAft>
+                          <a:spcPct val="0"/>
+                        </a:spcAft>
+                        <a:buClr>
+                          <a:srgbClr val="990000"/>
+                        </a:buClr>
+                        <a:buSzPct val="60000"/>
+                        <a:buFont typeface="Wingdings 2" charset="2"/>
+                        <a:buNone/>
+                        <a:tabLst>
+                          <a:tab pos="914400" algn="l"/>
+                        </a:tabLst>
+                      </a:pPr>
+                      <a:r>
+                        <a:rPr kumimoji="0" lang="en-US" sz="2000" b="1" i="0" u="none" strike="noStrike" cap="none" normalizeH="0" baseline="0" dirty="0" smtClean="0">
+                          <a:ln>
+                            <a:noFill/>
+                          </a:ln>
+                          <a:solidFill>
+                            <a:srgbClr val="FFFFFF"/>
+                          </a:solidFill>
+                          <a:effectLst/>
+                          <a:latin typeface="Calibri"/>
+                          <a:ea typeface="Arial Narrow Bold" charset="0"/>
+                          <a:cs typeface="Calibri"/>
+                          <a:sym typeface="Arial Narrow Bold" charset="0"/>
+                        </a:rPr>
+                        <a:t>Typical 64-bit</a:t>
+                      </a:r>
+                      <a:endParaRPr kumimoji="0" lang="en-US" sz="2000" b="1" i="0" u="none" strike="noStrike" cap="none" normalizeH="0" baseline="0" dirty="0">
+                        <a:ln>
+                          <a:noFill/>
+                        </a:ln>
+                        <a:solidFill>
+                          <a:srgbClr val="FFFFFF"/>
+                        </a:solidFill>
+                        <a:effectLst/>
+                        <a:latin typeface="Calibri"/>
+                        <a:ea typeface="Arial Narrow Bold" charset="0"/>
+                        <a:cs typeface="Calibri"/>
+                        <a:sym typeface="Arial Narrow Bold" charset="0"/>
+                      </a:endParaRPr>
+                    </a:p>
+                  </a:txBody>
+                  <a:tcPr marL="50800" marR="50800" marT="50800" marB="50800" anchor="ctr" horzOverflow="overflow">
+                    <a:lnL w="12700" cap="flat" cmpd="sng" algn="ctr">
+                      <a:solidFill>
+                        <a:srgbClr val="FFFFFF"/>
+                      </a:solidFill>
+                      <a:prstDash val="solid"/>
+                      <a:round/>
+                      <a:headEnd type="none" w="med" len="med"/>
+                      <a:tailEnd type="none" w="med" len="med"/>
+                    </a:lnL>
+                    <a:lnR w="12700" cap="flat" cmpd="sng" algn="ctr">
+                      <a:solidFill>
+                        <a:srgbClr val="FFFFFF"/>
+                      </a:solidFill>
+                      <a:prstDash val="solid"/>
+                      <a:round/>
+                      <a:headEnd type="none" w="med" len="med"/>
+                      <a:tailEnd type="none" w="med" len="med"/>
+                    </a:lnR>
+                    <a:lnT w="12700" cap="flat" cmpd="sng" algn="ctr">
+                      <a:solidFill>
+                        <a:srgbClr val="FFFFFF"/>
+                      </a:solidFill>
+                      <a:prstDash val="solid"/>
+                      <a:round/>
+                      <a:headEnd type="none" w="med" len="med"/>
+                      <a:tailEnd type="none" w="med" len="med"/>
+                    </a:lnT>
+                    <a:lnB w="38100" cap="flat" cmpd="sng" algn="ctr">
+                      <a:solidFill>
+                        <a:srgbClr val="FFFFFF"/>
+                      </a:solidFill>
+                      <a:prstDash val="solid"/>
+                      <a:round/>
+                      <a:headEnd type="none" w="med" len="med"/>
+                      <a:tailEnd type="none" w="med" len="med"/>
+                    </a:lnB>
+                    <a:lnTlToBr>
+                      <a:noFill/>
+                    </a:lnTlToBr>
+                    <a:lnBlToTr>
+                      <a:noFill/>
+                    </a:lnBlToTr>
+                    <a:solidFill>
+                      <a:srgbClr val="2F5CB5"/>
+                    </a:solidFill>
+                  </a:tcPr>
+                </a:tc>
+              </a:tr>
+              <a:tr h="493441">
+                <a:tc>
+                  <a:txBody>
+                    <a:bodyPr/>
+                    <a:lstStyle/>
+                    <a:p>
+                      <a:pPr marL="0" marR="0" lvl="0" indent="0" algn="l" defTabSz="914400" rtl="0" eaLnBrk="1" fontAlgn="base" latinLnBrk="0" hangingPunct="1">
+                        <a:lnSpc>
+                          <a:spcPct val="100000"/>
+                        </a:lnSpc>
+                        <a:spcBef>
+                          <a:spcPct val="0"/>
+                        </a:spcBef>
+                        <a:spcAft>
+                          <a:spcPct val="0"/>
+                        </a:spcAft>
+                        <a:buClr>
+                          <a:srgbClr val="990000"/>
+                        </a:buClr>
+                        <a:buSzPct val="60000"/>
+                        <a:buFont typeface="Wingdings 2" charset="2"/>
+                        <a:buNone/>
+                        <a:tabLst>
+                          <a:tab pos="914400" algn="l"/>
+                        </a:tabLst>
+                      </a:pPr>
+                      <a:r>
+                        <a:rPr kumimoji="0" lang="en-US" sz="2000" b="1" i="0" u="none" strike="noStrike" cap="none" normalizeH="0" baseline="0" dirty="0">
+                          <a:ln>
+                            <a:noFill/>
+                          </a:ln>
+                          <a:solidFill>
+                            <a:schemeClr val="tx1"/>
+                          </a:solidFill>
+                          <a:effectLst/>
+                          <a:latin typeface="Courier New"/>
+                          <a:ea typeface="Arial Narrow" charset="0"/>
+                          <a:cs typeface="Courier New"/>
+                          <a:sym typeface="Arial Narrow" charset="0"/>
+                        </a:rPr>
+                        <a:t>char</a:t>
+                      </a:r>
+                    </a:p>
+                  </a:txBody>
+                  <a:tcPr marL="50800" marR="50800" marT="50800" marB="50800" anchor="ctr" horzOverflow="overflow">
+                    <a:lnL w="12700" cap="flat" cmpd="sng" algn="ctr">
+                      <a:solidFill>
+                        <a:srgbClr val="FFFFFF"/>
+                      </a:solidFill>
+                      <a:prstDash val="solid"/>
+                      <a:round/>
+                      <a:headEnd type="none" w="med" len="med"/>
+                      <a:tailEnd type="none" w="med" len="med"/>
+                    </a:lnL>
+                    <a:lnR w="12700" cap="flat" cmpd="sng" algn="ctr">
+                      <a:solidFill>
+                        <a:srgbClr val="FFFFFF"/>
+                      </a:solidFill>
+                      <a:prstDash val="solid"/>
+                      <a:round/>
+                      <a:headEnd type="none" w="med" len="med"/>
+                      <a:tailEnd type="none" w="med" len="med"/>
+                    </a:lnR>
+                    <a:lnT w="38100" cap="flat" cmpd="sng" algn="ctr">
+                      <a:solidFill>
+                        <a:srgbClr val="FFFFFF"/>
+                      </a:solidFill>
+                      <a:prstDash val="solid"/>
+                      <a:round/>
+                      <a:headEnd type="none" w="med" len="med"/>
+                      <a:tailEnd type="none" w="med" len="med"/>
+                    </a:lnT>
+                    <a:lnB w="12700" cap="flat" cmpd="sng" algn="ctr">
+                      <a:solidFill>
+                        <a:srgbClr val="FFFFFF"/>
+                      </a:solidFill>
+                      <a:prstDash val="solid"/>
+                      <a:round/>
+                      <a:headEnd type="none" w="med" len="med"/>
+                      <a:tailEnd type="none" w="med" len="med"/>
+                    </a:lnB>
+                    <a:lnTlToBr>
+                      <a:noFill/>
+                    </a:lnTlToBr>
+                    <a:lnBlToTr>
+                      <a:noFill/>
+                    </a:lnBlToTr>
+                    <a:solidFill>
+                      <a:srgbClr val="F7B217"/>
+                    </a:solidFill>
+                  </a:tcPr>
+                </a:tc>
+                <a:tc>
+                  <a:txBody>
+                    <a:bodyPr/>
+                    <a:lstStyle/>
+                    <a:p>
+                      <a:pPr marL="0" marR="0" lvl="0" indent="0" algn="ctr" defTabSz="914400" rtl="0" eaLnBrk="1" fontAlgn="base" latinLnBrk="0" hangingPunct="1">
+                        <a:lnSpc>
+                          <a:spcPct val="100000"/>
+                        </a:lnSpc>
+                        <a:spcBef>
+                          <a:spcPct val="0"/>
+                        </a:spcBef>
+                        <a:spcAft>
+                          <a:spcPct val="0"/>
+                        </a:spcAft>
+                        <a:buClr>
+                          <a:srgbClr val="990000"/>
+                        </a:buClr>
+                        <a:buSzPct val="60000"/>
+                        <a:buFont typeface="Wingdings 2" charset="2"/>
+                        <a:buNone/>
+                        <a:tabLst>
+                          <a:tab pos="914400" algn="l"/>
+                        </a:tabLst>
+                      </a:pPr>
+                      <a:r>
+                        <a:rPr kumimoji="0" lang="en-US" sz="2000" b="0" i="0" u="none" strike="noStrike" cap="none" normalizeH="0" baseline="0" dirty="0">
+                          <a:ln>
+                            <a:noFill/>
+                          </a:ln>
+                          <a:solidFill>
+                            <a:schemeClr val="tx1"/>
+                          </a:solidFill>
+                          <a:effectLst/>
+                          <a:latin typeface="Calibri"/>
+                          <a:ea typeface="Arial Narrow" charset="0"/>
+                          <a:cs typeface="Calibri"/>
+                          <a:sym typeface="Arial Narrow" charset="0"/>
+                        </a:rPr>
+                        <a:t>1</a:t>
+                      </a:r>
+                    </a:p>
+                  </a:txBody>
+                  <a:tcPr marL="50800" marR="50800" marT="50800" marB="50800" anchor="ctr" horzOverflow="overflow">
+                    <a:lnL w="12700" cap="flat" cmpd="sng" algn="ctr">
+                      <a:solidFill>
+                        <a:srgbClr val="FFFFFF"/>
+                      </a:solidFill>
+                      <a:prstDash val="solid"/>
+                      <a:round/>
+                      <a:headEnd type="none" w="med" len="med"/>
+                      <a:tailEnd type="none" w="med" len="med"/>
+                    </a:lnL>
+                    <a:lnR w="12700" cap="flat" cmpd="sng" algn="ctr">
+                      <a:solidFill>
+                        <a:srgbClr val="FFFFFF"/>
+                      </a:solidFill>
+                      <a:prstDash val="solid"/>
+                      <a:round/>
+                      <a:headEnd type="none" w="med" len="med"/>
+                      <a:tailEnd type="none" w="med" len="med"/>
+                    </a:lnR>
+                    <a:lnT w="38100" cap="flat" cmpd="sng" algn="ctr">
+                      <a:solidFill>
+                        <a:srgbClr val="FFFFFF"/>
+                      </a:solidFill>
+                      <a:prstDash val="solid"/>
+                      <a:round/>
+                      <a:headEnd type="none" w="med" len="med"/>
+                      <a:tailEnd type="none" w="med" len="med"/>
+                    </a:lnT>
+                    <a:lnB w="12700" cap="flat" cmpd="sng" algn="ctr">
+                      <a:solidFill>
+                        <a:srgbClr val="FFFFFF"/>
+                      </a:solidFill>
+                      <a:prstDash val="solid"/>
+                      <a:round/>
+                      <a:headEnd type="none" w="med" len="med"/>
+                      <a:tailEnd type="none" w="med" len="med"/>
+                    </a:lnB>
+                    <a:lnTlToBr>
+                      <a:noFill/>
+                    </a:lnTlToBr>
+                    <a:lnBlToTr>
+                      <a:noFill/>
+                    </a:lnBlToTr>
+                    <a:solidFill>
+                      <a:srgbClr val="F7B217"/>
+                    </a:solidFill>
+                  </a:tcPr>
+                </a:tc>
+                <a:tc>
+                  <a:txBody>
+                    <a:bodyPr/>
+                    <a:lstStyle/>
+                    <a:p>
+                      <a:pPr marL="0" marR="0" lvl="0" indent="0" algn="ctr" defTabSz="914400" rtl="0" eaLnBrk="1" fontAlgn="base" latinLnBrk="0" hangingPunct="1">
+                        <a:lnSpc>
+                          <a:spcPct val="100000"/>
+                        </a:lnSpc>
+                        <a:spcBef>
+                          <a:spcPct val="0"/>
+                        </a:spcBef>
+                        <a:spcAft>
+                          <a:spcPct val="0"/>
+                        </a:spcAft>
+                        <a:buClr>
+                          <a:srgbClr val="990000"/>
+                        </a:buClr>
+                        <a:buSzPct val="60000"/>
+                        <a:buFont typeface="Wingdings 2" charset="2"/>
+                        <a:buNone/>
+                        <a:tabLst>
+                          <a:tab pos="914400" algn="l"/>
+                        </a:tabLst>
+                      </a:pPr>
+                      <a:r>
+                        <a:rPr kumimoji="0" lang="en-US" sz="2000" b="0" i="0" u="none" strike="noStrike" cap="none" normalizeH="0" baseline="0" dirty="0">
+                          <a:ln>
+                            <a:noFill/>
+                          </a:ln>
+                          <a:solidFill>
+                            <a:schemeClr val="tx1"/>
+                          </a:solidFill>
+                          <a:effectLst/>
+                          <a:latin typeface="Calibri"/>
+                          <a:ea typeface="Arial Narrow" charset="0"/>
+                          <a:cs typeface="Calibri"/>
+                          <a:sym typeface="Arial Narrow" charset="0"/>
+                        </a:rPr>
+                        <a:t>1</a:t>
+                      </a:r>
+                    </a:p>
+                  </a:txBody>
+                  <a:tcPr marL="50800" marR="50800" marT="50800" marB="50800" anchor="ctr" horzOverflow="overflow">
+                    <a:lnL w="12700" cap="flat" cmpd="sng" algn="ctr">
+                      <a:solidFill>
+                        <a:srgbClr val="FFFFFF"/>
+                      </a:solidFill>
+                      <a:prstDash val="solid"/>
+                      <a:round/>
+                      <a:headEnd type="none" w="med" len="med"/>
+                      <a:tailEnd type="none" w="med" len="med"/>
+                    </a:lnL>
+                    <a:lnR w="12700" cap="flat" cmpd="sng" algn="ctr">
+                      <a:solidFill>
+                        <a:srgbClr val="FFFFFF"/>
+                      </a:solidFill>
+                      <a:prstDash val="solid"/>
+                      <a:round/>
+                      <a:headEnd type="none" w="med" len="med"/>
+                      <a:tailEnd type="none" w="med" len="med"/>
+                    </a:lnR>
+                    <a:lnT w="38100" cap="flat" cmpd="sng" algn="ctr">
+                      <a:solidFill>
+                        <a:srgbClr val="FFFFFF"/>
+                      </a:solidFill>
+                      <a:prstDash val="solid"/>
+                      <a:round/>
+                      <a:headEnd type="none" w="med" len="med"/>
+                      <a:tailEnd type="none" w="med" len="med"/>
+                    </a:lnT>
+                    <a:lnB w="12700" cap="flat" cmpd="sng" algn="ctr">
+                      <a:solidFill>
+                        <a:srgbClr val="FFFFFF"/>
+                      </a:solidFill>
+                      <a:prstDash val="solid"/>
+                      <a:round/>
+                      <a:headEnd type="none" w="med" len="med"/>
+                      <a:tailEnd type="none" w="med" len="med"/>
+                    </a:lnB>
+                    <a:lnTlToBr>
+                      <a:noFill/>
+                    </a:lnTlToBr>
+                    <a:lnBlToTr>
+                      <a:noFill/>
+                    </a:lnBlToTr>
+                    <a:solidFill>
+                      <a:srgbClr val="F7B217"/>
+                    </a:solidFill>
+                  </a:tcPr>
+                </a:tc>
+              </a:tr>
+              <a:tr h="493441">
+                <a:tc>
+                  <a:txBody>
+                    <a:bodyPr/>
+                    <a:lstStyle/>
+                    <a:p>
+                      <a:pPr marL="0" marR="0" lvl="0" indent="0" algn="l" defTabSz="914400" rtl="0" eaLnBrk="1" fontAlgn="base" latinLnBrk="0" hangingPunct="1">
+                        <a:lnSpc>
+                          <a:spcPct val="100000"/>
+                        </a:lnSpc>
+                        <a:spcBef>
+                          <a:spcPct val="0"/>
+                        </a:spcBef>
+                        <a:spcAft>
+                          <a:spcPct val="0"/>
+                        </a:spcAft>
+                        <a:buClr>
+                          <a:srgbClr val="990000"/>
+                        </a:buClr>
+                        <a:buSzPct val="60000"/>
+                        <a:buFont typeface="Wingdings 2" charset="2"/>
+                        <a:buNone/>
+                        <a:tabLst>
+                          <a:tab pos="914400" algn="l"/>
+                        </a:tabLst>
+                      </a:pPr>
+                      <a:r>
+                        <a:rPr kumimoji="0" lang="en-US" sz="2000" b="1" i="0" u="none" strike="noStrike" cap="none" normalizeH="0" baseline="0" dirty="0">
+                          <a:ln>
+                            <a:noFill/>
+                          </a:ln>
+                          <a:solidFill>
+                            <a:schemeClr val="tx1"/>
+                          </a:solidFill>
+                          <a:effectLst/>
+                          <a:latin typeface="Courier New"/>
+                          <a:ea typeface="Arial Narrow" charset="0"/>
+                          <a:cs typeface="Courier New"/>
+                          <a:sym typeface="Arial Narrow" charset="0"/>
+                        </a:rPr>
+                        <a:t>short</a:t>
+                      </a:r>
+                    </a:p>
+                  </a:txBody>
+                  <a:tcPr marL="50800" marR="50800" marT="50800" marB="50800" anchor="ctr" horzOverflow="overflow">
+                    <a:lnL w="12700" cap="flat" cmpd="sng" algn="ctr">
+                      <a:solidFill>
+                        <a:srgbClr val="FFFFFF"/>
+                      </a:solidFill>
+                      <a:prstDash val="solid"/>
+                      <a:round/>
+                      <a:headEnd type="none" w="med" len="med"/>
+                      <a:tailEnd type="none" w="med" len="med"/>
+                    </a:lnL>
+                    <a:lnR w="12700" cap="flat" cmpd="sng" algn="ctr">
+                      <a:solidFill>
+                        <a:srgbClr val="FFFFFF"/>
+                      </a:solidFill>
+                      <a:prstDash val="solid"/>
+                      <a:round/>
+                      <a:headEnd type="none" w="med" len="med"/>
+                      <a:tailEnd type="none" w="med" len="med"/>
+                    </a:lnR>
+                    <a:lnT w="12700" cap="flat" cmpd="sng" algn="ctr">
+                      <a:solidFill>
+                        <a:srgbClr val="FFFFFF"/>
+                      </a:solidFill>
+                      <a:prstDash val="solid"/>
+                      <a:round/>
+                      <a:headEnd type="none" w="med" len="med"/>
+                      <a:tailEnd type="none" w="med" len="med"/>
+                    </a:lnT>
+                    <a:lnB w="12700" cap="flat" cmpd="sng" algn="ctr">
+                      <a:solidFill>
+                        <a:srgbClr val="FFFFFF"/>
+                      </a:solidFill>
+                      <a:prstDash val="solid"/>
+                      <a:round/>
+                      <a:headEnd type="none" w="med" len="med"/>
+                      <a:tailEnd type="none" w="med" len="med"/>
+                    </a:lnB>
+                    <a:lnTlToBr>
+                      <a:noFill/>
+                    </a:lnTlToBr>
+                    <a:lnBlToTr>
+                      <a:noFill/>
+                    </a:lnBlToTr>
+                    <a:solidFill>
+                      <a:srgbClr val="F7B217"/>
+                    </a:solidFill>
+                  </a:tcPr>
+                </a:tc>
+                <a:tc>
+                  <a:txBody>
+                    <a:bodyPr/>
+                    <a:lstStyle/>
+                    <a:p>
+                      <a:pPr marL="0" marR="0" lvl="0" indent="0" algn="ctr" defTabSz="914400" rtl="0" eaLnBrk="1" fontAlgn="base" latinLnBrk="0" hangingPunct="1">
+                        <a:lnSpc>
+                          <a:spcPct val="100000"/>
+                        </a:lnSpc>
+                        <a:spcBef>
+                          <a:spcPct val="0"/>
+                        </a:spcBef>
+                        <a:spcAft>
+                          <a:spcPct val="0"/>
+                        </a:spcAft>
+                        <a:buClr>
+                          <a:srgbClr val="990000"/>
+                        </a:buClr>
+                        <a:buSzPct val="60000"/>
+                        <a:buFont typeface="Wingdings 2" charset="2"/>
+                        <a:buNone/>
+                        <a:tabLst>
+                          <a:tab pos="914400" algn="l"/>
+                        </a:tabLst>
+                      </a:pPr>
+                      <a:r>
+                        <a:rPr kumimoji="0" lang="en-US" sz="2000" b="0" i="0" u="none" strike="noStrike" cap="none" normalizeH="0" baseline="0" dirty="0">
+                          <a:ln>
+                            <a:noFill/>
+                          </a:ln>
+                          <a:solidFill>
+                            <a:schemeClr val="tx1"/>
+                          </a:solidFill>
+                          <a:effectLst/>
+                          <a:latin typeface="Calibri"/>
+                          <a:ea typeface="Arial Narrow" charset="0"/>
+                          <a:cs typeface="Calibri"/>
+                          <a:sym typeface="Arial Narrow" charset="0"/>
+                        </a:rPr>
+                        <a:t>2</a:t>
+                      </a:r>
+                    </a:p>
+                  </a:txBody>
+                  <a:tcPr marL="50800" marR="50800" marT="50800" marB="50800" anchor="ctr" horzOverflow="overflow">
+                    <a:lnL w="12700" cap="flat" cmpd="sng" algn="ctr">
+                      <a:solidFill>
+                        <a:srgbClr val="FFFFFF"/>
+                      </a:solidFill>
+                      <a:prstDash val="solid"/>
+                      <a:round/>
+                      <a:headEnd type="none" w="med" len="med"/>
+                      <a:tailEnd type="none" w="med" len="med"/>
+                    </a:lnL>
+                    <a:lnR w="12700" cap="flat" cmpd="sng" algn="ctr">
+                      <a:solidFill>
+                        <a:srgbClr val="FFFFFF"/>
+                      </a:solidFill>
+                      <a:prstDash val="solid"/>
+                      <a:round/>
+                      <a:headEnd type="none" w="med" len="med"/>
+                      <a:tailEnd type="none" w="med" len="med"/>
+                    </a:lnR>
+                    <a:lnT w="12700" cap="flat" cmpd="sng" algn="ctr">
+                      <a:solidFill>
+                        <a:srgbClr val="FFFFFF"/>
+                      </a:solidFill>
+                      <a:prstDash val="solid"/>
+                      <a:round/>
+                      <a:headEnd type="none" w="med" len="med"/>
+                      <a:tailEnd type="none" w="med" len="med"/>
+                    </a:lnT>
+                    <a:lnB w="12700" cap="flat" cmpd="sng" algn="ctr">
+                      <a:solidFill>
+                        <a:srgbClr val="FFFFFF"/>
+                      </a:solidFill>
+                      <a:prstDash val="solid"/>
+                      <a:round/>
+                      <a:headEnd type="none" w="med" len="med"/>
+                      <a:tailEnd type="none" w="med" len="med"/>
+                    </a:lnB>
+                    <a:lnTlToBr>
+                      <a:noFill/>
+                    </a:lnTlToBr>
+                    <a:lnBlToTr>
+                      <a:noFill/>
+                    </a:lnBlToTr>
+                    <a:solidFill>
+                      <a:srgbClr val="F7B217"/>
+                    </a:solidFill>
+                  </a:tcPr>
+                </a:tc>
+                <a:tc>
+                  <a:txBody>
+                    <a:bodyPr/>
+                    <a:lstStyle/>
+                    <a:p>
+                      <a:pPr marL="0" marR="0" lvl="0" indent="0" algn="ctr" defTabSz="914400" rtl="0" eaLnBrk="1" fontAlgn="base" latinLnBrk="0" hangingPunct="1">
+                        <a:lnSpc>
+                          <a:spcPct val="100000"/>
+                        </a:lnSpc>
+                        <a:spcBef>
+                          <a:spcPct val="0"/>
+                        </a:spcBef>
+                        <a:spcAft>
+                          <a:spcPct val="0"/>
+                        </a:spcAft>
+                        <a:buClr>
+                          <a:srgbClr val="990000"/>
+                        </a:buClr>
+                        <a:buSzPct val="60000"/>
+                        <a:buFont typeface="Wingdings 2" charset="2"/>
+                        <a:buNone/>
+                        <a:tabLst>
+                          <a:tab pos="914400" algn="l"/>
+                        </a:tabLst>
+                      </a:pPr>
+                      <a:r>
+                        <a:rPr kumimoji="0" lang="en-US" sz="2000" b="0" i="0" u="none" strike="noStrike" cap="none" normalizeH="0" baseline="0" dirty="0">
+                          <a:ln>
+                            <a:noFill/>
+                          </a:ln>
+                          <a:solidFill>
+                            <a:schemeClr val="tx1"/>
+                          </a:solidFill>
+                          <a:effectLst/>
+                          <a:latin typeface="Calibri"/>
+                          <a:ea typeface="Arial Narrow" charset="0"/>
+                          <a:cs typeface="Calibri"/>
+                          <a:sym typeface="Arial Narrow" charset="0"/>
+                        </a:rPr>
+                        <a:t>2</a:t>
+                      </a:r>
+                    </a:p>
+                  </a:txBody>
+                  <a:tcPr marL="50800" marR="50800" marT="50800" marB="50800" anchor="ctr" horzOverflow="overflow">
+                    <a:lnL w="12700" cap="flat" cmpd="sng" algn="ctr">
+                      <a:solidFill>
+                        <a:srgbClr val="FFFFFF"/>
+                      </a:solidFill>
+                      <a:prstDash val="solid"/>
+                      <a:round/>
+                      <a:headEnd type="none" w="med" len="med"/>
+                      <a:tailEnd type="none" w="med" len="med"/>
+                    </a:lnL>
+                    <a:lnR w="12700" cap="flat" cmpd="sng" algn="ctr">
+                      <a:solidFill>
+                        <a:srgbClr val="FFFFFF"/>
+                      </a:solidFill>
+                      <a:prstDash val="solid"/>
+                      <a:round/>
+                      <a:headEnd type="none" w="med" len="med"/>
+                      <a:tailEnd type="none" w="med" len="med"/>
+                    </a:lnR>
+                    <a:lnT w="12700" cap="flat" cmpd="sng" algn="ctr">
+                      <a:solidFill>
+                        <a:srgbClr val="FFFFFF"/>
+                      </a:solidFill>
+                      <a:prstDash val="solid"/>
+                      <a:round/>
+                      <a:headEnd type="none" w="med" len="med"/>
+                      <a:tailEnd type="none" w="med" len="med"/>
+                    </a:lnT>
+                    <a:lnB w="12700" cap="flat" cmpd="sng" algn="ctr">
+                      <a:solidFill>
+                        <a:srgbClr val="FFFFFF"/>
+                      </a:solidFill>
+                      <a:prstDash val="solid"/>
+                      <a:round/>
+                      <a:headEnd type="none" w="med" len="med"/>
+                      <a:tailEnd type="none" w="med" len="med"/>
+                    </a:lnB>
+                    <a:lnTlToBr>
+                      <a:noFill/>
+                    </a:lnTlToBr>
+                    <a:lnBlToTr>
+                      <a:noFill/>
+                    </a:lnBlToTr>
+                    <a:solidFill>
+                      <a:srgbClr val="F7B217"/>
+                    </a:solidFill>
+                  </a:tcPr>
+                </a:tc>
+              </a:tr>
+              <a:tr h="493441">
+                <a:tc>
+                  <a:txBody>
+                    <a:bodyPr/>
+                    <a:lstStyle/>
+                    <a:p>
+                      <a:pPr marL="0" marR="0" lvl="0" indent="0" algn="l" defTabSz="914400" rtl="0" eaLnBrk="1" fontAlgn="base" latinLnBrk="0" hangingPunct="1">
+                        <a:lnSpc>
+                          <a:spcPct val="100000"/>
+                        </a:lnSpc>
+                        <a:spcBef>
+                          <a:spcPct val="0"/>
+                        </a:spcBef>
+                        <a:spcAft>
+                          <a:spcPct val="0"/>
+                        </a:spcAft>
+                        <a:buClr>
+                          <a:srgbClr val="990000"/>
+                        </a:buClr>
+                        <a:buSzPct val="60000"/>
+                        <a:buFont typeface="Wingdings 2" charset="2"/>
+                        <a:buNone/>
+                        <a:tabLst>
+                          <a:tab pos="914400" algn="l"/>
+                        </a:tabLst>
+                      </a:pPr>
+                      <a:r>
+                        <a:rPr kumimoji="0" lang="en-US" sz="2000" b="1" i="0" u="none" strike="noStrike" cap="none" normalizeH="0" baseline="0" dirty="0" err="1">
+                          <a:ln>
+                            <a:noFill/>
+                          </a:ln>
+                          <a:solidFill>
+                            <a:schemeClr val="tx1"/>
+                          </a:solidFill>
+                          <a:effectLst/>
+                          <a:latin typeface="Courier New"/>
+                          <a:ea typeface="Arial Narrow" charset="0"/>
+                          <a:cs typeface="Courier New"/>
+                          <a:sym typeface="Arial Narrow" charset="0"/>
+                        </a:rPr>
+                        <a:t>int</a:t>
+                      </a:r>
+                      <a:endParaRPr kumimoji="0" lang="en-US" sz="2000" b="1" i="0" u="none" strike="noStrike" cap="none" normalizeH="0" baseline="0" dirty="0">
+                        <a:ln>
+                          <a:noFill/>
+                        </a:ln>
+                        <a:solidFill>
+                          <a:schemeClr val="tx1"/>
+                        </a:solidFill>
+                        <a:effectLst/>
+                        <a:latin typeface="Courier New"/>
+                        <a:ea typeface="Arial Narrow" charset="0"/>
+                        <a:cs typeface="Courier New"/>
+                        <a:sym typeface="Arial Narrow" charset="0"/>
+                      </a:endParaRPr>
+                    </a:p>
+                  </a:txBody>
+                  <a:tcPr marL="50800" marR="50800" marT="50800" marB="50800" anchor="ctr" horzOverflow="overflow">
+                    <a:lnL w="12700" cap="flat" cmpd="sng" algn="ctr">
+                      <a:solidFill>
+                        <a:srgbClr val="FFFFFF"/>
+                      </a:solidFill>
+                      <a:prstDash val="solid"/>
+                      <a:round/>
+                      <a:headEnd type="none" w="med" len="med"/>
+                      <a:tailEnd type="none" w="med" len="med"/>
+                    </a:lnL>
+                    <a:lnR w="12700" cap="flat" cmpd="sng" algn="ctr">
+                      <a:solidFill>
+                        <a:srgbClr val="FFFFFF"/>
+                      </a:solidFill>
+                      <a:prstDash val="solid"/>
+                      <a:round/>
+                      <a:headEnd type="none" w="med" len="med"/>
+                      <a:tailEnd type="none" w="med" len="med"/>
+                    </a:lnR>
+                    <a:lnT w="12700" cap="flat" cmpd="sng" algn="ctr">
+                      <a:solidFill>
+                        <a:srgbClr val="FFFFFF"/>
+                      </a:solidFill>
+                      <a:prstDash val="solid"/>
+                      <a:round/>
+                      <a:headEnd type="none" w="med" len="med"/>
+                      <a:tailEnd type="none" w="med" len="med"/>
+                    </a:lnT>
+                    <a:lnB w="12700" cap="flat" cmpd="sng" algn="ctr">
+                      <a:solidFill>
+                        <a:srgbClr val="FFFFFF"/>
+                      </a:solidFill>
+                      <a:prstDash val="solid"/>
+                      <a:round/>
+                      <a:headEnd type="none" w="med" len="med"/>
+                      <a:tailEnd type="none" w="med" len="med"/>
+                    </a:lnB>
+                    <a:lnTlToBr>
+                      <a:noFill/>
+                    </a:lnTlToBr>
+                    <a:lnBlToTr>
+                      <a:noFill/>
+                    </a:lnBlToTr>
+                    <a:solidFill>
+                      <a:srgbClr val="F7B217"/>
+                    </a:solidFill>
+                  </a:tcPr>
+                </a:tc>
+                <a:tc>
+                  <a:txBody>
+                    <a:bodyPr/>
+                    <a:lstStyle/>
+                    <a:p>
+                      <a:pPr marL="0" marR="0" lvl="0" indent="0" algn="ctr" defTabSz="914400" rtl="0" eaLnBrk="1" fontAlgn="base" latinLnBrk="0" hangingPunct="1">
+                        <a:lnSpc>
+                          <a:spcPct val="100000"/>
+                        </a:lnSpc>
+                        <a:spcBef>
+                          <a:spcPct val="0"/>
+                        </a:spcBef>
+                        <a:spcAft>
+                          <a:spcPct val="0"/>
+                        </a:spcAft>
+                        <a:buClr>
+                          <a:srgbClr val="990000"/>
+                        </a:buClr>
+                        <a:buSzPct val="60000"/>
+                        <a:buFont typeface="Wingdings 2" charset="2"/>
+                        <a:buNone/>
+                        <a:tabLst>
+                          <a:tab pos="914400" algn="l"/>
+                        </a:tabLst>
+                      </a:pPr>
+                      <a:r>
+                        <a:rPr kumimoji="0" lang="en-US" sz="2000" b="0" i="0" u="none" strike="noStrike" cap="none" normalizeH="0" baseline="0" dirty="0">
+                          <a:ln>
+                            <a:noFill/>
+                          </a:ln>
+                          <a:solidFill>
+                            <a:schemeClr val="tx1"/>
+                          </a:solidFill>
+                          <a:effectLst/>
+                          <a:latin typeface="Calibri"/>
+                          <a:ea typeface="Arial Narrow" charset="0"/>
+                          <a:cs typeface="Calibri"/>
+                          <a:sym typeface="Arial Narrow" charset="0"/>
+                        </a:rPr>
+                        <a:t>4</a:t>
+                      </a:r>
+                    </a:p>
+                  </a:txBody>
+                  <a:tcPr marL="50800" marR="50800" marT="50800" marB="50800" anchor="ctr" horzOverflow="overflow">
+                    <a:lnL w="12700" cap="flat" cmpd="sng" algn="ctr">
+                      <a:solidFill>
+                        <a:srgbClr val="FFFFFF"/>
+                      </a:solidFill>
+                      <a:prstDash val="solid"/>
+                      <a:round/>
+                      <a:headEnd type="none" w="med" len="med"/>
+                      <a:tailEnd type="none" w="med" len="med"/>
+                    </a:lnL>
+                    <a:lnR w="12700" cap="flat" cmpd="sng" algn="ctr">
+                      <a:solidFill>
+                        <a:srgbClr val="FFFFFF"/>
+                      </a:solidFill>
+                      <a:prstDash val="solid"/>
+                      <a:round/>
+                      <a:headEnd type="none" w="med" len="med"/>
+                      <a:tailEnd type="none" w="med" len="med"/>
+                    </a:lnR>
+                    <a:lnT w="12700" cap="flat" cmpd="sng" algn="ctr">
+                      <a:solidFill>
+                        <a:srgbClr val="FFFFFF"/>
+                      </a:solidFill>
+                      <a:prstDash val="solid"/>
+                      <a:round/>
+                      <a:headEnd type="none" w="med" len="med"/>
+                      <a:tailEnd type="none" w="med" len="med"/>
+                    </a:lnT>
+                    <a:lnB w="12700" cap="flat" cmpd="sng" algn="ctr">
+                      <a:solidFill>
+                        <a:srgbClr val="FFFFFF"/>
+                      </a:solidFill>
+                      <a:prstDash val="solid"/>
+                      <a:round/>
+                      <a:headEnd type="none" w="med" len="med"/>
+                      <a:tailEnd type="none" w="med" len="med"/>
+                    </a:lnB>
+                    <a:lnTlToBr>
+                      <a:noFill/>
+                    </a:lnTlToBr>
+                    <a:lnBlToTr>
+                      <a:noFill/>
+                    </a:lnBlToTr>
+                    <a:solidFill>
+                      <a:srgbClr val="F7B217"/>
+                    </a:solidFill>
+                  </a:tcPr>
+                </a:tc>
+                <a:tc>
+                  <a:txBody>
+                    <a:bodyPr/>
+                    <a:lstStyle/>
+                    <a:p>
+                      <a:pPr marL="0" marR="0" lvl="0" indent="0" algn="ctr" defTabSz="914400" rtl="0" eaLnBrk="1" fontAlgn="base" latinLnBrk="0" hangingPunct="1">
+                        <a:lnSpc>
+                          <a:spcPct val="100000"/>
+                        </a:lnSpc>
+                        <a:spcBef>
+                          <a:spcPct val="0"/>
+                        </a:spcBef>
+                        <a:spcAft>
+                          <a:spcPct val="0"/>
+                        </a:spcAft>
+                        <a:buClr>
+                          <a:srgbClr val="990000"/>
+                        </a:buClr>
+                        <a:buSzPct val="60000"/>
+                        <a:buFont typeface="Wingdings 2" charset="2"/>
+                        <a:buNone/>
+                        <a:tabLst>
+                          <a:tab pos="914400" algn="l"/>
+                        </a:tabLst>
+                      </a:pPr>
+                      <a:r>
+                        <a:rPr kumimoji="0" lang="en-US" sz="2000" b="0" i="0" u="none" strike="noStrike" cap="none" normalizeH="0" baseline="0" dirty="0">
+                          <a:ln>
+                            <a:noFill/>
+                          </a:ln>
+                          <a:solidFill>
+                            <a:schemeClr val="tx1"/>
+                          </a:solidFill>
+                          <a:effectLst/>
+                          <a:latin typeface="Calibri"/>
+                          <a:ea typeface="Arial Narrow" charset="0"/>
+                          <a:cs typeface="Calibri"/>
+                          <a:sym typeface="Arial Narrow" charset="0"/>
+                        </a:rPr>
+                        <a:t>4</a:t>
+                      </a:r>
+                    </a:p>
+                  </a:txBody>
+                  <a:tcPr marL="50800" marR="50800" marT="50800" marB="50800" anchor="ctr" horzOverflow="overflow">
+                    <a:lnL w="12700" cap="flat" cmpd="sng" algn="ctr">
+                      <a:solidFill>
+                        <a:srgbClr val="FFFFFF"/>
+                      </a:solidFill>
+                      <a:prstDash val="solid"/>
+                      <a:round/>
+                      <a:headEnd type="none" w="med" len="med"/>
+                      <a:tailEnd type="none" w="med" len="med"/>
+                    </a:lnL>
+                    <a:lnR w="12700" cap="flat" cmpd="sng" algn="ctr">
+                      <a:solidFill>
+                        <a:srgbClr val="FFFFFF"/>
+                      </a:solidFill>
+                      <a:prstDash val="solid"/>
+                      <a:round/>
+                      <a:headEnd type="none" w="med" len="med"/>
+                      <a:tailEnd type="none" w="med" len="med"/>
+                    </a:lnR>
+                    <a:lnT w="12700" cap="flat" cmpd="sng" algn="ctr">
+                      <a:solidFill>
+                        <a:srgbClr val="FFFFFF"/>
+                      </a:solidFill>
+                      <a:prstDash val="solid"/>
+                      <a:round/>
+                      <a:headEnd type="none" w="med" len="med"/>
+                      <a:tailEnd type="none" w="med" len="med"/>
+                    </a:lnT>
+                    <a:lnB w="12700" cap="flat" cmpd="sng" algn="ctr">
+                      <a:solidFill>
+                        <a:srgbClr val="FFFFFF"/>
+                      </a:solidFill>
+                      <a:prstDash val="solid"/>
+                      <a:round/>
+                      <a:headEnd type="none" w="med" len="med"/>
+                      <a:tailEnd type="none" w="med" len="med"/>
+                    </a:lnB>
+                    <a:lnTlToBr>
+                      <a:noFill/>
+                    </a:lnTlToBr>
+                    <a:lnBlToTr>
+                      <a:noFill/>
+                    </a:lnBlToTr>
+                    <a:solidFill>
+                      <a:srgbClr val="F7B217"/>
+                    </a:solidFill>
+                  </a:tcPr>
+                </a:tc>
+              </a:tr>
+              <a:tr h="493441">
+                <a:tc>
+                  <a:txBody>
+                    <a:bodyPr/>
+                    <a:lstStyle/>
+                    <a:p>
+                      <a:pPr marL="0" marR="0" lvl="0" indent="0" algn="l" defTabSz="914400" rtl="0" eaLnBrk="1" fontAlgn="base" latinLnBrk="0" hangingPunct="1">
+                        <a:lnSpc>
+                          <a:spcPct val="100000"/>
+                        </a:lnSpc>
+                        <a:spcBef>
+                          <a:spcPct val="0"/>
+                        </a:spcBef>
+                        <a:spcAft>
+                          <a:spcPct val="0"/>
+                        </a:spcAft>
+                        <a:buClr>
+                          <a:srgbClr val="990000"/>
+                        </a:buClr>
+                        <a:buSzPct val="60000"/>
+                        <a:buFont typeface="Wingdings 2" charset="2"/>
+                        <a:buNone/>
+                        <a:tabLst>
+                          <a:tab pos="914400" algn="l"/>
+                        </a:tabLst>
+                      </a:pPr>
+                      <a:r>
+                        <a:rPr kumimoji="0" lang="en-US" sz="2000" b="1" i="0" u="none" strike="noStrike" cap="none" normalizeH="0" baseline="0" dirty="0">
+                          <a:ln>
+                            <a:noFill/>
+                          </a:ln>
+                          <a:solidFill>
+                            <a:schemeClr val="tx1"/>
+                          </a:solidFill>
+                          <a:effectLst/>
+                          <a:latin typeface="Courier New"/>
+                          <a:ea typeface="Arial Narrow" charset="0"/>
+                          <a:cs typeface="Courier New"/>
+                          <a:sym typeface="Arial Narrow" charset="0"/>
+                        </a:rPr>
+                        <a:t>long</a:t>
+                      </a:r>
+                    </a:p>
+                  </a:txBody>
+                  <a:tcPr marL="50800" marR="50800" marT="50800" marB="50800" anchor="ctr" horzOverflow="overflow">
+                    <a:lnL w="12700" cap="flat" cmpd="sng" algn="ctr">
+                      <a:solidFill>
+                        <a:srgbClr val="FFFFFF"/>
+                      </a:solidFill>
+                      <a:prstDash val="solid"/>
+                      <a:round/>
+                      <a:headEnd type="none" w="med" len="med"/>
+                      <a:tailEnd type="none" w="med" len="med"/>
+                    </a:lnL>
+                    <a:lnR w="12700" cap="flat" cmpd="sng" algn="ctr">
+                      <a:solidFill>
+                        <a:srgbClr val="FFFFFF"/>
+                      </a:solidFill>
+                      <a:prstDash val="solid"/>
+                      <a:round/>
+                      <a:headEnd type="none" w="med" len="med"/>
+                      <a:tailEnd type="none" w="med" len="med"/>
+                    </a:lnR>
+                    <a:lnT w="12700" cap="flat" cmpd="sng" algn="ctr">
+                      <a:solidFill>
+                        <a:srgbClr val="FFFFFF"/>
+                      </a:solidFill>
+                      <a:prstDash val="solid"/>
+                      <a:round/>
+                      <a:headEnd type="none" w="med" len="med"/>
+                      <a:tailEnd type="none" w="med" len="med"/>
+                    </a:lnT>
+                    <a:lnB w="12700" cap="flat" cmpd="sng" algn="ctr">
+                      <a:solidFill>
+                        <a:srgbClr val="FFFFFF"/>
+                      </a:solidFill>
+                      <a:prstDash val="solid"/>
+                      <a:round/>
+                      <a:headEnd type="none" w="med" len="med"/>
+                      <a:tailEnd type="none" w="med" len="med"/>
+                    </a:lnB>
+                    <a:lnTlToBr>
+                      <a:noFill/>
+                    </a:lnTlToBr>
+                    <a:lnBlToTr>
+                      <a:noFill/>
+                    </a:lnBlToTr>
+                    <a:solidFill>
+                      <a:srgbClr val="F7B217"/>
+                    </a:solidFill>
+                  </a:tcPr>
+                </a:tc>
+                <a:tc>
+                  <a:txBody>
+                    <a:bodyPr/>
+                    <a:lstStyle/>
+                    <a:p>
+                      <a:pPr marL="0" marR="0" lvl="0" indent="0" algn="ctr" defTabSz="914400" rtl="0" eaLnBrk="1" fontAlgn="base" latinLnBrk="0" hangingPunct="1">
+                        <a:lnSpc>
+                          <a:spcPct val="100000"/>
+                        </a:lnSpc>
+                        <a:spcBef>
+                          <a:spcPct val="0"/>
+                        </a:spcBef>
+                        <a:spcAft>
+                          <a:spcPct val="0"/>
+                        </a:spcAft>
+                        <a:buClr>
+                          <a:srgbClr val="990000"/>
+                        </a:buClr>
+                        <a:buSzPct val="60000"/>
+                        <a:buFont typeface="Wingdings 2" charset="2"/>
+                        <a:buNone/>
+                        <a:tabLst>
+                          <a:tab pos="914400" algn="l"/>
+                        </a:tabLst>
+                      </a:pPr>
+                      <a:r>
+                        <a:rPr kumimoji="0" lang="en-US" sz="2000" b="0" i="0" u="none" strike="noStrike" cap="none" normalizeH="0" baseline="0" dirty="0">
+                          <a:ln>
+                            <a:noFill/>
+                          </a:ln>
+                          <a:solidFill>
+                            <a:schemeClr val="tx1"/>
+                          </a:solidFill>
+                          <a:effectLst/>
+                          <a:latin typeface="Calibri"/>
+                          <a:ea typeface="Arial Narrow" charset="0"/>
+                          <a:cs typeface="Calibri"/>
+                          <a:sym typeface="Arial Narrow" charset="0"/>
+                        </a:rPr>
+                        <a:t>4</a:t>
+                      </a:r>
+                    </a:p>
+                  </a:txBody>
+                  <a:tcPr marL="50800" marR="50800" marT="50800" marB="50800" anchor="ctr" horzOverflow="overflow">
+                    <a:lnL w="12700" cap="flat" cmpd="sng" algn="ctr">
+                      <a:solidFill>
+                        <a:srgbClr val="FFFFFF"/>
+                      </a:solidFill>
+                      <a:prstDash val="solid"/>
+                      <a:round/>
+                      <a:headEnd type="none" w="med" len="med"/>
+                      <a:tailEnd type="none" w="med" len="med"/>
+                    </a:lnL>
+                    <a:lnR w="12700" cap="flat" cmpd="sng" algn="ctr">
+                      <a:solidFill>
+                        <a:srgbClr val="FFFFFF"/>
+                      </a:solidFill>
+                      <a:prstDash val="solid"/>
+                      <a:round/>
+                      <a:headEnd type="none" w="med" len="med"/>
+                      <a:tailEnd type="none" w="med" len="med"/>
+                    </a:lnR>
+                    <a:lnT w="12700" cap="flat" cmpd="sng" algn="ctr">
+                      <a:solidFill>
+                        <a:srgbClr val="FFFFFF"/>
+                      </a:solidFill>
+                      <a:prstDash val="solid"/>
+                      <a:round/>
+                      <a:headEnd type="none" w="med" len="med"/>
+                      <a:tailEnd type="none" w="med" len="med"/>
+                    </a:lnT>
+                    <a:lnB w="12700" cap="flat" cmpd="sng" algn="ctr">
+                      <a:solidFill>
+                        <a:srgbClr val="FFFFFF"/>
+                      </a:solidFill>
+                      <a:prstDash val="solid"/>
+                      <a:round/>
+                      <a:headEnd type="none" w="med" len="med"/>
+                      <a:tailEnd type="none" w="med" len="med"/>
+                    </a:lnB>
+                    <a:lnTlToBr>
+                      <a:noFill/>
+                    </a:lnTlToBr>
+                    <a:lnBlToTr>
+                      <a:noFill/>
+                    </a:lnBlToTr>
+                    <a:solidFill>
+                      <a:srgbClr val="F7B217"/>
+                    </a:solidFill>
+                  </a:tcPr>
+                </a:tc>
+                <a:tc>
+                  <a:txBody>
+                    <a:bodyPr/>
+                    <a:lstStyle/>
+                    <a:p>
+                      <a:pPr marL="0" marR="0" lvl="0" indent="0" algn="ctr" defTabSz="914400" rtl="0" eaLnBrk="1" fontAlgn="base" latinLnBrk="0" hangingPunct="1">
+                        <a:lnSpc>
+                          <a:spcPct val="100000"/>
+                        </a:lnSpc>
+                        <a:spcBef>
+                          <a:spcPct val="0"/>
+                        </a:spcBef>
+                        <a:spcAft>
+                          <a:spcPct val="0"/>
+                        </a:spcAft>
+                        <a:buClr>
+                          <a:srgbClr val="990000"/>
+                        </a:buClr>
+                        <a:buSzPct val="60000"/>
+                        <a:buFont typeface="Wingdings 2" charset="2"/>
+                        <a:buNone/>
+                        <a:tabLst>
+                          <a:tab pos="914400" algn="l"/>
+                        </a:tabLst>
+                      </a:pPr>
+                      <a:r>
+                        <a:rPr kumimoji="0" lang="en-US" sz="2000" b="0" i="0" u="none" strike="noStrike" cap="none" normalizeH="0" baseline="0" dirty="0" smtClean="0">
+                          <a:ln>
+                            <a:noFill/>
+                          </a:ln>
+                          <a:solidFill>
+                            <a:schemeClr val="tx1"/>
+                          </a:solidFill>
+                          <a:effectLst/>
+                          <a:latin typeface="Calibri"/>
+                          <a:ea typeface="Arial Narrow" charset="0"/>
+                          <a:cs typeface="Calibri"/>
+                          <a:sym typeface="Arial Narrow" charset="0"/>
+                        </a:rPr>
+                        <a:t>8</a:t>
+                      </a:r>
+                      <a:endParaRPr kumimoji="0" lang="en-US" sz="2000" b="0" i="0" u="none" strike="noStrike" cap="none" normalizeH="0" baseline="0" dirty="0">
+                        <a:ln>
+                          <a:noFill/>
+                        </a:ln>
+                        <a:solidFill>
+                          <a:schemeClr val="tx1"/>
+                        </a:solidFill>
+                        <a:effectLst/>
+                        <a:latin typeface="Calibri"/>
+                        <a:ea typeface="Arial Narrow" charset="0"/>
+                        <a:cs typeface="Calibri"/>
+                        <a:sym typeface="Arial Narrow" charset="0"/>
+                      </a:endParaRPr>
+                    </a:p>
+                  </a:txBody>
+                  <a:tcPr marL="50800" marR="50800" marT="50800" marB="50800" anchor="ctr" horzOverflow="overflow">
+                    <a:lnL w="12700" cap="flat" cmpd="sng" algn="ctr">
+                      <a:solidFill>
+                        <a:srgbClr val="FFFFFF"/>
+                      </a:solidFill>
+                      <a:prstDash val="solid"/>
+                      <a:round/>
+                      <a:headEnd type="none" w="med" len="med"/>
+                      <a:tailEnd type="none" w="med" len="med"/>
+                    </a:lnL>
+                    <a:lnR w="12700" cap="flat" cmpd="sng" algn="ctr">
+                      <a:solidFill>
+                        <a:srgbClr val="FFFFFF"/>
+                      </a:solidFill>
+                      <a:prstDash val="solid"/>
+                      <a:round/>
+                      <a:headEnd type="none" w="med" len="med"/>
+                      <a:tailEnd type="none" w="med" len="med"/>
+                    </a:lnR>
+                    <a:lnT w="12700" cap="flat" cmpd="sng" algn="ctr">
+                      <a:solidFill>
+                        <a:srgbClr val="FFFFFF"/>
+                      </a:solidFill>
+                      <a:prstDash val="solid"/>
+                      <a:round/>
+                      <a:headEnd type="none" w="med" len="med"/>
+                      <a:tailEnd type="none" w="med" len="med"/>
+                    </a:lnT>
+                    <a:lnB w="12700" cap="flat" cmpd="sng" algn="ctr">
+                      <a:solidFill>
+                        <a:srgbClr val="FFFFFF"/>
+                      </a:solidFill>
+                      <a:prstDash val="solid"/>
+                      <a:round/>
+                      <a:headEnd type="none" w="med" len="med"/>
+                      <a:tailEnd type="none" w="med" len="med"/>
+                    </a:lnB>
+                    <a:lnTlToBr>
+                      <a:noFill/>
+                    </a:lnTlToBr>
+                    <a:lnBlToTr>
+                      <a:noFill/>
+                    </a:lnBlToTr>
+                    <a:solidFill>
+                      <a:srgbClr val="F7B217"/>
+                    </a:solidFill>
+                  </a:tcPr>
+                </a:tc>
+              </a:tr>
+              <a:tr h="493441">
+                <a:tc>
+                  <a:txBody>
+                    <a:bodyPr/>
+                    <a:lstStyle/>
+                    <a:p>
+                      <a:pPr marL="0" marR="0" lvl="0" indent="0" algn="l" defTabSz="914400" rtl="0" eaLnBrk="1" fontAlgn="base" latinLnBrk="0" hangingPunct="1">
+                        <a:lnSpc>
+                          <a:spcPct val="100000"/>
+                        </a:lnSpc>
+                        <a:spcBef>
+                          <a:spcPct val="0"/>
+                        </a:spcBef>
+                        <a:spcAft>
+                          <a:spcPct val="0"/>
+                        </a:spcAft>
+                        <a:buClr>
+                          <a:srgbClr val="990000"/>
+                        </a:buClr>
+                        <a:buSzPct val="60000"/>
+                        <a:buFont typeface="Wingdings 2" charset="2"/>
+                        <a:buNone/>
+                        <a:tabLst>
+                          <a:tab pos="914400" algn="l"/>
+                        </a:tabLst>
+                      </a:pPr>
+                      <a:r>
+                        <a:rPr kumimoji="0" lang="en-US" sz="2000" b="1" i="0" u="none" strike="noStrike" cap="none" normalizeH="0" baseline="0" dirty="0">
+                          <a:ln>
+                            <a:noFill/>
+                          </a:ln>
+                          <a:solidFill>
+                            <a:schemeClr val="tx1"/>
+                          </a:solidFill>
+                          <a:effectLst/>
+                          <a:latin typeface="Courier New"/>
+                          <a:ea typeface="Arial Narrow" charset="0"/>
+                          <a:cs typeface="Courier New"/>
+                          <a:sym typeface="Arial Narrow" charset="0"/>
+                        </a:rPr>
+                        <a:t>float</a:t>
+                      </a:r>
+                    </a:p>
+                  </a:txBody>
+                  <a:tcPr marL="50800" marR="50800" marT="50800" marB="50800" anchor="ctr" horzOverflow="overflow">
+                    <a:lnL w="12700" cap="flat" cmpd="sng" algn="ctr">
+                      <a:solidFill>
+                        <a:srgbClr val="FFFFFF"/>
+                      </a:solidFill>
+                      <a:prstDash val="solid"/>
+                      <a:round/>
+                      <a:headEnd type="none" w="med" len="med"/>
+                      <a:tailEnd type="none" w="med" len="med"/>
+                    </a:lnL>
+                    <a:lnR w="12700" cap="flat" cmpd="sng" algn="ctr">
+                      <a:solidFill>
+                        <a:srgbClr val="FFFFFF"/>
+                      </a:solidFill>
+                      <a:prstDash val="solid"/>
+                      <a:round/>
+                      <a:headEnd type="none" w="med" len="med"/>
+                      <a:tailEnd type="none" w="med" len="med"/>
+                    </a:lnR>
+                    <a:lnT w="12700" cap="flat" cmpd="sng" algn="ctr">
+                      <a:solidFill>
+                        <a:srgbClr val="FFFFFF"/>
+                      </a:solidFill>
+                      <a:prstDash val="solid"/>
+                      <a:round/>
+                      <a:headEnd type="none" w="med" len="med"/>
+                      <a:tailEnd type="none" w="med" len="med"/>
+                    </a:lnT>
+                    <a:lnB w="12700" cap="flat" cmpd="sng" algn="ctr">
+                      <a:solidFill>
+                        <a:srgbClr val="FFFFFF"/>
+                      </a:solidFill>
+                      <a:prstDash val="solid"/>
+                      <a:round/>
+                      <a:headEnd type="none" w="med" len="med"/>
+                      <a:tailEnd type="none" w="med" len="med"/>
+                    </a:lnB>
+                    <a:lnTlToBr>
+                      <a:noFill/>
+                    </a:lnTlToBr>
+                    <a:lnBlToTr>
+                      <a:noFill/>
+                    </a:lnBlToTr>
+                    <a:solidFill>
+                      <a:srgbClr val="F7B217"/>
+                    </a:solidFill>
+                  </a:tcPr>
+                </a:tc>
+                <a:tc>
+                  <a:txBody>
+                    <a:bodyPr/>
+                    <a:lstStyle/>
+                    <a:p>
+                      <a:pPr marL="0" marR="0" lvl="0" indent="0" algn="ctr" defTabSz="914400" rtl="0" eaLnBrk="1" fontAlgn="base" latinLnBrk="0" hangingPunct="1">
+                        <a:lnSpc>
+                          <a:spcPct val="100000"/>
+                        </a:lnSpc>
+                        <a:spcBef>
+                          <a:spcPct val="0"/>
+                        </a:spcBef>
+                        <a:spcAft>
+                          <a:spcPct val="0"/>
+                        </a:spcAft>
+                        <a:buClr>
+                          <a:srgbClr val="990000"/>
+                        </a:buClr>
+                        <a:buSzPct val="60000"/>
+                        <a:buFont typeface="Wingdings 2" charset="2"/>
+                        <a:buNone/>
+                        <a:tabLst>
+                          <a:tab pos="914400" algn="l"/>
+                        </a:tabLst>
+                      </a:pPr>
+                      <a:r>
+                        <a:rPr kumimoji="0" lang="en-US" sz="2000" b="0" i="0" u="none" strike="noStrike" cap="none" normalizeH="0" baseline="0" dirty="0">
+                          <a:ln>
+                            <a:noFill/>
+                          </a:ln>
+                          <a:solidFill>
+                            <a:schemeClr val="tx1"/>
+                          </a:solidFill>
+                          <a:effectLst/>
+                          <a:latin typeface="Calibri"/>
+                          <a:ea typeface="Arial Narrow" charset="0"/>
+                          <a:cs typeface="Calibri"/>
+                          <a:sym typeface="Arial Narrow" charset="0"/>
+                        </a:rPr>
+                        <a:t>4</a:t>
+                      </a:r>
+                    </a:p>
+                  </a:txBody>
+                  <a:tcPr marL="50800" marR="50800" marT="50800" marB="50800" anchor="ctr" horzOverflow="overflow">
+                    <a:lnL w="12700" cap="flat" cmpd="sng" algn="ctr">
+                      <a:solidFill>
+                        <a:srgbClr val="FFFFFF"/>
+                      </a:solidFill>
+                      <a:prstDash val="solid"/>
+                      <a:round/>
+                      <a:headEnd type="none" w="med" len="med"/>
+                      <a:tailEnd type="none" w="med" len="med"/>
+                    </a:lnL>
+                    <a:lnR w="12700" cap="flat" cmpd="sng" algn="ctr">
+                      <a:solidFill>
+                        <a:srgbClr val="FFFFFF"/>
+                      </a:solidFill>
+                      <a:prstDash val="solid"/>
+                      <a:round/>
+                      <a:headEnd type="none" w="med" len="med"/>
+                      <a:tailEnd type="none" w="med" len="med"/>
+                    </a:lnR>
+                    <a:lnT w="12700" cap="flat" cmpd="sng" algn="ctr">
+                      <a:solidFill>
+                        <a:srgbClr val="FFFFFF"/>
+                      </a:solidFill>
+                      <a:prstDash val="solid"/>
+                      <a:round/>
+                      <a:headEnd type="none" w="med" len="med"/>
+                      <a:tailEnd type="none" w="med" len="med"/>
+                    </a:lnT>
+                    <a:lnB w="12700" cap="flat" cmpd="sng" algn="ctr">
+                      <a:solidFill>
+                        <a:srgbClr val="FFFFFF"/>
+                      </a:solidFill>
+                      <a:prstDash val="solid"/>
+                      <a:round/>
+                      <a:headEnd type="none" w="med" len="med"/>
+                      <a:tailEnd type="none" w="med" len="med"/>
+                    </a:lnB>
+                    <a:lnTlToBr>
+                      <a:noFill/>
+                    </a:lnTlToBr>
+                    <a:lnBlToTr>
+                      <a:noFill/>
+                    </a:lnBlToTr>
+                    <a:solidFill>
+                      <a:srgbClr val="F7B217"/>
+                    </a:solidFill>
+                  </a:tcPr>
+                </a:tc>
+                <a:tc>
+                  <a:txBody>
+                    <a:bodyPr/>
+                    <a:lstStyle/>
+                    <a:p>
+                      <a:pPr marL="0" marR="0" lvl="0" indent="0" algn="ctr" defTabSz="914400" rtl="0" eaLnBrk="1" fontAlgn="base" latinLnBrk="0" hangingPunct="1">
+                        <a:lnSpc>
+                          <a:spcPct val="100000"/>
+                        </a:lnSpc>
+                        <a:spcBef>
+                          <a:spcPct val="0"/>
+                        </a:spcBef>
+                        <a:spcAft>
+                          <a:spcPct val="0"/>
+                        </a:spcAft>
+                        <a:buClr>
+                          <a:srgbClr val="990000"/>
+                        </a:buClr>
+                        <a:buSzPct val="60000"/>
+                        <a:buFont typeface="Wingdings 2" charset="2"/>
+                        <a:buNone/>
+                        <a:tabLst>
+                          <a:tab pos="914400" algn="l"/>
+                        </a:tabLst>
+                      </a:pPr>
+                      <a:r>
+                        <a:rPr kumimoji="0" lang="en-US" sz="2000" b="0" i="0" u="none" strike="noStrike" cap="none" normalizeH="0" baseline="0" dirty="0">
+                          <a:ln>
+                            <a:noFill/>
+                          </a:ln>
+                          <a:solidFill>
+                            <a:schemeClr val="tx1"/>
+                          </a:solidFill>
+                          <a:effectLst/>
+                          <a:latin typeface="Calibri"/>
+                          <a:ea typeface="Arial Narrow" charset="0"/>
+                          <a:cs typeface="Calibri"/>
+                          <a:sym typeface="Arial Narrow" charset="0"/>
+                        </a:rPr>
+                        <a:t>4</a:t>
+                      </a:r>
+                    </a:p>
+                  </a:txBody>
+                  <a:tcPr marL="50800" marR="50800" marT="50800" marB="50800" anchor="ctr" horzOverflow="overflow">
+                    <a:lnL w="12700" cap="flat" cmpd="sng" algn="ctr">
+                      <a:solidFill>
+                        <a:srgbClr val="FFFFFF"/>
+                      </a:solidFill>
+                      <a:prstDash val="solid"/>
+                      <a:round/>
+                      <a:headEnd type="none" w="med" len="med"/>
+                      <a:tailEnd type="none" w="med" len="med"/>
+                    </a:lnL>
+                    <a:lnR w="12700" cap="flat" cmpd="sng" algn="ctr">
+                      <a:solidFill>
+                        <a:srgbClr val="FFFFFF"/>
+                      </a:solidFill>
+                      <a:prstDash val="solid"/>
+                      <a:round/>
+                      <a:headEnd type="none" w="med" len="med"/>
+                      <a:tailEnd type="none" w="med" len="med"/>
+                    </a:lnR>
+                    <a:lnT w="12700" cap="flat" cmpd="sng" algn="ctr">
+                      <a:solidFill>
+                        <a:srgbClr val="FFFFFF"/>
+                      </a:solidFill>
+                      <a:prstDash val="solid"/>
+                      <a:round/>
+                      <a:headEnd type="none" w="med" len="med"/>
+                      <a:tailEnd type="none" w="med" len="med"/>
+                    </a:lnT>
+                    <a:lnB w="12700" cap="flat" cmpd="sng" algn="ctr">
+                      <a:solidFill>
+                        <a:srgbClr val="FFFFFF"/>
+                      </a:solidFill>
+                      <a:prstDash val="solid"/>
+                      <a:round/>
+                      <a:headEnd type="none" w="med" len="med"/>
+                      <a:tailEnd type="none" w="med" len="med"/>
+                    </a:lnB>
+                    <a:lnTlToBr>
+                      <a:noFill/>
+                    </a:lnTlToBr>
+                    <a:lnBlToTr>
+                      <a:noFill/>
+                    </a:lnBlToTr>
+                    <a:solidFill>
+                      <a:srgbClr val="F7B217"/>
+                    </a:solidFill>
+                  </a:tcPr>
+                </a:tc>
+              </a:tr>
+              <a:tr h="493441">
+                <a:tc>
+                  <a:txBody>
+                    <a:bodyPr/>
+                    <a:lstStyle/>
+                    <a:p>
+                      <a:pPr marL="0" marR="0" lvl="0" indent="0" algn="l" defTabSz="914400" rtl="0" eaLnBrk="1" fontAlgn="base" latinLnBrk="0" hangingPunct="1">
+                        <a:lnSpc>
+                          <a:spcPct val="100000"/>
+                        </a:lnSpc>
+                        <a:spcBef>
+                          <a:spcPct val="0"/>
+                        </a:spcBef>
+                        <a:spcAft>
+                          <a:spcPct val="0"/>
+                        </a:spcAft>
+                        <a:buClr>
+                          <a:srgbClr val="990000"/>
+                        </a:buClr>
+                        <a:buSzPct val="60000"/>
+                        <a:buFont typeface="Wingdings 2" charset="2"/>
+                        <a:buNone/>
+                        <a:tabLst>
+                          <a:tab pos="914400" algn="l"/>
+                        </a:tabLst>
+                      </a:pPr>
+                      <a:r>
+                        <a:rPr kumimoji="0" lang="en-US" sz="2000" b="1" i="0" u="none" strike="noStrike" cap="none" normalizeH="0" baseline="0" dirty="0">
+                          <a:ln>
+                            <a:noFill/>
+                          </a:ln>
+                          <a:solidFill>
+                            <a:schemeClr val="tx1"/>
+                          </a:solidFill>
+                          <a:effectLst/>
+                          <a:latin typeface="Courier New"/>
+                          <a:ea typeface="Arial Narrow" charset="0"/>
+                          <a:cs typeface="Courier New"/>
+                          <a:sym typeface="Arial Narrow" charset="0"/>
+                        </a:rPr>
+                        <a:t>double</a:t>
+                      </a:r>
+                    </a:p>
+                  </a:txBody>
+                  <a:tcPr marL="50800" marR="50800" marT="50800" marB="50800" anchor="ctr" horzOverflow="overflow">
+                    <a:lnL w="12700" cap="flat" cmpd="sng" algn="ctr">
+                      <a:solidFill>
+                        <a:srgbClr val="FFFFFF"/>
+                      </a:solidFill>
+                      <a:prstDash val="solid"/>
+                      <a:round/>
+                      <a:headEnd type="none" w="med" len="med"/>
+                      <a:tailEnd type="none" w="med" len="med"/>
+                    </a:lnL>
+                    <a:lnR w="12700" cap="flat" cmpd="sng" algn="ctr">
+                      <a:solidFill>
+                        <a:srgbClr val="FFFFFF"/>
+                      </a:solidFill>
+                      <a:prstDash val="solid"/>
+                      <a:round/>
+                      <a:headEnd type="none" w="med" len="med"/>
+                      <a:tailEnd type="none" w="med" len="med"/>
+                    </a:lnR>
+                    <a:lnT w="12700" cap="flat" cmpd="sng" algn="ctr">
+                      <a:solidFill>
+                        <a:srgbClr val="FFFFFF"/>
+                      </a:solidFill>
+                      <a:prstDash val="solid"/>
+                      <a:round/>
+                      <a:headEnd type="none" w="med" len="med"/>
+                      <a:tailEnd type="none" w="med" len="med"/>
+                    </a:lnT>
+                    <a:lnB w="12700" cap="flat" cmpd="sng" algn="ctr">
+                      <a:solidFill>
+                        <a:srgbClr val="FFFFFF"/>
+                      </a:solidFill>
+                      <a:prstDash val="solid"/>
+                      <a:round/>
+                      <a:headEnd type="none" w="med" len="med"/>
+                      <a:tailEnd type="none" w="med" len="med"/>
+                    </a:lnB>
+                    <a:lnTlToBr>
+                      <a:noFill/>
+                    </a:lnTlToBr>
+                    <a:lnBlToTr>
+                      <a:noFill/>
+                    </a:lnBlToTr>
+                    <a:solidFill>
+                      <a:srgbClr val="F7B217"/>
+                    </a:solidFill>
+                  </a:tcPr>
+                </a:tc>
+                <a:tc>
+                  <a:txBody>
+                    <a:bodyPr/>
+                    <a:lstStyle/>
+                    <a:p>
+                      <a:pPr marL="0" marR="0" lvl="0" indent="0" algn="ctr" defTabSz="914400" rtl="0" eaLnBrk="1" fontAlgn="base" latinLnBrk="0" hangingPunct="1">
+                        <a:lnSpc>
+                          <a:spcPct val="100000"/>
+                        </a:lnSpc>
+                        <a:spcBef>
+                          <a:spcPct val="0"/>
+                        </a:spcBef>
+                        <a:spcAft>
+                          <a:spcPct val="0"/>
+                        </a:spcAft>
+                        <a:buClr>
+                          <a:srgbClr val="990000"/>
+                        </a:buClr>
+                        <a:buSzPct val="60000"/>
+                        <a:buFont typeface="Wingdings 2" charset="2"/>
+                        <a:buNone/>
+                        <a:tabLst>
+                          <a:tab pos="914400" algn="l"/>
+                        </a:tabLst>
+                      </a:pPr>
+                      <a:r>
+                        <a:rPr kumimoji="0" lang="en-US" sz="2000" b="0" i="0" u="none" strike="noStrike" cap="none" normalizeH="0" baseline="0" dirty="0">
+                          <a:ln>
+                            <a:noFill/>
+                          </a:ln>
+                          <a:solidFill>
+                            <a:schemeClr val="tx1"/>
+                          </a:solidFill>
+                          <a:effectLst/>
+                          <a:latin typeface="Calibri"/>
+                          <a:ea typeface="Arial Narrow" charset="0"/>
+                          <a:cs typeface="Calibri"/>
+                          <a:sym typeface="Arial Narrow" charset="0"/>
+                        </a:rPr>
+                        <a:t>8</a:t>
+                      </a:r>
+                    </a:p>
+                  </a:txBody>
+                  <a:tcPr marL="50800" marR="50800" marT="50800" marB="50800" anchor="ctr" horzOverflow="overflow">
+                    <a:lnL w="12700" cap="flat" cmpd="sng" algn="ctr">
+                      <a:solidFill>
+                        <a:srgbClr val="FFFFFF"/>
+                      </a:solidFill>
+                      <a:prstDash val="solid"/>
+                      <a:round/>
+                      <a:headEnd type="none" w="med" len="med"/>
+                      <a:tailEnd type="none" w="med" len="med"/>
+                    </a:lnL>
+                    <a:lnR w="12700" cap="flat" cmpd="sng" algn="ctr">
+                      <a:solidFill>
+                        <a:srgbClr val="FFFFFF"/>
+                      </a:solidFill>
+                      <a:prstDash val="solid"/>
+                      <a:round/>
+                      <a:headEnd type="none" w="med" len="med"/>
+                      <a:tailEnd type="none" w="med" len="med"/>
+                    </a:lnR>
+                    <a:lnT w="12700" cap="flat" cmpd="sng" algn="ctr">
+                      <a:solidFill>
+                        <a:srgbClr val="FFFFFF"/>
+                      </a:solidFill>
+                      <a:prstDash val="solid"/>
+                      <a:round/>
+                      <a:headEnd type="none" w="med" len="med"/>
+                      <a:tailEnd type="none" w="med" len="med"/>
+                    </a:lnT>
+                    <a:lnB w="12700" cap="flat" cmpd="sng" algn="ctr">
+                      <a:solidFill>
+                        <a:srgbClr val="FFFFFF"/>
+                      </a:solidFill>
+                      <a:prstDash val="solid"/>
+                      <a:round/>
+                      <a:headEnd type="none" w="med" len="med"/>
+                      <a:tailEnd type="none" w="med" len="med"/>
+                    </a:lnB>
+                    <a:lnTlToBr>
+                      <a:noFill/>
+                    </a:lnTlToBr>
+                    <a:lnBlToTr>
+                      <a:noFill/>
+                    </a:lnBlToTr>
+                    <a:solidFill>
+                      <a:srgbClr val="F7B217"/>
+                    </a:solidFill>
+                  </a:tcPr>
+                </a:tc>
+                <a:tc>
+                  <a:txBody>
+                    <a:bodyPr/>
+                    <a:lstStyle/>
+                    <a:p>
+                      <a:pPr marL="0" marR="0" lvl="0" indent="0" algn="ctr" defTabSz="914400" rtl="0" eaLnBrk="1" fontAlgn="base" latinLnBrk="0" hangingPunct="1">
+                        <a:lnSpc>
+                          <a:spcPct val="100000"/>
+                        </a:lnSpc>
+                        <a:spcBef>
+                          <a:spcPct val="0"/>
+                        </a:spcBef>
+                        <a:spcAft>
+                          <a:spcPct val="0"/>
+                        </a:spcAft>
+                        <a:buClr>
+                          <a:srgbClr val="990000"/>
+                        </a:buClr>
+                        <a:buSzPct val="60000"/>
+                        <a:buFont typeface="Wingdings 2" charset="2"/>
+                        <a:buNone/>
+                        <a:tabLst>
+                          <a:tab pos="914400" algn="l"/>
+                        </a:tabLst>
+                      </a:pPr>
+                      <a:r>
+                        <a:rPr kumimoji="0" lang="en-US" sz="2000" b="0" i="0" u="none" strike="noStrike" cap="none" normalizeH="0" baseline="0" dirty="0">
+                          <a:ln>
+                            <a:noFill/>
+                          </a:ln>
+                          <a:solidFill>
+                            <a:schemeClr val="tx1"/>
+                          </a:solidFill>
+                          <a:effectLst/>
+                          <a:latin typeface="Calibri"/>
+                          <a:ea typeface="Arial Narrow" charset="0"/>
+                          <a:cs typeface="Calibri"/>
+                          <a:sym typeface="Arial Narrow" charset="0"/>
+                        </a:rPr>
+                        <a:t>8</a:t>
+                      </a:r>
+                    </a:p>
+                  </a:txBody>
+                  <a:tcPr marL="50800" marR="50800" marT="50800" marB="50800" anchor="ctr" horzOverflow="overflow">
+                    <a:lnL w="12700" cap="flat" cmpd="sng" algn="ctr">
+                      <a:solidFill>
+                        <a:srgbClr val="FFFFFF"/>
+                      </a:solidFill>
+                      <a:prstDash val="solid"/>
+                      <a:round/>
+                      <a:headEnd type="none" w="med" len="med"/>
+                      <a:tailEnd type="none" w="med" len="med"/>
+                    </a:lnL>
+                    <a:lnR w="12700" cap="flat" cmpd="sng" algn="ctr">
+                      <a:solidFill>
+                        <a:srgbClr val="FFFFFF"/>
+                      </a:solidFill>
+                      <a:prstDash val="solid"/>
+                      <a:round/>
+                      <a:headEnd type="none" w="med" len="med"/>
+                      <a:tailEnd type="none" w="med" len="med"/>
+                    </a:lnR>
+                    <a:lnT w="12700" cap="flat" cmpd="sng" algn="ctr">
+                      <a:solidFill>
+                        <a:srgbClr val="FFFFFF"/>
+                      </a:solidFill>
+                      <a:prstDash val="solid"/>
+                      <a:round/>
+                      <a:headEnd type="none" w="med" len="med"/>
+                      <a:tailEnd type="none" w="med" len="med"/>
+                    </a:lnT>
+                    <a:lnB w="12700" cap="flat" cmpd="sng" algn="ctr">
+                      <a:solidFill>
+                        <a:srgbClr val="FFFFFF"/>
+                      </a:solidFill>
+                      <a:prstDash val="solid"/>
+                      <a:round/>
+                      <a:headEnd type="none" w="med" len="med"/>
+                      <a:tailEnd type="none" w="med" len="med"/>
+                    </a:lnB>
+                    <a:lnTlToBr>
+                      <a:noFill/>
+                    </a:lnTlToBr>
+                    <a:lnBlToTr>
+                      <a:noFill/>
+                    </a:lnBlToTr>
+                    <a:solidFill>
+                      <a:srgbClr val="F7B217"/>
+                    </a:solidFill>
+                  </a:tcPr>
+                </a:tc>
+              </a:tr>
+              <a:tr h="493441">
+                <a:tc>
+                  <a:txBody>
+                    <a:bodyPr/>
+                    <a:lstStyle/>
+                    <a:p>
+                      <a:pPr marL="0" marR="0" lvl="0" indent="0" algn="l" defTabSz="914400" rtl="0" eaLnBrk="1" fontAlgn="base" latinLnBrk="0" hangingPunct="1">
+                        <a:lnSpc>
+                          <a:spcPct val="100000"/>
+                        </a:lnSpc>
+                        <a:spcBef>
+                          <a:spcPct val="0"/>
+                        </a:spcBef>
+                        <a:spcAft>
+                          <a:spcPct val="0"/>
+                        </a:spcAft>
+                        <a:buClr>
+                          <a:srgbClr val="990000"/>
+                        </a:buClr>
+                        <a:buSzPct val="60000"/>
+                        <a:buFont typeface="Wingdings 2" charset="2"/>
+                        <a:buNone/>
+                        <a:tabLst>
+                          <a:tab pos="914400" algn="l"/>
+                        </a:tabLst>
+                      </a:pPr>
+                      <a:r>
+                        <a:rPr kumimoji="0" lang="en-US" sz="2000" b="1" i="0" u="none" strike="noStrike" cap="none" normalizeH="0" baseline="0" dirty="0">
+                          <a:ln>
+                            <a:noFill/>
+                          </a:ln>
+                          <a:solidFill>
+                            <a:schemeClr val="tx1"/>
+                          </a:solidFill>
+                          <a:effectLst/>
+                          <a:latin typeface="Courier New"/>
+                          <a:ea typeface="Arial Narrow" charset="0"/>
+                          <a:cs typeface="Courier New"/>
+                          <a:sym typeface="Arial Narrow" charset="0"/>
+                        </a:rPr>
+                        <a:t>long double</a:t>
+                      </a:r>
+                    </a:p>
+                  </a:txBody>
+                  <a:tcPr marL="50800" marR="50800" marT="50800" marB="50800" anchor="ctr" horzOverflow="overflow">
+                    <a:lnL w="12700" cap="flat" cmpd="sng" algn="ctr">
+                      <a:solidFill>
+                        <a:srgbClr val="FFFFFF"/>
+                      </a:solidFill>
+                      <a:prstDash val="solid"/>
+                      <a:round/>
+                      <a:headEnd type="none" w="med" len="med"/>
+                      <a:tailEnd type="none" w="med" len="med"/>
+                    </a:lnL>
+                    <a:lnR w="12700" cap="flat" cmpd="sng" algn="ctr">
+                      <a:solidFill>
+                        <a:srgbClr val="FFFFFF"/>
+                      </a:solidFill>
+                      <a:prstDash val="solid"/>
+                      <a:round/>
+                      <a:headEnd type="none" w="med" len="med"/>
+                      <a:tailEnd type="none" w="med" len="med"/>
+                    </a:lnR>
+                    <a:lnT w="12700" cap="flat" cmpd="sng" algn="ctr">
+                      <a:solidFill>
+                        <a:srgbClr val="FFFFFF"/>
+                      </a:solidFill>
+                      <a:prstDash val="solid"/>
+                      <a:round/>
+                      <a:headEnd type="none" w="med" len="med"/>
+                      <a:tailEnd type="none" w="med" len="med"/>
+                    </a:lnT>
+                    <a:lnB w="12700" cap="flat" cmpd="sng" algn="ctr">
+                      <a:solidFill>
+                        <a:srgbClr val="FFFFFF"/>
+                      </a:solidFill>
+                      <a:prstDash val="solid"/>
+                      <a:round/>
+                      <a:headEnd type="none" w="med" len="med"/>
+                      <a:tailEnd type="none" w="med" len="med"/>
+                    </a:lnB>
+                    <a:lnTlToBr>
+                      <a:noFill/>
+                    </a:lnTlToBr>
+                    <a:lnBlToTr>
+                      <a:noFill/>
+                    </a:lnBlToTr>
+                    <a:solidFill>
+                      <a:srgbClr val="F7B217"/>
+                    </a:solidFill>
+                  </a:tcPr>
+                </a:tc>
+                <a:tc>
+                  <a:txBody>
+                    <a:bodyPr/>
+                    <a:lstStyle/>
+                    <a:p>
+                      <a:pPr marL="0" marR="0" lvl="0" indent="0" algn="ctr" defTabSz="914400" rtl="0" eaLnBrk="1" fontAlgn="base" latinLnBrk="0" hangingPunct="1">
+                        <a:lnSpc>
+                          <a:spcPct val="100000"/>
+                        </a:lnSpc>
+                        <a:spcBef>
+                          <a:spcPct val="0"/>
+                        </a:spcBef>
+                        <a:spcAft>
+                          <a:spcPct val="0"/>
+                        </a:spcAft>
+                        <a:buClr>
+                          <a:srgbClr val="990000"/>
+                        </a:buClr>
+                        <a:buSzPct val="60000"/>
+                        <a:buFont typeface="Wingdings 2" charset="2"/>
+                        <a:buNone/>
+                        <a:tabLst>
+                          <a:tab pos="914400" algn="l"/>
+                        </a:tabLst>
+                      </a:pPr>
+                      <a:r>
+                        <a:rPr kumimoji="0" lang="en-US" sz="2000" b="0" i="0" u="none" strike="noStrike" cap="none" normalizeH="0" baseline="0" dirty="0" smtClean="0">
+                          <a:ln>
+                            <a:noFill/>
+                          </a:ln>
+                          <a:solidFill>
+                            <a:schemeClr val="tx1"/>
+                          </a:solidFill>
+                          <a:effectLst/>
+                          <a:latin typeface="Calibri"/>
+                          <a:ea typeface="ＭＳ ゴシック"/>
+                          <a:cs typeface="Calibri"/>
+                          <a:sym typeface="Arial Narrow" charset="0"/>
+                        </a:rPr>
+                        <a:t>−</a:t>
+                      </a:r>
+                      <a:endParaRPr kumimoji="0" lang="en-US" sz="2000" b="0" i="0" u="none" strike="noStrike" cap="none" normalizeH="0" baseline="0" dirty="0">
+                        <a:ln>
+                          <a:noFill/>
+                        </a:ln>
+                        <a:solidFill>
+                          <a:schemeClr val="tx1"/>
+                        </a:solidFill>
+                        <a:effectLst/>
+                        <a:latin typeface="Calibri"/>
+                        <a:ea typeface="Arial Narrow" charset="0"/>
+                        <a:cs typeface="Calibri"/>
+                        <a:sym typeface="Arial Narrow" charset="0"/>
+                      </a:endParaRPr>
+                    </a:p>
+                  </a:txBody>
+                  <a:tcPr marL="50800" marR="50800" marT="50800" marB="50800" anchor="ctr" horzOverflow="overflow">
+                    <a:lnL w="12700" cap="flat" cmpd="sng" algn="ctr">
+                      <a:solidFill>
+                        <a:srgbClr val="FFFFFF"/>
+                      </a:solidFill>
+                      <a:prstDash val="solid"/>
+                      <a:round/>
+                      <a:headEnd type="none" w="med" len="med"/>
+                      <a:tailEnd type="none" w="med" len="med"/>
+                    </a:lnL>
+                    <a:lnR w="12700" cap="flat" cmpd="sng" algn="ctr">
+                      <a:solidFill>
+                        <a:srgbClr val="FFFFFF"/>
+                      </a:solidFill>
+                      <a:prstDash val="solid"/>
+                      <a:round/>
+                      <a:headEnd type="none" w="med" len="med"/>
+                      <a:tailEnd type="none" w="med" len="med"/>
+                    </a:lnR>
+                    <a:lnT w="12700" cap="flat" cmpd="sng" algn="ctr">
+                      <a:solidFill>
+                        <a:srgbClr val="FFFFFF"/>
+                      </a:solidFill>
+                      <a:prstDash val="solid"/>
+                      <a:round/>
+                      <a:headEnd type="none" w="med" len="med"/>
+                      <a:tailEnd type="none" w="med" len="med"/>
+                    </a:lnT>
+                    <a:lnB w="12700" cap="flat" cmpd="sng" algn="ctr">
+                      <a:solidFill>
+                        <a:srgbClr val="FFFFFF"/>
+                      </a:solidFill>
+                      <a:prstDash val="solid"/>
+                      <a:round/>
+                      <a:headEnd type="none" w="med" len="med"/>
+                      <a:tailEnd type="none" w="med" len="med"/>
+                    </a:lnB>
+                    <a:lnTlToBr>
+                      <a:noFill/>
+                    </a:lnTlToBr>
+                    <a:lnBlToTr>
+                      <a:noFill/>
+                    </a:lnBlToTr>
+                    <a:solidFill>
+                      <a:srgbClr val="F7B217"/>
+                    </a:solidFill>
+                  </a:tcPr>
+                </a:tc>
+                <a:tc>
+                  <a:txBody>
+                    <a:bodyPr/>
+                    <a:lstStyle/>
+                    <a:p>
+                      <a:pPr marL="0" marR="0" lvl="0" indent="0" algn="ctr" defTabSz="914400" rtl="0" eaLnBrk="1" fontAlgn="base" latinLnBrk="0" hangingPunct="1">
+                        <a:lnSpc>
+                          <a:spcPct val="100000"/>
+                        </a:lnSpc>
+                        <a:spcBef>
+                          <a:spcPct val="0"/>
+                        </a:spcBef>
+                        <a:spcAft>
+                          <a:spcPct val="0"/>
+                        </a:spcAft>
+                        <a:buClr>
+                          <a:srgbClr val="990000"/>
+                        </a:buClr>
+                        <a:buSzPct val="60000"/>
+                        <a:buFont typeface="Wingdings 2" charset="2"/>
+                        <a:buNone/>
+                        <a:tabLst>
+                          <a:tab pos="914400" algn="l"/>
+                        </a:tabLst>
+                      </a:pPr>
+                      <a:r>
+                        <a:rPr kumimoji="0" lang="en-US" sz="2000" b="0" i="0" u="none" strike="noStrike" cap="none" normalizeH="0" baseline="0" dirty="0" smtClean="0">
+                          <a:ln>
+                            <a:noFill/>
+                          </a:ln>
+                          <a:solidFill>
+                            <a:schemeClr val="tx1"/>
+                          </a:solidFill>
+                          <a:effectLst/>
+                          <a:latin typeface="Calibri"/>
+                          <a:ea typeface="ＭＳ ゴシック"/>
+                          <a:cs typeface="Calibri"/>
+                          <a:sym typeface="Arial Narrow" charset="0"/>
+                        </a:rPr>
+                        <a:t>−</a:t>
+                      </a:r>
+                      <a:endParaRPr kumimoji="0" lang="en-US" sz="2000" b="0" i="0" u="none" strike="noStrike" cap="none" normalizeH="0" baseline="0" dirty="0">
+                        <a:ln>
+                          <a:noFill/>
+                        </a:ln>
+                        <a:solidFill>
+                          <a:schemeClr val="tx1"/>
+                        </a:solidFill>
+                        <a:effectLst/>
+                        <a:latin typeface="Calibri"/>
+                        <a:ea typeface="Arial Narrow" charset="0"/>
+                        <a:cs typeface="Calibri"/>
+                        <a:sym typeface="Arial Narrow" charset="0"/>
+                      </a:endParaRPr>
+                    </a:p>
+                  </a:txBody>
+                  <a:tcPr marL="50800" marR="50800" marT="50800" marB="50800" anchor="ctr" horzOverflow="overflow">
+                    <a:lnL w="12700" cap="flat" cmpd="sng" algn="ctr">
+                      <a:solidFill>
+                        <a:srgbClr val="FFFFFF"/>
+                      </a:solidFill>
+                      <a:prstDash val="solid"/>
+                      <a:round/>
+                      <a:headEnd type="none" w="med" len="med"/>
+                      <a:tailEnd type="none" w="med" len="med"/>
+                    </a:lnL>
+                    <a:lnR w="12700" cap="flat" cmpd="sng" algn="ctr">
+                      <a:solidFill>
+                        <a:srgbClr val="FFFFFF"/>
+                      </a:solidFill>
+                      <a:prstDash val="solid"/>
+                      <a:round/>
+                      <a:headEnd type="none" w="med" len="med"/>
+                      <a:tailEnd type="none" w="med" len="med"/>
+                    </a:lnR>
+                    <a:lnT w="12700" cap="flat" cmpd="sng" algn="ctr">
+                      <a:solidFill>
+                        <a:srgbClr val="FFFFFF"/>
+                      </a:solidFill>
+                      <a:prstDash val="solid"/>
+                      <a:round/>
+                      <a:headEnd type="none" w="med" len="med"/>
+                      <a:tailEnd type="none" w="med" len="med"/>
+                    </a:lnT>
+                    <a:lnB w="12700" cap="flat" cmpd="sng" algn="ctr">
+                      <a:solidFill>
+                        <a:srgbClr val="FFFFFF"/>
+                      </a:solidFill>
+                      <a:prstDash val="solid"/>
+                      <a:round/>
+                      <a:headEnd type="none" w="med" len="med"/>
+                      <a:tailEnd type="none" w="med" len="med"/>
+                    </a:lnB>
+                    <a:lnTlToBr>
+                      <a:noFill/>
+                    </a:lnTlToBr>
+                    <a:lnBlToTr>
+                      <a:noFill/>
+                    </a:lnBlToTr>
+                    <a:solidFill>
+                      <a:srgbClr val="F7B217"/>
+                    </a:solidFill>
+                  </a:tcPr>
+                </a:tc>
+              </a:tr>
+              <a:tr h="493441">
+                <a:tc>
+                  <a:txBody>
+                    <a:bodyPr/>
+                    <a:lstStyle/>
+                    <a:p>
+                      <a:pPr marL="0" marR="0" lvl="0" indent="0" algn="l" defTabSz="914400" rtl="0" eaLnBrk="1" fontAlgn="base" latinLnBrk="0" hangingPunct="1">
+                        <a:lnSpc>
+                          <a:spcPct val="100000"/>
+                        </a:lnSpc>
+                        <a:spcBef>
+                          <a:spcPct val="0"/>
+                        </a:spcBef>
+                        <a:spcAft>
+                          <a:spcPct val="0"/>
+                        </a:spcAft>
+                        <a:buClr>
+                          <a:srgbClr val="990000"/>
+                        </a:buClr>
+                        <a:buSzPct val="60000"/>
+                        <a:buFont typeface="Wingdings 2" charset="2"/>
+                        <a:buNone/>
+                        <a:tabLst>
+                          <a:tab pos="914400" algn="l"/>
+                        </a:tabLst>
+                      </a:pPr>
+                      <a:r>
+                        <a:rPr kumimoji="0" lang="en-US" sz="1800" b="0" i="0" u="none" strike="noStrike" cap="none" normalizeH="0" baseline="0" dirty="0">
+                          <a:ln>
+                            <a:noFill/>
+                          </a:ln>
+                          <a:solidFill>
+                            <a:schemeClr val="tx1"/>
+                          </a:solidFill>
+                          <a:effectLst/>
+                          <a:latin typeface="Calibri"/>
+                          <a:ea typeface="Arial Narrow" charset="0"/>
+                          <a:cs typeface="Calibri"/>
+                          <a:sym typeface="Arial Narrow" charset="0"/>
+                        </a:rPr>
+                        <a:t>pointer</a:t>
+                      </a:r>
+                    </a:p>
+                  </a:txBody>
+                  <a:tcPr marL="50800" marR="50800" marT="50800" marB="50800" anchor="ctr" horzOverflow="overflow">
+                    <a:lnL w="12700" cap="flat" cmpd="sng" algn="ctr">
+                      <a:solidFill>
+                        <a:srgbClr val="FFFFFF"/>
+                      </a:solidFill>
+                      <a:prstDash val="solid"/>
+                      <a:round/>
+                      <a:headEnd type="none" w="med" len="med"/>
+                      <a:tailEnd type="none" w="med" len="med"/>
+                    </a:lnL>
+                    <a:lnR w="12700" cap="flat" cmpd="sng" algn="ctr">
+                      <a:solidFill>
+                        <a:srgbClr val="FFFFFF"/>
+                      </a:solidFill>
+                      <a:prstDash val="solid"/>
+                      <a:round/>
+                      <a:headEnd type="none" w="med" len="med"/>
+                      <a:tailEnd type="none" w="med" len="med"/>
+                    </a:lnR>
+                    <a:lnT w="12700" cap="flat" cmpd="sng" algn="ctr">
+                      <a:solidFill>
+                        <a:srgbClr val="FFFFFF"/>
+                      </a:solidFill>
+                      <a:prstDash val="solid"/>
+                      <a:round/>
+                      <a:headEnd type="none" w="med" len="med"/>
+                      <a:tailEnd type="none" w="med" len="med"/>
+                    </a:lnT>
+                    <a:lnB w="12700" cap="flat" cmpd="sng" algn="ctr">
+                      <a:solidFill>
+                        <a:srgbClr val="FFFFFF"/>
+                      </a:solidFill>
+                      <a:prstDash val="solid"/>
+                      <a:round/>
+                      <a:headEnd type="none" w="med" len="med"/>
+                      <a:tailEnd type="none" w="med" len="med"/>
+                    </a:lnB>
+                    <a:lnTlToBr>
+                      <a:noFill/>
+                    </a:lnTlToBr>
+                    <a:lnBlToTr>
+                      <a:noFill/>
+                    </a:lnBlToTr>
+                    <a:solidFill>
+                      <a:srgbClr val="F7B217"/>
+                    </a:solidFill>
+                  </a:tcPr>
+                </a:tc>
+                <a:tc>
+                  <a:txBody>
+                    <a:bodyPr/>
+                    <a:lstStyle/>
+                    <a:p>
+                      <a:pPr marL="0" marR="0" lvl="0" indent="0" algn="ctr" defTabSz="914400" rtl="0" eaLnBrk="1" fontAlgn="base" latinLnBrk="0" hangingPunct="1">
+                        <a:lnSpc>
+                          <a:spcPct val="100000"/>
+                        </a:lnSpc>
+                        <a:spcBef>
+                          <a:spcPct val="0"/>
+                        </a:spcBef>
+                        <a:spcAft>
+                          <a:spcPct val="0"/>
+                        </a:spcAft>
+                        <a:buClr>
+                          <a:srgbClr val="990000"/>
+                        </a:buClr>
+                        <a:buSzPct val="60000"/>
+                        <a:buFont typeface="Wingdings 2" charset="2"/>
+                        <a:buNone/>
+                        <a:tabLst>
+                          <a:tab pos="914400" algn="l"/>
+                        </a:tabLst>
+                      </a:pPr>
+                      <a:r>
+                        <a:rPr kumimoji="0" lang="en-US" sz="2000" b="0" i="0" u="none" strike="noStrike" cap="none" normalizeH="0" baseline="0" dirty="0">
+                          <a:ln>
+                            <a:noFill/>
+                          </a:ln>
+                          <a:solidFill>
+                            <a:schemeClr val="tx1"/>
+                          </a:solidFill>
+                          <a:effectLst/>
+                          <a:latin typeface="Calibri"/>
+                          <a:ea typeface="Arial Narrow" charset="0"/>
+                          <a:cs typeface="Calibri"/>
+                          <a:sym typeface="Arial Narrow" charset="0"/>
+                        </a:rPr>
+                        <a:t>4</a:t>
+                      </a:r>
+                    </a:p>
+                  </a:txBody>
+                  <a:tcPr marL="50800" marR="50800" marT="50800" marB="50800" anchor="ctr" horzOverflow="overflow">
+                    <a:lnL w="12700" cap="flat" cmpd="sng" algn="ctr">
+                      <a:solidFill>
+                        <a:srgbClr val="FFFFFF"/>
+                      </a:solidFill>
+                      <a:prstDash val="solid"/>
+                      <a:round/>
+                      <a:headEnd type="none" w="med" len="med"/>
+                      <a:tailEnd type="none" w="med" len="med"/>
+                    </a:lnL>
+                    <a:lnR w="12700" cap="flat" cmpd="sng" algn="ctr">
+                      <a:solidFill>
+                        <a:srgbClr val="FFFFFF"/>
+                      </a:solidFill>
+                      <a:prstDash val="solid"/>
+                      <a:round/>
+                      <a:headEnd type="none" w="med" len="med"/>
+                      <a:tailEnd type="none" w="med" len="med"/>
+                    </a:lnR>
+                    <a:lnT w="12700" cap="flat" cmpd="sng" algn="ctr">
+                      <a:solidFill>
+                        <a:srgbClr val="FFFFFF"/>
+                      </a:solidFill>
+                      <a:prstDash val="solid"/>
+                      <a:round/>
+                      <a:headEnd type="none" w="med" len="med"/>
+                      <a:tailEnd type="none" w="med" len="med"/>
+                    </a:lnT>
+                    <a:lnB w="12700" cap="flat" cmpd="sng" algn="ctr">
+                      <a:solidFill>
+                        <a:srgbClr val="FFFFFF"/>
+                      </a:solidFill>
+                      <a:prstDash val="solid"/>
+                      <a:round/>
+                      <a:headEnd type="none" w="med" len="med"/>
+                      <a:tailEnd type="none" w="med" len="med"/>
+                    </a:lnB>
+                    <a:lnTlToBr>
+                      <a:noFill/>
+                    </a:lnTlToBr>
+                    <a:lnBlToTr>
+                      <a:noFill/>
+                    </a:lnBlToTr>
+                    <a:solidFill>
+                      <a:srgbClr val="F7B217"/>
+                    </a:solidFill>
+                  </a:tcPr>
+                </a:tc>
+                <a:tc>
+                  <a:txBody>
+                    <a:bodyPr/>
+                    <a:lstStyle/>
+                    <a:p>
+                      <a:pPr marL="0" marR="0" lvl="0" indent="0" algn="ctr" defTabSz="914400" rtl="0" eaLnBrk="1" fontAlgn="base" latinLnBrk="0" hangingPunct="1">
+                        <a:lnSpc>
+                          <a:spcPct val="100000"/>
+                        </a:lnSpc>
+                        <a:spcBef>
+                          <a:spcPct val="0"/>
+                        </a:spcBef>
+                        <a:spcAft>
+                          <a:spcPct val="0"/>
+                        </a:spcAft>
+                        <a:buClr>
+                          <a:srgbClr val="990000"/>
+                        </a:buClr>
+                        <a:buSzPct val="60000"/>
+                        <a:buFont typeface="Wingdings 2" charset="2"/>
+                        <a:buNone/>
+                        <a:tabLst>
+                          <a:tab pos="914400" algn="l"/>
+                        </a:tabLst>
+                      </a:pPr>
+                      <a:r>
+                        <a:rPr kumimoji="0" lang="en-US" sz="2000" b="0" i="0" u="none" strike="noStrike" cap="none" normalizeH="0" baseline="0" dirty="0">
+                          <a:ln>
+                            <a:noFill/>
+                          </a:ln>
+                          <a:solidFill>
+                            <a:schemeClr val="tx1"/>
+                          </a:solidFill>
+                          <a:effectLst/>
+                          <a:latin typeface="Calibri"/>
+                          <a:ea typeface="Arial Narrow" charset="0"/>
+                          <a:cs typeface="Calibri"/>
+                          <a:sym typeface="Arial Narrow" charset="0"/>
+                        </a:rPr>
+                        <a:t>8</a:t>
+                      </a:r>
+                    </a:p>
+                  </a:txBody>
+                  <a:tcPr marL="50800" marR="50800" marT="50800" marB="50800" anchor="ctr" horzOverflow="overflow">
+                    <a:lnL w="12700" cap="flat" cmpd="sng" algn="ctr">
+                      <a:solidFill>
+                        <a:srgbClr val="FFFFFF"/>
+                      </a:solidFill>
+                      <a:prstDash val="solid"/>
+                      <a:round/>
+                      <a:headEnd type="none" w="med" len="med"/>
+                      <a:tailEnd type="none" w="med" len="med"/>
+                    </a:lnL>
+                    <a:lnR w="12700" cap="flat" cmpd="sng" algn="ctr">
+                      <a:solidFill>
+                        <a:srgbClr val="FFFFFF"/>
+                      </a:solidFill>
+                      <a:prstDash val="solid"/>
+                      <a:round/>
+                      <a:headEnd type="none" w="med" len="med"/>
+                      <a:tailEnd type="none" w="med" len="med"/>
+                    </a:lnR>
+                    <a:lnT w="12700" cap="flat" cmpd="sng" algn="ctr">
+                      <a:solidFill>
+                        <a:srgbClr val="FFFFFF"/>
+                      </a:solidFill>
+                      <a:prstDash val="solid"/>
+                      <a:round/>
+                      <a:headEnd type="none" w="med" len="med"/>
+                      <a:tailEnd type="none" w="med" len="med"/>
+                    </a:lnT>
+                    <a:lnB w="12700" cap="flat" cmpd="sng" algn="ctr">
+                      <a:solidFill>
+                        <a:srgbClr val="FFFFFF"/>
+                      </a:solidFill>
+                      <a:prstDash val="solid"/>
+                      <a:round/>
+                      <a:headEnd type="none" w="med" len="med"/>
+                      <a:tailEnd type="none" w="med" len="med"/>
+                    </a:lnB>
+                    <a:lnTlToBr>
+                      <a:noFill/>
+                    </a:lnTlToBr>
+                    <a:lnBlToTr>
+                      <a:noFill/>
+                    </a:lnBlToTr>
+                    <a:solidFill>
+                      <a:srgbClr val="F7B217"/>
+                    </a:solidFill>
+                  </a:tcPr>
+                </a:tc>
+              </a:tr>
+            </a:tbl>
+          </a:graphicData>
+        </a:graphic>
+      </p:graphicFrame>
+    </p:spTree>
+  </p:cSld>
+  <p:clrMapOvr>
+    <a:masterClrMapping/>
+  </p:clrMapOvr>
+  <p:timing>
+    <p:tnLst>
+      <p:par>
+        <p:cTn id="1" dur="indefinite" restart="never" nodeType="tmRoot"/>
+      </p:par>
+    </p:tnLst>
+  </p:timing>
+</p:sld>
+</file>
+
+<file path=ppt/slides/slide5.xml><?xml version="1.0" encoding="utf-8"?>
+<p:sld xmlns:a="http://schemas.openxmlformats.org/drawingml/2006/main" xmlns:r="http://schemas.openxmlformats.org/officeDocument/2006/relationships" xmlns:p="http://schemas.openxmlformats.org/presentationml/2006/main">
+  <p:cSld>
+    <p:spTree>
+      <p:nvGrpSpPr>
+        <p:cNvPr id="1" name=""/>
+        <p:cNvGrpSpPr/>
+        <p:nvPr/>
+      </p:nvGrpSpPr>
+      <p:grpSpPr>
+        <a:xfrm>
+          <a:off x="0" y="0"/>
+          <a:ext cx="0" cy="0"/>
+          <a:chOff x="0" y="0"/>
+          <a:chExt cx="0" cy="0"/>
+        </a:xfrm>
+      </p:grpSpPr>
+      <p:sp>
+        <p:nvSpPr>
           <p:cNvPr id="2" name="Содержимое 1"/>
           <p:cNvSpPr>
             <a:spLocks noGrp="1"/>
@@ -11895,7 +15128,7 @@
             <a:fld id="{1397BFD8-F312-4EF2-A268-44FB4BDDBBB0}" type="slidenum">
               <a:rPr lang="ru-RU" smtClean="0"/>
               <a:pPr algn="ctr"/>
-              <a:t>4</a:t>
+              <a:t>5</a:t>
             </a:fld>
             <a:endParaRPr lang="ru-RU" dirty="0"/>
           </a:p>
@@ -12713,7 +15946,7 @@
 </p:sld>
 </file>
 
-<file path=ppt/slides/slide5.xml><?xml version="1.0" encoding="utf-8"?>
+<file path=ppt/slides/slide6.xml><?xml version="1.0" encoding="utf-8"?>
 <p:sld xmlns:a="http://schemas.openxmlformats.org/drawingml/2006/main" xmlns:r="http://schemas.openxmlformats.org/officeDocument/2006/relationships" xmlns:p="http://schemas.openxmlformats.org/presentationml/2006/main">
   <p:cSld>
     <p:spTree>
@@ -12953,7 +16186,7 @@
             <a:fld id="{1397BFD8-F312-4EF2-A268-44FB4BDDBBB0}" type="slidenum">
               <a:rPr lang="ru-RU" smtClean="0"/>
               <a:pPr algn="ctr"/>
-              <a:t>5</a:t>
+              <a:t>6</a:t>
             </a:fld>
             <a:endParaRPr lang="ru-RU" dirty="0"/>
           </a:p>
@@ -12997,7 +16230,7 @@
 </p:sld>
 </file>
 
-<file path=ppt/slides/slide6.xml><?xml version="1.0" encoding="utf-8"?>
+<file path=ppt/slides/slide7.xml><?xml version="1.0" encoding="utf-8"?>
 <p:sld xmlns:a="http://schemas.openxmlformats.org/drawingml/2006/main" xmlns:r="http://schemas.openxmlformats.org/officeDocument/2006/relationships" xmlns:p="http://schemas.openxmlformats.org/presentationml/2006/main">
   <p:cSld>
     <p:spTree>
@@ -13079,7 +16312,7 @@
             <a:fld id="{1397BFD8-F312-4EF2-A268-44FB4BDDBBB0}" type="slidenum">
               <a:rPr lang="ru-RU" smtClean="0"/>
               <a:pPr algn="ctr"/>
-              <a:t>6</a:t>
+              <a:t>7</a:t>
             </a:fld>
             <a:endParaRPr lang="ru-RU" dirty="0"/>
           </a:p>
@@ -16130,7 +19363,7 @@
 </p:sld>
 </file>
 
-<file path=ppt/slides/slide7.xml><?xml version="1.0" encoding="utf-8"?>
+<file path=ppt/slides/slide8.xml><?xml version="1.0" encoding="utf-8"?>
 <p:sld xmlns:a="http://schemas.openxmlformats.org/drawingml/2006/main" xmlns:r="http://schemas.openxmlformats.org/officeDocument/2006/relationships" xmlns:p="http://schemas.openxmlformats.org/presentationml/2006/main">
   <p:cSld>
     <p:spTree>
@@ -16290,7 +19523,7 @@
             <a:fld id="{1397BFD8-F312-4EF2-A268-44FB4BDDBBB0}" type="slidenum">
               <a:rPr lang="ru-RU" smtClean="0"/>
               <a:pPr algn="ctr"/>
-              <a:t>7</a:t>
+              <a:t>8</a:t>
             </a:fld>
             <a:endParaRPr lang="ru-RU" dirty="0"/>
           </a:p>
@@ -16334,7 +19567,7 @@
 </p:sld>
 </file>
 
-<file path=ppt/slides/slide8.xml><?xml version="1.0" encoding="utf-8"?>
+<file path=ppt/slides/slide9.xml><?xml version="1.0" encoding="utf-8"?>
 <p:sld xmlns:a="http://schemas.openxmlformats.org/drawingml/2006/main" xmlns:r="http://schemas.openxmlformats.org/officeDocument/2006/relationships" xmlns:p="http://schemas.openxmlformats.org/presentationml/2006/main">
   <p:cSld>
     <p:spTree>
@@ -16414,7 +19647,7 @@
             <a:fld id="{1397BFD8-F312-4EF2-A268-44FB4BDDBBB0}" type="slidenum">
               <a:rPr lang="ru-RU" smtClean="0"/>
               <a:pPr algn="ctr"/>
-              <a:t>8</a:t>
+              <a:t>9</a:t>
             </a:fld>
             <a:endParaRPr lang="ru-RU" dirty="0"/>
           </a:p>
@@ -19838,587 +23071,6 @@
 </p:sld>
 </file>
 
-<file path=ppt/slides/slide9.xml><?xml version="1.0" encoding="utf-8"?>
-<p:sld xmlns:a="http://schemas.openxmlformats.org/drawingml/2006/main" xmlns:r="http://schemas.openxmlformats.org/officeDocument/2006/relationships" xmlns:p="http://schemas.openxmlformats.org/presentationml/2006/main">
-  <p:cSld>
-    <p:spTree>
-      <p:nvGrpSpPr>
-        <p:cNvPr id="1" name=""/>
-        <p:cNvGrpSpPr/>
-        <p:nvPr/>
-      </p:nvGrpSpPr>
-      <p:grpSpPr>
-        <a:xfrm>
-          <a:off x="0" y="0"/>
-          <a:ext cx="0" cy="0"/>
-          <a:chOff x="0" y="0"/>
-          <a:chExt cx="0" cy="0"/>
-        </a:xfrm>
-      </p:grpSpPr>
-      <p:sp>
-        <p:nvSpPr>
-          <p:cNvPr id="4" name="Прямоугольник 3"/>
-          <p:cNvSpPr/>
-          <p:nvPr/>
-        </p:nvSpPr>
-        <p:spPr>
-          <a:xfrm>
-            <a:off x="2664999" y="472120"/>
-            <a:ext cx="7524751" cy="5262979"/>
-          </a:xfrm>
-          <a:prstGeom prst="rect">
-            <a:avLst/>
-          </a:prstGeom>
-          <a:noFill/>
-          <a:ln>
-            <a:noFill/>
-          </a:ln>
-          <a:scene3d>
-            <a:camera prst="perspectiveRelaxed"/>
-            <a:lightRig rig="threePt" dir="t"/>
-          </a:scene3d>
-        </p:spPr>
-        <p:txBody>
-          <a:bodyPr wrap="square" lIns="91440" tIns="45720" rIns="91440" bIns="45720">
-            <a:spAutoFit/>
-          </a:bodyPr>
-          <a:lstStyle/>
-          <a:p>
-            <a:r>
-              <a:rPr lang="en-US" sz="2400" dirty="0" smtClean="0">
-                <a:ln w="0"/>
-                <a:solidFill>
-                  <a:srgbClr val="273272"/>
-                </a:solidFill>
-                <a:effectLst>
-                  <a:reflection blurRad="6350" stA="53000" endA="300" endPos="35500" dir="5400000" sy="-90000" algn="bl" rotWithShape="0"/>
-                </a:effectLst>
-                <a:latin typeface="Courier New" pitchFamily="49" charset="0"/>
-                <a:cs typeface="Courier New" pitchFamily="49" charset="0"/>
-              </a:rPr>
-              <a:t>		</a:t>
-            </a:r>
-          </a:p>
-          <a:p>
-            <a:r>
-              <a:rPr lang="en-US" sz="2400" dirty="0" smtClean="0">
-                <a:ln w="0"/>
-                <a:solidFill>
-                  <a:srgbClr val="273272"/>
-                </a:solidFill>
-                <a:effectLst>
-                  <a:reflection blurRad="6350" stA="53000" endA="300" endPos="35500" dir="5400000" sy="-90000" algn="bl" rotWithShape="0"/>
-                </a:effectLst>
-                <a:latin typeface="Courier New" pitchFamily="49" charset="0"/>
-                <a:cs typeface="Courier New" pitchFamily="49" charset="0"/>
-              </a:rPr>
-              <a:t>		.text</a:t>
-            </a:r>
-          </a:p>
-          <a:p>
-            <a:r>
-              <a:rPr lang="en-US" sz="2400" dirty="0" smtClean="0">
-                <a:ln w="0"/>
-                <a:solidFill>
-                  <a:srgbClr val="273272"/>
-                </a:solidFill>
-                <a:effectLst>
-                  <a:reflection blurRad="6350" stA="53000" endA="300" endPos="35500" dir="5400000" sy="-90000" algn="bl" rotWithShape="0"/>
-                </a:effectLst>
-                <a:latin typeface="Courier New" pitchFamily="49" charset="0"/>
-                <a:cs typeface="Courier New" pitchFamily="49" charset="0"/>
-              </a:rPr>
-              <a:t>__start:	</a:t>
-            </a:r>
-            <a:r>
-              <a:rPr lang="en-US" sz="2400" dirty="0" err="1" smtClean="0">
-                <a:ln w="0"/>
-                <a:solidFill>
-                  <a:srgbClr val="273272"/>
-                </a:solidFill>
-                <a:effectLst>
-                  <a:reflection blurRad="6350" stA="53000" endA="300" endPos="35500" dir="5400000" sy="-90000" algn="bl" rotWithShape="0"/>
-                </a:effectLst>
-                <a:latin typeface="Courier New" pitchFamily="49" charset="0"/>
-                <a:cs typeface="Courier New" pitchFamily="49" charset="0"/>
-              </a:rPr>
-              <a:t>addi</a:t>
-            </a:r>
-            <a:r>
-              <a:rPr lang="en-US" sz="2400" dirty="0" smtClean="0">
-                <a:ln w="0"/>
-                <a:solidFill>
-                  <a:srgbClr val="273272"/>
-                </a:solidFill>
-                <a:effectLst>
-                  <a:reflection blurRad="6350" stA="53000" endA="300" endPos="35500" dir="5400000" sy="-90000" algn="bl" rotWithShape="0"/>
-                </a:effectLst>
-                <a:latin typeface="Courier New" pitchFamily="49" charset="0"/>
-                <a:cs typeface="Courier New" pitchFamily="49" charset="0"/>
-              </a:rPr>
-              <a:t> t1, zero, 0x18</a:t>
-            </a:r>
-          </a:p>
-          <a:p>
-            <a:r>
-              <a:rPr lang="en-US" sz="2400" dirty="0" smtClean="0">
-                <a:ln w="0"/>
-                <a:solidFill>
-                  <a:srgbClr val="273272"/>
-                </a:solidFill>
-                <a:effectLst>
-                  <a:reflection blurRad="6350" stA="53000" endA="300" endPos="35500" dir="5400000" sy="-90000" algn="bl" rotWithShape="0"/>
-                </a:effectLst>
-                <a:latin typeface="Courier New" pitchFamily="49" charset="0"/>
-                <a:cs typeface="Courier New" pitchFamily="49" charset="0"/>
-              </a:rPr>
-              <a:t>		</a:t>
-            </a:r>
-            <a:r>
-              <a:rPr lang="en-US" sz="2400" dirty="0" err="1" smtClean="0">
-                <a:ln w="0"/>
-                <a:solidFill>
-                  <a:srgbClr val="273272"/>
-                </a:solidFill>
-                <a:effectLst>
-                  <a:reflection blurRad="6350" stA="53000" endA="300" endPos="35500" dir="5400000" sy="-90000" algn="bl" rotWithShape="0"/>
-                </a:effectLst>
-                <a:latin typeface="Courier New" pitchFamily="49" charset="0"/>
-                <a:cs typeface="Courier New" pitchFamily="49" charset="0"/>
-              </a:rPr>
-              <a:t>addi</a:t>
-            </a:r>
-            <a:r>
-              <a:rPr lang="en-US" sz="2400" dirty="0" smtClean="0">
-                <a:ln w="0"/>
-                <a:solidFill>
-                  <a:srgbClr val="273272"/>
-                </a:solidFill>
-                <a:effectLst>
-                  <a:reflection blurRad="6350" stA="53000" endA="300" endPos="35500" dir="5400000" sy="-90000" algn="bl" rotWithShape="0"/>
-                </a:effectLst>
-                <a:latin typeface="Courier New" pitchFamily="49" charset="0"/>
-                <a:cs typeface="Courier New" pitchFamily="49" charset="0"/>
-              </a:rPr>
-              <a:t> t2, zero, 0x21</a:t>
-            </a:r>
-          </a:p>
-          <a:p>
-            <a:r>
-              <a:rPr lang="en-US" sz="2400" dirty="0" smtClean="0">
-                <a:ln w="0"/>
-                <a:solidFill>
-                  <a:srgbClr val="273272"/>
-                </a:solidFill>
-                <a:effectLst>
-                  <a:reflection blurRad="6350" stA="53000" endA="300" endPos="35500" dir="5400000" sy="-90000" algn="bl" rotWithShape="0"/>
-                </a:effectLst>
-                <a:latin typeface="Courier New" pitchFamily="49" charset="0"/>
-                <a:cs typeface="Courier New" pitchFamily="49" charset="0"/>
-              </a:rPr>
-              <a:t>cycle:	</a:t>
-            </a:r>
-            <a:r>
-              <a:rPr lang="en-US" sz="2400" dirty="0" err="1" smtClean="0">
-                <a:ln w="0"/>
-                <a:solidFill>
-                  <a:srgbClr val="273272"/>
-                </a:solidFill>
-                <a:effectLst>
-                  <a:reflection blurRad="6350" stA="53000" endA="300" endPos="35500" dir="5400000" sy="-90000" algn="bl" rotWithShape="0"/>
-                </a:effectLst>
-                <a:latin typeface="Courier New" pitchFamily="49" charset="0"/>
-                <a:cs typeface="Courier New" pitchFamily="49" charset="0"/>
-              </a:rPr>
-              <a:t>beq</a:t>
-            </a:r>
-            <a:r>
-              <a:rPr lang="en-US" sz="2400" dirty="0" smtClean="0">
-                <a:ln w="0"/>
-                <a:solidFill>
-                  <a:srgbClr val="273272"/>
-                </a:solidFill>
-                <a:effectLst>
-                  <a:reflection blurRad="6350" stA="53000" endA="300" endPos="35500" dir="5400000" sy="-90000" algn="bl" rotWithShape="0"/>
-                </a:effectLst>
-                <a:latin typeface="Courier New" pitchFamily="49" charset="0"/>
-                <a:cs typeface="Courier New" pitchFamily="49" charset="0"/>
-              </a:rPr>
-              <a:t> t1, t2, done</a:t>
-            </a:r>
-          </a:p>
-          <a:p>
-            <a:r>
-              <a:rPr lang="en-US" sz="2400" dirty="0" smtClean="0">
-                <a:ln w="0"/>
-                <a:solidFill>
-                  <a:srgbClr val="273272"/>
-                </a:solidFill>
-                <a:effectLst>
-                  <a:reflection blurRad="6350" stA="53000" endA="300" endPos="35500" dir="5400000" sy="-90000" algn="bl" rotWithShape="0"/>
-                </a:effectLst>
-                <a:latin typeface="Courier New" pitchFamily="49" charset="0"/>
-                <a:cs typeface="Courier New" pitchFamily="49" charset="0"/>
-              </a:rPr>
-              <a:t>		</a:t>
-            </a:r>
-            <a:r>
-              <a:rPr lang="en-US" sz="2400" dirty="0" err="1" smtClean="0">
-                <a:ln w="0"/>
-                <a:solidFill>
-                  <a:srgbClr val="273272"/>
-                </a:solidFill>
-                <a:effectLst>
-                  <a:reflection blurRad="6350" stA="53000" endA="300" endPos="35500" dir="5400000" sy="-90000" algn="bl" rotWithShape="0"/>
-                </a:effectLst>
-                <a:latin typeface="Courier New" pitchFamily="49" charset="0"/>
-                <a:cs typeface="Courier New" pitchFamily="49" charset="0"/>
-              </a:rPr>
-              <a:t>slt</a:t>
-            </a:r>
-            <a:r>
-              <a:rPr lang="en-US" sz="2400" dirty="0" smtClean="0">
-                <a:ln w="0"/>
-                <a:solidFill>
-                  <a:srgbClr val="273272"/>
-                </a:solidFill>
-                <a:effectLst>
-                  <a:reflection blurRad="6350" stA="53000" endA="300" endPos="35500" dir="5400000" sy="-90000" algn="bl" rotWithShape="0"/>
-                </a:effectLst>
-                <a:latin typeface="Courier New" pitchFamily="49" charset="0"/>
-                <a:cs typeface="Courier New" pitchFamily="49" charset="0"/>
-              </a:rPr>
-              <a:t> t0, t1, t2</a:t>
-            </a:r>
-          </a:p>
-          <a:p>
-            <a:r>
-              <a:rPr lang="en-US" sz="2400" dirty="0" smtClean="0">
-                <a:ln w="0"/>
-                <a:solidFill>
-                  <a:srgbClr val="273272"/>
-                </a:solidFill>
-                <a:effectLst>
-                  <a:reflection blurRad="6350" stA="53000" endA="300" endPos="35500" dir="5400000" sy="-90000" algn="bl" rotWithShape="0"/>
-                </a:effectLst>
-                <a:latin typeface="Courier New" pitchFamily="49" charset="0"/>
-                <a:cs typeface="Courier New" pitchFamily="49" charset="0"/>
-              </a:rPr>
-              <a:t>		</a:t>
-            </a:r>
-            <a:r>
-              <a:rPr lang="en-US" sz="2400" dirty="0" err="1" smtClean="0">
-                <a:ln w="0"/>
-                <a:solidFill>
-                  <a:srgbClr val="273272"/>
-                </a:solidFill>
-                <a:effectLst>
-                  <a:reflection blurRad="6350" stA="53000" endA="300" endPos="35500" dir="5400000" sy="-90000" algn="bl" rotWithShape="0"/>
-                </a:effectLst>
-                <a:latin typeface="Courier New" pitchFamily="49" charset="0"/>
-                <a:cs typeface="Courier New" pitchFamily="49" charset="0"/>
-              </a:rPr>
-              <a:t>bne</a:t>
-            </a:r>
-            <a:r>
-              <a:rPr lang="en-US" sz="2400" dirty="0" smtClean="0">
-                <a:ln w="0"/>
-                <a:solidFill>
-                  <a:srgbClr val="273272"/>
-                </a:solidFill>
-                <a:effectLst>
-                  <a:reflection blurRad="6350" stA="53000" endA="300" endPos="35500" dir="5400000" sy="-90000" algn="bl" rotWithShape="0"/>
-                </a:effectLst>
-                <a:latin typeface="Courier New" pitchFamily="49" charset="0"/>
-                <a:cs typeface="Courier New" pitchFamily="49" charset="0"/>
-              </a:rPr>
-              <a:t> t0, zero, </a:t>
-            </a:r>
-            <a:r>
-              <a:rPr lang="en-US" sz="2400" dirty="0" err="1" smtClean="0">
-                <a:ln w="0"/>
-                <a:solidFill>
-                  <a:srgbClr val="273272"/>
-                </a:solidFill>
-                <a:effectLst>
-                  <a:reflection blurRad="6350" stA="53000" endA="300" endPos="35500" dir="5400000" sy="-90000" algn="bl" rotWithShape="0"/>
-                </a:effectLst>
-                <a:latin typeface="Courier New" pitchFamily="49" charset="0"/>
-                <a:cs typeface="Courier New" pitchFamily="49" charset="0"/>
-              </a:rPr>
-              <a:t>if_less</a:t>
-            </a:r>
-            <a:endParaRPr lang="en-US" sz="2400" dirty="0" smtClean="0">
-              <a:ln w="0"/>
-              <a:solidFill>
-                <a:srgbClr val="273272"/>
-              </a:solidFill>
-              <a:effectLst>
-                <a:reflection blurRad="6350" stA="53000" endA="300" endPos="35500" dir="5400000" sy="-90000" algn="bl" rotWithShape="0"/>
-              </a:effectLst>
-              <a:latin typeface="Courier New" pitchFamily="49" charset="0"/>
-              <a:cs typeface="Courier New" pitchFamily="49" charset="0"/>
-            </a:endParaRPr>
-          </a:p>
-          <a:p>
-            <a:r>
-              <a:rPr lang="en-US" sz="2400" dirty="0" smtClean="0">
-                <a:ln w="0"/>
-                <a:solidFill>
-                  <a:srgbClr val="273272"/>
-                </a:solidFill>
-                <a:effectLst>
-                  <a:reflection blurRad="6350" stA="53000" endA="300" endPos="35500" dir="5400000" sy="-90000" algn="bl" rotWithShape="0"/>
-                </a:effectLst>
-                <a:latin typeface="Courier New" pitchFamily="49" charset="0"/>
-                <a:cs typeface="Courier New" pitchFamily="49" charset="0"/>
-              </a:rPr>
-              <a:t>		</a:t>
-            </a:r>
-            <a:r>
-              <a:rPr lang="en-US" sz="2400" dirty="0" err="1" smtClean="0">
-                <a:ln w="0"/>
-                <a:solidFill>
-                  <a:srgbClr val="273272"/>
-                </a:solidFill>
-                <a:effectLst>
-                  <a:reflection blurRad="6350" stA="53000" endA="300" endPos="35500" dir="5400000" sy="-90000" algn="bl" rotWithShape="0"/>
-                </a:effectLst>
-                <a:latin typeface="Courier New" pitchFamily="49" charset="0"/>
-                <a:cs typeface="Courier New" pitchFamily="49" charset="0"/>
-              </a:rPr>
-              <a:t>nop</a:t>
-            </a:r>
-            <a:endParaRPr lang="en-US" sz="2400" dirty="0" smtClean="0">
-              <a:ln w="0"/>
-              <a:solidFill>
-                <a:srgbClr val="273272"/>
-              </a:solidFill>
-              <a:effectLst>
-                <a:reflection blurRad="6350" stA="53000" endA="300" endPos="35500" dir="5400000" sy="-90000" algn="bl" rotWithShape="0"/>
-              </a:effectLst>
-              <a:latin typeface="Courier New" pitchFamily="49" charset="0"/>
-              <a:cs typeface="Courier New" pitchFamily="49" charset="0"/>
-            </a:endParaRPr>
-          </a:p>
-          <a:p>
-            <a:r>
-              <a:rPr lang="en-US" sz="2400" dirty="0" smtClean="0">
-                <a:ln w="0"/>
-                <a:solidFill>
-                  <a:srgbClr val="273272"/>
-                </a:solidFill>
-                <a:effectLst>
-                  <a:reflection blurRad="6350" stA="53000" endA="300" endPos="35500" dir="5400000" sy="-90000" algn="bl" rotWithShape="0"/>
-                </a:effectLst>
-                <a:latin typeface="Courier New" pitchFamily="49" charset="0"/>
-                <a:cs typeface="Courier New" pitchFamily="49" charset="0"/>
-              </a:rPr>
-              <a:t>		sub t1, t1, t2</a:t>
-            </a:r>
-          </a:p>
-          <a:p>
-            <a:r>
-              <a:rPr lang="en-US" sz="2400" dirty="0" smtClean="0">
-                <a:ln w="0"/>
-                <a:solidFill>
-                  <a:srgbClr val="273272"/>
-                </a:solidFill>
-                <a:effectLst>
-                  <a:reflection blurRad="6350" stA="53000" endA="300" endPos="35500" dir="5400000" sy="-90000" algn="bl" rotWithShape="0"/>
-                </a:effectLst>
-                <a:latin typeface="Courier New" pitchFamily="49" charset="0"/>
-                <a:cs typeface="Courier New" pitchFamily="49" charset="0"/>
-              </a:rPr>
-              <a:t>		j cycle</a:t>
-            </a:r>
-          </a:p>
-          <a:p>
-            <a:r>
-              <a:rPr lang="en-US" sz="2400" dirty="0" smtClean="0">
-                <a:ln w="0"/>
-                <a:solidFill>
-                  <a:srgbClr val="273272"/>
-                </a:solidFill>
-                <a:effectLst>
-                  <a:reflection blurRad="6350" stA="53000" endA="300" endPos="35500" dir="5400000" sy="-90000" algn="bl" rotWithShape="0"/>
-                </a:effectLst>
-                <a:latin typeface="Courier New" pitchFamily="49" charset="0"/>
-                <a:cs typeface="Courier New" pitchFamily="49" charset="0"/>
-              </a:rPr>
-              <a:t>		</a:t>
-            </a:r>
-            <a:r>
-              <a:rPr lang="en-US" sz="2400" dirty="0" err="1" smtClean="0">
-                <a:ln w="0"/>
-                <a:solidFill>
-                  <a:srgbClr val="273272"/>
-                </a:solidFill>
-                <a:effectLst>
-                  <a:reflection blurRad="6350" stA="53000" endA="300" endPos="35500" dir="5400000" sy="-90000" algn="bl" rotWithShape="0"/>
-                </a:effectLst>
-                <a:latin typeface="Courier New" pitchFamily="49" charset="0"/>
-                <a:cs typeface="Courier New" pitchFamily="49" charset="0"/>
-              </a:rPr>
-              <a:t>nop</a:t>
-            </a:r>
-            <a:endParaRPr lang="en-US" sz="2400" dirty="0" smtClean="0">
-              <a:ln w="0"/>
-              <a:solidFill>
-                <a:srgbClr val="273272"/>
-              </a:solidFill>
-              <a:effectLst>
-                <a:reflection blurRad="6350" stA="53000" endA="300" endPos="35500" dir="5400000" sy="-90000" algn="bl" rotWithShape="0"/>
-              </a:effectLst>
-              <a:latin typeface="Courier New" pitchFamily="49" charset="0"/>
-              <a:cs typeface="Courier New" pitchFamily="49" charset="0"/>
-            </a:endParaRPr>
-          </a:p>
-          <a:p>
-            <a:r>
-              <a:rPr lang="en-US" sz="2400" dirty="0" err="1" smtClean="0">
-                <a:ln w="0"/>
-                <a:solidFill>
-                  <a:srgbClr val="273272"/>
-                </a:solidFill>
-                <a:effectLst>
-                  <a:reflection blurRad="6350" stA="53000" endA="300" endPos="35500" dir="5400000" sy="-90000" algn="bl" rotWithShape="0"/>
-                </a:effectLst>
-                <a:latin typeface="Courier New" pitchFamily="49" charset="0"/>
-                <a:cs typeface="Courier New" pitchFamily="49" charset="0"/>
-              </a:rPr>
-              <a:t>if_less</a:t>
-            </a:r>
-            <a:r>
-              <a:rPr lang="en-US" sz="2400" dirty="0" smtClean="0">
-                <a:ln w="0"/>
-                <a:solidFill>
-                  <a:srgbClr val="273272"/>
-                </a:solidFill>
-                <a:effectLst>
-                  <a:reflection blurRad="6350" stA="53000" endA="300" endPos="35500" dir="5400000" sy="-90000" algn="bl" rotWithShape="0"/>
-                </a:effectLst>
-                <a:latin typeface="Courier New" pitchFamily="49" charset="0"/>
-                <a:cs typeface="Courier New" pitchFamily="49" charset="0"/>
-              </a:rPr>
-              <a:t>:	sub t2, t2, t1</a:t>
-            </a:r>
-          </a:p>
-          <a:p>
-            <a:r>
-              <a:rPr lang="en-US" sz="2400" dirty="0" smtClean="0">
-                <a:ln w="0"/>
-                <a:solidFill>
-                  <a:srgbClr val="273272"/>
-                </a:solidFill>
-                <a:effectLst>
-                  <a:reflection blurRad="6350" stA="53000" endA="300" endPos="35500" dir="5400000" sy="-90000" algn="bl" rotWithShape="0"/>
-                </a:effectLst>
-                <a:latin typeface="Courier New" pitchFamily="49" charset="0"/>
-                <a:cs typeface="Courier New" pitchFamily="49" charset="0"/>
-              </a:rPr>
-              <a:t>		j cycle</a:t>
-            </a:r>
-          </a:p>
-          <a:p>
-            <a:r>
-              <a:rPr lang="en-US" sz="2400" dirty="0" smtClean="0">
-                <a:ln w="0"/>
-                <a:solidFill>
-                  <a:srgbClr val="273272"/>
-                </a:solidFill>
-                <a:effectLst>
-                  <a:reflection blurRad="6350" stA="53000" endA="300" endPos="35500" dir="5400000" sy="-90000" algn="bl" rotWithShape="0"/>
-                </a:effectLst>
-                <a:latin typeface="Courier New" pitchFamily="49" charset="0"/>
-                <a:cs typeface="Courier New" pitchFamily="49" charset="0"/>
-              </a:rPr>
-              <a:t>done:		add t3, t1, zero</a:t>
-            </a:r>
-            <a:endParaRPr lang="ru-RU" sz="2400" b="0" cap="none" spc="0" dirty="0">
-              <a:ln w="0"/>
-              <a:solidFill>
-                <a:srgbClr val="273272"/>
-              </a:solidFill>
-              <a:effectLst>
-                <a:reflection blurRad="6350" stA="53000" endA="300" endPos="35500" dir="5400000" sy="-90000" algn="bl" rotWithShape="0"/>
-              </a:effectLst>
-              <a:latin typeface="Courier New" pitchFamily="49" charset="0"/>
-              <a:cs typeface="Courier New" pitchFamily="49" charset="0"/>
-            </a:endParaRPr>
-          </a:p>
-        </p:txBody>
-      </p:sp>
-      <p:sp>
-        <p:nvSpPr>
-          <p:cNvPr id="2" name="Заголовок 1"/>
-          <p:cNvSpPr>
-            <a:spLocks noGrp="1"/>
-          </p:cNvSpPr>
-          <p:nvPr>
-            <p:ph type="title"/>
-          </p:nvPr>
-        </p:nvSpPr>
-        <p:spPr/>
-        <p:txBody>
-          <a:bodyPr>
-            <a:normAutofit/>
-          </a:bodyPr>
-          <a:lstStyle/>
-          <a:p>
-            <a:r>
-              <a:rPr lang="en-US" dirty="0" smtClean="0"/>
-              <a:t>Any Questions?</a:t>
-            </a:r>
-            <a:endParaRPr lang="ru-RU" sz="4000" dirty="0"/>
-          </a:p>
-        </p:txBody>
-      </p:sp>
-      <p:sp>
-        <p:nvSpPr>
-          <p:cNvPr id="6" name="Номер слайда 5"/>
-          <p:cNvSpPr>
-            <a:spLocks noGrp="1"/>
-          </p:cNvSpPr>
-          <p:nvPr>
-            <p:ph type="sldNum" sz="quarter" idx="12"/>
-          </p:nvPr>
-        </p:nvSpPr>
-        <p:spPr/>
-        <p:txBody>
-          <a:bodyPr/>
-          <a:lstStyle/>
-          <a:p>
-            <a:pPr algn="ctr"/>
-            <a:fld id="{1397BFD8-F312-4EF2-A268-44FB4BDDBBB0}" type="slidenum">
-              <a:rPr lang="ru-RU" smtClean="0"/>
-              <a:pPr algn="ctr"/>
-              <a:t>9</a:t>
-            </a:fld>
-            <a:endParaRPr lang="ru-RU" dirty="0"/>
-          </a:p>
-        </p:txBody>
-      </p:sp>
-    </p:spTree>
-    <p:extLst>
-      <p:ext uri="{BB962C8B-B14F-4D97-AF65-F5344CB8AC3E}">
-        <p14:creationId xmlns="" xmlns:p14="http://schemas.microsoft.com/office/powerpoint/2010/main" val="4217875043"/>
-      </p:ext>
-    </p:extLst>
-  </p:cSld>
-  <p:clrMapOvr>
-    <a:masterClrMapping/>
-  </p:clrMapOvr>
-  <p:timing>
-    <p:tnLst>
-      <p:par>
-        <p:cTn id="1" dur="indefinite" restart="never" nodeType="tmRoot"/>
-      </p:par>
-    </p:tnLst>
-  </p:timing>
-</p:sld>
-</file>
-
 <file path=ppt/theme/theme1.xml><?xml version="1.0" encoding="utf-8"?>
 <a:theme xmlns:a="http://schemas.openxmlformats.org/drawingml/2006/main" name="Тема Office">
   <a:themeElements>

--- a/docs/part1ca/02_DataTypes/CA_Lecture_02.pptx
+++ b/docs/part1ca/02_DataTypes/CA_Lecture_02.pptx
@@ -5,10 +5,10 @@
     <p:sldMasterId id="2147483648" r:id="rId1"/>
   </p:sldMasterIdLst>
   <p:notesMasterIdLst>
-    <p:notesMasterId r:id="rId19"/>
+    <p:notesMasterId r:id="rId24"/>
   </p:notesMasterIdLst>
   <p:handoutMasterIdLst>
-    <p:handoutMasterId r:id="rId20"/>
+    <p:handoutMasterId r:id="rId25"/>
   </p:handoutMasterIdLst>
   <p:sldIdLst>
     <p:sldId id="256" r:id="rId2"/>
@@ -27,7 +27,12 @@
     <p:sldId id="279" r:id="rId15"/>
     <p:sldId id="277" r:id="rId16"/>
     <p:sldId id="276" r:id="rId17"/>
-    <p:sldId id="272" r:id="rId18"/>
+    <p:sldId id="291" r:id="rId18"/>
+    <p:sldId id="292" r:id="rId19"/>
+    <p:sldId id="288" r:id="rId20"/>
+    <p:sldId id="289" r:id="rId21"/>
+    <p:sldId id="290" r:id="rId22"/>
+    <p:sldId id="272" r:id="rId23"/>
   </p:sldIdLst>
   <p:sldSz cx="12192000" cy="6858000"/>
   <p:notesSz cx="6858000" cy="9144000"/>
@@ -128,7 +133,7 @@
   </p:defaultTextStyle>
   <p:extLst>
     <p:ext uri="{EFAFB233-063F-42B5-8137-9DF3F51BA10A}">
-      <p15:sldGuideLst xmlns:p15="http://schemas.microsoft.com/office/powerpoint/2012/main" xmlns="">
+      <p15:sldGuideLst xmlns="" xmlns:p15="http://schemas.microsoft.com/office/powerpoint/2012/main">
         <p15:guide id="1" orient="horz" pos="2160">
           <p15:clr>
             <a:srgbClr val="A4A3A4"/>
@@ -142,7 +147,7 @@
       </p15:sldGuideLst>
     </p:ext>
     <p:ext uri="{2D200454-40CA-4A62-9FC3-DE9A4176ACB9}">
-      <p15:notesGuideLst xmlns:p15="http://schemas.microsoft.com/office/powerpoint/2012/main" xmlns=""/>
+      <p15:notesGuideLst xmlns="" xmlns:p15="http://schemas.microsoft.com/office/powerpoint/2012/main"/>
     </p:ext>
   </p:extLst>
 </p:presentation>
@@ -315,7 +320,7 @@
     </p:spTree>
     <p:extLst>
       <p:ext uri="{BB962C8B-B14F-4D97-AF65-F5344CB8AC3E}">
-        <p14:creationId xmlns:p14="http://schemas.microsoft.com/office/powerpoint/2010/main" xmlns="" val="827279973"/>
+        <p14:creationId xmlns="" xmlns:p14="http://schemas.microsoft.com/office/powerpoint/2010/main" val="827279973"/>
       </p:ext>
     </p:extLst>
   </p:cSld>
@@ -576,7 +581,7 @@
     </p:spTree>
     <p:extLst>
       <p:ext uri="{BB962C8B-B14F-4D97-AF65-F5344CB8AC3E}">
-        <p14:creationId xmlns:p14="http://schemas.microsoft.com/office/powerpoint/2010/main" xmlns="" val="3865021395"/>
+        <p14:creationId xmlns="" xmlns:p14="http://schemas.microsoft.com/office/powerpoint/2010/main" val="3865021395"/>
       </p:ext>
     </p:extLst>
   </p:cSld>
@@ -790,7 +795,7 @@
     </p:spTree>
     <p:extLst>
       <p:ext uri="{BB962C8B-B14F-4D97-AF65-F5344CB8AC3E}">
-        <p14:creationId xmlns:p14="http://schemas.microsoft.com/office/powerpoint/2010/main" xmlns="" val="2381791527"/>
+        <p14:creationId xmlns="" xmlns:p14="http://schemas.microsoft.com/office/powerpoint/2010/main" val="2381791527"/>
       </p:ext>
     </p:extLst>
   </p:cSld>
@@ -904,7 +909,7 @@
             <a:fld id="{5583B3A5-99BF-45D9-956B-DC57CC23AD97}" type="slidenum">
               <a:rPr lang="ru-RU" smtClean="0"/>
               <a:pPr/>
-              <a:t>17</a:t>
+              <a:t>22</a:t>
             </a:fld>
             <a:endParaRPr lang="ru-RU"/>
           </a:p>
@@ -913,7 +918,7 @@
     </p:spTree>
     <p:extLst>
       <p:ext uri="{BB962C8B-B14F-4D97-AF65-F5344CB8AC3E}">
-        <p14:creationId xmlns:p14="http://schemas.microsoft.com/office/powerpoint/2010/main" xmlns="" val="1915950851"/>
+        <p14:creationId xmlns="" xmlns:p14="http://schemas.microsoft.com/office/powerpoint/2010/main" val="1915950851"/>
       </p:ext>
     </p:extLst>
   </p:cSld>
@@ -1173,7 +1178,7 @@
     </p:spTree>
     <p:extLst>
       <p:ext uri="{BB962C8B-B14F-4D97-AF65-F5344CB8AC3E}">
-        <p14:creationId xmlns:p14="http://schemas.microsoft.com/office/powerpoint/2010/main" xmlns="" val="322455162"/>
+        <p14:creationId xmlns="" xmlns:p14="http://schemas.microsoft.com/office/powerpoint/2010/main" val="322455162"/>
       </p:ext>
     </p:extLst>
   </p:cSld>
@@ -1347,7 +1352,7 @@
     </p:spTree>
     <p:extLst>
       <p:ext uri="{BB962C8B-B14F-4D97-AF65-F5344CB8AC3E}">
-        <p14:creationId xmlns:p14="http://schemas.microsoft.com/office/powerpoint/2010/main" xmlns="" val="971117636"/>
+        <p14:creationId xmlns="" xmlns:p14="http://schemas.microsoft.com/office/powerpoint/2010/main" val="971117636"/>
       </p:ext>
     </p:extLst>
   </p:cSld>
@@ -1524,7 +1529,7 @@
     </p:spTree>
     <p:extLst>
       <p:ext uri="{BB962C8B-B14F-4D97-AF65-F5344CB8AC3E}">
-        <p14:creationId xmlns:p14="http://schemas.microsoft.com/office/powerpoint/2010/main" xmlns="" val="3348877825"/>
+        <p14:creationId xmlns="" xmlns:p14="http://schemas.microsoft.com/office/powerpoint/2010/main" val="3348877825"/>
       </p:ext>
     </p:extLst>
   </p:cSld>
@@ -1859,7 +1864,7 @@
     </p:spTree>
     <p:extLst>
       <p:ext uri="{BB962C8B-B14F-4D97-AF65-F5344CB8AC3E}">
-        <p14:creationId xmlns:p14="http://schemas.microsoft.com/office/powerpoint/2010/main" xmlns="" val="3256953994"/>
+        <p14:creationId xmlns="" xmlns:p14="http://schemas.microsoft.com/office/powerpoint/2010/main" val="3256953994"/>
       </p:ext>
     </p:extLst>
   </p:cSld>
@@ -2109,7 +2114,7 @@
     </p:spTree>
     <p:extLst>
       <p:ext uri="{BB962C8B-B14F-4D97-AF65-F5344CB8AC3E}">
-        <p14:creationId xmlns:p14="http://schemas.microsoft.com/office/powerpoint/2010/main" xmlns="" val="3067076846"/>
+        <p14:creationId xmlns="" xmlns:p14="http://schemas.microsoft.com/office/powerpoint/2010/main" val="3067076846"/>
       </p:ext>
     </p:extLst>
   </p:cSld>
@@ -2345,7 +2350,7 @@
     </p:spTree>
     <p:extLst>
       <p:ext uri="{BB962C8B-B14F-4D97-AF65-F5344CB8AC3E}">
-        <p14:creationId xmlns:p14="http://schemas.microsoft.com/office/powerpoint/2010/main" xmlns="" val="3710015975"/>
+        <p14:creationId xmlns="" xmlns:p14="http://schemas.microsoft.com/office/powerpoint/2010/main" val="3710015975"/>
       </p:ext>
     </p:extLst>
   </p:cSld>
@@ -2716,7 +2721,7 @@
     </p:spTree>
     <p:extLst>
       <p:ext uri="{BB962C8B-B14F-4D97-AF65-F5344CB8AC3E}">
-        <p14:creationId xmlns:p14="http://schemas.microsoft.com/office/powerpoint/2010/main" xmlns="" val="4075590966"/>
+        <p14:creationId xmlns="" xmlns:p14="http://schemas.microsoft.com/office/powerpoint/2010/main" val="4075590966"/>
       </p:ext>
     </p:extLst>
   </p:cSld>
@@ -2838,7 +2843,7 @@
     </p:spTree>
     <p:extLst>
       <p:ext uri="{BB962C8B-B14F-4D97-AF65-F5344CB8AC3E}">
-        <p14:creationId xmlns:p14="http://schemas.microsoft.com/office/powerpoint/2010/main" xmlns="" val="2889604898"/>
+        <p14:creationId xmlns="" xmlns:p14="http://schemas.microsoft.com/office/powerpoint/2010/main" val="2889604898"/>
       </p:ext>
     </p:extLst>
   </p:cSld>
@@ -2937,7 +2942,7 @@
     </p:spTree>
     <p:extLst>
       <p:ext uri="{BB962C8B-B14F-4D97-AF65-F5344CB8AC3E}">
-        <p14:creationId xmlns:p14="http://schemas.microsoft.com/office/powerpoint/2010/main" xmlns="" val="152384765"/>
+        <p14:creationId xmlns="" xmlns:p14="http://schemas.microsoft.com/office/powerpoint/2010/main" val="152384765"/>
       </p:ext>
     </p:extLst>
   </p:cSld>
@@ -3218,7 +3223,7 @@
     </p:spTree>
     <p:extLst>
       <p:ext uri="{BB962C8B-B14F-4D97-AF65-F5344CB8AC3E}">
-        <p14:creationId xmlns:p14="http://schemas.microsoft.com/office/powerpoint/2010/main" xmlns="" val="2127791886"/>
+        <p14:creationId xmlns="" xmlns:p14="http://schemas.microsoft.com/office/powerpoint/2010/main" val="2127791886"/>
       </p:ext>
     </p:extLst>
   </p:cSld>
@@ -3475,7 +3480,7 @@
     </p:spTree>
     <p:extLst>
       <p:ext uri="{BB962C8B-B14F-4D97-AF65-F5344CB8AC3E}">
-        <p14:creationId xmlns:p14="http://schemas.microsoft.com/office/powerpoint/2010/main" xmlns="" val="1752705130"/>
+        <p14:creationId xmlns="" xmlns:p14="http://schemas.microsoft.com/office/powerpoint/2010/main" val="1752705130"/>
       </p:ext>
     </p:extLst>
   </p:cSld>
@@ -3728,7 +3733,7 @@
     </p:spTree>
     <p:extLst>
       <p:ext uri="{BB962C8B-B14F-4D97-AF65-F5344CB8AC3E}">
-        <p14:creationId xmlns:p14="http://schemas.microsoft.com/office/powerpoint/2010/main" xmlns="" val="968833914"/>
+        <p14:creationId xmlns="" xmlns:p14="http://schemas.microsoft.com/office/powerpoint/2010/main" val="968833914"/>
       </p:ext>
     </p:extLst>
   </p:cSld>
@@ -4205,7 +4210,7 @@
     </p:spTree>
     <p:extLst>
       <p:ext uri="{BB962C8B-B14F-4D97-AF65-F5344CB8AC3E}">
-        <p14:creationId xmlns:p14="http://schemas.microsoft.com/office/powerpoint/2010/main" xmlns="" val="2492894732"/>
+        <p14:creationId xmlns="" xmlns:p14="http://schemas.microsoft.com/office/powerpoint/2010/main" val="2492894732"/>
       </p:ext>
     </p:extLst>
   </p:cSld>
@@ -4554,7 +4559,7 @@
           <p:nvPr>
             <p:extLst>
               <p:ext uri="{D42A27DB-BD31-4B8C-83A1-F6EECF244321}">
-                <p14:modId xmlns="" xmlns:p14="http://schemas.microsoft.com/office/powerpoint/2010/main" val="513603203"/>
+                <p14:modId xmlns:p14="http://schemas.microsoft.com/office/powerpoint/2010/main" xmlns="" val="513603203"/>
               </p:ext>
             </p:extLst>
           </p:nvPr>
@@ -15162,501 +15167,1463 @@
       </p:grpSpPr>
       <p:sp>
         <p:nvSpPr>
-          <p:cNvPr id="4" name="Прямоугольник 3"/>
-          <p:cNvSpPr/>
-          <p:nvPr/>
+          <p:cNvPr id="2" name="Содержимое 1"/>
+          <p:cNvSpPr>
+            <a:spLocks noGrp="1"/>
+          </p:cNvSpPr>
+          <p:nvPr>
+            <p:ph idx="1"/>
+          </p:nvPr>
         </p:nvSpPr>
         <p:spPr>
           <a:xfrm>
-            <a:off x="2664999" y="472120"/>
-            <a:ext cx="7524751" cy="5262979"/>
+            <a:off x="838200" y="3124200"/>
+            <a:ext cx="10515600" cy="3695700"/>
+          </a:xfrm>
+        </p:spPr>
+        <p:txBody>
+          <a:bodyPr>
+            <a:normAutofit/>
+          </a:bodyPr>
+          <a:lstStyle/>
+          <a:p>
+            <a:pPr>
+              <a:spcAft>
+                <a:spcPts val="2400"/>
+              </a:spcAft>
+              <a:defRPr/>
+            </a:pPr>
+            <a:r>
+              <a:rPr lang="en-US" dirty="0" smtClean="0"/>
+              <a:t>C short 2 bytes long</a:t>
+            </a:r>
+          </a:p>
+          <a:p>
+            <a:pPr>
+              <a:defRPr/>
+            </a:pPr>
+            <a:endParaRPr lang="ru-RU" dirty="0" smtClean="0"/>
+          </a:p>
+          <a:p>
+            <a:pPr>
+              <a:defRPr/>
+            </a:pPr>
+            <a:r>
+              <a:rPr lang="en-US" dirty="0" smtClean="0"/>
+              <a:t>Sign </a:t>
+            </a:r>
+            <a:r>
+              <a:rPr lang="en-US" dirty="0" smtClean="0"/>
+              <a:t>Bit</a:t>
+            </a:r>
+          </a:p>
+          <a:p>
+            <a:pPr lvl="1">
+              <a:defRPr/>
+            </a:pPr>
+            <a:r>
+              <a:rPr lang="en-US" dirty="0" smtClean="0"/>
+              <a:t>For 2’s complement, most significant bit indicates sign</a:t>
+            </a:r>
+          </a:p>
+          <a:p>
+            <a:pPr lvl="2">
+              <a:defRPr/>
+            </a:pPr>
+            <a:r>
+              <a:rPr lang="en-US" sz="2800" dirty="0" smtClean="0"/>
+              <a:t>0 for nonnegative</a:t>
+            </a:r>
+          </a:p>
+          <a:p>
+            <a:pPr lvl="2">
+              <a:defRPr/>
+            </a:pPr>
+            <a:r>
+              <a:rPr lang="en-US" sz="2800" dirty="0" smtClean="0"/>
+              <a:t>1 for negative</a:t>
+            </a:r>
+          </a:p>
+          <a:p>
+            <a:endParaRPr lang="ru-RU" dirty="0"/>
+          </a:p>
+        </p:txBody>
+      </p:sp>
+      <p:sp>
+        <p:nvSpPr>
+          <p:cNvPr id="3" name="Номер слайда 2"/>
+          <p:cNvSpPr>
+            <a:spLocks noGrp="1"/>
+          </p:cNvSpPr>
+          <p:nvPr>
+            <p:ph type="sldNum" sz="quarter" idx="12"/>
+          </p:nvPr>
+        </p:nvSpPr>
+        <p:spPr/>
+        <p:txBody>
+          <a:bodyPr/>
+          <a:lstStyle/>
+          <a:p>
+            <a:pPr algn="ctr"/>
+            <a:fld id="{1397BFD8-F312-4EF2-A268-44FB4BDDBBB0}" type="slidenum">
+              <a:rPr lang="ru-RU" smtClean="0"/>
+              <a:pPr algn="ctr"/>
+              <a:t>17</a:t>
+            </a:fld>
+            <a:endParaRPr lang="ru-RU" dirty="0"/>
+          </a:p>
+        </p:txBody>
+      </p:sp>
+      <p:sp>
+        <p:nvSpPr>
+          <p:cNvPr id="4" name="Заголовок 3"/>
+          <p:cNvSpPr>
+            <a:spLocks noGrp="1"/>
+          </p:cNvSpPr>
+          <p:nvPr>
+            <p:ph type="title"/>
+          </p:nvPr>
+        </p:nvSpPr>
+        <p:spPr/>
+        <p:txBody>
+          <a:bodyPr/>
+          <a:lstStyle/>
+          <a:p>
+            <a:r>
+              <a:rPr lang="en-US" dirty="0" smtClean="0"/>
+              <a:t>Encoding Integers</a:t>
+            </a:r>
+            <a:endParaRPr lang="ru-RU" dirty="0"/>
+          </a:p>
+        </p:txBody>
+      </p:sp>
+      <p:sp>
+        <p:nvSpPr>
+          <p:cNvPr id="5" name="Text Box 3"/>
+          <p:cNvSpPr txBox="1">
+            <a:spLocks noChangeArrowheads="1"/>
+          </p:cNvSpPr>
+          <p:nvPr/>
+        </p:nvSpPr>
+        <p:spPr bwMode="auto">
+          <a:xfrm>
+            <a:off x="4356100" y="2184400"/>
+            <a:ext cx="3352800" cy="954107"/>
+          </a:xfrm>
+          <a:prstGeom prst="rect">
+            <a:avLst/>
+          </a:prstGeom>
+          <a:solidFill>
+            <a:srgbClr val="F7B217"/>
+          </a:solidFill>
+          <a:ln w="12700" cmpd="dbl">
+            <a:solidFill>
+              <a:schemeClr val="tx1"/>
+            </a:solidFill>
+            <a:miter lim="800000"/>
+            <a:headEnd/>
+            <a:tailEnd/>
+          </a:ln>
+        </p:spPr>
+        <p:txBody>
+          <a:bodyPr wrap="square">
+            <a:spAutoFit/>
+          </a:bodyPr>
+          <a:lstStyle/>
+          <a:p>
+            <a:pPr>
+              <a:lnSpc>
+                <a:spcPct val="100000"/>
+              </a:lnSpc>
+            </a:pPr>
+            <a:r>
+              <a:rPr lang="en-US" sz="2800" dirty="0">
+                <a:cs typeface="Courier New" pitchFamily="49" charset="0"/>
+              </a:rPr>
+              <a:t>  </a:t>
+            </a:r>
+            <a:r>
+              <a:rPr lang="en-US" sz="2800" b="1" dirty="0">
+                <a:solidFill>
+                  <a:srgbClr val="1E3272"/>
+                </a:solidFill>
+                <a:cs typeface="Courier New" pitchFamily="49" charset="0"/>
+              </a:rPr>
+              <a:t>short </a:t>
+            </a:r>
+            <a:r>
+              <a:rPr lang="en-US" sz="2800" b="1" dirty="0" err="1">
+                <a:solidFill>
+                  <a:srgbClr val="1E3272"/>
+                </a:solidFill>
+                <a:cs typeface="Courier New" pitchFamily="49" charset="0"/>
+              </a:rPr>
+              <a:t>int</a:t>
+            </a:r>
+            <a:r>
+              <a:rPr lang="en-US" sz="2800" dirty="0">
+                <a:solidFill>
+                  <a:srgbClr val="1E3272"/>
+                </a:solidFill>
+                <a:cs typeface="Courier New" pitchFamily="49" charset="0"/>
+              </a:rPr>
+              <a:t> x =  15213;</a:t>
+            </a:r>
+          </a:p>
+          <a:p>
+            <a:pPr>
+              <a:lnSpc>
+                <a:spcPct val="100000"/>
+              </a:lnSpc>
+            </a:pPr>
+            <a:r>
+              <a:rPr lang="en-US" sz="2800" dirty="0">
+                <a:solidFill>
+                  <a:srgbClr val="1E3272"/>
+                </a:solidFill>
+                <a:cs typeface="Courier New" pitchFamily="49" charset="0"/>
+              </a:rPr>
+              <a:t>  </a:t>
+            </a:r>
+            <a:r>
+              <a:rPr lang="en-US" sz="2800" b="1" dirty="0">
+                <a:solidFill>
+                  <a:srgbClr val="1E3272"/>
+                </a:solidFill>
+                <a:cs typeface="Courier New" pitchFamily="49" charset="0"/>
+              </a:rPr>
+              <a:t>short </a:t>
+            </a:r>
+            <a:r>
+              <a:rPr lang="en-US" sz="2800" b="1" dirty="0" err="1">
+                <a:solidFill>
+                  <a:srgbClr val="1E3272"/>
+                </a:solidFill>
+                <a:cs typeface="Courier New" pitchFamily="49" charset="0"/>
+              </a:rPr>
+              <a:t>int</a:t>
+            </a:r>
+            <a:r>
+              <a:rPr lang="en-US" sz="2800" b="1" dirty="0">
+                <a:solidFill>
+                  <a:srgbClr val="1E3272"/>
+                </a:solidFill>
+                <a:cs typeface="Courier New" pitchFamily="49" charset="0"/>
+              </a:rPr>
+              <a:t> </a:t>
+            </a:r>
+            <a:r>
+              <a:rPr lang="en-US" sz="2800" dirty="0">
+                <a:solidFill>
+                  <a:srgbClr val="1E3272"/>
+                </a:solidFill>
+                <a:cs typeface="Courier New" pitchFamily="49" charset="0"/>
+              </a:rPr>
+              <a:t>y = -15213</a:t>
+            </a:r>
+            <a:r>
+              <a:rPr lang="en-US" sz="2800" dirty="0">
+                <a:cs typeface="Courier New" pitchFamily="49" charset="0"/>
+              </a:rPr>
+              <a:t>;</a:t>
+            </a:r>
+          </a:p>
+        </p:txBody>
+      </p:sp>
+      <p:graphicFrame>
+        <p:nvGraphicFramePr>
+          <p:cNvPr id="6" name="Object 5"/>
+          <p:cNvGraphicFramePr>
+            <a:graphicFrameLocks noChangeAspect="1"/>
+          </p:cNvGraphicFramePr>
+          <p:nvPr/>
+        </p:nvGraphicFramePr>
+        <p:xfrm>
+          <a:off x="6565899" y="1460500"/>
+          <a:ext cx="4724401" cy="901700"/>
+        </p:xfrm>
+        <a:graphic>
+          <a:graphicData uri="http://schemas.openxmlformats.org/presentationml/2006/ole">
+            <p:oleObj spid="_x0000_s24578" name="Equation" r:id="rId3" imgW="3323492" imgH="597877" progId="Equation.3">
+              <p:embed/>
+            </p:oleObj>
+          </a:graphicData>
+        </a:graphic>
+      </p:graphicFrame>
+      <p:graphicFrame>
+        <p:nvGraphicFramePr>
+          <p:cNvPr id="7" name="Object 6"/>
+          <p:cNvGraphicFramePr>
+            <a:graphicFrameLocks noChangeAspect="1"/>
+          </p:cNvGraphicFramePr>
+          <p:nvPr/>
+        </p:nvGraphicFramePr>
+        <p:xfrm>
+          <a:off x="990600" y="1409700"/>
+          <a:ext cx="3568700" cy="889000"/>
+        </p:xfrm>
+        <a:graphic>
+          <a:graphicData uri="http://schemas.openxmlformats.org/presentationml/2006/ole">
+            <p:oleObj spid="_x0000_s24579" name="Equation" r:id="rId4" imgW="2127738" imgH="597877" progId="Equation.3">
+              <p:embed/>
+            </p:oleObj>
+          </a:graphicData>
+        </a:graphic>
+      </p:graphicFrame>
+      <p:sp>
+        <p:nvSpPr>
+          <p:cNvPr id="8" name="Text Box 7"/>
+          <p:cNvSpPr txBox="1">
+            <a:spLocks noChangeArrowheads="1"/>
+          </p:cNvSpPr>
+          <p:nvPr/>
+        </p:nvSpPr>
+        <p:spPr bwMode="auto">
+          <a:xfrm>
+            <a:off x="914400" y="952500"/>
+            <a:ext cx="1776448" cy="584775"/>
           </a:xfrm>
           <a:prstGeom prst="rect">
             <a:avLst/>
           </a:prstGeom>
           <a:noFill/>
-          <a:ln>
+          <a:ln w="25400">
             <a:noFill/>
+            <a:miter lim="800000"/>
+            <a:headEnd/>
+            <a:tailEnd/>
           </a:ln>
-          <a:scene3d>
-            <a:camera prst="perspectiveRelaxed"/>
-            <a:lightRig rig="threePt" dir="t"/>
-          </a:scene3d>
         </p:spPr>
         <p:txBody>
-          <a:bodyPr wrap="square" lIns="91440" tIns="45720" rIns="91440" bIns="45720">
+          <a:bodyPr wrap="none">
             <a:spAutoFit/>
           </a:bodyPr>
           <a:lstStyle/>
           <a:p>
-            <a:r>
-              <a:rPr lang="en-US" sz="2400" dirty="0" smtClean="0">
-                <a:ln w="0"/>
+            <a:pPr>
+              <a:lnSpc>
+                <a:spcPct val="100000"/>
+              </a:lnSpc>
+            </a:pPr>
+            <a:r>
+              <a:rPr lang="en-US" sz="3200" b="1" dirty="0">
                 <a:solidFill>
                   <a:srgbClr val="273272"/>
                 </a:solidFill>
-                <a:effectLst>
-                  <a:reflection blurRad="6350" stA="53000" endA="300" endPos="35500" dir="5400000" sy="-90000" algn="bl" rotWithShape="0"/>
-                </a:effectLst>
-                <a:latin typeface="Courier New" pitchFamily="49" charset="0"/>
-                <a:cs typeface="Courier New" pitchFamily="49" charset="0"/>
               </a:rPr>
-              <a:t>		</a:t>
-            </a:r>
-          </a:p>
-          <a:p>
-            <a:r>
-              <a:rPr lang="en-US" sz="2400" dirty="0" smtClean="0">
-                <a:ln w="0"/>
-                <a:solidFill>
-                  <a:srgbClr val="273272"/>
-                </a:solidFill>
-                <a:effectLst>
-                  <a:reflection blurRad="6350" stA="53000" endA="300" endPos="35500" dir="5400000" sy="-90000" algn="bl" rotWithShape="0"/>
-                </a:effectLst>
-                <a:latin typeface="Courier New" pitchFamily="49" charset="0"/>
-                <a:cs typeface="Courier New" pitchFamily="49" charset="0"/>
-              </a:rPr>
-              <a:t>		.text</a:t>
-            </a:r>
-          </a:p>
-          <a:p>
-            <a:r>
-              <a:rPr lang="en-US" sz="2400" dirty="0" smtClean="0">
-                <a:ln w="0"/>
-                <a:solidFill>
-                  <a:srgbClr val="273272"/>
-                </a:solidFill>
-                <a:effectLst>
-                  <a:reflection blurRad="6350" stA="53000" endA="300" endPos="35500" dir="5400000" sy="-90000" algn="bl" rotWithShape="0"/>
-                </a:effectLst>
-                <a:latin typeface="Courier New" pitchFamily="49" charset="0"/>
-                <a:cs typeface="Courier New" pitchFamily="49" charset="0"/>
-              </a:rPr>
-              <a:t>__start:	</a:t>
-            </a:r>
-            <a:r>
-              <a:rPr lang="en-US" sz="2400" dirty="0" err="1" smtClean="0">
-                <a:ln w="0"/>
-                <a:solidFill>
-                  <a:srgbClr val="273272"/>
-                </a:solidFill>
-                <a:effectLst>
-                  <a:reflection blurRad="6350" stA="53000" endA="300" endPos="35500" dir="5400000" sy="-90000" algn="bl" rotWithShape="0"/>
-                </a:effectLst>
-                <a:latin typeface="Courier New" pitchFamily="49" charset="0"/>
-                <a:cs typeface="Courier New" pitchFamily="49" charset="0"/>
-              </a:rPr>
-              <a:t>addi</a:t>
-            </a:r>
-            <a:r>
-              <a:rPr lang="en-US" sz="2400" dirty="0" smtClean="0">
-                <a:ln w="0"/>
-                <a:solidFill>
-                  <a:srgbClr val="273272"/>
-                </a:solidFill>
-                <a:effectLst>
-                  <a:reflection blurRad="6350" stA="53000" endA="300" endPos="35500" dir="5400000" sy="-90000" algn="bl" rotWithShape="0"/>
-                </a:effectLst>
-                <a:latin typeface="Courier New" pitchFamily="49" charset="0"/>
-                <a:cs typeface="Courier New" pitchFamily="49" charset="0"/>
-              </a:rPr>
-              <a:t> t1, zero, 0x18</a:t>
-            </a:r>
-          </a:p>
-          <a:p>
-            <a:r>
-              <a:rPr lang="en-US" sz="2400" dirty="0" smtClean="0">
-                <a:ln w="0"/>
-                <a:solidFill>
-                  <a:srgbClr val="273272"/>
-                </a:solidFill>
-                <a:effectLst>
-                  <a:reflection blurRad="6350" stA="53000" endA="300" endPos="35500" dir="5400000" sy="-90000" algn="bl" rotWithShape="0"/>
-                </a:effectLst>
-                <a:latin typeface="Courier New" pitchFamily="49" charset="0"/>
-                <a:cs typeface="Courier New" pitchFamily="49" charset="0"/>
-              </a:rPr>
-              <a:t>		</a:t>
-            </a:r>
-            <a:r>
-              <a:rPr lang="en-US" sz="2400" dirty="0" err="1" smtClean="0">
-                <a:ln w="0"/>
-                <a:solidFill>
-                  <a:srgbClr val="273272"/>
-                </a:solidFill>
-                <a:effectLst>
-                  <a:reflection blurRad="6350" stA="53000" endA="300" endPos="35500" dir="5400000" sy="-90000" algn="bl" rotWithShape="0"/>
-                </a:effectLst>
-                <a:latin typeface="Courier New" pitchFamily="49" charset="0"/>
-                <a:cs typeface="Courier New" pitchFamily="49" charset="0"/>
-              </a:rPr>
-              <a:t>addi</a:t>
-            </a:r>
-            <a:r>
-              <a:rPr lang="en-US" sz="2400" dirty="0" smtClean="0">
-                <a:ln w="0"/>
-                <a:solidFill>
-                  <a:srgbClr val="273272"/>
-                </a:solidFill>
-                <a:effectLst>
-                  <a:reflection blurRad="6350" stA="53000" endA="300" endPos="35500" dir="5400000" sy="-90000" algn="bl" rotWithShape="0"/>
-                </a:effectLst>
-                <a:latin typeface="Courier New" pitchFamily="49" charset="0"/>
-                <a:cs typeface="Courier New" pitchFamily="49" charset="0"/>
-              </a:rPr>
-              <a:t> t2, zero, 0x21</a:t>
-            </a:r>
-          </a:p>
-          <a:p>
-            <a:r>
-              <a:rPr lang="en-US" sz="2400" dirty="0" smtClean="0">
-                <a:ln w="0"/>
-                <a:solidFill>
-                  <a:srgbClr val="273272"/>
-                </a:solidFill>
-                <a:effectLst>
-                  <a:reflection blurRad="6350" stA="53000" endA="300" endPos="35500" dir="5400000" sy="-90000" algn="bl" rotWithShape="0"/>
-                </a:effectLst>
-                <a:latin typeface="Courier New" pitchFamily="49" charset="0"/>
-                <a:cs typeface="Courier New" pitchFamily="49" charset="0"/>
-              </a:rPr>
-              <a:t>cycle:	</a:t>
-            </a:r>
-            <a:r>
-              <a:rPr lang="en-US" sz="2400" dirty="0" err="1" smtClean="0">
-                <a:ln w="0"/>
-                <a:solidFill>
-                  <a:srgbClr val="273272"/>
-                </a:solidFill>
-                <a:effectLst>
-                  <a:reflection blurRad="6350" stA="53000" endA="300" endPos="35500" dir="5400000" sy="-90000" algn="bl" rotWithShape="0"/>
-                </a:effectLst>
-                <a:latin typeface="Courier New" pitchFamily="49" charset="0"/>
-                <a:cs typeface="Courier New" pitchFamily="49" charset="0"/>
-              </a:rPr>
-              <a:t>beq</a:t>
-            </a:r>
-            <a:r>
-              <a:rPr lang="en-US" sz="2400" dirty="0" smtClean="0">
-                <a:ln w="0"/>
-                <a:solidFill>
-                  <a:srgbClr val="273272"/>
-                </a:solidFill>
-                <a:effectLst>
-                  <a:reflection blurRad="6350" stA="53000" endA="300" endPos="35500" dir="5400000" sy="-90000" algn="bl" rotWithShape="0"/>
-                </a:effectLst>
-                <a:latin typeface="Courier New" pitchFamily="49" charset="0"/>
-                <a:cs typeface="Courier New" pitchFamily="49" charset="0"/>
-              </a:rPr>
-              <a:t> t1, t2, done</a:t>
-            </a:r>
-          </a:p>
-          <a:p>
-            <a:r>
-              <a:rPr lang="en-US" sz="2400" dirty="0" smtClean="0">
-                <a:ln w="0"/>
-                <a:solidFill>
-                  <a:srgbClr val="273272"/>
-                </a:solidFill>
-                <a:effectLst>
-                  <a:reflection blurRad="6350" stA="53000" endA="300" endPos="35500" dir="5400000" sy="-90000" algn="bl" rotWithShape="0"/>
-                </a:effectLst>
-                <a:latin typeface="Courier New" pitchFamily="49" charset="0"/>
-                <a:cs typeface="Courier New" pitchFamily="49" charset="0"/>
-              </a:rPr>
-              <a:t>		</a:t>
-            </a:r>
-            <a:r>
-              <a:rPr lang="en-US" sz="2400" dirty="0" err="1" smtClean="0">
-                <a:ln w="0"/>
-                <a:solidFill>
-                  <a:srgbClr val="273272"/>
-                </a:solidFill>
-                <a:effectLst>
-                  <a:reflection blurRad="6350" stA="53000" endA="300" endPos="35500" dir="5400000" sy="-90000" algn="bl" rotWithShape="0"/>
-                </a:effectLst>
-                <a:latin typeface="Courier New" pitchFamily="49" charset="0"/>
-                <a:cs typeface="Courier New" pitchFamily="49" charset="0"/>
-              </a:rPr>
-              <a:t>slt</a:t>
-            </a:r>
-            <a:r>
-              <a:rPr lang="en-US" sz="2400" dirty="0" smtClean="0">
-                <a:ln w="0"/>
-                <a:solidFill>
-                  <a:srgbClr val="273272"/>
-                </a:solidFill>
-                <a:effectLst>
-                  <a:reflection blurRad="6350" stA="53000" endA="300" endPos="35500" dir="5400000" sy="-90000" algn="bl" rotWithShape="0"/>
-                </a:effectLst>
-                <a:latin typeface="Courier New" pitchFamily="49" charset="0"/>
-                <a:cs typeface="Courier New" pitchFamily="49" charset="0"/>
-              </a:rPr>
-              <a:t> t0, t1, t2</a:t>
-            </a:r>
-          </a:p>
-          <a:p>
-            <a:r>
-              <a:rPr lang="en-US" sz="2400" dirty="0" smtClean="0">
-                <a:ln w="0"/>
-                <a:solidFill>
-                  <a:srgbClr val="273272"/>
-                </a:solidFill>
-                <a:effectLst>
-                  <a:reflection blurRad="6350" stA="53000" endA="300" endPos="35500" dir="5400000" sy="-90000" algn="bl" rotWithShape="0"/>
-                </a:effectLst>
-                <a:latin typeface="Courier New" pitchFamily="49" charset="0"/>
-                <a:cs typeface="Courier New" pitchFamily="49" charset="0"/>
-              </a:rPr>
-              <a:t>		</a:t>
-            </a:r>
-            <a:r>
-              <a:rPr lang="en-US" sz="2400" dirty="0" err="1" smtClean="0">
-                <a:ln w="0"/>
-                <a:solidFill>
-                  <a:srgbClr val="273272"/>
-                </a:solidFill>
-                <a:effectLst>
-                  <a:reflection blurRad="6350" stA="53000" endA="300" endPos="35500" dir="5400000" sy="-90000" algn="bl" rotWithShape="0"/>
-                </a:effectLst>
-                <a:latin typeface="Courier New" pitchFamily="49" charset="0"/>
-                <a:cs typeface="Courier New" pitchFamily="49" charset="0"/>
-              </a:rPr>
-              <a:t>bne</a:t>
-            </a:r>
-            <a:r>
-              <a:rPr lang="en-US" sz="2400" dirty="0" smtClean="0">
-                <a:ln w="0"/>
-                <a:solidFill>
-                  <a:srgbClr val="273272"/>
-                </a:solidFill>
-                <a:effectLst>
-                  <a:reflection blurRad="6350" stA="53000" endA="300" endPos="35500" dir="5400000" sy="-90000" algn="bl" rotWithShape="0"/>
-                </a:effectLst>
-                <a:latin typeface="Courier New" pitchFamily="49" charset="0"/>
-                <a:cs typeface="Courier New" pitchFamily="49" charset="0"/>
-              </a:rPr>
-              <a:t> t0, zero, </a:t>
-            </a:r>
-            <a:r>
-              <a:rPr lang="en-US" sz="2400" dirty="0" err="1" smtClean="0">
-                <a:ln w="0"/>
-                <a:solidFill>
-                  <a:srgbClr val="273272"/>
-                </a:solidFill>
-                <a:effectLst>
-                  <a:reflection blurRad="6350" stA="53000" endA="300" endPos="35500" dir="5400000" sy="-90000" algn="bl" rotWithShape="0"/>
-                </a:effectLst>
-                <a:latin typeface="Courier New" pitchFamily="49" charset="0"/>
-                <a:cs typeface="Courier New" pitchFamily="49" charset="0"/>
-              </a:rPr>
-              <a:t>if_less</a:t>
-            </a:r>
-            <a:endParaRPr lang="en-US" sz="2400" dirty="0" smtClean="0">
-              <a:ln w="0"/>
-              <a:solidFill>
-                <a:srgbClr val="273272"/>
-              </a:solidFill>
-              <a:effectLst>
-                <a:reflection blurRad="6350" stA="53000" endA="300" endPos="35500" dir="5400000" sy="-90000" algn="bl" rotWithShape="0"/>
-              </a:effectLst>
-              <a:latin typeface="Courier New" pitchFamily="49" charset="0"/>
-              <a:cs typeface="Courier New" pitchFamily="49" charset="0"/>
-            </a:endParaRPr>
-          </a:p>
-          <a:p>
-            <a:r>
-              <a:rPr lang="en-US" sz="2400" dirty="0" smtClean="0">
-                <a:ln w="0"/>
-                <a:solidFill>
-                  <a:srgbClr val="273272"/>
-                </a:solidFill>
-                <a:effectLst>
-                  <a:reflection blurRad="6350" stA="53000" endA="300" endPos="35500" dir="5400000" sy="-90000" algn="bl" rotWithShape="0"/>
-                </a:effectLst>
-                <a:latin typeface="Courier New" pitchFamily="49" charset="0"/>
-                <a:cs typeface="Courier New" pitchFamily="49" charset="0"/>
-              </a:rPr>
-              <a:t>		</a:t>
-            </a:r>
-            <a:r>
-              <a:rPr lang="en-US" sz="2400" dirty="0" err="1" smtClean="0">
-                <a:ln w="0"/>
-                <a:solidFill>
-                  <a:srgbClr val="273272"/>
-                </a:solidFill>
-                <a:effectLst>
-                  <a:reflection blurRad="6350" stA="53000" endA="300" endPos="35500" dir="5400000" sy="-90000" algn="bl" rotWithShape="0"/>
-                </a:effectLst>
-                <a:latin typeface="Courier New" pitchFamily="49" charset="0"/>
-                <a:cs typeface="Courier New" pitchFamily="49" charset="0"/>
-              </a:rPr>
-              <a:t>nop</a:t>
-            </a:r>
-            <a:endParaRPr lang="en-US" sz="2400" dirty="0" smtClean="0">
-              <a:ln w="0"/>
-              <a:solidFill>
-                <a:srgbClr val="273272"/>
-              </a:solidFill>
-              <a:effectLst>
-                <a:reflection blurRad="6350" stA="53000" endA="300" endPos="35500" dir="5400000" sy="-90000" algn="bl" rotWithShape="0"/>
-              </a:effectLst>
-              <a:latin typeface="Courier New" pitchFamily="49" charset="0"/>
-              <a:cs typeface="Courier New" pitchFamily="49" charset="0"/>
-            </a:endParaRPr>
-          </a:p>
-          <a:p>
-            <a:r>
-              <a:rPr lang="en-US" sz="2400" dirty="0" smtClean="0">
-                <a:ln w="0"/>
-                <a:solidFill>
-                  <a:srgbClr val="273272"/>
-                </a:solidFill>
-                <a:effectLst>
-                  <a:reflection blurRad="6350" stA="53000" endA="300" endPos="35500" dir="5400000" sy="-90000" algn="bl" rotWithShape="0"/>
-                </a:effectLst>
-                <a:latin typeface="Courier New" pitchFamily="49" charset="0"/>
-                <a:cs typeface="Courier New" pitchFamily="49" charset="0"/>
-              </a:rPr>
-              <a:t>		sub t1, t1, t2</a:t>
-            </a:r>
-          </a:p>
-          <a:p>
-            <a:r>
-              <a:rPr lang="en-US" sz="2400" dirty="0" smtClean="0">
-                <a:ln w="0"/>
-                <a:solidFill>
-                  <a:srgbClr val="273272"/>
-                </a:solidFill>
-                <a:effectLst>
-                  <a:reflection blurRad="6350" stA="53000" endA="300" endPos="35500" dir="5400000" sy="-90000" algn="bl" rotWithShape="0"/>
-                </a:effectLst>
-                <a:latin typeface="Courier New" pitchFamily="49" charset="0"/>
-                <a:cs typeface="Courier New" pitchFamily="49" charset="0"/>
-              </a:rPr>
-              <a:t>		j cycle</a:t>
-            </a:r>
-          </a:p>
-          <a:p>
-            <a:r>
-              <a:rPr lang="en-US" sz="2400" dirty="0" smtClean="0">
-                <a:ln w="0"/>
-                <a:solidFill>
-                  <a:srgbClr val="273272"/>
-                </a:solidFill>
-                <a:effectLst>
-                  <a:reflection blurRad="6350" stA="53000" endA="300" endPos="35500" dir="5400000" sy="-90000" algn="bl" rotWithShape="0"/>
-                </a:effectLst>
-                <a:latin typeface="Courier New" pitchFamily="49" charset="0"/>
-                <a:cs typeface="Courier New" pitchFamily="49" charset="0"/>
-              </a:rPr>
-              <a:t>		</a:t>
-            </a:r>
-            <a:r>
-              <a:rPr lang="en-US" sz="2400" dirty="0" err="1" smtClean="0">
-                <a:ln w="0"/>
-                <a:solidFill>
-                  <a:srgbClr val="273272"/>
-                </a:solidFill>
-                <a:effectLst>
-                  <a:reflection blurRad="6350" stA="53000" endA="300" endPos="35500" dir="5400000" sy="-90000" algn="bl" rotWithShape="0"/>
-                </a:effectLst>
-                <a:latin typeface="Courier New" pitchFamily="49" charset="0"/>
-                <a:cs typeface="Courier New" pitchFamily="49" charset="0"/>
-              </a:rPr>
-              <a:t>nop</a:t>
-            </a:r>
-            <a:endParaRPr lang="en-US" sz="2400" dirty="0" smtClean="0">
-              <a:ln w="0"/>
-              <a:solidFill>
-                <a:srgbClr val="273272"/>
-              </a:solidFill>
-              <a:effectLst>
-                <a:reflection blurRad="6350" stA="53000" endA="300" endPos="35500" dir="5400000" sy="-90000" algn="bl" rotWithShape="0"/>
-              </a:effectLst>
-              <a:latin typeface="Courier New" pitchFamily="49" charset="0"/>
-              <a:cs typeface="Courier New" pitchFamily="49" charset="0"/>
-            </a:endParaRPr>
-          </a:p>
-          <a:p>
-            <a:r>
-              <a:rPr lang="en-US" sz="2400" dirty="0" err="1" smtClean="0">
-                <a:ln w="0"/>
-                <a:solidFill>
-                  <a:srgbClr val="273272"/>
-                </a:solidFill>
-                <a:effectLst>
-                  <a:reflection blurRad="6350" stA="53000" endA="300" endPos="35500" dir="5400000" sy="-90000" algn="bl" rotWithShape="0"/>
-                </a:effectLst>
-                <a:latin typeface="Courier New" pitchFamily="49" charset="0"/>
-                <a:cs typeface="Courier New" pitchFamily="49" charset="0"/>
-              </a:rPr>
-              <a:t>if_less</a:t>
-            </a:r>
-            <a:r>
-              <a:rPr lang="en-US" sz="2400" dirty="0" smtClean="0">
-                <a:ln w="0"/>
-                <a:solidFill>
-                  <a:srgbClr val="273272"/>
-                </a:solidFill>
-                <a:effectLst>
-                  <a:reflection blurRad="6350" stA="53000" endA="300" endPos="35500" dir="5400000" sy="-90000" algn="bl" rotWithShape="0"/>
-                </a:effectLst>
-                <a:latin typeface="Courier New" pitchFamily="49" charset="0"/>
-                <a:cs typeface="Courier New" pitchFamily="49" charset="0"/>
-              </a:rPr>
-              <a:t>:	sub t2, t2, t1</a:t>
-            </a:r>
-          </a:p>
-          <a:p>
-            <a:r>
-              <a:rPr lang="en-US" sz="2400" dirty="0" smtClean="0">
-                <a:ln w="0"/>
-                <a:solidFill>
-                  <a:srgbClr val="273272"/>
-                </a:solidFill>
-                <a:effectLst>
-                  <a:reflection blurRad="6350" stA="53000" endA="300" endPos="35500" dir="5400000" sy="-90000" algn="bl" rotWithShape="0"/>
-                </a:effectLst>
-                <a:latin typeface="Courier New" pitchFamily="49" charset="0"/>
-                <a:cs typeface="Courier New" pitchFamily="49" charset="0"/>
-              </a:rPr>
-              <a:t>		j cycle</a:t>
-            </a:r>
-          </a:p>
-          <a:p>
-            <a:r>
-              <a:rPr lang="en-US" sz="2400" dirty="0" smtClean="0">
-                <a:ln w="0"/>
-                <a:solidFill>
-                  <a:srgbClr val="273272"/>
-                </a:solidFill>
-                <a:effectLst>
-                  <a:reflection blurRad="6350" stA="53000" endA="300" endPos="35500" dir="5400000" sy="-90000" algn="bl" rotWithShape="0"/>
-                </a:effectLst>
-                <a:latin typeface="Courier New" pitchFamily="49" charset="0"/>
-                <a:cs typeface="Courier New" pitchFamily="49" charset="0"/>
-              </a:rPr>
-              <a:t>done:		add t3, t1, zero</a:t>
-            </a:r>
-            <a:endParaRPr lang="ru-RU" sz="2400" b="0" cap="none" spc="0" dirty="0">
-              <a:ln w="0"/>
-              <a:solidFill>
-                <a:srgbClr val="273272"/>
-              </a:solidFill>
-              <a:effectLst>
-                <a:reflection blurRad="6350" stA="53000" endA="300" endPos="35500" dir="5400000" sy="-90000" algn="bl" rotWithShape="0"/>
-              </a:effectLst>
-              <a:latin typeface="Courier New" pitchFamily="49" charset="0"/>
-              <a:cs typeface="Courier New" pitchFamily="49" charset="0"/>
-            </a:endParaRPr>
+              <a:t>Unsigned</a:t>
+            </a:r>
           </a:p>
         </p:txBody>
       </p:sp>
       <p:sp>
         <p:nvSpPr>
-          <p:cNvPr id="2" name="Заголовок 1"/>
+          <p:cNvPr id="9" name="Text Box 8"/>
+          <p:cNvSpPr txBox="1">
+            <a:spLocks noChangeArrowheads="1"/>
+          </p:cNvSpPr>
+          <p:nvPr/>
+        </p:nvSpPr>
+        <p:spPr bwMode="auto">
+          <a:xfrm>
+            <a:off x="6527800" y="965200"/>
+            <a:ext cx="3438185" cy="584775"/>
+          </a:xfrm>
+          <a:prstGeom prst="rect">
+            <a:avLst/>
+          </a:prstGeom>
+          <a:noFill/>
+          <a:ln w="25400">
+            <a:noFill/>
+            <a:miter lim="800000"/>
+            <a:headEnd/>
+            <a:tailEnd/>
+          </a:ln>
+        </p:spPr>
+        <p:txBody>
+          <a:bodyPr wrap="none">
+            <a:spAutoFit/>
+          </a:bodyPr>
+          <a:lstStyle/>
+          <a:p>
+            <a:pPr>
+              <a:lnSpc>
+                <a:spcPct val="100000"/>
+              </a:lnSpc>
+            </a:pPr>
+            <a:r>
+              <a:rPr lang="en-US" sz="3200" b="1" dirty="0">
+                <a:solidFill>
+                  <a:srgbClr val="273272"/>
+                </a:solidFill>
+              </a:rPr>
+              <a:t>Two’s Complement</a:t>
+            </a:r>
+          </a:p>
+        </p:txBody>
+      </p:sp>
+      <p:sp>
+        <p:nvSpPr>
+          <p:cNvPr id="10" name="Line 9"/>
+          <p:cNvSpPr>
+            <a:spLocks noChangeShapeType="1"/>
+          </p:cNvSpPr>
+          <p:nvPr/>
+        </p:nvSpPr>
+        <p:spPr bwMode="auto">
+          <a:xfrm flipH="1" flipV="1">
+            <a:off x="8890000" y="2247900"/>
+            <a:ext cx="469900" cy="355600"/>
+          </a:xfrm>
+          <a:prstGeom prst="line">
+            <a:avLst/>
+          </a:prstGeom>
+          <a:noFill/>
+          <a:ln w="25400">
+            <a:solidFill>
+              <a:schemeClr val="tx1"/>
+            </a:solidFill>
+            <a:round/>
+            <a:headEnd/>
+            <a:tailEnd type="triangle" w="med" len="med"/>
+          </a:ln>
+        </p:spPr>
+        <p:txBody>
+          <a:bodyPr wrap="none" anchor="ctr"/>
+          <a:lstStyle/>
+          <a:p>
+            <a:endParaRPr lang="en-US"/>
+          </a:p>
+        </p:txBody>
+      </p:sp>
+      <p:sp>
+        <p:nvSpPr>
+          <p:cNvPr id="11" name="Rectangle 10"/>
+          <p:cNvSpPr>
+            <a:spLocks noChangeArrowheads="1"/>
+          </p:cNvSpPr>
+          <p:nvPr/>
+        </p:nvSpPr>
+        <p:spPr bwMode="auto">
+          <a:xfrm>
+            <a:off x="8915400" y="2667000"/>
+            <a:ext cx="1206500" cy="459100"/>
+          </a:xfrm>
+          <a:prstGeom prst="rect">
+            <a:avLst/>
+          </a:prstGeom>
+          <a:noFill/>
+          <a:ln w="25400">
+            <a:noFill/>
+            <a:miter lim="800000"/>
+            <a:headEnd/>
+            <a:tailEnd/>
+          </a:ln>
+        </p:spPr>
+        <p:txBody>
+          <a:bodyPr wrap="square" lIns="90487" tIns="44450" rIns="90487" bIns="44450">
+            <a:spAutoFit/>
+          </a:bodyPr>
+          <a:lstStyle/>
+          <a:p>
+            <a:pPr>
+              <a:lnSpc>
+                <a:spcPct val="100000"/>
+              </a:lnSpc>
+            </a:pPr>
+            <a:r>
+              <a:rPr lang="en-US" sz="2400" b="1" dirty="0" smtClean="0">
+                <a:solidFill>
+                  <a:srgbClr val="273272"/>
+                </a:solidFill>
+                <a:latin typeface="Calibri" pitchFamily="34" charset="0"/>
+              </a:rPr>
+              <a:t>Sign</a:t>
+            </a:r>
+            <a:r>
+              <a:rPr lang="ru-RU" sz="2400" b="1" dirty="0" smtClean="0">
+                <a:solidFill>
+                  <a:srgbClr val="273272"/>
+                </a:solidFill>
+                <a:latin typeface="Calibri" pitchFamily="34" charset="0"/>
+              </a:rPr>
+              <a:t> </a:t>
+            </a:r>
+            <a:r>
+              <a:rPr lang="en-US" sz="2400" b="1" dirty="0" smtClean="0">
+                <a:solidFill>
+                  <a:srgbClr val="273272"/>
+                </a:solidFill>
+                <a:latin typeface="Calibri" pitchFamily="34" charset="0"/>
+              </a:rPr>
+              <a:t>Bit</a:t>
+            </a:r>
+            <a:endParaRPr lang="en-US" sz="2400" b="1" dirty="0">
+              <a:solidFill>
+                <a:srgbClr val="273272"/>
+              </a:solidFill>
+              <a:latin typeface="Calibri" pitchFamily="34" charset="0"/>
+            </a:endParaRPr>
+          </a:p>
+        </p:txBody>
+      </p:sp>
+      <p:graphicFrame>
+        <p:nvGraphicFramePr>
+          <p:cNvPr id="14" name="Таблица 13"/>
+          <p:cNvGraphicFramePr>
+            <a:graphicFrameLocks noGrp="1"/>
+          </p:cNvGraphicFramePr>
+          <p:nvPr/>
+        </p:nvGraphicFramePr>
+        <p:xfrm>
+          <a:off x="3159760" y="3804919"/>
+          <a:ext cx="5920739" cy="1173480"/>
+        </p:xfrm>
+        <a:graphic>
+          <a:graphicData uri="http://schemas.openxmlformats.org/drawingml/2006/table">
+            <a:tbl>
+              <a:tblPr/>
+              <a:tblGrid>
+                <a:gridCol w="546793"/>
+                <a:gridCol w="1333643"/>
+                <a:gridCol w="1180324"/>
+                <a:gridCol w="2859979"/>
+              </a:tblGrid>
+              <a:tr h="391160">
+                <a:tc>
+                  <a:txBody>
+                    <a:bodyPr/>
+                    <a:lstStyle/>
+                    <a:p>
+                      <a:pPr>
+                        <a:spcAft>
+                          <a:spcPts val="0"/>
+                        </a:spcAft>
+                      </a:pPr>
+                      <a:endParaRPr lang="en-US" sz="2400" dirty="0">
+                        <a:solidFill>
+                          <a:srgbClr val="1E3272"/>
+                        </a:solidFill>
+                        <a:latin typeface="+mn-lt"/>
+                        <a:ea typeface="Times New Roman"/>
+                        <a:cs typeface="Times New Roman"/>
+                      </a:endParaRPr>
+                    </a:p>
+                  </a:txBody>
+                  <a:tcPr marL="68580" marR="68580" marT="0" marB="0">
+                    <a:lnL w="28575" cap="flat" cmpd="sng" algn="ctr">
+                      <a:solidFill>
+                        <a:srgbClr val="000000"/>
+                      </a:solidFill>
+                      <a:prstDash val="solid"/>
+                      <a:round/>
+                      <a:headEnd type="none" w="med" len="med"/>
+                      <a:tailEnd type="none" w="med" len="med"/>
+                    </a:lnL>
+                    <a:lnR w="12700" cap="flat" cmpd="sng" algn="ctr">
+                      <a:solidFill>
+                        <a:srgbClr val="000000"/>
+                      </a:solidFill>
+                      <a:prstDash val="solid"/>
+                      <a:round/>
+                      <a:headEnd type="none" w="med" len="med"/>
+                      <a:tailEnd type="none" w="med" len="med"/>
+                    </a:lnR>
+                    <a:lnT w="28575" cap="flat" cmpd="sng" algn="ctr">
+                      <a:solidFill>
+                        <a:srgbClr val="000000"/>
+                      </a:solidFill>
+                      <a:prstDash val="solid"/>
+                      <a:round/>
+                      <a:headEnd type="none" w="med" len="med"/>
+                      <a:tailEnd type="none" w="med" len="med"/>
+                    </a:lnT>
+                    <a:lnB w="12700" cap="flat" cmpd="sng" algn="ctr">
+                      <a:solidFill>
+                        <a:srgbClr val="000000"/>
+                      </a:solidFill>
+                      <a:prstDash val="solid"/>
+                      <a:round/>
+                      <a:headEnd type="none" w="med" len="med"/>
+                      <a:tailEnd type="none" w="med" len="med"/>
+                    </a:lnB>
+                    <a:solidFill>
+                      <a:srgbClr val="F7B217"/>
+                    </a:solidFill>
+                  </a:tcPr>
+                </a:tc>
+                <a:tc>
+                  <a:txBody>
+                    <a:bodyPr/>
+                    <a:lstStyle/>
+                    <a:p>
+                      <a:pPr algn="r">
+                        <a:spcAft>
+                          <a:spcPts val="0"/>
+                        </a:spcAft>
+                      </a:pPr>
+                      <a:r>
+                        <a:rPr lang="en-US" sz="2400" b="1" dirty="0">
+                          <a:solidFill>
+                            <a:srgbClr val="1E3272"/>
+                          </a:solidFill>
+                          <a:latin typeface="+mn-lt"/>
+                          <a:ea typeface="Times New Roman"/>
+                          <a:cs typeface="Times New Roman"/>
+                        </a:rPr>
+                        <a:t>Decimal</a:t>
+                      </a:r>
+                      <a:endParaRPr lang="ru-RU" sz="2400" b="1" dirty="0">
+                        <a:solidFill>
+                          <a:srgbClr val="1E3272"/>
+                        </a:solidFill>
+                        <a:latin typeface="+mn-lt"/>
+                        <a:ea typeface="Times New Roman"/>
+                        <a:cs typeface="Times New Roman"/>
+                      </a:endParaRPr>
+                    </a:p>
+                  </a:txBody>
+                  <a:tcPr marL="68580" marR="68580" marT="0" marB="0">
+                    <a:lnL w="12700" cap="flat" cmpd="sng" algn="ctr">
+                      <a:solidFill>
+                        <a:srgbClr val="000000"/>
+                      </a:solidFill>
+                      <a:prstDash val="solid"/>
+                      <a:round/>
+                      <a:headEnd type="none" w="med" len="med"/>
+                      <a:tailEnd type="none" w="med" len="med"/>
+                    </a:lnL>
+                    <a:lnR w="12700" cap="flat" cmpd="sng" algn="ctr">
+                      <a:solidFill>
+                        <a:srgbClr val="000000"/>
+                      </a:solidFill>
+                      <a:prstDash val="solid"/>
+                      <a:round/>
+                      <a:headEnd type="none" w="med" len="med"/>
+                      <a:tailEnd type="none" w="med" len="med"/>
+                    </a:lnR>
+                    <a:lnT w="28575" cap="flat" cmpd="sng" algn="ctr">
+                      <a:solidFill>
+                        <a:srgbClr val="000000"/>
+                      </a:solidFill>
+                      <a:prstDash val="solid"/>
+                      <a:round/>
+                      <a:headEnd type="none" w="med" len="med"/>
+                      <a:tailEnd type="none" w="med" len="med"/>
+                    </a:lnT>
+                    <a:lnB w="12700" cap="flat" cmpd="sng" algn="ctr">
+                      <a:solidFill>
+                        <a:srgbClr val="000000"/>
+                      </a:solidFill>
+                      <a:prstDash val="solid"/>
+                      <a:round/>
+                      <a:headEnd type="none" w="med" len="med"/>
+                      <a:tailEnd type="none" w="med" len="med"/>
+                    </a:lnB>
+                    <a:solidFill>
+                      <a:srgbClr val="F7B217"/>
+                    </a:solidFill>
+                  </a:tcPr>
+                </a:tc>
+                <a:tc>
+                  <a:txBody>
+                    <a:bodyPr/>
+                    <a:lstStyle/>
+                    <a:p>
+                      <a:pPr algn="r">
+                        <a:spcAft>
+                          <a:spcPts val="0"/>
+                        </a:spcAft>
+                      </a:pPr>
+                      <a:r>
+                        <a:rPr lang="en-US" sz="2400" b="1" dirty="0">
+                          <a:solidFill>
+                            <a:srgbClr val="1E3272"/>
+                          </a:solidFill>
+                          <a:latin typeface="+mn-lt"/>
+                          <a:ea typeface="Times New Roman"/>
+                          <a:cs typeface="Times New Roman"/>
+                        </a:rPr>
+                        <a:t>Hex</a:t>
+                      </a:r>
+                      <a:endParaRPr lang="ru-RU" sz="2400" b="1" dirty="0">
+                        <a:solidFill>
+                          <a:srgbClr val="1E3272"/>
+                        </a:solidFill>
+                        <a:latin typeface="+mn-lt"/>
+                        <a:ea typeface="Times New Roman"/>
+                        <a:cs typeface="Times New Roman"/>
+                      </a:endParaRPr>
+                    </a:p>
+                  </a:txBody>
+                  <a:tcPr marL="68580" marR="68580" marT="0" marB="0">
+                    <a:lnL w="12700" cap="flat" cmpd="sng" algn="ctr">
+                      <a:solidFill>
+                        <a:srgbClr val="000000"/>
+                      </a:solidFill>
+                      <a:prstDash val="solid"/>
+                      <a:round/>
+                      <a:headEnd type="none" w="med" len="med"/>
+                      <a:tailEnd type="none" w="med" len="med"/>
+                    </a:lnL>
+                    <a:lnR w="12700" cap="flat" cmpd="sng" algn="ctr">
+                      <a:solidFill>
+                        <a:srgbClr val="000000"/>
+                      </a:solidFill>
+                      <a:prstDash val="solid"/>
+                      <a:round/>
+                      <a:headEnd type="none" w="med" len="med"/>
+                      <a:tailEnd type="none" w="med" len="med"/>
+                    </a:lnR>
+                    <a:lnT w="28575" cap="flat" cmpd="sng" algn="ctr">
+                      <a:solidFill>
+                        <a:srgbClr val="000000"/>
+                      </a:solidFill>
+                      <a:prstDash val="solid"/>
+                      <a:round/>
+                      <a:headEnd type="none" w="med" len="med"/>
+                      <a:tailEnd type="none" w="med" len="med"/>
+                    </a:lnT>
+                    <a:lnB w="12700" cap="flat" cmpd="sng" algn="ctr">
+                      <a:solidFill>
+                        <a:srgbClr val="000000"/>
+                      </a:solidFill>
+                      <a:prstDash val="solid"/>
+                      <a:round/>
+                      <a:headEnd type="none" w="med" len="med"/>
+                      <a:tailEnd type="none" w="med" len="med"/>
+                    </a:lnB>
+                    <a:solidFill>
+                      <a:srgbClr val="F7B217"/>
+                    </a:solidFill>
+                  </a:tcPr>
+                </a:tc>
+                <a:tc>
+                  <a:txBody>
+                    <a:bodyPr/>
+                    <a:lstStyle/>
+                    <a:p>
+                      <a:pPr algn="r">
+                        <a:spcAft>
+                          <a:spcPts val="0"/>
+                        </a:spcAft>
+                      </a:pPr>
+                      <a:r>
+                        <a:rPr lang="en-US" sz="2400" b="1" dirty="0">
+                          <a:solidFill>
+                            <a:srgbClr val="1E3272"/>
+                          </a:solidFill>
+                          <a:latin typeface="+mn-lt"/>
+                          <a:ea typeface="Times New Roman"/>
+                          <a:cs typeface="Times New Roman"/>
+                        </a:rPr>
+                        <a:t>Binary</a:t>
+                      </a:r>
+                      <a:endParaRPr lang="ru-RU" sz="2400" b="1" dirty="0">
+                        <a:solidFill>
+                          <a:srgbClr val="1E3272"/>
+                        </a:solidFill>
+                        <a:latin typeface="+mn-lt"/>
+                        <a:ea typeface="Times New Roman"/>
+                        <a:cs typeface="Times New Roman"/>
+                      </a:endParaRPr>
+                    </a:p>
+                  </a:txBody>
+                  <a:tcPr marL="68580" marR="68580" marT="0" marB="0">
+                    <a:lnL w="12700" cap="flat" cmpd="sng" algn="ctr">
+                      <a:solidFill>
+                        <a:srgbClr val="000000"/>
+                      </a:solidFill>
+                      <a:prstDash val="solid"/>
+                      <a:round/>
+                      <a:headEnd type="none" w="med" len="med"/>
+                      <a:tailEnd type="none" w="med" len="med"/>
+                    </a:lnL>
+                    <a:lnR w="28575" cap="flat" cmpd="sng" algn="ctr">
+                      <a:solidFill>
+                        <a:srgbClr val="000000"/>
+                      </a:solidFill>
+                      <a:prstDash val="solid"/>
+                      <a:round/>
+                      <a:headEnd type="none" w="med" len="med"/>
+                      <a:tailEnd type="none" w="med" len="med"/>
+                    </a:lnR>
+                    <a:lnT w="28575" cap="flat" cmpd="sng" algn="ctr">
+                      <a:solidFill>
+                        <a:srgbClr val="000000"/>
+                      </a:solidFill>
+                      <a:prstDash val="solid"/>
+                      <a:round/>
+                      <a:headEnd type="none" w="med" len="med"/>
+                      <a:tailEnd type="none" w="med" len="med"/>
+                    </a:lnT>
+                    <a:lnB w="12700" cap="flat" cmpd="sng" algn="ctr">
+                      <a:solidFill>
+                        <a:srgbClr val="000000"/>
+                      </a:solidFill>
+                      <a:prstDash val="solid"/>
+                      <a:round/>
+                      <a:headEnd type="none" w="med" len="med"/>
+                      <a:tailEnd type="none" w="med" len="med"/>
+                    </a:lnB>
+                    <a:solidFill>
+                      <a:srgbClr val="F7B217"/>
+                    </a:solidFill>
+                  </a:tcPr>
+                </a:tc>
+              </a:tr>
+              <a:tr h="391160">
+                <a:tc>
+                  <a:txBody>
+                    <a:bodyPr/>
+                    <a:lstStyle/>
+                    <a:p>
+                      <a:pPr>
+                        <a:spcAft>
+                          <a:spcPts val="0"/>
+                        </a:spcAft>
+                      </a:pPr>
+                      <a:r>
+                        <a:rPr lang="en-US" sz="2400" b="1" dirty="0">
+                          <a:solidFill>
+                            <a:srgbClr val="1E3272"/>
+                          </a:solidFill>
+                          <a:latin typeface="+mn-lt"/>
+                          <a:ea typeface="Times New Roman"/>
+                          <a:cs typeface="Times New Roman"/>
+                        </a:rPr>
+                        <a:t>x</a:t>
+                      </a:r>
+                      <a:endParaRPr lang="ru-RU" sz="2400" dirty="0">
+                        <a:solidFill>
+                          <a:srgbClr val="1E3272"/>
+                        </a:solidFill>
+                        <a:latin typeface="+mn-lt"/>
+                        <a:ea typeface="Times New Roman"/>
+                        <a:cs typeface="Times New Roman"/>
+                      </a:endParaRPr>
+                    </a:p>
+                  </a:txBody>
+                  <a:tcPr marL="68580" marR="68580" marT="0" marB="0">
+                    <a:lnL w="28575" cap="flat" cmpd="sng" algn="ctr">
+                      <a:solidFill>
+                        <a:srgbClr val="000000"/>
+                      </a:solidFill>
+                      <a:prstDash val="solid"/>
+                      <a:round/>
+                      <a:headEnd type="none" w="med" len="med"/>
+                      <a:tailEnd type="none" w="med" len="med"/>
+                    </a:lnL>
+                    <a:lnR w="12700" cap="flat" cmpd="sng" algn="ctr">
+                      <a:solidFill>
+                        <a:srgbClr val="000000"/>
+                      </a:solidFill>
+                      <a:prstDash val="solid"/>
+                      <a:round/>
+                      <a:headEnd type="none" w="med" len="med"/>
+                      <a:tailEnd type="none" w="med" len="med"/>
+                    </a:lnR>
+                    <a:lnT w="12700" cap="flat" cmpd="sng" algn="ctr">
+                      <a:solidFill>
+                        <a:srgbClr val="000000"/>
+                      </a:solidFill>
+                      <a:prstDash val="solid"/>
+                      <a:round/>
+                      <a:headEnd type="none" w="med" len="med"/>
+                      <a:tailEnd type="none" w="med" len="med"/>
+                    </a:lnT>
+                    <a:lnB w="12700" cap="flat" cmpd="sng" algn="ctr">
+                      <a:solidFill>
+                        <a:srgbClr val="000000"/>
+                      </a:solidFill>
+                      <a:prstDash val="solid"/>
+                      <a:round/>
+                      <a:headEnd type="none" w="med" len="med"/>
+                      <a:tailEnd type="none" w="med" len="med"/>
+                    </a:lnB>
+                    <a:solidFill>
+                      <a:srgbClr val="F7B217"/>
+                    </a:solidFill>
+                  </a:tcPr>
+                </a:tc>
+                <a:tc>
+                  <a:txBody>
+                    <a:bodyPr/>
+                    <a:lstStyle/>
+                    <a:p>
+                      <a:pPr algn="r">
+                        <a:spcAft>
+                          <a:spcPts val="0"/>
+                        </a:spcAft>
+                      </a:pPr>
+                      <a:r>
+                        <a:rPr lang="en-US" sz="2400" b="1" dirty="0">
+                          <a:solidFill>
+                            <a:srgbClr val="1E3272"/>
+                          </a:solidFill>
+                          <a:latin typeface="+mn-lt"/>
+                          <a:ea typeface="Times New Roman"/>
+                          <a:cs typeface="Times New Roman"/>
+                        </a:rPr>
+                        <a:t>15213</a:t>
+                      </a:r>
+                      <a:endParaRPr lang="ru-RU" sz="2400" b="1" dirty="0">
+                        <a:solidFill>
+                          <a:srgbClr val="1E3272"/>
+                        </a:solidFill>
+                        <a:latin typeface="+mn-lt"/>
+                        <a:ea typeface="Times New Roman"/>
+                        <a:cs typeface="Times New Roman"/>
+                      </a:endParaRPr>
+                    </a:p>
+                  </a:txBody>
+                  <a:tcPr marL="68580" marR="68580" marT="0" marB="0">
+                    <a:lnL w="12700" cap="flat" cmpd="sng" algn="ctr">
+                      <a:solidFill>
+                        <a:srgbClr val="000000"/>
+                      </a:solidFill>
+                      <a:prstDash val="solid"/>
+                      <a:round/>
+                      <a:headEnd type="none" w="med" len="med"/>
+                      <a:tailEnd type="none" w="med" len="med"/>
+                    </a:lnL>
+                    <a:lnR w="12700" cap="flat" cmpd="sng" algn="ctr">
+                      <a:solidFill>
+                        <a:srgbClr val="000000"/>
+                      </a:solidFill>
+                      <a:prstDash val="solid"/>
+                      <a:round/>
+                      <a:headEnd type="none" w="med" len="med"/>
+                      <a:tailEnd type="none" w="med" len="med"/>
+                    </a:lnR>
+                    <a:lnT w="12700" cap="flat" cmpd="sng" algn="ctr">
+                      <a:solidFill>
+                        <a:srgbClr val="000000"/>
+                      </a:solidFill>
+                      <a:prstDash val="solid"/>
+                      <a:round/>
+                      <a:headEnd type="none" w="med" len="med"/>
+                      <a:tailEnd type="none" w="med" len="med"/>
+                    </a:lnT>
+                    <a:lnB w="12700" cap="flat" cmpd="sng" algn="ctr">
+                      <a:solidFill>
+                        <a:srgbClr val="000000"/>
+                      </a:solidFill>
+                      <a:prstDash val="solid"/>
+                      <a:round/>
+                      <a:headEnd type="none" w="med" len="med"/>
+                      <a:tailEnd type="none" w="med" len="med"/>
+                    </a:lnB>
+                    <a:solidFill>
+                      <a:srgbClr val="F7B217"/>
+                    </a:solidFill>
+                  </a:tcPr>
+                </a:tc>
+                <a:tc>
+                  <a:txBody>
+                    <a:bodyPr/>
+                    <a:lstStyle/>
+                    <a:p>
+                      <a:pPr algn="r">
+                        <a:spcAft>
+                          <a:spcPts val="0"/>
+                        </a:spcAft>
+                      </a:pPr>
+                      <a:r>
+                        <a:rPr lang="en-US" sz="2400" b="1" dirty="0">
+                          <a:solidFill>
+                            <a:srgbClr val="1E3272"/>
+                          </a:solidFill>
+                          <a:latin typeface="+mn-lt"/>
+                          <a:ea typeface="Times New Roman"/>
+                          <a:cs typeface="Times New Roman"/>
+                        </a:rPr>
+                        <a:t>3B 6D</a:t>
+                      </a:r>
+                      <a:endParaRPr lang="ru-RU" sz="2400" b="1" dirty="0">
+                        <a:solidFill>
+                          <a:srgbClr val="1E3272"/>
+                        </a:solidFill>
+                        <a:latin typeface="+mn-lt"/>
+                        <a:ea typeface="Times New Roman"/>
+                        <a:cs typeface="Times New Roman"/>
+                      </a:endParaRPr>
+                    </a:p>
+                  </a:txBody>
+                  <a:tcPr marL="68580" marR="68580" marT="0" marB="0">
+                    <a:lnL w="12700" cap="flat" cmpd="sng" algn="ctr">
+                      <a:solidFill>
+                        <a:srgbClr val="000000"/>
+                      </a:solidFill>
+                      <a:prstDash val="solid"/>
+                      <a:round/>
+                      <a:headEnd type="none" w="med" len="med"/>
+                      <a:tailEnd type="none" w="med" len="med"/>
+                    </a:lnL>
+                    <a:lnR w="12700" cap="flat" cmpd="sng" algn="ctr">
+                      <a:solidFill>
+                        <a:srgbClr val="000000"/>
+                      </a:solidFill>
+                      <a:prstDash val="solid"/>
+                      <a:round/>
+                      <a:headEnd type="none" w="med" len="med"/>
+                      <a:tailEnd type="none" w="med" len="med"/>
+                    </a:lnR>
+                    <a:lnT w="12700" cap="flat" cmpd="sng" algn="ctr">
+                      <a:solidFill>
+                        <a:srgbClr val="000000"/>
+                      </a:solidFill>
+                      <a:prstDash val="solid"/>
+                      <a:round/>
+                      <a:headEnd type="none" w="med" len="med"/>
+                      <a:tailEnd type="none" w="med" len="med"/>
+                    </a:lnT>
+                    <a:lnB w="12700" cap="flat" cmpd="sng" algn="ctr">
+                      <a:solidFill>
+                        <a:srgbClr val="000000"/>
+                      </a:solidFill>
+                      <a:prstDash val="solid"/>
+                      <a:round/>
+                      <a:headEnd type="none" w="med" len="med"/>
+                      <a:tailEnd type="none" w="med" len="med"/>
+                    </a:lnB>
+                    <a:solidFill>
+                      <a:srgbClr val="F7B217"/>
+                    </a:solidFill>
+                  </a:tcPr>
+                </a:tc>
+                <a:tc>
+                  <a:txBody>
+                    <a:bodyPr/>
+                    <a:lstStyle/>
+                    <a:p>
+                      <a:pPr algn="r">
+                        <a:spcAft>
+                          <a:spcPts val="0"/>
+                        </a:spcAft>
+                      </a:pPr>
+                      <a:r>
+                        <a:rPr lang="en-US" sz="2400" b="1" dirty="0">
+                          <a:solidFill>
+                            <a:srgbClr val="1E3272"/>
+                          </a:solidFill>
+                          <a:latin typeface="+mn-lt"/>
+                          <a:ea typeface="Times New Roman"/>
+                          <a:cs typeface="Times New Roman"/>
+                        </a:rPr>
+                        <a:t>00111011 01101101</a:t>
+                      </a:r>
+                      <a:endParaRPr lang="ru-RU" sz="2400" b="1" dirty="0">
+                        <a:solidFill>
+                          <a:srgbClr val="1E3272"/>
+                        </a:solidFill>
+                        <a:latin typeface="+mn-lt"/>
+                        <a:ea typeface="Times New Roman"/>
+                        <a:cs typeface="Times New Roman"/>
+                      </a:endParaRPr>
+                    </a:p>
+                  </a:txBody>
+                  <a:tcPr marL="68580" marR="68580" marT="0" marB="0">
+                    <a:lnL w="12700" cap="flat" cmpd="sng" algn="ctr">
+                      <a:solidFill>
+                        <a:srgbClr val="000000"/>
+                      </a:solidFill>
+                      <a:prstDash val="solid"/>
+                      <a:round/>
+                      <a:headEnd type="none" w="med" len="med"/>
+                      <a:tailEnd type="none" w="med" len="med"/>
+                    </a:lnL>
+                    <a:lnR w="28575" cap="flat" cmpd="sng" algn="ctr">
+                      <a:solidFill>
+                        <a:srgbClr val="000000"/>
+                      </a:solidFill>
+                      <a:prstDash val="solid"/>
+                      <a:round/>
+                      <a:headEnd type="none" w="med" len="med"/>
+                      <a:tailEnd type="none" w="med" len="med"/>
+                    </a:lnR>
+                    <a:lnT w="12700" cap="flat" cmpd="sng" algn="ctr">
+                      <a:solidFill>
+                        <a:srgbClr val="000000"/>
+                      </a:solidFill>
+                      <a:prstDash val="solid"/>
+                      <a:round/>
+                      <a:headEnd type="none" w="med" len="med"/>
+                      <a:tailEnd type="none" w="med" len="med"/>
+                    </a:lnT>
+                    <a:lnB w="12700" cap="flat" cmpd="sng" algn="ctr">
+                      <a:solidFill>
+                        <a:srgbClr val="000000"/>
+                      </a:solidFill>
+                      <a:prstDash val="solid"/>
+                      <a:round/>
+                      <a:headEnd type="none" w="med" len="med"/>
+                      <a:tailEnd type="none" w="med" len="med"/>
+                    </a:lnB>
+                    <a:solidFill>
+                      <a:srgbClr val="F7B217"/>
+                    </a:solidFill>
+                  </a:tcPr>
+                </a:tc>
+              </a:tr>
+              <a:tr h="391160">
+                <a:tc>
+                  <a:txBody>
+                    <a:bodyPr/>
+                    <a:lstStyle/>
+                    <a:p>
+                      <a:pPr>
+                        <a:spcAft>
+                          <a:spcPts val="0"/>
+                        </a:spcAft>
+                      </a:pPr>
+                      <a:r>
+                        <a:rPr lang="en-US" sz="2400" b="1" dirty="0">
+                          <a:solidFill>
+                            <a:srgbClr val="1E3272"/>
+                          </a:solidFill>
+                          <a:latin typeface="+mn-lt"/>
+                          <a:ea typeface="Times New Roman"/>
+                          <a:cs typeface="Times New Roman"/>
+                        </a:rPr>
+                        <a:t>y</a:t>
+                      </a:r>
+                      <a:endParaRPr lang="ru-RU" sz="2400" dirty="0">
+                        <a:solidFill>
+                          <a:srgbClr val="1E3272"/>
+                        </a:solidFill>
+                        <a:latin typeface="+mn-lt"/>
+                        <a:ea typeface="Times New Roman"/>
+                        <a:cs typeface="Times New Roman"/>
+                      </a:endParaRPr>
+                    </a:p>
+                  </a:txBody>
+                  <a:tcPr marL="68580" marR="68580" marT="0" marB="0">
+                    <a:lnL w="28575" cap="flat" cmpd="sng" algn="ctr">
+                      <a:solidFill>
+                        <a:srgbClr val="000000"/>
+                      </a:solidFill>
+                      <a:prstDash val="solid"/>
+                      <a:round/>
+                      <a:headEnd type="none" w="med" len="med"/>
+                      <a:tailEnd type="none" w="med" len="med"/>
+                    </a:lnL>
+                    <a:lnR w="12700" cap="flat" cmpd="sng" algn="ctr">
+                      <a:solidFill>
+                        <a:srgbClr val="000000"/>
+                      </a:solidFill>
+                      <a:prstDash val="solid"/>
+                      <a:round/>
+                      <a:headEnd type="none" w="med" len="med"/>
+                      <a:tailEnd type="none" w="med" len="med"/>
+                    </a:lnR>
+                    <a:lnT w="12700" cap="flat" cmpd="sng" algn="ctr">
+                      <a:solidFill>
+                        <a:srgbClr val="000000"/>
+                      </a:solidFill>
+                      <a:prstDash val="solid"/>
+                      <a:round/>
+                      <a:headEnd type="none" w="med" len="med"/>
+                      <a:tailEnd type="none" w="med" len="med"/>
+                    </a:lnT>
+                    <a:lnB w="28575" cap="flat" cmpd="sng" algn="ctr">
+                      <a:solidFill>
+                        <a:srgbClr val="000000"/>
+                      </a:solidFill>
+                      <a:prstDash val="solid"/>
+                      <a:round/>
+                      <a:headEnd type="none" w="med" len="med"/>
+                      <a:tailEnd type="none" w="med" len="med"/>
+                    </a:lnB>
+                    <a:solidFill>
+                      <a:srgbClr val="F7B217"/>
+                    </a:solidFill>
+                  </a:tcPr>
+                </a:tc>
+                <a:tc>
+                  <a:txBody>
+                    <a:bodyPr/>
+                    <a:lstStyle/>
+                    <a:p>
+                      <a:pPr algn="r">
+                        <a:spcAft>
+                          <a:spcPts val="0"/>
+                        </a:spcAft>
+                      </a:pPr>
+                      <a:r>
+                        <a:rPr lang="en-US" sz="2400" b="1" dirty="0">
+                          <a:solidFill>
+                            <a:srgbClr val="1E3272"/>
+                          </a:solidFill>
+                          <a:latin typeface="+mn-lt"/>
+                          <a:ea typeface="Times New Roman"/>
+                          <a:cs typeface="Times New Roman"/>
+                        </a:rPr>
+                        <a:t>-15213</a:t>
+                      </a:r>
+                      <a:endParaRPr lang="ru-RU" sz="2400" b="1" dirty="0">
+                        <a:solidFill>
+                          <a:srgbClr val="1E3272"/>
+                        </a:solidFill>
+                        <a:latin typeface="+mn-lt"/>
+                        <a:ea typeface="Times New Roman"/>
+                        <a:cs typeface="Times New Roman"/>
+                      </a:endParaRPr>
+                    </a:p>
+                  </a:txBody>
+                  <a:tcPr marL="68580" marR="68580" marT="0" marB="0">
+                    <a:lnL w="12700" cap="flat" cmpd="sng" algn="ctr">
+                      <a:solidFill>
+                        <a:srgbClr val="000000"/>
+                      </a:solidFill>
+                      <a:prstDash val="solid"/>
+                      <a:round/>
+                      <a:headEnd type="none" w="med" len="med"/>
+                      <a:tailEnd type="none" w="med" len="med"/>
+                    </a:lnL>
+                    <a:lnR w="12700" cap="flat" cmpd="sng" algn="ctr">
+                      <a:solidFill>
+                        <a:srgbClr val="000000"/>
+                      </a:solidFill>
+                      <a:prstDash val="solid"/>
+                      <a:round/>
+                      <a:headEnd type="none" w="med" len="med"/>
+                      <a:tailEnd type="none" w="med" len="med"/>
+                    </a:lnR>
+                    <a:lnT w="12700" cap="flat" cmpd="sng" algn="ctr">
+                      <a:solidFill>
+                        <a:srgbClr val="000000"/>
+                      </a:solidFill>
+                      <a:prstDash val="solid"/>
+                      <a:round/>
+                      <a:headEnd type="none" w="med" len="med"/>
+                      <a:tailEnd type="none" w="med" len="med"/>
+                    </a:lnT>
+                    <a:lnB w="28575" cap="flat" cmpd="sng" algn="ctr">
+                      <a:solidFill>
+                        <a:srgbClr val="000000"/>
+                      </a:solidFill>
+                      <a:prstDash val="solid"/>
+                      <a:round/>
+                      <a:headEnd type="none" w="med" len="med"/>
+                      <a:tailEnd type="none" w="med" len="med"/>
+                    </a:lnB>
+                    <a:solidFill>
+                      <a:srgbClr val="F7B217"/>
+                    </a:solidFill>
+                  </a:tcPr>
+                </a:tc>
+                <a:tc>
+                  <a:txBody>
+                    <a:bodyPr/>
+                    <a:lstStyle/>
+                    <a:p>
+                      <a:pPr algn="r">
+                        <a:spcAft>
+                          <a:spcPts val="0"/>
+                        </a:spcAft>
+                      </a:pPr>
+                      <a:r>
+                        <a:rPr lang="en-US" sz="2400" b="1" dirty="0">
+                          <a:solidFill>
+                            <a:srgbClr val="1E3272"/>
+                          </a:solidFill>
+                          <a:latin typeface="+mn-lt"/>
+                          <a:ea typeface="Times New Roman"/>
+                          <a:cs typeface="Times New Roman"/>
+                        </a:rPr>
+                        <a:t>C4 93</a:t>
+                      </a:r>
+                      <a:endParaRPr lang="ru-RU" sz="2400" b="1" dirty="0">
+                        <a:solidFill>
+                          <a:srgbClr val="1E3272"/>
+                        </a:solidFill>
+                        <a:latin typeface="+mn-lt"/>
+                        <a:ea typeface="Times New Roman"/>
+                        <a:cs typeface="Times New Roman"/>
+                      </a:endParaRPr>
+                    </a:p>
+                  </a:txBody>
+                  <a:tcPr marL="68580" marR="68580" marT="0" marB="0">
+                    <a:lnL w="12700" cap="flat" cmpd="sng" algn="ctr">
+                      <a:solidFill>
+                        <a:srgbClr val="000000"/>
+                      </a:solidFill>
+                      <a:prstDash val="solid"/>
+                      <a:round/>
+                      <a:headEnd type="none" w="med" len="med"/>
+                      <a:tailEnd type="none" w="med" len="med"/>
+                    </a:lnL>
+                    <a:lnR w="12700" cap="flat" cmpd="sng" algn="ctr">
+                      <a:solidFill>
+                        <a:srgbClr val="000000"/>
+                      </a:solidFill>
+                      <a:prstDash val="solid"/>
+                      <a:round/>
+                      <a:headEnd type="none" w="med" len="med"/>
+                      <a:tailEnd type="none" w="med" len="med"/>
+                    </a:lnR>
+                    <a:lnT w="12700" cap="flat" cmpd="sng" algn="ctr">
+                      <a:solidFill>
+                        <a:srgbClr val="000000"/>
+                      </a:solidFill>
+                      <a:prstDash val="solid"/>
+                      <a:round/>
+                      <a:headEnd type="none" w="med" len="med"/>
+                      <a:tailEnd type="none" w="med" len="med"/>
+                    </a:lnT>
+                    <a:lnB w="28575" cap="flat" cmpd="sng" algn="ctr">
+                      <a:solidFill>
+                        <a:srgbClr val="000000"/>
+                      </a:solidFill>
+                      <a:prstDash val="solid"/>
+                      <a:round/>
+                      <a:headEnd type="none" w="med" len="med"/>
+                      <a:tailEnd type="none" w="med" len="med"/>
+                    </a:lnB>
+                    <a:solidFill>
+                      <a:srgbClr val="F7B217"/>
+                    </a:solidFill>
+                  </a:tcPr>
+                </a:tc>
+                <a:tc>
+                  <a:txBody>
+                    <a:bodyPr/>
+                    <a:lstStyle/>
+                    <a:p>
+                      <a:pPr algn="r">
+                        <a:spcAft>
+                          <a:spcPts val="0"/>
+                        </a:spcAft>
+                      </a:pPr>
+                      <a:r>
+                        <a:rPr lang="en-US" sz="2400" b="1" dirty="0">
+                          <a:solidFill>
+                            <a:srgbClr val="1E3272"/>
+                          </a:solidFill>
+                          <a:latin typeface="+mn-lt"/>
+                          <a:ea typeface="Times New Roman"/>
+                          <a:cs typeface="Times New Roman"/>
+                        </a:rPr>
+                        <a:t>11000100 10010011</a:t>
+                      </a:r>
+                      <a:endParaRPr lang="ru-RU" sz="2400" b="1" dirty="0">
+                        <a:solidFill>
+                          <a:srgbClr val="1E3272"/>
+                        </a:solidFill>
+                        <a:latin typeface="+mn-lt"/>
+                        <a:ea typeface="Times New Roman"/>
+                        <a:cs typeface="Times New Roman"/>
+                      </a:endParaRPr>
+                    </a:p>
+                  </a:txBody>
+                  <a:tcPr marL="68580" marR="68580" marT="0" marB="0">
+                    <a:lnL w="12700" cap="flat" cmpd="sng" algn="ctr">
+                      <a:solidFill>
+                        <a:srgbClr val="000000"/>
+                      </a:solidFill>
+                      <a:prstDash val="solid"/>
+                      <a:round/>
+                      <a:headEnd type="none" w="med" len="med"/>
+                      <a:tailEnd type="none" w="med" len="med"/>
+                    </a:lnL>
+                    <a:lnR w="28575" cap="flat" cmpd="sng" algn="ctr">
+                      <a:solidFill>
+                        <a:srgbClr val="000000"/>
+                      </a:solidFill>
+                      <a:prstDash val="solid"/>
+                      <a:round/>
+                      <a:headEnd type="none" w="med" len="med"/>
+                      <a:tailEnd type="none" w="med" len="med"/>
+                    </a:lnR>
+                    <a:lnT w="12700" cap="flat" cmpd="sng" algn="ctr">
+                      <a:solidFill>
+                        <a:srgbClr val="000000"/>
+                      </a:solidFill>
+                      <a:prstDash val="solid"/>
+                      <a:round/>
+                      <a:headEnd type="none" w="med" len="med"/>
+                      <a:tailEnd type="none" w="med" len="med"/>
+                    </a:lnT>
+                    <a:lnB w="28575" cap="flat" cmpd="sng" algn="ctr">
+                      <a:solidFill>
+                        <a:srgbClr val="000000"/>
+                      </a:solidFill>
+                      <a:prstDash val="solid"/>
+                      <a:round/>
+                      <a:headEnd type="none" w="med" len="med"/>
+                      <a:tailEnd type="none" w="med" len="med"/>
+                    </a:lnB>
+                    <a:solidFill>
+                      <a:srgbClr val="F7B217"/>
+                    </a:solidFill>
+                  </a:tcPr>
+                </a:tc>
+              </a:tr>
+            </a:tbl>
+          </a:graphicData>
+        </a:graphic>
+      </p:graphicFrame>
+    </p:spTree>
+  </p:cSld>
+  <p:clrMapOvr>
+    <a:masterClrMapping/>
+  </p:clrMapOvr>
+  <p:timing>
+    <p:tnLst>
+      <p:par>
+        <p:cTn id="1" dur="indefinite" restart="never" nodeType="tmRoot"/>
+      </p:par>
+    </p:tnLst>
+  </p:timing>
+</p:sld>
+</file>
+
+<file path=ppt/slides/slide18.xml><?xml version="1.0" encoding="utf-8"?>
+<p:sld xmlns:a="http://schemas.openxmlformats.org/drawingml/2006/main" xmlns:r="http://schemas.openxmlformats.org/officeDocument/2006/relationships" xmlns:p="http://schemas.openxmlformats.org/presentationml/2006/main">
+  <p:cSld>
+    <p:spTree>
+      <p:nvGrpSpPr>
+        <p:cNvPr id="1" name=""/>
+        <p:cNvGrpSpPr/>
+        <p:nvPr/>
+      </p:nvGrpSpPr>
+      <p:grpSpPr>
+        <a:xfrm>
+          <a:off x="0" y="0"/>
+          <a:ext cx="0" cy="0"/>
+          <a:chOff x="0" y="0"/>
+          <a:chExt cx="0" cy="0"/>
+        </a:xfrm>
+      </p:grpSpPr>
+      <p:sp>
+        <p:nvSpPr>
+          <p:cNvPr id="3" name="Номер слайда 2"/>
+          <p:cNvSpPr>
+            <a:spLocks noGrp="1"/>
+          </p:cNvSpPr>
+          <p:nvPr>
+            <p:ph type="sldNum" sz="quarter" idx="12"/>
+          </p:nvPr>
+        </p:nvSpPr>
+        <p:spPr/>
+        <p:txBody>
+          <a:bodyPr/>
+          <a:lstStyle/>
+          <a:p>
+            <a:pPr algn="ctr"/>
+            <a:fld id="{1397BFD8-F312-4EF2-A268-44FB4BDDBBB0}" type="slidenum">
+              <a:rPr lang="ru-RU" smtClean="0"/>
+              <a:pPr algn="ctr"/>
+              <a:t>18</a:t>
+            </a:fld>
+            <a:endParaRPr lang="ru-RU" dirty="0"/>
+          </a:p>
+        </p:txBody>
+      </p:sp>
+      <p:sp>
+        <p:nvSpPr>
+          <p:cNvPr id="4" name="Заголовок 3"/>
           <p:cNvSpPr>
             <a:spLocks noGrp="1"/>
           </p:cNvSpPr>
@@ -15673,15 +16640,5165 @@
           <a:p>
             <a:r>
               <a:rPr lang="en-US" dirty="0" smtClean="0"/>
-              <a:t>Any Questions?</a:t>
-            </a:r>
-            <a:endParaRPr lang="ru-RU" sz="4000" dirty="0"/>
+              <a:t>Two-complement Encoding </a:t>
+            </a:r>
+            <a:r>
+              <a:rPr lang="en-US" dirty="0" smtClean="0"/>
+              <a:t>Example</a:t>
+            </a:r>
+            <a:endParaRPr lang="ru-RU" dirty="0"/>
           </a:p>
         </p:txBody>
       </p:sp>
       <p:sp>
         <p:nvSpPr>
-          <p:cNvPr id="6" name="Номер слайда 5"/>
+          <p:cNvPr id="5" name="Text Box 3"/>
+          <p:cNvSpPr txBox="1">
+            <a:spLocks noChangeArrowheads="1"/>
+          </p:cNvSpPr>
+          <p:nvPr/>
+        </p:nvSpPr>
+        <p:spPr bwMode="auto">
+          <a:xfrm>
+            <a:off x="1117600" y="3302000"/>
+            <a:ext cx="4445000" cy="830997"/>
+          </a:xfrm>
+          <a:prstGeom prst="rect">
+            <a:avLst/>
+          </a:prstGeom>
+          <a:solidFill>
+            <a:srgbClr val="F7B217"/>
+          </a:solidFill>
+          <a:ln w="12700" cmpd="dbl">
+            <a:solidFill>
+              <a:schemeClr val="tx1"/>
+            </a:solidFill>
+            <a:miter lim="800000"/>
+            <a:headEnd/>
+            <a:tailEnd/>
+          </a:ln>
+        </p:spPr>
+        <p:txBody>
+          <a:bodyPr wrap="square">
+            <a:spAutoFit/>
+          </a:bodyPr>
+          <a:lstStyle/>
+          <a:p>
+            <a:r>
+              <a:rPr lang="en-US" sz="2400" dirty="0">
+                <a:cs typeface="Courier New" pitchFamily="49" charset="0"/>
+              </a:rPr>
+              <a:t>  x = </a:t>
+            </a:r>
+            <a:r>
+              <a:rPr lang="ru-RU" sz="2400" dirty="0" smtClean="0">
+                <a:cs typeface="Courier New" pitchFamily="49" charset="0"/>
+              </a:rPr>
+              <a:t>  </a:t>
+            </a:r>
+            <a:r>
+              <a:rPr lang="en-US" sz="2400" dirty="0" smtClean="0">
+                <a:cs typeface="Courier New" pitchFamily="49" charset="0"/>
+              </a:rPr>
+              <a:t> </a:t>
+            </a:r>
+            <a:r>
+              <a:rPr lang="en-US" sz="2400" dirty="0">
+                <a:cs typeface="Courier New" pitchFamily="49" charset="0"/>
+              </a:rPr>
+              <a:t>15213: </a:t>
+            </a:r>
+            <a:r>
+              <a:rPr lang="en-US" sz="2400" dirty="0" smtClean="0">
+                <a:cs typeface="Courier New" pitchFamily="49" charset="0"/>
+              </a:rPr>
+              <a:t>00111011 </a:t>
+            </a:r>
+            <a:r>
+              <a:rPr lang="en-US" sz="2400" dirty="0">
+                <a:cs typeface="Courier New" pitchFamily="49" charset="0"/>
+              </a:rPr>
+              <a:t>01101101</a:t>
+            </a:r>
+          </a:p>
+          <a:p>
+            <a:r>
+              <a:rPr lang="en-US" sz="2400" dirty="0">
+                <a:cs typeface="Courier New" pitchFamily="49" charset="0"/>
+              </a:rPr>
+              <a:t>  y = </a:t>
+            </a:r>
+            <a:r>
+              <a:rPr lang="ru-RU" sz="2400" dirty="0" smtClean="0">
+                <a:cs typeface="Courier New" pitchFamily="49" charset="0"/>
+              </a:rPr>
+              <a:t> </a:t>
+            </a:r>
+            <a:r>
+              <a:rPr lang="en-US" sz="2400" dirty="0" smtClean="0">
+                <a:cs typeface="Courier New" pitchFamily="49" charset="0"/>
+              </a:rPr>
+              <a:t>-</a:t>
+            </a:r>
+            <a:r>
+              <a:rPr lang="en-US" sz="2400" dirty="0">
+                <a:cs typeface="Courier New" pitchFamily="49" charset="0"/>
+              </a:rPr>
+              <a:t>15213: 11000100 10010011</a:t>
+            </a:r>
+          </a:p>
+        </p:txBody>
+      </p:sp>
+      <p:graphicFrame>
+        <p:nvGraphicFramePr>
+          <p:cNvPr id="8" name="Содержимое 7"/>
+          <p:cNvGraphicFramePr>
+            <a:graphicFrameLocks noGrp="1"/>
+          </p:cNvGraphicFramePr>
+          <p:nvPr>
+            <p:ph idx="1"/>
+          </p:nvPr>
+        </p:nvGraphicFramePr>
+        <p:xfrm>
+          <a:off x="5867400" y="1104902"/>
+          <a:ext cx="4699000" cy="5486400"/>
+        </p:xfrm>
+        <a:graphic>
+          <a:graphicData uri="http://schemas.openxmlformats.org/drawingml/2006/table">
+            <a:tbl>
+              <a:tblPr/>
+              <a:tblGrid>
+                <a:gridCol w="939800"/>
+                <a:gridCol w="939800"/>
+                <a:gridCol w="939800"/>
+                <a:gridCol w="939800"/>
+                <a:gridCol w="939800"/>
+              </a:tblGrid>
+              <a:tr h="214665">
+                <a:tc>
+                  <a:txBody>
+                    <a:bodyPr/>
+                    <a:lstStyle/>
+                    <a:p>
+                      <a:pPr algn="ctr">
+                        <a:spcAft>
+                          <a:spcPts val="0"/>
+                        </a:spcAft>
+                      </a:pPr>
+                      <a:r>
+                        <a:rPr lang="en-US" sz="2000" b="1" kern="0" dirty="0">
+                          <a:solidFill>
+                            <a:srgbClr val="000000"/>
+                          </a:solidFill>
+                          <a:latin typeface="+mn-lt"/>
+                          <a:ea typeface="Times New Roman"/>
+                          <a:cs typeface="Times New Roman"/>
+                        </a:rPr>
+                        <a:t>Weight</a:t>
+                      </a:r>
+                      <a:endParaRPr lang="ru-RU" sz="2000" b="1" kern="0" dirty="0">
+                        <a:solidFill>
+                          <a:srgbClr val="000000"/>
+                        </a:solidFill>
+                        <a:latin typeface="+mn-lt"/>
+                        <a:ea typeface="Times New Roman"/>
+                        <a:cs typeface="Times New Roman"/>
+                      </a:endParaRPr>
+                    </a:p>
+                  </a:txBody>
+                  <a:tcPr marL="8734" marR="8734" marT="0" marB="0">
+                    <a:lnL w="19050" cap="flat" cmpd="sng" algn="ctr">
+                      <a:solidFill>
+                        <a:srgbClr val="000000"/>
+                      </a:solidFill>
+                      <a:prstDash val="solid"/>
+                      <a:round/>
+                      <a:headEnd type="none" w="med" len="med"/>
+                      <a:tailEnd type="none" w="med" len="med"/>
+                    </a:lnL>
+                    <a:lnR w="19050" cap="flat" cmpd="sng" algn="ctr">
+                      <a:solidFill>
+                        <a:srgbClr val="000000"/>
+                      </a:solidFill>
+                      <a:prstDash val="solid"/>
+                      <a:round/>
+                      <a:headEnd type="none" w="med" len="med"/>
+                      <a:tailEnd type="none" w="med" len="med"/>
+                    </a:lnR>
+                    <a:lnT w="19050" cap="flat" cmpd="sng" algn="ctr">
+                      <a:solidFill>
+                        <a:srgbClr val="000000"/>
+                      </a:solidFill>
+                      <a:prstDash val="solid"/>
+                      <a:round/>
+                      <a:headEnd type="none" w="med" len="med"/>
+                      <a:tailEnd type="none" w="med" len="med"/>
+                    </a:lnT>
+                    <a:lnB w="12700" cap="flat" cmpd="sng" algn="ctr">
+                      <a:solidFill>
+                        <a:srgbClr val="000000"/>
+                      </a:solidFill>
+                      <a:prstDash val="solid"/>
+                      <a:round/>
+                      <a:headEnd type="none" w="med" len="med"/>
+                      <a:tailEnd type="none" w="med" len="med"/>
+                    </a:lnB>
+                    <a:solidFill>
+                      <a:srgbClr val="F7B217"/>
+                    </a:solidFill>
+                  </a:tcPr>
+                </a:tc>
+                <a:tc gridSpan="2">
+                  <a:txBody>
+                    <a:bodyPr/>
+                    <a:lstStyle/>
+                    <a:p>
+                      <a:pPr algn="ctr">
+                        <a:spcAft>
+                          <a:spcPts val="0"/>
+                        </a:spcAft>
+                      </a:pPr>
+                      <a:r>
+                        <a:rPr lang="en-US" sz="2000" b="1" dirty="0">
+                          <a:solidFill>
+                            <a:srgbClr val="000000"/>
+                          </a:solidFill>
+                          <a:latin typeface="+mn-lt"/>
+                          <a:ea typeface="Times New Roman"/>
+                          <a:cs typeface="Times New Roman"/>
+                        </a:rPr>
+                        <a:t>15213</a:t>
+                      </a:r>
+                      <a:endParaRPr lang="ru-RU" sz="2000" b="1" dirty="0">
+                        <a:latin typeface="+mn-lt"/>
+                        <a:ea typeface="Times New Roman"/>
+                        <a:cs typeface="Times New Roman"/>
+                      </a:endParaRPr>
+                    </a:p>
+                  </a:txBody>
+                  <a:tcPr marL="8734" marR="8734" marT="0" marB="0">
+                    <a:lnL w="19050" cap="flat" cmpd="sng" algn="ctr">
+                      <a:solidFill>
+                        <a:srgbClr val="000000"/>
+                      </a:solidFill>
+                      <a:prstDash val="solid"/>
+                      <a:round/>
+                      <a:headEnd type="none" w="med" len="med"/>
+                      <a:tailEnd type="none" w="med" len="med"/>
+                    </a:lnL>
+                    <a:lnR w="19050" cap="flat" cmpd="sng" algn="ctr">
+                      <a:solidFill>
+                        <a:srgbClr val="000000"/>
+                      </a:solidFill>
+                      <a:prstDash val="solid"/>
+                      <a:round/>
+                      <a:headEnd type="none" w="med" len="med"/>
+                      <a:tailEnd type="none" w="med" len="med"/>
+                    </a:lnR>
+                    <a:lnT w="19050" cap="flat" cmpd="sng" algn="ctr">
+                      <a:solidFill>
+                        <a:srgbClr val="000000"/>
+                      </a:solidFill>
+                      <a:prstDash val="solid"/>
+                      <a:round/>
+                      <a:headEnd type="none" w="med" len="med"/>
+                      <a:tailEnd type="none" w="med" len="med"/>
+                    </a:lnT>
+                    <a:lnB w="12700" cap="flat" cmpd="sng" algn="ctr">
+                      <a:solidFill>
+                        <a:srgbClr val="000000"/>
+                      </a:solidFill>
+                      <a:prstDash val="solid"/>
+                      <a:round/>
+                      <a:headEnd type="none" w="med" len="med"/>
+                      <a:tailEnd type="none" w="med" len="med"/>
+                    </a:lnB>
+                    <a:solidFill>
+                      <a:srgbClr val="F7B217"/>
+                    </a:solidFill>
+                  </a:tcPr>
+                </a:tc>
+                <a:tc hMerge="1">
+                  <a:txBody>
+                    <a:bodyPr/>
+                    <a:lstStyle/>
+                    <a:p>
+                      <a:endParaRPr lang="ru-RU"/>
+                    </a:p>
+                  </a:txBody>
+                  <a:tcPr/>
+                </a:tc>
+                <a:tc gridSpan="2">
+                  <a:txBody>
+                    <a:bodyPr/>
+                    <a:lstStyle/>
+                    <a:p>
+                      <a:pPr algn="ctr">
+                        <a:spcAft>
+                          <a:spcPts val="0"/>
+                        </a:spcAft>
+                      </a:pPr>
+                      <a:r>
+                        <a:rPr lang="en-US" sz="2000" b="1" dirty="0">
+                          <a:solidFill>
+                            <a:srgbClr val="000000"/>
+                          </a:solidFill>
+                          <a:latin typeface="+mn-lt"/>
+                          <a:ea typeface="Times New Roman"/>
+                          <a:cs typeface="Times New Roman"/>
+                        </a:rPr>
+                        <a:t>-15213</a:t>
+                      </a:r>
+                      <a:endParaRPr lang="ru-RU" sz="2000" b="1" dirty="0">
+                        <a:latin typeface="+mn-lt"/>
+                        <a:ea typeface="Times New Roman"/>
+                        <a:cs typeface="Times New Roman"/>
+                      </a:endParaRPr>
+                    </a:p>
+                  </a:txBody>
+                  <a:tcPr marL="8734" marR="8734" marT="0" marB="0">
+                    <a:lnL w="19050" cap="flat" cmpd="sng" algn="ctr">
+                      <a:solidFill>
+                        <a:srgbClr val="000000"/>
+                      </a:solidFill>
+                      <a:prstDash val="solid"/>
+                      <a:round/>
+                      <a:headEnd type="none" w="med" len="med"/>
+                      <a:tailEnd type="none" w="med" len="med"/>
+                    </a:lnL>
+                    <a:lnR w="19050" cap="flat" cmpd="sng" algn="ctr">
+                      <a:solidFill>
+                        <a:srgbClr val="000000"/>
+                      </a:solidFill>
+                      <a:prstDash val="solid"/>
+                      <a:round/>
+                      <a:headEnd type="none" w="med" len="med"/>
+                      <a:tailEnd type="none" w="med" len="med"/>
+                    </a:lnR>
+                    <a:lnT w="19050" cap="flat" cmpd="sng" algn="ctr">
+                      <a:solidFill>
+                        <a:srgbClr val="000000"/>
+                      </a:solidFill>
+                      <a:prstDash val="solid"/>
+                      <a:round/>
+                      <a:headEnd type="none" w="med" len="med"/>
+                      <a:tailEnd type="none" w="med" len="med"/>
+                    </a:lnT>
+                    <a:lnB w="12700" cap="flat" cmpd="sng" algn="ctr">
+                      <a:solidFill>
+                        <a:srgbClr val="000000"/>
+                      </a:solidFill>
+                      <a:prstDash val="solid"/>
+                      <a:round/>
+                      <a:headEnd type="none" w="med" len="med"/>
+                      <a:tailEnd type="none" w="med" len="med"/>
+                    </a:lnB>
+                    <a:solidFill>
+                      <a:srgbClr val="F7B217"/>
+                    </a:solidFill>
+                  </a:tcPr>
+                </a:tc>
+                <a:tc hMerge="1">
+                  <a:txBody>
+                    <a:bodyPr/>
+                    <a:lstStyle/>
+                    <a:p>
+                      <a:endParaRPr lang="ru-RU"/>
+                    </a:p>
+                  </a:txBody>
+                  <a:tcPr/>
+                </a:tc>
+              </a:tr>
+              <a:tr h="214665">
+                <a:tc>
+                  <a:txBody>
+                    <a:bodyPr/>
+                    <a:lstStyle/>
+                    <a:p>
+                      <a:pPr algn="ctr">
+                        <a:spcAft>
+                          <a:spcPts val="0"/>
+                        </a:spcAft>
+                      </a:pPr>
+                      <a:r>
+                        <a:rPr lang="en-US" sz="2000" b="1" dirty="0">
+                          <a:solidFill>
+                            <a:srgbClr val="000000"/>
+                          </a:solidFill>
+                          <a:latin typeface="+mn-lt"/>
+                          <a:ea typeface="Times New Roman"/>
+                          <a:cs typeface="Times New Roman"/>
+                        </a:rPr>
+                        <a:t>1</a:t>
+                      </a:r>
+                      <a:endParaRPr lang="ru-RU" sz="2000" b="1" dirty="0">
+                        <a:latin typeface="+mn-lt"/>
+                        <a:ea typeface="Times New Roman"/>
+                        <a:cs typeface="Times New Roman"/>
+                      </a:endParaRPr>
+                    </a:p>
+                  </a:txBody>
+                  <a:tcPr marL="8734" marR="8734" marT="0" marB="0">
+                    <a:lnL w="19050" cap="flat" cmpd="sng" algn="ctr">
+                      <a:solidFill>
+                        <a:srgbClr val="000000"/>
+                      </a:solidFill>
+                      <a:prstDash val="solid"/>
+                      <a:round/>
+                      <a:headEnd type="none" w="med" len="med"/>
+                      <a:tailEnd type="none" w="med" len="med"/>
+                    </a:lnL>
+                    <a:lnR w="19050" cap="flat" cmpd="sng" algn="ctr">
+                      <a:solidFill>
+                        <a:srgbClr val="000000"/>
+                      </a:solidFill>
+                      <a:prstDash val="solid"/>
+                      <a:round/>
+                      <a:headEnd type="none" w="med" len="med"/>
+                      <a:tailEnd type="none" w="med" len="med"/>
+                    </a:lnR>
+                    <a:lnT w="12700" cap="flat" cmpd="sng" algn="ctr">
+                      <a:solidFill>
+                        <a:srgbClr val="000000"/>
+                      </a:solidFill>
+                      <a:prstDash val="solid"/>
+                      <a:round/>
+                      <a:headEnd type="none" w="med" len="med"/>
+                      <a:tailEnd type="none" w="med" len="med"/>
+                    </a:lnT>
+                    <a:lnB>
+                      <a:noFill/>
+                    </a:lnB>
+                    <a:solidFill>
+                      <a:srgbClr val="F7B217"/>
+                    </a:solidFill>
+                  </a:tcPr>
+                </a:tc>
+                <a:tc>
+                  <a:txBody>
+                    <a:bodyPr/>
+                    <a:lstStyle/>
+                    <a:p>
+                      <a:pPr algn="ctr">
+                        <a:spcAft>
+                          <a:spcPts val="0"/>
+                        </a:spcAft>
+                      </a:pPr>
+                      <a:r>
+                        <a:rPr lang="en-US" sz="2000" b="1" dirty="0">
+                          <a:solidFill>
+                            <a:srgbClr val="000000"/>
+                          </a:solidFill>
+                          <a:latin typeface="+mn-lt"/>
+                          <a:ea typeface="Times New Roman"/>
+                          <a:cs typeface="Times New Roman"/>
+                        </a:rPr>
+                        <a:t>1</a:t>
+                      </a:r>
+                      <a:endParaRPr lang="ru-RU" sz="2000" b="1" dirty="0">
+                        <a:latin typeface="+mn-lt"/>
+                        <a:ea typeface="Times New Roman"/>
+                        <a:cs typeface="Times New Roman"/>
+                      </a:endParaRPr>
+                    </a:p>
+                  </a:txBody>
+                  <a:tcPr marL="8734" marR="8734" marT="0" marB="0">
+                    <a:lnL w="19050" cap="flat" cmpd="sng" algn="ctr">
+                      <a:solidFill>
+                        <a:srgbClr val="000000"/>
+                      </a:solidFill>
+                      <a:prstDash val="solid"/>
+                      <a:round/>
+                      <a:headEnd type="none" w="med" len="med"/>
+                      <a:tailEnd type="none" w="med" len="med"/>
+                    </a:lnL>
+                    <a:lnR>
+                      <a:noFill/>
+                    </a:lnR>
+                    <a:lnT w="12700" cap="flat" cmpd="sng" algn="ctr">
+                      <a:solidFill>
+                        <a:srgbClr val="000000"/>
+                      </a:solidFill>
+                      <a:prstDash val="solid"/>
+                      <a:round/>
+                      <a:headEnd type="none" w="med" len="med"/>
+                      <a:tailEnd type="none" w="med" len="med"/>
+                    </a:lnT>
+                    <a:lnB>
+                      <a:noFill/>
+                    </a:lnB>
+                    <a:solidFill>
+                      <a:srgbClr val="F7B217"/>
+                    </a:solidFill>
+                  </a:tcPr>
+                </a:tc>
+                <a:tc>
+                  <a:txBody>
+                    <a:bodyPr/>
+                    <a:lstStyle/>
+                    <a:p>
+                      <a:pPr algn="ctr">
+                        <a:spcAft>
+                          <a:spcPts val="0"/>
+                        </a:spcAft>
+                      </a:pPr>
+                      <a:r>
+                        <a:rPr lang="en-US" sz="2000" b="1" dirty="0" smtClean="0">
+                          <a:solidFill>
+                            <a:srgbClr val="000000"/>
+                          </a:solidFill>
+                          <a:latin typeface="+mn-lt"/>
+                          <a:ea typeface="Times New Roman"/>
+                          <a:cs typeface="Times New Roman"/>
+                        </a:rPr>
+                        <a:t>1</a:t>
+                      </a:r>
+                      <a:r>
+                        <a:rPr lang="ru-RU" sz="2000" b="1" dirty="0" smtClean="0">
+                          <a:solidFill>
+                            <a:srgbClr val="000000"/>
+                          </a:solidFill>
+                          <a:latin typeface="+mn-lt"/>
+                          <a:ea typeface="Times New Roman"/>
+                          <a:cs typeface="Times New Roman"/>
+                        </a:rPr>
+                        <a:t>    </a:t>
+                      </a:r>
+                      <a:endParaRPr lang="ru-RU" sz="2000" b="1" dirty="0">
+                        <a:latin typeface="+mn-lt"/>
+                        <a:ea typeface="Times New Roman"/>
+                        <a:cs typeface="Times New Roman"/>
+                      </a:endParaRPr>
+                    </a:p>
+                  </a:txBody>
+                  <a:tcPr marL="8734" marR="8734" marT="0" marB="0">
+                    <a:lnL>
+                      <a:noFill/>
+                    </a:lnL>
+                    <a:lnR w="19050" cap="flat" cmpd="sng" algn="ctr">
+                      <a:solidFill>
+                        <a:srgbClr val="000000"/>
+                      </a:solidFill>
+                      <a:prstDash val="solid"/>
+                      <a:round/>
+                      <a:headEnd type="none" w="med" len="med"/>
+                      <a:tailEnd type="none" w="med" len="med"/>
+                    </a:lnR>
+                    <a:lnT w="12700" cap="flat" cmpd="sng" algn="ctr">
+                      <a:solidFill>
+                        <a:srgbClr val="000000"/>
+                      </a:solidFill>
+                      <a:prstDash val="solid"/>
+                      <a:round/>
+                      <a:headEnd type="none" w="med" len="med"/>
+                      <a:tailEnd type="none" w="med" len="med"/>
+                    </a:lnT>
+                    <a:lnB>
+                      <a:noFill/>
+                    </a:lnB>
+                    <a:solidFill>
+                      <a:srgbClr val="F7B217"/>
+                    </a:solidFill>
+                  </a:tcPr>
+                </a:tc>
+                <a:tc>
+                  <a:txBody>
+                    <a:bodyPr/>
+                    <a:lstStyle/>
+                    <a:p>
+                      <a:pPr algn="ctr">
+                        <a:spcAft>
+                          <a:spcPts val="0"/>
+                        </a:spcAft>
+                      </a:pPr>
+                      <a:r>
+                        <a:rPr lang="en-US" sz="2000" b="1" dirty="0">
+                          <a:solidFill>
+                            <a:srgbClr val="000000"/>
+                          </a:solidFill>
+                          <a:latin typeface="+mn-lt"/>
+                          <a:ea typeface="Times New Roman"/>
+                          <a:cs typeface="Times New Roman"/>
+                        </a:rPr>
+                        <a:t>1</a:t>
+                      </a:r>
+                      <a:endParaRPr lang="ru-RU" sz="2000" b="1" dirty="0">
+                        <a:latin typeface="+mn-lt"/>
+                        <a:ea typeface="Times New Roman"/>
+                        <a:cs typeface="Times New Roman"/>
+                      </a:endParaRPr>
+                    </a:p>
+                  </a:txBody>
+                  <a:tcPr marL="8734" marR="8734" marT="0" marB="0">
+                    <a:lnL w="19050" cap="flat" cmpd="sng" algn="ctr">
+                      <a:solidFill>
+                        <a:srgbClr val="000000"/>
+                      </a:solidFill>
+                      <a:prstDash val="solid"/>
+                      <a:round/>
+                      <a:headEnd type="none" w="med" len="med"/>
+                      <a:tailEnd type="none" w="med" len="med"/>
+                    </a:lnL>
+                    <a:lnR>
+                      <a:noFill/>
+                    </a:lnR>
+                    <a:lnT w="12700" cap="flat" cmpd="sng" algn="ctr">
+                      <a:solidFill>
+                        <a:srgbClr val="000000"/>
+                      </a:solidFill>
+                      <a:prstDash val="solid"/>
+                      <a:round/>
+                      <a:headEnd type="none" w="med" len="med"/>
+                      <a:tailEnd type="none" w="med" len="med"/>
+                    </a:lnT>
+                    <a:lnB>
+                      <a:noFill/>
+                    </a:lnB>
+                    <a:solidFill>
+                      <a:srgbClr val="F7B217"/>
+                    </a:solidFill>
+                  </a:tcPr>
+                </a:tc>
+                <a:tc>
+                  <a:txBody>
+                    <a:bodyPr/>
+                    <a:lstStyle/>
+                    <a:p>
+                      <a:pPr algn="ctr">
+                        <a:spcAft>
+                          <a:spcPts val="0"/>
+                        </a:spcAft>
+                      </a:pPr>
+                      <a:r>
+                        <a:rPr lang="en-US" sz="2000" b="1">
+                          <a:solidFill>
+                            <a:srgbClr val="000000"/>
+                          </a:solidFill>
+                          <a:latin typeface="+mn-lt"/>
+                          <a:ea typeface="Times New Roman"/>
+                          <a:cs typeface="Times New Roman"/>
+                        </a:rPr>
+                        <a:t>1</a:t>
+                      </a:r>
+                      <a:endParaRPr lang="ru-RU" sz="2000" b="1">
+                        <a:latin typeface="+mn-lt"/>
+                        <a:ea typeface="Times New Roman"/>
+                        <a:cs typeface="Times New Roman"/>
+                      </a:endParaRPr>
+                    </a:p>
+                  </a:txBody>
+                  <a:tcPr marL="8734" marR="8734" marT="0" marB="0">
+                    <a:lnL>
+                      <a:noFill/>
+                    </a:lnL>
+                    <a:lnR w="19050" cap="flat" cmpd="sng" algn="ctr">
+                      <a:solidFill>
+                        <a:srgbClr val="000000"/>
+                      </a:solidFill>
+                      <a:prstDash val="solid"/>
+                      <a:round/>
+                      <a:headEnd type="none" w="med" len="med"/>
+                      <a:tailEnd type="none" w="med" len="med"/>
+                    </a:lnR>
+                    <a:lnT w="12700" cap="flat" cmpd="sng" algn="ctr">
+                      <a:solidFill>
+                        <a:srgbClr val="000000"/>
+                      </a:solidFill>
+                      <a:prstDash val="solid"/>
+                      <a:round/>
+                      <a:headEnd type="none" w="med" len="med"/>
+                      <a:tailEnd type="none" w="med" len="med"/>
+                    </a:lnT>
+                    <a:lnB>
+                      <a:noFill/>
+                    </a:lnB>
+                    <a:solidFill>
+                      <a:srgbClr val="F7B217"/>
+                    </a:solidFill>
+                  </a:tcPr>
+                </a:tc>
+              </a:tr>
+              <a:tr h="214665">
+                <a:tc>
+                  <a:txBody>
+                    <a:bodyPr/>
+                    <a:lstStyle/>
+                    <a:p>
+                      <a:pPr algn="ctr">
+                        <a:spcAft>
+                          <a:spcPts val="0"/>
+                        </a:spcAft>
+                      </a:pPr>
+                      <a:r>
+                        <a:rPr lang="en-US" sz="2000" b="1" dirty="0">
+                          <a:solidFill>
+                            <a:srgbClr val="000000"/>
+                          </a:solidFill>
+                          <a:latin typeface="+mn-lt"/>
+                          <a:ea typeface="Times New Roman"/>
+                          <a:cs typeface="Times New Roman"/>
+                        </a:rPr>
+                        <a:t>2</a:t>
+                      </a:r>
+                      <a:endParaRPr lang="ru-RU" sz="2000" b="1" dirty="0">
+                        <a:latin typeface="+mn-lt"/>
+                        <a:ea typeface="Times New Roman"/>
+                        <a:cs typeface="Times New Roman"/>
+                      </a:endParaRPr>
+                    </a:p>
+                  </a:txBody>
+                  <a:tcPr marL="8734" marR="8734" marT="0" marB="0">
+                    <a:lnL w="19050" cap="flat" cmpd="sng" algn="ctr">
+                      <a:solidFill>
+                        <a:srgbClr val="000000"/>
+                      </a:solidFill>
+                      <a:prstDash val="solid"/>
+                      <a:round/>
+                      <a:headEnd type="none" w="med" len="med"/>
+                      <a:tailEnd type="none" w="med" len="med"/>
+                    </a:lnL>
+                    <a:lnR w="19050" cap="flat" cmpd="sng" algn="ctr">
+                      <a:solidFill>
+                        <a:srgbClr val="000000"/>
+                      </a:solidFill>
+                      <a:prstDash val="solid"/>
+                      <a:round/>
+                      <a:headEnd type="none" w="med" len="med"/>
+                      <a:tailEnd type="none" w="med" len="med"/>
+                    </a:lnR>
+                    <a:lnT>
+                      <a:noFill/>
+                    </a:lnT>
+                    <a:lnB>
+                      <a:noFill/>
+                    </a:lnB>
+                    <a:solidFill>
+                      <a:srgbClr val="F7B217"/>
+                    </a:solidFill>
+                  </a:tcPr>
+                </a:tc>
+                <a:tc>
+                  <a:txBody>
+                    <a:bodyPr/>
+                    <a:lstStyle/>
+                    <a:p>
+                      <a:pPr algn="ctr">
+                        <a:spcAft>
+                          <a:spcPts val="0"/>
+                        </a:spcAft>
+                      </a:pPr>
+                      <a:r>
+                        <a:rPr lang="en-US" sz="2000" b="1" dirty="0">
+                          <a:solidFill>
+                            <a:srgbClr val="000000"/>
+                          </a:solidFill>
+                          <a:latin typeface="+mn-lt"/>
+                          <a:ea typeface="Times New Roman"/>
+                          <a:cs typeface="Times New Roman"/>
+                        </a:rPr>
+                        <a:t>0</a:t>
+                      </a:r>
+                      <a:endParaRPr lang="ru-RU" sz="2000" b="1" dirty="0">
+                        <a:latin typeface="+mn-lt"/>
+                        <a:ea typeface="Times New Roman"/>
+                        <a:cs typeface="Times New Roman"/>
+                      </a:endParaRPr>
+                    </a:p>
+                  </a:txBody>
+                  <a:tcPr marL="8734" marR="8734" marT="0" marB="0">
+                    <a:lnL w="19050" cap="flat" cmpd="sng" algn="ctr">
+                      <a:solidFill>
+                        <a:srgbClr val="000000"/>
+                      </a:solidFill>
+                      <a:prstDash val="solid"/>
+                      <a:round/>
+                      <a:headEnd type="none" w="med" len="med"/>
+                      <a:tailEnd type="none" w="med" len="med"/>
+                    </a:lnL>
+                    <a:lnR>
+                      <a:noFill/>
+                    </a:lnR>
+                    <a:lnT>
+                      <a:noFill/>
+                    </a:lnT>
+                    <a:lnB>
+                      <a:noFill/>
+                    </a:lnB>
+                    <a:solidFill>
+                      <a:srgbClr val="F7B217"/>
+                    </a:solidFill>
+                  </a:tcPr>
+                </a:tc>
+                <a:tc>
+                  <a:txBody>
+                    <a:bodyPr/>
+                    <a:lstStyle/>
+                    <a:p>
+                      <a:pPr algn="ctr">
+                        <a:spcAft>
+                          <a:spcPts val="0"/>
+                        </a:spcAft>
+                      </a:pPr>
+                      <a:r>
+                        <a:rPr lang="en-US" sz="2000" b="1" dirty="0">
+                          <a:solidFill>
+                            <a:srgbClr val="000000"/>
+                          </a:solidFill>
+                          <a:latin typeface="+mn-lt"/>
+                          <a:ea typeface="Times New Roman"/>
+                          <a:cs typeface="Times New Roman"/>
+                        </a:rPr>
+                        <a:t>0</a:t>
+                      </a:r>
+                      <a:endParaRPr lang="ru-RU" sz="2000" b="1" dirty="0">
+                        <a:latin typeface="+mn-lt"/>
+                        <a:ea typeface="Times New Roman"/>
+                        <a:cs typeface="Times New Roman"/>
+                      </a:endParaRPr>
+                    </a:p>
+                  </a:txBody>
+                  <a:tcPr marL="8734" marR="8734" marT="0" marB="0">
+                    <a:lnL>
+                      <a:noFill/>
+                    </a:lnL>
+                    <a:lnR w="19050" cap="flat" cmpd="sng" algn="ctr">
+                      <a:solidFill>
+                        <a:srgbClr val="000000"/>
+                      </a:solidFill>
+                      <a:prstDash val="solid"/>
+                      <a:round/>
+                      <a:headEnd type="none" w="med" len="med"/>
+                      <a:tailEnd type="none" w="med" len="med"/>
+                    </a:lnR>
+                    <a:lnT>
+                      <a:noFill/>
+                    </a:lnT>
+                    <a:lnB>
+                      <a:noFill/>
+                    </a:lnB>
+                    <a:solidFill>
+                      <a:srgbClr val="F7B217"/>
+                    </a:solidFill>
+                  </a:tcPr>
+                </a:tc>
+                <a:tc>
+                  <a:txBody>
+                    <a:bodyPr/>
+                    <a:lstStyle/>
+                    <a:p>
+                      <a:pPr algn="ctr">
+                        <a:spcAft>
+                          <a:spcPts val="0"/>
+                        </a:spcAft>
+                      </a:pPr>
+                      <a:r>
+                        <a:rPr lang="en-US" sz="2000" b="1" dirty="0">
+                          <a:solidFill>
+                            <a:srgbClr val="000000"/>
+                          </a:solidFill>
+                          <a:latin typeface="+mn-lt"/>
+                          <a:ea typeface="Times New Roman"/>
+                          <a:cs typeface="Times New Roman"/>
+                        </a:rPr>
+                        <a:t>1</a:t>
+                      </a:r>
+                      <a:endParaRPr lang="ru-RU" sz="2000" b="1" dirty="0">
+                        <a:latin typeface="+mn-lt"/>
+                        <a:ea typeface="Times New Roman"/>
+                        <a:cs typeface="Times New Roman"/>
+                      </a:endParaRPr>
+                    </a:p>
+                  </a:txBody>
+                  <a:tcPr marL="8734" marR="8734" marT="0" marB="0">
+                    <a:lnL w="19050" cap="flat" cmpd="sng" algn="ctr">
+                      <a:solidFill>
+                        <a:srgbClr val="000000"/>
+                      </a:solidFill>
+                      <a:prstDash val="solid"/>
+                      <a:round/>
+                      <a:headEnd type="none" w="med" len="med"/>
+                      <a:tailEnd type="none" w="med" len="med"/>
+                    </a:lnL>
+                    <a:lnR>
+                      <a:noFill/>
+                    </a:lnR>
+                    <a:lnT>
+                      <a:noFill/>
+                    </a:lnT>
+                    <a:lnB>
+                      <a:noFill/>
+                    </a:lnB>
+                    <a:solidFill>
+                      <a:srgbClr val="F7B217"/>
+                    </a:solidFill>
+                  </a:tcPr>
+                </a:tc>
+                <a:tc>
+                  <a:txBody>
+                    <a:bodyPr/>
+                    <a:lstStyle/>
+                    <a:p>
+                      <a:pPr algn="ctr">
+                        <a:spcAft>
+                          <a:spcPts val="0"/>
+                        </a:spcAft>
+                      </a:pPr>
+                      <a:r>
+                        <a:rPr lang="en-US" sz="2000" b="1" dirty="0">
+                          <a:solidFill>
+                            <a:srgbClr val="000000"/>
+                          </a:solidFill>
+                          <a:latin typeface="+mn-lt"/>
+                          <a:ea typeface="Times New Roman"/>
+                          <a:cs typeface="Times New Roman"/>
+                        </a:rPr>
+                        <a:t>2</a:t>
+                      </a:r>
+                      <a:endParaRPr lang="ru-RU" sz="2000" b="1" dirty="0">
+                        <a:latin typeface="+mn-lt"/>
+                        <a:ea typeface="Times New Roman"/>
+                        <a:cs typeface="Times New Roman"/>
+                      </a:endParaRPr>
+                    </a:p>
+                  </a:txBody>
+                  <a:tcPr marL="8734" marR="8734" marT="0" marB="0">
+                    <a:lnL>
+                      <a:noFill/>
+                    </a:lnL>
+                    <a:lnR w="19050" cap="flat" cmpd="sng" algn="ctr">
+                      <a:solidFill>
+                        <a:srgbClr val="000000"/>
+                      </a:solidFill>
+                      <a:prstDash val="solid"/>
+                      <a:round/>
+                      <a:headEnd type="none" w="med" len="med"/>
+                      <a:tailEnd type="none" w="med" len="med"/>
+                    </a:lnR>
+                    <a:lnT>
+                      <a:noFill/>
+                    </a:lnT>
+                    <a:lnB>
+                      <a:noFill/>
+                    </a:lnB>
+                    <a:solidFill>
+                      <a:srgbClr val="F7B217"/>
+                    </a:solidFill>
+                  </a:tcPr>
+                </a:tc>
+              </a:tr>
+              <a:tr h="214665">
+                <a:tc>
+                  <a:txBody>
+                    <a:bodyPr/>
+                    <a:lstStyle/>
+                    <a:p>
+                      <a:pPr algn="ctr">
+                        <a:spcAft>
+                          <a:spcPts val="0"/>
+                        </a:spcAft>
+                      </a:pPr>
+                      <a:r>
+                        <a:rPr lang="en-US" sz="2000" b="1" dirty="0">
+                          <a:solidFill>
+                            <a:srgbClr val="000000"/>
+                          </a:solidFill>
+                          <a:latin typeface="+mn-lt"/>
+                          <a:ea typeface="Times New Roman"/>
+                          <a:cs typeface="Times New Roman"/>
+                        </a:rPr>
+                        <a:t>4</a:t>
+                      </a:r>
+                      <a:endParaRPr lang="ru-RU" sz="2000" b="1" dirty="0">
+                        <a:latin typeface="+mn-lt"/>
+                        <a:ea typeface="Times New Roman"/>
+                        <a:cs typeface="Times New Roman"/>
+                      </a:endParaRPr>
+                    </a:p>
+                  </a:txBody>
+                  <a:tcPr marL="8734" marR="8734" marT="0" marB="0">
+                    <a:lnL w="19050" cap="flat" cmpd="sng" algn="ctr">
+                      <a:solidFill>
+                        <a:srgbClr val="000000"/>
+                      </a:solidFill>
+                      <a:prstDash val="solid"/>
+                      <a:round/>
+                      <a:headEnd type="none" w="med" len="med"/>
+                      <a:tailEnd type="none" w="med" len="med"/>
+                    </a:lnL>
+                    <a:lnR w="19050" cap="flat" cmpd="sng" algn="ctr">
+                      <a:solidFill>
+                        <a:srgbClr val="000000"/>
+                      </a:solidFill>
+                      <a:prstDash val="solid"/>
+                      <a:round/>
+                      <a:headEnd type="none" w="med" len="med"/>
+                      <a:tailEnd type="none" w="med" len="med"/>
+                    </a:lnR>
+                    <a:lnT>
+                      <a:noFill/>
+                    </a:lnT>
+                    <a:lnB>
+                      <a:noFill/>
+                    </a:lnB>
+                    <a:solidFill>
+                      <a:srgbClr val="F7B217"/>
+                    </a:solidFill>
+                  </a:tcPr>
+                </a:tc>
+                <a:tc>
+                  <a:txBody>
+                    <a:bodyPr/>
+                    <a:lstStyle/>
+                    <a:p>
+                      <a:pPr algn="ctr">
+                        <a:spcAft>
+                          <a:spcPts val="0"/>
+                        </a:spcAft>
+                      </a:pPr>
+                      <a:r>
+                        <a:rPr lang="en-US" sz="2000" b="1" dirty="0">
+                          <a:solidFill>
+                            <a:srgbClr val="000000"/>
+                          </a:solidFill>
+                          <a:latin typeface="+mn-lt"/>
+                          <a:ea typeface="Times New Roman"/>
+                          <a:cs typeface="Times New Roman"/>
+                        </a:rPr>
+                        <a:t>1</a:t>
+                      </a:r>
+                      <a:endParaRPr lang="ru-RU" sz="2000" b="1" dirty="0">
+                        <a:latin typeface="+mn-lt"/>
+                        <a:ea typeface="Times New Roman"/>
+                        <a:cs typeface="Times New Roman"/>
+                      </a:endParaRPr>
+                    </a:p>
+                  </a:txBody>
+                  <a:tcPr marL="8734" marR="8734" marT="0" marB="0">
+                    <a:lnL w="19050" cap="flat" cmpd="sng" algn="ctr">
+                      <a:solidFill>
+                        <a:srgbClr val="000000"/>
+                      </a:solidFill>
+                      <a:prstDash val="solid"/>
+                      <a:round/>
+                      <a:headEnd type="none" w="med" len="med"/>
+                      <a:tailEnd type="none" w="med" len="med"/>
+                    </a:lnL>
+                    <a:lnR>
+                      <a:noFill/>
+                    </a:lnR>
+                    <a:lnT>
+                      <a:noFill/>
+                    </a:lnT>
+                    <a:lnB>
+                      <a:noFill/>
+                    </a:lnB>
+                    <a:solidFill>
+                      <a:srgbClr val="F7B217"/>
+                    </a:solidFill>
+                  </a:tcPr>
+                </a:tc>
+                <a:tc>
+                  <a:txBody>
+                    <a:bodyPr/>
+                    <a:lstStyle/>
+                    <a:p>
+                      <a:pPr algn="ctr">
+                        <a:spcAft>
+                          <a:spcPts val="0"/>
+                        </a:spcAft>
+                      </a:pPr>
+                      <a:r>
+                        <a:rPr lang="en-US" sz="2000" b="1" dirty="0">
+                          <a:solidFill>
+                            <a:srgbClr val="000000"/>
+                          </a:solidFill>
+                          <a:latin typeface="+mn-lt"/>
+                          <a:ea typeface="Times New Roman"/>
+                          <a:cs typeface="Times New Roman"/>
+                        </a:rPr>
+                        <a:t>4</a:t>
+                      </a:r>
+                      <a:endParaRPr lang="ru-RU" sz="2000" b="1" dirty="0">
+                        <a:latin typeface="+mn-lt"/>
+                        <a:ea typeface="Times New Roman"/>
+                        <a:cs typeface="Times New Roman"/>
+                      </a:endParaRPr>
+                    </a:p>
+                  </a:txBody>
+                  <a:tcPr marL="8734" marR="8734" marT="0" marB="0">
+                    <a:lnL>
+                      <a:noFill/>
+                    </a:lnL>
+                    <a:lnR w="19050" cap="flat" cmpd="sng" algn="ctr">
+                      <a:solidFill>
+                        <a:srgbClr val="000000"/>
+                      </a:solidFill>
+                      <a:prstDash val="solid"/>
+                      <a:round/>
+                      <a:headEnd type="none" w="med" len="med"/>
+                      <a:tailEnd type="none" w="med" len="med"/>
+                    </a:lnR>
+                    <a:lnT>
+                      <a:noFill/>
+                    </a:lnT>
+                    <a:lnB>
+                      <a:noFill/>
+                    </a:lnB>
+                    <a:solidFill>
+                      <a:srgbClr val="F7B217"/>
+                    </a:solidFill>
+                  </a:tcPr>
+                </a:tc>
+                <a:tc>
+                  <a:txBody>
+                    <a:bodyPr/>
+                    <a:lstStyle/>
+                    <a:p>
+                      <a:pPr algn="ctr">
+                        <a:spcAft>
+                          <a:spcPts val="0"/>
+                        </a:spcAft>
+                      </a:pPr>
+                      <a:r>
+                        <a:rPr lang="en-US" sz="2000" b="1">
+                          <a:solidFill>
+                            <a:srgbClr val="000000"/>
+                          </a:solidFill>
+                          <a:latin typeface="+mn-lt"/>
+                          <a:ea typeface="Times New Roman"/>
+                          <a:cs typeface="Times New Roman"/>
+                        </a:rPr>
+                        <a:t>0</a:t>
+                      </a:r>
+                      <a:endParaRPr lang="ru-RU" sz="2000" b="1">
+                        <a:latin typeface="+mn-lt"/>
+                        <a:ea typeface="Times New Roman"/>
+                        <a:cs typeface="Times New Roman"/>
+                      </a:endParaRPr>
+                    </a:p>
+                  </a:txBody>
+                  <a:tcPr marL="8734" marR="8734" marT="0" marB="0">
+                    <a:lnL w="19050" cap="flat" cmpd="sng" algn="ctr">
+                      <a:solidFill>
+                        <a:srgbClr val="000000"/>
+                      </a:solidFill>
+                      <a:prstDash val="solid"/>
+                      <a:round/>
+                      <a:headEnd type="none" w="med" len="med"/>
+                      <a:tailEnd type="none" w="med" len="med"/>
+                    </a:lnL>
+                    <a:lnR>
+                      <a:noFill/>
+                    </a:lnR>
+                    <a:lnT>
+                      <a:noFill/>
+                    </a:lnT>
+                    <a:lnB>
+                      <a:noFill/>
+                    </a:lnB>
+                    <a:solidFill>
+                      <a:srgbClr val="F7B217"/>
+                    </a:solidFill>
+                  </a:tcPr>
+                </a:tc>
+                <a:tc>
+                  <a:txBody>
+                    <a:bodyPr/>
+                    <a:lstStyle/>
+                    <a:p>
+                      <a:pPr algn="ctr">
+                        <a:spcAft>
+                          <a:spcPts val="0"/>
+                        </a:spcAft>
+                      </a:pPr>
+                      <a:r>
+                        <a:rPr lang="en-US" sz="2000" b="1" dirty="0">
+                          <a:solidFill>
+                            <a:srgbClr val="000000"/>
+                          </a:solidFill>
+                          <a:latin typeface="+mn-lt"/>
+                          <a:ea typeface="Times New Roman"/>
+                          <a:cs typeface="Times New Roman"/>
+                        </a:rPr>
+                        <a:t>0</a:t>
+                      </a:r>
+                      <a:endParaRPr lang="ru-RU" sz="2000" b="1" dirty="0">
+                        <a:latin typeface="+mn-lt"/>
+                        <a:ea typeface="Times New Roman"/>
+                        <a:cs typeface="Times New Roman"/>
+                      </a:endParaRPr>
+                    </a:p>
+                  </a:txBody>
+                  <a:tcPr marL="8734" marR="8734" marT="0" marB="0">
+                    <a:lnL>
+                      <a:noFill/>
+                    </a:lnL>
+                    <a:lnR w="19050" cap="flat" cmpd="sng" algn="ctr">
+                      <a:solidFill>
+                        <a:srgbClr val="000000"/>
+                      </a:solidFill>
+                      <a:prstDash val="solid"/>
+                      <a:round/>
+                      <a:headEnd type="none" w="med" len="med"/>
+                      <a:tailEnd type="none" w="med" len="med"/>
+                    </a:lnR>
+                    <a:lnT>
+                      <a:noFill/>
+                    </a:lnT>
+                    <a:lnB>
+                      <a:noFill/>
+                    </a:lnB>
+                    <a:solidFill>
+                      <a:srgbClr val="F7B217"/>
+                    </a:solidFill>
+                  </a:tcPr>
+                </a:tc>
+              </a:tr>
+              <a:tr h="214665">
+                <a:tc>
+                  <a:txBody>
+                    <a:bodyPr/>
+                    <a:lstStyle/>
+                    <a:p>
+                      <a:pPr algn="ctr">
+                        <a:spcAft>
+                          <a:spcPts val="0"/>
+                        </a:spcAft>
+                      </a:pPr>
+                      <a:r>
+                        <a:rPr lang="en-US" sz="2000" b="1" dirty="0">
+                          <a:solidFill>
+                            <a:srgbClr val="000000"/>
+                          </a:solidFill>
+                          <a:latin typeface="+mn-lt"/>
+                          <a:ea typeface="Times New Roman"/>
+                          <a:cs typeface="Times New Roman"/>
+                        </a:rPr>
+                        <a:t>8</a:t>
+                      </a:r>
+                      <a:endParaRPr lang="ru-RU" sz="2000" b="1" dirty="0">
+                        <a:latin typeface="+mn-lt"/>
+                        <a:ea typeface="Times New Roman"/>
+                        <a:cs typeface="Times New Roman"/>
+                      </a:endParaRPr>
+                    </a:p>
+                  </a:txBody>
+                  <a:tcPr marL="8734" marR="8734" marT="0" marB="0">
+                    <a:lnL w="19050" cap="flat" cmpd="sng" algn="ctr">
+                      <a:solidFill>
+                        <a:srgbClr val="000000"/>
+                      </a:solidFill>
+                      <a:prstDash val="solid"/>
+                      <a:round/>
+                      <a:headEnd type="none" w="med" len="med"/>
+                      <a:tailEnd type="none" w="med" len="med"/>
+                    </a:lnL>
+                    <a:lnR w="19050" cap="flat" cmpd="sng" algn="ctr">
+                      <a:solidFill>
+                        <a:srgbClr val="000000"/>
+                      </a:solidFill>
+                      <a:prstDash val="solid"/>
+                      <a:round/>
+                      <a:headEnd type="none" w="med" len="med"/>
+                      <a:tailEnd type="none" w="med" len="med"/>
+                    </a:lnR>
+                    <a:lnT>
+                      <a:noFill/>
+                    </a:lnT>
+                    <a:lnB>
+                      <a:noFill/>
+                    </a:lnB>
+                    <a:solidFill>
+                      <a:srgbClr val="F7B217"/>
+                    </a:solidFill>
+                  </a:tcPr>
+                </a:tc>
+                <a:tc>
+                  <a:txBody>
+                    <a:bodyPr/>
+                    <a:lstStyle/>
+                    <a:p>
+                      <a:pPr algn="ctr">
+                        <a:spcAft>
+                          <a:spcPts val="0"/>
+                        </a:spcAft>
+                      </a:pPr>
+                      <a:r>
+                        <a:rPr lang="en-US" sz="2000" b="1" dirty="0">
+                          <a:solidFill>
+                            <a:srgbClr val="000000"/>
+                          </a:solidFill>
+                          <a:latin typeface="+mn-lt"/>
+                          <a:ea typeface="Times New Roman"/>
+                          <a:cs typeface="Times New Roman"/>
+                        </a:rPr>
+                        <a:t>1</a:t>
+                      </a:r>
+                      <a:endParaRPr lang="ru-RU" sz="2000" b="1" dirty="0">
+                        <a:latin typeface="+mn-lt"/>
+                        <a:ea typeface="Times New Roman"/>
+                        <a:cs typeface="Times New Roman"/>
+                      </a:endParaRPr>
+                    </a:p>
+                  </a:txBody>
+                  <a:tcPr marL="8734" marR="8734" marT="0" marB="0">
+                    <a:lnL w="19050" cap="flat" cmpd="sng" algn="ctr">
+                      <a:solidFill>
+                        <a:srgbClr val="000000"/>
+                      </a:solidFill>
+                      <a:prstDash val="solid"/>
+                      <a:round/>
+                      <a:headEnd type="none" w="med" len="med"/>
+                      <a:tailEnd type="none" w="med" len="med"/>
+                    </a:lnL>
+                    <a:lnR>
+                      <a:noFill/>
+                    </a:lnR>
+                    <a:lnT>
+                      <a:noFill/>
+                    </a:lnT>
+                    <a:lnB>
+                      <a:noFill/>
+                    </a:lnB>
+                    <a:solidFill>
+                      <a:srgbClr val="F7B217"/>
+                    </a:solidFill>
+                  </a:tcPr>
+                </a:tc>
+                <a:tc>
+                  <a:txBody>
+                    <a:bodyPr/>
+                    <a:lstStyle/>
+                    <a:p>
+                      <a:pPr algn="ctr">
+                        <a:spcAft>
+                          <a:spcPts val="0"/>
+                        </a:spcAft>
+                      </a:pPr>
+                      <a:r>
+                        <a:rPr lang="en-US" sz="2000" b="1" dirty="0">
+                          <a:solidFill>
+                            <a:srgbClr val="000000"/>
+                          </a:solidFill>
+                          <a:latin typeface="+mn-lt"/>
+                          <a:ea typeface="Times New Roman"/>
+                          <a:cs typeface="Times New Roman"/>
+                        </a:rPr>
+                        <a:t>8</a:t>
+                      </a:r>
+                      <a:endParaRPr lang="ru-RU" sz="2000" b="1" dirty="0">
+                        <a:latin typeface="+mn-lt"/>
+                        <a:ea typeface="Times New Roman"/>
+                        <a:cs typeface="Times New Roman"/>
+                      </a:endParaRPr>
+                    </a:p>
+                  </a:txBody>
+                  <a:tcPr marL="8734" marR="8734" marT="0" marB="0">
+                    <a:lnL>
+                      <a:noFill/>
+                    </a:lnL>
+                    <a:lnR w="19050" cap="flat" cmpd="sng" algn="ctr">
+                      <a:solidFill>
+                        <a:srgbClr val="000000"/>
+                      </a:solidFill>
+                      <a:prstDash val="solid"/>
+                      <a:round/>
+                      <a:headEnd type="none" w="med" len="med"/>
+                      <a:tailEnd type="none" w="med" len="med"/>
+                    </a:lnR>
+                    <a:lnT>
+                      <a:noFill/>
+                    </a:lnT>
+                    <a:lnB>
+                      <a:noFill/>
+                    </a:lnB>
+                    <a:solidFill>
+                      <a:srgbClr val="F7B217"/>
+                    </a:solidFill>
+                  </a:tcPr>
+                </a:tc>
+                <a:tc>
+                  <a:txBody>
+                    <a:bodyPr/>
+                    <a:lstStyle/>
+                    <a:p>
+                      <a:pPr algn="ctr">
+                        <a:spcAft>
+                          <a:spcPts val="0"/>
+                        </a:spcAft>
+                      </a:pPr>
+                      <a:r>
+                        <a:rPr lang="en-US" sz="2000" b="1" dirty="0">
+                          <a:solidFill>
+                            <a:srgbClr val="000000"/>
+                          </a:solidFill>
+                          <a:latin typeface="+mn-lt"/>
+                          <a:ea typeface="Times New Roman"/>
+                          <a:cs typeface="Times New Roman"/>
+                        </a:rPr>
+                        <a:t>0</a:t>
+                      </a:r>
+                      <a:endParaRPr lang="ru-RU" sz="2000" b="1" dirty="0">
+                        <a:latin typeface="+mn-lt"/>
+                        <a:ea typeface="Times New Roman"/>
+                        <a:cs typeface="Times New Roman"/>
+                      </a:endParaRPr>
+                    </a:p>
+                  </a:txBody>
+                  <a:tcPr marL="8734" marR="8734" marT="0" marB="0">
+                    <a:lnL w="19050" cap="flat" cmpd="sng" algn="ctr">
+                      <a:solidFill>
+                        <a:srgbClr val="000000"/>
+                      </a:solidFill>
+                      <a:prstDash val="solid"/>
+                      <a:round/>
+                      <a:headEnd type="none" w="med" len="med"/>
+                      <a:tailEnd type="none" w="med" len="med"/>
+                    </a:lnL>
+                    <a:lnR>
+                      <a:noFill/>
+                    </a:lnR>
+                    <a:lnT>
+                      <a:noFill/>
+                    </a:lnT>
+                    <a:lnB>
+                      <a:noFill/>
+                    </a:lnB>
+                    <a:solidFill>
+                      <a:srgbClr val="F7B217"/>
+                    </a:solidFill>
+                  </a:tcPr>
+                </a:tc>
+                <a:tc>
+                  <a:txBody>
+                    <a:bodyPr/>
+                    <a:lstStyle/>
+                    <a:p>
+                      <a:pPr algn="ctr">
+                        <a:spcAft>
+                          <a:spcPts val="0"/>
+                        </a:spcAft>
+                      </a:pPr>
+                      <a:r>
+                        <a:rPr lang="en-US" sz="2000" b="1" dirty="0">
+                          <a:solidFill>
+                            <a:srgbClr val="000000"/>
+                          </a:solidFill>
+                          <a:latin typeface="+mn-lt"/>
+                          <a:ea typeface="Times New Roman"/>
+                          <a:cs typeface="Times New Roman"/>
+                        </a:rPr>
+                        <a:t>0</a:t>
+                      </a:r>
+                      <a:endParaRPr lang="ru-RU" sz="2000" b="1" dirty="0">
+                        <a:latin typeface="+mn-lt"/>
+                        <a:ea typeface="Times New Roman"/>
+                        <a:cs typeface="Times New Roman"/>
+                      </a:endParaRPr>
+                    </a:p>
+                  </a:txBody>
+                  <a:tcPr marL="8734" marR="8734" marT="0" marB="0">
+                    <a:lnL>
+                      <a:noFill/>
+                    </a:lnL>
+                    <a:lnR w="19050" cap="flat" cmpd="sng" algn="ctr">
+                      <a:solidFill>
+                        <a:srgbClr val="000000"/>
+                      </a:solidFill>
+                      <a:prstDash val="solid"/>
+                      <a:round/>
+                      <a:headEnd type="none" w="med" len="med"/>
+                      <a:tailEnd type="none" w="med" len="med"/>
+                    </a:lnR>
+                    <a:lnT>
+                      <a:noFill/>
+                    </a:lnT>
+                    <a:lnB>
+                      <a:noFill/>
+                    </a:lnB>
+                    <a:solidFill>
+                      <a:srgbClr val="F7B217"/>
+                    </a:solidFill>
+                  </a:tcPr>
+                </a:tc>
+              </a:tr>
+              <a:tr h="214665">
+                <a:tc>
+                  <a:txBody>
+                    <a:bodyPr/>
+                    <a:lstStyle/>
+                    <a:p>
+                      <a:pPr algn="ctr">
+                        <a:spcAft>
+                          <a:spcPts val="0"/>
+                        </a:spcAft>
+                      </a:pPr>
+                      <a:r>
+                        <a:rPr lang="en-US" sz="2000" b="1" dirty="0">
+                          <a:solidFill>
+                            <a:srgbClr val="000000"/>
+                          </a:solidFill>
+                          <a:latin typeface="+mn-lt"/>
+                          <a:ea typeface="Times New Roman"/>
+                          <a:cs typeface="Times New Roman"/>
+                        </a:rPr>
+                        <a:t>16</a:t>
+                      </a:r>
+                      <a:endParaRPr lang="ru-RU" sz="2000" b="1" dirty="0">
+                        <a:latin typeface="+mn-lt"/>
+                        <a:ea typeface="Times New Roman"/>
+                        <a:cs typeface="Times New Roman"/>
+                      </a:endParaRPr>
+                    </a:p>
+                  </a:txBody>
+                  <a:tcPr marL="8734" marR="8734" marT="0" marB="0">
+                    <a:lnL w="19050" cap="flat" cmpd="sng" algn="ctr">
+                      <a:solidFill>
+                        <a:srgbClr val="000000"/>
+                      </a:solidFill>
+                      <a:prstDash val="solid"/>
+                      <a:round/>
+                      <a:headEnd type="none" w="med" len="med"/>
+                      <a:tailEnd type="none" w="med" len="med"/>
+                    </a:lnL>
+                    <a:lnR w="19050" cap="flat" cmpd="sng" algn="ctr">
+                      <a:solidFill>
+                        <a:srgbClr val="000000"/>
+                      </a:solidFill>
+                      <a:prstDash val="solid"/>
+                      <a:round/>
+                      <a:headEnd type="none" w="med" len="med"/>
+                      <a:tailEnd type="none" w="med" len="med"/>
+                    </a:lnR>
+                    <a:lnT>
+                      <a:noFill/>
+                    </a:lnT>
+                    <a:lnB>
+                      <a:noFill/>
+                    </a:lnB>
+                    <a:solidFill>
+                      <a:srgbClr val="F7B217"/>
+                    </a:solidFill>
+                  </a:tcPr>
+                </a:tc>
+                <a:tc>
+                  <a:txBody>
+                    <a:bodyPr/>
+                    <a:lstStyle/>
+                    <a:p>
+                      <a:pPr algn="ctr">
+                        <a:spcAft>
+                          <a:spcPts val="0"/>
+                        </a:spcAft>
+                      </a:pPr>
+                      <a:r>
+                        <a:rPr lang="en-US" sz="2000" b="1" dirty="0">
+                          <a:solidFill>
+                            <a:srgbClr val="000000"/>
+                          </a:solidFill>
+                          <a:latin typeface="+mn-lt"/>
+                          <a:ea typeface="Times New Roman"/>
+                          <a:cs typeface="Times New Roman"/>
+                        </a:rPr>
+                        <a:t>0</a:t>
+                      </a:r>
+                      <a:endParaRPr lang="ru-RU" sz="2000" b="1" dirty="0">
+                        <a:latin typeface="+mn-lt"/>
+                        <a:ea typeface="Times New Roman"/>
+                        <a:cs typeface="Times New Roman"/>
+                      </a:endParaRPr>
+                    </a:p>
+                  </a:txBody>
+                  <a:tcPr marL="8734" marR="8734" marT="0" marB="0">
+                    <a:lnL w="19050" cap="flat" cmpd="sng" algn="ctr">
+                      <a:solidFill>
+                        <a:srgbClr val="000000"/>
+                      </a:solidFill>
+                      <a:prstDash val="solid"/>
+                      <a:round/>
+                      <a:headEnd type="none" w="med" len="med"/>
+                      <a:tailEnd type="none" w="med" len="med"/>
+                    </a:lnL>
+                    <a:lnR>
+                      <a:noFill/>
+                    </a:lnR>
+                    <a:lnT>
+                      <a:noFill/>
+                    </a:lnT>
+                    <a:lnB>
+                      <a:noFill/>
+                    </a:lnB>
+                    <a:solidFill>
+                      <a:srgbClr val="F7B217"/>
+                    </a:solidFill>
+                  </a:tcPr>
+                </a:tc>
+                <a:tc>
+                  <a:txBody>
+                    <a:bodyPr/>
+                    <a:lstStyle/>
+                    <a:p>
+                      <a:pPr algn="ctr">
+                        <a:spcAft>
+                          <a:spcPts val="0"/>
+                        </a:spcAft>
+                      </a:pPr>
+                      <a:r>
+                        <a:rPr lang="en-US" sz="2000" b="1" dirty="0">
+                          <a:solidFill>
+                            <a:srgbClr val="000000"/>
+                          </a:solidFill>
+                          <a:latin typeface="+mn-lt"/>
+                          <a:ea typeface="Times New Roman"/>
+                          <a:cs typeface="Times New Roman"/>
+                        </a:rPr>
+                        <a:t>0</a:t>
+                      </a:r>
+                      <a:endParaRPr lang="ru-RU" sz="2000" b="1" dirty="0">
+                        <a:latin typeface="+mn-lt"/>
+                        <a:ea typeface="Times New Roman"/>
+                        <a:cs typeface="Times New Roman"/>
+                      </a:endParaRPr>
+                    </a:p>
+                  </a:txBody>
+                  <a:tcPr marL="8734" marR="8734" marT="0" marB="0">
+                    <a:lnL>
+                      <a:noFill/>
+                    </a:lnL>
+                    <a:lnR w="19050" cap="flat" cmpd="sng" algn="ctr">
+                      <a:solidFill>
+                        <a:srgbClr val="000000"/>
+                      </a:solidFill>
+                      <a:prstDash val="solid"/>
+                      <a:round/>
+                      <a:headEnd type="none" w="med" len="med"/>
+                      <a:tailEnd type="none" w="med" len="med"/>
+                    </a:lnR>
+                    <a:lnT>
+                      <a:noFill/>
+                    </a:lnT>
+                    <a:lnB>
+                      <a:noFill/>
+                    </a:lnB>
+                    <a:solidFill>
+                      <a:srgbClr val="F7B217"/>
+                    </a:solidFill>
+                  </a:tcPr>
+                </a:tc>
+                <a:tc>
+                  <a:txBody>
+                    <a:bodyPr/>
+                    <a:lstStyle/>
+                    <a:p>
+                      <a:pPr algn="ctr">
+                        <a:spcAft>
+                          <a:spcPts val="0"/>
+                        </a:spcAft>
+                      </a:pPr>
+                      <a:r>
+                        <a:rPr lang="en-US" sz="2000" b="1" dirty="0">
+                          <a:solidFill>
+                            <a:srgbClr val="000000"/>
+                          </a:solidFill>
+                          <a:latin typeface="+mn-lt"/>
+                          <a:ea typeface="Times New Roman"/>
+                          <a:cs typeface="Times New Roman"/>
+                        </a:rPr>
+                        <a:t>1</a:t>
+                      </a:r>
+                      <a:endParaRPr lang="ru-RU" sz="2000" b="1" dirty="0">
+                        <a:latin typeface="+mn-lt"/>
+                        <a:ea typeface="Times New Roman"/>
+                        <a:cs typeface="Times New Roman"/>
+                      </a:endParaRPr>
+                    </a:p>
+                  </a:txBody>
+                  <a:tcPr marL="8734" marR="8734" marT="0" marB="0">
+                    <a:lnL w="19050" cap="flat" cmpd="sng" algn="ctr">
+                      <a:solidFill>
+                        <a:srgbClr val="000000"/>
+                      </a:solidFill>
+                      <a:prstDash val="solid"/>
+                      <a:round/>
+                      <a:headEnd type="none" w="med" len="med"/>
+                      <a:tailEnd type="none" w="med" len="med"/>
+                    </a:lnL>
+                    <a:lnR>
+                      <a:noFill/>
+                    </a:lnR>
+                    <a:lnT>
+                      <a:noFill/>
+                    </a:lnT>
+                    <a:lnB>
+                      <a:noFill/>
+                    </a:lnB>
+                    <a:solidFill>
+                      <a:srgbClr val="F7B217"/>
+                    </a:solidFill>
+                  </a:tcPr>
+                </a:tc>
+                <a:tc>
+                  <a:txBody>
+                    <a:bodyPr/>
+                    <a:lstStyle/>
+                    <a:p>
+                      <a:pPr algn="ctr">
+                        <a:spcAft>
+                          <a:spcPts val="0"/>
+                        </a:spcAft>
+                      </a:pPr>
+                      <a:r>
+                        <a:rPr lang="en-US" sz="2000" b="1" dirty="0">
+                          <a:solidFill>
+                            <a:srgbClr val="000000"/>
+                          </a:solidFill>
+                          <a:latin typeface="+mn-lt"/>
+                          <a:ea typeface="Times New Roman"/>
+                          <a:cs typeface="Times New Roman"/>
+                        </a:rPr>
+                        <a:t>16</a:t>
+                      </a:r>
+                      <a:endParaRPr lang="ru-RU" sz="2000" b="1" dirty="0">
+                        <a:latin typeface="+mn-lt"/>
+                        <a:ea typeface="Times New Roman"/>
+                        <a:cs typeface="Times New Roman"/>
+                      </a:endParaRPr>
+                    </a:p>
+                  </a:txBody>
+                  <a:tcPr marL="8734" marR="8734" marT="0" marB="0">
+                    <a:lnL>
+                      <a:noFill/>
+                    </a:lnL>
+                    <a:lnR w="19050" cap="flat" cmpd="sng" algn="ctr">
+                      <a:solidFill>
+                        <a:srgbClr val="000000"/>
+                      </a:solidFill>
+                      <a:prstDash val="solid"/>
+                      <a:round/>
+                      <a:headEnd type="none" w="med" len="med"/>
+                      <a:tailEnd type="none" w="med" len="med"/>
+                    </a:lnR>
+                    <a:lnT>
+                      <a:noFill/>
+                    </a:lnT>
+                    <a:lnB>
+                      <a:noFill/>
+                    </a:lnB>
+                    <a:solidFill>
+                      <a:srgbClr val="F7B217"/>
+                    </a:solidFill>
+                  </a:tcPr>
+                </a:tc>
+              </a:tr>
+              <a:tr h="214665">
+                <a:tc>
+                  <a:txBody>
+                    <a:bodyPr/>
+                    <a:lstStyle/>
+                    <a:p>
+                      <a:pPr algn="ctr">
+                        <a:spcAft>
+                          <a:spcPts val="0"/>
+                        </a:spcAft>
+                      </a:pPr>
+                      <a:r>
+                        <a:rPr lang="en-US" sz="2000" b="1" dirty="0">
+                          <a:solidFill>
+                            <a:srgbClr val="000000"/>
+                          </a:solidFill>
+                          <a:latin typeface="+mn-lt"/>
+                          <a:ea typeface="Times New Roman"/>
+                          <a:cs typeface="Times New Roman"/>
+                        </a:rPr>
+                        <a:t>32</a:t>
+                      </a:r>
+                      <a:endParaRPr lang="ru-RU" sz="2000" b="1" dirty="0">
+                        <a:latin typeface="+mn-lt"/>
+                        <a:ea typeface="Times New Roman"/>
+                        <a:cs typeface="Times New Roman"/>
+                      </a:endParaRPr>
+                    </a:p>
+                  </a:txBody>
+                  <a:tcPr marL="8734" marR="8734" marT="0" marB="0">
+                    <a:lnL w="19050" cap="flat" cmpd="sng" algn="ctr">
+                      <a:solidFill>
+                        <a:srgbClr val="000000"/>
+                      </a:solidFill>
+                      <a:prstDash val="solid"/>
+                      <a:round/>
+                      <a:headEnd type="none" w="med" len="med"/>
+                      <a:tailEnd type="none" w="med" len="med"/>
+                    </a:lnL>
+                    <a:lnR w="19050" cap="flat" cmpd="sng" algn="ctr">
+                      <a:solidFill>
+                        <a:srgbClr val="000000"/>
+                      </a:solidFill>
+                      <a:prstDash val="solid"/>
+                      <a:round/>
+                      <a:headEnd type="none" w="med" len="med"/>
+                      <a:tailEnd type="none" w="med" len="med"/>
+                    </a:lnR>
+                    <a:lnT>
+                      <a:noFill/>
+                    </a:lnT>
+                    <a:lnB>
+                      <a:noFill/>
+                    </a:lnB>
+                    <a:solidFill>
+                      <a:srgbClr val="F7B217"/>
+                    </a:solidFill>
+                  </a:tcPr>
+                </a:tc>
+                <a:tc>
+                  <a:txBody>
+                    <a:bodyPr/>
+                    <a:lstStyle/>
+                    <a:p>
+                      <a:pPr algn="ctr">
+                        <a:spcAft>
+                          <a:spcPts val="0"/>
+                        </a:spcAft>
+                      </a:pPr>
+                      <a:r>
+                        <a:rPr lang="en-US" sz="2000" b="1">
+                          <a:solidFill>
+                            <a:srgbClr val="000000"/>
+                          </a:solidFill>
+                          <a:latin typeface="+mn-lt"/>
+                          <a:ea typeface="Times New Roman"/>
+                          <a:cs typeface="Times New Roman"/>
+                        </a:rPr>
+                        <a:t>1</a:t>
+                      </a:r>
+                      <a:endParaRPr lang="ru-RU" sz="2000" b="1">
+                        <a:latin typeface="+mn-lt"/>
+                        <a:ea typeface="Times New Roman"/>
+                        <a:cs typeface="Times New Roman"/>
+                      </a:endParaRPr>
+                    </a:p>
+                  </a:txBody>
+                  <a:tcPr marL="8734" marR="8734" marT="0" marB="0">
+                    <a:lnL w="19050" cap="flat" cmpd="sng" algn="ctr">
+                      <a:solidFill>
+                        <a:srgbClr val="000000"/>
+                      </a:solidFill>
+                      <a:prstDash val="solid"/>
+                      <a:round/>
+                      <a:headEnd type="none" w="med" len="med"/>
+                      <a:tailEnd type="none" w="med" len="med"/>
+                    </a:lnL>
+                    <a:lnR>
+                      <a:noFill/>
+                    </a:lnR>
+                    <a:lnT>
+                      <a:noFill/>
+                    </a:lnT>
+                    <a:lnB>
+                      <a:noFill/>
+                    </a:lnB>
+                    <a:solidFill>
+                      <a:srgbClr val="F7B217"/>
+                    </a:solidFill>
+                  </a:tcPr>
+                </a:tc>
+                <a:tc>
+                  <a:txBody>
+                    <a:bodyPr/>
+                    <a:lstStyle/>
+                    <a:p>
+                      <a:pPr algn="ctr">
+                        <a:spcAft>
+                          <a:spcPts val="0"/>
+                        </a:spcAft>
+                      </a:pPr>
+                      <a:r>
+                        <a:rPr lang="en-US" sz="2000" b="1" dirty="0">
+                          <a:solidFill>
+                            <a:srgbClr val="000000"/>
+                          </a:solidFill>
+                          <a:latin typeface="+mn-lt"/>
+                          <a:ea typeface="Times New Roman"/>
+                          <a:cs typeface="Times New Roman"/>
+                        </a:rPr>
+                        <a:t>32</a:t>
+                      </a:r>
+                      <a:endParaRPr lang="ru-RU" sz="2000" b="1" dirty="0">
+                        <a:latin typeface="+mn-lt"/>
+                        <a:ea typeface="Times New Roman"/>
+                        <a:cs typeface="Times New Roman"/>
+                      </a:endParaRPr>
+                    </a:p>
+                  </a:txBody>
+                  <a:tcPr marL="8734" marR="8734" marT="0" marB="0">
+                    <a:lnL>
+                      <a:noFill/>
+                    </a:lnL>
+                    <a:lnR w="19050" cap="flat" cmpd="sng" algn="ctr">
+                      <a:solidFill>
+                        <a:srgbClr val="000000"/>
+                      </a:solidFill>
+                      <a:prstDash val="solid"/>
+                      <a:round/>
+                      <a:headEnd type="none" w="med" len="med"/>
+                      <a:tailEnd type="none" w="med" len="med"/>
+                    </a:lnR>
+                    <a:lnT>
+                      <a:noFill/>
+                    </a:lnT>
+                    <a:lnB>
+                      <a:noFill/>
+                    </a:lnB>
+                    <a:solidFill>
+                      <a:srgbClr val="F7B217"/>
+                    </a:solidFill>
+                  </a:tcPr>
+                </a:tc>
+                <a:tc>
+                  <a:txBody>
+                    <a:bodyPr/>
+                    <a:lstStyle/>
+                    <a:p>
+                      <a:pPr algn="ctr">
+                        <a:spcAft>
+                          <a:spcPts val="0"/>
+                        </a:spcAft>
+                      </a:pPr>
+                      <a:r>
+                        <a:rPr lang="en-US" sz="2000" b="1" dirty="0">
+                          <a:solidFill>
+                            <a:srgbClr val="000000"/>
+                          </a:solidFill>
+                          <a:latin typeface="+mn-lt"/>
+                          <a:ea typeface="Times New Roman"/>
+                          <a:cs typeface="Times New Roman"/>
+                        </a:rPr>
+                        <a:t>0</a:t>
+                      </a:r>
+                      <a:endParaRPr lang="ru-RU" sz="2000" b="1" dirty="0">
+                        <a:latin typeface="+mn-lt"/>
+                        <a:ea typeface="Times New Roman"/>
+                        <a:cs typeface="Times New Roman"/>
+                      </a:endParaRPr>
+                    </a:p>
+                  </a:txBody>
+                  <a:tcPr marL="8734" marR="8734" marT="0" marB="0">
+                    <a:lnL w="19050" cap="flat" cmpd="sng" algn="ctr">
+                      <a:solidFill>
+                        <a:srgbClr val="000000"/>
+                      </a:solidFill>
+                      <a:prstDash val="solid"/>
+                      <a:round/>
+                      <a:headEnd type="none" w="med" len="med"/>
+                      <a:tailEnd type="none" w="med" len="med"/>
+                    </a:lnL>
+                    <a:lnR>
+                      <a:noFill/>
+                    </a:lnR>
+                    <a:lnT>
+                      <a:noFill/>
+                    </a:lnT>
+                    <a:lnB>
+                      <a:noFill/>
+                    </a:lnB>
+                    <a:solidFill>
+                      <a:srgbClr val="F7B217"/>
+                    </a:solidFill>
+                  </a:tcPr>
+                </a:tc>
+                <a:tc>
+                  <a:txBody>
+                    <a:bodyPr/>
+                    <a:lstStyle/>
+                    <a:p>
+                      <a:pPr algn="ctr">
+                        <a:spcAft>
+                          <a:spcPts val="0"/>
+                        </a:spcAft>
+                      </a:pPr>
+                      <a:r>
+                        <a:rPr lang="en-US" sz="2000" b="1" dirty="0">
+                          <a:solidFill>
+                            <a:srgbClr val="000000"/>
+                          </a:solidFill>
+                          <a:latin typeface="+mn-lt"/>
+                          <a:ea typeface="Times New Roman"/>
+                          <a:cs typeface="Times New Roman"/>
+                        </a:rPr>
+                        <a:t>0</a:t>
+                      </a:r>
+                      <a:endParaRPr lang="ru-RU" sz="2000" b="1" dirty="0">
+                        <a:latin typeface="+mn-lt"/>
+                        <a:ea typeface="Times New Roman"/>
+                        <a:cs typeface="Times New Roman"/>
+                      </a:endParaRPr>
+                    </a:p>
+                  </a:txBody>
+                  <a:tcPr marL="8734" marR="8734" marT="0" marB="0">
+                    <a:lnL>
+                      <a:noFill/>
+                    </a:lnL>
+                    <a:lnR w="19050" cap="flat" cmpd="sng" algn="ctr">
+                      <a:solidFill>
+                        <a:srgbClr val="000000"/>
+                      </a:solidFill>
+                      <a:prstDash val="solid"/>
+                      <a:round/>
+                      <a:headEnd type="none" w="med" len="med"/>
+                      <a:tailEnd type="none" w="med" len="med"/>
+                    </a:lnR>
+                    <a:lnT>
+                      <a:noFill/>
+                    </a:lnT>
+                    <a:lnB>
+                      <a:noFill/>
+                    </a:lnB>
+                    <a:solidFill>
+                      <a:srgbClr val="F7B217"/>
+                    </a:solidFill>
+                  </a:tcPr>
+                </a:tc>
+              </a:tr>
+              <a:tr h="214665">
+                <a:tc>
+                  <a:txBody>
+                    <a:bodyPr/>
+                    <a:lstStyle/>
+                    <a:p>
+                      <a:pPr algn="ctr">
+                        <a:spcAft>
+                          <a:spcPts val="0"/>
+                        </a:spcAft>
+                      </a:pPr>
+                      <a:r>
+                        <a:rPr lang="en-US" sz="2000" b="1" dirty="0">
+                          <a:solidFill>
+                            <a:srgbClr val="000000"/>
+                          </a:solidFill>
+                          <a:latin typeface="+mn-lt"/>
+                          <a:ea typeface="Times New Roman"/>
+                          <a:cs typeface="Times New Roman"/>
+                        </a:rPr>
+                        <a:t>64</a:t>
+                      </a:r>
+                      <a:endParaRPr lang="ru-RU" sz="2000" b="1" dirty="0">
+                        <a:latin typeface="+mn-lt"/>
+                        <a:ea typeface="Times New Roman"/>
+                        <a:cs typeface="Times New Roman"/>
+                      </a:endParaRPr>
+                    </a:p>
+                  </a:txBody>
+                  <a:tcPr marL="8734" marR="8734" marT="0" marB="0">
+                    <a:lnL w="19050" cap="flat" cmpd="sng" algn="ctr">
+                      <a:solidFill>
+                        <a:srgbClr val="000000"/>
+                      </a:solidFill>
+                      <a:prstDash val="solid"/>
+                      <a:round/>
+                      <a:headEnd type="none" w="med" len="med"/>
+                      <a:tailEnd type="none" w="med" len="med"/>
+                    </a:lnL>
+                    <a:lnR w="19050" cap="flat" cmpd="sng" algn="ctr">
+                      <a:solidFill>
+                        <a:srgbClr val="000000"/>
+                      </a:solidFill>
+                      <a:prstDash val="solid"/>
+                      <a:round/>
+                      <a:headEnd type="none" w="med" len="med"/>
+                      <a:tailEnd type="none" w="med" len="med"/>
+                    </a:lnR>
+                    <a:lnT>
+                      <a:noFill/>
+                    </a:lnT>
+                    <a:lnB>
+                      <a:noFill/>
+                    </a:lnB>
+                    <a:solidFill>
+                      <a:srgbClr val="F7B217"/>
+                    </a:solidFill>
+                  </a:tcPr>
+                </a:tc>
+                <a:tc>
+                  <a:txBody>
+                    <a:bodyPr/>
+                    <a:lstStyle/>
+                    <a:p>
+                      <a:pPr algn="ctr">
+                        <a:spcAft>
+                          <a:spcPts val="0"/>
+                        </a:spcAft>
+                      </a:pPr>
+                      <a:r>
+                        <a:rPr lang="en-US" sz="2000" b="1">
+                          <a:solidFill>
+                            <a:srgbClr val="000000"/>
+                          </a:solidFill>
+                          <a:latin typeface="+mn-lt"/>
+                          <a:ea typeface="Times New Roman"/>
+                          <a:cs typeface="Times New Roman"/>
+                        </a:rPr>
+                        <a:t>1</a:t>
+                      </a:r>
+                      <a:endParaRPr lang="ru-RU" sz="2000" b="1">
+                        <a:latin typeface="+mn-lt"/>
+                        <a:ea typeface="Times New Roman"/>
+                        <a:cs typeface="Times New Roman"/>
+                      </a:endParaRPr>
+                    </a:p>
+                  </a:txBody>
+                  <a:tcPr marL="8734" marR="8734" marT="0" marB="0">
+                    <a:lnL w="19050" cap="flat" cmpd="sng" algn="ctr">
+                      <a:solidFill>
+                        <a:srgbClr val="000000"/>
+                      </a:solidFill>
+                      <a:prstDash val="solid"/>
+                      <a:round/>
+                      <a:headEnd type="none" w="med" len="med"/>
+                      <a:tailEnd type="none" w="med" len="med"/>
+                    </a:lnL>
+                    <a:lnR>
+                      <a:noFill/>
+                    </a:lnR>
+                    <a:lnT>
+                      <a:noFill/>
+                    </a:lnT>
+                    <a:lnB>
+                      <a:noFill/>
+                    </a:lnB>
+                    <a:solidFill>
+                      <a:srgbClr val="F7B217"/>
+                    </a:solidFill>
+                  </a:tcPr>
+                </a:tc>
+                <a:tc>
+                  <a:txBody>
+                    <a:bodyPr/>
+                    <a:lstStyle/>
+                    <a:p>
+                      <a:pPr algn="ctr">
+                        <a:spcAft>
+                          <a:spcPts val="0"/>
+                        </a:spcAft>
+                      </a:pPr>
+                      <a:r>
+                        <a:rPr lang="en-US" sz="2000" b="1" dirty="0">
+                          <a:solidFill>
+                            <a:srgbClr val="000000"/>
+                          </a:solidFill>
+                          <a:latin typeface="+mn-lt"/>
+                          <a:ea typeface="Times New Roman"/>
+                          <a:cs typeface="Times New Roman"/>
+                        </a:rPr>
+                        <a:t>64</a:t>
+                      </a:r>
+                      <a:endParaRPr lang="ru-RU" sz="2000" b="1" dirty="0">
+                        <a:latin typeface="+mn-lt"/>
+                        <a:ea typeface="Times New Roman"/>
+                        <a:cs typeface="Times New Roman"/>
+                      </a:endParaRPr>
+                    </a:p>
+                  </a:txBody>
+                  <a:tcPr marL="8734" marR="8734" marT="0" marB="0">
+                    <a:lnL>
+                      <a:noFill/>
+                    </a:lnL>
+                    <a:lnR w="19050" cap="flat" cmpd="sng" algn="ctr">
+                      <a:solidFill>
+                        <a:srgbClr val="000000"/>
+                      </a:solidFill>
+                      <a:prstDash val="solid"/>
+                      <a:round/>
+                      <a:headEnd type="none" w="med" len="med"/>
+                      <a:tailEnd type="none" w="med" len="med"/>
+                    </a:lnR>
+                    <a:lnT>
+                      <a:noFill/>
+                    </a:lnT>
+                    <a:lnB>
+                      <a:noFill/>
+                    </a:lnB>
+                    <a:solidFill>
+                      <a:srgbClr val="F7B217"/>
+                    </a:solidFill>
+                  </a:tcPr>
+                </a:tc>
+                <a:tc>
+                  <a:txBody>
+                    <a:bodyPr/>
+                    <a:lstStyle/>
+                    <a:p>
+                      <a:pPr algn="ctr">
+                        <a:spcAft>
+                          <a:spcPts val="0"/>
+                        </a:spcAft>
+                      </a:pPr>
+                      <a:r>
+                        <a:rPr lang="en-US" sz="2000" b="1" dirty="0">
+                          <a:solidFill>
+                            <a:srgbClr val="000000"/>
+                          </a:solidFill>
+                          <a:latin typeface="+mn-lt"/>
+                          <a:ea typeface="Times New Roman"/>
+                          <a:cs typeface="Times New Roman"/>
+                        </a:rPr>
+                        <a:t>0</a:t>
+                      </a:r>
+                      <a:endParaRPr lang="ru-RU" sz="2000" b="1" dirty="0">
+                        <a:latin typeface="+mn-lt"/>
+                        <a:ea typeface="Times New Roman"/>
+                        <a:cs typeface="Times New Roman"/>
+                      </a:endParaRPr>
+                    </a:p>
+                  </a:txBody>
+                  <a:tcPr marL="8734" marR="8734" marT="0" marB="0">
+                    <a:lnL w="19050" cap="flat" cmpd="sng" algn="ctr">
+                      <a:solidFill>
+                        <a:srgbClr val="000000"/>
+                      </a:solidFill>
+                      <a:prstDash val="solid"/>
+                      <a:round/>
+                      <a:headEnd type="none" w="med" len="med"/>
+                      <a:tailEnd type="none" w="med" len="med"/>
+                    </a:lnL>
+                    <a:lnR>
+                      <a:noFill/>
+                    </a:lnR>
+                    <a:lnT>
+                      <a:noFill/>
+                    </a:lnT>
+                    <a:lnB>
+                      <a:noFill/>
+                    </a:lnB>
+                    <a:solidFill>
+                      <a:srgbClr val="F7B217"/>
+                    </a:solidFill>
+                  </a:tcPr>
+                </a:tc>
+                <a:tc>
+                  <a:txBody>
+                    <a:bodyPr/>
+                    <a:lstStyle/>
+                    <a:p>
+                      <a:pPr algn="ctr">
+                        <a:spcAft>
+                          <a:spcPts val="0"/>
+                        </a:spcAft>
+                      </a:pPr>
+                      <a:r>
+                        <a:rPr lang="en-US" sz="2000" b="1" dirty="0">
+                          <a:solidFill>
+                            <a:srgbClr val="000000"/>
+                          </a:solidFill>
+                          <a:latin typeface="+mn-lt"/>
+                          <a:ea typeface="Times New Roman"/>
+                          <a:cs typeface="Times New Roman"/>
+                        </a:rPr>
+                        <a:t>0</a:t>
+                      </a:r>
+                      <a:endParaRPr lang="ru-RU" sz="2000" b="1" dirty="0">
+                        <a:latin typeface="+mn-lt"/>
+                        <a:ea typeface="Times New Roman"/>
+                        <a:cs typeface="Times New Roman"/>
+                      </a:endParaRPr>
+                    </a:p>
+                  </a:txBody>
+                  <a:tcPr marL="8734" marR="8734" marT="0" marB="0">
+                    <a:lnL>
+                      <a:noFill/>
+                    </a:lnL>
+                    <a:lnR w="19050" cap="flat" cmpd="sng" algn="ctr">
+                      <a:solidFill>
+                        <a:srgbClr val="000000"/>
+                      </a:solidFill>
+                      <a:prstDash val="solid"/>
+                      <a:round/>
+                      <a:headEnd type="none" w="med" len="med"/>
+                      <a:tailEnd type="none" w="med" len="med"/>
+                    </a:lnR>
+                    <a:lnT>
+                      <a:noFill/>
+                    </a:lnT>
+                    <a:lnB>
+                      <a:noFill/>
+                    </a:lnB>
+                    <a:solidFill>
+                      <a:srgbClr val="F7B217"/>
+                    </a:solidFill>
+                  </a:tcPr>
+                </a:tc>
+              </a:tr>
+              <a:tr h="214665">
+                <a:tc>
+                  <a:txBody>
+                    <a:bodyPr/>
+                    <a:lstStyle/>
+                    <a:p>
+                      <a:pPr algn="ctr">
+                        <a:spcAft>
+                          <a:spcPts val="0"/>
+                        </a:spcAft>
+                      </a:pPr>
+                      <a:r>
+                        <a:rPr lang="en-US" sz="2000" b="1" dirty="0">
+                          <a:solidFill>
+                            <a:srgbClr val="000000"/>
+                          </a:solidFill>
+                          <a:latin typeface="+mn-lt"/>
+                          <a:ea typeface="Times New Roman"/>
+                          <a:cs typeface="Times New Roman"/>
+                        </a:rPr>
+                        <a:t>128</a:t>
+                      </a:r>
+                      <a:endParaRPr lang="ru-RU" sz="2000" b="1" dirty="0">
+                        <a:latin typeface="+mn-lt"/>
+                        <a:ea typeface="Times New Roman"/>
+                        <a:cs typeface="Times New Roman"/>
+                      </a:endParaRPr>
+                    </a:p>
+                  </a:txBody>
+                  <a:tcPr marL="8734" marR="8734" marT="0" marB="0">
+                    <a:lnL w="19050" cap="flat" cmpd="sng" algn="ctr">
+                      <a:solidFill>
+                        <a:srgbClr val="000000"/>
+                      </a:solidFill>
+                      <a:prstDash val="solid"/>
+                      <a:round/>
+                      <a:headEnd type="none" w="med" len="med"/>
+                      <a:tailEnd type="none" w="med" len="med"/>
+                    </a:lnL>
+                    <a:lnR w="19050" cap="flat" cmpd="sng" algn="ctr">
+                      <a:solidFill>
+                        <a:srgbClr val="000000"/>
+                      </a:solidFill>
+                      <a:prstDash val="solid"/>
+                      <a:round/>
+                      <a:headEnd type="none" w="med" len="med"/>
+                      <a:tailEnd type="none" w="med" len="med"/>
+                    </a:lnR>
+                    <a:lnT>
+                      <a:noFill/>
+                    </a:lnT>
+                    <a:lnB>
+                      <a:noFill/>
+                    </a:lnB>
+                    <a:solidFill>
+                      <a:srgbClr val="F7B217"/>
+                    </a:solidFill>
+                  </a:tcPr>
+                </a:tc>
+                <a:tc>
+                  <a:txBody>
+                    <a:bodyPr/>
+                    <a:lstStyle/>
+                    <a:p>
+                      <a:pPr algn="ctr">
+                        <a:spcAft>
+                          <a:spcPts val="0"/>
+                        </a:spcAft>
+                      </a:pPr>
+                      <a:r>
+                        <a:rPr lang="en-US" sz="2000" b="1">
+                          <a:solidFill>
+                            <a:srgbClr val="000000"/>
+                          </a:solidFill>
+                          <a:latin typeface="+mn-lt"/>
+                          <a:ea typeface="Times New Roman"/>
+                          <a:cs typeface="Times New Roman"/>
+                        </a:rPr>
+                        <a:t>0</a:t>
+                      </a:r>
+                      <a:endParaRPr lang="ru-RU" sz="2000" b="1">
+                        <a:latin typeface="+mn-lt"/>
+                        <a:ea typeface="Times New Roman"/>
+                        <a:cs typeface="Times New Roman"/>
+                      </a:endParaRPr>
+                    </a:p>
+                  </a:txBody>
+                  <a:tcPr marL="8734" marR="8734" marT="0" marB="0">
+                    <a:lnL w="19050" cap="flat" cmpd="sng" algn="ctr">
+                      <a:solidFill>
+                        <a:srgbClr val="000000"/>
+                      </a:solidFill>
+                      <a:prstDash val="solid"/>
+                      <a:round/>
+                      <a:headEnd type="none" w="med" len="med"/>
+                      <a:tailEnd type="none" w="med" len="med"/>
+                    </a:lnL>
+                    <a:lnR>
+                      <a:noFill/>
+                    </a:lnR>
+                    <a:lnT>
+                      <a:noFill/>
+                    </a:lnT>
+                    <a:lnB>
+                      <a:noFill/>
+                    </a:lnB>
+                    <a:solidFill>
+                      <a:srgbClr val="F7B217"/>
+                    </a:solidFill>
+                  </a:tcPr>
+                </a:tc>
+                <a:tc>
+                  <a:txBody>
+                    <a:bodyPr/>
+                    <a:lstStyle/>
+                    <a:p>
+                      <a:pPr algn="ctr">
+                        <a:spcAft>
+                          <a:spcPts val="0"/>
+                        </a:spcAft>
+                      </a:pPr>
+                      <a:r>
+                        <a:rPr lang="en-US" sz="2000" b="1" dirty="0">
+                          <a:solidFill>
+                            <a:srgbClr val="000000"/>
+                          </a:solidFill>
+                          <a:latin typeface="+mn-lt"/>
+                          <a:ea typeface="Times New Roman"/>
+                          <a:cs typeface="Times New Roman"/>
+                        </a:rPr>
+                        <a:t>0</a:t>
+                      </a:r>
+                      <a:endParaRPr lang="ru-RU" sz="2000" b="1" dirty="0">
+                        <a:latin typeface="+mn-lt"/>
+                        <a:ea typeface="Times New Roman"/>
+                        <a:cs typeface="Times New Roman"/>
+                      </a:endParaRPr>
+                    </a:p>
+                  </a:txBody>
+                  <a:tcPr marL="8734" marR="8734" marT="0" marB="0">
+                    <a:lnL>
+                      <a:noFill/>
+                    </a:lnL>
+                    <a:lnR w="19050" cap="flat" cmpd="sng" algn="ctr">
+                      <a:solidFill>
+                        <a:srgbClr val="000000"/>
+                      </a:solidFill>
+                      <a:prstDash val="solid"/>
+                      <a:round/>
+                      <a:headEnd type="none" w="med" len="med"/>
+                      <a:tailEnd type="none" w="med" len="med"/>
+                    </a:lnR>
+                    <a:lnT>
+                      <a:noFill/>
+                    </a:lnT>
+                    <a:lnB>
+                      <a:noFill/>
+                    </a:lnB>
+                    <a:solidFill>
+                      <a:srgbClr val="F7B217"/>
+                    </a:solidFill>
+                  </a:tcPr>
+                </a:tc>
+                <a:tc>
+                  <a:txBody>
+                    <a:bodyPr/>
+                    <a:lstStyle/>
+                    <a:p>
+                      <a:pPr algn="ctr">
+                        <a:spcAft>
+                          <a:spcPts val="0"/>
+                        </a:spcAft>
+                      </a:pPr>
+                      <a:r>
+                        <a:rPr lang="en-US" sz="2000" b="1" dirty="0">
+                          <a:solidFill>
+                            <a:srgbClr val="000000"/>
+                          </a:solidFill>
+                          <a:latin typeface="+mn-lt"/>
+                          <a:ea typeface="Times New Roman"/>
+                          <a:cs typeface="Times New Roman"/>
+                        </a:rPr>
+                        <a:t>1</a:t>
+                      </a:r>
+                      <a:endParaRPr lang="ru-RU" sz="2000" b="1" dirty="0">
+                        <a:latin typeface="+mn-lt"/>
+                        <a:ea typeface="Times New Roman"/>
+                        <a:cs typeface="Times New Roman"/>
+                      </a:endParaRPr>
+                    </a:p>
+                  </a:txBody>
+                  <a:tcPr marL="8734" marR="8734" marT="0" marB="0">
+                    <a:lnL w="19050" cap="flat" cmpd="sng" algn="ctr">
+                      <a:solidFill>
+                        <a:srgbClr val="000000"/>
+                      </a:solidFill>
+                      <a:prstDash val="solid"/>
+                      <a:round/>
+                      <a:headEnd type="none" w="med" len="med"/>
+                      <a:tailEnd type="none" w="med" len="med"/>
+                    </a:lnL>
+                    <a:lnR>
+                      <a:noFill/>
+                    </a:lnR>
+                    <a:lnT>
+                      <a:noFill/>
+                    </a:lnT>
+                    <a:lnB>
+                      <a:noFill/>
+                    </a:lnB>
+                    <a:solidFill>
+                      <a:srgbClr val="F7B217"/>
+                    </a:solidFill>
+                  </a:tcPr>
+                </a:tc>
+                <a:tc>
+                  <a:txBody>
+                    <a:bodyPr/>
+                    <a:lstStyle/>
+                    <a:p>
+                      <a:pPr algn="ctr">
+                        <a:spcAft>
+                          <a:spcPts val="0"/>
+                        </a:spcAft>
+                      </a:pPr>
+                      <a:r>
+                        <a:rPr lang="en-US" sz="2000" b="1" dirty="0">
+                          <a:solidFill>
+                            <a:srgbClr val="000000"/>
+                          </a:solidFill>
+                          <a:latin typeface="+mn-lt"/>
+                          <a:ea typeface="Times New Roman"/>
+                          <a:cs typeface="Times New Roman"/>
+                        </a:rPr>
+                        <a:t>128</a:t>
+                      </a:r>
+                      <a:endParaRPr lang="ru-RU" sz="2000" b="1" dirty="0">
+                        <a:latin typeface="+mn-lt"/>
+                        <a:ea typeface="Times New Roman"/>
+                        <a:cs typeface="Times New Roman"/>
+                      </a:endParaRPr>
+                    </a:p>
+                  </a:txBody>
+                  <a:tcPr marL="8734" marR="8734" marT="0" marB="0">
+                    <a:lnL>
+                      <a:noFill/>
+                    </a:lnL>
+                    <a:lnR w="19050" cap="flat" cmpd="sng" algn="ctr">
+                      <a:solidFill>
+                        <a:srgbClr val="000000"/>
+                      </a:solidFill>
+                      <a:prstDash val="solid"/>
+                      <a:round/>
+                      <a:headEnd type="none" w="med" len="med"/>
+                      <a:tailEnd type="none" w="med" len="med"/>
+                    </a:lnR>
+                    <a:lnT>
+                      <a:noFill/>
+                    </a:lnT>
+                    <a:lnB>
+                      <a:noFill/>
+                    </a:lnB>
+                    <a:solidFill>
+                      <a:srgbClr val="F7B217"/>
+                    </a:solidFill>
+                  </a:tcPr>
+                </a:tc>
+              </a:tr>
+              <a:tr h="214665">
+                <a:tc>
+                  <a:txBody>
+                    <a:bodyPr/>
+                    <a:lstStyle/>
+                    <a:p>
+                      <a:pPr algn="ctr">
+                        <a:spcAft>
+                          <a:spcPts val="0"/>
+                        </a:spcAft>
+                      </a:pPr>
+                      <a:r>
+                        <a:rPr lang="en-US" sz="2000" b="1" dirty="0">
+                          <a:solidFill>
+                            <a:srgbClr val="000000"/>
+                          </a:solidFill>
+                          <a:latin typeface="+mn-lt"/>
+                          <a:ea typeface="Times New Roman"/>
+                          <a:cs typeface="Times New Roman"/>
+                        </a:rPr>
+                        <a:t>256</a:t>
+                      </a:r>
+                      <a:endParaRPr lang="ru-RU" sz="2000" b="1" dirty="0">
+                        <a:latin typeface="+mn-lt"/>
+                        <a:ea typeface="Times New Roman"/>
+                        <a:cs typeface="Times New Roman"/>
+                      </a:endParaRPr>
+                    </a:p>
+                  </a:txBody>
+                  <a:tcPr marL="8734" marR="8734" marT="0" marB="0">
+                    <a:lnL w="19050" cap="flat" cmpd="sng" algn="ctr">
+                      <a:solidFill>
+                        <a:srgbClr val="000000"/>
+                      </a:solidFill>
+                      <a:prstDash val="solid"/>
+                      <a:round/>
+                      <a:headEnd type="none" w="med" len="med"/>
+                      <a:tailEnd type="none" w="med" len="med"/>
+                    </a:lnL>
+                    <a:lnR w="19050" cap="flat" cmpd="sng" algn="ctr">
+                      <a:solidFill>
+                        <a:srgbClr val="000000"/>
+                      </a:solidFill>
+                      <a:prstDash val="solid"/>
+                      <a:round/>
+                      <a:headEnd type="none" w="med" len="med"/>
+                      <a:tailEnd type="none" w="med" len="med"/>
+                    </a:lnR>
+                    <a:lnT>
+                      <a:noFill/>
+                    </a:lnT>
+                    <a:lnB>
+                      <a:noFill/>
+                    </a:lnB>
+                    <a:solidFill>
+                      <a:srgbClr val="F7B217"/>
+                    </a:solidFill>
+                  </a:tcPr>
+                </a:tc>
+                <a:tc>
+                  <a:txBody>
+                    <a:bodyPr/>
+                    <a:lstStyle/>
+                    <a:p>
+                      <a:pPr algn="ctr">
+                        <a:spcAft>
+                          <a:spcPts val="0"/>
+                        </a:spcAft>
+                      </a:pPr>
+                      <a:r>
+                        <a:rPr lang="en-US" sz="2000" b="1">
+                          <a:solidFill>
+                            <a:srgbClr val="000000"/>
+                          </a:solidFill>
+                          <a:latin typeface="+mn-lt"/>
+                          <a:ea typeface="Times New Roman"/>
+                          <a:cs typeface="Times New Roman"/>
+                        </a:rPr>
+                        <a:t>1</a:t>
+                      </a:r>
+                      <a:endParaRPr lang="ru-RU" sz="2000" b="1">
+                        <a:latin typeface="+mn-lt"/>
+                        <a:ea typeface="Times New Roman"/>
+                        <a:cs typeface="Times New Roman"/>
+                      </a:endParaRPr>
+                    </a:p>
+                  </a:txBody>
+                  <a:tcPr marL="8734" marR="8734" marT="0" marB="0">
+                    <a:lnL w="19050" cap="flat" cmpd="sng" algn="ctr">
+                      <a:solidFill>
+                        <a:srgbClr val="000000"/>
+                      </a:solidFill>
+                      <a:prstDash val="solid"/>
+                      <a:round/>
+                      <a:headEnd type="none" w="med" len="med"/>
+                      <a:tailEnd type="none" w="med" len="med"/>
+                    </a:lnL>
+                    <a:lnR>
+                      <a:noFill/>
+                    </a:lnR>
+                    <a:lnT>
+                      <a:noFill/>
+                    </a:lnT>
+                    <a:lnB>
+                      <a:noFill/>
+                    </a:lnB>
+                    <a:solidFill>
+                      <a:srgbClr val="F7B217"/>
+                    </a:solidFill>
+                  </a:tcPr>
+                </a:tc>
+                <a:tc>
+                  <a:txBody>
+                    <a:bodyPr/>
+                    <a:lstStyle/>
+                    <a:p>
+                      <a:pPr algn="ctr">
+                        <a:spcAft>
+                          <a:spcPts val="0"/>
+                        </a:spcAft>
+                      </a:pPr>
+                      <a:r>
+                        <a:rPr lang="en-US" sz="2000" b="1" dirty="0">
+                          <a:solidFill>
+                            <a:srgbClr val="000000"/>
+                          </a:solidFill>
+                          <a:latin typeface="+mn-lt"/>
+                          <a:ea typeface="Times New Roman"/>
+                          <a:cs typeface="Times New Roman"/>
+                        </a:rPr>
+                        <a:t>256</a:t>
+                      </a:r>
+                      <a:endParaRPr lang="ru-RU" sz="2000" b="1" dirty="0">
+                        <a:latin typeface="+mn-lt"/>
+                        <a:ea typeface="Times New Roman"/>
+                        <a:cs typeface="Times New Roman"/>
+                      </a:endParaRPr>
+                    </a:p>
+                  </a:txBody>
+                  <a:tcPr marL="8734" marR="8734" marT="0" marB="0">
+                    <a:lnL>
+                      <a:noFill/>
+                    </a:lnL>
+                    <a:lnR w="19050" cap="flat" cmpd="sng" algn="ctr">
+                      <a:solidFill>
+                        <a:srgbClr val="000000"/>
+                      </a:solidFill>
+                      <a:prstDash val="solid"/>
+                      <a:round/>
+                      <a:headEnd type="none" w="med" len="med"/>
+                      <a:tailEnd type="none" w="med" len="med"/>
+                    </a:lnR>
+                    <a:lnT>
+                      <a:noFill/>
+                    </a:lnT>
+                    <a:lnB>
+                      <a:noFill/>
+                    </a:lnB>
+                    <a:solidFill>
+                      <a:srgbClr val="F7B217"/>
+                    </a:solidFill>
+                  </a:tcPr>
+                </a:tc>
+                <a:tc>
+                  <a:txBody>
+                    <a:bodyPr/>
+                    <a:lstStyle/>
+                    <a:p>
+                      <a:pPr algn="ctr">
+                        <a:spcAft>
+                          <a:spcPts val="0"/>
+                        </a:spcAft>
+                      </a:pPr>
+                      <a:r>
+                        <a:rPr lang="en-US" sz="2000" b="1" dirty="0">
+                          <a:solidFill>
+                            <a:srgbClr val="000000"/>
+                          </a:solidFill>
+                          <a:latin typeface="+mn-lt"/>
+                          <a:ea typeface="Times New Roman"/>
+                          <a:cs typeface="Times New Roman"/>
+                        </a:rPr>
+                        <a:t>0</a:t>
+                      </a:r>
+                      <a:endParaRPr lang="ru-RU" sz="2000" b="1" dirty="0">
+                        <a:latin typeface="+mn-lt"/>
+                        <a:ea typeface="Times New Roman"/>
+                        <a:cs typeface="Times New Roman"/>
+                      </a:endParaRPr>
+                    </a:p>
+                  </a:txBody>
+                  <a:tcPr marL="8734" marR="8734" marT="0" marB="0">
+                    <a:lnL w="19050" cap="flat" cmpd="sng" algn="ctr">
+                      <a:solidFill>
+                        <a:srgbClr val="000000"/>
+                      </a:solidFill>
+                      <a:prstDash val="solid"/>
+                      <a:round/>
+                      <a:headEnd type="none" w="med" len="med"/>
+                      <a:tailEnd type="none" w="med" len="med"/>
+                    </a:lnL>
+                    <a:lnR>
+                      <a:noFill/>
+                    </a:lnR>
+                    <a:lnT>
+                      <a:noFill/>
+                    </a:lnT>
+                    <a:lnB>
+                      <a:noFill/>
+                    </a:lnB>
+                    <a:solidFill>
+                      <a:srgbClr val="F7B217"/>
+                    </a:solidFill>
+                  </a:tcPr>
+                </a:tc>
+                <a:tc>
+                  <a:txBody>
+                    <a:bodyPr/>
+                    <a:lstStyle/>
+                    <a:p>
+                      <a:pPr algn="ctr">
+                        <a:spcAft>
+                          <a:spcPts val="0"/>
+                        </a:spcAft>
+                      </a:pPr>
+                      <a:r>
+                        <a:rPr lang="en-US" sz="2000" b="1" dirty="0">
+                          <a:solidFill>
+                            <a:srgbClr val="000000"/>
+                          </a:solidFill>
+                          <a:latin typeface="+mn-lt"/>
+                          <a:ea typeface="Times New Roman"/>
+                          <a:cs typeface="Times New Roman"/>
+                        </a:rPr>
+                        <a:t>0</a:t>
+                      </a:r>
+                      <a:endParaRPr lang="ru-RU" sz="2000" b="1" dirty="0">
+                        <a:latin typeface="+mn-lt"/>
+                        <a:ea typeface="Times New Roman"/>
+                        <a:cs typeface="Times New Roman"/>
+                      </a:endParaRPr>
+                    </a:p>
+                  </a:txBody>
+                  <a:tcPr marL="8734" marR="8734" marT="0" marB="0">
+                    <a:lnL>
+                      <a:noFill/>
+                    </a:lnL>
+                    <a:lnR w="19050" cap="flat" cmpd="sng" algn="ctr">
+                      <a:solidFill>
+                        <a:srgbClr val="000000"/>
+                      </a:solidFill>
+                      <a:prstDash val="solid"/>
+                      <a:round/>
+                      <a:headEnd type="none" w="med" len="med"/>
+                      <a:tailEnd type="none" w="med" len="med"/>
+                    </a:lnR>
+                    <a:lnT>
+                      <a:noFill/>
+                    </a:lnT>
+                    <a:lnB>
+                      <a:noFill/>
+                    </a:lnB>
+                    <a:solidFill>
+                      <a:srgbClr val="F7B217"/>
+                    </a:solidFill>
+                  </a:tcPr>
+                </a:tc>
+              </a:tr>
+              <a:tr h="214665">
+                <a:tc>
+                  <a:txBody>
+                    <a:bodyPr/>
+                    <a:lstStyle/>
+                    <a:p>
+                      <a:pPr algn="ctr">
+                        <a:spcAft>
+                          <a:spcPts val="0"/>
+                        </a:spcAft>
+                      </a:pPr>
+                      <a:r>
+                        <a:rPr lang="en-US" sz="2000" b="1" dirty="0">
+                          <a:solidFill>
+                            <a:srgbClr val="000000"/>
+                          </a:solidFill>
+                          <a:latin typeface="+mn-lt"/>
+                          <a:ea typeface="Times New Roman"/>
+                          <a:cs typeface="Times New Roman"/>
+                        </a:rPr>
+                        <a:t>512</a:t>
+                      </a:r>
+                      <a:endParaRPr lang="ru-RU" sz="2000" b="1" dirty="0">
+                        <a:latin typeface="+mn-lt"/>
+                        <a:ea typeface="Times New Roman"/>
+                        <a:cs typeface="Times New Roman"/>
+                      </a:endParaRPr>
+                    </a:p>
+                  </a:txBody>
+                  <a:tcPr marL="8734" marR="8734" marT="0" marB="0">
+                    <a:lnL w="19050" cap="flat" cmpd="sng" algn="ctr">
+                      <a:solidFill>
+                        <a:srgbClr val="000000"/>
+                      </a:solidFill>
+                      <a:prstDash val="solid"/>
+                      <a:round/>
+                      <a:headEnd type="none" w="med" len="med"/>
+                      <a:tailEnd type="none" w="med" len="med"/>
+                    </a:lnL>
+                    <a:lnR w="19050" cap="flat" cmpd="sng" algn="ctr">
+                      <a:solidFill>
+                        <a:srgbClr val="000000"/>
+                      </a:solidFill>
+                      <a:prstDash val="solid"/>
+                      <a:round/>
+                      <a:headEnd type="none" w="med" len="med"/>
+                      <a:tailEnd type="none" w="med" len="med"/>
+                    </a:lnR>
+                    <a:lnT>
+                      <a:noFill/>
+                    </a:lnT>
+                    <a:lnB>
+                      <a:noFill/>
+                    </a:lnB>
+                    <a:solidFill>
+                      <a:srgbClr val="F7B217"/>
+                    </a:solidFill>
+                  </a:tcPr>
+                </a:tc>
+                <a:tc>
+                  <a:txBody>
+                    <a:bodyPr/>
+                    <a:lstStyle/>
+                    <a:p>
+                      <a:pPr algn="ctr">
+                        <a:spcAft>
+                          <a:spcPts val="0"/>
+                        </a:spcAft>
+                      </a:pPr>
+                      <a:r>
+                        <a:rPr lang="en-US" sz="2000" b="1">
+                          <a:solidFill>
+                            <a:srgbClr val="000000"/>
+                          </a:solidFill>
+                          <a:latin typeface="+mn-lt"/>
+                          <a:ea typeface="Times New Roman"/>
+                          <a:cs typeface="Times New Roman"/>
+                        </a:rPr>
+                        <a:t>1</a:t>
+                      </a:r>
+                      <a:endParaRPr lang="ru-RU" sz="2000" b="1">
+                        <a:latin typeface="+mn-lt"/>
+                        <a:ea typeface="Times New Roman"/>
+                        <a:cs typeface="Times New Roman"/>
+                      </a:endParaRPr>
+                    </a:p>
+                  </a:txBody>
+                  <a:tcPr marL="8734" marR="8734" marT="0" marB="0">
+                    <a:lnL w="19050" cap="flat" cmpd="sng" algn="ctr">
+                      <a:solidFill>
+                        <a:srgbClr val="000000"/>
+                      </a:solidFill>
+                      <a:prstDash val="solid"/>
+                      <a:round/>
+                      <a:headEnd type="none" w="med" len="med"/>
+                      <a:tailEnd type="none" w="med" len="med"/>
+                    </a:lnL>
+                    <a:lnR>
+                      <a:noFill/>
+                    </a:lnR>
+                    <a:lnT>
+                      <a:noFill/>
+                    </a:lnT>
+                    <a:lnB>
+                      <a:noFill/>
+                    </a:lnB>
+                    <a:solidFill>
+                      <a:srgbClr val="F7B217"/>
+                    </a:solidFill>
+                  </a:tcPr>
+                </a:tc>
+                <a:tc>
+                  <a:txBody>
+                    <a:bodyPr/>
+                    <a:lstStyle/>
+                    <a:p>
+                      <a:pPr algn="ctr">
+                        <a:spcAft>
+                          <a:spcPts val="0"/>
+                        </a:spcAft>
+                      </a:pPr>
+                      <a:r>
+                        <a:rPr lang="en-US" sz="2000" b="1" dirty="0">
+                          <a:solidFill>
+                            <a:srgbClr val="000000"/>
+                          </a:solidFill>
+                          <a:latin typeface="+mn-lt"/>
+                          <a:ea typeface="Times New Roman"/>
+                          <a:cs typeface="Times New Roman"/>
+                        </a:rPr>
+                        <a:t>512</a:t>
+                      </a:r>
+                      <a:endParaRPr lang="ru-RU" sz="2000" b="1" dirty="0">
+                        <a:latin typeface="+mn-lt"/>
+                        <a:ea typeface="Times New Roman"/>
+                        <a:cs typeface="Times New Roman"/>
+                      </a:endParaRPr>
+                    </a:p>
+                  </a:txBody>
+                  <a:tcPr marL="8734" marR="8734" marT="0" marB="0">
+                    <a:lnL>
+                      <a:noFill/>
+                    </a:lnL>
+                    <a:lnR w="19050" cap="flat" cmpd="sng" algn="ctr">
+                      <a:solidFill>
+                        <a:srgbClr val="000000"/>
+                      </a:solidFill>
+                      <a:prstDash val="solid"/>
+                      <a:round/>
+                      <a:headEnd type="none" w="med" len="med"/>
+                      <a:tailEnd type="none" w="med" len="med"/>
+                    </a:lnR>
+                    <a:lnT>
+                      <a:noFill/>
+                    </a:lnT>
+                    <a:lnB>
+                      <a:noFill/>
+                    </a:lnB>
+                    <a:solidFill>
+                      <a:srgbClr val="F7B217"/>
+                    </a:solidFill>
+                  </a:tcPr>
+                </a:tc>
+                <a:tc>
+                  <a:txBody>
+                    <a:bodyPr/>
+                    <a:lstStyle/>
+                    <a:p>
+                      <a:pPr algn="ctr">
+                        <a:spcAft>
+                          <a:spcPts val="0"/>
+                        </a:spcAft>
+                      </a:pPr>
+                      <a:r>
+                        <a:rPr lang="en-US" sz="2000" b="1" dirty="0">
+                          <a:solidFill>
+                            <a:srgbClr val="000000"/>
+                          </a:solidFill>
+                          <a:latin typeface="+mn-lt"/>
+                          <a:ea typeface="Times New Roman"/>
+                          <a:cs typeface="Times New Roman"/>
+                        </a:rPr>
+                        <a:t>0</a:t>
+                      </a:r>
+                      <a:endParaRPr lang="ru-RU" sz="2000" b="1" dirty="0">
+                        <a:latin typeface="+mn-lt"/>
+                        <a:ea typeface="Times New Roman"/>
+                        <a:cs typeface="Times New Roman"/>
+                      </a:endParaRPr>
+                    </a:p>
+                  </a:txBody>
+                  <a:tcPr marL="8734" marR="8734" marT="0" marB="0">
+                    <a:lnL w="19050" cap="flat" cmpd="sng" algn="ctr">
+                      <a:solidFill>
+                        <a:srgbClr val="000000"/>
+                      </a:solidFill>
+                      <a:prstDash val="solid"/>
+                      <a:round/>
+                      <a:headEnd type="none" w="med" len="med"/>
+                      <a:tailEnd type="none" w="med" len="med"/>
+                    </a:lnL>
+                    <a:lnR>
+                      <a:noFill/>
+                    </a:lnR>
+                    <a:lnT>
+                      <a:noFill/>
+                    </a:lnT>
+                    <a:lnB>
+                      <a:noFill/>
+                    </a:lnB>
+                    <a:solidFill>
+                      <a:srgbClr val="F7B217"/>
+                    </a:solidFill>
+                  </a:tcPr>
+                </a:tc>
+                <a:tc>
+                  <a:txBody>
+                    <a:bodyPr/>
+                    <a:lstStyle/>
+                    <a:p>
+                      <a:pPr algn="ctr">
+                        <a:spcAft>
+                          <a:spcPts val="0"/>
+                        </a:spcAft>
+                      </a:pPr>
+                      <a:r>
+                        <a:rPr lang="en-US" sz="2000" b="1" dirty="0">
+                          <a:solidFill>
+                            <a:srgbClr val="000000"/>
+                          </a:solidFill>
+                          <a:latin typeface="+mn-lt"/>
+                          <a:ea typeface="Times New Roman"/>
+                          <a:cs typeface="Times New Roman"/>
+                        </a:rPr>
+                        <a:t>0</a:t>
+                      </a:r>
+                      <a:endParaRPr lang="ru-RU" sz="2000" b="1" dirty="0">
+                        <a:latin typeface="+mn-lt"/>
+                        <a:ea typeface="Times New Roman"/>
+                        <a:cs typeface="Times New Roman"/>
+                      </a:endParaRPr>
+                    </a:p>
+                  </a:txBody>
+                  <a:tcPr marL="8734" marR="8734" marT="0" marB="0">
+                    <a:lnL>
+                      <a:noFill/>
+                    </a:lnL>
+                    <a:lnR w="19050" cap="flat" cmpd="sng" algn="ctr">
+                      <a:solidFill>
+                        <a:srgbClr val="000000"/>
+                      </a:solidFill>
+                      <a:prstDash val="solid"/>
+                      <a:round/>
+                      <a:headEnd type="none" w="med" len="med"/>
+                      <a:tailEnd type="none" w="med" len="med"/>
+                    </a:lnR>
+                    <a:lnT>
+                      <a:noFill/>
+                    </a:lnT>
+                    <a:lnB>
+                      <a:noFill/>
+                    </a:lnB>
+                    <a:solidFill>
+                      <a:srgbClr val="F7B217"/>
+                    </a:solidFill>
+                  </a:tcPr>
+                </a:tc>
+              </a:tr>
+              <a:tr h="214665">
+                <a:tc>
+                  <a:txBody>
+                    <a:bodyPr/>
+                    <a:lstStyle/>
+                    <a:p>
+                      <a:pPr algn="ctr">
+                        <a:spcAft>
+                          <a:spcPts val="0"/>
+                        </a:spcAft>
+                      </a:pPr>
+                      <a:r>
+                        <a:rPr lang="en-US" sz="2000" b="1" dirty="0">
+                          <a:solidFill>
+                            <a:srgbClr val="000000"/>
+                          </a:solidFill>
+                          <a:latin typeface="+mn-lt"/>
+                          <a:ea typeface="Times New Roman"/>
+                          <a:cs typeface="Times New Roman"/>
+                        </a:rPr>
+                        <a:t>1024</a:t>
+                      </a:r>
+                      <a:endParaRPr lang="ru-RU" sz="2000" b="1" dirty="0">
+                        <a:latin typeface="+mn-lt"/>
+                        <a:ea typeface="Times New Roman"/>
+                        <a:cs typeface="Times New Roman"/>
+                      </a:endParaRPr>
+                    </a:p>
+                  </a:txBody>
+                  <a:tcPr marL="8734" marR="8734" marT="0" marB="0">
+                    <a:lnL w="19050" cap="flat" cmpd="sng" algn="ctr">
+                      <a:solidFill>
+                        <a:srgbClr val="000000"/>
+                      </a:solidFill>
+                      <a:prstDash val="solid"/>
+                      <a:round/>
+                      <a:headEnd type="none" w="med" len="med"/>
+                      <a:tailEnd type="none" w="med" len="med"/>
+                    </a:lnL>
+                    <a:lnR w="19050" cap="flat" cmpd="sng" algn="ctr">
+                      <a:solidFill>
+                        <a:srgbClr val="000000"/>
+                      </a:solidFill>
+                      <a:prstDash val="solid"/>
+                      <a:round/>
+                      <a:headEnd type="none" w="med" len="med"/>
+                      <a:tailEnd type="none" w="med" len="med"/>
+                    </a:lnR>
+                    <a:lnT>
+                      <a:noFill/>
+                    </a:lnT>
+                    <a:lnB>
+                      <a:noFill/>
+                    </a:lnB>
+                    <a:solidFill>
+                      <a:srgbClr val="F7B217"/>
+                    </a:solidFill>
+                  </a:tcPr>
+                </a:tc>
+                <a:tc>
+                  <a:txBody>
+                    <a:bodyPr/>
+                    <a:lstStyle/>
+                    <a:p>
+                      <a:pPr algn="ctr">
+                        <a:spcAft>
+                          <a:spcPts val="0"/>
+                        </a:spcAft>
+                      </a:pPr>
+                      <a:r>
+                        <a:rPr lang="en-US" sz="2000" b="1">
+                          <a:solidFill>
+                            <a:srgbClr val="000000"/>
+                          </a:solidFill>
+                          <a:latin typeface="+mn-lt"/>
+                          <a:ea typeface="Times New Roman"/>
+                          <a:cs typeface="Times New Roman"/>
+                        </a:rPr>
+                        <a:t>0</a:t>
+                      </a:r>
+                      <a:endParaRPr lang="ru-RU" sz="2000" b="1">
+                        <a:latin typeface="+mn-lt"/>
+                        <a:ea typeface="Times New Roman"/>
+                        <a:cs typeface="Times New Roman"/>
+                      </a:endParaRPr>
+                    </a:p>
+                  </a:txBody>
+                  <a:tcPr marL="8734" marR="8734" marT="0" marB="0">
+                    <a:lnL w="19050" cap="flat" cmpd="sng" algn="ctr">
+                      <a:solidFill>
+                        <a:srgbClr val="000000"/>
+                      </a:solidFill>
+                      <a:prstDash val="solid"/>
+                      <a:round/>
+                      <a:headEnd type="none" w="med" len="med"/>
+                      <a:tailEnd type="none" w="med" len="med"/>
+                    </a:lnL>
+                    <a:lnR>
+                      <a:noFill/>
+                    </a:lnR>
+                    <a:lnT>
+                      <a:noFill/>
+                    </a:lnT>
+                    <a:lnB>
+                      <a:noFill/>
+                    </a:lnB>
+                    <a:solidFill>
+                      <a:srgbClr val="F7B217"/>
+                    </a:solidFill>
+                  </a:tcPr>
+                </a:tc>
+                <a:tc>
+                  <a:txBody>
+                    <a:bodyPr/>
+                    <a:lstStyle/>
+                    <a:p>
+                      <a:pPr algn="ctr">
+                        <a:spcAft>
+                          <a:spcPts val="0"/>
+                        </a:spcAft>
+                      </a:pPr>
+                      <a:r>
+                        <a:rPr lang="en-US" sz="2000" b="1">
+                          <a:solidFill>
+                            <a:srgbClr val="000000"/>
+                          </a:solidFill>
+                          <a:latin typeface="+mn-lt"/>
+                          <a:ea typeface="Times New Roman"/>
+                          <a:cs typeface="Times New Roman"/>
+                        </a:rPr>
+                        <a:t>0</a:t>
+                      </a:r>
+                      <a:endParaRPr lang="ru-RU" sz="2000" b="1">
+                        <a:latin typeface="+mn-lt"/>
+                        <a:ea typeface="Times New Roman"/>
+                        <a:cs typeface="Times New Roman"/>
+                      </a:endParaRPr>
+                    </a:p>
+                  </a:txBody>
+                  <a:tcPr marL="8734" marR="8734" marT="0" marB="0">
+                    <a:lnL>
+                      <a:noFill/>
+                    </a:lnL>
+                    <a:lnR w="19050" cap="flat" cmpd="sng" algn="ctr">
+                      <a:solidFill>
+                        <a:srgbClr val="000000"/>
+                      </a:solidFill>
+                      <a:prstDash val="solid"/>
+                      <a:round/>
+                      <a:headEnd type="none" w="med" len="med"/>
+                      <a:tailEnd type="none" w="med" len="med"/>
+                    </a:lnR>
+                    <a:lnT>
+                      <a:noFill/>
+                    </a:lnT>
+                    <a:lnB>
+                      <a:noFill/>
+                    </a:lnB>
+                    <a:solidFill>
+                      <a:srgbClr val="F7B217"/>
+                    </a:solidFill>
+                  </a:tcPr>
+                </a:tc>
+                <a:tc>
+                  <a:txBody>
+                    <a:bodyPr/>
+                    <a:lstStyle/>
+                    <a:p>
+                      <a:pPr algn="ctr">
+                        <a:spcAft>
+                          <a:spcPts val="0"/>
+                        </a:spcAft>
+                      </a:pPr>
+                      <a:r>
+                        <a:rPr lang="en-US" sz="2000" b="1" dirty="0">
+                          <a:solidFill>
+                            <a:srgbClr val="000000"/>
+                          </a:solidFill>
+                          <a:latin typeface="+mn-lt"/>
+                          <a:ea typeface="Times New Roman"/>
+                          <a:cs typeface="Times New Roman"/>
+                        </a:rPr>
+                        <a:t>1</a:t>
+                      </a:r>
+                      <a:endParaRPr lang="ru-RU" sz="2000" b="1" dirty="0">
+                        <a:latin typeface="+mn-lt"/>
+                        <a:ea typeface="Times New Roman"/>
+                        <a:cs typeface="Times New Roman"/>
+                      </a:endParaRPr>
+                    </a:p>
+                  </a:txBody>
+                  <a:tcPr marL="8734" marR="8734" marT="0" marB="0">
+                    <a:lnL w="19050" cap="flat" cmpd="sng" algn="ctr">
+                      <a:solidFill>
+                        <a:srgbClr val="000000"/>
+                      </a:solidFill>
+                      <a:prstDash val="solid"/>
+                      <a:round/>
+                      <a:headEnd type="none" w="med" len="med"/>
+                      <a:tailEnd type="none" w="med" len="med"/>
+                    </a:lnL>
+                    <a:lnR>
+                      <a:noFill/>
+                    </a:lnR>
+                    <a:lnT>
+                      <a:noFill/>
+                    </a:lnT>
+                    <a:lnB>
+                      <a:noFill/>
+                    </a:lnB>
+                    <a:solidFill>
+                      <a:srgbClr val="F7B217"/>
+                    </a:solidFill>
+                  </a:tcPr>
+                </a:tc>
+                <a:tc>
+                  <a:txBody>
+                    <a:bodyPr/>
+                    <a:lstStyle/>
+                    <a:p>
+                      <a:pPr algn="ctr">
+                        <a:spcAft>
+                          <a:spcPts val="0"/>
+                        </a:spcAft>
+                      </a:pPr>
+                      <a:r>
+                        <a:rPr lang="en-US" sz="2000" b="1" dirty="0">
+                          <a:solidFill>
+                            <a:srgbClr val="000000"/>
+                          </a:solidFill>
+                          <a:latin typeface="+mn-lt"/>
+                          <a:ea typeface="Times New Roman"/>
+                          <a:cs typeface="Times New Roman"/>
+                        </a:rPr>
+                        <a:t>1024</a:t>
+                      </a:r>
+                      <a:endParaRPr lang="ru-RU" sz="2000" b="1" dirty="0">
+                        <a:latin typeface="+mn-lt"/>
+                        <a:ea typeface="Times New Roman"/>
+                        <a:cs typeface="Times New Roman"/>
+                      </a:endParaRPr>
+                    </a:p>
+                  </a:txBody>
+                  <a:tcPr marL="8734" marR="8734" marT="0" marB="0">
+                    <a:lnL>
+                      <a:noFill/>
+                    </a:lnL>
+                    <a:lnR w="19050" cap="flat" cmpd="sng" algn="ctr">
+                      <a:solidFill>
+                        <a:srgbClr val="000000"/>
+                      </a:solidFill>
+                      <a:prstDash val="solid"/>
+                      <a:round/>
+                      <a:headEnd type="none" w="med" len="med"/>
+                      <a:tailEnd type="none" w="med" len="med"/>
+                    </a:lnR>
+                    <a:lnT>
+                      <a:noFill/>
+                    </a:lnT>
+                    <a:lnB>
+                      <a:noFill/>
+                    </a:lnB>
+                    <a:solidFill>
+                      <a:srgbClr val="F7B217"/>
+                    </a:solidFill>
+                  </a:tcPr>
+                </a:tc>
+              </a:tr>
+              <a:tr h="214665">
+                <a:tc>
+                  <a:txBody>
+                    <a:bodyPr/>
+                    <a:lstStyle/>
+                    <a:p>
+                      <a:pPr algn="ctr">
+                        <a:spcAft>
+                          <a:spcPts val="0"/>
+                        </a:spcAft>
+                      </a:pPr>
+                      <a:r>
+                        <a:rPr lang="en-US" sz="2000" b="1" dirty="0">
+                          <a:solidFill>
+                            <a:srgbClr val="000000"/>
+                          </a:solidFill>
+                          <a:latin typeface="+mn-lt"/>
+                          <a:ea typeface="Times New Roman"/>
+                          <a:cs typeface="Times New Roman"/>
+                        </a:rPr>
+                        <a:t>2048</a:t>
+                      </a:r>
+                      <a:endParaRPr lang="ru-RU" sz="2000" b="1" dirty="0">
+                        <a:latin typeface="+mn-lt"/>
+                        <a:ea typeface="Times New Roman"/>
+                        <a:cs typeface="Times New Roman"/>
+                      </a:endParaRPr>
+                    </a:p>
+                  </a:txBody>
+                  <a:tcPr marL="8734" marR="8734" marT="0" marB="0">
+                    <a:lnL w="19050" cap="flat" cmpd="sng" algn="ctr">
+                      <a:solidFill>
+                        <a:srgbClr val="000000"/>
+                      </a:solidFill>
+                      <a:prstDash val="solid"/>
+                      <a:round/>
+                      <a:headEnd type="none" w="med" len="med"/>
+                      <a:tailEnd type="none" w="med" len="med"/>
+                    </a:lnL>
+                    <a:lnR w="19050" cap="flat" cmpd="sng" algn="ctr">
+                      <a:solidFill>
+                        <a:srgbClr val="000000"/>
+                      </a:solidFill>
+                      <a:prstDash val="solid"/>
+                      <a:round/>
+                      <a:headEnd type="none" w="med" len="med"/>
+                      <a:tailEnd type="none" w="med" len="med"/>
+                    </a:lnR>
+                    <a:lnT>
+                      <a:noFill/>
+                    </a:lnT>
+                    <a:lnB>
+                      <a:noFill/>
+                    </a:lnB>
+                    <a:solidFill>
+                      <a:srgbClr val="F7B217"/>
+                    </a:solidFill>
+                  </a:tcPr>
+                </a:tc>
+                <a:tc>
+                  <a:txBody>
+                    <a:bodyPr/>
+                    <a:lstStyle/>
+                    <a:p>
+                      <a:pPr algn="ctr">
+                        <a:spcAft>
+                          <a:spcPts val="0"/>
+                        </a:spcAft>
+                      </a:pPr>
+                      <a:r>
+                        <a:rPr lang="en-US" sz="2000" b="1">
+                          <a:solidFill>
+                            <a:srgbClr val="000000"/>
+                          </a:solidFill>
+                          <a:latin typeface="+mn-lt"/>
+                          <a:ea typeface="Times New Roman"/>
+                          <a:cs typeface="Times New Roman"/>
+                        </a:rPr>
+                        <a:t>1</a:t>
+                      </a:r>
+                      <a:endParaRPr lang="ru-RU" sz="2000" b="1">
+                        <a:latin typeface="+mn-lt"/>
+                        <a:ea typeface="Times New Roman"/>
+                        <a:cs typeface="Times New Roman"/>
+                      </a:endParaRPr>
+                    </a:p>
+                  </a:txBody>
+                  <a:tcPr marL="8734" marR="8734" marT="0" marB="0">
+                    <a:lnL w="19050" cap="flat" cmpd="sng" algn="ctr">
+                      <a:solidFill>
+                        <a:srgbClr val="000000"/>
+                      </a:solidFill>
+                      <a:prstDash val="solid"/>
+                      <a:round/>
+                      <a:headEnd type="none" w="med" len="med"/>
+                      <a:tailEnd type="none" w="med" len="med"/>
+                    </a:lnL>
+                    <a:lnR>
+                      <a:noFill/>
+                    </a:lnR>
+                    <a:lnT>
+                      <a:noFill/>
+                    </a:lnT>
+                    <a:lnB>
+                      <a:noFill/>
+                    </a:lnB>
+                    <a:solidFill>
+                      <a:srgbClr val="F7B217"/>
+                    </a:solidFill>
+                  </a:tcPr>
+                </a:tc>
+                <a:tc>
+                  <a:txBody>
+                    <a:bodyPr/>
+                    <a:lstStyle/>
+                    <a:p>
+                      <a:pPr algn="ctr">
+                        <a:spcAft>
+                          <a:spcPts val="0"/>
+                        </a:spcAft>
+                      </a:pPr>
+                      <a:r>
+                        <a:rPr lang="en-US" sz="2000" b="1">
+                          <a:solidFill>
+                            <a:srgbClr val="000000"/>
+                          </a:solidFill>
+                          <a:latin typeface="+mn-lt"/>
+                          <a:ea typeface="Times New Roman"/>
+                          <a:cs typeface="Times New Roman"/>
+                        </a:rPr>
+                        <a:t>2048</a:t>
+                      </a:r>
+                      <a:endParaRPr lang="ru-RU" sz="2000" b="1">
+                        <a:latin typeface="+mn-lt"/>
+                        <a:ea typeface="Times New Roman"/>
+                        <a:cs typeface="Times New Roman"/>
+                      </a:endParaRPr>
+                    </a:p>
+                  </a:txBody>
+                  <a:tcPr marL="8734" marR="8734" marT="0" marB="0">
+                    <a:lnL>
+                      <a:noFill/>
+                    </a:lnL>
+                    <a:lnR w="19050" cap="flat" cmpd="sng" algn="ctr">
+                      <a:solidFill>
+                        <a:srgbClr val="000000"/>
+                      </a:solidFill>
+                      <a:prstDash val="solid"/>
+                      <a:round/>
+                      <a:headEnd type="none" w="med" len="med"/>
+                      <a:tailEnd type="none" w="med" len="med"/>
+                    </a:lnR>
+                    <a:lnT>
+                      <a:noFill/>
+                    </a:lnT>
+                    <a:lnB>
+                      <a:noFill/>
+                    </a:lnB>
+                    <a:solidFill>
+                      <a:srgbClr val="F7B217"/>
+                    </a:solidFill>
+                  </a:tcPr>
+                </a:tc>
+                <a:tc>
+                  <a:txBody>
+                    <a:bodyPr/>
+                    <a:lstStyle/>
+                    <a:p>
+                      <a:pPr algn="ctr">
+                        <a:spcAft>
+                          <a:spcPts val="0"/>
+                        </a:spcAft>
+                      </a:pPr>
+                      <a:r>
+                        <a:rPr lang="en-US" sz="2000" b="1" dirty="0">
+                          <a:solidFill>
+                            <a:srgbClr val="000000"/>
+                          </a:solidFill>
+                          <a:latin typeface="+mn-lt"/>
+                          <a:ea typeface="Times New Roman"/>
+                          <a:cs typeface="Times New Roman"/>
+                        </a:rPr>
+                        <a:t>0</a:t>
+                      </a:r>
+                      <a:endParaRPr lang="ru-RU" sz="2000" b="1" dirty="0">
+                        <a:latin typeface="+mn-lt"/>
+                        <a:ea typeface="Times New Roman"/>
+                        <a:cs typeface="Times New Roman"/>
+                      </a:endParaRPr>
+                    </a:p>
+                  </a:txBody>
+                  <a:tcPr marL="8734" marR="8734" marT="0" marB="0">
+                    <a:lnL w="19050" cap="flat" cmpd="sng" algn="ctr">
+                      <a:solidFill>
+                        <a:srgbClr val="000000"/>
+                      </a:solidFill>
+                      <a:prstDash val="solid"/>
+                      <a:round/>
+                      <a:headEnd type="none" w="med" len="med"/>
+                      <a:tailEnd type="none" w="med" len="med"/>
+                    </a:lnL>
+                    <a:lnR>
+                      <a:noFill/>
+                    </a:lnR>
+                    <a:lnT>
+                      <a:noFill/>
+                    </a:lnT>
+                    <a:lnB>
+                      <a:noFill/>
+                    </a:lnB>
+                    <a:solidFill>
+                      <a:srgbClr val="F7B217"/>
+                    </a:solidFill>
+                  </a:tcPr>
+                </a:tc>
+                <a:tc>
+                  <a:txBody>
+                    <a:bodyPr/>
+                    <a:lstStyle/>
+                    <a:p>
+                      <a:pPr algn="ctr">
+                        <a:spcAft>
+                          <a:spcPts val="0"/>
+                        </a:spcAft>
+                      </a:pPr>
+                      <a:r>
+                        <a:rPr lang="en-US" sz="2000" b="1" dirty="0">
+                          <a:solidFill>
+                            <a:srgbClr val="000000"/>
+                          </a:solidFill>
+                          <a:latin typeface="+mn-lt"/>
+                          <a:ea typeface="Times New Roman"/>
+                          <a:cs typeface="Times New Roman"/>
+                        </a:rPr>
+                        <a:t>0</a:t>
+                      </a:r>
+                      <a:endParaRPr lang="ru-RU" sz="2000" b="1" dirty="0">
+                        <a:latin typeface="+mn-lt"/>
+                        <a:ea typeface="Times New Roman"/>
+                        <a:cs typeface="Times New Roman"/>
+                      </a:endParaRPr>
+                    </a:p>
+                  </a:txBody>
+                  <a:tcPr marL="8734" marR="8734" marT="0" marB="0">
+                    <a:lnL>
+                      <a:noFill/>
+                    </a:lnL>
+                    <a:lnR w="19050" cap="flat" cmpd="sng" algn="ctr">
+                      <a:solidFill>
+                        <a:srgbClr val="000000"/>
+                      </a:solidFill>
+                      <a:prstDash val="solid"/>
+                      <a:round/>
+                      <a:headEnd type="none" w="med" len="med"/>
+                      <a:tailEnd type="none" w="med" len="med"/>
+                    </a:lnR>
+                    <a:lnT>
+                      <a:noFill/>
+                    </a:lnT>
+                    <a:lnB>
+                      <a:noFill/>
+                    </a:lnB>
+                    <a:solidFill>
+                      <a:srgbClr val="F7B217"/>
+                    </a:solidFill>
+                  </a:tcPr>
+                </a:tc>
+              </a:tr>
+              <a:tr h="214665">
+                <a:tc>
+                  <a:txBody>
+                    <a:bodyPr/>
+                    <a:lstStyle/>
+                    <a:p>
+                      <a:pPr algn="ctr">
+                        <a:spcAft>
+                          <a:spcPts val="0"/>
+                        </a:spcAft>
+                      </a:pPr>
+                      <a:r>
+                        <a:rPr lang="en-US" sz="2000" b="1" dirty="0">
+                          <a:solidFill>
+                            <a:srgbClr val="000000"/>
+                          </a:solidFill>
+                          <a:latin typeface="+mn-lt"/>
+                          <a:ea typeface="Times New Roman"/>
+                          <a:cs typeface="Times New Roman"/>
+                        </a:rPr>
+                        <a:t>4096</a:t>
+                      </a:r>
+                      <a:endParaRPr lang="ru-RU" sz="2000" b="1" dirty="0">
+                        <a:latin typeface="+mn-lt"/>
+                        <a:ea typeface="Times New Roman"/>
+                        <a:cs typeface="Times New Roman"/>
+                      </a:endParaRPr>
+                    </a:p>
+                  </a:txBody>
+                  <a:tcPr marL="8734" marR="8734" marT="0" marB="0">
+                    <a:lnL w="19050" cap="flat" cmpd="sng" algn="ctr">
+                      <a:solidFill>
+                        <a:srgbClr val="000000"/>
+                      </a:solidFill>
+                      <a:prstDash val="solid"/>
+                      <a:round/>
+                      <a:headEnd type="none" w="med" len="med"/>
+                      <a:tailEnd type="none" w="med" len="med"/>
+                    </a:lnL>
+                    <a:lnR w="19050" cap="flat" cmpd="sng" algn="ctr">
+                      <a:solidFill>
+                        <a:srgbClr val="000000"/>
+                      </a:solidFill>
+                      <a:prstDash val="solid"/>
+                      <a:round/>
+                      <a:headEnd type="none" w="med" len="med"/>
+                      <a:tailEnd type="none" w="med" len="med"/>
+                    </a:lnR>
+                    <a:lnT>
+                      <a:noFill/>
+                    </a:lnT>
+                    <a:lnB>
+                      <a:noFill/>
+                    </a:lnB>
+                    <a:solidFill>
+                      <a:srgbClr val="F7B217"/>
+                    </a:solidFill>
+                  </a:tcPr>
+                </a:tc>
+                <a:tc>
+                  <a:txBody>
+                    <a:bodyPr/>
+                    <a:lstStyle/>
+                    <a:p>
+                      <a:pPr algn="ctr">
+                        <a:spcAft>
+                          <a:spcPts val="0"/>
+                        </a:spcAft>
+                      </a:pPr>
+                      <a:r>
+                        <a:rPr lang="en-US" sz="2000" b="1">
+                          <a:solidFill>
+                            <a:srgbClr val="000000"/>
+                          </a:solidFill>
+                          <a:latin typeface="+mn-lt"/>
+                          <a:ea typeface="Times New Roman"/>
+                          <a:cs typeface="Times New Roman"/>
+                        </a:rPr>
+                        <a:t>1</a:t>
+                      </a:r>
+                      <a:endParaRPr lang="ru-RU" sz="2000" b="1">
+                        <a:latin typeface="+mn-lt"/>
+                        <a:ea typeface="Times New Roman"/>
+                        <a:cs typeface="Times New Roman"/>
+                      </a:endParaRPr>
+                    </a:p>
+                  </a:txBody>
+                  <a:tcPr marL="8734" marR="8734" marT="0" marB="0">
+                    <a:lnL w="19050" cap="flat" cmpd="sng" algn="ctr">
+                      <a:solidFill>
+                        <a:srgbClr val="000000"/>
+                      </a:solidFill>
+                      <a:prstDash val="solid"/>
+                      <a:round/>
+                      <a:headEnd type="none" w="med" len="med"/>
+                      <a:tailEnd type="none" w="med" len="med"/>
+                    </a:lnL>
+                    <a:lnR>
+                      <a:noFill/>
+                    </a:lnR>
+                    <a:lnT>
+                      <a:noFill/>
+                    </a:lnT>
+                    <a:lnB>
+                      <a:noFill/>
+                    </a:lnB>
+                    <a:solidFill>
+                      <a:srgbClr val="F7B217"/>
+                    </a:solidFill>
+                  </a:tcPr>
+                </a:tc>
+                <a:tc>
+                  <a:txBody>
+                    <a:bodyPr/>
+                    <a:lstStyle/>
+                    <a:p>
+                      <a:pPr algn="ctr">
+                        <a:spcAft>
+                          <a:spcPts val="0"/>
+                        </a:spcAft>
+                      </a:pPr>
+                      <a:r>
+                        <a:rPr lang="en-US" sz="2000" b="1">
+                          <a:solidFill>
+                            <a:srgbClr val="000000"/>
+                          </a:solidFill>
+                          <a:latin typeface="+mn-lt"/>
+                          <a:ea typeface="Times New Roman"/>
+                          <a:cs typeface="Times New Roman"/>
+                        </a:rPr>
+                        <a:t>4096</a:t>
+                      </a:r>
+                      <a:endParaRPr lang="ru-RU" sz="2000" b="1">
+                        <a:latin typeface="+mn-lt"/>
+                        <a:ea typeface="Times New Roman"/>
+                        <a:cs typeface="Times New Roman"/>
+                      </a:endParaRPr>
+                    </a:p>
+                  </a:txBody>
+                  <a:tcPr marL="8734" marR="8734" marT="0" marB="0">
+                    <a:lnL>
+                      <a:noFill/>
+                    </a:lnL>
+                    <a:lnR w="19050" cap="flat" cmpd="sng" algn="ctr">
+                      <a:solidFill>
+                        <a:srgbClr val="000000"/>
+                      </a:solidFill>
+                      <a:prstDash val="solid"/>
+                      <a:round/>
+                      <a:headEnd type="none" w="med" len="med"/>
+                      <a:tailEnd type="none" w="med" len="med"/>
+                    </a:lnR>
+                    <a:lnT>
+                      <a:noFill/>
+                    </a:lnT>
+                    <a:lnB>
+                      <a:noFill/>
+                    </a:lnB>
+                    <a:solidFill>
+                      <a:srgbClr val="F7B217"/>
+                    </a:solidFill>
+                  </a:tcPr>
+                </a:tc>
+                <a:tc>
+                  <a:txBody>
+                    <a:bodyPr/>
+                    <a:lstStyle/>
+                    <a:p>
+                      <a:pPr algn="ctr">
+                        <a:spcAft>
+                          <a:spcPts val="0"/>
+                        </a:spcAft>
+                      </a:pPr>
+                      <a:r>
+                        <a:rPr lang="en-US" sz="2000" b="1" dirty="0">
+                          <a:solidFill>
+                            <a:srgbClr val="000000"/>
+                          </a:solidFill>
+                          <a:latin typeface="+mn-lt"/>
+                          <a:ea typeface="Times New Roman"/>
+                          <a:cs typeface="Times New Roman"/>
+                        </a:rPr>
+                        <a:t>0</a:t>
+                      </a:r>
+                      <a:endParaRPr lang="ru-RU" sz="2000" b="1" dirty="0">
+                        <a:latin typeface="+mn-lt"/>
+                        <a:ea typeface="Times New Roman"/>
+                        <a:cs typeface="Times New Roman"/>
+                      </a:endParaRPr>
+                    </a:p>
+                  </a:txBody>
+                  <a:tcPr marL="8734" marR="8734" marT="0" marB="0">
+                    <a:lnL w="19050" cap="flat" cmpd="sng" algn="ctr">
+                      <a:solidFill>
+                        <a:srgbClr val="000000"/>
+                      </a:solidFill>
+                      <a:prstDash val="solid"/>
+                      <a:round/>
+                      <a:headEnd type="none" w="med" len="med"/>
+                      <a:tailEnd type="none" w="med" len="med"/>
+                    </a:lnL>
+                    <a:lnR>
+                      <a:noFill/>
+                    </a:lnR>
+                    <a:lnT>
+                      <a:noFill/>
+                    </a:lnT>
+                    <a:lnB>
+                      <a:noFill/>
+                    </a:lnB>
+                    <a:solidFill>
+                      <a:srgbClr val="F7B217"/>
+                    </a:solidFill>
+                  </a:tcPr>
+                </a:tc>
+                <a:tc>
+                  <a:txBody>
+                    <a:bodyPr/>
+                    <a:lstStyle/>
+                    <a:p>
+                      <a:pPr algn="ctr">
+                        <a:spcAft>
+                          <a:spcPts val="0"/>
+                        </a:spcAft>
+                      </a:pPr>
+                      <a:r>
+                        <a:rPr lang="en-US" sz="2000" b="1" dirty="0">
+                          <a:solidFill>
+                            <a:srgbClr val="000000"/>
+                          </a:solidFill>
+                          <a:latin typeface="+mn-lt"/>
+                          <a:ea typeface="Times New Roman"/>
+                          <a:cs typeface="Times New Roman"/>
+                        </a:rPr>
+                        <a:t>0</a:t>
+                      </a:r>
+                      <a:endParaRPr lang="ru-RU" sz="2000" b="1" dirty="0">
+                        <a:latin typeface="+mn-lt"/>
+                        <a:ea typeface="Times New Roman"/>
+                        <a:cs typeface="Times New Roman"/>
+                      </a:endParaRPr>
+                    </a:p>
+                  </a:txBody>
+                  <a:tcPr marL="8734" marR="8734" marT="0" marB="0">
+                    <a:lnL>
+                      <a:noFill/>
+                    </a:lnL>
+                    <a:lnR w="19050" cap="flat" cmpd="sng" algn="ctr">
+                      <a:solidFill>
+                        <a:srgbClr val="000000"/>
+                      </a:solidFill>
+                      <a:prstDash val="solid"/>
+                      <a:round/>
+                      <a:headEnd type="none" w="med" len="med"/>
+                      <a:tailEnd type="none" w="med" len="med"/>
+                    </a:lnR>
+                    <a:lnT>
+                      <a:noFill/>
+                    </a:lnT>
+                    <a:lnB>
+                      <a:noFill/>
+                    </a:lnB>
+                    <a:solidFill>
+                      <a:srgbClr val="F7B217"/>
+                    </a:solidFill>
+                  </a:tcPr>
+                </a:tc>
+              </a:tr>
+              <a:tr h="214665">
+                <a:tc>
+                  <a:txBody>
+                    <a:bodyPr/>
+                    <a:lstStyle/>
+                    <a:p>
+                      <a:pPr algn="ctr">
+                        <a:spcAft>
+                          <a:spcPts val="0"/>
+                        </a:spcAft>
+                      </a:pPr>
+                      <a:r>
+                        <a:rPr lang="en-US" sz="2000" b="1" dirty="0">
+                          <a:solidFill>
+                            <a:srgbClr val="000000"/>
+                          </a:solidFill>
+                          <a:latin typeface="+mn-lt"/>
+                          <a:ea typeface="Times New Roman"/>
+                          <a:cs typeface="Times New Roman"/>
+                        </a:rPr>
+                        <a:t>8192</a:t>
+                      </a:r>
+                      <a:endParaRPr lang="ru-RU" sz="2000" b="1" dirty="0">
+                        <a:latin typeface="+mn-lt"/>
+                        <a:ea typeface="Times New Roman"/>
+                        <a:cs typeface="Times New Roman"/>
+                      </a:endParaRPr>
+                    </a:p>
+                  </a:txBody>
+                  <a:tcPr marL="8734" marR="8734" marT="0" marB="0">
+                    <a:lnL w="19050" cap="flat" cmpd="sng" algn="ctr">
+                      <a:solidFill>
+                        <a:srgbClr val="000000"/>
+                      </a:solidFill>
+                      <a:prstDash val="solid"/>
+                      <a:round/>
+                      <a:headEnd type="none" w="med" len="med"/>
+                      <a:tailEnd type="none" w="med" len="med"/>
+                    </a:lnL>
+                    <a:lnR w="19050" cap="flat" cmpd="sng" algn="ctr">
+                      <a:solidFill>
+                        <a:srgbClr val="000000"/>
+                      </a:solidFill>
+                      <a:prstDash val="solid"/>
+                      <a:round/>
+                      <a:headEnd type="none" w="med" len="med"/>
+                      <a:tailEnd type="none" w="med" len="med"/>
+                    </a:lnR>
+                    <a:lnT>
+                      <a:noFill/>
+                    </a:lnT>
+                    <a:lnB>
+                      <a:noFill/>
+                    </a:lnB>
+                    <a:solidFill>
+                      <a:srgbClr val="F7B217"/>
+                    </a:solidFill>
+                  </a:tcPr>
+                </a:tc>
+                <a:tc>
+                  <a:txBody>
+                    <a:bodyPr/>
+                    <a:lstStyle/>
+                    <a:p>
+                      <a:pPr algn="ctr">
+                        <a:spcAft>
+                          <a:spcPts val="0"/>
+                        </a:spcAft>
+                      </a:pPr>
+                      <a:r>
+                        <a:rPr lang="en-US" sz="2000" b="1">
+                          <a:solidFill>
+                            <a:srgbClr val="000000"/>
+                          </a:solidFill>
+                          <a:latin typeface="+mn-lt"/>
+                          <a:ea typeface="Times New Roman"/>
+                          <a:cs typeface="Times New Roman"/>
+                        </a:rPr>
+                        <a:t>1</a:t>
+                      </a:r>
+                      <a:endParaRPr lang="ru-RU" sz="2000" b="1">
+                        <a:latin typeface="+mn-lt"/>
+                        <a:ea typeface="Times New Roman"/>
+                        <a:cs typeface="Times New Roman"/>
+                      </a:endParaRPr>
+                    </a:p>
+                  </a:txBody>
+                  <a:tcPr marL="8734" marR="8734" marT="0" marB="0">
+                    <a:lnL w="19050" cap="flat" cmpd="sng" algn="ctr">
+                      <a:solidFill>
+                        <a:srgbClr val="000000"/>
+                      </a:solidFill>
+                      <a:prstDash val="solid"/>
+                      <a:round/>
+                      <a:headEnd type="none" w="med" len="med"/>
+                      <a:tailEnd type="none" w="med" len="med"/>
+                    </a:lnL>
+                    <a:lnR>
+                      <a:noFill/>
+                    </a:lnR>
+                    <a:lnT>
+                      <a:noFill/>
+                    </a:lnT>
+                    <a:lnB>
+                      <a:noFill/>
+                    </a:lnB>
+                    <a:solidFill>
+                      <a:srgbClr val="F7B217"/>
+                    </a:solidFill>
+                  </a:tcPr>
+                </a:tc>
+                <a:tc>
+                  <a:txBody>
+                    <a:bodyPr/>
+                    <a:lstStyle/>
+                    <a:p>
+                      <a:pPr algn="ctr">
+                        <a:spcAft>
+                          <a:spcPts val="0"/>
+                        </a:spcAft>
+                      </a:pPr>
+                      <a:r>
+                        <a:rPr lang="en-US" sz="2000" b="1" dirty="0">
+                          <a:solidFill>
+                            <a:srgbClr val="000000"/>
+                          </a:solidFill>
+                          <a:latin typeface="+mn-lt"/>
+                          <a:ea typeface="Times New Roman"/>
+                          <a:cs typeface="Times New Roman"/>
+                        </a:rPr>
+                        <a:t>8192</a:t>
+                      </a:r>
+                      <a:endParaRPr lang="ru-RU" sz="2000" b="1" dirty="0">
+                        <a:latin typeface="+mn-lt"/>
+                        <a:ea typeface="Times New Roman"/>
+                        <a:cs typeface="Times New Roman"/>
+                      </a:endParaRPr>
+                    </a:p>
+                  </a:txBody>
+                  <a:tcPr marL="8734" marR="8734" marT="0" marB="0">
+                    <a:lnL>
+                      <a:noFill/>
+                    </a:lnL>
+                    <a:lnR w="19050" cap="flat" cmpd="sng" algn="ctr">
+                      <a:solidFill>
+                        <a:srgbClr val="000000"/>
+                      </a:solidFill>
+                      <a:prstDash val="solid"/>
+                      <a:round/>
+                      <a:headEnd type="none" w="med" len="med"/>
+                      <a:tailEnd type="none" w="med" len="med"/>
+                    </a:lnR>
+                    <a:lnT>
+                      <a:noFill/>
+                    </a:lnT>
+                    <a:lnB>
+                      <a:noFill/>
+                    </a:lnB>
+                    <a:solidFill>
+                      <a:srgbClr val="F7B217"/>
+                    </a:solidFill>
+                  </a:tcPr>
+                </a:tc>
+                <a:tc>
+                  <a:txBody>
+                    <a:bodyPr/>
+                    <a:lstStyle/>
+                    <a:p>
+                      <a:pPr algn="ctr">
+                        <a:spcAft>
+                          <a:spcPts val="0"/>
+                        </a:spcAft>
+                      </a:pPr>
+                      <a:r>
+                        <a:rPr lang="en-US" sz="2000" b="1" dirty="0">
+                          <a:solidFill>
+                            <a:srgbClr val="000000"/>
+                          </a:solidFill>
+                          <a:latin typeface="+mn-lt"/>
+                          <a:ea typeface="Times New Roman"/>
+                          <a:cs typeface="Times New Roman"/>
+                        </a:rPr>
+                        <a:t>0</a:t>
+                      </a:r>
+                      <a:endParaRPr lang="ru-RU" sz="2000" b="1" dirty="0">
+                        <a:latin typeface="+mn-lt"/>
+                        <a:ea typeface="Times New Roman"/>
+                        <a:cs typeface="Times New Roman"/>
+                      </a:endParaRPr>
+                    </a:p>
+                  </a:txBody>
+                  <a:tcPr marL="8734" marR="8734" marT="0" marB="0">
+                    <a:lnL w="19050" cap="flat" cmpd="sng" algn="ctr">
+                      <a:solidFill>
+                        <a:srgbClr val="000000"/>
+                      </a:solidFill>
+                      <a:prstDash val="solid"/>
+                      <a:round/>
+                      <a:headEnd type="none" w="med" len="med"/>
+                      <a:tailEnd type="none" w="med" len="med"/>
+                    </a:lnL>
+                    <a:lnR>
+                      <a:noFill/>
+                    </a:lnR>
+                    <a:lnT>
+                      <a:noFill/>
+                    </a:lnT>
+                    <a:lnB>
+                      <a:noFill/>
+                    </a:lnB>
+                    <a:solidFill>
+                      <a:srgbClr val="F7B217"/>
+                    </a:solidFill>
+                  </a:tcPr>
+                </a:tc>
+                <a:tc>
+                  <a:txBody>
+                    <a:bodyPr/>
+                    <a:lstStyle/>
+                    <a:p>
+                      <a:pPr algn="ctr">
+                        <a:spcAft>
+                          <a:spcPts val="0"/>
+                        </a:spcAft>
+                      </a:pPr>
+                      <a:r>
+                        <a:rPr lang="en-US" sz="2000" b="1" dirty="0">
+                          <a:solidFill>
+                            <a:srgbClr val="000000"/>
+                          </a:solidFill>
+                          <a:latin typeface="+mn-lt"/>
+                          <a:ea typeface="Times New Roman"/>
+                          <a:cs typeface="Times New Roman"/>
+                        </a:rPr>
+                        <a:t>0</a:t>
+                      </a:r>
+                      <a:endParaRPr lang="ru-RU" sz="2000" b="1" dirty="0">
+                        <a:latin typeface="+mn-lt"/>
+                        <a:ea typeface="Times New Roman"/>
+                        <a:cs typeface="Times New Roman"/>
+                      </a:endParaRPr>
+                    </a:p>
+                  </a:txBody>
+                  <a:tcPr marL="8734" marR="8734" marT="0" marB="0">
+                    <a:lnL>
+                      <a:noFill/>
+                    </a:lnL>
+                    <a:lnR w="19050" cap="flat" cmpd="sng" algn="ctr">
+                      <a:solidFill>
+                        <a:srgbClr val="000000"/>
+                      </a:solidFill>
+                      <a:prstDash val="solid"/>
+                      <a:round/>
+                      <a:headEnd type="none" w="med" len="med"/>
+                      <a:tailEnd type="none" w="med" len="med"/>
+                    </a:lnR>
+                    <a:lnT>
+                      <a:noFill/>
+                    </a:lnT>
+                    <a:lnB>
+                      <a:noFill/>
+                    </a:lnB>
+                    <a:solidFill>
+                      <a:srgbClr val="F7B217"/>
+                    </a:solidFill>
+                  </a:tcPr>
+                </a:tc>
+              </a:tr>
+              <a:tr h="214665">
+                <a:tc>
+                  <a:txBody>
+                    <a:bodyPr/>
+                    <a:lstStyle/>
+                    <a:p>
+                      <a:pPr algn="ctr">
+                        <a:spcAft>
+                          <a:spcPts val="0"/>
+                        </a:spcAft>
+                      </a:pPr>
+                      <a:r>
+                        <a:rPr lang="en-US" sz="2000" b="1">
+                          <a:solidFill>
+                            <a:srgbClr val="000000"/>
+                          </a:solidFill>
+                          <a:latin typeface="+mn-lt"/>
+                          <a:ea typeface="Times New Roman"/>
+                          <a:cs typeface="Times New Roman"/>
+                        </a:rPr>
+                        <a:t>16384</a:t>
+                      </a:r>
+                      <a:endParaRPr lang="ru-RU" sz="2000" b="1">
+                        <a:latin typeface="+mn-lt"/>
+                        <a:ea typeface="Times New Roman"/>
+                        <a:cs typeface="Times New Roman"/>
+                      </a:endParaRPr>
+                    </a:p>
+                  </a:txBody>
+                  <a:tcPr marL="8734" marR="8734" marT="0" marB="0">
+                    <a:lnL w="19050" cap="flat" cmpd="sng" algn="ctr">
+                      <a:solidFill>
+                        <a:srgbClr val="000000"/>
+                      </a:solidFill>
+                      <a:prstDash val="solid"/>
+                      <a:round/>
+                      <a:headEnd type="none" w="med" len="med"/>
+                      <a:tailEnd type="none" w="med" len="med"/>
+                    </a:lnL>
+                    <a:lnR w="19050" cap="flat" cmpd="sng" algn="ctr">
+                      <a:solidFill>
+                        <a:srgbClr val="000000"/>
+                      </a:solidFill>
+                      <a:prstDash val="solid"/>
+                      <a:round/>
+                      <a:headEnd type="none" w="med" len="med"/>
+                      <a:tailEnd type="none" w="med" len="med"/>
+                    </a:lnR>
+                    <a:lnT>
+                      <a:noFill/>
+                    </a:lnT>
+                    <a:lnB>
+                      <a:noFill/>
+                    </a:lnB>
+                    <a:solidFill>
+                      <a:srgbClr val="F7B217"/>
+                    </a:solidFill>
+                  </a:tcPr>
+                </a:tc>
+                <a:tc>
+                  <a:txBody>
+                    <a:bodyPr/>
+                    <a:lstStyle/>
+                    <a:p>
+                      <a:pPr algn="ctr">
+                        <a:spcAft>
+                          <a:spcPts val="0"/>
+                        </a:spcAft>
+                      </a:pPr>
+                      <a:r>
+                        <a:rPr lang="en-US" sz="2000" b="1" dirty="0">
+                          <a:solidFill>
+                            <a:srgbClr val="000000"/>
+                          </a:solidFill>
+                          <a:latin typeface="+mn-lt"/>
+                          <a:ea typeface="Times New Roman"/>
+                          <a:cs typeface="Times New Roman"/>
+                        </a:rPr>
+                        <a:t>0</a:t>
+                      </a:r>
+                      <a:endParaRPr lang="ru-RU" sz="2000" b="1" dirty="0">
+                        <a:latin typeface="+mn-lt"/>
+                        <a:ea typeface="Times New Roman"/>
+                        <a:cs typeface="Times New Roman"/>
+                      </a:endParaRPr>
+                    </a:p>
+                  </a:txBody>
+                  <a:tcPr marL="8734" marR="8734" marT="0" marB="0">
+                    <a:lnL w="19050" cap="flat" cmpd="sng" algn="ctr">
+                      <a:solidFill>
+                        <a:srgbClr val="000000"/>
+                      </a:solidFill>
+                      <a:prstDash val="solid"/>
+                      <a:round/>
+                      <a:headEnd type="none" w="med" len="med"/>
+                      <a:tailEnd type="none" w="med" len="med"/>
+                    </a:lnL>
+                    <a:lnR>
+                      <a:noFill/>
+                    </a:lnR>
+                    <a:lnT>
+                      <a:noFill/>
+                    </a:lnT>
+                    <a:lnB>
+                      <a:noFill/>
+                    </a:lnB>
+                    <a:solidFill>
+                      <a:srgbClr val="F7B217"/>
+                    </a:solidFill>
+                  </a:tcPr>
+                </a:tc>
+                <a:tc>
+                  <a:txBody>
+                    <a:bodyPr/>
+                    <a:lstStyle/>
+                    <a:p>
+                      <a:pPr algn="ctr">
+                        <a:spcAft>
+                          <a:spcPts val="0"/>
+                        </a:spcAft>
+                      </a:pPr>
+                      <a:r>
+                        <a:rPr lang="en-US" sz="2000" b="1" dirty="0">
+                          <a:solidFill>
+                            <a:srgbClr val="000000"/>
+                          </a:solidFill>
+                          <a:latin typeface="+mn-lt"/>
+                          <a:ea typeface="Times New Roman"/>
+                          <a:cs typeface="Times New Roman"/>
+                        </a:rPr>
+                        <a:t>0</a:t>
+                      </a:r>
+                      <a:endParaRPr lang="ru-RU" sz="2000" b="1" dirty="0">
+                        <a:latin typeface="+mn-lt"/>
+                        <a:ea typeface="Times New Roman"/>
+                        <a:cs typeface="Times New Roman"/>
+                      </a:endParaRPr>
+                    </a:p>
+                  </a:txBody>
+                  <a:tcPr marL="8734" marR="8734" marT="0" marB="0">
+                    <a:lnL>
+                      <a:noFill/>
+                    </a:lnL>
+                    <a:lnR w="19050" cap="flat" cmpd="sng" algn="ctr">
+                      <a:solidFill>
+                        <a:srgbClr val="000000"/>
+                      </a:solidFill>
+                      <a:prstDash val="solid"/>
+                      <a:round/>
+                      <a:headEnd type="none" w="med" len="med"/>
+                      <a:tailEnd type="none" w="med" len="med"/>
+                    </a:lnR>
+                    <a:lnT>
+                      <a:noFill/>
+                    </a:lnT>
+                    <a:lnB>
+                      <a:noFill/>
+                    </a:lnB>
+                    <a:solidFill>
+                      <a:srgbClr val="F7B217"/>
+                    </a:solidFill>
+                  </a:tcPr>
+                </a:tc>
+                <a:tc>
+                  <a:txBody>
+                    <a:bodyPr/>
+                    <a:lstStyle/>
+                    <a:p>
+                      <a:pPr algn="ctr">
+                        <a:spcAft>
+                          <a:spcPts val="0"/>
+                        </a:spcAft>
+                      </a:pPr>
+                      <a:r>
+                        <a:rPr lang="en-US" sz="2000" b="1" dirty="0">
+                          <a:solidFill>
+                            <a:srgbClr val="000000"/>
+                          </a:solidFill>
+                          <a:latin typeface="+mn-lt"/>
+                          <a:ea typeface="Times New Roman"/>
+                          <a:cs typeface="Times New Roman"/>
+                        </a:rPr>
+                        <a:t>1</a:t>
+                      </a:r>
+                      <a:endParaRPr lang="ru-RU" sz="2000" b="1" dirty="0">
+                        <a:latin typeface="+mn-lt"/>
+                        <a:ea typeface="Times New Roman"/>
+                        <a:cs typeface="Times New Roman"/>
+                      </a:endParaRPr>
+                    </a:p>
+                  </a:txBody>
+                  <a:tcPr marL="8734" marR="8734" marT="0" marB="0">
+                    <a:lnL w="19050" cap="flat" cmpd="sng" algn="ctr">
+                      <a:solidFill>
+                        <a:srgbClr val="000000"/>
+                      </a:solidFill>
+                      <a:prstDash val="solid"/>
+                      <a:round/>
+                      <a:headEnd type="none" w="med" len="med"/>
+                      <a:tailEnd type="none" w="med" len="med"/>
+                    </a:lnL>
+                    <a:lnR>
+                      <a:noFill/>
+                    </a:lnR>
+                    <a:lnT>
+                      <a:noFill/>
+                    </a:lnT>
+                    <a:lnB>
+                      <a:noFill/>
+                    </a:lnB>
+                    <a:solidFill>
+                      <a:srgbClr val="F7B217"/>
+                    </a:solidFill>
+                  </a:tcPr>
+                </a:tc>
+                <a:tc>
+                  <a:txBody>
+                    <a:bodyPr/>
+                    <a:lstStyle/>
+                    <a:p>
+                      <a:pPr algn="ctr">
+                        <a:spcAft>
+                          <a:spcPts val="0"/>
+                        </a:spcAft>
+                      </a:pPr>
+                      <a:r>
+                        <a:rPr lang="en-US" sz="2000" b="1" dirty="0">
+                          <a:solidFill>
+                            <a:srgbClr val="000000"/>
+                          </a:solidFill>
+                          <a:latin typeface="+mn-lt"/>
+                          <a:ea typeface="Times New Roman"/>
+                          <a:cs typeface="Times New Roman"/>
+                        </a:rPr>
+                        <a:t>16384</a:t>
+                      </a:r>
+                      <a:endParaRPr lang="ru-RU" sz="2000" b="1" dirty="0">
+                        <a:latin typeface="+mn-lt"/>
+                        <a:ea typeface="Times New Roman"/>
+                        <a:cs typeface="Times New Roman"/>
+                      </a:endParaRPr>
+                    </a:p>
+                  </a:txBody>
+                  <a:tcPr marL="8734" marR="8734" marT="0" marB="0">
+                    <a:lnL>
+                      <a:noFill/>
+                    </a:lnL>
+                    <a:lnR w="19050" cap="flat" cmpd="sng" algn="ctr">
+                      <a:solidFill>
+                        <a:srgbClr val="000000"/>
+                      </a:solidFill>
+                      <a:prstDash val="solid"/>
+                      <a:round/>
+                      <a:headEnd type="none" w="med" len="med"/>
+                      <a:tailEnd type="none" w="med" len="med"/>
+                    </a:lnR>
+                    <a:lnT>
+                      <a:noFill/>
+                    </a:lnT>
+                    <a:lnB>
+                      <a:noFill/>
+                    </a:lnB>
+                    <a:solidFill>
+                      <a:srgbClr val="F7B217"/>
+                    </a:solidFill>
+                  </a:tcPr>
+                </a:tc>
+              </a:tr>
+              <a:tr h="214665">
+                <a:tc>
+                  <a:txBody>
+                    <a:bodyPr/>
+                    <a:lstStyle/>
+                    <a:p>
+                      <a:pPr algn="ctr">
+                        <a:spcAft>
+                          <a:spcPts val="0"/>
+                        </a:spcAft>
+                      </a:pPr>
+                      <a:r>
+                        <a:rPr lang="en-US" sz="2000" b="1" dirty="0">
+                          <a:solidFill>
+                            <a:srgbClr val="000000"/>
+                          </a:solidFill>
+                          <a:latin typeface="+mn-lt"/>
+                          <a:ea typeface="Times New Roman"/>
+                          <a:cs typeface="Times New Roman"/>
+                        </a:rPr>
+                        <a:t>-32768</a:t>
+                      </a:r>
+                      <a:endParaRPr lang="ru-RU" sz="2000" b="1" dirty="0">
+                        <a:latin typeface="+mn-lt"/>
+                        <a:ea typeface="Times New Roman"/>
+                        <a:cs typeface="Times New Roman"/>
+                      </a:endParaRPr>
+                    </a:p>
+                  </a:txBody>
+                  <a:tcPr marL="8734" marR="8734" marT="0" marB="0">
+                    <a:lnL w="19050" cap="flat" cmpd="sng" algn="ctr">
+                      <a:solidFill>
+                        <a:srgbClr val="000000"/>
+                      </a:solidFill>
+                      <a:prstDash val="solid"/>
+                      <a:round/>
+                      <a:headEnd type="none" w="med" len="med"/>
+                      <a:tailEnd type="none" w="med" len="med"/>
+                    </a:lnL>
+                    <a:lnR w="19050" cap="flat" cmpd="sng" algn="ctr">
+                      <a:solidFill>
+                        <a:srgbClr val="000000"/>
+                      </a:solidFill>
+                      <a:prstDash val="solid"/>
+                      <a:round/>
+                      <a:headEnd type="none" w="med" len="med"/>
+                      <a:tailEnd type="none" w="med" len="med"/>
+                    </a:lnR>
+                    <a:lnT>
+                      <a:noFill/>
+                    </a:lnT>
+                    <a:lnB w="19050" cap="flat" cmpd="sng" algn="ctr">
+                      <a:solidFill>
+                        <a:srgbClr val="000000"/>
+                      </a:solidFill>
+                      <a:prstDash val="solid"/>
+                      <a:round/>
+                      <a:headEnd type="none" w="med" len="med"/>
+                      <a:tailEnd type="none" w="med" len="med"/>
+                    </a:lnB>
+                    <a:solidFill>
+                      <a:srgbClr val="F7B217"/>
+                    </a:solidFill>
+                  </a:tcPr>
+                </a:tc>
+                <a:tc>
+                  <a:txBody>
+                    <a:bodyPr/>
+                    <a:lstStyle/>
+                    <a:p>
+                      <a:pPr algn="ctr">
+                        <a:spcAft>
+                          <a:spcPts val="0"/>
+                        </a:spcAft>
+                      </a:pPr>
+                      <a:r>
+                        <a:rPr lang="en-US" sz="2000" b="1" dirty="0">
+                          <a:solidFill>
+                            <a:srgbClr val="000000"/>
+                          </a:solidFill>
+                          <a:latin typeface="+mn-lt"/>
+                          <a:ea typeface="Times New Roman"/>
+                          <a:cs typeface="Times New Roman"/>
+                        </a:rPr>
+                        <a:t>0</a:t>
+                      </a:r>
+                      <a:endParaRPr lang="ru-RU" sz="2000" b="1" dirty="0">
+                        <a:latin typeface="+mn-lt"/>
+                        <a:ea typeface="Times New Roman"/>
+                        <a:cs typeface="Times New Roman"/>
+                      </a:endParaRPr>
+                    </a:p>
+                  </a:txBody>
+                  <a:tcPr marL="8734" marR="8734" marT="0" marB="0">
+                    <a:lnL w="19050" cap="flat" cmpd="sng" algn="ctr">
+                      <a:solidFill>
+                        <a:srgbClr val="000000"/>
+                      </a:solidFill>
+                      <a:prstDash val="solid"/>
+                      <a:round/>
+                      <a:headEnd type="none" w="med" len="med"/>
+                      <a:tailEnd type="none" w="med" len="med"/>
+                    </a:lnL>
+                    <a:lnR>
+                      <a:noFill/>
+                    </a:lnR>
+                    <a:lnT>
+                      <a:noFill/>
+                    </a:lnT>
+                    <a:lnB w="19050" cap="flat" cmpd="sng" algn="ctr">
+                      <a:solidFill>
+                        <a:srgbClr val="000000"/>
+                      </a:solidFill>
+                      <a:prstDash val="solid"/>
+                      <a:round/>
+                      <a:headEnd type="none" w="med" len="med"/>
+                      <a:tailEnd type="none" w="med" len="med"/>
+                    </a:lnB>
+                    <a:solidFill>
+                      <a:srgbClr val="F7B217"/>
+                    </a:solidFill>
+                  </a:tcPr>
+                </a:tc>
+                <a:tc>
+                  <a:txBody>
+                    <a:bodyPr/>
+                    <a:lstStyle/>
+                    <a:p>
+                      <a:pPr algn="ctr">
+                        <a:spcAft>
+                          <a:spcPts val="0"/>
+                        </a:spcAft>
+                      </a:pPr>
+                      <a:r>
+                        <a:rPr lang="en-US" sz="2000" b="1" dirty="0">
+                          <a:solidFill>
+                            <a:srgbClr val="000000"/>
+                          </a:solidFill>
+                          <a:latin typeface="+mn-lt"/>
+                          <a:ea typeface="Times New Roman"/>
+                          <a:cs typeface="Times New Roman"/>
+                        </a:rPr>
+                        <a:t>0</a:t>
+                      </a:r>
+                      <a:endParaRPr lang="ru-RU" sz="2000" b="1" dirty="0">
+                        <a:latin typeface="+mn-lt"/>
+                        <a:ea typeface="Times New Roman"/>
+                        <a:cs typeface="Times New Roman"/>
+                      </a:endParaRPr>
+                    </a:p>
+                  </a:txBody>
+                  <a:tcPr marL="8734" marR="8734" marT="0" marB="0">
+                    <a:lnL>
+                      <a:noFill/>
+                    </a:lnL>
+                    <a:lnR w="19050" cap="flat" cmpd="sng" algn="ctr">
+                      <a:solidFill>
+                        <a:srgbClr val="000000"/>
+                      </a:solidFill>
+                      <a:prstDash val="solid"/>
+                      <a:round/>
+                      <a:headEnd type="none" w="med" len="med"/>
+                      <a:tailEnd type="none" w="med" len="med"/>
+                    </a:lnR>
+                    <a:lnT>
+                      <a:noFill/>
+                    </a:lnT>
+                    <a:lnB w="19050" cap="flat" cmpd="sng" algn="ctr">
+                      <a:solidFill>
+                        <a:srgbClr val="000000"/>
+                      </a:solidFill>
+                      <a:prstDash val="solid"/>
+                      <a:round/>
+                      <a:headEnd type="none" w="med" len="med"/>
+                      <a:tailEnd type="none" w="med" len="med"/>
+                    </a:lnB>
+                    <a:solidFill>
+                      <a:srgbClr val="F7B217"/>
+                    </a:solidFill>
+                  </a:tcPr>
+                </a:tc>
+                <a:tc>
+                  <a:txBody>
+                    <a:bodyPr/>
+                    <a:lstStyle/>
+                    <a:p>
+                      <a:pPr algn="ctr">
+                        <a:spcAft>
+                          <a:spcPts val="0"/>
+                        </a:spcAft>
+                      </a:pPr>
+                      <a:r>
+                        <a:rPr lang="en-US" sz="2000" b="1" dirty="0">
+                          <a:solidFill>
+                            <a:srgbClr val="000000"/>
+                          </a:solidFill>
+                          <a:latin typeface="+mn-lt"/>
+                          <a:ea typeface="Times New Roman"/>
+                          <a:cs typeface="Times New Roman"/>
+                        </a:rPr>
+                        <a:t>1</a:t>
+                      </a:r>
+                      <a:endParaRPr lang="ru-RU" sz="2000" b="1" dirty="0">
+                        <a:latin typeface="+mn-lt"/>
+                        <a:ea typeface="Times New Roman"/>
+                        <a:cs typeface="Times New Roman"/>
+                      </a:endParaRPr>
+                    </a:p>
+                  </a:txBody>
+                  <a:tcPr marL="8734" marR="8734" marT="0" marB="0">
+                    <a:lnL w="19050" cap="flat" cmpd="sng" algn="ctr">
+                      <a:solidFill>
+                        <a:srgbClr val="000000"/>
+                      </a:solidFill>
+                      <a:prstDash val="solid"/>
+                      <a:round/>
+                      <a:headEnd type="none" w="med" len="med"/>
+                      <a:tailEnd type="none" w="med" len="med"/>
+                    </a:lnL>
+                    <a:lnR>
+                      <a:noFill/>
+                    </a:lnR>
+                    <a:lnT>
+                      <a:noFill/>
+                    </a:lnT>
+                    <a:lnB w="19050" cap="flat" cmpd="sng" algn="ctr">
+                      <a:solidFill>
+                        <a:srgbClr val="000000"/>
+                      </a:solidFill>
+                      <a:prstDash val="solid"/>
+                      <a:round/>
+                      <a:headEnd type="none" w="med" len="med"/>
+                      <a:tailEnd type="none" w="med" len="med"/>
+                    </a:lnB>
+                    <a:solidFill>
+                      <a:srgbClr val="F7B217"/>
+                    </a:solidFill>
+                  </a:tcPr>
+                </a:tc>
+                <a:tc>
+                  <a:txBody>
+                    <a:bodyPr/>
+                    <a:lstStyle/>
+                    <a:p>
+                      <a:pPr algn="ctr">
+                        <a:spcAft>
+                          <a:spcPts val="0"/>
+                        </a:spcAft>
+                      </a:pPr>
+                      <a:r>
+                        <a:rPr lang="en-US" sz="2000" b="1" dirty="0">
+                          <a:solidFill>
+                            <a:srgbClr val="000000"/>
+                          </a:solidFill>
+                          <a:latin typeface="+mn-lt"/>
+                          <a:ea typeface="Times New Roman"/>
+                          <a:cs typeface="Times New Roman"/>
+                        </a:rPr>
+                        <a:t>-32768</a:t>
+                      </a:r>
+                      <a:endParaRPr lang="ru-RU" sz="2000" b="1" dirty="0">
+                        <a:latin typeface="+mn-lt"/>
+                        <a:ea typeface="Times New Roman"/>
+                        <a:cs typeface="Times New Roman"/>
+                      </a:endParaRPr>
+                    </a:p>
+                  </a:txBody>
+                  <a:tcPr marL="8734" marR="8734" marT="0" marB="0">
+                    <a:lnL>
+                      <a:noFill/>
+                    </a:lnL>
+                    <a:lnR w="19050" cap="flat" cmpd="sng" algn="ctr">
+                      <a:solidFill>
+                        <a:srgbClr val="000000"/>
+                      </a:solidFill>
+                      <a:prstDash val="solid"/>
+                      <a:round/>
+                      <a:headEnd type="none" w="med" len="med"/>
+                      <a:tailEnd type="none" w="med" len="med"/>
+                    </a:lnR>
+                    <a:lnT>
+                      <a:noFill/>
+                    </a:lnT>
+                    <a:lnB w="19050" cap="flat" cmpd="sng" algn="ctr">
+                      <a:solidFill>
+                        <a:srgbClr val="000000"/>
+                      </a:solidFill>
+                      <a:prstDash val="solid"/>
+                      <a:round/>
+                      <a:headEnd type="none" w="med" len="med"/>
+                      <a:tailEnd type="none" w="med" len="med"/>
+                    </a:lnB>
+                    <a:solidFill>
+                      <a:srgbClr val="F7B217"/>
+                    </a:solidFill>
+                  </a:tcPr>
+                </a:tc>
+              </a:tr>
+              <a:tr h="214665">
+                <a:tc>
+                  <a:txBody>
+                    <a:bodyPr/>
+                    <a:lstStyle/>
+                    <a:p>
+                      <a:pPr algn="r">
+                        <a:spcAft>
+                          <a:spcPts val="0"/>
+                        </a:spcAft>
+                      </a:pPr>
+                      <a:r>
+                        <a:rPr lang="en-US" sz="2000" b="1" dirty="0">
+                          <a:solidFill>
+                            <a:srgbClr val="000000"/>
+                          </a:solidFill>
+                          <a:latin typeface="+mn-lt"/>
+                          <a:ea typeface="Times New Roman"/>
+                          <a:cs typeface="Times New Roman"/>
+                        </a:rPr>
+                        <a:t>Sum</a:t>
+                      </a:r>
+                      <a:endParaRPr lang="ru-RU" sz="2000" dirty="0">
+                        <a:latin typeface="+mn-lt"/>
+                        <a:ea typeface="Times New Roman"/>
+                        <a:cs typeface="Times New Roman"/>
+                      </a:endParaRPr>
+                    </a:p>
+                  </a:txBody>
+                  <a:tcPr marL="8734" marR="8734" marT="0" marB="0">
+                    <a:lnL>
+                      <a:noFill/>
+                    </a:lnL>
+                    <a:lnR>
+                      <a:noFill/>
+                    </a:lnR>
+                    <a:lnT w="19050" cap="flat" cmpd="sng" algn="ctr">
+                      <a:solidFill>
+                        <a:srgbClr val="000000"/>
+                      </a:solidFill>
+                      <a:prstDash val="solid"/>
+                      <a:round/>
+                      <a:headEnd type="none" w="med" len="med"/>
+                      <a:tailEnd type="none" w="med" len="med"/>
+                    </a:lnT>
+                    <a:lnB>
+                      <a:noFill/>
+                    </a:lnB>
+                    <a:solidFill>
+                      <a:srgbClr val="F7B217"/>
+                    </a:solidFill>
+                  </a:tcPr>
+                </a:tc>
+                <a:tc>
+                  <a:txBody>
+                    <a:bodyPr/>
+                    <a:lstStyle/>
+                    <a:p>
+                      <a:pPr algn="r">
+                        <a:spcAft>
+                          <a:spcPts val="0"/>
+                        </a:spcAft>
+                      </a:pPr>
+                      <a:endParaRPr lang="ru-RU" sz="2000" dirty="0">
+                        <a:latin typeface="+mn-lt"/>
+                        <a:ea typeface="Times New Roman"/>
+                        <a:cs typeface="Times New Roman"/>
+                      </a:endParaRPr>
+                    </a:p>
+                  </a:txBody>
+                  <a:tcPr marL="8734" marR="8734" marT="0" marB="0">
+                    <a:lnL>
+                      <a:noFill/>
+                    </a:lnL>
+                    <a:lnR>
+                      <a:noFill/>
+                    </a:lnR>
+                    <a:lnT w="19050" cap="flat" cmpd="sng" algn="ctr">
+                      <a:solidFill>
+                        <a:srgbClr val="000000"/>
+                      </a:solidFill>
+                      <a:prstDash val="solid"/>
+                      <a:round/>
+                      <a:headEnd type="none" w="med" len="med"/>
+                      <a:tailEnd type="none" w="med" len="med"/>
+                    </a:lnT>
+                    <a:lnB>
+                      <a:noFill/>
+                    </a:lnB>
+                    <a:solidFill>
+                      <a:srgbClr val="F7B217"/>
+                    </a:solidFill>
+                  </a:tcPr>
+                </a:tc>
+                <a:tc>
+                  <a:txBody>
+                    <a:bodyPr/>
+                    <a:lstStyle/>
+                    <a:p>
+                      <a:pPr algn="ctr">
+                        <a:spcAft>
+                          <a:spcPts val="0"/>
+                        </a:spcAft>
+                      </a:pPr>
+                      <a:r>
+                        <a:rPr lang="en-US" sz="2000" b="1" dirty="0">
+                          <a:solidFill>
+                            <a:srgbClr val="000000"/>
+                          </a:solidFill>
+                          <a:latin typeface="+mn-lt"/>
+                          <a:ea typeface="Times New Roman"/>
+                          <a:cs typeface="Times New Roman"/>
+                        </a:rPr>
+                        <a:t>15213</a:t>
+                      </a:r>
+                      <a:endParaRPr lang="ru-RU" sz="2000" dirty="0">
+                        <a:latin typeface="+mn-lt"/>
+                        <a:ea typeface="Times New Roman"/>
+                        <a:cs typeface="Times New Roman"/>
+                      </a:endParaRPr>
+                    </a:p>
+                  </a:txBody>
+                  <a:tcPr marL="8734" marR="8734" marT="0" marB="0">
+                    <a:lnL>
+                      <a:noFill/>
+                    </a:lnL>
+                    <a:lnR>
+                      <a:noFill/>
+                    </a:lnR>
+                    <a:lnT w="19050" cap="flat" cmpd="sng" algn="ctr">
+                      <a:solidFill>
+                        <a:srgbClr val="000000"/>
+                      </a:solidFill>
+                      <a:prstDash val="solid"/>
+                      <a:round/>
+                      <a:headEnd type="none" w="med" len="med"/>
+                      <a:tailEnd type="none" w="med" len="med"/>
+                    </a:lnT>
+                    <a:lnB>
+                      <a:noFill/>
+                    </a:lnB>
+                    <a:solidFill>
+                      <a:srgbClr val="F7B217"/>
+                    </a:solidFill>
+                  </a:tcPr>
+                </a:tc>
+                <a:tc>
+                  <a:txBody>
+                    <a:bodyPr/>
+                    <a:lstStyle/>
+                    <a:p>
+                      <a:pPr algn="r">
+                        <a:spcAft>
+                          <a:spcPts val="0"/>
+                        </a:spcAft>
+                      </a:pPr>
+                      <a:endParaRPr lang="ru-RU" sz="2000" dirty="0">
+                        <a:latin typeface="+mn-lt"/>
+                        <a:ea typeface="Times New Roman"/>
+                        <a:cs typeface="Times New Roman"/>
+                      </a:endParaRPr>
+                    </a:p>
+                  </a:txBody>
+                  <a:tcPr marL="8734" marR="8734" marT="0" marB="0">
+                    <a:lnL>
+                      <a:noFill/>
+                    </a:lnL>
+                    <a:lnR>
+                      <a:noFill/>
+                    </a:lnR>
+                    <a:lnT w="19050" cap="flat" cmpd="sng" algn="ctr">
+                      <a:solidFill>
+                        <a:srgbClr val="000000"/>
+                      </a:solidFill>
+                      <a:prstDash val="solid"/>
+                      <a:round/>
+                      <a:headEnd type="none" w="med" len="med"/>
+                      <a:tailEnd type="none" w="med" len="med"/>
+                    </a:lnT>
+                    <a:lnB>
+                      <a:noFill/>
+                    </a:lnB>
+                    <a:solidFill>
+                      <a:srgbClr val="F7B217"/>
+                    </a:solidFill>
+                  </a:tcPr>
+                </a:tc>
+                <a:tc>
+                  <a:txBody>
+                    <a:bodyPr/>
+                    <a:lstStyle/>
+                    <a:p>
+                      <a:pPr algn="ctr">
+                        <a:spcAft>
+                          <a:spcPts val="0"/>
+                        </a:spcAft>
+                      </a:pPr>
+                      <a:r>
+                        <a:rPr lang="en-US" sz="2000" b="1" dirty="0">
+                          <a:solidFill>
+                            <a:srgbClr val="000000"/>
+                          </a:solidFill>
+                          <a:latin typeface="+mn-lt"/>
+                          <a:ea typeface="Times New Roman"/>
+                          <a:cs typeface="Times New Roman"/>
+                        </a:rPr>
+                        <a:t>-15213</a:t>
+                      </a:r>
+                      <a:endParaRPr lang="ru-RU" sz="2000" dirty="0">
+                        <a:latin typeface="+mn-lt"/>
+                        <a:ea typeface="Times New Roman"/>
+                        <a:cs typeface="Times New Roman"/>
+                      </a:endParaRPr>
+                    </a:p>
+                  </a:txBody>
+                  <a:tcPr marL="8734" marR="8734" marT="0" marB="0">
+                    <a:lnL>
+                      <a:noFill/>
+                    </a:lnL>
+                    <a:lnR>
+                      <a:noFill/>
+                    </a:lnR>
+                    <a:lnT w="19050" cap="flat" cmpd="sng" algn="ctr">
+                      <a:solidFill>
+                        <a:srgbClr val="000000"/>
+                      </a:solidFill>
+                      <a:prstDash val="solid"/>
+                      <a:round/>
+                      <a:headEnd type="none" w="med" len="med"/>
+                      <a:tailEnd type="none" w="med" len="med"/>
+                    </a:lnT>
+                    <a:lnB>
+                      <a:noFill/>
+                    </a:lnB>
+                    <a:solidFill>
+                      <a:srgbClr val="F7B217"/>
+                    </a:solidFill>
+                  </a:tcPr>
+                </a:tc>
+              </a:tr>
+            </a:tbl>
+          </a:graphicData>
+        </a:graphic>
+      </p:graphicFrame>
+      <p:sp>
+        <p:nvSpPr>
+          <p:cNvPr id="25601" name="Rectangle 1"/>
+          <p:cNvSpPr>
+            <a:spLocks noChangeArrowheads="1"/>
+          </p:cNvSpPr>
+          <p:nvPr/>
+        </p:nvSpPr>
+        <p:spPr bwMode="auto">
+          <a:xfrm>
+            <a:off x="0" y="0"/>
+            <a:ext cx="12192000" cy="457200"/>
+          </a:xfrm>
+          <a:prstGeom prst="rect">
+            <a:avLst/>
+          </a:prstGeom>
+          <a:noFill/>
+          <a:ln w="9525">
+            <a:noFill/>
+            <a:miter lim="800000"/>
+            <a:headEnd/>
+            <a:tailEnd/>
+          </a:ln>
+          <a:effectLst/>
+        </p:spPr>
+        <p:txBody>
+          <a:bodyPr vert="horz" wrap="none" lIns="91440" tIns="45720" rIns="91440" bIns="45720" numCol="1" anchor="ctr" anchorCtr="0" compatLnSpc="1">
+            <a:prstTxWarp prst="textNoShape">
+              <a:avLst/>
+            </a:prstTxWarp>
+            <a:spAutoFit/>
+          </a:bodyPr>
+          <a:lstStyle/>
+          <a:p>
+            <a:pPr marL="0" marR="0" lvl="0" indent="0" algn="l" defTabSz="914400" rtl="0" eaLnBrk="1" fontAlgn="base" latinLnBrk="0" hangingPunct="1">
+              <a:lnSpc>
+                <a:spcPct val="100000"/>
+              </a:lnSpc>
+              <a:spcBef>
+                <a:spcPct val="0"/>
+              </a:spcBef>
+              <a:spcAft>
+                <a:spcPct val="0"/>
+              </a:spcAft>
+              <a:buClrTx/>
+              <a:buSzTx/>
+              <a:buFontTx/>
+              <a:buNone/>
+              <a:tabLst/>
+            </a:pPr>
+            <a:endParaRPr kumimoji="0" lang="ru-RU" sz="1800" b="0" i="0" u="none" strike="noStrike" cap="none" normalizeH="0" baseline="0" smtClean="0">
+              <a:ln>
+                <a:noFill/>
+              </a:ln>
+              <a:solidFill>
+                <a:schemeClr val="tx1"/>
+              </a:solidFill>
+              <a:effectLst/>
+              <a:latin typeface="Arial" pitchFamily="34" charset="0"/>
+              <a:cs typeface="Arial" pitchFamily="34" charset="0"/>
+            </a:endParaRPr>
+          </a:p>
+        </p:txBody>
+      </p:sp>
+    </p:spTree>
+  </p:cSld>
+  <p:clrMapOvr>
+    <a:masterClrMapping/>
+  </p:clrMapOvr>
+  <p:timing>
+    <p:tnLst>
+      <p:par>
+        <p:cTn id="1" dur="indefinite" restart="never" nodeType="tmRoot"/>
+      </p:par>
+    </p:tnLst>
+  </p:timing>
+</p:sld>
+</file>
+
+<file path=ppt/slides/slide19.xml><?xml version="1.0" encoding="utf-8"?>
+<p:sld xmlns:a="http://schemas.openxmlformats.org/drawingml/2006/main" xmlns:r="http://schemas.openxmlformats.org/officeDocument/2006/relationships" xmlns:p="http://schemas.openxmlformats.org/presentationml/2006/main">
+  <p:cSld>
+    <p:spTree>
+      <p:nvGrpSpPr>
+        <p:cNvPr id="1" name=""/>
+        <p:cNvGrpSpPr/>
+        <p:nvPr/>
+      </p:nvGrpSpPr>
+      <p:grpSpPr>
+        <a:xfrm>
+          <a:off x="0" y="0"/>
+          <a:ext cx="0" cy="0"/>
+          <a:chOff x="0" y="0"/>
+          <a:chExt cx="0" cy="0"/>
+        </a:xfrm>
+      </p:grpSpPr>
+      <p:sp>
+        <p:nvSpPr>
+          <p:cNvPr id="2" name="Содержимое 1"/>
+          <p:cNvSpPr>
+            <a:spLocks noGrp="1"/>
+          </p:cNvSpPr>
+          <p:nvPr>
+            <p:ph idx="1"/>
+          </p:nvPr>
+        </p:nvSpPr>
+        <p:spPr/>
+        <p:txBody>
+          <a:bodyPr/>
+          <a:lstStyle/>
+          <a:p>
+            <a:pPr marL="533400" indent="-533400" algn="just">
+              <a:spcBef>
+                <a:spcPct val="20000"/>
+              </a:spcBef>
+            </a:pPr>
+            <a:r>
+              <a:rPr lang="en-US" sz="4000" b="1" dirty="0" smtClean="0"/>
+              <a:t>Extend number from </a:t>
+            </a:r>
+            <a:r>
+              <a:rPr lang="en-US" sz="4000" b="1" i="1" dirty="0" smtClean="0"/>
+              <a:t>N</a:t>
+            </a:r>
+            <a:r>
+              <a:rPr lang="en-US" sz="4000" b="1" dirty="0" smtClean="0"/>
+              <a:t> to </a:t>
+            </a:r>
+            <a:r>
+              <a:rPr lang="en-US" sz="4000" b="1" i="1" dirty="0" smtClean="0"/>
+              <a:t>M</a:t>
+            </a:r>
+            <a:r>
+              <a:rPr lang="en-US" sz="4000" b="1" dirty="0" smtClean="0"/>
+              <a:t> bits (</a:t>
+            </a:r>
+            <a:r>
+              <a:rPr lang="en-US" sz="4000" b="1" i="1" dirty="0" smtClean="0"/>
+              <a:t>M</a:t>
+            </a:r>
+            <a:r>
+              <a:rPr lang="en-US" sz="4000" b="1" dirty="0" smtClean="0"/>
+              <a:t> &gt; </a:t>
+            </a:r>
+            <a:r>
+              <a:rPr lang="en-US" sz="4000" b="1" i="1" dirty="0" smtClean="0"/>
+              <a:t>N</a:t>
+            </a:r>
+            <a:r>
+              <a:rPr lang="en-US" sz="4000" b="1" dirty="0" smtClean="0"/>
+              <a:t>) :</a:t>
+            </a:r>
+            <a:endParaRPr lang="en-US" sz="4000" b="1" dirty="0" smtClean="0"/>
+          </a:p>
+          <a:p>
+            <a:pPr marL="914400" lvl="1" indent="-457200" algn="just">
+              <a:spcBef>
+                <a:spcPct val="20000"/>
+              </a:spcBef>
+            </a:pPr>
+            <a:r>
+              <a:rPr lang="en-US" sz="3600" dirty="0" smtClean="0"/>
+              <a:t>Sign-extension</a:t>
+            </a:r>
+          </a:p>
+          <a:p>
+            <a:pPr marL="914400" lvl="1" indent="-457200" algn="just">
+              <a:spcBef>
+                <a:spcPct val="20000"/>
+              </a:spcBef>
+            </a:pPr>
+            <a:r>
+              <a:rPr lang="en-US" sz="3600" dirty="0" smtClean="0"/>
+              <a:t>Zero-extension</a:t>
+            </a:r>
+          </a:p>
+          <a:p>
+            <a:pPr>
+              <a:buNone/>
+            </a:pPr>
+            <a:endParaRPr lang="ru-RU" dirty="0"/>
+          </a:p>
+        </p:txBody>
+      </p:sp>
+      <p:sp>
+        <p:nvSpPr>
+          <p:cNvPr id="3" name="Номер слайда 2"/>
           <p:cNvSpPr>
             <a:spLocks noGrp="1"/>
           </p:cNvSpPr>
@@ -15698,18 +21815,36 @@
             <a:fld id="{1397BFD8-F312-4EF2-A268-44FB4BDDBBB0}" type="slidenum">
               <a:rPr lang="ru-RU" smtClean="0"/>
               <a:pPr algn="ctr"/>
-              <a:t>17</a:t>
+              <a:t>19</a:t>
             </a:fld>
+            <a:endParaRPr lang="ru-RU" dirty="0"/>
+          </a:p>
+        </p:txBody>
+      </p:sp>
+      <p:sp>
+        <p:nvSpPr>
+          <p:cNvPr id="4" name="Заголовок 3"/>
+          <p:cNvSpPr>
+            <a:spLocks noGrp="1"/>
+          </p:cNvSpPr>
+          <p:nvPr>
+            <p:ph type="title"/>
+          </p:nvPr>
+        </p:nvSpPr>
+        <p:spPr/>
+        <p:txBody>
+          <a:bodyPr/>
+          <a:lstStyle/>
+          <a:p>
+            <a:r>
+              <a:rPr lang="en-US" dirty="0" smtClean="0"/>
+              <a:t>Increasing Bit Width</a:t>
+            </a:r>
             <a:endParaRPr lang="ru-RU" dirty="0"/>
           </a:p>
         </p:txBody>
       </p:sp>
     </p:spTree>
-    <p:extLst>
-      <p:ext uri="{BB962C8B-B14F-4D97-AF65-F5344CB8AC3E}">
-        <p14:creationId xmlns:p14="http://schemas.microsoft.com/office/powerpoint/2010/main" xmlns="" val="4217875043"/>
-      </p:ext>
-    </p:extLst>
   </p:cSld>
   <p:clrMapOvr>
     <a:masterClrMapping/>
@@ -17324,6 +23459,1125 @@
 </p:sld>
 </file>
 
+<file path=ppt/slides/slide20.xml><?xml version="1.0" encoding="utf-8"?>
+<p:sld xmlns:a="http://schemas.openxmlformats.org/drawingml/2006/main" xmlns:r="http://schemas.openxmlformats.org/officeDocument/2006/relationships" xmlns:p="http://schemas.openxmlformats.org/presentationml/2006/main">
+  <p:cSld>
+    <p:spTree>
+      <p:nvGrpSpPr>
+        <p:cNvPr id="1" name=""/>
+        <p:cNvGrpSpPr/>
+        <p:nvPr/>
+      </p:nvGrpSpPr>
+      <p:grpSpPr>
+        <a:xfrm>
+          <a:off x="0" y="0"/>
+          <a:ext cx="0" cy="0"/>
+          <a:chOff x="0" y="0"/>
+          <a:chExt cx="0" cy="0"/>
+        </a:xfrm>
+      </p:grpSpPr>
+      <p:sp>
+        <p:nvSpPr>
+          <p:cNvPr id="2" name="Содержимое 1"/>
+          <p:cNvSpPr>
+            <a:spLocks noGrp="1"/>
+          </p:cNvSpPr>
+          <p:nvPr>
+            <p:ph idx="1"/>
+          </p:nvPr>
+        </p:nvSpPr>
+        <p:spPr/>
+        <p:txBody>
+          <a:bodyPr>
+            <a:noAutofit/>
+          </a:bodyPr>
+          <a:lstStyle/>
+          <a:p>
+            <a:pPr marL="533400" indent="-533400" algn="just">
+              <a:spcBef>
+                <a:spcPct val="20000"/>
+              </a:spcBef>
+            </a:pPr>
+            <a:r>
+              <a:rPr lang="en-US" dirty="0" smtClean="0"/>
+              <a:t>Sign bit copied to </a:t>
+            </a:r>
+            <a:r>
+              <a:rPr lang="en-US" dirty="0" err="1" smtClean="0"/>
+              <a:t>msb’s</a:t>
+            </a:r>
+            <a:endParaRPr lang="en-US" dirty="0" smtClean="0"/>
+          </a:p>
+          <a:p>
+            <a:pPr marL="533400" indent="-533400" algn="just">
+              <a:spcBef>
+                <a:spcPct val="20000"/>
+              </a:spcBef>
+            </a:pPr>
+            <a:r>
+              <a:rPr lang="en-US" dirty="0" smtClean="0"/>
+              <a:t>Number value is same</a:t>
+            </a:r>
+          </a:p>
+          <a:p>
+            <a:pPr marL="533400" indent="-533400" algn="just">
+              <a:spcBef>
+                <a:spcPct val="20000"/>
+              </a:spcBef>
+            </a:pPr>
+            <a:endParaRPr lang="en-US" dirty="0" smtClean="0"/>
+          </a:p>
+          <a:p>
+            <a:pPr marL="533400" indent="-533400" algn="just">
+              <a:spcBef>
+                <a:spcPct val="20000"/>
+              </a:spcBef>
+            </a:pPr>
+            <a:r>
+              <a:rPr lang="en-US" b="1" dirty="0" smtClean="0"/>
+              <a:t>Example 1:</a:t>
+            </a:r>
+          </a:p>
+          <a:p>
+            <a:pPr marL="914400" lvl="1" indent="-457200" algn="just">
+              <a:spcBef>
+                <a:spcPct val="20000"/>
+              </a:spcBef>
+            </a:pPr>
+            <a:r>
+              <a:rPr lang="en-US" dirty="0" smtClean="0"/>
+              <a:t>4-bit representation of 3 = </a:t>
+            </a:r>
+            <a:r>
+              <a:rPr lang="en-US" dirty="0" smtClean="0">
+                <a:solidFill>
+                  <a:schemeClr val="accent2"/>
+                </a:solidFill>
+              </a:rPr>
+              <a:t>0</a:t>
+            </a:r>
+            <a:r>
+              <a:rPr lang="en-US" dirty="0" smtClean="0"/>
+              <a:t>011</a:t>
+            </a:r>
+            <a:endParaRPr lang="en-US" dirty="0" smtClean="0"/>
+          </a:p>
+          <a:p>
+            <a:pPr marL="914400" lvl="1" indent="-457200" algn="just">
+              <a:spcBef>
+                <a:spcPct val="20000"/>
+              </a:spcBef>
+            </a:pPr>
+            <a:r>
+              <a:rPr lang="en-US" dirty="0" smtClean="0"/>
+              <a:t>8-bit sign-extended value: </a:t>
+            </a:r>
+            <a:r>
+              <a:rPr lang="en-US" dirty="0" smtClean="0">
+                <a:solidFill>
+                  <a:schemeClr val="accent2"/>
+                </a:solidFill>
+              </a:rPr>
+              <a:t>0000</a:t>
+            </a:r>
+            <a:r>
+              <a:rPr lang="en-US" dirty="0" smtClean="0"/>
+              <a:t>0011</a:t>
+            </a:r>
+          </a:p>
+          <a:p>
+            <a:pPr marL="533400" indent="-533400" algn="just">
+              <a:spcBef>
+                <a:spcPct val="20000"/>
+              </a:spcBef>
+            </a:pPr>
+            <a:r>
+              <a:rPr lang="en-US" b="1" dirty="0" smtClean="0"/>
+              <a:t>Example 2:</a:t>
+            </a:r>
+          </a:p>
+          <a:p>
+            <a:pPr marL="914400" lvl="1" indent="-457200" algn="just">
+              <a:spcBef>
+                <a:spcPct val="20000"/>
+              </a:spcBef>
+            </a:pPr>
+            <a:r>
+              <a:rPr lang="en-US" dirty="0" smtClean="0"/>
+              <a:t>4-bit representation of -5 = </a:t>
+            </a:r>
+            <a:r>
+              <a:rPr lang="en-US" dirty="0" smtClean="0">
+                <a:solidFill>
+                  <a:schemeClr val="accent2"/>
+                </a:solidFill>
+              </a:rPr>
+              <a:t>1</a:t>
+            </a:r>
+            <a:r>
+              <a:rPr lang="en-US" dirty="0" smtClean="0"/>
+              <a:t>011</a:t>
+            </a:r>
+          </a:p>
+          <a:p>
+            <a:pPr marL="914400" lvl="1" indent="-457200" algn="just">
+              <a:spcBef>
+                <a:spcPct val="20000"/>
+              </a:spcBef>
+            </a:pPr>
+            <a:r>
+              <a:rPr lang="en-US" dirty="0" smtClean="0"/>
+              <a:t>8-bit sign-extended value:  </a:t>
+            </a:r>
+            <a:r>
+              <a:rPr lang="en-US" dirty="0" smtClean="0">
+                <a:solidFill>
+                  <a:schemeClr val="accent2"/>
+                </a:solidFill>
+              </a:rPr>
+              <a:t>1111</a:t>
+            </a:r>
+            <a:r>
+              <a:rPr lang="en-US" dirty="0" smtClean="0"/>
+              <a:t>1011</a:t>
+            </a:r>
+            <a:endParaRPr lang="ru-RU" dirty="0"/>
+          </a:p>
+        </p:txBody>
+      </p:sp>
+      <p:sp>
+        <p:nvSpPr>
+          <p:cNvPr id="3" name="Номер слайда 2"/>
+          <p:cNvSpPr>
+            <a:spLocks noGrp="1"/>
+          </p:cNvSpPr>
+          <p:nvPr>
+            <p:ph type="sldNum" sz="quarter" idx="12"/>
+          </p:nvPr>
+        </p:nvSpPr>
+        <p:spPr/>
+        <p:txBody>
+          <a:bodyPr/>
+          <a:lstStyle/>
+          <a:p>
+            <a:pPr algn="ctr"/>
+            <a:fld id="{1397BFD8-F312-4EF2-A268-44FB4BDDBBB0}" type="slidenum">
+              <a:rPr lang="ru-RU" smtClean="0"/>
+              <a:pPr algn="ctr"/>
+              <a:t>20</a:t>
+            </a:fld>
+            <a:endParaRPr lang="ru-RU" dirty="0"/>
+          </a:p>
+        </p:txBody>
+      </p:sp>
+      <p:sp>
+        <p:nvSpPr>
+          <p:cNvPr id="4" name="Заголовок 3"/>
+          <p:cNvSpPr>
+            <a:spLocks noGrp="1"/>
+          </p:cNvSpPr>
+          <p:nvPr>
+            <p:ph type="title"/>
+          </p:nvPr>
+        </p:nvSpPr>
+        <p:spPr/>
+        <p:txBody>
+          <a:bodyPr>
+            <a:normAutofit/>
+          </a:bodyPr>
+          <a:lstStyle/>
+          <a:p>
+            <a:r>
+              <a:rPr lang="en-US" dirty="0" smtClean="0"/>
+              <a:t>Sign-Extension</a:t>
+            </a:r>
+            <a:endParaRPr lang="ru-RU" dirty="0"/>
+          </a:p>
+        </p:txBody>
+      </p:sp>
+    </p:spTree>
+  </p:cSld>
+  <p:clrMapOvr>
+    <a:masterClrMapping/>
+  </p:clrMapOvr>
+  <p:timing>
+    <p:tnLst>
+      <p:par>
+        <p:cTn id="1" dur="indefinite" restart="never" nodeType="tmRoot"/>
+      </p:par>
+    </p:tnLst>
+  </p:timing>
+</p:sld>
+</file>
+
+<file path=ppt/slides/slide21.xml><?xml version="1.0" encoding="utf-8"?>
+<p:sld xmlns:a="http://schemas.openxmlformats.org/drawingml/2006/main" xmlns:r="http://schemas.openxmlformats.org/officeDocument/2006/relationships" xmlns:p="http://schemas.openxmlformats.org/presentationml/2006/main">
+  <p:cSld>
+    <p:spTree>
+      <p:nvGrpSpPr>
+        <p:cNvPr id="1" name=""/>
+        <p:cNvGrpSpPr/>
+        <p:nvPr/>
+      </p:nvGrpSpPr>
+      <p:grpSpPr>
+        <a:xfrm>
+          <a:off x="0" y="0"/>
+          <a:ext cx="0" cy="0"/>
+          <a:chOff x="0" y="0"/>
+          <a:chExt cx="0" cy="0"/>
+        </a:xfrm>
+      </p:grpSpPr>
+      <p:sp>
+        <p:nvSpPr>
+          <p:cNvPr id="2" name="Содержимое 1"/>
+          <p:cNvSpPr>
+            <a:spLocks noGrp="1"/>
+          </p:cNvSpPr>
+          <p:nvPr>
+            <p:ph idx="1"/>
+          </p:nvPr>
+        </p:nvSpPr>
+        <p:spPr/>
+        <p:txBody>
+          <a:bodyPr>
+            <a:noAutofit/>
+          </a:bodyPr>
+          <a:lstStyle/>
+          <a:p>
+            <a:pPr marL="533400" indent="-533400" algn="just">
+              <a:spcBef>
+                <a:spcPct val="20000"/>
+              </a:spcBef>
+            </a:pPr>
+            <a:r>
+              <a:rPr lang="en-US" dirty="0" smtClean="0"/>
+              <a:t>Zeros copied to </a:t>
+            </a:r>
+            <a:r>
+              <a:rPr lang="en-US" dirty="0" err="1" smtClean="0"/>
+              <a:t>msb’s</a:t>
+            </a:r>
+            <a:endParaRPr lang="en-US" dirty="0" smtClean="0"/>
+          </a:p>
+          <a:p>
+            <a:pPr marL="533400" indent="-533400" algn="just">
+              <a:spcBef>
+                <a:spcPct val="20000"/>
+              </a:spcBef>
+            </a:pPr>
+            <a:r>
+              <a:rPr lang="en-US" dirty="0" smtClean="0"/>
+              <a:t>Value changes for negative numbers</a:t>
+            </a:r>
+          </a:p>
+          <a:p>
+            <a:pPr marL="533400" indent="-533400" algn="just">
+              <a:spcBef>
+                <a:spcPct val="20000"/>
+              </a:spcBef>
+            </a:pPr>
+            <a:endParaRPr lang="en-US" dirty="0" smtClean="0"/>
+          </a:p>
+          <a:p>
+            <a:pPr marL="533400" indent="-533400" algn="just">
+              <a:spcBef>
+                <a:spcPct val="20000"/>
+              </a:spcBef>
+            </a:pPr>
+            <a:r>
+              <a:rPr lang="en-US" b="1" dirty="0" smtClean="0"/>
+              <a:t>Example 1:</a:t>
+            </a:r>
+          </a:p>
+          <a:p>
+            <a:pPr marL="914400" lvl="1" indent="-457200" algn="just">
+              <a:spcBef>
+                <a:spcPct val="20000"/>
+              </a:spcBef>
+            </a:pPr>
+            <a:r>
+              <a:rPr lang="en-US" dirty="0" smtClean="0"/>
+              <a:t>4-bit value =            </a:t>
+            </a:r>
+            <a:r>
+              <a:rPr lang="en-US" dirty="0" smtClean="0"/>
+              <a:t>          </a:t>
+            </a:r>
+            <a:r>
+              <a:rPr lang="ru-RU" dirty="0" smtClean="0"/>
+              <a:t>        </a:t>
+            </a:r>
+            <a:r>
+              <a:rPr lang="en-US" dirty="0" smtClean="0"/>
+              <a:t>  </a:t>
+            </a:r>
+            <a:r>
+              <a:rPr lang="ru-RU" dirty="0" smtClean="0"/>
+              <a:t> </a:t>
+            </a:r>
+            <a:r>
+              <a:rPr lang="en-US" dirty="0" smtClean="0"/>
+              <a:t> 0011 </a:t>
+            </a:r>
+            <a:r>
+              <a:rPr lang="en-US" dirty="0" smtClean="0"/>
+              <a:t>= 3</a:t>
+            </a:r>
+            <a:r>
+              <a:rPr lang="en-US" baseline="-25000" dirty="0" smtClean="0"/>
+              <a:t>10</a:t>
+            </a:r>
+          </a:p>
+          <a:p>
+            <a:pPr marL="914400" lvl="1" indent="-457200" algn="just">
+              <a:spcBef>
+                <a:spcPct val="20000"/>
+              </a:spcBef>
+            </a:pPr>
+            <a:r>
+              <a:rPr lang="en-US" dirty="0" smtClean="0"/>
+              <a:t>8-bit zero-extended value: </a:t>
+            </a:r>
+            <a:r>
+              <a:rPr lang="en-US" dirty="0" smtClean="0">
+                <a:solidFill>
+                  <a:schemeClr val="accent2"/>
+                </a:solidFill>
+              </a:rPr>
+              <a:t>0000</a:t>
+            </a:r>
+            <a:r>
+              <a:rPr lang="en-US" dirty="0" smtClean="0"/>
+              <a:t>0011 = 3</a:t>
+            </a:r>
+            <a:r>
+              <a:rPr lang="en-US" baseline="-25000" dirty="0" smtClean="0"/>
+              <a:t>10</a:t>
+            </a:r>
+          </a:p>
+          <a:p>
+            <a:pPr marL="533400" indent="-533400" algn="just">
+              <a:spcBef>
+                <a:spcPct val="20000"/>
+              </a:spcBef>
+            </a:pPr>
+            <a:r>
+              <a:rPr lang="en-US" b="1" dirty="0" smtClean="0"/>
+              <a:t>Example 2:</a:t>
+            </a:r>
+          </a:p>
+          <a:p>
+            <a:pPr marL="914400" lvl="1" indent="-457200" algn="just">
+              <a:spcBef>
+                <a:spcPct val="20000"/>
+              </a:spcBef>
+            </a:pPr>
+            <a:r>
+              <a:rPr lang="en-US" dirty="0" smtClean="0"/>
+              <a:t>4-bit value </a:t>
+            </a:r>
+            <a:r>
+              <a:rPr lang="en-US" dirty="0" smtClean="0"/>
+              <a:t>=</a:t>
+            </a:r>
+            <a:r>
+              <a:rPr lang="ru-RU" dirty="0" smtClean="0"/>
+              <a:t>                                  </a:t>
+            </a:r>
+            <a:r>
+              <a:rPr lang="en-US" dirty="0" smtClean="0"/>
+              <a:t>1011 </a:t>
+            </a:r>
+            <a:r>
+              <a:rPr lang="en-US" dirty="0" smtClean="0"/>
+              <a:t>= -5</a:t>
+            </a:r>
+            <a:r>
+              <a:rPr lang="en-US" baseline="-25000" dirty="0" smtClean="0"/>
+              <a:t>10</a:t>
+            </a:r>
+            <a:endParaRPr lang="en-US" dirty="0" smtClean="0"/>
+          </a:p>
+          <a:p>
+            <a:pPr marL="914400" lvl="1" indent="-457200" algn="just">
+              <a:spcBef>
+                <a:spcPct val="20000"/>
+              </a:spcBef>
+            </a:pPr>
+            <a:r>
+              <a:rPr lang="en-US" dirty="0" smtClean="0"/>
+              <a:t>8-bit zero-extended value: </a:t>
+            </a:r>
+            <a:r>
+              <a:rPr lang="en-US" dirty="0" smtClean="0">
+                <a:solidFill>
+                  <a:schemeClr val="accent2"/>
+                </a:solidFill>
+              </a:rPr>
+              <a:t>0000</a:t>
+            </a:r>
+            <a:r>
+              <a:rPr lang="en-US" dirty="0" smtClean="0"/>
+              <a:t>1011 = </a:t>
+            </a:r>
+            <a:r>
+              <a:rPr lang="en-US" dirty="0" smtClean="0"/>
+              <a:t>11</a:t>
+            </a:r>
+            <a:r>
+              <a:rPr lang="en-US" baseline="-25000" dirty="0" smtClean="0"/>
+              <a:t>10</a:t>
+            </a:r>
+            <a:endParaRPr lang="ru-RU" dirty="0"/>
+          </a:p>
+        </p:txBody>
+      </p:sp>
+      <p:sp>
+        <p:nvSpPr>
+          <p:cNvPr id="3" name="Номер слайда 2"/>
+          <p:cNvSpPr>
+            <a:spLocks noGrp="1"/>
+          </p:cNvSpPr>
+          <p:nvPr>
+            <p:ph type="sldNum" sz="quarter" idx="12"/>
+          </p:nvPr>
+        </p:nvSpPr>
+        <p:spPr/>
+        <p:txBody>
+          <a:bodyPr/>
+          <a:lstStyle/>
+          <a:p>
+            <a:pPr algn="ctr"/>
+            <a:fld id="{1397BFD8-F312-4EF2-A268-44FB4BDDBBB0}" type="slidenum">
+              <a:rPr lang="ru-RU" smtClean="0"/>
+              <a:pPr algn="ctr"/>
+              <a:t>21</a:t>
+            </a:fld>
+            <a:endParaRPr lang="ru-RU" dirty="0"/>
+          </a:p>
+        </p:txBody>
+      </p:sp>
+      <p:sp>
+        <p:nvSpPr>
+          <p:cNvPr id="4" name="Заголовок 3"/>
+          <p:cNvSpPr>
+            <a:spLocks noGrp="1"/>
+          </p:cNvSpPr>
+          <p:nvPr>
+            <p:ph type="title"/>
+          </p:nvPr>
+        </p:nvSpPr>
+        <p:spPr/>
+        <p:txBody>
+          <a:bodyPr>
+            <a:normAutofit/>
+          </a:bodyPr>
+          <a:lstStyle/>
+          <a:p>
+            <a:r>
+              <a:rPr lang="en-US" dirty="0" smtClean="0"/>
+              <a:t>Zero-Extension</a:t>
+            </a:r>
+            <a:endParaRPr lang="ru-RU" dirty="0"/>
+          </a:p>
+        </p:txBody>
+      </p:sp>
+    </p:spTree>
+  </p:cSld>
+  <p:clrMapOvr>
+    <a:masterClrMapping/>
+  </p:clrMapOvr>
+  <p:timing>
+    <p:tnLst>
+      <p:par>
+        <p:cTn id="1" dur="indefinite" restart="never" nodeType="tmRoot"/>
+      </p:par>
+    </p:tnLst>
+  </p:timing>
+</p:sld>
+</file>
+
+<file path=ppt/slides/slide22.xml><?xml version="1.0" encoding="utf-8"?>
+<p:sld xmlns:a="http://schemas.openxmlformats.org/drawingml/2006/main" xmlns:r="http://schemas.openxmlformats.org/officeDocument/2006/relationships" xmlns:p="http://schemas.openxmlformats.org/presentationml/2006/main">
+  <p:cSld>
+    <p:spTree>
+      <p:nvGrpSpPr>
+        <p:cNvPr id="1" name=""/>
+        <p:cNvGrpSpPr/>
+        <p:nvPr/>
+      </p:nvGrpSpPr>
+      <p:grpSpPr>
+        <a:xfrm>
+          <a:off x="0" y="0"/>
+          <a:ext cx="0" cy="0"/>
+          <a:chOff x="0" y="0"/>
+          <a:chExt cx="0" cy="0"/>
+        </a:xfrm>
+      </p:grpSpPr>
+      <p:sp>
+        <p:nvSpPr>
+          <p:cNvPr id="4" name="Прямоугольник 3"/>
+          <p:cNvSpPr/>
+          <p:nvPr/>
+        </p:nvSpPr>
+        <p:spPr>
+          <a:xfrm>
+            <a:off x="2664999" y="472120"/>
+            <a:ext cx="7524751" cy="5262979"/>
+          </a:xfrm>
+          <a:prstGeom prst="rect">
+            <a:avLst/>
+          </a:prstGeom>
+          <a:noFill/>
+          <a:ln>
+            <a:noFill/>
+          </a:ln>
+          <a:scene3d>
+            <a:camera prst="perspectiveRelaxed"/>
+            <a:lightRig rig="threePt" dir="t"/>
+          </a:scene3d>
+        </p:spPr>
+        <p:txBody>
+          <a:bodyPr wrap="square" lIns="91440" tIns="45720" rIns="91440" bIns="45720">
+            <a:spAutoFit/>
+          </a:bodyPr>
+          <a:lstStyle/>
+          <a:p>
+            <a:r>
+              <a:rPr lang="en-US" sz="2400" dirty="0" smtClean="0">
+                <a:ln w="0"/>
+                <a:solidFill>
+                  <a:srgbClr val="273272"/>
+                </a:solidFill>
+                <a:effectLst>
+                  <a:reflection blurRad="6350" stA="53000" endA="300" endPos="35500" dir="5400000" sy="-90000" algn="bl" rotWithShape="0"/>
+                </a:effectLst>
+                <a:latin typeface="Courier New" pitchFamily="49" charset="0"/>
+                <a:cs typeface="Courier New" pitchFamily="49" charset="0"/>
+              </a:rPr>
+              <a:t>		</a:t>
+            </a:r>
+          </a:p>
+          <a:p>
+            <a:r>
+              <a:rPr lang="en-US" sz="2400" dirty="0" smtClean="0">
+                <a:ln w="0"/>
+                <a:solidFill>
+                  <a:srgbClr val="273272"/>
+                </a:solidFill>
+                <a:effectLst>
+                  <a:reflection blurRad="6350" stA="53000" endA="300" endPos="35500" dir="5400000" sy="-90000" algn="bl" rotWithShape="0"/>
+                </a:effectLst>
+                <a:latin typeface="Courier New" pitchFamily="49" charset="0"/>
+                <a:cs typeface="Courier New" pitchFamily="49" charset="0"/>
+              </a:rPr>
+              <a:t>		.text</a:t>
+            </a:r>
+          </a:p>
+          <a:p>
+            <a:r>
+              <a:rPr lang="en-US" sz="2400" dirty="0" smtClean="0">
+                <a:ln w="0"/>
+                <a:solidFill>
+                  <a:srgbClr val="273272"/>
+                </a:solidFill>
+                <a:effectLst>
+                  <a:reflection blurRad="6350" stA="53000" endA="300" endPos="35500" dir="5400000" sy="-90000" algn="bl" rotWithShape="0"/>
+                </a:effectLst>
+                <a:latin typeface="Courier New" pitchFamily="49" charset="0"/>
+                <a:cs typeface="Courier New" pitchFamily="49" charset="0"/>
+              </a:rPr>
+              <a:t>__start:	</a:t>
+            </a:r>
+            <a:r>
+              <a:rPr lang="en-US" sz="2400" dirty="0" err="1" smtClean="0">
+                <a:ln w="0"/>
+                <a:solidFill>
+                  <a:srgbClr val="273272"/>
+                </a:solidFill>
+                <a:effectLst>
+                  <a:reflection blurRad="6350" stA="53000" endA="300" endPos="35500" dir="5400000" sy="-90000" algn="bl" rotWithShape="0"/>
+                </a:effectLst>
+                <a:latin typeface="Courier New" pitchFamily="49" charset="0"/>
+                <a:cs typeface="Courier New" pitchFamily="49" charset="0"/>
+              </a:rPr>
+              <a:t>addi</a:t>
+            </a:r>
+            <a:r>
+              <a:rPr lang="en-US" sz="2400" dirty="0" smtClean="0">
+                <a:ln w="0"/>
+                <a:solidFill>
+                  <a:srgbClr val="273272"/>
+                </a:solidFill>
+                <a:effectLst>
+                  <a:reflection blurRad="6350" stA="53000" endA="300" endPos="35500" dir="5400000" sy="-90000" algn="bl" rotWithShape="0"/>
+                </a:effectLst>
+                <a:latin typeface="Courier New" pitchFamily="49" charset="0"/>
+                <a:cs typeface="Courier New" pitchFamily="49" charset="0"/>
+              </a:rPr>
+              <a:t> t1, zero, 0x18</a:t>
+            </a:r>
+          </a:p>
+          <a:p>
+            <a:r>
+              <a:rPr lang="en-US" sz="2400" dirty="0" smtClean="0">
+                <a:ln w="0"/>
+                <a:solidFill>
+                  <a:srgbClr val="273272"/>
+                </a:solidFill>
+                <a:effectLst>
+                  <a:reflection blurRad="6350" stA="53000" endA="300" endPos="35500" dir="5400000" sy="-90000" algn="bl" rotWithShape="0"/>
+                </a:effectLst>
+                <a:latin typeface="Courier New" pitchFamily="49" charset="0"/>
+                <a:cs typeface="Courier New" pitchFamily="49" charset="0"/>
+              </a:rPr>
+              <a:t>		</a:t>
+            </a:r>
+            <a:r>
+              <a:rPr lang="en-US" sz="2400" dirty="0" err="1" smtClean="0">
+                <a:ln w="0"/>
+                <a:solidFill>
+                  <a:srgbClr val="273272"/>
+                </a:solidFill>
+                <a:effectLst>
+                  <a:reflection blurRad="6350" stA="53000" endA="300" endPos="35500" dir="5400000" sy="-90000" algn="bl" rotWithShape="0"/>
+                </a:effectLst>
+                <a:latin typeface="Courier New" pitchFamily="49" charset="0"/>
+                <a:cs typeface="Courier New" pitchFamily="49" charset="0"/>
+              </a:rPr>
+              <a:t>addi</a:t>
+            </a:r>
+            <a:r>
+              <a:rPr lang="en-US" sz="2400" dirty="0" smtClean="0">
+                <a:ln w="0"/>
+                <a:solidFill>
+                  <a:srgbClr val="273272"/>
+                </a:solidFill>
+                <a:effectLst>
+                  <a:reflection blurRad="6350" stA="53000" endA="300" endPos="35500" dir="5400000" sy="-90000" algn="bl" rotWithShape="0"/>
+                </a:effectLst>
+                <a:latin typeface="Courier New" pitchFamily="49" charset="0"/>
+                <a:cs typeface="Courier New" pitchFamily="49" charset="0"/>
+              </a:rPr>
+              <a:t> t2, zero, 0x21</a:t>
+            </a:r>
+          </a:p>
+          <a:p>
+            <a:r>
+              <a:rPr lang="en-US" sz="2400" dirty="0" smtClean="0">
+                <a:ln w="0"/>
+                <a:solidFill>
+                  <a:srgbClr val="273272"/>
+                </a:solidFill>
+                <a:effectLst>
+                  <a:reflection blurRad="6350" stA="53000" endA="300" endPos="35500" dir="5400000" sy="-90000" algn="bl" rotWithShape="0"/>
+                </a:effectLst>
+                <a:latin typeface="Courier New" pitchFamily="49" charset="0"/>
+                <a:cs typeface="Courier New" pitchFamily="49" charset="0"/>
+              </a:rPr>
+              <a:t>cycle:	</a:t>
+            </a:r>
+            <a:r>
+              <a:rPr lang="en-US" sz="2400" dirty="0" err="1" smtClean="0">
+                <a:ln w="0"/>
+                <a:solidFill>
+                  <a:srgbClr val="273272"/>
+                </a:solidFill>
+                <a:effectLst>
+                  <a:reflection blurRad="6350" stA="53000" endA="300" endPos="35500" dir="5400000" sy="-90000" algn="bl" rotWithShape="0"/>
+                </a:effectLst>
+                <a:latin typeface="Courier New" pitchFamily="49" charset="0"/>
+                <a:cs typeface="Courier New" pitchFamily="49" charset="0"/>
+              </a:rPr>
+              <a:t>beq</a:t>
+            </a:r>
+            <a:r>
+              <a:rPr lang="en-US" sz="2400" dirty="0" smtClean="0">
+                <a:ln w="0"/>
+                <a:solidFill>
+                  <a:srgbClr val="273272"/>
+                </a:solidFill>
+                <a:effectLst>
+                  <a:reflection blurRad="6350" stA="53000" endA="300" endPos="35500" dir="5400000" sy="-90000" algn="bl" rotWithShape="0"/>
+                </a:effectLst>
+                <a:latin typeface="Courier New" pitchFamily="49" charset="0"/>
+                <a:cs typeface="Courier New" pitchFamily="49" charset="0"/>
+              </a:rPr>
+              <a:t> t1, t2, done</a:t>
+            </a:r>
+          </a:p>
+          <a:p>
+            <a:r>
+              <a:rPr lang="en-US" sz="2400" dirty="0" smtClean="0">
+                <a:ln w="0"/>
+                <a:solidFill>
+                  <a:srgbClr val="273272"/>
+                </a:solidFill>
+                <a:effectLst>
+                  <a:reflection blurRad="6350" stA="53000" endA="300" endPos="35500" dir="5400000" sy="-90000" algn="bl" rotWithShape="0"/>
+                </a:effectLst>
+                <a:latin typeface="Courier New" pitchFamily="49" charset="0"/>
+                <a:cs typeface="Courier New" pitchFamily="49" charset="0"/>
+              </a:rPr>
+              <a:t>		</a:t>
+            </a:r>
+            <a:r>
+              <a:rPr lang="en-US" sz="2400" dirty="0" err="1" smtClean="0">
+                <a:ln w="0"/>
+                <a:solidFill>
+                  <a:srgbClr val="273272"/>
+                </a:solidFill>
+                <a:effectLst>
+                  <a:reflection blurRad="6350" stA="53000" endA="300" endPos="35500" dir="5400000" sy="-90000" algn="bl" rotWithShape="0"/>
+                </a:effectLst>
+                <a:latin typeface="Courier New" pitchFamily="49" charset="0"/>
+                <a:cs typeface="Courier New" pitchFamily="49" charset="0"/>
+              </a:rPr>
+              <a:t>slt</a:t>
+            </a:r>
+            <a:r>
+              <a:rPr lang="en-US" sz="2400" dirty="0" smtClean="0">
+                <a:ln w="0"/>
+                <a:solidFill>
+                  <a:srgbClr val="273272"/>
+                </a:solidFill>
+                <a:effectLst>
+                  <a:reflection blurRad="6350" stA="53000" endA="300" endPos="35500" dir="5400000" sy="-90000" algn="bl" rotWithShape="0"/>
+                </a:effectLst>
+                <a:latin typeface="Courier New" pitchFamily="49" charset="0"/>
+                <a:cs typeface="Courier New" pitchFamily="49" charset="0"/>
+              </a:rPr>
+              <a:t> t0, t1, t2</a:t>
+            </a:r>
+          </a:p>
+          <a:p>
+            <a:r>
+              <a:rPr lang="en-US" sz="2400" dirty="0" smtClean="0">
+                <a:ln w="0"/>
+                <a:solidFill>
+                  <a:srgbClr val="273272"/>
+                </a:solidFill>
+                <a:effectLst>
+                  <a:reflection blurRad="6350" stA="53000" endA="300" endPos="35500" dir="5400000" sy="-90000" algn="bl" rotWithShape="0"/>
+                </a:effectLst>
+                <a:latin typeface="Courier New" pitchFamily="49" charset="0"/>
+                <a:cs typeface="Courier New" pitchFamily="49" charset="0"/>
+              </a:rPr>
+              <a:t>		</a:t>
+            </a:r>
+            <a:r>
+              <a:rPr lang="en-US" sz="2400" dirty="0" err="1" smtClean="0">
+                <a:ln w="0"/>
+                <a:solidFill>
+                  <a:srgbClr val="273272"/>
+                </a:solidFill>
+                <a:effectLst>
+                  <a:reflection blurRad="6350" stA="53000" endA="300" endPos="35500" dir="5400000" sy="-90000" algn="bl" rotWithShape="0"/>
+                </a:effectLst>
+                <a:latin typeface="Courier New" pitchFamily="49" charset="0"/>
+                <a:cs typeface="Courier New" pitchFamily="49" charset="0"/>
+              </a:rPr>
+              <a:t>bne</a:t>
+            </a:r>
+            <a:r>
+              <a:rPr lang="en-US" sz="2400" dirty="0" smtClean="0">
+                <a:ln w="0"/>
+                <a:solidFill>
+                  <a:srgbClr val="273272"/>
+                </a:solidFill>
+                <a:effectLst>
+                  <a:reflection blurRad="6350" stA="53000" endA="300" endPos="35500" dir="5400000" sy="-90000" algn="bl" rotWithShape="0"/>
+                </a:effectLst>
+                <a:latin typeface="Courier New" pitchFamily="49" charset="0"/>
+                <a:cs typeface="Courier New" pitchFamily="49" charset="0"/>
+              </a:rPr>
+              <a:t> t0, zero, </a:t>
+            </a:r>
+            <a:r>
+              <a:rPr lang="en-US" sz="2400" dirty="0" err="1" smtClean="0">
+                <a:ln w="0"/>
+                <a:solidFill>
+                  <a:srgbClr val="273272"/>
+                </a:solidFill>
+                <a:effectLst>
+                  <a:reflection blurRad="6350" stA="53000" endA="300" endPos="35500" dir="5400000" sy="-90000" algn="bl" rotWithShape="0"/>
+                </a:effectLst>
+                <a:latin typeface="Courier New" pitchFamily="49" charset="0"/>
+                <a:cs typeface="Courier New" pitchFamily="49" charset="0"/>
+              </a:rPr>
+              <a:t>if_less</a:t>
+            </a:r>
+            <a:endParaRPr lang="en-US" sz="2400" dirty="0" smtClean="0">
+              <a:ln w="0"/>
+              <a:solidFill>
+                <a:srgbClr val="273272"/>
+              </a:solidFill>
+              <a:effectLst>
+                <a:reflection blurRad="6350" stA="53000" endA="300" endPos="35500" dir="5400000" sy="-90000" algn="bl" rotWithShape="0"/>
+              </a:effectLst>
+              <a:latin typeface="Courier New" pitchFamily="49" charset="0"/>
+              <a:cs typeface="Courier New" pitchFamily="49" charset="0"/>
+            </a:endParaRPr>
+          </a:p>
+          <a:p>
+            <a:r>
+              <a:rPr lang="en-US" sz="2400" dirty="0" smtClean="0">
+                <a:ln w="0"/>
+                <a:solidFill>
+                  <a:srgbClr val="273272"/>
+                </a:solidFill>
+                <a:effectLst>
+                  <a:reflection blurRad="6350" stA="53000" endA="300" endPos="35500" dir="5400000" sy="-90000" algn="bl" rotWithShape="0"/>
+                </a:effectLst>
+                <a:latin typeface="Courier New" pitchFamily="49" charset="0"/>
+                <a:cs typeface="Courier New" pitchFamily="49" charset="0"/>
+              </a:rPr>
+              <a:t>		</a:t>
+            </a:r>
+            <a:r>
+              <a:rPr lang="en-US" sz="2400" dirty="0" err="1" smtClean="0">
+                <a:ln w="0"/>
+                <a:solidFill>
+                  <a:srgbClr val="273272"/>
+                </a:solidFill>
+                <a:effectLst>
+                  <a:reflection blurRad="6350" stA="53000" endA="300" endPos="35500" dir="5400000" sy="-90000" algn="bl" rotWithShape="0"/>
+                </a:effectLst>
+                <a:latin typeface="Courier New" pitchFamily="49" charset="0"/>
+                <a:cs typeface="Courier New" pitchFamily="49" charset="0"/>
+              </a:rPr>
+              <a:t>nop</a:t>
+            </a:r>
+            <a:endParaRPr lang="en-US" sz="2400" dirty="0" smtClean="0">
+              <a:ln w="0"/>
+              <a:solidFill>
+                <a:srgbClr val="273272"/>
+              </a:solidFill>
+              <a:effectLst>
+                <a:reflection blurRad="6350" stA="53000" endA="300" endPos="35500" dir="5400000" sy="-90000" algn="bl" rotWithShape="0"/>
+              </a:effectLst>
+              <a:latin typeface="Courier New" pitchFamily="49" charset="0"/>
+              <a:cs typeface="Courier New" pitchFamily="49" charset="0"/>
+            </a:endParaRPr>
+          </a:p>
+          <a:p>
+            <a:r>
+              <a:rPr lang="en-US" sz="2400" dirty="0" smtClean="0">
+                <a:ln w="0"/>
+                <a:solidFill>
+                  <a:srgbClr val="273272"/>
+                </a:solidFill>
+                <a:effectLst>
+                  <a:reflection blurRad="6350" stA="53000" endA="300" endPos="35500" dir="5400000" sy="-90000" algn="bl" rotWithShape="0"/>
+                </a:effectLst>
+                <a:latin typeface="Courier New" pitchFamily="49" charset="0"/>
+                <a:cs typeface="Courier New" pitchFamily="49" charset="0"/>
+              </a:rPr>
+              <a:t>		sub t1, t1, t2</a:t>
+            </a:r>
+          </a:p>
+          <a:p>
+            <a:r>
+              <a:rPr lang="en-US" sz="2400" dirty="0" smtClean="0">
+                <a:ln w="0"/>
+                <a:solidFill>
+                  <a:srgbClr val="273272"/>
+                </a:solidFill>
+                <a:effectLst>
+                  <a:reflection blurRad="6350" stA="53000" endA="300" endPos="35500" dir="5400000" sy="-90000" algn="bl" rotWithShape="0"/>
+                </a:effectLst>
+                <a:latin typeface="Courier New" pitchFamily="49" charset="0"/>
+                <a:cs typeface="Courier New" pitchFamily="49" charset="0"/>
+              </a:rPr>
+              <a:t>		j cycle</a:t>
+            </a:r>
+          </a:p>
+          <a:p>
+            <a:r>
+              <a:rPr lang="en-US" sz="2400" dirty="0" smtClean="0">
+                <a:ln w="0"/>
+                <a:solidFill>
+                  <a:srgbClr val="273272"/>
+                </a:solidFill>
+                <a:effectLst>
+                  <a:reflection blurRad="6350" stA="53000" endA="300" endPos="35500" dir="5400000" sy="-90000" algn="bl" rotWithShape="0"/>
+                </a:effectLst>
+                <a:latin typeface="Courier New" pitchFamily="49" charset="0"/>
+                <a:cs typeface="Courier New" pitchFamily="49" charset="0"/>
+              </a:rPr>
+              <a:t>		</a:t>
+            </a:r>
+            <a:r>
+              <a:rPr lang="en-US" sz="2400" dirty="0" err="1" smtClean="0">
+                <a:ln w="0"/>
+                <a:solidFill>
+                  <a:srgbClr val="273272"/>
+                </a:solidFill>
+                <a:effectLst>
+                  <a:reflection blurRad="6350" stA="53000" endA="300" endPos="35500" dir="5400000" sy="-90000" algn="bl" rotWithShape="0"/>
+                </a:effectLst>
+                <a:latin typeface="Courier New" pitchFamily="49" charset="0"/>
+                <a:cs typeface="Courier New" pitchFamily="49" charset="0"/>
+              </a:rPr>
+              <a:t>nop</a:t>
+            </a:r>
+            <a:endParaRPr lang="en-US" sz="2400" dirty="0" smtClean="0">
+              <a:ln w="0"/>
+              <a:solidFill>
+                <a:srgbClr val="273272"/>
+              </a:solidFill>
+              <a:effectLst>
+                <a:reflection blurRad="6350" stA="53000" endA="300" endPos="35500" dir="5400000" sy="-90000" algn="bl" rotWithShape="0"/>
+              </a:effectLst>
+              <a:latin typeface="Courier New" pitchFamily="49" charset="0"/>
+              <a:cs typeface="Courier New" pitchFamily="49" charset="0"/>
+            </a:endParaRPr>
+          </a:p>
+          <a:p>
+            <a:r>
+              <a:rPr lang="en-US" sz="2400" dirty="0" err="1" smtClean="0">
+                <a:ln w="0"/>
+                <a:solidFill>
+                  <a:srgbClr val="273272"/>
+                </a:solidFill>
+                <a:effectLst>
+                  <a:reflection blurRad="6350" stA="53000" endA="300" endPos="35500" dir="5400000" sy="-90000" algn="bl" rotWithShape="0"/>
+                </a:effectLst>
+                <a:latin typeface="Courier New" pitchFamily="49" charset="0"/>
+                <a:cs typeface="Courier New" pitchFamily="49" charset="0"/>
+              </a:rPr>
+              <a:t>if_less</a:t>
+            </a:r>
+            <a:r>
+              <a:rPr lang="en-US" sz="2400" dirty="0" smtClean="0">
+                <a:ln w="0"/>
+                <a:solidFill>
+                  <a:srgbClr val="273272"/>
+                </a:solidFill>
+                <a:effectLst>
+                  <a:reflection blurRad="6350" stA="53000" endA="300" endPos="35500" dir="5400000" sy="-90000" algn="bl" rotWithShape="0"/>
+                </a:effectLst>
+                <a:latin typeface="Courier New" pitchFamily="49" charset="0"/>
+                <a:cs typeface="Courier New" pitchFamily="49" charset="0"/>
+              </a:rPr>
+              <a:t>:	sub t2, t2, t1</a:t>
+            </a:r>
+          </a:p>
+          <a:p>
+            <a:r>
+              <a:rPr lang="en-US" sz="2400" dirty="0" smtClean="0">
+                <a:ln w="0"/>
+                <a:solidFill>
+                  <a:srgbClr val="273272"/>
+                </a:solidFill>
+                <a:effectLst>
+                  <a:reflection blurRad="6350" stA="53000" endA="300" endPos="35500" dir="5400000" sy="-90000" algn="bl" rotWithShape="0"/>
+                </a:effectLst>
+                <a:latin typeface="Courier New" pitchFamily="49" charset="0"/>
+                <a:cs typeface="Courier New" pitchFamily="49" charset="0"/>
+              </a:rPr>
+              <a:t>		j cycle</a:t>
+            </a:r>
+          </a:p>
+          <a:p>
+            <a:r>
+              <a:rPr lang="en-US" sz="2400" dirty="0" smtClean="0">
+                <a:ln w="0"/>
+                <a:solidFill>
+                  <a:srgbClr val="273272"/>
+                </a:solidFill>
+                <a:effectLst>
+                  <a:reflection blurRad="6350" stA="53000" endA="300" endPos="35500" dir="5400000" sy="-90000" algn="bl" rotWithShape="0"/>
+                </a:effectLst>
+                <a:latin typeface="Courier New" pitchFamily="49" charset="0"/>
+                <a:cs typeface="Courier New" pitchFamily="49" charset="0"/>
+              </a:rPr>
+              <a:t>done:		add t3, t1, zero</a:t>
+            </a:r>
+            <a:endParaRPr lang="ru-RU" sz="2400" b="0" cap="none" spc="0" dirty="0">
+              <a:ln w="0"/>
+              <a:solidFill>
+                <a:srgbClr val="273272"/>
+              </a:solidFill>
+              <a:effectLst>
+                <a:reflection blurRad="6350" stA="53000" endA="300" endPos="35500" dir="5400000" sy="-90000" algn="bl" rotWithShape="0"/>
+              </a:effectLst>
+              <a:latin typeface="Courier New" pitchFamily="49" charset="0"/>
+              <a:cs typeface="Courier New" pitchFamily="49" charset="0"/>
+            </a:endParaRPr>
+          </a:p>
+        </p:txBody>
+      </p:sp>
+      <p:sp>
+        <p:nvSpPr>
+          <p:cNvPr id="2" name="Заголовок 1"/>
+          <p:cNvSpPr>
+            <a:spLocks noGrp="1"/>
+          </p:cNvSpPr>
+          <p:nvPr>
+            <p:ph type="title"/>
+          </p:nvPr>
+        </p:nvSpPr>
+        <p:spPr/>
+        <p:txBody>
+          <a:bodyPr>
+            <a:normAutofit/>
+          </a:bodyPr>
+          <a:lstStyle/>
+          <a:p>
+            <a:r>
+              <a:rPr lang="en-US" dirty="0" smtClean="0"/>
+              <a:t>Any Questions?</a:t>
+            </a:r>
+            <a:endParaRPr lang="ru-RU" sz="4000" dirty="0"/>
+          </a:p>
+        </p:txBody>
+      </p:sp>
+      <p:sp>
+        <p:nvSpPr>
+          <p:cNvPr id="6" name="Номер слайда 5"/>
+          <p:cNvSpPr>
+            <a:spLocks noGrp="1"/>
+          </p:cNvSpPr>
+          <p:nvPr>
+            <p:ph type="sldNum" sz="quarter" idx="12"/>
+          </p:nvPr>
+        </p:nvSpPr>
+        <p:spPr/>
+        <p:txBody>
+          <a:bodyPr/>
+          <a:lstStyle/>
+          <a:p>
+            <a:pPr algn="ctr"/>
+            <a:fld id="{1397BFD8-F312-4EF2-A268-44FB4BDDBBB0}" type="slidenum">
+              <a:rPr lang="ru-RU" smtClean="0"/>
+              <a:pPr algn="ctr"/>
+              <a:t>22</a:t>
+            </a:fld>
+            <a:endParaRPr lang="ru-RU" dirty="0"/>
+          </a:p>
+        </p:txBody>
+      </p:sp>
+    </p:spTree>
+    <p:extLst>
+      <p:ext uri="{BB962C8B-B14F-4D97-AF65-F5344CB8AC3E}">
+        <p14:creationId xmlns="" xmlns:p14="http://schemas.microsoft.com/office/powerpoint/2010/main" val="4217875043"/>
+      </p:ext>
+    </p:extLst>
+  </p:cSld>
+  <p:clrMapOvr>
+    <a:masterClrMapping/>
+  </p:clrMapOvr>
+  <p:timing>
+    <p:tnLst>
+      <p:par>
+        <p:cTn id="1" dur="indefinite" restart="never" nodeType="tmRoot"/>
+      </p:par>
+    </p:tnLst>
+  </p:timing>
+</p:sld>
+</file>
+
 <file path=ppt/slides/slide3.xml><?xml version="1.0" encoding="utf-8"?>
 <p:sld xmlns:a="http://schemas.openxmlformats.org/drawingml/2006/main" xmlns:r="http://schemas.openxmlformats.org/officeDocument/2006/relationships" xmlns:p="http://schemas.openxmlformats.org/presentationml/2006/main">
   <p:cSld>
@@ -17385,11 +24639,7 @@
           <a:p>
             <a:r>
               <a:rPr lang="en-US" dirty="0" smtClean="0"/>
-              <a:t>Number </a:t>
-            </a:r>
-            <a:r>
-              <a:rPr lang="en-US" dirty="0" smtClean="0"/>
-              <a:t>Systems</a:t>
+              <a:t>Number Systems</a:t>
             </a:r>
             <a:endParaRPr lang="ru-RU" dirty="0"/>
           </a:p>
@@ -17412,11 +24662,7 @@
           <a:p>
             <a:r>
               <a:rPr lang="en-US" dirty="0" smtClean="0"/>
-              <a:t>Decimal </a:t>
-            </a:r>
-            <a:r>
-              <a:rPr lang="en-US" dirty="0" smtClean="0"/>
-              <a:t>numbers</a:t>
+              <a:t>Decimal numbers</a:t>
             </a:r>
             <a:endParaRPr lang="ru-RU" dirty="0" smtClean="0"/>
           </a:p>
@@ -17720,17 +24966,12 @@
             </a:pPr>
             <a:r>
               <a:rPr lang="en-US" dirty="0" smtClean="0"/>
-              <a:t>Handy to memorize up to </a:t>
-            </a:r>
-            <a:r>
-              <a:rPr lang="en-US" dirty="0" smtClean="0"/>
-              <a:t>2</a:t>
+              <a:t>Handy to memorize up to 2</a:t>
             </a:r>
             <a:r>
               <a:rPr lang="en-US" baseline="30000" dirty="0" smtClean="0"/>
               <a:t>10</a:t>
             </a:r>
-            <a:endParaRPr lang="en-US" baseline="30000" dirty="0" smtClean="0"/>
           </a:p>
         </p:txBody>
       </p:sp>
@@ -18231,11 +25472,7 @@
             </a:r>
             <a:r>
               <a:rPr lang="en-US" dirty="0" smtClean="0"/>
-              <a:t>1 = </a:t>
-            </a:r>
-            <a:r>
-              <a:rPr lang="en-US" dirty="0" smtClean="0"/>
-              <a:t>19</a:t>
+              <a:t>1 = 19</a:t>
             </a:r>
             <a:r>
               <a:rPr lang="en-US" baseline="-25000" dirty="0" smtClean="0"/>
@@ -18268,11 +25505,7 @@
             </a:pPr>
             <a:r>
               <a:rPr lang="en-US" dirty="0" smtClean="0"/>
-              <a:t>Decimal </a:t>
-            </a:r>
-            <a:r>
-              <a:rPr lang="en-US" dirty="0" smtClean="0"/>
-              <a:t>to binary conversion:</a:t>
+              <a:t>Decimal to binary conversion:</a:t>
             </a:r>
           </a:p>
           <a:p>
@@ -18362,17 +25595,12 @@
             </a:r>
             <a:r>
               <a:rPr lang="en-US" dirty="0" smtClean="0"/>
-              <a:t>1 = </a:t>
-            </a:r>
-            <a:r>
-              <a:rPr lang="en-US" dirty="0" smtClean="0"/>
-              <a:t>101111</a:t>
+              <a:t>1 = 101111</a:t>
             </a:r>
             <a:r>
               <a:rPr lang="en-US" baseline="-25000" dirty="0" smtClean="0"/>
               <a:t>2</a:t>
             </a:r>
-            <a:endParaRPr lang="en-US" baseline="-25000" dirty="0" smtClean="0"/>
           </a:p>
         </p:txBody>
       </p:sp>
@@ -18420,11 +25648,7 @@
           <a:p>
             <a:r>
               <a:rPr lang="en-US" dirty="0" smtClean="0"/>
-              <a:t>Number </a:t>
-            </a:r>
-            <a:r>
-              <a:rPr lang="en-US" dirty="0" smtClean="0"/>
-              <a:t>Conversion</a:t>
+              <a:t>Number Conversion</a:t>
             </a:r>
             <a:endParaRPr lang="ru-RU" dirty="0"/>
           </a:p>
@@ -18637,21 +25861,8 @@
                   <a:schemeClr val="accent1"/>
                 </a:solidFill>
               </a:rPr>
-              <a:t>Range: [0, 999</a:t>
-            </a:r>
-            <a:r>
-              <a:rPr lang="en-US" sz="3300" b="1" dirty="0" smtClean="0">
-                <a:solidFill>
-                  <a:schemeClr val="accent1"/>
-                </a:solidFill>
-              </a:rPr>
-              <a:t>]</a:t>
-            </a:r>
-            <a:endParaRPr lang="en-US" sz="3300" b="1" dirty="0" smtClean="0">
-              <a:solidFill>
-                <a:schemeClr val="accent1"/>
-              </a:solidFill>
-            </a:endParaRPr>
+              <a:t>Range: [0, 999]</a:t>
+            </a:r>
           </a:p>
           <a:p>
             <a:pPr>
@@ -18889,11 +26100,7 @@
           <a:p>
             <a:r>
               <a:rPr lang="en-US" dirty="0" smtClean="0"/>
-              <a:t>Binary Values and </a:t>
-            </a:r>
-            <a:r>
-              <a:rPr lang="en-US" dirty="0" smtClean="0"/>
-              <a:t>Range</a:t>
+              <a:t>Binary Values and Range</a:t>
             </a:r>
             <a:endParaRPr lang="ru-RU" dirty="0"/>
           </a:p>
@@ -19021,11 +26228,7 @@
           <a:p>
             <a:r>
               <a:rPr lang="en-US" dirty="0" smtClean="0"/>
-              <a:t>Hexadecimal </a:t>
-            </a:r>
-            <a:r>
-              <a:rPr lang="en-US" dirty="0" smtClean="0"/>
-              <a:t>Numbers</a:t>
+              <a:t>Hexadecimal Numbers</a:t>
             </a:r>
             <a:endParaRPr lang="ru-RU" dirty="0"/>
           </a:p>
@@ -19043,7 +26246,7 @@
             </p:custDataLst>
             <p:extLst>
               <p:ext uri="{D42A27DB-BD31-4B8C-83A1-F6EECF244321}">
-                <p14:modId xmlns:p14="http://schemas.microsoft.com/office/powerpoint/2010/main" xmlns="" val="3887112680"/>
+                <p14:modId xmlns="" xmlns:p14="http://schemas.microsoft.com/office/powerpoint/2010/main" val="3887112680"/>
               </p:ext>
             </p:extLst>
           </p:nvPr>
@@ -23576,11 +30779,7 @@
           <a:p>
             <a:r>
               <a:rPr lang="en-US" dirty="0" smtClean="0"/>
-              <a:t>Hexadecimal to Binary </a:t>
-            </a:r>
-            <a:r>
-              <a:rPr lang="en-US" dirty="0" smtClean="0"/>
-              <a:t>Conversion</a:t>
+              <a:t>Hexadecimal to Binary Conversion</a:t>
             </a:r>
             <a:endParaRPr lang="ru-RU" dirty="0"/>
           </a:p>
@@ -23662,11 +30861,7 @@
           <a:p>
             <a:r>
               <a:rPr lang="en-US" dirty="0" smtClean="0"/>
-              <a:t>Bits, Bytes, Nibbles</a:t>
-            </a:r>
-            <a:r>
-              <a:rPr lang="en-US" dirty="0" smtClean="0"/>
-              <a:t>…</a:t>
+              <a:t>Bits, Bytes, Nibbles…</a:t>
             </a:r>
             <a:endParaRPr lang="ru-RU" dirty="0"/>
           </a:p>
@@ -24082,7 +31277,7 @@
   <a:extraClrSchemeLst/>
   <a:extLst>
     <a:ext uri="{05A4C25C-085E-4340-85A3-A5531E510DB2}">
-      <thm15:themeFamily xmlns:thm15="http://schemas.microsoft.com/office/thememl/2012/main" xmlns="" name="Office Theme" id="{62F939B6-93AF-4DB8-9C6B-D6C7DFDC589F}" vid="{4A3C46E8-61CC-4603-A589-7422A47A8E4A}"/>
+      <thm15:themeFamily xmlns="" xmlns:thm15="http://schemas.microsoft.com/office/thememl/2012/main" name="Office Theme" id="{62F939B6-93AF-4DB8-9C6B-D6C7DFDC589F}" vid="{4A3C46E8-61CC-4603-A589-7422A47A8E4A}"/>
     </a:ext>
   </a:extLst>
 </a:theme>
@@ -24343,7 +31538,7 @@
   <a:extraClrSchemeLst/>
   <a:extLst>
     <a:ext uri="{05A4C25C-085E-4340-85A3-A5531E510DB2}">
-      <thm15:themeFamily xmlns:thm15="http://schemas.microsoft.com/office/thememl/2012/main" xmlns="" name="Office Theme" id="{62F939B6-93AF-4DB8-9C6B-D6C7DFDC589F}" vid="{4A3C46E8-61CC-4603-A589-7422A47A8E4A}"/>
+      <thm15:themeFamily xmlns="" xmlns:thm15="http://schemas.microsoft.com/office/thememl/2012/main" name="Office Theme" id="{62F939B6-93AF-4DB8-9C6B-D6C7DFDC589F}" vid="{4A3C46E8-61CC-4603-A589-7422A47A8E4A}"/>
     </a:ext>
   </a:extLst>
 </a:theme>
@@ -24604,7 +31799,7 @@
   <a:extraClrSchemeLst/>
   <a:extLst>
     <a:ext uri="{05A4C25C-085E-4340-85A3-A5531E510DB2}">
-      <thm15:themeFamily xmlns:thm15="http://schemas.microsoft.com/office/thememl/2012/main" xmlns="" name="Office Theme" id="{62F939B6-93AF-4DB8-9C6B-D6C7DFDC589F}" vid="{4A3C46E8-61CC-4603-A589-7422A47A8E4A}"/>
+      <thm15:themeFamily xmlns="" xmlns:thm15="http://schemas.microsoft.com/office/thememl/2012/main" name="Office Theme" id="{62F939B6-93AF-4DB8-9C6B-D6C7DFDC589F}" vid="{4A3C46E8-61CC-4603-A589-7422A47A8E4A}"/>
     </a:ext>
   </a:extLst>
 </a:theme>

--- a/docs/part1ca/02_DataTypes/CA_Lecture_02.pptx
+++ b/docs/part1ca/02_DataTypes/CA_Lecture_02.pptx
@@ -5,10 +5,10 @@
     <p:sldMasterId id="2147483648" r:id="rId1"/>
   </p:sldMasterIdLst>
   <p:notesMasterIdLst>
-    <p:notesMasterId r:id="rId24"/>
+    <p:notesMasterId r:id="rId27"/>
   </p:notesMasterIdLst>
   <p:handoutMasterIdLst>
-    <p:handoutMasterId r:id="rId25"/>
+    <p:handoutMasterId r:id="rId28"/>
   </p:handoutMasterIdLst>
   <p:sldIdLst>
     <p:sldId id="256" r:id="rId2"/>
@@ -29,10 +29,13 @@
     <p:sldId id="276" r:id="rId17"/>
     <p:sldId id="291" r:id="rId18"/>
     <p:sldId id="292" r:id="rId19"/>
-    <p:sldId id="288" r:id="rId20"/>
-    <p:sldId id="289" r:id="rId21"/>
-    <p:sldId id="290" r:id="rId22"/>
-    <p:sldId id="272" r:id="rId23"/>
+    <p:sldId id="293" r:id="rId20"/>
+    <p:sldId id="294" r:id="rId21"/>
+    <p:sldId id="296" r:id="rId22"/>
+    <p:sldId id="289" r:id="rId23"/>
+    <p:sldId id="290" r:id="rId24"/>
+    <p:sldId id="295" r:id="rId25"/>
+    <p:sldId id="272" r:id="rId26"/>
   </p:sldIdLst>
   <p:sldSz cx="12192000" cy="6858000"/>
   <p:notesSz cx="6858000" cy="9144000"/>
@@ -133,7 +136,7 @@
   </p:defaultTextStyle>
   <p:extLst>
     <p:ext uri="{EFAFB233-063F-42B5-8137-9DF3F51BA10A}">
-      <p15:sldGuideLst xmlns="" xmlns:p15="http://schemas.microsoft.com/office/powerpoint/2012/main">
+      <p15:sldGuideLst xmlns:p15="http://schemas.microsoft.com/office/powerpoint/2012/main" xmlns="">
         <p15:guide id="1" orient="horz" pos="2160">
           <p15:clr>
             <a:srgbClr val="A4A3A4"/>
@@ -147,7 +150,7 @@
       </p15:sldGuideLst>
     </p:ext>
     <p:ext uri="{2D200454-40CA-4A62-9FC3-DE9A4176ACB9}">
-      <p15:notesGuideLst xmlns="" xmlns:p15="http://schemas.microsoft.com/office/powerpoint/2012/main"/>
+      <p15:notesGuideLst xmlns:p15="http://schemas.microsoft.com/office/powerpoint/2012/main" xmlns=""/>
     </p:ext>
   </p:extLst>
 </p:presentation>
@@ -244,7 +247,7 @@
             <a:fld id="{D0106195-8D78-4F6F-B8E4-FA67975ACEF5}" type="datetimeFigureOut">
               <a:rPr lang="ru-RU" smtClean="0"/>
               <a:pPr/>
-              <a:t>03.10.2020</a:t>
+              <a:t>05.10.2020</a:t>
             </a:fld>
             <a:endParaRPr lang="ru-RU"/>
           </a:p>
@@ -320,7 +323,7 @@
     </p:spTree>
     <p:extLst>
       <p:ext uri="{BB962C8B-B14F-4D97-AF65-F5344CB8AC3E}">
-        <p14:creationId xmlns="" xmlns:p14="http://schemas.microsoft.com/office/powerpoint/2010/main" val="827279973"/>
+        <p14:creationId xmlns:p14="http://schemas.microsoft.com/office/powerpoint/2010/main" xmlns="" val="827279973"/>
       </p:ext>
     </p:extLst>
   </p:cSld>
@@ -412,7 +415,7 @@
             <a:fld id="{878212F1-C3D9-4F2B-8F42-5E960FE8BE51}" type="datetimeFigureOut">
               <a:rPr lang="ru-RU" smtClean="0"/>
               <a:pPr/>
-              <a:t>03.10.2020</a:t>
+              <a:t>05.10.2020</a:t>
             </a:fld>
             <a:endParaRPr lang="ru-RU"/>
           </a:p>
@@ -581,7 +584,7 @@
     </p:spTree>
     <p:extLst>
       <p:ext uri="{BB962C8B-B14F-4D97-AF65-F5344CB8AC3E}">
-        <p14:creationId xmlns="" xmlns:p14="http://schemas.microsoft.com/office/powerpoint/2010/main" val="3865021395"/>
+        <p14:creationId xmlns:p14="http://schemas.microsoft.com/office/powerpoint/2010/main" xmlns="" val="3865021395"/>
       </p:ext>
     </p:extLst>
   </p:cSld>
@@ -795,7 +798,7 @@
     </p:spTree>
     <p:extLst>
       <p:ext uri="{BB962C8B-B14F-4D97-AF65-F5344CB8AC3E}">
-        <p14:creationId xmlns="" xmlns:p14="http://schemas.microsoft.com/office/powerpoint/2010/main" val="2381791527"/>
+        <p14:creationId xmlns:p14="http://schemas.microsoft.com/office/powerpoint/2010/main" xmlns="" val="2381791527"/>
       </p:ext>
     </p:extLst>
   </p:cSld>
@@ -909,7 +912,7 @@
             <a:fld id="{5583B3A5-99BF-45D9-956B-DC57CC23AD97}" type="slidenum">
               <a:rPr lang="ru-RU" smtClean="0"/>
               <a:pPr/>
-              <a:t>22</a:t>
+              <a:t>25</a:t>
             </a:fld>
             <a:endParaRPr lang="ru-RU"/>
           </a:p>
@@ -918,7 +921,7 @@
     </p:spTree>
     <p:extLst>
       <p:ext uri="{BB962C8B-B14F-4D97-AF65-F5344CB8AC3E}">
-        <p14:creationId xmlns="" xmlns:p14="http://schemas.microsoft.com/office/powerpoint/2010/main" val="1915950851"/>
+        <p14:creationId xmlns:p14="http://schemas.microsoft.com/office/powerpoint/2010/main" xmlns="" val="1915950851"/>
       </p:ext>
     </p:extLst>
   </p:cSld>
@@ -1178,7 +1181,7 @@
     </p:spTree>
     <p:extLst>
       <p:ext uri="{BB962C8B-B14F-4D97-AF65-F5344CB8AC3E}">
-        <p14:creationId xmlns="" xmlns:p14="http://schemas.microsoft.com/office/powerpoint/2010/main" val="322455162"/>
+        <p14:creationId xmlns:p14="http://schemas.microsoft.com/office/powerpoint/2010/main" xmlns="" val="322455162"/>
       </p:ext>
     </p:extLst>
   </p:cSld>
@@ -1352,7 +1355,7 @@
     </p:spTree>
     <p:extLst>
       <p:ext uri="{BB962C8B-B14F-4D97-AF65-F5344CB8AC3E}">
-        <p14:creationId xmlns="" xmlns:p14="http://schemas.microsoft.com/office/powerpoint/2010/main" val="971117636"/>
+        <p14:creationId xmlns:p14="http://schemas.microsoft.com/office/powerpoint/2010/main" xmlns="" val="971117636"/>
       </p:ext>
     </p:extLst>
   </p:cSld>
@@ -1529,7 +1532,7 @@
     </p:spTree>
     <p:extLst>
       <p:ext uri="{BB962C8B-B14F-4D97-AF65-F5344CB8AC3E}">
-        <p14:creationId xmlns="" xmlns:p14="http://schemas.microsoft.com/office/powerpoint/2010/main" val="3348877825"/>
+        <p14:creationId xmlns:p14="http://schemas.microsoft.com/office/powerpoint/2010/main" xmlns="" val="3348877825"/>
       </p:ext>
     </p:extLst>
   </p:cSld>
@@ -1864,7 +1867,7 @@
     </p:spTree>
     <p:extLst>
       <p:ext uri="{BB962C8B-B14F-4D97-AF65-F5344CB8AC3E}">
-        <p14:creationId xmlns="" xmlns:p14="http://schemas.microsoft.com/office/powerpoint/2010/main" val="3256953994"/>
+        <p14:creationId xmlns:p14="http://schemas.microsoft.com/office/powerpoint/2010/main" xmlns="" val="3256953994"/>
       </p:ext>
     </p:extLst>
   </p:cSld>
@@ -2114,7 +2117,7 @@
     </p:spTree>
     <p:extLst>
       <p:ext uri="{BB962C8B-B14F-4D97-AF65-F5344CB8AC3E}">
-        <p14:creationId xmlns="" xmlns:p14="http://schemas.microsoft.com/office/powerpoint/2010/main" val="3067076846"/>
+        <p14:creationId xmlns:p14="http://schemas.microsoft.com/office/powerpoint/2010/main" xmlns="" val="3067076846"/>
       </p:ext>
     </p:extLst>
   </p:cSld>
@@ -2350,7 +2353,7 @@
     </p:spTree>
     <p:extLst>
       <p:ext uri="{BB962C8B-B14F-4D97-AF65-F5344CB8AC3E}">
-        <p14:creationId xmlns="" xmlns:p14="http://schemas.microsoft.com/office/powerpoint/2010/main" val="3710015975"/>
+        <p14:creationId xmlns:p14="http://schemas.microsoft.com/office/powerpoint/2010/main" xmlns="" val="3710015975"/>
       </p:ext>
     </p:extLst>
   </p:cSld>
@@ -2721,7 +2724,7 @@
     </p:spTree>
     <p:extLst>
       <p:ext uri="{BB962C8B-B14F-4D97-AF65-F5344CB8AC3E}">
-        <p14:creationId xmlns="" xmlns:p14="http://schemas.microsoft.com/office/powerpoint/2010/main" val="4075590966"/>
+        <p14:creationId xmlns:p14="http://schemas.microsoft.com/office/powerpoint/2010/main" xmlns="" val="4075590966"/>
       </p:ext>
     </p:extLst>
   </p:cSld>
@@ -2843,7 +2846,7 @@
     </p:spTree>
     <p:extLst>
       <p:ext uri="{BB962C8B-B14F-4D97-AF65-F5344CB8AC3E}">
-        <p14:creationId xmlns="" xmlns:p14="http://schemas.microsoft.com/office/powerpoint/2010/main" val="2889604898"/>
+        <p14:creationId xmlns:p14="http://schemas.microsoft.com/office/powerpoint/2010/main" xmlns="" val="2889604898"/>
       </p:ext>
     </p:extLst>
   </p:cSld>
@@ -2942,7 +2945,7 @@
     </p:spTree>
     <p:extLst>
       <p:ext uri="{BB962C8B-B14F-4D97-AF65-F5344CB8AC3E}">
-        <p14:creationId xmlns="" xmlns:p14="http://schemas.microsoft.com/office/powerpoint/2010/main" val="152384765"/>
+        <p14:creationId xmlns:p14="http://schemas.microsoft.com/office/powerpoint/2010/main" xmlns="" val="152384765"/>
       </p:ext>
     </p:extLst>
   </p:cSld>
@@ -3223,7 +3226,7 @@
     </p:spTree>
     <p:extLst>
       <p:ext uri="{BB962C8B-B14F-4D97-AF65-F5344CB8AC3E}">
-        <p14:creationId xmlns="" xmlns:p14="http://schemas.microsoft.com/office/powerpoint/2010/main" val="2127791886"/>
+        <p14:creationId xmlns:p14="http://schemas.microsoft.com/office/powerpoint/2010/main" xmlns="" val="2127791886"/>
       </p:ext>
     </p:extLst>
   </p:cSld>
@@ -3480,7 +3483,7 @@
     </p:spTree>
     <p:extLst>
       <p:ext uri="{BB962C8B-B14F-4D97-AF65-F5344CB8AC3E}">
-        <p14:creationId xmlns="" xmlns:p14="http://schemas.microsoft.com/office/powerpoint/2010/main" val="1752705130"/>
+        <p14:creationId xmlns:p14="http://schemas.microsoft.com/office/powerpoint/2010/main" xmlns="" val="1752705130"/>
       </p:ext>
     </p:extLst>
   </p:cSld>
@@ -3733,7 +3736,7 @@
     </p:spTree>
     <p:extLst>
       <p:ext uri="{BB962C8B-B14F-4D97-AF65-F5344CB8AC3E}">
-        <p14:creationId xmlns="" xmlns:p14="http://schemas.microsoft.com/office/powerpoint/2010/main" val="968833914"/>
+        <p14:creationId xmlns:p14="http://schemas.microsoft.com/office/powerpoint/2010/main" xmlns="" val="968833914"/>
       </p:ext>
     </p:extLst>
   </p:cSld>
@@ -4210,7 +4213,7 @@
     </p:spTree>
     <p:extLst>
       <p:ext uri="{BB962C8B-B14F-4D97-AF65-F5344CB8AC3E}">
-        <p14:creationId xmlns="" xmlns:p14="http://schemas.microsoft.com/office/powerpoint/2010/main" val="2492894732"/>
+        <p14:creationId xmlns:p14="http://schemas.microsoft.com/office/powerpoint/2010/main" xmlns="" val="2492894732"/>
       </p:ext>
     </p:extLst>
   </p:cSld>
@@ -4559,7 +4562,7 @@
           <p:nvPr>
             <p:extLst>
               <p:ext uri="{D42A27DB-BD31-4B8C-83A1-F6EECF244321}">
-                <p14:modId xmlns:p14="http://schemas.microsoft.com/office/powerpoint/2010/main" xmlns="" val="513603203"/>
+                <p14:modId xmlns="" xmlns:p14="http://schemas.microsoft.com/office/powerpoint/2010/main" val="513603203"/>
               </p:ext>
             </p:extLst>
           </p:nvPr>
@@ -15177,8 +15180,8 @@
         </p:nvSpPr>
         <p:spPr>
           <a:xfrm>
-            <a:off x="838200" y="3124200"/>
-            <a:ext cx="10515600" cy="3695700"/>
+            <a:off x="838200" y="4559300"/>
+            <a:ext cx="10515600" cy="2044700"/>
           </a:xfrm>
         </p:spPr>
         <p:txBody>
@@ -15188,63 +15191,71 @@
           <a:lstStyle/>
           <a:p>
             <a:pPr>
-              <a:spcAft>
-                <a:spcPts val="2400"/>
-              </a:spcAft>
+              <a:lnSpc>
+                <a:spcPct val="100000"/>
+              </a:lnSpc>
+              <a:spcBef>
+                <a:spcPts val="0"/>
+              </a:spcBef>
               <a:defRPr/>
             </a:pPr>
             <a:r>
               <a:rPr lang="en-US" dirty="0" smtClean="0"/>
-              <a:t>C short 2 bytes long</a:t>
-            </a:r>
-          </a:p>
-          <a:p>
-            <a:pPr>
+              <a:t>Sign </a:t>
+            </a:r>
+            <a:r>
+              <a:rPr lang="en-US" dirty="0" smtClean="0"/>
+              <a:t>Bit</a:t>
+            </a:r>
+          </a:p>
+          <a:p>
+            <a:pPr lvl="1">
+              <a:lnSpc>
+                <a:spcPct val="100000"/>
+              </a:lnSpc>
+              <a:spcBef>
+                <a:spcPts val="0"/>
+              </a:spcBef>
               <a:defRPr/>
             </a:pPr>
-            <a:endParaRPr lang="ru-RU" dirty="0" smtClean="0"/>
-          </a:p>
-          <a:p>
-            <a:pPr>
+            <a:r>
+              <a:rPr lang="en-US" dirty="0" smtClean="0"/>
+              <a:t>For 2’s complement, most significant bit indicates sign</a:t>
+            </a:r>
+          </a:p>
+          <a:p>
+            <a:pPr lvl="2">
+              <a:lnSpc>
+                <a:spcPct val="100000"/>
+              </a:lnSpc>
+              <a:spcBef>
+                <a:spcPts val="0"/>
+              </a:spcBef>
               <a:defRPr/>
             </a:pPr>
             <a:r>
-              <a:rPr lang="en-US" dirty="0" smtClean="0"/>
-              <a:t>Sign </a:t>
-            </a:r>
-            <a:r>
-              <a:rPr lang="en-US" dirty="0" smtClean="0"/>
-              <a:t>Bit</a:t>
-            </a:r>
-          </a:p>
-          <a:p>
-            <a:pPr lvl="1">
+              <a:rPr lang="en-US" sz="2800" dirty="0" smtClean="0"/>
+              <a:t>0 for nonnegative</a:t>
+            </a:r>
+          </a:p>
+          <a:p>
+            <a:pPr lvl="2">
+              <a:lnSpc>
+                <a:spcPct val="100000"/>
+              </a:lnSpc>
+              <a:spcBef>
+                <a:spcPts val="0"/>
+              </a:spcBef>
               <a:defRPr/>
             </a:pPr>
             <a:r>
-              <a:rPr lang="en-US" dirty="0" smtClean="0"/>
-              <a:t>For 2’s complement, most significant bit indicates sign</a:t>
-            </a:r>
-          </a:p>
-          <a:p>
-            <a:pPr lvl="2">
-              <a:defRPr/>
-            </a:pPr>
-            <a:r>
               <a:rPr lang="en-US" sz="2800" dirty="0" smtClean="0"/>
-              <a:t>0 for nonnegative</a:t>
-            </a:r>
-          </a:p>
-          <a:p>
-            <a:pPr lvl="2">
-              <a:defRPr/>
-            </a:pPr>
+              <a:t>1 for </a:t>
+            </a:r>
             <a:r>
               <a:rPr lang="en-US" sz="2800" dirty="0" smtClean="0"/>
-              <a:t>1 for negative</a:t>
-            </a:r>
-          </a:p>
-          <a:p>
+              <a:t>negative</a:t>
+            </a:r>
             <a:endParaRPr lang="ru-RU" dirty="0"/>
           </a:p>
         </p:txBody>
@@ -15297,139 +15308,6 @@
           </a:p>
         </p:txBody>
       </p:sp>
-      <p:sp>
-        <p:nvSpPr>
-          <p:cNvPr id="5" name="Text Box 3"/>
-          <p:cNvSpPr txBox="1">
-            <a:spLocks noChangeArrowheads="1"/>
-          </p:cNvSpPr>
-          <p:nvPr/>
-        </p:nvSpPr>
-        <p:spPr bwMode="auto">
-          <a:xfrm>
-            <a:off x="4356100" y="2184400"/>
-            <a:ext cx="3352800" cy="954107"/>
-          </a:xfrm>
-          <a:prstGeom prst="rect">
-            <a:avLst/>
-          </a:prstGeom>
-          <a:solidFill>
-            <a:srgbClr val="F7B217"/>
-          </a:solidFill>
-          <a:ln w="12700" cmpd="dbl">
-            <a:solidFill>
-              <a:schemeClr val="tx1"/>
-            </a:solidFill>
-            <a:miter lim="800000"/>
-            <a:headEnd/>
-            <a:tailEnd/>
-          </a:ln>
-        </p:spPr>
-        <p:txBody>
-          <a:bodyPr wrap="square">
-            <a:spAutoFit/>
-          </a:bodyPr>
-          <a:lstStyle/>
-          <a:p>
-            <a:pPr>
-              <a:lnSpc>
-                <a:spcPct val="100000"/>
-              </a:lnSpc>
-            </a:pPr>
-            <a:r>
-              <a:rPr lang="en-US" sz="2800" dirty="0">
-                <a:cs typeface="Courier New" pitchFamily="49" charset="0"/>
-              </a:rPr>
-              <a:t>  </a:t>
-            </a:r>
-            <a:r>
-              <a:rPr lang="en-US" sz="2800" b="1" dirty="0">
-                <a:solidFill>
-                  <a:srgbClr val="1E3272"/>
-                </a:solidFill>
-                <a:cs typeface="Courier New" pitchFamily="49" charset="0"/>
-              </a:rPr>
-              <a:t>short </a:t>
-            </a:r>
-            <a:r>
-              <a:rPr lang="en-US" sz="2800" b="1" dirty="0" err="1">
-                <a:solidFill>
-                  <a:srgbClr val="1E3272"/>
-                </a:solidFill>
-                <a:cs typeface="Courier New" pitchFamily="49" charset="0"/>
-              </a:rPr>
-              <a:t>int</a:t>
-            </a:r>
-            <a:r>
-              <a:rPr lang="en-US" sz="2800" dirty="0">
-                <a:solidFill>
-                  <a:srgbClr val="1E3272"/>
-                </a:solidFill>
-                <a:cs typeface="Courier New" pitchFamily="49" charset="0"/>
-              </a:rPr>
-              <a:t> x =  15213;</a:t>
-            </a:r>
-          </a:p>
-          <a:p>
-            <a:pPr>
-              <a:lnSpc>
-                <a:spcPct val="100000"/>
-              </a:lnSpc>
-            </a:pPr>
-            <a:r>
-              <a:rPr lang="en-US" sz="2800" dirty="0">
-                <a:solidFill>
-                  <a:srgbClr val="1E3272"/>
-                </a:solidFill>
-                <a:cs typeface="Courier New" pitchFamily="49" charset="0"/>
-              </a:rPr>
-              <a:t>  </a:t>
-            </a:r>
-            <a:r>
-              <a:rPr lang="en-US" sz="2800" b="1" dirty="0">
-                <a:solidFill>
-                  <a:srgbClr val="1E3272"/>
-                </a:solidFill>
-                <a:cs typeface="Courier New" pitchFamily="49" charset="0"/>
-              </a:rPr>
-              <a:t>short </a:t>
-            </a:r>
-            <a:r>
-              <a:rPr lang="en-US" sz="2800" b="1" dirty="0" err="1">
-                <a:solidFill>
-                  <a:srgbClr val="1E3272"/>
-                </a:solidFill>
-                <a:cs typeface="Courier New" pitchFamily="49" charset="0"/>
-              </a:rPr>
-              <a:t>int</a:t>
-            </a:r>
-            <a:r>
-              <a:rPr lang="en-US" sz="2800" b="1" dirty="0">
-                <a:solidFill>
-                  <a:srgbClr val="1E3272"/>
-                </a:solidFill>
-                <a:cs typeface="Courier New" pitchFamily="49" charset="0"/>
-              </a:rPr>
-              <a:t> </a:t>
-            </a:r>
-            <a:r>
-              <a:rPr lang="en-US" sz="2800" dirty="0">
-                <a:solidFill>
-                  <a:srgbClr val="1E3272"/>
-                </a:solidFill>
-                <a:cs typeface="Courier New" pitchFamily="49" charset="0"/>
-              </a:rPr>
-              <a:t>y = -15213</a:t>
-            </a:r>
-            <a:r>
-              <a:rPr lang="en-US" sz="2800" dirty="0">
-                <a:cs typeface="Courier New" pitchFamily="49" charset="0"/>
-              </a:rPr>
-              <a:t>;</a:t>
-            </a:r>
-          </a:p>
-        </p:txBody>
-      </p:sp>
       <p:graphicFrame>
         <p:nvGraphicFramePr>
           <p:cNvPr id="6" name="Object 5"/>
@@ -15439,8 +15317,8 @@
           <p:nvPr/>
         </p:nvGraphicFramePr>
         <p:xfrm>
-          <a:off x="6565899" y="1460500"/>
-          <a:ext cx="4724401" cy="901700"/>
+          <a:off x="838201" y="3048000"/>
+          <a:ext cx="8115299" cy="1397000"/>
         </p:xfrm>
         <a:graphic>
           <a:graphicData uri="http://schemas.openxmlformats.org/presentationml/2006/ole">
@@ -15459,12 +15337,12 @@
           <p:nvPr/>
         </p:nvGraphicFramePr>
         <p:xfrm>
-          <a:off x="990600" y="1409700"/>
-          <a:ext cx="3568700" cy="889000"/>
+          <a:off x="812800" y="1270000"/>
+          <a:ext cx="5016500" cy="1384300"/>
         </p:xfrm>
         <a:graphic>
           <a:graphicData uri="http://schemas.openxmlformats.org/presentationml/2006/ole">
-            <p:oleObj spid="_x0000_s24579" name="Equation" r:id="rId4" imgW="2127738" imgH="597877" progId="Equation.3">
+            <p:oleObj spid="_x0000_s24579" name="Уравнение" r:id="rId4" imgW="2127738" imgH="597877" progId="Equation.3">
               <p:embed/>
             </p:oleObj>
           </a:graphicData>
@@ -15480,7 +15358,7 @@
         </p:nvSpPr>
         <p:spPr bwMode="auto">
           <a:xfrm>
-            <a:off x="914400" y="952500"/>
+            <a:off x="749300" y="990600"/>
             <a:ext cx="1776448" cy="584775"/>
           </a:xfrm>
           <a:prstGeom prst="rect">
@@ -15526,8 +15404,8 @@
         </p:nvSpPr>
         <p:spPr bwMode="auto">
           <a:xfrm>
-            <a:off x="6527800" y="965200"/>
-            <a:ext cx="3438185" cy="584775"/>
+            <a:off x="838200" y="2768600"/>
+            <a:ext cx="4825232" cy="584775"/>
           </a:xfrm>
           <a:prstGeom prst="rect">
             <a:avLst/>
@@ -15552,13 +15430,26 @@
               </a:lnSpc>
             </a:pPr>
             <a:r>
-              <a:rPr lang="en-US" sz="3200" b="1" dirty="0">
+              <a:rPr lang="en-US" sz="3200" b="1" dirty="0" smtClean="0">
                 <a:solidFill>
                   <a:srgbClr val="273272"/>
                 </a:solidFill>
               </a:rPr>
-              <a:t>Two’s Complement</a:t>
-            </a:r>
+              <a:t>Signed (t</a:t>
+            </a:r>
+            <a:r>
+              <a:rPr lang="en-US" sz="3200" b="1" dirty="0" smtClean="0">
+                <a:solidFill>
+                  <a:srgbClr val="273272"/>
+                </a:solidFill>
+              </a:rPr>
+              <a:t>wo’s complement)</a:t>
+            </a:r>
+            <a:endParaRPr lang="en-US" sz="3200" b="1" dirty="0">
+              <a:solidFill>
+                <a:srgbClr val="273272"/>
+              </a:solidFill>
+            </a:endParaRPr>
           </a:p>
         </p:txBody>
       </p:sp>
@@ -15571,9 +15462,9 @@
           <p:nvPr/>
         </p:nvSpPr>
         <p:spPr bwMode="auto">
-          <a:xfrm flipH="1" flipV="1">
-            <a:off x="8890000" y="2247900"/>
-            <a:ext cx="469900" cy="355600"/>
+          <a:xfrm flipV="1">
+            <a:off x="3835400" y="4102100"/>
+            <a:ext cx="558800" cy="254000"/>
           </a:xfrm>
           <a:prstGeom prst="line">
             <a:avLst/>
@@ -15606,7 +15497,7 @@
         </p:nvSpPr>
         <p:spPr bwMode="auto">
           <a:xfrm>
-            <a:off x="8915400" y="2667000"/>
+            <a:off x="2679700" y="4165600"/>
             <a:ext cx="1206500" cy="459100"/>
           </a:xfrm>
           <a:prstGeom prst="rect">
@@ -15676,20 +15567,20 @@
           <p:nvPr/>
         </p:nvGraphicFramePr>
         <p:xfrm>
-          <a:off x="3159760" y="3804919"/>
-          <a:ext cx="5920739" cy="1173480"/>
+          <a:off x="6096001" y="1612900"/>
+          <a:ext cx="5283199" cy="1148080"/>
         </p:xfrm>
         <a:graphic>
           <a:graphicData uri="http://schemas.openxmlformats.org/drawingml/2006/table">
             <a:tbl>
               <a:tblPr/>
               <a:tblGrid>
-                <a:gridCol w="546793"/>
-                <a:gridCol w="1333643"/>
-                <a:gridCol w="1180324"/>
-                <a:gridCol w="2859979"/>
+                <a:gridCol w="330199"/>
+                <a:gridCol w="1244600"/>
+                <a:gridCol w="965200"/>
+                <a:gridCol w="2743200"/>
               </a:tblGrid>
-              <a:tr h="391160">
+              <a:tr h="340360">
                 <a:tc>
                   <a:txBody>
                     <a:bodyPr/>
@@ -16564,6 +16455,47 @@
           </a:graphicData>
         </a:graphic>
       </p:graphicFrame>
+      <p:sp>
+        <p:nvSpPr>
+          <p:cNvPr id="13" name="Прямоугольник 12"/>
+          <p:cNvSpPr/>
+          <p:nvPr/>
+        </p:nvSpPr>
+        <p:spPr>
+          <a:xfrm>
+            <a:off x="6080078" y="983734"/>
+            <a:ext cx="3532955" cy="584775"/>
+          </a:xfrm>
+          <a:prstGeom prst="rect">
+            <a:avLst/>
+          </a:prstGeom>
+        </p:spPr>
+        <p:txBody>
+          <a:bodyPr wrap="none">
+            <a:spAutoFit/>
+          </a:bodyPr>
+          <a:lstStyle/>
+          <a:p>
+            <a:pPr>
+              <a:lnSpc>
+                <a:spcPct val="100000"/>
+              </a:lnSpc>
+              <a:spcBef>
+                <a:spcPts val="0"/>
+              </a:spcBef>
+              <a:defRPr/>
+            </a:pPr>
+            <a:r>
+              <a:rPr lang="en-US" sz="3200" b="1" dirty="0" smtClean="0">
+                <a:solidFill>
+                  <a:srgbClr val="273272"/>
+                </a:solidFill>
+              </a:rPr>
+              <a:t>C short 2 bytes long</a:t>
+            </a:r>
+          </a:p>
+        </p:txBody>
+      </p:sp>
     </p:spTree>
   </p:cSld>
   <p:clrMapOvr>
@@ -16640,11 +16572,7 @@
           <a:p>
             <a:r>
               <a:rPr lang="en-US" dirty="0" smtClean="0"/>
-              <a:t>Two-complement Encoding </a:t>
-            </a:r>
-            <a:r>
-              <a:rPr lang="en-US" dirty="0" smtClean="0"/>
-              <a:t>Example</a:t>
+              <a:t>Two-complement Encoding Example</a:t>
             </a:r>
             <a:endParaRPr lang="ru-RU" dirty="0"/>
           </a:p>
@@ -21718,80 +21646,39 @@
             <p:ph idx="1"/>
           </p:nvPr>
         </p:nvSpPr>
-        <p:spPr/>
+        <p:spPr>
+          <a:xfrm>
+            <a:off x="838200" y="987553"/>
+            <a:ext cx="10515600" cy="1552447"/>
+          </a:xfrm>
+        </p:spPr>
         <p:txBody>
           <a:bodyPr/>
           <a:lstStyle/>
           <a:p>
-            <a:pPr marL="533400" indent="-533400" algn="just">
-              <a:spcBef>
-                <a:spcPct val="20000"/>
-              </a:spcBef>
-            </a:pPr>
-            <a:r>
-              <a:rPr lang="en-US" sz="4000" b="1" dirty="0" smtClean="0"/>
-              <a:t>Extend number from </a:t>
-            </a:r>
-            <a:r>
-              <a:rPr lang="en-US" sz="4000" b="1" i="1" dirty="0" smtClean="0"/>
-              <a:t>N</a:t>
-            </a:r>
-            <a:r>
-              <a:rPr lang="en-US" sz="4000" b="1" dirty="0" smtClean="0"/>
-              <a:t> to </a:t>
-            </a:r>
-            <a:r>
-              <a:rPr lang="en-US" sz="4000" b="1" i="1" dirty="0" smtClean="0"/>
-              <a:t>M</a:t>
-            </a:r>
-            <a:r>
-              <a:rPr lang="en-US" sz="4000" b="1" dirty="0" smtClean="0"/>
-              <a:t> bits (</a:t>
-            </a:r>
-            <a:r>
-              <a:rPr lang="en-US" sz="4000" b="1" i="1" dirty="0" smtClean="0"/>
-              <a:t>M</a:t>
-            </a:r>
-            <a:r>
-              <a:rPr lang="en-US" sz="4000" b="1" dirty="0" smtClean="0"/>
-              <a:t> &gt; </a:t>
-            </a:r>
-            <a:r>
-              <a:rPr lang="en-US" sz="4000" b="1" i="1" dirty="0" smtClean="0"/>
-              <a:t>N</a:t>
-            </a:r>
-            <a:r>
-              <a:rPr lang="en-US" sz="4000" b="1" dirty="0" smtClean="0"/>
-              <a:t>) :</a:t>
-            </a:r>
-            <a:endParaRPr lang="en-US" sz="4000" b="1" dirty="0" smtClean="0"/>
-          </a:p>
-          <a:p>
-            <a:pPr marL="914400" lvl="1" indent="-457200" algn="just">
-              <a:spcBef>
-                <a:spcPct val="20000"/>
-              </a:spcBef>
-            </a:pPr>
-            <a:r>
-              <a:rPr lang="en-US" sz="3600" dirty="0" smtClean="0"/>
-              <a:t>Sign-extension</a:t>
-            </a:r>
-          </a:p>
-          <a:p>
-            <a:pPr marL="914400" lvl="1" indent="-457200" algn="just">
-              <a:spcBef>
-                <a:spcPct val="20000"/>
-              </a:spcBef>
-            </a:pPr>
-            <a:r>
-              <a:rPr lang="en-US" sz="3600" dirty="0" smtClean="0"/>
-              <a:t>Zero-extension</a:t>
-            </a:r>
-          </a:p>
-          <a:p>
-            <a:pPr>
-              <a:buNone/>
-            </a:pPr>
+            <a:r>
+              <a:rPr lang="en-US" dirty="0" smtClean="0"/>
+              <a:t>Developed by George Boole in 19th Century</a:t>
+            </a:r>
+          </a:p>
+          <a:p>
+            <a:pPr marL="552450" lvl="1"/>
+            <a:r>
+              <a:rPr lang="en-US" dirty="0" smtClean="0"/>
+              <a:t>Algebraic representation of logic</a:t>
+            </a:r>
+          </a:p>
+          <a:p>
+            <a:pPr marL="838200" lvl="2"/>
+            <a:r>
+              <a:rPr lang="en-US" dirty="0" smtClean="0"/>
+              <a:t>Encode “True” as 1 and “False” as 0</a:t>
+            </a:r>
+          </a:p>
+          <a:p>
+            <a:endParaRPr lang="en-US" dirty="0" smtClean="0"/>
+          </a:p>
+          <a:p>
             <a:endParaRPr lang="ru-RU" dirty="0"/>
           </a:p>
         </p:txBody>
@@ -21838,9 +21725,562 @@
           <a:p>
             <a:r>
               <a:rPr lang="en-US" dirty="0" smtClean="0"/>
-              <a:t>Increasing Bit Width</a:t>
+              <a:t>Boolean </a:t>
+            </a:r>
+            <a:r>
+              <a:rPr lang="en-US" dirty="0" smtClean="0"/>
+              <a:t>Algebra</a:t>
             </a:r>
             <a:endParaRPr lang="ru-RU" dirty="0"/>
+          </a:p>
+        </p:txBody>
+      </p:sp>
+      <p:sp>
+        <p:nvSpPr>
+          <p:cNvPr id="5" name="Rectangle 5"/>
+          <p:cNvSpPr>
+            <a:spLocks/>
+          </p:cNvSpPr>
+          <p:nvPr/>
+        </p:nvSpPr>
+        <p:spPr bwMode="auto">
+          <a:xfrm>
+            <a:off x="990600" y="2425700"/>
+            <a:ext cx="4483100" cy="825500"/>
+          </a:xfrm>
+          <a:prstGeom prst="rect">
+            <a:avLst/>
+          </a:prstGeom>
+          <a:noFill/>
+          <a:ln w="12700">
+            <a:noFill/>
+            <a:miter lim="800000"/>
+            <a:headEnd/>
+            <a:tailEnd/>
+          </a:ln>
+        </p:spPr>
+        <p:txBody>
+          <a:bodyPr lIns="0" tIns="0" rIns="0" bIns="0">
+            <a:prstTxWarp prst="textNoShape">
+              <a:avLst/>
+            </a:prstTxWarp>
+          </a:bodyPr>
+          <a:lstStyle/>
+          <a:p>
+            <a:pPr eaLnBrk="1" hangingPunct="1">
+              <a:spcBef>
+                <a:spcPts val="575"/>
+              </a:spcBef>
+            </a:pPr>
+            <a:r>
+              <a:rPr lang="en-US" sz="2400" b="1" dirty="0">
+                <a:solidFill>
+                  <a:srgbClr val="273272"/>
+                </a:solidFill>
+                <a:ea typeface="Calibri Bold" charset="0"/>
+                <a:cs typeface="Calibri Bold" charset="0"/>
+                <a:sym typeface="Calibri Bold" charset="0"/>
+              </a:rPr>
+              <a:t>And</a:t>
+            </a:r>
+            <a:endParaRPr lang="en-US" sz="2400" b="1" dirty="0" smtClean="0">
+              <a:solidFill>
+                <a:srgbClr val="273272"/>
+              </a:solidFill>
+              <a:ea typeface="Calibri Bold" charset="0"/>
+              <a:cs typeface="Calibri Bold" charset="0"/>
+              <a:sym typeface="Calibri Bold" charset="0"/>
+            </a:endParaRPr>
+          </a:p>
+          <a:p>
+            <a:pPr eaLnBrk="1" hangingPunct="1">
+              <a:spcBef>
+                <a:spcPts val="575"/>
+              </a:spcBef>
+              <a:buClr>
+                <a:srgbClr val="F7B217"/>
+              </a:buClr>
+              <a:buSzPct val="60000"/>
+              <a:buFont typeface="Wingdings" charset="2"/>
+              <a:buChar char="n"/>
+            </a:pPr>
+            <a:r>
+              <a:rPr lang="en-US" sz="2400" b="1" dirty="0" smtClean="0">
+                <a:solidFill>
+                  <a:srgbClr val="273272"/>
+                </a:solidFill>
+                <a:ea typeface="Calibri Bold" charset="0"/>
+                <a:cs typeface="Calibri Bold" charset="0"/>
+                <a:sym typeface="Calibri Bold" charset="0"/>
+              </a:rPr>
+              <a:t> A</a:t>
+            </a:r>
+            <a:r>
+              <a:rPr lang="en-US" sz="2400" b="1" dirty="0">
+                <a:solidFill>
+                  <a:srgbClr val="273272"/>
+                </a:solidFill>
+                <a:ea typeface="Calibri Bold" charset="0"/>
+                <a:cs typeface="Calibri Bold" charset="0"/>
+                <a:sym typeface="Calibri Bold" charset="0"/>
+              </a:rPr>
+              <a:t>&amp;B = 1 when both A=1 and B=1</a:t>
+            </a:r>
+          </a:p>
+        </p:txBody>
+      </p:sp>
+      <p:pic>
+        <p:nvPicPr>
+          <p:cNvPr id="6" name="Picture 6"/>
+          <p:cNvPicPr>
+            <a:picLocks noChangeArrowheads="1"/>
+          </p:cNvPicPr>
+          <p:nvPr/>
+        </p:nvPicPr>
+        <p:blipFill>
+          <a:blip r:embed="rId2" cstate="print"/>
+          <a:srcRect r="77623"/>
+          <a:stretch>
+            <a:fillRect/>
+          </a:stretch>
+        </p:blipFill>
+        <p:spPr bwMode="auto">
+          <a:xfrm>
+            <a:off x="2235200" y="3314700"/>
+            <a:ext cx="1397000" cy="1376363"/>
+          </a:xfrm>
+          <a:prstGeom prst="rect">
+            <a:avLst/>
+          </a:prstGeom>
+          <a:noFill/>
+          <a:ln w="9525">
+            <a:noFill/>
+            <a:miter lim="800000"/>
+            <a:headEnd/>
+            <a:tailEnd/>
+          </a:ln>
+        </p:spPr>
+      </p:pic>
+      <p:sp>
+        <p:nvSpPr>
+          <p:cNvPr id="7" name="Rectangle 7"/>
+          <p:cNvSpPr>
+            <a:spLocks/>
+          </p:cNvSpPr>
+          <p:nvPr/>
+        </p:nvSpPr>
+        <p:spPr bwMode="auto">
+          <a:xfrm>
+            <a:off x="5816600" y="2413000"/>
+            <a:ext cx="4368800" cy="825500"/>
+          </a:xfrm>
+          <a:prstGeom prst="rect">
+            <a:avLst/>
+          </a:prstGeom>
+          <a:noFill/>
+          <a:ln w="12700">
+            <a:noFill/>
+            <a:miter lim="800000"/>
+            <a:headEnd/>
+            <a:tailEnd/>
+          </a:ln>
+        </p:spPr>
+        <p:txBody>
+          <a:bodyPr lIns="0" tIns="0" rIns="0" bIns="0">
+            <a:prstTxWarp prst="textNoShape">
+              <a:avLst/>
+            </a:prstTxWarp>
+          </a:bodyPr>
+          <a:lstStyle/>
+          <a:p>
+            <a:pPr eaLnBrk="1" hangingPunct="1">
+              <a:spcBef>
+                <a:spcPts val="575"/>
+              </a:spcBef>
+              <a:buClr>
+                <a:srgbClr val="F7B217"/>
+              </a:buClr>
+            </a:pPr>
+            <a:r>
+              <a:rPr lang="en-US" sz="2400" b="0" dirty="0">
+                <a:solidFill>
+                  <a:srgbClr val="273272"/>
+                </a:solidFill>
+                <a:latin typeface="Calibri Bold" charset="0"/>
+                <a:ea typeface="Calibri Bold" charset="0"/>
+                <a:cs typeface="Calibri Bold" charset="0"/>
+                <a:sym typeface="Calibri Bold" charset="0"/>
+              </a:rPr>
+              <a:t>Or</a:t>
+            </a:r>
+            <a:endParaRPr lang="en-US" sz="2400" b="0" dirty="0" smtClean="0">
+              <a:solidFill>
+                <a:srgbClr val="273272"/>
+              </a:solidFill>
+              <a:latin typeface="Calibri Bold" charset="0"/>
+              <a:ea typeface="Calibri Bold" charset="0"/>
+              <a:cs typeface="Calibri Bold" charset="0"/>
+              <a:sym typeface="Calibri Bold" charset="0"/>
+            </a:endParaRPr>
+          </a:p>
+          <a:p>
+            <a:pPr eaLnBrk="1" hangingPunct="1">
+              <a:spcBef>
+                <a:spcPts val="575"/>
+              </a:spcBef>
+              <a:buClr>
+                <a:srgbClr val="F7B217"/>
+              </a:buClr>
+              <a:buSzPct val="60000"/>
+              <a:buFont typeface="Wingdings" charset="2"/>
+              <a:buChar char="n"/>
+            </a:pPr>
+            <a:r>
+              <a:rPr lang="en-US" sz="2400" b="0" dirty="0" smtClean="0">
+                <a:solidFill>
+                  <a:srgbClr val="273272"/>
+                </a:solidFill>
+                <a:latin typeface="Calibri Bold" charset="0"/>
+                <a:ea typeface="Calibri Bold" charset="0"/>
+                <a:cs typeface="Calibri Bold" charset="0"/>
+                <a:sym typeface="Calibri Bold" charset="0"/>
+              </a:rPr>
+              <a:t> A</a:t>
+            </a:r>
+            <a:r>
+              <a:rPr lang="en-US" sz="2400" b="0" dirty="0">
+                <a:solidFill>
+                  <a:srgbClr val="273272"/>
+                </a:solidFill>
+                <a:latin typeface="Calibri Bold" charset="0"/>
+                <a:ea typeface="Calibri Bold" charset="0"/>
+                <a:cs typeface="Calibri Bold" charset="0"/>
+                <a:sym typeface="Calibri Bold" charset="0"/>
+              </a:rPr>
+              <a:t>|B = 1 when either A=1 or B=1</a:t>
+            </a:r>
+          </a:p>
+        </p:txBody>
+      </p:sp>
+      <p:pic>
+        <p:nvPicPr>
+          <p:cNvPr id="8" name="Picture 8"/>
+          <p:cNvPicPr>
+            <a:picLocks noChangeArrowheads="1"/>
+          </p:cNvPicPr>
+          <p:nvPr/>
+        </p:nvPicPr>
+        <p:blipFill>
+          <a:blip r:embed="rId3" cstate="print"/>
+          <a:srcRect r="77623"/>
+          <a:stretch>
+            <a:fillRect/>
+          </a:stretch>
+        </p:blipFill>
+        <p:spPr bwMode="auto">
+          <a:xfrm>
+            <a:off x="7112000" y="3271838"/>
+            <a:ext cx="1397000" cy="1376362"/>
+          </a:xfrm>
+          <a:prstGeom prst="rect">
+            <a:avLst/>
+          </a:prstGeom>
+          <a:noFill/>
+          <a:ln w="9525">
+            <a:noFill/>
+            <a:miter lim="800000"/>
+            <a:headEnd/>
+            <a:tailEnd/>
+          </a:ln>
+        </p:spPr>
+      </p:pic>
+      <p:pic>
+        <p:nvPicPr>
+          <p:cNvPr id="9" name="Picture 9"/>
+          <p:cNvPicPr>
+            <a:picLocks noChangeArrowheads="1"/>
+          </p:cNvPicPr>
+          <p:nvPr/>
+        </p:nvPicPr>
+        <p:blipFill>
+          <a:blip r:embed="rId4" cstate="print"/>
+          <a:srcRect r="77623"/>
+          <a:stretch>
+            <a:fillRect/>
+          </a:stretch>
+        </p:blipFill>
+        <p:spPr bwMode="auto">
+          <a:xfrm>
+            <a:off x="2298700" y="5410200"/>
+            <a:ext cx="1397000" cy="1376363"/>
+          </a:xfrm>
+          <a:prstGeom prst="rect">
+            <a:avLst/>
+          </a:prstGeom>
+          <a:noFill/>
+          <a:ln w="9525">
+            <a:noFill/>
+            <a:miter lim="800000"/>
+            <a:headEnd/>
+            <a:tailEnd/>
+          </a:ln>
+        </p:spPr>
+      </p:pic>
+      <p:sp>
+        <p:nvSpPr>
+          <p:cNvPr id="10" name="Rectangle 10"/>
+          <p:cNvSpPr>
+            <a:spLocks/>
+          </p:cNvSpPr>
+          <p:nvPr/>
+        </p:nvSpPr>
+        <p:spPr bwMode="auto">
+          <a:xfrm>
+            <a:off x="990600" y="4546600"/>
+            <a:ext cx="2921000" cy="825500"/>
+          </a:xfrm>
+          <a:prstGeom prst="rect">
+            <a:avLst/>
+          </a:prstGeom>
+          <a:noFill/>
+          <a:ln w="12700">
+            <a:noFill/>
+            <a:miter lim="800000"/>
+            <a:headEnd/>
+            <a:tailEnd/>
+          </a:ln>
+        </p:spPr>
+        <p:txBody>
+          <a:bodyPr lIns="0" tIns="0" rIns="0" bIns="0">
+            <a:prstTxWarp prst="textNoShape">
+              <a:avLst/>
+            </a:prstTxWarp>
+          </a:bodyPr>
+          <a:lstStyle/>
+          <a:p>
+            <a:pPr eaLnBrk="1" hangingPunct="1">
+              <a:spcBef>
+                <a:spcPts val="575"/>
+              </a:spcBef>
+              <a:buClr>
+                <a:srgbClr val="F7B217"/>
+              </a:buClr>
+            </a:pPr>
+            <a:r>
+              <a:rPr lang="en-US" sz="2400" b="0" dirty="0">
+                <a:solidFill>
+                  <a:srgbClr val="273272"/>
+                </a:solidFill>
+                <a:latin typeface="Calibri Bold" charset="0"/>
+                <a:ea typeface="Calibri Bold" charset="0"/>
+                <a:cs typeface="Calibri Bold" charset="0"/>
+                <a:sym typeface="Calibri Bold" charset="0"/>
+              </a:rPr>
+              <a:t>Not</a:t>
+            </a:r>
+            <a:endParaRPr lang="en-US" sz="2400" b="0" dirty="0" smtClean="0">
+              <a:solidFill>
+                <a:srgbClr val="273272"/>
+              </a:solidFill>
+              <a:latin typeface="Calibri Bold" charset="0"/>
+              <a:ea typeface="Calibri Bold" charset="0"/>
+              <a:cs typeface="Calibri Bold" charset="0"/>
+              <a:sym typeface="Calibri Bold" charset="0"/>
+            </a:endParaRPr>
+          </a:p>
+          <a:p>
+            <a:pPr eaLnBrk="1" hangingPunct="1">
+              <a:spcBef>
+                <a:spcPts val="575"/>
+              </a:spcBef>
+              <a:buClr>
+                <a:srgbClr val="F7B217"/>
+              </a:buClr>
+              <a:buSzPct val="60000"/>
+              <a:buFont typeface="Wingdings" charset="2"/>
+              <a:buChar char="n"/>
+            </a:pPr>
+            <a:r>
+              <a:rPr lang="en-US" sz="2400" b="0" dirty="0" smtClean="0">
+                <a:solidFill>
+                  <a:srgbClr val="273272"/>
+                </a:solidFill>
+                <a:latin typeface="Calibri Bold" charset="0"/>
+                <a:ea typeface="Calibri Bold" charset="0"/>
+                <a:cs typeface="Calibri Bold" charset="0"/>
+                <a:sym typeface="Calibri Bold" charset="0"/>
+              </a:rPr>
+              <a:t> ~</a:t>
+            </a:r>
+            <a:r>
+              <a:rPr lang="en-US" sz="2400" b="0" dirty="0">
+                <a:solidFill>
+                  <a:srgbClr val="273272"/>
+                </a:solidFill>
+                <a:latin typeface="Calibri Bold" charset="0"/>
+                <a:ea typeface="Calibri Bold" charset="0"/>
+                <a:cs typeface="Calibri Bold" charset="0"/>
+                <a:sym typeface="Calibri Bold" charset="0"/>
+              </a:rPr>
+              <a:t>A = 1 when A=0</a:t>
+            </a:r>
+          </a:p>
+        </p:txBody>
+      </p:sp>
+      <p:pic>
+        <p:nvPicPr>
+          <p:cNvPr id="11" name="Picture 11"/>
+          <p:cNvPicPr>
+            <a:picLocks noChangeArrowheads="1"/>
+          </p:cNvPicPr>
+          <p:nvPr/>
+        </p:nvPicPr>
+        <p:blipFill>
+          <a:blip r:embed="rId5" cstate="print"/>
+          <a:srcRect r="77623"/>
+          <a:stretch>
+            <a:fillRect/>
+          </a:stretch>
+        </p:blipFill>
+        <p:spPr bwMode="auto">
+          <a:xfrm>
+            <a:off x="7175500" y="5430838"/>
+            <a:ext cx="1397000" cy="1376362"/>
+          </a:xfrm>
+          <a:prstGeom prst="rect">
+            <a:avLst/>
+          </a:prstGeom>
+          <a:noFill/>
+          <a:ln w="9525">
+            <a:noFill/>
+            <a:miter lim="800000"/>
+            <a:headEnd/>
+            <a:tailEnd/>
+          </a:ln>
+        </p:spPr>
+      </p:pic>
+      <p:sp>
+        <p:nvSpPr>
+          <p:cNvPr id="12" name="Rectangle 12"/>
+          <p:cNvSpPr>
+            <a:spLocks/>
+          </p:cNvSpPr>
+          <p:nvPr/>
+        </p:nvSpPr>
+        <p:spPr bwMode="auto">
+          <a:xfrm>
+            <a:off x="5803900" y="4546600"/>
+            <a:ext cx="6299200" cy="825500"/>
+          </a:xfrm>
+          <a:prstGeom prst="rect">
+            <a:avLst/>
+          </a:prstGeom>
+          <a:noFill/>
+          <a:ln w="12700">
+            <a:noFill/>
+            <a:miter lim="800000"/>
+            <a:headEnd/>
+            <a:tailEnd/>
+          </a:ln>
+        </p:spPr>
+        <p:txBody>
+          <a:bodyPr lIns="0" tIns="0" rIns="0" bIns="0">
+            <a:prstTxWarp prst="textNoShape">
+              <a:avLst/>
+            </a:prstTxWarp>
+          </a:bodyPr>
+          <a:lstStyle/>
+          <a:p>
+            <a:pPr eaLnBrk="1" hangingPunct="1">
+              <a:spcBef>
+                <a:spcPts val="575"/>
+              </a:spcBef>
+              <a:buClr>
+                <a:srgbClr val="F7B217"/>
+              </a:buClr>
+            </a:pPr>
+            <a:r>
+              <a:rPr lang="en-US" sz="2400" b="0" dirty="0">
+                <a:solidFill>
+                  <a:srgbClr val="273272"/>
+                </a:solidFill>
+                <a:latin typeface="Calibri Bold" charset="0"/>
+                <a:ea typeface="Calibri Bold" charset="0"/>
+                <a:cs typeface="Calibri Bold" charset="0"/>
+                <a:sym typeface="Calibri Bold" charset="0"/>
+              </a:rPr>
+              <a:t>Exclusive-Or (</a:t>
+            </a:r>
+            <a:r>
+              <a:rPr lang="en-US" sz="2400" b="0" dirty="0" err="1">
+                <a:solidFill>
+                  <a:srgbClr val="273272"/>
+                </a:solidFill>
+                <a:latin typeface="Calibri Bold" charset="0"/>
+                <a:ea typeface="Calibri Bold" charset="0"/>
+                <a:cs typeface="Calibri Bold" charset="0"/>
+                <a:sym typeface="Calibri Bold" charset="0"/>
+              </a:rPr>
+              <a:t>Xor</a:t>
+            </a:r>
+            <a:r>
+              <a:rPr lang="en-US" sz="2400" b="0" dirty="0">
+                <a:solidFill>
+                  <a:srgbClr val="273272"/>
+                </a:solidFill>
+                <a:latin typeface="Calibri Bold" charset="0"/>
+                <a:ea typeface="Calibri Bold" charset="0"/>
+                <a:cs typeface="Calibri Bold" charset="0"/>
+                <a:sym typeface="Calibri Bold" charset="0"/>
+              </a:rPr>
+              <a:t>)</a:t>
+            </a:r>
+            <a:endParaRPr lang="en-US" sz="2400" b="0" dirty="0" smtClean="0">
+              <a:solidFill>
+                <a:srgbClr val="273272"/>
+              </a:solidFill>
+              <a:latin typeface="Calibri Bold" charset="0"/>
+              <a:ea typeface="Calibri Bold" charset="0"/>
+              <a:cs typeface="Calibri Bold" charset="0"/>
+              <a:sym typeface="Calibri Bold" charset="0"/>
+            </a:endParaRPr>
+          </a:p>
+          <a:p>
+            <a:pPr eaLnBrk="1" hangingPunct="1">
+              <a:spcBef>
+                <a:spcPts val="575"/>
+              </a:spcBef>
+              <a:buClr>
+                <a:srgbClr val="F7B217"/>
+              </a:buClr>
+              <a:buSzPct val="60000"/>
+              <a:buFont typeface="Wingdings" charset="2"/>
+              <a:buChar char="n"/>
+            </a:pPr>
+            <a:r>
+              <a:rPr lang="en-US" sz="2400" b="0" dirty="0" smtClean="0">
+                <a:solidFill>
+                  <a:srgbClr val="273272"/>
+                </a:solidFill>
+                <a:latin typeface="Calibri Bold" charset="0"/>
+                <a:ea typeface="Calibri Bold" charset="0"/>
+                <a:cs typeface="Calibri Bold" charset="0"/>
+                <a:sym typeface="Calibri Bold" charset="0"/>
+              </a:rPr>
+              <a:t> A</a:t>
+            </a:r>
+            <a:r>
+              <a:rPr lang="en-US" sz="2400" b="0" dirty="0">
+                <a:solidFill>
+                  <a:srgbClr val="273272"/>
+                </a:solidFill>
+                <a:latin typeface="Calibri Bold" charset="0"/>
+                <a:ea typeface="Calibri Bold" charset="0"/>
+                <a:cs typeface="Calibri Bold" charset="0"/>
+                <a:sym typeface="Calibri Bold" charset="0"/>
+              </a:rPr>
+              <a:t>^B = 1 when either A=1 or B=1, but not both</a:t>
+            </a:r>
           </a:p>
         </p:txBody>
       </p:sp>
@@ -23488,159 +23928,49 @@
         </p:nvSpPr>
         <p:spPr/>
         <p:txBody>
-          <a:bodyPr>
-            <a:noAutofit/>
-          </a:bodyPr>
+          <a:bodyPr/>
           <a:lstStyle/>
           <a:p>
-            <a:pPr marL="533400" indent="-533400" algn="just">
-              <a:spcBef>
-                <a:spcPct val="20000"/>
-              </a:spcBef>
-            </a:pPr>
             <a:r>
               <a:rPr lang="en-US" dirty="0" smtClean="0"/>
-              <a:t>Sign bit copied to </a:t>
-            </a:r>
-            <a:r>
-              <a:rPr lang="en-US" dirty="0" err="1" smtClean="0"/>
-              <a:t>msb’s</a:t>
-            </a:r>
+              <a:t> Operate </a:t>
+            </a:r>
+            <a:r>
+              <a:rPr lang="en-US" dirty="0" smtClean="0"/>
+              <a:t>on Bit Vectors</a:t>
+            </a:r>
+          </a:p>
+          <a:p>
+            <a:pPr marL="552450" lvl="1"/>
+            <a:r>
+              <a:rPr lang="en-US" dirty="0" smtClean="0"/>
+              <a:t> Operations </a:t>
+            </a:r>
+            <a:r>
+              <a:rPr lang="en-US" dirty="0" smtClean="0"/>
+              <a:t>applied bitwise</a:t>
+            </a:r>
+          </a:p>
+          <a:p>
             <a:endParaRPr lang="en-US" dirty="0" smtClean="0"/>
           </a:p>
           <a:p>
-            <a:pPr marL="533400" indent="-533400" algn="just">
-              <a:spcBef>
-                <a:spcPct val="20000"/>
-              </a:spcBef>
-            </a:pPr>
+            <a:endParaRPr lang="en-US" dirty="0" smtClean="0"/>
+          </a:p>
+          <a:p>
+            <a:endParaRPr lang="en-US" dirty="0" smtClean="0"/>
+          </a:p>
+          <a:p>
             <a:r>
               <a:rPr lang="en-US" dirty="0" smtClean="0"/>
-              <a:t>Number value is same</a:t>
-            </a:r>
-          </a:p>
-          <a:p>
-            <a:pPr marL="533400" indent="-533400" algn="just">
-              <a:spcBef>
-                <a:spcPct val="20000"/>
-              </a:spcBef>
-            </a:pPr>
-            <a:endParaRPr lang="en-US" dirty="0" smtClean="0"/>
-          </a:p>
-          <a:p>
-            <a:pPr marL="533400" indent="-533400" algn="just">
-              <a:spcBef>
-                <a:spcPct val="20000"/>
-              </a:spcBef>
-            </a:pPr>
-            <a:r>
-              <a:rPr lang="en-US" b="1" dirty="0" smtClean="0"/>
-              <a:t>Example 1:</a:t>
-            </a:r>
-          </a:p>
-          <a:p>
-            <a:pPr marL="914400" lvl="1" indent="-457200" algn="just">
-              <a:spcBef>
-                <a:spcPct val="20000"/>
-              </a:spcBef>
-            </a:pPr>
+              <a:t> All </a:t>
+            </a:r>
             <a:r>
               <a:rPr lang="en-US" dirty="0" smtClean="0"/>
-              <a:t>4-bit representation of 3 = </a:t>
-            </a:r>
-            <a:r>
-              <a:rPr lang="en-US" dirty="0" smtClean="0">
-                <a:solidFill>
-                  <a:schemeClr val="accent2"/>
-                </a:solidFill>
-              </a:rPr>
-              <a:t>0</a:t>
-            </a:r>
-            <a:r>
-              <a:rPr lang="en-US" dirty="0" smtClean="0"/>
-              <a:t>011</a:t>
-            </a:r>
-            <a:endParaRPr lang="en-US" dirty="0" smtClean="0"/>
-          </a:p>
-          <a:p>
-            <a:pPr marL="914400" lvl="1" indent="-457200" algn="just">
-              <a:spcBef>
-                <a:spcPct val="20000"/>
-              </a:spcBef>
-            </a:pPr>
-            <a:r>
-              <a:rPr lang="en-US" dirty="0" smtClean="0"/>
-              <a:t>8-bit sign-extended value: </a:t>
-            </a:r>
-            <a:r>
-              <a:rPr lang="en-US" dirty="0" smtClean="0">
-                <a:solidFill>
-                  <a:schemeClr val="accent2"/>
-                </a:solidFill>
-              </a:rPr>
-              <a:t>0000</a:t>
-            </a:r>
-            <a:r>
-              <a:rPr lang="en-US" dirty="0" smtClean="0"/>
-              <a:t>0011</a:t>
-            </a:r>
-          </a:p>
-          <a:p>
-            <a:pPr marL="533400" indent="-533400" algn="just">
-              <a:spcBef>
-                <a:spcPct val="20000"/>
-              </a:spcBef>
-            </a:pPr>
-            <a:r>
-              <a:rPr lang="en-US" b="1" dirty="0" smtClean="0"/>
-              <a:t>Example 2:</a:t>
-            </a:r>
-          </a:p>
-          <a:p>
-            <a:pPr marL="914400" lvl="1" indent="-457200" algn="just">
-              <a:spcBef>
-                <a:spcPct val="20000"/>
-              </a:spcBef>
-            </a:pPr>
-            <a:r>
-              <a:rPr lang="en-US" dirty="0" smtClean="0"/>
-              <a:t>4-bit representation of -5 = </a:t>
-            </a:r>
-            <a:r>
-              <a:rPr lang="en-US" dirty="0" smtClean="0">
-                <a:solidFill>
-                  <a:schemeClr val="accent2"/>
-                </a:solidFill>
-              </a:rPr>
-              <a:t>1</a:t>
-            </a:r>
-            <a:r>
-              <a:rPr lang="en-US" dirty="0" smtClean="0"/>
-              <a:t>011</a:t>
-            </a:r>
-          </a:p>
-          <a:p>
-            <a:pPr marL="914400" lvl="1" indent="-457200" algn="just">
-              <a:spcBef>
-                <a:spcPct val="20000"/>
-              </a:spcBef>
-            </a:pPr>
-            <a:r>
-              <a:rPr lang="en-US" dirty="0" smtClean="0"/>
-              <a:t>8-bit sign-extended value:  </a:t>
-            </a:r>
-            <a:r>
-              <a:rPr lang="en-US" dirty="0" smtClean="0">
-                <a:solidFill>
-                  <a:schemeClr val="accent2"/>
-                </a:solidFill>
-              </a:rPr>
-              <a:t>1111</a:t>
-            </a:r>
-            <a:r>
-              <a:rPr lang="en-US" dirty="0" smtClean="0"/>
-              <a:t>1011</a:t>
-            </a:r>
+              <a:t>of the Properties of Boolean Algebra Apply</a:t>
+            </a:r>
+          </a:p>
+          <a:p>
             <a:endParaRPr lang="ru-RU" dirty="0"/>
           </a:p>
         </p:txBody>
@@ -23682,16 +24012,646 @@
         </p:nvSpPr>
         <p:spPr/>
         <p:txBody>
-          <a:bodyPr>
-            <a:normAutofit/>
+          <a:bodyPr/>
+          <a:lstStyle/>
+          <a:p>
+            <a:r>
+              <a:rPr lang="en-US" dirty="0" smtClean="0"/>
+              <a:t>Bitwise Operations</a:t>
+            </a:r>
+            <a:endParaRPr lang="ru-RU" dirty="0"/>
+          </a:p>
+        </p:txBody>
+      </p:sp>
+      <p:sp>
+        <p:nvSpPr>
+          <p:cNvPr id="5" name="Rectangle 5"/>
+          <p:cNvSpPr>
+            <a:spLocks/>
+          </p:cNvSpPr>
+          <p:nvPr/>
+        </p:nvSpPr>
+        <p:spPr bwMode="auto">
+          <a:xfrm>
+            <a:off x="977900" y="2387600"/>
+            <a:ext cx="2184252" cy="1579920"/>
+          </a:xfrm>
+          <a:prstGeom prst="rect">
+            <a:avLst/>
+          </a:prstGeom>
+          <a:noFill/>
+          <a:ln w="25400">
+            <a:noFill/>
+            <a:miter lim="800000"/>
+            <a:headEnd/>
+            <a:tailEnd/>
+          </a:ln>
+        </p:spPr>
+        <p:txBody>
+          <a:bodyPr wrap="none" lIns="50800" tIns="50800" bIns="50800">
+            <a:prstTxWarp prst="textNoShape">
+              <a:avLst/>
+            </a:prstTxWarp>
+            <a:spAutoFit/>
           </a:bodyPr>
           <a:lstStyle/>
           <a:p>
-            <a:r>
-              <a:rPr lang="en-US" dirty="0" smtClean="0"/>
-              <a:t>Sign-Extension</a:t>
-            </a:r>
-            <a:endParaRPr lang="ru-RU" dirty="0"/>
+            <a:pPr eaLnBrk="1" hangingPunct="1"/>
+            <a:r>
+              <a:rPr lang="en-US" sz="3200" dirty="0">
+                <a:solidFill>
+                  <a:srgbClr val="000066"/>
+                </a:solidFill>
+                <a:ea typeface="Courier New Bold" charset="0"/>
+                <a:cs typeface="Courier New Bold" charset="0"/>
+                <a:sym typeface="Courier New Bold" charset="0"/>
+              </a:rPr>
+              <a:t>  </a:t>
+            </a:r>
+            <a:r>
+              <a:rPr lang="en-US" sz="3200" dirty="0" smtClean="0">
+                <a:solidFill>
+                  <a:srgbClr val="000066"/>
+                </a:solidFill>
+                <a:ea typeface="Courier New Bold" charset="0"/>
+                <a:cs typeface="Courier New Bold" charset="0"/>
+                <a:sym typeface="Courier New Bold" charset="0"/>
+              </a:rPr>
+              <a:t>  01101001</a:t>
+            </a:r>
+            <a:endParaRPr lang="en-US" sz="3200" dirty="0">
+              <a:solidFill>
+                <a:srgbClr val="000066"/>
+              </a:solidFill>
+              <a:ea typeface="Courier New Bold" charset="0"/>
+              <a:cs typeface="Courier New Bold" charset="0"/>
+              <a:sym typeface="Courier New Bold" charset="0"/>
+            </a:endParaRPr>
+          </a:p>
+          <a:p>
+            <a:pPr eaLnBrk="1" hangingPunct="1"/>
+            <a:r>
+              <a:rPr lang="en-US" sz="3200" dirty="0">
+                <a:solidFill>
+                  <a:srgbClr val="000066"/>
+                </a:solidFill>
+                <a:ea typeface="Courier New Bold" charset="0"/>
+                <a:cs typeface="Courier New Bold" charset="0"/>
+                <a:sym typeface="Courier New Bold" charset="0"/>
+              </a:rPr>
+              <a:t>&amp; </a:t>
+            </a:r>
+            <a:r>
+              <a:rPr lang="en-US" sz="3200" dirty="0" smtClean="0">
+                <a:solidFill>
+                  <a:srgbClr val="000066"/>
+                </a:solidFill>
+                <a:ea typeface="Courier New Bold" charset="0"/>
+                <a:cs typeface="Courier New Bold" charset="0"/>
+                <a:sym typeface="Courier New Bold" charset="0"/>
+              </a:rPr>
+              <a:t>01010101</a:t>
+            </a:r>
+          </a:p>
+          <a:p>
+            <a:r>
+              <a:rPr lang="en-US" sz="3200" dirty="0" smtClean="0">
+                <a:solidFill>
+                  <a:srgbClr val="F7B217"/>
+                </a:solidFill>
+                <a:ea typeface="Courier New Bold" charset="0"/>
+                <a:cs typeface="Courier New Bold" charset="0"/>
+                <a:sym typeface="Courier New Bold" charset="0"/>
+              </a:rPr>
+              <a:t> </a:t>
+            </a:r>
+            <a:r>
+              <a:rPr lang="en-US" sz="3200" dirty="0" smtClean="0">
+                <a:solidFill>
+                  <a:srgbClr val="F7B217"/>
+                </a:solidFill>
+                <a:ea typeface="Courier New Bold" charset="0"/>
+                <a:cs typeface="Courier New Bold" charset="0"/>
+                <a:sym typeface="Courier New Bold" charset="0"/>
+              </a:rPr>
+              <a:t>  01000001</a:t>
+            </a:r>
+            <a:endParaRPr lang="en-US" sz="3200" dirty="0">
+              <a:solidFill>
+                <a:srgbClr val="F7B217"/>
+              </a:solidFill>
+              <a:ea typeface="Courier New Bold" charset="0"/>
+              <a:cs typeface="Courier New Bold" charset="0"/>
+              <a:sym typeface="Courier New Bold" charset="0"/>
+            </a:endParaRPr>
+          </a:p>
+        </p:txBody>
+      </p:sp>
+      <p:sp>
+        <p:nvSpPr>
+          <p:cNvPr id="6" name="Line 6"/>
+          <p:cNvSpPr>
+            <a:spLocks noChangeShapeType="1"/>
+          </p:cNvSpPr>
+          <p:nvPr/>
+        </p:nvSpPr>
+        <p:spPr bwMode="auto">
+          <a:xfrm>
+            <a:off x="1333500" y="3413125"/>
+            <a:ext cx="1654969" cy="3970"/>
+          </a:xfrm>
+          <a:prstGeom prst="line">
+            <a:avLst/>
+          </a:prstGeom>
+          <a:noFill/>
+          <a:ln w="25400">
+            <a:solidFill>
+              <a:srgbClr val="000066"/>
+            </a:solidFill>
+            <a:round/>
+            <a:headEnd/>
+            <a:tailEnd/>
+          </a:ln>
+        </p:spPr>
+        <p:txBody>
+          <a:bodyPr lIns="0" tIns="0" rIns="0" bIns="0">
+            <a:prstTxWarp prst="textNoShape">
+              <a:avLst/>
+            </a:prstTxWarp>
+          </a:bodyPr>
+          <a:lstStyle/>
+          <a:p>
+            <a:pPr algn="ctr" eaLnBrk="1" hangingPunct="1"/>
+            <a:endParaRPr lang="en-US" sz="4200" b="0" smtClean="0">
+              <a:solidFill>
+                <a:srgbClr val="000000"/>
+              </a:solidFill>
+              <a:latin typeface="Gill Sans" charset="0"/>
+              <a:ea typeface="ヒラギノ角ゴ ProN W3" charset="-128"/>
+              <a:cs typeface="ヒラギノ角ゴ ProN W3" charset="-128"/>
+              <a:sym typeface="Gill Sans" charset="0"/>
+            </a:endParaRPr>
+          </a:p>
+        </p:txBody>
+      </p:sp>
+      <p:sp>
+        <p:nvSpPr>
+          <p:cNvPr id="7" name="Rectangle 7"/>
+          <p:cNvSpPr>
+            <a:spLocks/>
+          </p:cNvSpPr>
+          <p:nvPr/>
+        </p:nvSpPr>
+        <p:spPr bwMode="auto">
+          <a:xfrm>
+            <a:off x="3594100" y="2400300"/>
+            <a:ext cx="2092881" cy="1579920"/>
+          </a:xfrm>
+          <a:prstGeom prst="rect">
+            <a:avLst/>
+          </a:prstGeom>
+          <a:noFill/>
+          <a:ln w="25400">
+            <a:noFill/>
+            <a:miter lim="800000"/>
+            <a:headEnd/>
+            <a:tailEnd/>
+          </a:ln>
+        </p:spPr>
+        <p:txBody>
+          <a:bodyPr wrap="none" lIns="50800" tIns="50800" bIns="50800">
+            <a:prstTxWarp prst="textNoShape">
+              <a:avLst/>
+            </a:prstTxWarp>
+            <a:spAutoFit/>
+          </a:bodyPr>
+          <a:lstStyle/>
+          <a:p>
+            <a:pPr eaLnBrk="1" hangingPunct="1"/>
+            <a:r>
+              <a:rPr lang="en-US" sz="3200" b="0" dirty="0">
+                <a:solidFill>
+                  <a:srgbClr val="000066"/>
+                </a:solidFill>
+                <a:ea typeface="Courier New Bold" charset="0"/>
+                <a:cs typeface="Courier New Bold" charset="0"/>
+                <a:sym typeface="Courier New Bold" charset="0"/>
+              </a:rPr>
+              <a:t>  </a:t>
+            </a:r>
+            <a:r>
+              <a:rPr lang="en-US" sz="3200" b="0" dirty="0" smtClean="0">
+                <a:solidFill>
+                  <a:srgbClr val="000066"/>
+                </a:solidFill>
+                <a:ea typeface="Courier New Bold" charset="0"/>
+                <a:cs typeface="Courier New Bold" charset="0"/>
+                <a:sym typeface="Courier New Bold" charset="0"/>
+              </a:rPr>
+              <a:t> 01101001</a:t>
+            </a:r>
+            <a:endParaRPr lang="en-US" sz="3200" b="0" dirty="0">
+              <a:solidFill>
+                <a:srgbClr val="000066"/>
+              </a:solidFill>
+              <a:ea typeface="Courier New Bold" charset="0"/>
+              <a:cs typeface="Courier New Bold" charset="0"/>
+              <a:sym typeface="Courier New Bold" charset="0"/>
+            </a:endParaRPr>
+          </a:p>
+          <a:p>
+            <a:pPr eaLnBrk="1" hangingPunct="1"/>
+            <a:r>
+              <a:rPr lang="en-US" sz="3200" b="0" dirty="0">
+                <a:solidFill>
+                  <a:srgbClr val="000066"/>
+                </a:solidFill>
+                <a:ea typeface="Courier New Bold" charset="0"/>
+                <a:cs typeface="Courier New Bold" charset="0"/>
+                <a:sym typeface="Courier New Bold" charset="0"/>
+              </a:rPr>
+              <a:t>| </a:t>
+            </a:r>
+            <a:r>
+              <a:rPr lang="en-US" sz="3200" b="0" dirty="0" smtClean="0">
+                <a:solidFill>
+                  <a:srgbClr val="000066"/>
+                </a:solidFill>
+                <a:ea typeface="Courier New Bold" charset="0"/>
+                <a:cs typeface="Courier New Bold" charset="0"/>
+                <a:sym typeface="Courier New Bold" charset="0"/>
+              </a:rPr>
+              <a:t>01010101</a:t>
+            </a:r>
+          </a:p>
+          <a:p>
+            <a:r>
+              <a:rPr lang="en-US" sz="3200" dirty="0" smtClean="0">
+                <a:solidFill>
+                  <a:srgbClr val="F7B217"/>
+                </a:solidFill>
+                <a:ea typeface="Courier New Bold" charset="0"/>
+                <a:cs typeface="Courier New Bold" charset="0"/>
+                <a:sym typeface="Courier New Bold" charset="0"/>
+              </a:rPr>
+              <a:t>   01111101</a:t>
+            </a:r>
+            <a:endParaRPr lang="en-US" sz="3200" b="0" dirty="0">
+              <a:solidFill>
+                <a:srgbClr val="F7B217"/>
+              </a:solidFill>
+              <a:ea typeface="Courier New Bold" charset="0"/>
+              <a:cs typeface="Courier New Bold" charset="0"/>
+              <a:sym typeface="Courier New Bold" charset="0"/>
+            </a:endParaRPr>
+          </a:p>
+        </p:txBody>
+      </p:sp>
+      <p:sp>
+        <p:nvSpPr>
+          <p:cNvPr id="8" name="Line 8"/>
+          <p:cNvSpPr>
+            <a:spLocks noChangeShapeType="1"/>
+          </p:cNvSpPr>
+          <p:nvPr/>
+        </p:nvSpPr>
+        <p:spPr bwMode="auto">
+          <a:xfrm>
+            <a:off x="3860800" y="3413124"/>
+            <a:ext cx="1790700" cy="3175"/>
+          </a:xfrm>
+          <a:prstGeom prst="line">
+            <a:avLst/>
+          </a:prstGeom>
+          <a:noFill/>
+          <a:ln w="25400">
+            <a:solidFill>
+              <a:srgbClr val="000066"/>
+            </a:solidFill>
+            <a:round/>
+            <a:headEnd/>
+            <a:tailEnd/>
+          </a:ln>
+        </p:spPr>
+        <p:txBody>
+          <a:bodyPr lIns="0" tIns="0" rIns="0" bIns="0">
+            <a:prstTxWarp prst="textNoShape">
+              <a:avLst/>
+            </a:prstTxWarp>
+          </a:bodyPr>
+          <a:lstStyle/>
+          <a:p>
+            <a:pPr algn="ctr" eaLnBrk="1" hangingPunct="1"/>
+            <a:endParaRPr lang="en-US" sz="4200" b="0" smtClean="0">
+              <a:solidFill>
+                <a:srgbClr val="000000"/>
+              </a:solidFill>
+              <a:latin typeface="Gill Sans" charset="0"/>
+              <a:ea typeface="ヒラギノ角ゴ ProN W3" charset="-128"/>
+              <a:cs typeface="ヒラギノ角ゴ ProN W3" charset="-128"/>
+              <a:sym typeface="Gill Sans" charset="0"/>
+            </a:endParaRPr>
+          </a:p>
+        </p:txBody>
+      </p:sp>
+      <p:sp>
+        <p:nvSpPr>
+          <p:cNvPr id="9" name="Rectangle 9"/>
+          <p:cNvSpPr>
+            <a:spLocks/>
+          </p:cNvSpPr>
+          <p:nvPr/>
+        </p:nvSpPr>
+        <p:spPr bwMode="auto">
+          <a:xfrm>
+            <a:off x="6059720" y="2393042"/>
+            <a:ext cx="2108911" cy="1579920"/>
+          </a:xfrm>
+          <a:prstGeom prst="rect">
+            <a:avLst/>
+          </a:prstGeom>
+          <a:noFill/>
+          <a:ln w="25400">
+            <a:noFill/>
+            <a:miter lim="800000"/>
+            <a:headEnd/>
+            <a:tailEnd/>
+          </a:ln>
+        </p:spPr>
+        <p:txBody>
+          <a:bodyPr wrap="none" lIns="50800" tIns="50800" bIns="50800">
+            <a:prstTxWarp prst="textNoShape">
+              <a:avLst/>
+            </a:prstTxWarp>
+            <a:spAutoFit/>
+          </a:bodyPr>
+          <a:lstStyle/>
+          <a:p>
+            <a:pPr eaLnBrk="1" hangingPunct="1"/>
+            <a:r>
+              <a:rPr lang="en-US" sz="3200" b="0" dirty="0">
+                <a:solidFill>
+                  <a:srgbClr val="000066"/>
+                </a:solidFill>
+                <a:ea typeface="Courier New Bold" charset="0"/>
+                <a:cs typeface="Courier New Bold" charset="0"/>
+                <a:sym typeface="Courier New Bold" charset="0"/>
+              </a:rPr>
+              <a:t>  </a:t>
+            </a:r>
+            <a:r>
+              <a:rPr lang="en-US" sz="3200" b="0" dirty="0" smtClean="0">
+                <a:solidFill>
+                  <a:srgbClr val="000066"/>
+                </a:solidFill>
+                <a:ea typeface="Courier New Bold" charset="0"/>
+                <a:cs typeface="Courier New Bold" charset="0"/>
+                <a:sym typeface="Courier New Bold" charset="0"/>
+              </a:rPr>
+              <a:t> 01101001</a:t>
+            </a:r>
+            <a:endParaRPr lang="en-US" sz="3200" b="0" dirty="0">
+              <a:solidFill>
+                <a:srgbClr val="000066"/>
+              </a:solidFill>
+              <a:ea typeface="Courier New Bold" charset="0"/>
+              <a:cs typeface="Courier New Bold" charset="0"/>
+              <a:sym typeface="Courier New Bold" charset="0"/>
+            </a:endParaRPr>
+          </a:p>
+          <a:p>
+            <a:pPr eaLnBrk="1" hangingPunct="1"/>
+            <a:r>
+              <a:rPr lang="en-US" sz="3200" b="0" dirty="0">
+                <a:solidFill>
+                  <a:srgbClr val="000066"/>
+                </a:solidFill>
+                <a:ea typeface="Courier New Bold" charset="0"/>
+                <a:cs typeface="Courier New Bold" charset="0"/>
+                <a:sym typeface="Courier New Bold" charset="0"/>
+              </a:rPr>
+              <a:t>^ 01010101</a:t>
+            </a:r>
+          </a:p>
+          <a:p>
+            <a:r>
+              <a:rPr lang="en-US" sz="3200" dirty="0" smtClean="0">
+                <a:solidFill>
+                  <a:srgbClr val="CC0000"/>
+                </a:solidFill>
+                <a:ea typeface="Courier New Bold" charset="0"/>
+                <a:cs typeface="Courier New Bold" charset="0"/>
+                <a:sym typeface="Courier New Bold" charset="0"/>
+              </a:rPr>
+              <a:t>   </a:t>
+            </a:r>
+            <a:r>
+              <a:rPr lang="en-US" sz="3200" dirty="0" smtClean="0">
+                <a:solidFill>
+                  <a:srgbClr val="F7B217"/>
+                </a:solidFill>
+                <a:ea typeface="Courier New Bold" charset="0"/>
+                <a:cs typeface="Courier New Bold" charset="0"/>
+                <a:sym typeface="Courier New Bold" charset="0"/>
+              </a:rPr>
+              <a:t>00111100</a:t>
+            </a:r>
+            <a:endParaRPr lang="en-US" sz="3200" b="0" dirty="0">
+              <a:solidFill>
+                <a:srgbClr val="F7B217"/>
+              </a:solidFill>
+              <a:ea typeface="Courier New Bold" charset="0"/>
+              <a:cs typeface="Courier New Bold" charset="0"/>
+              <a:sym typeface="Courier New Bold" charset="0"/>
+            </a:endParaRPr>
+          </a:p>
+        </p:txBody>
+      </p:sp>
+      <p:sp>
+        <p:nvSpPr>
+          <p:cNvPr id="10" name="Line 10"/>
+          <p:cNvSpPr>
+            <a:spLocks noChangeShapeType="1"/>
+          </p:cNvSpPr>
+          <p:nvPr/>
+        </p:nvSpPr>
+        <p:spPr bwMode="auto">
+          <a:xfrm>
+            <a:off x="6386292" y="3402964"/>
+            <a:ext cx="1635028" cy="3176"/>
+          </a:xfrm>
+          <a:prstGeom prst="line">
+            <a:avLst/>
+          </a:prstGeom>
+          <a:noFill/>
+          <a:ln w="25400">
+            <a:solidFill>
+              <a:srgbClr val="000066"/>
+            </a:solidFill>
+            <a:round/>
+            <a:headEnd/>
+            <a:tailEnd/>
+          </a:ln>
+        </p:spPr>
+        <p:txBody>
+          <a:bodyPr lIns="0" tIns="0" rIns="0" bIns="0">
+            <a:prstTxWarp prst="textNoShape">
+              <a:avLst/>
+            </a:prstTxWarp>
+          </a:bodyPr>
+          <a:lstStyle/>
+          <a:p>
+            <a:pPr algn="ctr" eaLnBrk="1" hangingPunct="1"/>
+            <a:endParaRPr lang="en-US" sz="4200" b="0" smtClean="0">
+              <a:solidFill>
+                <a:srgbClr val="000000"/>
+              </a:solidFill>
+              <a:latin typeface="Gill Sans" charset="0"/>
+              <a:ea typeface="ヒラギノ角ゴ ProN W3" charset="-128"/>
+              <a:cs typeface="ヒラギノ角ゴ ProN W3" charset="-128"/>
+              <a:sym typeface="Gill Sans" charset="0"/>
+            </a:endParaRPr>
+          </a:p>
+        </p:txBody>
+      </p:sp>
+      <p:sp>
+        <p:nvSpPr>
+          <p:cNvPr id="11" name="Rectangle 11"/>
+          <p:cNvSpPr>
+            <a:spLocks/>
+          </p:cNvSpPr>
+          <p:nvPr/>
+        </p:nvSpPr>
+        <p:spPr bwMode="auto">
+          <a:xfrm>
+            <a:off x="8507413" y="2349500"/>
+            <a:ext cx="2108911" cy="1579920"/>
+          </a:xfrm>
+          <a:prstGeom prst="rect">
+            <a:avLst/>
+          </a:prstGeom>
+          <a:noFill/>
+          <a:ln w="25400">
+            <a:noFill/>
+            <a:miter lim="800000"/>
+            <a:headEnd/>
+            <a:tailEnd/>
+          </a:ln>
+        </p:spPr>
+        <p:txBody>
+          <a:bodyPr wrap="none" lIns="50800" tIns="50800" bIns="50800">
+            <a:prstTxWarp prst="textNoShape">
+              <a:avLst/>
+            </a:prstTxWarp>
+            <a:spAutoFit/>
+          </a:bodyPr>
+          <a:lstStyle/>
+          <a:p>
+            <a:pPr eaLnBrk="1" hangingPunct="1"/>
+            <a:r>
+              <a:rPr lang="en-US" sz="3200" b="0" dirty="0" smtClean="0">
+                <a:solidFill>
+                  <a:srgbClr val="000066"/>
+                </a:solidFill>
+                <a:ea typeface="Courier New Bold" charset="0"/>
+                <a:cs typeface="Courier New Bold" charset="0"/>
+                <a:sym typeface="Courier New Bold" charset="0"/>
+              </a:rPr>
+              <a:t>  </a:t>
+            </a:r>
+          </a:p>
+          <a:p>
+            <a:pPr eaLnBrk="1" hangingPunct="1"/>
+            <a:r>
+              <a:rPr lang="en-US" sz="3200" b="0" dirty="0" smtClean="0">
+                <a:solidFill>
+                  <a:srgbClr val="000066"/>
+                </a:solidFill>
+                <a:ea typeface="Courier New Bold" charset="0"/>
+                <a:cs typeface="Courier New Bold" charset="0"/>
+                <a:sym typeface="Courier New Bold" charset="0"/>
+              </a:rPr>
+              <a:t>~ 01010101</a:t>
+            </a:r>
+          </a:p>
+          <a:p>
+            <a:r>
+              <a:rPr lang="en-US" sz="3200" b="0" dirty="0" smtClean="0">
+                <a:solidFill>
+                  <a:srgbClr val="000066"/>
+                </a:solidFill>
+                <a:ea typeface="Courier New Bold" charset="0"/>
+                <a:cs typeface="Courier New Bold" charset="0"/>
+                <a:sym typeface="Courier New Bold" charset="0"/>
+              </a:rPr>
+              <a:t>   </a:t>
+            </a:r>
+            <a:r>
+              <a:rPr lang="en-US" sz="3200" dirty="0" smtClean="0">
+                <a:solidFill>
+                  <a:srgbClr val="F7B217"/>
+                </a:solidFill>
+                <a:ea typeface="Courier New Bold" charset="0"/>
+                <a:cs typeface="Courier New Bold" charset="0"/>
+                <a:sym typeface="Courier New Bold" charset="0"/>
+              </a:rPr>
+              <a:t>10101010</a:t>
+            </a:r>
+            <a:endParaRPr lang="en-US" sz="3200" b="0" dirty="0">
+              <a:solidFill>
+                <a:srgbClr val="F7B217"/>
+              </a:solidFill>
+              <a:ea typeface="Courier New Bold" charset="0"/>
+              <a:cs typeface="Courier New Bold" charset="0"/>
+              <a:sym typeface="Courier New Bold" charset="0"/>
+            </a:endParaRPr>
+          </a:p>
+        </p:txBody>
+      </p:sp>
+      <p:sp>
+        <p:nvSpPr>
+          <p:cNvPr id="12" name="Line 12"/>
+          <p:cNvSpPr>
+            <a:spLocks noChangeShapeType="1"/>
+          </p:cNvSpPr>
+          <p:nvPr/>
+        </p:nvSpPr>
+        <p:spPr bwMode="auto">
+          <a:xfrm>
+            <a:off x="8826500" y="3375025"/>
+            <a:ext cx="1600200" cy="1588"/>
+          </a:xfrm>
+          <a:prstGeom prst="line">
+            <a:avLst/>
+          </a:prstGeom>
+          <a:noFill/>
+          <a:ln w="25400">
+            <a:solidFill>
+              <a:srgbClr val="000066"/>
+            </a:solidFill>
+            <a:round/>
+            <a:headEnd/>
+            <a:tailEnd/>
+          </a:ln>
+        </p:spPr>
+        <p:txBody>
+          <a:bodyPr lIns="0" tIns="0" rIns="0" bIns="0">
+            <a:prstTxWarp prst="textNoShape">
+              <a:avLst/>
+            </a:prstTxWarp>
+          </a:bodyPr>
+          <a:lstStyle/>
+          <a:p>
+            <a:pPr algn="ctr" eaLnBrk="1" hangingPunct="1"/>
+            <a:endParaRPr lang="en-US" sz="4200" b="0" smtClean="0">
+              <a:solidFill>
+                <a:srgbClr val="000000"/>
+              </a:solidFill>
+              <a:latin typeface="Gill Sans" charset="0"/>
+              <a:ea typeface="ヒラギノ角ゴ ProN W3" charset="-128"/>
+              <a:cs typeface="ヒラギノ角ゴ ProN W3" charset="-128"/>
+              <a:sym typeface="Gill Sans" charset="0"/>
+            </a:endParaRPr>
           </a:p>
         </p:txBody>
       </p:sp>
@@ -23737,198 +24697,165 @@
             <p:ph idx="1"/>
           </p:nvPr>
         </p:nvSpPr>
-        <p:spPr/>
+        <p:spPr>
+          <a:xfrm>
+            <a:off x="838200" y="1063752"/>
+            <a:ext cx="10515600" cy="5794248"/>
+          </a:xfrm>
+        </p:spPr>
         <p:txBody>
           <a:bodyPr>
-            <a:noAutofit/>
+            <a:normAutofit fontScale="85000" lnSpcReduction="20000"/>
           </a:bodyPr>
           <a:lstStyle/>
           <a:p>
-            <a:pPr marL="533400" indent="-533400" algn="just">
+            <a:pPr marL="228600" lvl="1">
+              <a:lnSpc>
+                <a:spcPct val="110000"/>
+              </a:lnSpc>
               <a:spcBef>
-                <a:spcPct val="20000"/>
+                <a:spcPts val="1000"/>
               </a:spcBef>
+              <a:buClrTx/>
             </a:pPr>
             <a:r>
-              <a:rPr lang="en-US" dirty="0" smtClean="0"/>
-              <a:t>Zeros copied to </a:t>
-            </a:r>
-            <a:r>
-              <a:rPr lang="en-US" dirty="0" err="1" smtClean="0"/>
-              <a:t>msb’s</a:t>
-            </a:r>
-            <a:endParaRPr lang="en-US" dirty="0" smtClean="0"/>
-          </a:p>
-          <a:p>
-            <a:pPr marL="533400" indent="-533400" algn="just">
-              <a:spcBef>
-                <a:spcPct val="20000"/>
-              </a:spcBef>
+              <a:rPr lang="en-US" sz="4200" dirty="0" smtClean="0"/>
+              <a:t>Operations &amp;&amp;, </a:t>
+            </a:r>
+            <a:r>
+              <a:rPr lang="en-US" sz="4200" dirty="0" smtClean="0"/>
+              <a:t>||, !</a:t>
+            </a:r>
+          </a:p>
+          <a:p>
+            <a:pPr lvl="1">
+              <a:lnSpc>
+                <a:spcPct val="110000"/>
+              </a:lnSpc>
             </a:pPr>
             <a:r>
-              <a:rPr lang="en-US" dirty="0" smtClean="0"/>
-              <a:t>Value changes for negative numbers</a:t>
-            </a:r>
-          </a:p>
-          <a:p>
-            <a:pPr marL="533400" indent="-533400" algn="just">
-              <a:spcBef>
-                <a:spcPct val="20000"/>
-              </a:spcBef>
+              <a:rPr lang="en-US" sz="3300" dirty="0" smtClean="0"/>
+              <a:t>Different from similar bitwise operations</a:t>
+            </a:r>
+          </a:p>
+          <a:p>
+            <a:pPr lvl="1">
+              <a:lnSpc>
+                <a:spcPct val="110000"/>
+              </a:lnSpc>
             </a:pPr>
-            <a:endParaRPr lang="en-US" dirty="0" smtClean="0"/>
-          </a:p>
-          <a:p>
-            <a:pPr marL="533400" indent="-533400" algn="just">
-              <a:spcBef>
-                <a:spcPct val="20000"/>
-              </a:spcBef>
+            <a:r>
+              <a:rPr lang="en-US" sz="3300" dirty="0" smtClean="0"/>
+              <a:t>View </a:t>
+            </a:r>
+            <a:r>
+              <a:rPr lang="en-US" sz="3300" dirty="0" smtClean="0"/>
+              <a:t>0 as “False”</a:t>
+            </a:r>
+          </a:p>
+          <a:p>
+            <a:pPr lvl="1">
+              <a:lnSpc>
+                <a:spcPct val="110000"/>
+              </a:lnSpc>
             </a:pPr>
             <a:r>
-              <a:rPr lang="en-US" b="1" dirty="0" smtClean="0"/>
-              <a:t>Example 1:</a:t>
-            </a:r>
-          </a:p>
-          <a:p>
-            <a:pPr marL="914400" lvl="1" indent="-457200" algn="just">
-              <a:spcBef>
-                <a:spcPct val="20000"/>
-              </a:spcBef>
+              <a:rPr lang="en-US" sz="3300" dirty="0" smtClean="0"/>
+              <a:t>Anything nonzero as “True”</a:t>
+            </a:r>
+          </a:p>
+          <a:p>
+            <a:pPr lvl="1">
+              <a:lnSpc>
+                <a:spcPct val="110000"/>
+              </a:lnSpc>
             </a:pPr>
             <a:r>
-              <a:rPr lang="en-US" dirty="0" smtClean="0"/>
-              <a:t>4-bit value =            </a:t>
-            </a:r>
-            <a:r>
-              <a:rPr lang="en-US" dirty="0" smtClean="0"/>
-              <a:t>          </a:t>
-            </a:r>
-            <a:r>
-              <a:rPr lang="ru-RU" dirty="0" smtClean="0"/>
-              <a:t>        </a:t>
-            </a:r>
-            <a:r>
-              <a:rPr lang="en-US" dirty="0" smtClean="0"/>
-              <a:t>  </a:t>
-            </a:r>
-            <a:r>
-              <a:rPr lang="ru-RU" dirty="0" smtClean="0"/>
-              <a:t> </a:t>
-            </a:r>
-            <a:r>
-              <a:rPr lang="en-US" dirty="0" smtClean="0"/>
-              <a:t> 0011 </a:t>
-            </a:r>
-            <a:r>
-              <a:rPr lang="en-US" dirty="0" smtClean="0"/>
-              <a:t>= 3</a:t>
-            </a:r>
-            <a:r>
-              <a:rPr lang="en-US" baseline="-25000" dirty="0" smtClean="0"/>
-              <a:t>10</a:t>
-            </a:r>
-          </a:p>
-          <a:p>
-            <a:pPr marL="914400" lvl="1" indent="-457200" algn="just">
-              <a:spcBef>
-                <a:spcPct val="20000"/>
-              </a:spcBef>
+              <a:rPr lang="en-US" sz="3300" dirty="0" smtClean="0"/>
+              <a:t>Always return 0 or 1</a:t>
+            </a:r>
+          </a:p>
+          <a:p>
+            <a:pPr lvl="1">
+              <a:lnSpc>
+                <a:spcPct val="110000"/>
+              </a:lnSpc>
             </a:pPr>
             <a:r>
-              <a:rPr lang="en-US" dirty="0" smtClean="0"/>
-              <a:t>8-bit zero-extended value: </a:t>
-            </a:r>
-            <a:r>
-              <a:rPr lang="en-US" dirty="0" smtClean="0">
-                <a:solidFill>
-                  <a:schemeClr val="accent2"/>
-                </a:solidFill>
-              </a:rPr>
-              <a:t>0000</a:t>
-            </a:r>
-            <a:r>
-              <a:rPr lang="en-US" dirty="0" smtClean="0"/>
-              <a:t>0011 = 3</a:t>
-            </a:r>
-            <a:r>
-              <a:rPr lang="en-US" baseline="-25000" dirty="0" smtClean="0"/>
-              <a:t>10</a:t>
-            </a:r>
-          </a:p>
-          <a:p>
-            <a:pPr marL="533400" indent="-533400" algn="just">
-              <a:spcBef>
-                <a:spcPct val="20000"/>
-              </a:spcBef>
+              <a:rPr lang="en-US" sz="3300" dirty="0" smtClean="0"/>
+              <a:t>Early termination</a:t>
+            </a:r>
+          </a:p>
+          <a:p>
+            <a:pPr>
+              <a:lnSpc>
+                <a:spcPct val="110000"/>
+              </a:lnSpc>
             </a:pPr>
             <a:r>
-              <a:rPr lang="en-US" b="1" dirty="0" smtClean="0"/>
-              <a:t>Example 2:</a:t>
-            </a:r>
-          </a:p>
-          <a:p>
-            <a:pPr marL="914400" lvl="1" indent="-457200" algn="just">
-              <a:spcBef>
-                <a:spcPct val="20000"/>
-              </a:spcBef>
+              <a:rPr lang="en-US" sz="4200" dirty="0" smtClean="0"/>
+              <a:t>Examples (8-bit data type)</a:t>
+            </a:r>
+          </a:p>
+          <a:p>
+            <a:pPr lvl="1">
+              <a:lnSpc>
+                <a:spcPct val="110000"/>
+              </a:lnSpc>
             </a:pPr>
             <a:r>
-              <a:rPr lang="en-US" dirty="0" smtClean="0"/>
-              <a:t>4-bit value </a:t>
-            </a:r>
-            <a:r>
-              <a:rPr lang="en-US" dirty="0" smtClean="0"/>
-              <a:t>=</a:t>
-            </a:r>
-            <a:r>
-              <a:rPr lang="ru-RU" dirty="0" smtClean="0"/>
-              <a:t>                                  </a:t>
-            </a:r>
-            <a:r>
-              <a:rPr lang="en-US" dirty="0" smtClean="0"/>
-              <a:t>1011 </a:t>
-            </a:r>
-            <a:r>
-              <a:rPr lang="en-US" dirty="0" smtClean="0"/>
-              <a:t>= -5</a:t>
-            </a:r>
-            <a:r>
-              <a:rPr lang="en-US" baseline="-25000" dirty="0" smtClean="0"/>
-              <a:t>10</a:t>
-            </a:r>
-            <a:endParaRPr lang="en-US" dirty="0" smtClean="0"/>
-          </a:p>
-          <a:p>
-            <a:pPr marL="914400" lvl="1" indent="-457200" algn="just">
-              <a:spcBef>
-                <a:spcPct val="20000"/>
-              </a:spcBef>
+              <a:rPr lang="en-US" sz="3300" dirty="0" smtClean="0"/>
+              <a:t>!0x41                =&gt;    0x00</a:t>
+            </a:r>
+          </a:p>
+          <a:p>
+            <a:pPr lvl="1">
+              <a:lnSpc>
+                <a:spcPct val="110000"/>
+              </a:lnSpc>
             </a:pPr>
             <a:r>
-              <a:rPr lang="en-US" dirty="0" smtClean="0"/>
-              <a:t>8-bit zero-extended value: </a:t>
-            </a:r>
-            <a:r>
-              <a:rPr lang="en-US" dirty="0" smtClean="0">
-                <a:solidFill>
-                  <a:schemeClr val="accent2"/>
-                </a:solidFill>
-              </a:rPr>
-              <a:t>0000</a:t>
-            </a:r>
-            <a:r>
-              <a:rPr lang="en-US" dirty="0" smtClean="0"/>
-              <a:t>1011 = </a:t>
-            </a:r>
-            <a:r>
-              <a:rPr lang="en-US" dirty="0" smtClean="0"/>
-              <a:t>11</a:t>
-            </a:r>
-            <a:r>
-              <a:rPr lang="en-US" baseline="-25000" dirty="0" smtClean="0"/>
-              <a:t>10</a:t>
-            </a:r>
-            <a:endParaRPr lang="ru-RU" dirty="0"/>
+              <a:rPr lang="en-US" sz="3300" dirty="0" smtClean="0"/>
+              <a:t>!0x00                =&gt;    0x01</a:t>
+            </a:r>
+          </a:p>
+          <a:p>
+            <a:pPr lvl="1">
+              <a:lnSpc>
+                <a:spcPct val="110000"/>
+              </a:lnSpc>
+            </a:pPr>
+            <a:r>
+              <a:rPr lang="en-US" sz="3300" dirty="0" smtClean="0"/>
+              <a:t>!!0x41               =&gt;    0x01</a:t>
+            </a:r>
+          </a:p>
+          <a:p>
+            <a:pPr lvl="1">
+              <a:lnSpc>
+                <a:spcPct val="110000"/>
+              </a:lnSpc>
+            </a:pPr>
+            <a:r>
+              <a:rPr lang="en-US" sz="3300" dirty="0" smtClean="0"/>
+              <a:t>0x69 &amp;&amp; 0x55  =&gt;   0x01</a:t>
+            </a:r>
+          </a:p>
+          <a:p>
+            <a:pPr lvl="1">
+              <a:lnSpc>
+                <a:spcPct val="110000"/>
+              </a:lnSpc>
+            </a:pPr>
+            <a:r>
+              <a:rPr lang="en-US" sz="3300" dirty="0" smtClean="0"/>
+              <a:t>0x69 || 0x55    =&gt;   </a:t>
+            </a:r>
+            <a:r>
+              <a:rPr lang="en-US" sz="3300" dirty="0" smtClean="0"/>
+              <a:t>0x01</a:t>
+            </a:r>
+            <a:endParaRPr lang="ru-RU" sz="3300" dirty="0"/>
           </a:p>
         </p:txBody>
       </p:sp>
@@ -23952,6 +24879,266 @@
               <a:rPr lang="ru-RU" smtClean="0"/>
               <a:pPr algn="ctr"/>
               <a:t>21</a:t>
+            </a:fld>
+            <a:endParaRPr lang="ru-RU" dirty="0"/>
+          </a:p>
+        </p:txBody>
+      </p:sp>
+      <p:sp>
+        <p:nvSpPr>
+          <p:cNvPr id="4" name="Заголовок 3"/>
+          <p:cNvSpPr>
+            <a:spLocks noGrp="1"/>
+          </p:cNvSpPr>
+          <p:nvPr>
+            <p:ph type="title"/>
+          </p:nvPr>
+        </p:nvSpPr>
+        <p:spPr/>
+        <p:txBody>
+          <a:bodyPr/>
+          <a:lstStyle/>
+          <a:p>
+            <a:r>
+              <a:rPr lang="en-US" dirty="0" smtClean="0"/>
+              <a:t>Logic Operations</a:t>
+            </a:r>
+            <a:endParaRPr lang="ru-RU" dirty="0"/>
+          </a:p>
+        </p:txBody>
+      </p:sp>
+    </p:spTree>
+  </p:cSld>
+  <p:clrMapOvr>
+    <a:masterClrMapping/>
+  </p:clrMapOvr>
+</p:sld>
+</file>
+
+<file path=ppt/slides/slide22.xml><?xml version="1.0" encoding="utf-8"?>
+<p:sld xmlns:a="http://schemas.openxmlformats.org/drawingml/2006/main" xmlns:r="http://schemas.openxmlformats.org/officeDocument/2006/relationships" xmlns:p="http://schemas.openxmlformats.org/presentationml/2006/main">
+  <p:cSld>
+    <p:spTree>
+      <p:nvGrpSpPr>
+        <p:cNvPr id="1" name=""/>
+        <p:cNvGrpSpPr/>
+        <p:nvPr/>
+      </p:nvGrpSpPr>
+      <p:grpSpPr>
+        <a:xfrm>
+          <a:off x="0" y="0"/>
+          <a:ext cx="0" cy="0"/>
+          <a:chOff x="0" y="0"/>
+          <a:chExt cx="0" cy="0"/>
+        </a:xfrm>
+      </p:grpSpPr>
+      <p:sp>
+        <p:nvSpPr>
+          <p:cNvPr id="2" name="Содержимое 1"/>
+          <p:cNvSpPr>
+            <a:spLocks noGrp="1"/>
+          </p:cNvSpPr>
+          <p:nvPr>
+            <p:ph idx="1"/>
+          </p:nvPr>
+        </p:nvSpPr>
+        <p:spPr/>
+        <p:txBody>
+          <a:bodyPr>
+            <a:noAutofit/>
+          </a:bodyPr>
+          <a:lstStyle/>
+          <a:p>
+            <a:pPr marL="533400" indent="-533400" algn="just">
+              <a:spcBef>
+                <a:spcPct val="20000"/>
+              </a:spcBef>
+            </a:pPr>
+            <a:r>
+              <a:rPr lang="en-US" dirty="0" smtClean="0"/>
+              <a:t>Extend number from N to M bits (M &gt; N)</a:t>
+            </a:r>
+          </a:p>
+          <a:p>
+            <a:pPr marL="533400" indent="-533400" algn="just">
+              <a:spcBef>
+                <a:spcPct val="20000"/>
+              </a:spcBef>
+            </a:pPr>
+            <a:r>
+              <a:rPr lang="en-US" dirty="0" smtClean="0"/>
+              <a:t>Sign </a:t>
+            </a:r>
+            <a:r>
+              <a:rPr lang="en-US" dirty="0" smtClean="0"/>
+              <a:t>bit </a:t>
+            </a:r>
+            <a:r>
+              <a:rPr lang="en-US" dirty="0" smtClean="0"/>
+              <a:t>is copied </a:t>
+            </a:r>
+            <a:r>
+              <a:rPr lang="en-US" dirty="0" smtClean="0"/>
+              <a:t>to </a:t>
+            </a:r>
+            <a:r>
+              <a:rPr lang="en-US" dirty="0" smtClean="0"/>
+              <a:t>most significant bits</a:t>
+            </a:r>
+            <a:endParaRPr lang="en-US" dirty="0" smtClean="0"/>
+          </a:p>
+          <a:p>
+            <a:pPr marL="533400" indent="-533400" algn="just">
+              <a:spcBef>
+                <a:spcPct val="20000"/>
+              </a:spcBef>
+            </a:pPr>
+            <a:r>
+              <a:rPr lang="en-US" dirty="0" smtClean="0"/>
+              <a:t>Number value is same</a:t>
+            </a:r>
+          </a:p>
+          <a:p>
+            <a:pPr marL="533400" indent="-533400" algn="just">
+              <a:spcBef>
+                <a:spcPct val="20000"/>
+              </a:spcBef>
+            </a:pPr>
+            <a:r>
+              <a:rPr lang="en-US" dirty="0" smtClean="0"/>
+              <a:t>Example </a:t>
+            </a:r>
+            <a:r>
+              <a:rPr lang="en-US" dirty="0" smtClean="0"/>
+              <a:t>1:</a:t>
+            </a:r>
+          </a:p>
+          <a:p>
+            <a:pPr marL="914400" lvl="1" indent="-457200" algn="just">
+              <a:spcBef>
+                <a:spcPct val="20000"/>
+              </a:spcBef>
+            </a:pPr>
+            <a:r>
+              <a:rPr lang="en-US" dirty="0" smtClean="0"/>
+              <a:t>4-bit representation of 3 = </a:t>
+            </a:r>
+            <a:r>
+              <a:rPr lang="en-US" dirty="0" smtClean="0">
+                <a:solidFill>
+                  <a:schemeClr val="accent2"/>
+                </a:solidFill>
+              </a:rPr>
+              <a:t>0</a:t>
+            </a:r>
+            <a:r>
+              <a:rPr lang="en-US" dirty="0" smtClean="0"/>
+              <a:t>011</a:t>
+            </a:r>
+          </a:p>
+          <a:p>
+            <a:pPr marL="914400" lvl="1" indent="-457200" algn="just">
+              <a:spcBef>
+                <a:spcPct val="20000"/>
+              </a:spcBef>
+            </a:pPr>
+            <a:r>
+              <a:rPr lang="en-US" dirty="0" smtClean="0"/>
+              <a:t>8-bit sign-extended value: </a:t>
+            </a:r>
+            <a:r>
+              <a:rPr lang="en-US" dirty="0" smtClean="0">
+                <a:solidFill>
+                  <a:schemeClr val="accent2"/>
+                </a:solidFill>
+              </a:rPr>
+              <a:t>0000</a:t>
+            </a:r>
+            <a:r>
+              <a:rPr lang="en-US" dirty="0" smtClean="0"/>
+              <a:t>0011</a:t>
+            </a:r>
+          </a:p>
+          <a:p>
+            <a:pPr marL="533400" indent="-533400" algn="just">
+              <a:spcBef>
+                <a:spcPct val="20000"/>
+              </a:spcBef>
+            </a:pPr>
+            <a:r>
+              <a:rPr lang="en-US" dirty="0" smtClean="0"/>
+              <a:t>Example 2:</a:t>
+            </a:r>
+          </a:p>
+          <a:p>
+            <a:pPr marL="914400" lvl="1" indent="-457200" algn="just">
+              <a:spcBef>
+                <a:spcPct val="20000"/>
+              </a:spcBef>
+            </a:pPr>
+            <a:r>
+              <a:rPr lang="en-US" dirty="0" smtClean="0"/>
+              <a:t>4-bit representation of -5 = </a:t>
+            </a:r>
+            <a:r>
+              <a:rPr lang="en-US" dirty="0" smtClean="0">
+                <a:solidFill>
+                  <a:schemeClr val="accent2"/>
+                </a:solidFill>
+              </a:rPr>
+              <a:t>1</a:t>
+            </a:r>
+            <a:r>
+              <a:rPr lang="en-US" dirty="0" smtClean="0"/>
+              <a:t>011</a:t>
+            </a:r>
+          </a:p>
+          <a:p>
+            <a:pPr marL="914400" lvl="1" indent="-457200" algn="just">
+              <a:spcBef>
+                <a:spcPct val="20000"/>
+              </a:spcBef>
+            </a:pPr>
+            <a:r>
+              <a:rPr lang="en-US" dirty="0" smtClean="0"/>
+              <a:t>8-bit sign-extended value:  </a:t>
+            </a:r>
+            <a:r>
+              <a:rPr lang="en-US" dirty="0" smtClean="0">
+                <a:solidFill>
+                  <a:schemeClr val="accent2"/>
+                </a:solidFill>
+              </a:rPr>
+              <a:t>1111</a:t>
+            </a:r>
+            <a:r>
+              <a:rPr lang="en-US" dirty="0" smtClean="0"/>
+              <a:t>1011</a:t>
+            </a:r>
+            <a:endParaRPr lang="ru-RU" dirty="0"/>
+          </a:p>
+        </p:txBody>
+      </p:sp>
+      <p:sp>
+        <p:nvSpPr>
+          <p:cNvPr id="3" name="Номер слайда 2"/>
+          <p:cNvSpPr>
+            <a:spLocks noGrp="1"/>
+          </p:cNvSpPr>
+          <p:nvPr>
+            <p:ph type="sldNum" sz="quarter" idx="12"/>
+          </p:nvPr>
+        </p:nvSpPr>
+        <p:spPr/>
+        <p:txBody>
+          <a:bodyPr/>
+          <a:lstStyle/>
+          <a:p>
+            <a:pPr algn="ctr"/>
+            <a:fld id="{1397BFD8-F312-4EF2-A268-44FB4BDDBBB0}" type="slidenum">
+              <a:rPr lang="ru-RU" smtClean="0"/>
+              <a:pPr algn="ctr"/>
+              <a:t>22</a:t>
             </a:fld>
             <a:endParaRPr lang="ru-RU" dirty="0"/>
           </a:p>
@@ -23976,7 +25163,7 @@
           <a:p>
             <a:r>
               <a:rPr lang="en-US" dirty="0" smtClean="0"/>
-              <a:t>Zero-Extension</a:t>
+              <a:t>Sign-Extension</a:t>
             </a:r>
             <a:endParaRPr lang="ru-RU" dirty="0"/>
           </a:p>
@@ -23997,7 +25184,4036 @@
 </p:sld>
 </file>
 
-<file path=ppt/slides/slide22.xml><?xml version="1.0" encoding="utf-8"?>
+<file path=ppt/slides/slide23.xml><?xml version="1.0" encoding="utf-8"?>
+<p:sld xmlns:a="http://schemas.openxmlformats.org/drawingml/2006/main" xmlns:r="http://schemas.openxmlformats.org/officeDocument/2006/relationships" xmlns:p="http://schemas.openxmlformats.org/presentationml/2006/main">
+  <p:cSld>
+    <p:spTree>
+      <p:nvGrpSpPr>
+        <p:cNvPr id="1" name=""/>
+        <p:cNvGrpSpPr/>
+        <p:nvPr/>
+      </p:nvGrpSpPr>
+      <p:grpSpPr>
+        <a:xfrm>
+          <a:off x="0" y="0"/>
+          <a:ext cx="0" cy="0"/>
+          <a:chOff x="0" y="0"/>
+          <a:chExt cx="0" cy="0"/>
+        </a:xfrm>
+      </p:grpSpPr>
+      <p:sp>
+        <p:nvSpPr>
+          <p:cNvPr id="2" name="Содержимое 1"/>
+          <p:cNvSpPr>
+            <a:spLocks noGrp="1"/>
+          </p:cNvSpPr>
+          <p:nvPr>
+            <p:ph idx="1"/>
+          </p:nvPr>
+        </p:nvSpPr>
+        <p:spPr/>
+        <p:txBody>
+          <a:bodyPr>
+            <a:noAutofit/>
+          </a:bodyPr>
+          <a:lstStyle/>
+          <a:p>
+            <a:pPr marL="533400" indent="-533400" algn="just">
+              <a:spcBef>
+                <a:spcPct val="20000"/>
+              </a:spcBef>
+            </a:pPr>
+            <a:r>
+              <a:rPr lang="en-US" dirty="0" smtClean="0"/>
+              <a:t>Extend number from N to M bits (M &gt; N)</a:t>
+            </a:r>
+          </a:p>
+          <a:p>
+            <a:pPr marL="533400" indent="-533400" algn="just">
+              <a:spcBef>
+                <a:spcPct val="20000"/>
+              </a:spcBef>
+            </a:pPr>
+            <a:r>
+              <a:rPr lang="en-US" dirty="0" smtClean="0"/>
+              <a:t>Zeros are copied </a:t>
+            </a:r>
+            <a:r>
+              <a:rPr lang="en-US" dirty="0" smtClean="0"/>
+              <a:t>to </a:t>
+            </a:r>
+            <a:r>
+              <a:rPr lang="en-US" dirty="0" smtClean="0"/>
+              <a:t>most significant bits</a:t>
+            </a:r>
+            <a:endParaRPr lang="en-US" dirty="0" smtClean="0"/>
+          </a:p>
+          <a:p>
+            <a:pPr marL="533400" indent="-533400" algn="just">
+              <a:spcBef>
+                <a:spcPct val="20000"/>
+              </a:spcBef>
+            </a:pPr>
+            <a:r>
+              <a:rPr lang="en-US" dirty="0" smtClean="0"/>
+              <a:t>Value changes for negative numbers</a:t>
+            </a:r>
+          </a:p>
+          <a:p>
+            <a:pPr marL="533400" indent="-533400" algn="just">
+              <a:spcBef>
+                <a:spcPct val="20000"/>
+              </a:spcBef>
+            </a:pPr>
+            <a:r>
+              <a:rPr lang="en-US" dirty="0" smtClean="0"/>
+              <a:t>Example </a:t>
+            </a:r>
+            <a:r>
+              <a:rPr lang="en-US" dirty="0" smtClean="0"/>
+              <a:t>1:</a:t>
+            </a:r>
+          </a:p>
+          <a:p>
+            <a:pPr marL="914400" lvl="1" indent="-457200" algn="just">
+              <a:spcBef>
+                <a:spcPct val="20000"/>
+              </a:spcBef>
+            </a:pPr>
+            <a:r>
+              <a:rPr lang="en-US" dirty="0" smtClean="0"/>
+              <a:t>4-bit value =                      </a:t>
+            </a:r>
+            <a:r>
+              <a:rPr lang="ru-RU" dirty="0" smtClean="0"/>
+              <a:t>        </a:t>
+            </a:r>
+            <a:r>
+              <a:rPr lang="en-US" dirty="0" smtClean="0"/>
+              <a:t>  </a:t>
+            </a:r>
+            <a:r>
+              <a:rPr lang="ru-RU" dirty="0" smtClean="0"/>
+              <a:t> </a:t>
+            </a:r>
+            <a:r>
+              <a:rPr lang="en-US" dirty="0" smtClean="0"/>
+              <a:t> 0011 = 3</a:t>
+            </a:r>
+            <a:r>
+              <a:rPr lang="en-US" baseline="-25000" dirty="0" smtClean="0"/>
+              <a:t>10</a:t>
+            </a:r>
+          </a:p>
+          <a:p>
+            <a:pPr marL="914400" lvl="1" indent="-457200" algn="just">
+              <a:spcBef>
+                <a:spcPct val="20000"/>
+              </a:spcBef>
+            </a:pPr>
+            <a:r>
+              <a:rPr lang="en-US" dirty="0" smtClean="0"/>
+              <a:t>8-bit zero-extended value: </a:t>
+            </a:r>
+            <a:r>
+              <a:rPr lang="en-US" dirty="0" smtClean="0">
+                <a:solidFill>
+                  <a:schemeClr val="accent2"/>
+                </a:solidFill>
+              </a:rPr>
+              <a:t>0000</a:t>
+            </a:r>
+            <a:r>
+              <a:rPr lang="en-US" dirty="0" smtClean="0"/>
+              <a:t>0011 = 3</a:t>
+            </a:r>
+            <a:r>
+              <a:rPr lang="en-US" baseline="-25000" dirty="0" smtClean="0"/>
+              <a:t>10</a:t>
+            </a:r>
+          </a:p>
+          <a:p>
+            <a:pPr marL="533400" indent="-533400" algn="just">
+              <a:spcBef>
+                <a:spcPct val="20000"/>
+              </a:spcBef>
+            </a:pPr>
+            <a:r>
+              <a:rPr lang="en-US" dirty="0" smtClean="0"/>
+              <a:t>Example 2:</a:t>
+            </a:r>
+          </a:p>
+          <a:p>
+            <a:pPr marL="914400" lvl="1" indent="-457200" algn="just">
+              <a:spcBef>
+                <a:spcPct val="20000"/>
+              </a:spcBef>
+            </a:pPr>
+            <a:r>
+              <a:rPr lang="en-US" dirty="0" smtClean="0"/>
+              <a:t>4-bit value =</a:t>
+            </a:r>
+            <a:r>
+              <a:rPr lang="ru-RU" dirty="0" smtClean="0"/>
+              <a:t>                                  </a:t>
+            </a:r>
+            <a:r>
+              <a:rPr lang="en-US" dirty="0" smtClean="0"/>
+              <a:t>1011 = -5</a:t>
+            </a:r>
+            <a:r>
+              <a:rPr lang="en-US" baseline="-25000" dirty="0" smtClean="0"/>
+              <a:t>10</a:t>
+            </a:r>
+            <a:endParaRPr lang="en-US" dirty="0" smtClean="0"/>
+          </a:p>
+          <a:p>
+            <a:pPr marL="914400" lvl="1" indent="-457200" algn="just">
+              <a:spcBef>
+                <a:spcPct val="20000"/>
+              </a:spcBef>
+            </a:pPr>
+            <a:r>
+              <a:rPr lang="en-US" dirty="0" smtClean="0"/>
+              <a:t>8-bit zero-extended value: </a:t>
+            </a:r>
+            <a:r>
+              <a:rPr lang="en-US" dirty="0" smtClean="0">
+                <a:solidFill>
+                  <a:schemeClr val="accent2"/>
+                </a:solidFill>
+              </a:rPr>
+              <a:t>0000</a:t>
+            </a:r>
+            <a:r>
+              <a:rPr lang="en-US" dirty="0" smtClean="0"/>
+              <a:t>1011 = 11</a:t>
+            </a:r>
+            <a:r>
+              <a:rPr lang="en-US" baseline="-25000" dirty="0" smtClean="0"/>
+              <a:t>10</a:t>
+            </a:r>
+            <a:endParaRPr lang="ru-RU" dirty="0"/>
+          </a:p>
+        </p:txBody>
+      </p:sp>
+      <p:sp>
+        <p:nvSpPr>
+          <p:cNvPr id="3" name="Номер слайда 2"/>
+          <p:cNvSpPr>
+            <a:spLocks noGrp="1"/>
+          </p:cNvSpPr>
+          <p:nvPr>
+            <p:ph type="sldNum" sz="quarter" idx="12"/>
+          </p:nvPr>
+        </p:nvSpPr>
+        <p:spPr/>
+        <p:txBody>
+          <a:bodyPr/>
+          <a:lstStyle/>
+          <a:p>
+            <a:pPr algn="ctr"/>
+            <a:fld id="{1397BFD8-F312-4EF2-A268-44FB4BDDBBB0}" type="slidenum">
+              <a:rPr lang="ru-RU" smtClean="0"/>
+              <a:pPr algn="ctr"/>
+              <a:t>23</a:t>
+            </a:fld>
+            <a:endParaRPr lang="ru-RU" dirty="0"/>
+          </a:p>
+        </p:txBody>
+      </p:sp>
+      <p:sp>
+        <p:nvSpPr>
+          <p:cNvPr id="4" name="Заголовок 3"/>
+          <p:cNvSpPr>
+            <a:spLocks noGrp="1"/>
+          </p:cNvSpPr>
+          <p:nvPr>
+            <p:ph type="title"/>
+          </p:nvPr>
+        </p:nvSpPr>
+        <p:spPr/>
+        <p:txBody>
+          <a:bodyPr>
+            <a:normAutofit/>
+          </a:bodyPr>
+          <a:lstStyle/>
+          <a:p>
+            <a:r>
+              <a:rPr lang="en-US" dirty="0" smtClean="0"/>
+              <a:t>Zero-Extension</a:t>
+            </a:r>
+            <a:endParaRPr lang="ru-RU" dirty="0"/>
+          </a:p>
+        </p:txBody>
+      </p:sp>
+    </p:spTree>
+  </p:cSld>
+  <p:clrMapOvr>
+    <a:masterClrMapping/>
+  </p:clrMapOvr>
+  <p:timing>
+    <p:tnLst>
+      <p:par>
+        <p:cTn id="1" dur="indefinite" restart="never" nodeType="tmRoot"/>
+      </p:par>
+    </p:tnLst>
+  </p:timing>
+</p:sld>
+</file>
+
+<file path=ppt/slides/slide24.xml><?xml version="1.0" encoding="utf-8"?>
+<p:sld xmlns:a="http://schemas.openxmlformats.org/drawingml/2006/main" xmlns:r="http://schemas.openxmlformats.org/officeDocument/2006/relationships" xmlns:p="http://schemas.openxmlformats.org/presentationml/2006/main">
+  <p:cSld>
+    <p:spTree>
+      <p:nvGrpSpPr>
+        <p:cNvPr id="1" name=""/>
+        <p:cNvGrpSpPr/>
+        <p:nvPr/>
+      </p:nvGrpSpPr>
+      <p:grpSpPr>
+        <a:xfrm>
+          <a:off x="0" y="0"/>
+          <a:ext cx="0" cy="0"/>
+          <a:chOff x="0" y="0"/>
+          <a:chExt cx="0" cy="0"/>
+        </a:xfrm>
+      </p:grpSpPr>
+      <p:sp>
+        <p:nvSpPr>
+          <p:cNvPr id="2" name="Содержимое 1"/>
+          <p:cNvSpPr>
+            <a:spLocks noGrp="1"/>
+          </p:cNvSpPr>
+          <p:nvPr>
+            <p:ph idx="1"/>
+          </p:nvPr>
+        </p:nvSpPr>
+        <p:spPr>
+          <a:xfrm>
+            <a:off x="838200" y="1178052"/>
+            <a:ext cx="10515600" cy="5298947"/>
+          </a:xfrm>
+        </p:spPr>
+        <p:txBody>
+          <a:bodyPr>
+            <a:normAutofit fontScale="85000" lnSpcReduction="20000"/>
+          </a:bodyPr>
+          <a:lstStyle/>
+          <a:p>
+            <a:pPr>
+              <a:lnSpc>
+                <a:spcPct val="120000"/>
+              </a:lnSpc>
+              <a:spcBef>
+                <a:spcPts val="0"/>
+              </a:spcBef>
+            </a:pPr>
+            <a:r>
+              <a:rPr lang="en-US" b="1" dirty="0" smtClean="0"/>
+              <a:t>Left Shift: 	x &lt;&lt; y</a:t>
+            </a:r>
+          </a:p>
+          <a:p>
+            <a:pPr lvl="1">
+              <a:lnSpc>
+                <a:spcPct val="120000"/>
+              </a:lnSpc>
+              <a:spcBef>
+                <a:spcPts val="0"/>
+              </a:spcBef>
+            </a:pPr>
+            <a:r>
+              <a:rPr lang="en-US" dirty="0" smtClean="0"/>
+              <a:t>Shift bit-vector x left y positions</a:t>
+            </a:r>
+          </a:p>
+          <a:p>
+            <a:pPr lvl="2">
+              <a:lnSpc>
+                <a:spcPct val="120000"/>
+              </a:lnSpc>
+              <a:spcBef>
+                <a:spcPts val="0"/>
+              </a:spcBef>
+            </a:pPr>
+            <a:r>
+              <a:rPr lang="en-US" dirty="0" smtClean="0"/>
+              <a:t>Throw away extra bits on left</a:t>
+            </a:r>
+          </a:p>
+          <a:p>
+            <a:pPr lvl="1">
+              <a:lnSpc>
+                <a:spcPct val="120000"/>
+              </a:lnSpc>
+              <a:spcBef>
+                <a:spcPts val="0"/>
+              </a:spcBef>
+            </a:pPr>
+            <a:r>
+              <a:rPr lang="en-US" dirty="0" smtClean="0"/>
+              <a:t>Fill with 0’s on right</a:t>
+            </a:r>
+          </a:p>
+          <a:p>
+            <a:pPr>
+              <a:lnSpc>
+                <a:spcPct val="120000"/>
+              </a:lnSpc>
+              <a:spcBef>
+                <a:spcPts val="0"/>
+              </a:spcBef>
+            </a:pPr>
+            <a:r>
+              <a:rPr lang="en-US" b="1" dirty="0" smtClean="0"/>
+              <a:t>Right Shift: 	x &gt;&gt; y</a:t>
+            </a:r>
+          </a:p>
+          <a:p>
+            <a:pPr lvl="1">
+              <a:lnSpc>
+                <a:spcPct val="120000"/>
+              </a:lnSpc>
+              <a:spcBef>
+                <a:spcPts val="0"/>
+              </a:spcBef>
+            </a:pPr>
+            <a:r>
+              <a:rPr lang="en-US" dirty="0" smtClean="0"/>
+              <a:t>Shift bit-vector x right y positions</a:t>
+            </a:r>
+          </a:p>
+          <a:p>
+            <a:pPr lvl="2">
+              <a:lnSpc>
+                <a:spcPct val="120000"/>
+              </a:lnSpc>
+              <a:spcBef>
+                <a:spcPts val="0"/>
+              </a:spcBef>
+            </a:pPr>
+            <a:r>
+              <a:rPr lang="en-US" dirty="0" smtClean="0"/>
+              <a:t>Throw away extra bits on right</a:t>
+            </a:r>
+          </a:p>
+          <a:p>
+            <a:pPr lvl="1">
+              <a:lnSpc>
+                <a:spcPct val="120000"/>
+              </a:lnSpc>
+              <a:spcBef>
+                <a:spcPts val="0"/>
+              </a:spcBef>
+            </a:pPr>
+            <a:r>
+              <a:rPr lang="en-US" dirty="0" smtClean="0"/>
+              <a:t>Logical shift</a:t>
+            </a:r>
+          </a:p>
+          <a:p>
+            <a:pPr lvl="2">
+              <a:lnSpc>
+                <a:spcPct val="120000"/>
+              </a:lnSpc>
+              <a:spcBef>
+                <a:spcPts val="0"/>
+              </a:spcBef>
+            </a:pPr>
+            <a:r>
+              <a:rPr lang="en-US" dirty="0" smtClean="0"/>
+              <a:t>Fill with 0’s on left</a:t>
+            </a:r>
+          </a:p>
+          <a:p>
+            <a:pPr lvl="1">
+              <a:lnSpc>
+                <a:spcPct val="120000"/>
+              </a:lnSpc>
+              <a:spcBef>
+                <a:spcPts val="0"/>
+              </a:spcBef>
+            </a:pPr>
+            <a:r>
+              <a:rPr lang="en-US" dirty="0" smtClean="0"/>
+              <a:t>Arithmetic shift</a:t>
+            </a:r>
+          </a:p>
+          <a:p>
+            <a:pPr lvl="2">
+              <a:lnSpc>
+                <a:spcPct val="120000"/>
+              </a:lnSpc>
+              <a:spcBef>
+                <a:spcPts val="0"/>
+              </a:spcBef>
+            </a:pPr>
+            <a:r>
+              <a:rPr lang="en-US" dirty="0" smtClean="0"/>
+              <a:t>Replicate most significant bit on left</a:t>
+            </a:r>
+          </a:p>
+          <a:p>
+            <a:pPr>
+              <a:lnSpc>
+                <a:spcPct val="120000"/>
+              </a:lnSpc>
+              <a:spcBef>
+                <a:spcPts val="0"/>
+              </a:spcBef>
+            </a:pPr>
+            <a:r>
+              <a:rPr lang="en-US" b="1" dirty="0" smtClean="0"/>
+              <a:t>Undefined Behavior</a:t>
+            </a:r>
+          </a:p>
+          <a:p>
+            <a:pPr lvl="1">
+              <a:lnSpc>
+                <a:spcPct val="120000"/>
+              </a:lnSpc>
+              <a:spcBef>
+                <a:spcPts val="0"/>
+              </a:spcBef>
+            </a:pPr>
+            <a:r>
+              <a:rPr lang="en-US" dirty="0" smtClean="0"/>
+              <a:t>Shift amount &lt; 0 or ≥ word </a:t>
+            </a:r>
+            <a:r>
+              <a:rPr lang="en-US" dirty="0" smtClean="0"/>
+              <a:t>size</a:t>
+            </a:r>
+            <a:endParaRPr lang="en-US" dirty="0" smtClean="0"/>
+          </a:p>
+        </p:txBody>
+      </p:sp>
+      <p:sp>
+        <p:nvSpPr>
+          <p:cNvPr id="3" name="Номер слайда 2"/>
+          <p:cNvSpPr>
+            <a:spLocks noGrp="1"/>
+          </p:cNvSpPr>
+          <p:nvPr>
+            <p:ph type="sldNum" sz="quarter" idx="12"/>
+          </p:nvPr>
+        </p:nvSpPr>
+        <p:spPr/>
+        <p:txBody>
+          <a:bodyPr/>
+          <a:lstStyle/>
+          <a:p>
+            <a:pPr algn="ctr"/>
+            <a:fld id="{1397BFD8-F312-4EF2-A268-44FB4BDDBBB0}" type="slidenum">
+              <a:rPr lang="ru-RU" smtClean="0"/>
+              <a:pPr algn="ctr"/>
+              <a:t>24</a:t>
+            </a:fld>
+            <a:endParaRPr lang="ru-RU" dirty="0"/>
+          </a:p>
+        </p:txBody>
+      </p:sp>
+      <p:sp>
+        <p:nvSpPr>
+          <p:cNvPr id="4" name="Заголовок 3"/>
+          <p:cNvSpPr>
+            <a:spLocks noGrp="1"/>
+          </p:cNvSpPr>
+          <p:nvPr>
+            <p:ph type="title"/>
+          </p:nvPr>
+        </p:nvSpPr>
+        <p:spPr/>
+        <p:txBody>
+          <a:bodyPr/>
+          <a:lstStyle/>
+          <a:p>
+            <a:r>
+              <a:rPr lang="en-US" dirty="0" smtClean="0"/>
+              <a:t>Shift Operations</a:t>
+            </a:r>
+            <a:endParaRPr lang="ru-RU" dirty="0"/>
+          </a:p>
+        </p:txBody>
+      </p:sp>
+      <p:grpSp>
+        <p:nvGrpSpPr>
+          <p:cNvPr id="89" name="Group 5"/>
+          <p:cNvGrpSpPr>
+            <a:grpSpLocks/>
+          </p:cNvGrpSpPr>
+          <p:nvPr/>
+        </p:nvGrpSpPr>
+        <p:grpSpPr bwMode="auto">
+          <a:xfrm>
+            <a:off x="8915400" y="1714500"/>
+            <a:ext cx="1371600" cy="457200"/>
+            <a:chOff x="0" y="0"/>
+            <a:chExt cx="864" cy="288"/>
+          </a:xfrm>
+          <a:solidFill>
+            <a:srgbClr val="F7B217"/>
+          </a:solidFill>
+        </p:grpSpPr>
+        <p:sp>
+          <p:nvSpPr>
+            <p:cNvPr id="90" name="Rectangle 6"/>
+            <p:cNvSpPr>
+              <a:spLocks/>
+            </p:cNvSpPr>
+            <p:nvPr/>
+          </p:nvSpPr>
+          <p:spPr bwMode="auto">
+            <a:xfrm>
+              <a:off x="0" y="0"/>
+              <a:ext cx="864" cy="288"/>
+            </a:xfrm>
+            <a:prstGeom prst="rect">
+              <a:avLst/>
+            </a:prstGeom>
+            <a:grpFill/>
+            <a:ln w="25400">
+              <a:solidFill>
+                <a:srgbClr val="000066"/>
+              </a:solidFill>
+              <a:miter lim="800000"/>
+              <a:headEnd/>
+              <a:tailEnd/>
+            </a:ln>
+          </p:spPr>
+          <p:txBody>
+            <a:bodyPr lIns="0" tIns="0" rIns="0" bIns="0">
+              <a:prstTxWarp prst="textNoShape">
+                <a:avLst/>
+              </a:prstTxWarp>
+            </a:bodyPr>
+            <a:lstStyle/>
+            <a:p>
+              <a:pPr algn="ctr" eaLnBrk="1" hangingPunct="1"/>
+              <a:endParaRPr lang="en-US" sz="2000" b="1" smtClean="0">
+                <a:solidFill>
+                  <a:srgbClr val="000000"/>
+                </a:solidFill>
+                <a:ea typeface="ヒラギノ角ゴ ProN W3" charset="-128"/>
+                <a:cs typeface="ヒラギノ角ゴ ProN W3" charset="-128"/>
+                <a:sym typeface="Gill Sans" charset="0"/>
+              </a:endParaRPr>
+            </a:p>
+          </p:txBody>
+        </p:sp>
+        <p:sp>
+          <p:nvSpPr>
+            <p:cNvPr id="91" name="Rectangle 7"/>
+            <p:cNvSpPr>
+              <a:spLocks/>
+            </p:cNvSpPr>
+            <p:nvPr/>
+          </p:nvSpPr>
+          <p:spPr bwMode="auto">
+            <a:xfrm>
+              <a:off x="59" y="15"/>
+              <a:ext cx="745" cy="259"/>
+            </a:xfrm>
+            <a:prstGeom prst="rect">
+              <a:avLst/>
+            </a:prstGeom>
+            <a:grpFill/>
+            <a:ln w="12700">
+              <a:noFill/>
+              <a:miter lim="800000"/>
+              <a:headEnd/>
+              <a:tailEnd/>
+            </a:ln>
+          </p:spPr>
+          <p:txBody>
+            <a:bodyPr wrap="none" lIns="50800" tIns="50800" bIns="50800" anchor="ctr">
+              <a:prstTxWarp prst="textNoShape">
+                <a:avLst/>
+              </a:prstTxWarp>
+              <a:spAutoFit/>
+            </a:bodyPr>
+            <a:lstStyle/>
+            <a:p>
+              <a:pPr algn="ctr" eaLnBrk="1" hangingPunct="1"/>
+              <a:r>
+                <a:rPr lang="en-US" sz="2000" b="1">
+                  <a:solidFill>
+                    <a:srgbClr val="000066"/>
+                  </a:solidFill>
+                  <a:ea typeface="Courier New Bold" charset="0"/>
+                  <a:cs typeface="Courier New Bold" charset="0"/>
+                  <a:sym typeface="Courier New Bold" charset="0"/>
+                </a:rPr>
+                <a:t>01100010</a:t>
+              </a:r>
+            </a:p>
+          </p:txBody>
+        </p:sp>
+      </p:grpSp>
+      <p:grpSp>
+        <p:nvGrpSpPr>
+          <p:cNvPr id="92" name="Group 8"/>
+          <p:cNvGrpSpPr>
+            <a:grpSpLocks/>
+          </p:cNvGrpSpPr>
+          <p:nvPr/>
+        </p:nvGrpSpPr>
+        <p:grpSpPr bwMode="auto">
+          <a:xfrm>
+            <a:off x="7542248" y="1714500"/>
+            <a:ext cx="1373117" cy="457200"/>
+            <a:chOff x="20" y="0"/>
+            <a:chExt cx="864" cy="288"/>
+          </a:xfrm>
+          <a:solidFill>
+            <a:srgbClr val="F7B217"/>
+          </a:solidFill>
+        </p:grpSpPr>
+        <p:sp>
+          <p:nvSpPr>
+            <p:cNvPr id="93" name="Rectangle 9"/>
+            <p:cNvSpPr>
+              <a:spLocks/>
+            </p:cNvSpPr>
+            <p:nvPr/>
+          </p:nvSpPr>
+          <p:spPr bwMode="auto">
+            <a:xfrm>
+              <a:off x="20" y="0"/>
+              <a:ext cx="864" cy="288"/>
+            </a:xfrm>
+            <a:prstGeom prst="rect">
+              <a:avLst/>
+            </a:prstGeom>
+            <a:grpFill/>
+            <a:ln w="25400">
+              <a:solidFill>
+                <a:srgbClr val="000066"/>
+              </a:solidFill>
+              <a:miter lim="800000"/>
+              <a:headEnd/>
+              <a:tailEnd/>
+            </a:ln>
+          </p:spPr>
+          <p:txBody>
+            <a:bodyPr lIns="0" tIns="0" rIns="0" bIns="0">
+              <a:prstTxWarp prst="textNoShape">
+                <a:avLst/>
+              </a:prstTxWarp>
+            </a:bodyPr>
+            <a:lstStyle/>
+            <a:p>
+              <a:pPr algn="ctr" eaLnBrk="1" hangingPunct="1"/>
+              <a:endParaRPr lang="en-US" sz="2000" b="1" smtClean="0">
+                <a:solidFill>
+                  <a:srgbClr val="000000"/>
+                </a:solidFill>
+                <a:ea typeface="ヒラギノ角ゴ ProN W3" charset="-128"/>
+                <a:cs typeface="ヒラギノ角ゴ ProN W3" charset="-128"/>
+                <a:sym typeface="Gill Sans" charset="0"/>
+              </a:endParaRPr>
+            </a:p>
+          </p:txBody>
+        </p:sp>
+        <p:sp>
+          <p:nvSpPr>
+            <p:cNvPr id="94" name="Rectangle 10"/>
+            <p:cNvSpPr>
+              <a:spLocks/>
+            </p:cNvSpPr>
+            <p:nvPr/>
+          </p:nvSpPr>
+          <p:spPr bwMode="auto">
+            <a:xfrm>
+              <a:off x="362" y="15"/>
+              <a:ext cx="179" cy="259"/>
+            </a:xfrm>
+            <a:prstGeom prst="rect">
+              <a:avLst/>
+            </a:prstGeom>
+            <a:grpFill/>
+            <a:ln w="12700">
+              <a:noFill/>
+              <a:miter lim="800000"/>
+              <a:headEnd/>
+              <a:tailEnd/>
+            </a:ln>
+          </p:spPr>
+          <p:txBody>
+            <a:bodyPr wrap="none" lIns="50800" tIns="50800" bIns="50800" anchor="ctr">
+              <a:prstTxWarp prst="textNoShape">
+                <a:avLst/>
+              </a:prstTxWarp>
+              <a:spAutoFit/>
+            </a:bodyPr>
+            <a:lstStyle/>
+            <a:p>
+              <a:pPr algn="ctr" eaLnBrk="1" hangingPunct="1"/>
+              <a:r>
+                <a:rPr lang="en-US" sz="2000" b="1" dirty="0" smtClean="0">
+                  <a:solidFill>
+                    <a:srgbClr val="000066"/>
+                  </a:solidFill>
+                  <a:ea typeface="Courier New Bold" charset="0"/>
+                  <a:cs typeface="Courier New Bold" charset="0"/>
+                  <a:sym typeface="Courier New Bold" charset="0"/>
+                </a:rPr>
+                <a:t>X</a:t>
+              </a:r>
+              <a:endParaRPr lang="en-US" sz="2000" b="1" dirty="0">
+                <a:solidFill>
+                  <a:srgbClr val="000066"/>
+                </a:solidFill>
+                <a:ea typeface="Courier New Bold" charset="0"/>
+                <a:cs typeface="Courier New Bold" charset="0"/>
+                <a:sym typeface="Courier New Bold" charset="0"/>
+              </a:endParaRPr>
+            </a:p>
+          </p:txBody>
+        </p:sp>
+      </p:grpSp>
+      <p:grpSp>
+        <p:nvGrpSpPr>
+          <p:cNvPr id="95" name="Group 11"/>
+          <p:cNvGrpSpPr>
+            <a:grpSpLocks/>
+          </p:cNvGrpSpPr>
+          <p:nvPr/>
+        </p:nvGrpSpPr>
+        <p:grpSpPr bwMode="auto">
+          <a:xfrm>
+            <a:off x="8915400" y="2171700"/>
+            <a:ext cx="1371600" cy="457200"/>
+            <a:chOff x="0" y="0"/>
+            <a:chExt cx="864" cy="288"/>
+          </a:xfrm>
+          <a:solidFill>
+            <a:srgbClr val="F7B217"/>
+          </a:solidFill>
+        </p:grpSpPr>
+        <p:sp>
+          <p:nvSpPr>
+            <p:cNvPr id="96" name="Rectangle 12"/>
+            <p:cNvSpPr>
+              <a:spLocks/>
+            </p:cNvSpPr>
+            <p:nvPr/>
+          </p:nvSpPr>
+          <p:spPr bwMode="auto">
+            <a:xfrm>
+              <a:off x="0" y="0"/>
+              <a:ext cx="864" cy="288"/>
+            </a:xfrm>
+            <a:prstGeom prst="rect">
+              <a:avLst/>
+            </a:prstGeom>
+            <a:grpFill/>
+            <a:ln w="25400">
+              <a:solidFill>
+                <a:srgbClr val="000066"/>
+              </a:solidFill>
+              <a:miter lim="800000"/>
+              <a:headEnd/>
+              <a:tailEnd/>
+            </a:ln>
+          </p:spPr>
+          <p:txBody>
+            <a:bodyPr lIns="0" tIns="0" rIns="0" bIns="0">
+              <a:prstTxWarp prst="textNoShape">
+                <a:avLst/>
+              </a:prstTxWarp>
+            </a:bodyPr>
+            <a:lstStyle/>
+            <a:p>
+              <a:pPr algn="ctr" eaLnBrk="1" hangingPunct="1"/>
+              <a:endParaRPr lang="en-US" sz="2000" b="1" smtClean="0">
+                <a:solidFill>
+                  <a:srgbClr val="000000"/>
+                </a:solidFill>
+                <a:ea typeface="ヒラギノ角ゴ ProN W3" charset="-128"/>
+                <a:cs typeface="ヒラギノ角ゴ ProN W3" charset="-128"/>
+                <a:sym typeface="Gill Sans" charset="0"/>
+              </a:endParaRPr>
+            </a:p>
+          </p:txBody>
+        </p:sp>
+        <p:sp>
+          <p:nvSpPr>
+            <p:cNvPr id="97" name="Rectangle 13"/>
+            <p:cNvSpPr>
+              <a:spLocks/>
+            </p:cNvSpPr>
+            <p:nvPr/>
+          </p:nvSpPr>
+          <p:spPr bwMode="auto">
+            <a:xfrm>
+              <a:off x="59" y="15"/>
+              <a:ext cx="745" cy="259"/>
+            </a:xfrm>
+            <a:prstGeom prst="rect">
+              <a:avLst/>
+            </a:prstGeom>
+            <a:grpFill/>
+            <a:ln w="12700">
+              <a:noFill/>
+              <a:miter lim="800000"/>
+              <a:headEnd/>
+              <a:tailEnd/>
+            </a:ln>
+          </p:spPr>
+          <p:txBody>
+            <a:bodyPr wrap="none" lIns="50800" tIns="50800" bIns="50800" anchor="ctr">
+              <a:prstTxWarp prst="textNoShape">
+                <a:avLst/>
+              </a:prstTxWarp>
+              <a:spAutoFit/>
+            </a:bodyPr>
+            <a:lstStyle/>
+            <a:p>
+              <a:pPr algn="ctr" eaLnBrk="1" hangingPunct="1"/>
+              <a:r>
+                <a:rPr lang="en-US" sz="2000" b="1">
+                  <a:solidFill>
+                    <a:srgbClr val="FFFFFF"/>
+                  </a:solidFill>
+                  <a:ea typeface="Courier New Bold" charset="0"/>
+                  <a:cs typeface="Courier New Bold" charset="0"/>
+                  <a:sym typeface="Courier New Bold" charset="0"/>
+                </a:rPr>
+                <a:t>00010</a:t>
+              </a:r>
+              <a:r>
+                <a:rPr lang="en-US" sz="2000" b="1">
+                  <a:solidFill>
+                    <a:srgbClr val="FFFFFF"/>
+                  </a:solidFill>
+                  <a:ea typeface="Courier New Bold Italic" charset="0"/>
+                  <a:cs typeface="Courier New Bold Italic" charset="0"/>
+                  <a:sym typeface="Courier New Bold Italic" charset="0"/>
+                </a:rPr>
+                <a:t>000</a:t>
+              </a:r>
+            </a:p>
+          </p:txBody>
+        </p:sp>
+      </p:grpSp>
+      <p:grpSp>
+        <p:nvGrpSpPr>
+          <p:cNvPr id="98" name="Group 14"/>
+          <p:cNvGrpSpPr>
+            <a:grpSpLocks/>
+          </p:cNvGrpSpPr>
+          <p:nvPr/>
+        </p:nvGrpSpPr>
+        <p:grpSpPr bwMode="auto">
+          <a:xfrm>
+            <a:off x="7543800" y="2171700"/>
+            <a:ext cx="1371600" cy="457200"/>
+            <a:chOff x="0" y="0"/>
+            <a:chExt cx="864" cy="288"/>
+          </a:xfrm>
+          <a:solidFill>
+            <a:srgbClr val="F7B217"/>
+          </a:solidFill>
+        </p:grpSpPr>
+        <p:sp>
+          <p:nvSpPr>
+            <p:cNvPr id="99" name="Rectangle 15"/>
+            <p:cNvSpPr>
+              <a:spLocks/>
+            </p:cNvSpPr>
+            <p:nvPr/>
+          </p:nvSpPr>
+          <p:spPr bwMode="auto">
+            <a:xfrm>
+              <a:off x="0" y="0"/>
+              <a:ext cx="864" cy="288"/>
+            </a:xfrm>
+            <a:prstGeom prst="rect">
+              <a:avLst/>
+            </a:prstGeom>
+            <a:grpFill/>
+            <a:ln w="25400">
+              <a:solidFill>
+                <a:srgbClr val="000066"/>
+              </a:solidFill>
+              <a:miter lim="800000"/>
+              <a:headEnd/>
+              <a:tailEnd/>
+            </a:ln>
+          </p:spPr>
+          <p:txBody>
+            <a:bodyPr lIns="0" tIns="0" rIns="0" bIns="0">
+              <a:prstTxWarp prst="textNoShape">
+                <a:avLst/>
+              </a:prstTxWarp>
+            </a:bodyPr>
+            <a:lstStyle/>
+            <a:p>
+              <a:pPr algn="ctr" eaLnBrk="1" hangingPunct="1"/>
+              <a:endParaRPr lang="en-US" sz="2000" b="1" smtClean="0">
+                <a:solidFill>
+                  <a:srgbClr val="000000"/>
+                </a:solidFill>
+                <a:ea typeface="ヒラギノ角ゴ ProN W3" charset="-128"/>
+                <a:cs typeface="ヒラギノ角ゴ ProN W3" charset="-128"/>
+                <a:sym typeface="Gill Sans" charset="0"/>
+              </a:endParaRPr>
+            </a:p>
+          </p:txBody>
+        </p:sp>
+        <p:sp>
+          <p:nvSpPr>
+            <p:cNvPr id="100" name="Rectangle 16"/>
+            <p:cNvSpPr>
+              <a:spLocks/>
+            </p:cNvSpPr>
+            <p:nvPr/>
+          </p:nvSpPr>
+          <p:spPr bwMode="auto">
+            <a:xfrm>
+              <a:off x="246" y="15"/>
+              <a:ext cx="370" cy="259"/>
+            </a:xfrm>
+            <a:prstGeom prst="rect">
+              <a:avLst/>
+            </a:prstGeom>
+            <a:grpFill/>
+            <a:ln w="12700">
+              <a:noFill/>
+              <a:miter lim="800000"/>
+              <a:headEnd/>
+              <a:tailEnd/>
+            </a:ln>
+          </p:spPr>
+          <p:txBody>
+            <a:bodyPr wrap="none" lIns="50800" tIns="50800" bIns="50800" anchor="ctr">
+              <a:prstTxWarp prst="textNoShape">
+                <a:avLst/>
+              </a:prstTxWarp>
+              <a:spAutoFit/>
+            </a:bodyPr>
+            <a:lstStyle/>
+            <a:p>
+              <a:pPr algn="ctr" eaLnBrk="1" hangingPunct="1"/>
+              <a:r>
+                <a:rPr lang="en-US" sz="2000" b="1" dirty="0">
+                  <a:solidFill>
+                    <a:srgbClr val="000066"/>
+                  </a:solidFill>
+                  <a:ea typeface="Courier New Bold" charset="0"/>
+                  <a:cs typeface="Courier New Bold" charset="0"/>
+                  <a:sym typeface="Courier New Bold" charset="0"/>
+                </a:rPr>
+                <a:t>&lt;&lt; 3</a:t>
+              </a:r>
+            </a:p>
+          </p:txBody>
+        </p:sp>
+      </p:grpSp>
+      <p:grpSp>
+        <p:nvGrpSpPr>
+          <p:cNvPr id="101" name="Group 17"/>
+          <p:cNvGrpSpPr>
+            <a:grpSpLocks/>
+          </p:cNvGrpSpPr>
+          <p:nvPr/>
+        </p:nvGrpSpPr>
+        <p:grpSpPr bwMode="auto">
+          <a:xfrm>
+            <a:off x="8915400" y="2628900"/>
+            <a:ext cx="1371600" cy="457200"/>
+            <a:chOff x="0" y="0"/>
+            <a:chExt cx="864" cy="288"/>
+          </a:xfrm>
+          <a:solidFill>
+            <a:srgbClr val="F7B217"/>
+          </a:solidFill>
+        </p:grpSpPr>
+        <p:sp>
+          <p:nvSpPr>
+            <p:cNvPr id="102" name="Rectangle 18"/>
+            <p:cNvSpPr>
+              <a:spLocks/>
+            </p:cNvSpPr>
+            <p:nvPr/>
+          </p:nvSpPr>
+          <p:spPr bwMode="auto">
+            <a:xfrm>
+              <a:off x="0" y="0"/>
+              <a:ext cx="864" cy="288"/>
+            </a:xfrm>
+            <a:prstGeom prst="rect">
+              <a:avLst/>
+            </a:prstGeom>
+            <a:grpFill/>
+            <a:ln w="25400">
+              <a:solidFill>
+                <a:srgbClr val="000066"/>
+              </a:solidFill>
+              <a:miter lim="800000"/>
+              <a:headEnd/>
+              <a:tailEnd/>
+            </a:ln>
+          </p:spPr>
+          <p:txBody>
+            <a:bodyPr lIns="0" tIns="0" rIns="0" bIns="0">
+              <a:prstTxWarp prst="textNoShape">
+                <a:avLst/>
+              </a:prstTxWarp>
+            </a:bodyPr>
+            <a:lstStyle/>
+            <a:p>
+              <a:pPr algn="ctr" eaLnBrk="1" hangingPunct="1"/>
+              <a:endParaRPr lang="en-US" sz="2000" b="1" smtClean="0">
+                <a:solidFill>
+                  <a:srgbClr val="000000"/>
+                </a:solidFill>
+                <a:ea typeface="ヒラギノ角ゴ ProN W3" charset="-128"/>
+                <a:cs typeface="ヒラギノ角ゴ ProN W3" charset="-128"/>
+                <a:sym typeface="Gill Sans" charset="0"/>
+              </a:endParaRPr>
+            </a:p>
+          </p:txBody>
+        </p:sp>
+        <p:sp>
+          <p:nvSpPr>
+            <p:cNvPr id="103" name="Rectangle 19"/>
+            <p:cNvSpPr>
+              <a:spLocks/>
+            </p:cNvSpPr>
+            <p:nvPr/>
+          </p:nvSpPr>
+          <p:spPr bwMode="auto">
+            <a:xfrm>
+              <a:off x="59" y="15"/>
+              <a:ext cx="745" cy="259"/>
+            </a:xfrm>
+            <a:prstGeom prst="rect">
+              <a:avLst/>
+            </a:prstGeom>
+            <a:grpFill/>
+            <a:ln w="12700">
+              <a:noFill/>
+              <a:miter lim="800000"/>
+              <a:headEnd/>
+              <a:tailEnd/>
+            </a:ln>
+          </p:spPr>
+          <p:txBody>
+            <a:bodyPr wrap="none" lIns="50800" tIns="50800" bIns="50800" anchor="ctr">
+              <a:prstTxWarp prst="textNoShape">
+                <a:avLst/>
+              </a:prstTxWarp>
+              <a:spAutoFit/>
+            </a:bodyPr>
+            <a:lstStyle/>
+            <a:p>
+              <a:pPr algn="ctr" eaLnBrk="1" hangingPunct="1"/>
+              <a:r>
+                <a:rPr lang="en-US" sz="2000" b="1">
+                  <a:solidFill>
+                    <a:srgbClr val="FFFFFF"/>
+                  </a:solidFill>
+                  <a:ea typeface="Courier New Bold Italic" charset="0"/>
+                  <a:cs typeface="Courier New Bold Italic" charset="0"/>
+                  <a:sym typeface="Courier New Bold Italic" charset="0"/>
+                </a:rPr>
+                <a:t>00</a:t>
+              </a:r>
+              <a:r>
+                <a:rPr lang="en-US" sz="2000" b="1">
+                  <a:solidFill>
+                    <a:srgbClr val="FFFFFF"/>
+                  </a:solidFill>
+                  <a:ea typeface="Courier New Bold" charset="0"/>
+                  <a:cs typeface="Courier New Bold" charset="0"/>
+                  <a:sym typeface="Courier New Bold" charset="0"/>
+                </a:rPr>
+                <a:t>011000</a:t>
+              </a:r>
+            </a:p>
+          </p:txBody>
+        </p:sp>
+      </p:grpSp>
+      <p:grpSp>
+        <p:nvGrpSpPr>
+          <p:cNvPr id="104" name="Group 20"/>
+          <p:cNvGrpSpPr>
+            <a:grpSpLocks/>
+          </p:cNvGrpSpPr>
+          <p:nvPr/>
+        </p:nvGrpSpPr>
+        <p:grpSpPr bwMode="auto">
+          <a:xfrm>
+            <a:off x="7543800" y="2628900"/>
+            <a:ext cx="1371600" cy="457200"/>
+            <a:chOff x="0" y="0"/>
+            <a:chExt cx="864" cy="288"/>
+          </a:xfrm>
+          <a:solidFill>
+            <a:srgbClr val="F7B217"/>
+          </a:solidFill>
+        </p:grpSpPr>
+        <p:sp>
+          <p:nvSpPr>
+            <p:cNvPr id="105" name="Rectangle 21"/>
+            <p:cNvSpPr>
+              <a:spLocks/>
+            </p:cNvSpPr>
+            <p:nvPr/>
+          </p:nvSpPr>
+          <p:spPr bwMode="auto">
+            <a:xfrm>
+              <a:off x="0" y="0"/>
+              <a:ext cx="864" cy="288"/>
+            </a:xfrm>
+            <a:prstGeom prst="rect">
+              <a:avLst/>
+            </a:prstGeom>
+            <a:grpFill/>
+            <a:ln w="25400">
+              <a:solidFill>
+                <a:srgbClr val="000066"/>
+              </a:solidFill>
+              <a:miter lim="800000"/>
+              <a:headEnd/>
+              <a:tailEnd/>
+            </a:ln>
+          </p:spPr>
+          <p:txBody>
+            <a:bodyPr lIns="0" tIns="0" rIns="0" bIns="0">
+              <a:prstTxWarp prst="textNoShape">
+                <a:avLst/>
+              </a:prstTxWarp>
+            </a:bodyPr>
+            <a:lstStyle/>
+            <a:p>
+              <a:pPr algn="ctr" eaLnBrk="1" hangingPunct="1"/>
+              <a:endParaRPr lang="en-US" sz="2000" b="1" smtClean="0">
+                <a:solidFill>
+                  <a:srgbClr val="000000"/>
+                </a:solidFill>
+                <a:ea typeface="ヒラギノ角ゴ ProN W3" charset="-128"/>
+                <a:cs typeface="ヒラギノ角ゴ ProN W3" charset="-128"/>
+                <a:sym typeface="Gill Sans" charset="0"/>
+              </a:endParaRPr>
+            </a:p>
+          </p:txBody>
+        </p:sp>
+        <p:sp>
+          <p:nvSpPr>
+            <p:cNvPr id="106" name="Rectangle 22"/>
+            <p:cNvSpPr>
+              <a:spLocks/>
+            </p:cNvSpPr>
+            <p:nvPr/>
+          </p:nvSpPr>
+          <p:spPr bwMode="auto">
+            <a:xfrm>
+              <a:off x="90" y="15"/>
+              <a:ext cx="682" cy="259"/>
+            </a:xfrm>
+            <a:prstGeom prst="rect">
+              <a:avLst/>
+            </a:prstGeom>
+            <a:grpFill/>
+            <a:ln w="12700">
+              <a:noFill/>
+              <a:miter lim="800000"/>
+              <a:headEnd/>
+              <a:tailEnd/>
+            </a:ln>
+          </p:spPr>
+          <p:txBody>
+            <a:bodyPr wrap="none" lIns="50800" tIns="50800" bIns="50800" anchor="ctr">
+              <a:prstTxWarp prst="textNoShape">
+                <a:avLst/>
+              </a:prstTxWarp>
+              <a:spAutoFit/>
+            </a:bodyPr>
+            <a:lstStyle/>
+            <a:p>
+              <a:pPr algn="ctr" eaLnBrk="1" hangingPunct="1"/>
+              <a:r>
+                <a:rPr lang="en-US" sz="2000" b="1" dirty="0">
+                  <a:solidFill>
+                    <a:srgbClr val="000066"/>
+                  </a:solidFill>
+                  <a:ea typeface="Helvetica" charset="0"/>
+                  <a:cs typeface="Helvetica" charset="0"/>
+                  <a:sym typeface="Helvetica" charset="0"/>
+                </a:rPr>
+                <a:t>Log. </a:t>
+              </a:r>
+              <a:r>
+                <a:rPr lang="en-US" sz="2000" b="1" dirty="0">
+                  <a:solidFill>
+                    <a:srgbClr val="000066"/>
+                  </a:solidFill>
+                  <a:ea typeface="Courier New Bold" charset="0"/>
+                  <a:cs typeface="Courier New Bold" charset="0"/>
+                  <a:sym typeface="Courier New Bold" charset="0"/>
+                </a:rPr>
+                <a:t>&gt;&gt; 2</a:t>
+              </a:r>
+            </a:p>
+          </p:txBody>
+        </p:sp>
+      </p:grpSp>
+      <p:grpSp>
+        <p:nvGrpSpPr>
+          <p:cNvPr id="107" name="Group 23"/>
+          <p:cNvGrpSpPr>
+            <a:grpSpLocks/>
+          </p:cNvGrpSpPr>
+          <p:nvPr/>
+        </p:nvGrpSpPr>
+        <p:grpSpPr bwMode="auto">
+          <a:xfrm>
+            <a:off x="8915400" y="3086100"/>
+            <a:ext cx="1371600" cy="457200"/>
+            <a:chOff x="0" y="0"/>
+            <a:chExt cx="864" cy="288"/>
+          </a:xfrm>
+          <a:solidFill>
+            <a:srgbClr val="F7B217"/>
+          </a:solidFill>
+        </p:grpSpPr>
+        <p:sp>
+          <p:nvSpPr>
+            <p:cNvPr id="108" name="Rectangle 24"/>
+            <p:cNvSpPr>
+              <a:spLocks/>
+            </p:cNvSpPr>
+            <p:nvPr/>
+          </p:nvSpPr>
+          <p:spPr bwMode="auto">
+            <a:xfrm>
+              <a:off x="0" y="0"/>
+              <a:ext cx="864" cy="288"/>
+            </a:xfrm>
+            <a:prstGeom prst="rect">
+              <a:avLst/>
+            </a:prstGeom>
+            <a:grpFill/>
+            <a:ln w="25400">
+              <a:solidFill>
+                <a:srgbClr val="000066"/>
+              </a:solidFill>
+              <a:miter lim="800000"/>
+              <a:headEnd/>
+              <a:tailEnd/>
+            </a:ln>
+          </p:spPr>
+          <p:txBody>
+            <a:bodyPr lIns="0" tIns="0" rIns="0" bIns="0">
+              <a:prstTxWarp prst="textNoShape">
+                <a:avLst/>
+              </a:prstTxWarp>
+            </a:bodyPr>
+            <a:lstStyle/>
+            <a:p>
+              <a:pPr algn="ctr" eaLnBrk="1" hangingPunct="1"/>
+              <a:endParaRPr lang="en-US" sz="2000" b="1" smtClean="0">
+                <a:solidFill>
+                  <a:srgbClr val="000000"/>
+                </a:solidFill>
+                <a:ea typeface="ヒラギノ角ゴ ProN W3" charset="-128"/>
+                <a:cs typeface="ヒラギノ角ゴ ProN W3" charset="-128"/>
+                <a:sym typeface="Gill Sans" charset="0"/>
+              </a:endParaRPr>
+            </a:p>
+          </p:txBody>
+        </p:sp>
+        <p:sp>
+          <p:nvSpPr>
+            <p:cNvPr id="109" name="Rectangle 25"/>
+            <p:cNvSpPr>
+              <a:spLocks/>
+            </p:cNvSpPr>
+            <p:nvPr/>
+          </p:nvSpPr>
+          <p:spPr bwMode="auto">
+            <a:xfrm>
+              <a:off x="59" y="15"/>
+              <a:ext cx="745" cy="259"/>
+            </a:xfrm>
+            <a:prstGeom prst="rect">
+              <a:avLst/>
+            </a:prstGeom>
+            <a:grpFill/>
+            <a:ln w="12700">
+              <a:noFill/>
+              <a:miter lim="800000"/>
+              <a:headEnd/>
+              <a:tailEnd/>
+            </a:ln>
+          </p:spPr>
+          <p:txBody>
+            <a:bodyPr wrap="none" lIns="50800" tIns="50800" bIns="50800" anchor="ctr">
+              <a:prstTxWarp prst="textNoShape">
+                <a:avLst/>
+              </a:prstTxWarp>
+              <a:spAutoFit/>
+            </a:bodyPr>
+            <a:lstStyle/>
+            <a:p>
+              <a:pPr algn="ctr" eaLnBrk="1" hangingPunct="1"/>
+              <a:r>
+                <a:rPr lang="en-US" sz="2000" b="1">
+                  <a:solidFill>
+                    <a:srgbClr val="FFFFFF"/>
+                  </a:solidFill>
+                  <a:ea typeface="Courier New Bold Italic" charset="0"/>
+                  <a:cs typeface="Courier New Bold Italic" charset="0"/>
+                  <a:sym typeface="Courier New Bold Italic" charset="0"/>
+                </a:rPr>
+                <a:t>00</a:t>
+              </a:r>
+              <a:r>
+                <a:rPr lang="en-US" sz="2000" b="1">
+                  <a:solidFill>
+                    <a:srgbClr val="FFFFFF"/>
+                  </a:solidFill>
+                  <a:ea typeface="Courier New Bold" charset="0"/>
+                  <a:cs typeface="Courier New Bold" charset="0"/>
+                  <a:sym typeface="Courier New Bold" charset="0"/>
+                </a:rPr>
+                <a:t>011000</a:t>
+              </a:r>
+            </a:p>
+          </p:txBody>
+        </p:sp>
+      </p:grpSp>
+      <p:grpSp>
+        <p:nvGrpSpPr>
+          <p:cNvPr id="110" name="Group 26"/>
+          <p:cNvGrpSpPr>
+            <a:grpSpLocks/>
+          </p:cNvGrpSpPr>
+          <p:nvPr/>
+        </p:nvGrpSpPr>
+        <p:grpSpPr bwMode="auto">
+          <a:xfrm>
+            <a:off x="7543801" y="3086100"/>
+            <a:ext cx="1371600" cy="457200"/>
+            <a:chOff x="0" y="0"/>
+            <a:chExt cx="864" cy="288"/>
+          </a:xfrm>
+          <a:solidFill>
+            <a:srgbClr val="F7B217"/>
+          </a:solidFill>
+        </p:grpSpPr>
+        <p:sp>
+          <p:nvSpPr>
+            <p:cNvPr id="111" name="Rectangle 27"/>
+            <p:cNvSpPr>
+              <a:spLocks/>
+            </p:cNvSpPr>
+            <p:nvPr/>
+          </p:nvSpPr>
+          <p:spPr bwMode="auto">
+            <a:xfrm>
+              <a:off x="0" y="0"/>
+              <a:ext cx="864" cy="288"/>
+            </a:xfrm>
+            <a:prstGeom prst="rect">
+              <a:avLst/>
+            </a:prstGeom>
+            <a:grpFill/>
+            <a:ln w="25400">
+              <a:solidFill>
+                <a:srgbClr val="000066"/>
+              </a:solidFill>
+              <a:miter lim="800000"/>
+              <a:headEnd/>
+              <a:tailEnd/>
+            </a:ln>
+          </p:spPr>
+          <p:txBody>
+            <a:bodyPr lIns="0" tIns="0" rIns="0" bIns="0">
+              <a:prstTxWarp prst="textNoShape">
+                <a:avLst/>
+              </a:prstTxWarp>
+            </a:bodyPr>
+            <a:lstStyle/>
+            <a:p>
+              <a:pPr algn="ctr" eaLnBrk="1" hangingPunct="1"/>
+              <a:endParaRPr lang="en-US" sz="2000" b="1" smtClean="0">
+                <a:solidFill>
+                  <a:srgbClr val="000000"/>
+                </a:solidFill>
+                <a:ea typeface="ヒラギノ角ゴ ProN W3" charset="-128"/>
+                <a:cs typeface="ヒラギノ角ゴ ProN W3" charset="-128"/>
+                <a:sym typeface="Gill Sans" charset="0"/>
+              </a:endParaRPr>
+            </a:p>
+          </p:txBody>
+        </p:sp>
+        <p:sp>
+          <p:nvSpPr>
+            <p:cNvPr id="112" name="Rectangle 28"/>
+            <p:cNvSpPr>
+              <a:spLocks/>
+            </p:cNvSpPr>
+            <p:nvPr/>
+          </p:nvSpPr>
+          <p:spPr bwMode="auto">
+            <a:xfrm>
+              <a:off x="38" y="15"/>
+              <a:ext cx="787" cy="259"/>
+            </a:xfrm>
+            <a:prstGeom prst="rect">
+              <a:avLst/>
+            </a:prstGeom>
+            <a:grpFill/>
+            <a:ln w="12700">
+              <a:noFill/>
+              <a:miter lim="800000"/>
+              <a:headEnd/>
+              <a:tailEnd/>
+            </a:ln>
+          </p:spPr>
+          <p:txBody>
+            <a:bodyPr wrap="none" lIns="50800" tIns="50800" bIns="50800" anchor="ctr">
+              <a:prstTxWarp prst="textNoShape">
+                <a:avLst/>
+              </a:prstTxWarp>
+              <a:spAutoFit/>
+            </a:bodyPr>
+            <a:lstStyle/>
+            <a:p>
+              <a:pPr algn="ctr" eaLnBrk="1" hangingPunct="1"/>
+              <a:r>
+                <a:rPr lang="en-US" sz="2000" b="1">
+                  <a:solidFill>
+                    <a:srgbClr val="000066"/>
+                  </a:solidFill>
+                  <a:ea typeface="Helvetica" charset="0"/>
+                  <a:cs typeface="Helvetica" charset="0"/>
+                  <a:sym typeface="Helvetica" charset="0"/>
+                </a:rPr>
+                <a:t>Arith. </a:t>
+              </a:r>
+              <a:r>
+                <a:rPr lang="en-US" sz="2000" b="1">
+                  <a:solidFill>
+                    <a:srgbClr val="000066"/>
+                  </a:solidFill>
+                  <a:ea typeface="Courier New Bold" charset="0"/>
+                  <a:cs typeface="Courier New Bold" charset="0"/>
+                  <a:sym typeface="Courier New Bold" charset="0"/>
+                </a:rPr>
+                <a:t>&gt;&gt; 2</a:t>
+              </a:r>
+            </a:p>
+          </p:txBody>
+        </p:sp>
+      </p:grpSp>
+      <p:grpSp>
+        <p:nvGrpSpPr>
+          <p:cNvPr id="113" name="Group 29"/>
+          <p:cNvGrpSpPr>
+            <a:grpSpLocks/>
+          </p:cNvGrpSpPr>
+          <p:nvPr/>
+        </p:nvGrpSpPr>
+        <p:grpSpPr bwMode="auto">
+          <a:xfrm>
+            <a:off x="8915400" y="3924300"/>
+            <a:ext cx="1371600" cy="457200"/>
+            <a:chOff x="0" y="0"/>
+            <a:chExt cx="864" cy="288"/>
+          </a:xfrm>
+          <a:solidFill>
+            <a:srgbClr val="F7B217"/>
+          </a:solidFill>
+        </p:grpSpPr>
+        <p:sp>
+          <p:nvSpPr>
+            <p:cNvPr id="114" name="Rectangle 30"/>
+            <p:cNvSpPr>
+              <a:spLocks/>
+            </p:cNvSpPr>
+            <p:nvPr/>
+          </p:nvSpPr>
+          <p:spPr bwMode="auto">
+            <a:xfrm>
+              <a:off x="0" y="0"/>
+              <a:ext cx="864" cy="288"/>
+            </a:xfrm>
+            <a:prstGeom prst="rect">
+              <a:avLst/>
+            </a:prstGeom>
+            <a:grpFill/>
+            <a:ln w="25400">
+              <a:solidFill>
+                <a:srgbClr val="000066"/>
+              </a:solidFill>
+              <a:miter lim="800000"/>
+              <a:headEnd/>
+              <a:tailEnd/>
+            </a:ln>
+          </p:spPr>
+          <p:txBody>
+            <a:bodyPr lIns="0" tIns="0" rIns="0" bIns="0">
+              <a:prstTxWarp prst="textNoShape">
+                <a:avLst/>
+              </a:prstTxWarp>
+            </a:bodyPr>
+            <a:lstStyle/>
+            <a:p>
+              <a:pPr algn="ctr" eaLnBrk="1" hangingPunct="1"/>
+              <a:endParaRPr lang="en-US" sz="2000" b="1" smtClean="0">
+                <a:solidFill>
+                  <a:srgbClr val="000000"/>
+                </a:solidFill>
+                <a:ea typeface="ヒラギノ角ゴ ProN W3" charset="-128"/>
+                <a:cs typeface="ヒラギノ角ゴ ProN W3" charset="-128"/>
+                <a:sym typeface="Gill Sans" charset="0"/>
+              </a:endParaRPr>
+            </a:p>
+          </p:txBody>
+        </p:sp>
+        <p:sp>
+          <p:nvSpPr>
+            <p:cNvPr id="115" name="Rectangle 31"/>
+            <p:cNvSpPr>
+              <a:spLocks/>
+            </p:cNvSpPr>
+            <p:nvPr/>
+          </p:nvSpPr>
+          <p:spPr bwMode="auto">
+            <a:xfrm>
+              <a:off x="59" y="15"/>
+              <a:ext cx="745" cy="259"/>
+            </a:xfrm>
+            <a:prstGeom prst="rect">
+              <a:avLst/>
+            </a:prstGeom>
+            <a:grpFill/>
+            <a:ln w="12700">
+              <a:noFill/>
+              <a:miter lim="800000"/>
+              <a:headEnd/>
+              <a:tailEnd/>
+            </a:ln>
+          </p:spPr>
+          <p:txBody>
+            <a:bodyPr wrap="none" lIns="50800" tIns="50800" bIns="50800" anchor="ctr">
+              <a:prstTxWarp prst="textNoShape">
+                <a:avLst/>
+              </a:prstTxWarp>
+              <a:spAutoFit/>
+            </a:bodyPr>
+            <a:lstStyle/>
+            <a:p>
+              <a:pPr algn="ctr" eaLnBrk="1" hangingPunct="1"/>
+              <a:r>
+                <a:rPr lang="en-US" sz="2000" b="1">
+                  <a:solidFill>
+                    <a:srgbClr val="000066"/>
+                  </a:solidFill>
+                  <a:ea typeface="Courier New Bold" charset="0"/>
+                  <a:cs typeface="Courier New Bold" charset="0"/>
+                  <a:sym typeface="Courier New Bold" charset="0"/>
+                </a:rPr>
+                <a:t>10100010</a:t>
+              </a:r>
+            </a:p>
+          </p:txBody>
+        </p:sp>
+      </p:grpSp>
+      <p:grpSp>
+        <p:nvGrpSpPr>
+          <p:cNvPr id="116" name="Group 32"/>
+          <p:cNvGrpSpPr>
+            <a:grpSpLocks/>
+          </p:cNvGrpSpPr>
+          <p:nvPr/>
+        </p:nvGrpSpPr>
+        <p:grpSpPr bwMode="auto">
+          <a:xfrm>
+            <a:off x="7542248" y="3924300"/>
+            <a:ext cx="1373117" cy="457200"/>
+            <a:chOff x="20" y="0"/>
+            <a:chExt cx="864" cy="288"/>
+          </a:xfrm>
+          <a:solidFill>
+            <a:srgbClr val="F7B217"/>
+          </a:solidFill>
+        </p:grpSpPr>
+        <p:sp>
+          <p:nvSpPr>
+            <p:cNvPr id="117" name="Rectangle 33"/>
+            <p:cNvSpPr>
+              <a:spLocks/>
+            </p:cNvSpPr>
+            <p:nvPr/>
+          </p:nvSpPr>
+          <p:spPr bwMode="auto">
+            <a:xfrm>
+              <a:off x="20" y="0"/>
+              <a:ext cx="864" cy="288"/>
+            </a:xfrm>
+            <a:prstGeom prst="rect">
+              <a:avLst/>
+            </a:prstGeom>
+            <a:grpFill/>
+            <a:ln w="25400">
+              <a:solidFill>
+                <a:srgbClr val="000066"/>
+              </a:solidFill>
+              <a:miter lim="800000"/>
+              <a:headEnd/>
+              <a:tailEnd/>
+            </a:ln>
+          </p:spPr>
+          <p:txBody>
+            <a:bodyPr lIns="0" tIns="0" rIns="0" bIns="0">
+              <a:prstTxWarp prst="textNoShape">
+                <a:avLst/>
+              </a:prstTxWarp>
+            </a:bodyPr>
+            <a:lstStyle/>
+            <a:p>
+              <a:pPr algn="ctr" eaLnBrk="1" hangingPunct="1"/>
+              <a:endParaRPr lang="en-US" sz="2000" b="1" smtClean="0">
+                <a:solidFill>
+                  <a:srgbClr val="000000"/>
+                </a:solidFill>
+                <a:ea typeface="ヒラギノ角ゴ ProN W3" charset="-128"/>
+                <a:cs typeface="ヒラギノ角ゴ ProN W3" charset="-128"/>
+                <a:sym typeface="Gill Sans" charset="0"/>
+              </a:endParaRPr>
+            </a:p>
+          </p:txBody>
+        </p:sp>
+        <p:sp>
+          <p:nvSpPr>
+            <p:cNvPr id="118" name="Rectangle 34"/>
+            <p:cNvSpPr>
+              <a:spLocks/>
+            </p:cNvSpPr>
+            <p:nvPr/>
+          </p:nvSpPr>
+          <p:spPr bwMode="auto">
+            <a:xfrm>
+              <a:off x="362" y="15"/>
+              <a:ext cx="179" cy="259"/>
+            </a:xfrm>
+            <a:prstGeom prst="rect">
+              <a:avLst/>
+            </a:prstGeom>
+            <a:grpFill/>
+            <a:ln w="12700">
+              <a:noFill/>
+              <a:miter lim="800000"/>
+              <a:headEnd/>
+              <a:tailEnd/>
+            </a:ln>
+          </p:spPr>
+          <p:txBody>
+            <a:bodyPr wrap="none" lIns="50800" tIns="50800" bIns="50800" anchor="ctr">
+              <a:prstTxWarp prst="textNoShape">
+                <a:avLst/>
+              </a:prstTxWarp>
+              <a:spAutoFit/>
+            </a:bodyPr>
+            <a:lstStyle/>
+            <a:p>
+              <a:pPr algn="ctr" eaLnBrk="1" hangingPunct="1"/>
+              <a:r>
+                <a:rPr lang="en-US" sz="2000" b="1" dirty="0" smtClean="0">
+                  <a:solidFill>
+                    <a:srgbClr val="000066"/>
+                  </a:solidFill>
+                  <a:ea typeface="Courier New Bold" charset="0"/>
+                  <a:cs typeface="Courier New Bold" charset="0"/>
+                  <a:sym typeface="Courier New Bold" charset="0"/>
+                </a:rPr>
+                <a:t>X</a:t>
+              </a:r>
+              <a:endParaRPr lang="en-US" sz="2000" b="1" dirty="0">
+                <a:solidFill>
+                  <a:srgbClr val="000066"/>
+                </a:solidFill>
+                <a:ea typeface="Courier New Bold" charset="0"/>
+                <a:cs typeface="Courier New Bold" charset="0"/>
+                <a:sym typeface="Courier New Bold" charset="0"/>
+              </a:endParaRPr>
+            </a:p>
+          </p:txBody>
+        </p:sp>
+      </p:grpSp>
+      <p:grpSp>
+        <p:nvGrpSpPr>
+          <p:cNvPr id="119" name="Group 35"/>
+          <p:cNvGrpSpPr>
+            <a:grpSpLocks/>
+          </p:cNvGrpSpPr>
+          <p:nvPr/>
+        </p:nvGrpSpPr>
+        <p:grpSpPr bwMode="auto">
+          <a:xfrm>
+            <a:off x="8915400" y="4381500"/>
+            <a:ext cx="1371600" cy="457200"/>
+            <a:chOff x="0" y="0"/>
+            <a:chExt cx="864" cy="288"/>
+          </a:xfrm>
+          <a:solidFill>
+            <a:srgbClr val="F7B217"/>
+          </a:solidFill>
+        </p:grpSpPr>
+        <p:sp>
+          <p:nvSpPr>
+            <p:cNvPr id="120" name="Rectangle 36"/>
+            <p:cNvSpPr>
+              <a:spLocks/>
+            </p:cNvSpPr>
+            <p:nvPr/>
+          </p:nvSpPr>
+          <p:spPr bwMode="auto">
+            <a:xfrm>
+              <a:off x="0" y="0"/>
+              <a:ext cx="864" cy="288"/>
+            </a:xfrm>
+            <a:prstGeom prst="rect">
+              <a:avLst/>
+            </a:prstGeom>
+            <a:grpFill/>
+            <a:ln w="25400">
+              <a:solidFill>
+                <a:srgbClr val="000066"/>
+              </a:solidFill>
+              <a:miter lim="800000"/>
+              <a:headEnd/>
+              <a:tailEnd/>
+            </a:ln>
+          </p:spPr>
+          <p:txBody>
+            <a:bodyPr lIns="0" tIns="0" rIns="0" bIns="0">
+              <a:prstTxWarp prst="textNoShape">
+                <a:avLst/>
+              </a:prstTxWarp>
+            </a:bodyPr>
+            <a:lstStyle/>
+            <a:p>
+              <a:pPr algn="ctr" eaLnBrk="1" hangingPunct="1"/>
+              <a:endParaRPr lang="en-US" sz="2000" b="1" smtClean="0">
+                <a:solidFill>
+                  <a:srgbClr val="000000"/>
+                </a:solidFill>
+                <a:ea typeface="ヒラギノ角ゴ ProN W3" charset="-128"/>
+                <a:cs typeface="ヒラギノ角ゴ ProN W3" charset="-128"/>
+                <a:sym typeface="Gill Sans" charset="0"/>
+              </a:endParaRPr>
+            </a:p>
+          </p:txBody>
+        </p:sp>
+        <p:sp>
+          <p:nvSpPr>
+            <p:cNvPr id="121" name="Rectangle 37"/>
+            <p:cNvSpPr>
+              <a:spLocks/>
+            </p:cNvSpPr>
+            <p:nvPr/>
+          </p:nvSpPr>
+          <p:spPr bwMode="auto">
+            <a:xfrm>
+              <a:off x="59" y="15"/>
+              <a:ext cx="745" cy="259"/>
+            </a:xfrm>
+            <a:prstGeom prst="rect">
+              <a:avLst/>
+            </a:prstGeom>
+            <a:grpFill/>
+            <a:ln w="12700">
+              <a:noFill/>
+              <a:miter lim="800000"/>
+              <a:headEnd/>
+              <a:tailEnd/>
+            </a:ln>
+          </p:spPr>
+          <p:txBody>
+            <a:bodyPr wrap="none" lIns="50800" tIns="50800" bIns="50800" anchor="ctr">
+              <a:prstTxWarp prst="textNoShape">
+                <a:avLst/>
+              </a:prstTxWarp>
+              <a:spAutoFit/>
+            </a:bodyPr>
+            <a:lstStyle/>
+            <a:p>
+              <a:pPr algn="ctr" eaLnBrk="1" hangingPunct="1"/>
+              <a:r>
+                <a:rPr lang="en-US" sz="2000" b="1">
+                  <a:solidFill>
+                    <a:srgbClr val="FFFFFF"/>
+                  </a:solidFill>
+                  <a:ea typeface="Courier New Bold" charset="0"/>
+                  <a:cs typeface="Courier New Bold" charset="0"/>
+                  <a:sym typeface="Courier New Bold" charset="0"/>
+                </a:rPr>
+                <a:t>00010</a:t>
+              </a:r>
+              <a:r>
+                <a:rPr lang="en-US" sz="2000" b="1">
+                  <a:solidFill>
+                    <a:srgbClr val="FFFFFF"/>
+                  </a:solidFill>
+                  <a:ea typeface="Courier New Bold Italic" charset="0"/>
+                  <a:cs typeface="Courier New Bold Italic" charset="0"/>
+                  <a:sym typeface="Courier New Bold Italic" charset="0"/>
+                </a:rPr>
+                <a:t>000</a:t>
+              </a:r>
+            </a:p>
+          </p:txBody>
+        </p:sp>
+      </p:grpSp>
+      <p:grpSp>
+        <p:nvGrpSpPr>
+          <p:cNvPr id="122" name="Group 38"/>
+          <p:cNvGrpSpPr>
+            <a:grpSpLocks/>
+          </p:cNvGrpSpPr>
+          <p:nvPr/>
+        </p:nvGrpSpPr>
+        <p:grpSpPr bwMode="auto">
+          <a:xfrm>
+            <a:off x="7543800" y="4381500"/>
+            <a:ext cx="1371600" cy="457200"/>
+            <a:chOff x="0" y="0"/>
+            <a:chExt cx="864" cy="288"/>
+          </a:xfrm>
+          <a:solidFill>
+            <a:srgbClr val="F7B217"/>
+          </a:solidFill>
+        </p:grpSpPr>
+        <p:sp>
+          <p:nvSpPr>
+            <p:cNvPr id="123" name="Rectangle 39"/>
+            <p:cNvSpPr>
+              <a:spLocks/>
+            </p:cNvSpPr>
+            <p:nvPr/>
+          </p:nvSpPr>
+          <p:spPr bwMode="auto">
+            <a:xfrm>
+              <a:off x="0" y="0"/>
+              <a:ext cx="864" cy="288"/>
+            </a:xfrm>
+            <a:prstGeom prst="rect">
+              <a:avLst/>
+            </a:prstGeom>
+            <a:grpFill/>
+            <a:ln w="25400">
+              <a:solidFill>
+                <a:srgbClr val="000066"/>
+              </a:solidFill>
+              <a:miter lim="800000"/>
+              <a:headEnd/>
+              <a:tailEnd/>
+            </a:ln>
+          </p:spPr>
+          <p:txBody>
+            <a:bodyPr lIns="0" tIns="0" rIns="0" bIns="0">
+              <a:prstTxWarp prst="textNoShape">
+                <a:avLst/>
+              </a:prstTxWarp>
+            </a:bodyPr>
+            <a:lstStyle/>
+            <a:p>
+              <a:pPr algn="ctr" eaLnBrk="1" hangingPunct="1"/>
+              <a:endParaRPr lang="en-US" sz="2000" b="1" smtClean="0">
+                <a:solidFill>
+                  <a:srgbClr val="000000"/>
+                </a:solidFill>
+                <a:ea typeface="ヒラギノ角ゴ ProN W3" charset="-128"/>
+                <a:cs typeface="ヒラギノ角ゴ ProN W3" charset="-128"/>
+                <a:sym typeface="Gill Sans" charset="0"/>
+              </a:endParaRPr>
+            </a:p>
+          </p:txBody>
+        </p:sp>
+        <p:sp>
+          <p:nvSpPr>
+            <p:cNvPr id="124" name="Rectangle 40"/>
+            <p:cNvSpPr>
+              <a:spLocks/>
+            </p:cNvSpPr>
+            <p:nvPr/>
+          </p:nvSpPr>
+          <p:spPr bwMode="auto">
+            <a:xfrm>
+              <a:off x="246" y="15"/>
+              <a:ext cx="370" cy="259"/>
+            </a:xfrm>
+            <a:prstGeom prst="rect">
+              <a:avLst/>
+            </a:prstGeom>
+            <a:grpFill/>
+            <a:ln w="12700">
+              <a:noFill/>
+              <a:miter lim="800000"/>
+              <a:headEnd/>
+              <a:tailEnd/>
+            </a:ln>
+          </p:spPr>
+          <p:txBody>
+            <a:bodyPr wrap="none" lIns="50800" tIns="50800" bIns="50800" anchor="ctr">
+              <a:prstTxWarp prst="textNoShape">
+                <a:avLst/>
+              </a:prstTxWarp>
+              <a:spAutoFit/>
+            </a:bodyPr>
+            <a:lstStyle/>
+            <a:p>
+              <a:pPr algn="ctr" eaLnBrk="1" hangingPunct="1"/>
+              <a:r>
+                <a:rPr lang="en-US" sz="2000" b="1" dirty="0">
+                  <a:solidFill>
+                    <a:srgbClr val="000066"/>
+                  </a:solidFill>
+                  <a:ea typeface="Courier New Bold" charset="0"/>
+                  <a:cs typeface="Courier New Bold" charset="0"/>
+                  <a:sym typeface="Courier New Bold" charset="0"/>
+                </a:rPr>
+                <a:t>&lt;&lt; 3</a:t>
+              </a:r>
+            </a:p>
+          </p:txBody>
+        </p:sp>
+      </p:grpSp>
+      <p:grpSp>
+        <p:nvGrpSpPr>
+          <p:cNvPr id="125" name="Group 41"/>
+          <p:cNvGrpSpPr>
+            <a:grpSpLocks/>
+          </p:cNvGrpSpPr>
+          <p:nvPr/>
+        </p:nvGrpSpPr>
+        <p:grpSpPr bwMode="auto">
+          <a:xfrm>
+            <a:off x="8915400" y="4838700"/>
+            <a:ext cx="1371600" cy="457200"/>
+            <a:chOff x="0" y="0"/>
+            <a:chExt cx="864" cy="288"/>
+          </a:xfrm>
+          <a:solidFill>
+            <a:srgbClr val="F7B217"/>
+          </a:solidFill>
+        </p:grpSpPr>
+        <p:sp>
+          <p:nvSpPr>
+            <p:cNvPr id="126" name="Rectangle 42"/>
+            <p:cNvSpPr>
+              <a:spLocks/>
+            </p:cNvSpPr>
+            <p:nvPr/>
+          </p:nvSpPr>
+          <p:spPr bwMode="auto">
+            <a:xfrm>
+              <a:off x="0" y="0"/>
+              <a:ext cx="864" cy="288"/>
+            </a:xfrm>
+            <a:prstGeom prst="rect">
+              <a:avLst/>
+            </a:prstGeom>
+            <a:grpFill/>
+            <a:ln w="25400">
+              <a:solidFill>
+                <a:srgbClr val="000066"/>
+              </a:solidFill>
+              <a:miter lim="800000"/>
+              <a:headEnd/>
+              <a:tailEnd/>
+            </a:ln>
+          </p:spPr>
+          <p:txBody>
+            <a:bodyPr lIns="0" tIns="0" rIns="0" bIns="0">
+              <a:prstTxWarp prst="textNoShape">
+                <a:avLst/>
+              </a:prstTxWarp>
+            </a:bodyPr>
+            <a:lstStyle/>
+            <a:p>
+              <a:pPr algn="ctr" eaLnBrk="1" hangingPunct="1"/>
+              <a:endParaRPr lang="en-US" sz="2000" b="1" smtClean="0">
+                <a:solidFill>
+                  <a:srgbClr val="000000"/>
+                </a:solidFill>
+                <a:ea typeface="ヒラギノ角ゴ ProN W3" charset="-128"/>
+                <a:cs typeface="ヒラギノ角ゴ ProN W3" charset="-128"/>
+                <a:sym typeface="Gill Sans" charset="0"/>
+              </a:endParaRPr>
+            </a:p>
+          </p:txBody>
+        </p:sp>
+        <p:sp>
+          <p:nvSpPr>
+            <p:cNvPr id="127" name="Rectangle 43"/>
+            <p:cNvSpPr>
+              <a:spLocks/>
+            </p:cNvSpPr>
+            <p:nvPr/>
+          </p:nvSpPr>
+          <p:spPr bwMode="auto">
+            <a:xfrm>
+              <a:off x="59" y="15"/>
+              <a:ext cx="745" cy="259"/>
+            </a:xfrm>
+            <a:prstGeom prst="rect">
+              <a:avLst/>
+            </a:prstGeom>
+            <a:grpFill/>
+            <a:ln w="12700">
+              <a:noFill/>
+              <a:miter lim="800000"/>
+              <a:headEnd/>
+              <a:tailEnd/>
+            </a:ln>
+          </p:spPr>
+          <p:txBody>
+            <a:bodyPr wrap="none" lIns="50800" tIns="50800" bIns="50800" anchor="ctr">
+              <a:prstTxWarp prst="textNoShape">
+                <a:avLst/>
+              </a:prstTxWarp>
+              <a:spAutoFit/>
+            </a:bodyPr>
+            <a:lstStyle/>
+            <a:p>
+              <a:pPr algn="ctr" eaLnBrk="1" hangingPunct="1"/>
+              <a:r>
+                <a:rPr lang="en-US" sz="2000" b="1">
+                  <a:solidFill>
+                    <a:srgbClr val="FFFFFF"/>
+                  </a:solidFill>
+                  <a:ea typeface="Courier New Bold Italic" charset="0"/>
+                  <a:cs typeface="Courier New Bold Italic" charset="0"/>
+                  <a:sym typeface="Courier New Bold Italic" charset="0"/>
+                </a:rPr>
+                <a:t>00</a:t>
+              </a:r>
+              <a:r>
+                <a:rPr lang="en-US" sz="2000" b="1">
+                  <a:solidFill>
+                    <a:srgbClr val="FFFFFF"/>
+                  </a:solidFill>
+                  <a:ea typeface="Courier New Bold" charset="0"/>
+                  <a:cs typeface="Courier New Bold" charset="0"/>
+                  <a:sym typeface="Courier New Bold" charset="0"/>
+                </a:rPr>
+                <a:t>101000</a:t>
+              </a:r>
+            </a:p>
+          </p:txBody>
+        </p:sp>
+      </p:grpSp>
+      <p:grpSp>
+        <p:nvGrpSpPr>
+          <p:cNvPr id="128" name="Group 44"/>
+          <p:cNvGrpSpPr>
+            <a:grpSpLocks/>
+          </p:cNvGrpSpPr>
+          <p:nvPr/>
+        </p:nvGrpSpPr>
+        <p:grpSpPr bwMode="auto">
+          <a:xfrm>
+            <a:off x="7543800" y="4838700"/>
+            <a:ext cx="1371600" cy="457200"/>
+            <a:chOff x="0" y="0"/>
+            <a:chExt cx="864" cy="288"/>
+          </a:xfrm>
+          <a:solidFill>
+            <a:srgbClr val="F7B217"/>
+          </a:solidFill>
+        </p:grpSpPr>
+        <p:sp>
+          <p:nvSpPr>
+            <p:cNvPr id="129" name="Rectangle 45"/>
+            <p:cNvSpPr>
+              <a:spLocks/>
+            </p:cNvSpPr>
+            <p:nvPr/>
+          </p:nvSpPr>
+          <p:spPr bwMode="auto">
+            <a:xfrm>
+              <a:off x="0" y="0"/>
+              <a:ext cx="864" cy="288"/>
+            </a:xfrm>
+            <a:prstGeom prst="rect">
+              <a:avLst/>
+            </a:prstGeom>
+            <a:grpFill/>
+            <a:ln w="25400">
+              <a:solidFill>
+                <a:srgbClr val="000066"/>
+              </a:solidFill>
+              <a:miter lim="800000"/>
+              <a:headEnd/>
+              <a:tailEnd/>
+            </a:ln>
+          </p:spPr>
+          <p:txBody>
+            <a:bodyPr lIns="0" tIns="0" rIns="0" bIns="0">
+              <a:prstTxWarp prst="textNoShape">
+                <a:avLst/>
+              </a:prstTxWarp>
+            </a:bodyPr>
+            <a:lstStyle/>
+            <a:p>
+              <a:pPr algn="ctr" eaLnBrk="1" hangingPunct="1"/>
+              <a:endParaRPr lang="en-US" sz="2000" b="1" smtClean="0">
+                <a:solidFill>
+                  <a:srgbClr val="000000"/>
+                </a:solidFill>
+                <a:ea typeface="ヒラギノ角ゴ ProN W3" charset="-128"/>
+                <a:cs typeface="ヒラギノ角ゴ ProN W3" charset="-128"/>
+                <a:sym typeface="Gill Sans" charset="0"/>
+              </a:endParaRPr>
+            </a:p>
+          </p:txBody>
+        </p:sp>
+        <p:sp>
+          <p:nvSpPr>
+            <p:cNvPr id="130" name="Rectangle 46"/>
+            <p:cNvSpPr>
+              <a:spLocks/>
+            </p:cNvSpPr>
+            <p:nvPr/>
+          </p:nvSpPr>
+          <p:spPr bwMode="auto">
+            <a:xfrm>
+              <a:off x="90" y="15"/>
+              <a:ext cx="682" cy="259"/>
+            </a:xfrm>
+            <a:prstGeom prst="rect">
+              <a:avLst/>
+            </a:prstGeom>
+            <a:grpFill/>
+            <a:ln w="12700">
+              <a:noFill/>
+              <a:miter lim="800000"/>
+              <a:headEnd/>
+              <a:tailEnd/>
+            </a:ln>
+          </p:spPr>
+          <p:txBody>
+            <a:bodyPr wrap="none" lIns="50800" tIns="50800" bIns="50800" anchor="ctr">
+              <a:prstTxWarp prst="textNoShape">
+                <a:avLst/>
+              </a:prstTxWarp>
+              <a:spAutoFit/>
+            </a:bodyPr>
+            <a:lstStyle/>
+            <a:p>
+              <a:pPr algn="ctr" eaLnBrk="1" hangingPunct="1"/>
+              <a:r>
+                <a:rPr lang="en-US" sz="2000" b="1">
+                  <a:solidFill>
+                    <a:srgbClr val="000066"/>
+                  </a:solidFill>
+                  <a:ea typeface="Helvetica" charset="0"/>
+                  <a:cs typeface="Helvetica" charset="0"/>
+                  <a:sym typeface="Helvetica" charset="0"/>
+                </a:rPr>
+                <a:t>Log. </a:t>
+              </a:r>
+              <a:r>
+                <a:rPr lang="en-US" sz="2000" b="1">
+                  <a:solidFill>
+                    <a:srgbClr val="000066"/>
+                  </a:solidFill>
+                  <a:ea typeface="Courier New Bold" charset="0"/>
+                  <a:cs typeface="Courier New Bold" charset="0"/>
+                  <a:sym typeface="Courier New Bold" charset="0"/>
+                </a:rPr>
+                <a:t>&gt;&gt; 2</a:t>
+              </a:r>
+            </a:p>
+          </p:txBody>
+        </p:sp>
+      </p:grpSp>
+      <p:grpSp>
+        <p:nvGrpSpPr>
+          <p:cNvPr id="131" name="Group 47"/>
+          <p:cNvGrpSpPr>
+            <a:grpSpLocks/>
+          </p:cNvGrpSpPr>
+          <p:nvPr/>
+        </p:nvGrpSpPr>
+        <p:grpSpPr bwMode="auto">
+          <a:xfrm>
+            <a:off x="8915400" y="5295900"/>
+            <a:ext cx="1371600" cy="457200"/>
+            <a:chOff x="0" y="0"/>
+            <a:chExt cx="864" cy="288"/>
+          </a:xfrm>
+          <a:solidFill>
+            <a:srgbClr val="F7B217"/>
+          </a:solidFill>
+        </p:grpSpPr>
+        <p:sp>
+          <p:nvSpPr>
+            <p:cNvPr id="132" name="Rectangle 48"/>
+            <p:cNvSpPr>
+              <a:spLocks/>
+            </p:cNvSpPr>
+            <p:nvPr/>
+          </p:nvSpPr>
+          <p:spPr bwMode="auto">
+            <a:xfrm>
+              <a:off x="0" y="0"/>
+              <a:ext cx="864" cy="288"/>
+            </a:xfrm>
+            <a:prstGeom prst="rect">
+              <a:avLst/>
+            </a:prstGeom>
+            <a:grpFill/>
+            <a:ln w="25400">
+              <a:solidFill>
+                <a:srgbClr val="000066"/>
+              </a:solidFill>
+              <a:miter lim="800000"/>
+              <a:headEnd/>
+              <a:tailEnd/>
+            </a:ln>
+          </p:spPr>
+          <p:txBody>
+            <a:bodyPr lIns="0" tIns="0" rIns="0" bIns="0">
+              <a:prstTxWarp prst="textNoShape">
+                <a:avLst/>
+              </a:prstTxWarp>
+            </a:bodyPr>
+            <a:lstStyle/>
+            <a:p>
+              <a:pPr algn="ctr" eaLnBrk="1" hangingPunct="1"/>
+              <a:endParaRPr lang="en-US" sz="2000" b="1" smtClean="0">
+                <a:solidFill>
+                  <a:srgbClr val="000000"/>
+                </a:solidFill>
+                <a:ea typeface="ヒラギノ角ゴ ProN W3" charset="-128"/>
+                <a:cs typeface="ヒラギノ角ゴ ProN W3" charset="-128"/>
+                <a:sym typeface="Gill Sans" charset="0"/>
+              </a:endParaRPr>
+            </a:p>
+          </p:txBody>
+        </p:sp>
+        <p:sp>
+          <p:nvSpPr>
+            <p:cNvPr id="133" name="Rectangle 49"/>
+            <p:cNvSpPr>
+              <a:spLocks/>
+            </p:cNvSpPr>
+            <p:nvPr/>
+          </p:nvSpPr>
+          <p:spPr bwMode="auto">
+            <a:xfrm>
+              <a:off x="59" y="15"/>
+              <a:ext cx="745" cy="259"/>
+            </a:xfrm>
+            <a:prstGeom prst="rect">
+              <a:avLst/>
+            </a:prstGeom>
+            <a:grpFill/>
+            <a:ln w="12700">
+              <a:noFill/>
+              <a:miter lim="800000"/>
+              <a:headEnd/>
+              <a:tailEnd/>
+            </a:ln>
+          </p:spPr>
+          <p:txBody>
+            <a:bodyPr wrap="none" lIns="50800" tIns="50800" bIns="50800" anchor="ctr">
+              <a:prstTxWarp prst="textNoShape">
+                <a:avLst/>
+              </a:prstTxWarp>
+              <a:spAutoFit/>
+            </a:bodyPr>
+            <a:lstStyle/>
+            <a:p>
+              <a:pPr algn="ctr" eaLnBrk="1" hangingPunct="1"/>
+              <a:r>
+                <a:rPr lang="en-US" sz="2000" b="1">
+                  <a:solidFill>
+                    <a:srgbClr val="FFFFFF"/>
+                  </a:solidFill>
+                  <a:ea typeface="Courier New Bold Italic" charset="0"/>
+                  <a:cs typeface="Courier New Bold Italic" charset="0"/>
+                  <a:sym typeface="Courier New Bold Italic" charset="0"/>
+                </a:rPr>
+                <a:t>11</a:t>
+              </a:r>
+              <a:r>
+                <a:rPr lang="en-US" sz="2000" b="1">
+                  <a:solidFill>
+                    <a:srgbClr val="FFFFFF"/>
+                  </a:solidFill>
+                  <a:ea typeface="Courier New Bold" charset="0"/>
+                  <a:cs typeface="Courier New Bold" charset="0"/>
+                  <a:sym typeface="Courier New Bold" charset="0"/>
+                </a:rPr>
+                <a:t>101000</a:t>
+              </a:r>
+            </a:p>
+          </p:txBody>
+        </p:sp>
+      </p:grpSp>
+      <p:grpSp>
+        <p:nvGrpSpPr>
+          <p:cNvPr id="134" name="Group 50"/>
+          <p:cNvGrpSpPr>
+            <a:grpSpLocks/>
+          </p:cNvGrpSpPr>
+          <p:nvPr/>
+        </p:nvGrpSpPr>
+        <p:grpSpPr bwMode="auto">
+          <a:xfrm>
+            <a:off x="7543801" y="5295900"/>
+            <a:ext cx="1371600" cy="457200"/>
+            <a:chOff x="0" y="0"/>
+            <a:chExt cx="864" cy="288"/>
+          </a:xfrm>
+          <a:solidFill>
+            <a:srgbClr val="F7B217"/>
+          </a:solidFill>
+        </p:grpSpPr>
+        <p:sp>
+          <p:nvSpPr>
+            <p:cNvPr id="135" name="Rectangle 51"/>
+            <p:cNvSpPr>
+              <a:spLocks/>
+            </p:cNvSpPr>
+            <p:nvPr/>
+          </p:nvSpPr>
+          <p:spPr bwMode="auto">
+            <a:xfrm>
+              <a:off x="0" y="0"/>
+              <a:ext cx="864" cy="288"/>
+            </a:xfrm>
+            <a:prstGeom prst="rect">
+              <a:avLst/>
+            </a:prstGeom>
+            <a:grpFill/>
+            <a:ln w="25400">
+              <a:solidFill>
+                <a:srgbClr val="000066"/>
+              </a:solidFill>
+              <a:miter lim="800000"/>
+              <a:headEnd/>
+              <a:tailEnd/>
+            </a:ln>
+          </p:spPr>
+          <p:txBody>
+            <a:bodyPr lIns="0" tIns="0" rIns="0" bIns="0">
+              <a:prstTxWarp prst="textNoShape">
+                <a:avLst/>
+              </a:prstTxWarp>
+            </a:bodyPr>
+            <a:lstStyle/>
+            <a:p>
+              <a:pPr algn="ctr" eaLnBrk="1" hangingPunct="1"/>
+              <a:endParaRPr lang="en-US" sz="2000" b="1" smtClean="0">
+                <a:solidFill>
+                  <a:srgbClr val="000000"/>
+                </a:solidFill>
+                <a:ea typeface="ヒラギノ角ゴ ProN W3" charset="-128"/>
+                <a:cs typeface="ヒラギノ角ゴ ProN W3" charset="-128"/>
+                <a:sym typeface="Gill Sans" charset="0"/>
+              </a:endParaRPr>
+            </a:p>
+          </p:txBody>
+        </p:sp>
+        <p:sp>
+          <p:nvSpPr>
+            <p:cNvPr id="136" name="Rectangle 52"/>
+            <p:cNvSpPr>
+              <a:spLocks/>
+            </p:cNvSpPr>
+            <p:nvPr/>
+          </p:nvSpPr>
+          <p:spPr bwMode="auto">
+            <a:xfrm>
+              <a:off x="38" y="15"/>
+              <a:ext cx="787" cy="259"/>
+            </a:xfrm>
+            <a:prstGeom prst="rect">
+              <a:avLst/>
+            </a:prstGeom>
+            <a:grpFill/>
+            <a:ln w="12700">
+              <a:noFill/>
+              <a:miter lim="800000"/>
+              <a:headEnd/>
+              <a:tailEnd/>
+            </a:ln>
+          </p:spPr>
+          <p:txBody>
+            <a:bodyPr wrap="none" lIns="50800" tIns="50800" bIns="50800" anchor="ctr">
+              <a:prstTxWarp prst="textNoShape">
+                <a:avLst/>
+              </a:prstTxWarp>
+              <a:spAutoFit/>
+            </a:bodyPr>
+            <a:lstStyle/>
+            <a:p>
+              <a:pPr algn="ctr" eaLnBrk="1" hangingPunct="1"/>
+              <a:r>
+                <a:rPr lang="en-US" sz="2000" b="1" dirty="0" err="1">
+                  <a:solidFill>
+                    <a:srgbClr val="000066"/>
+                  </a:solidFill>
+                  <a:ea typeface="Helvetica" charset="0"/>
+                  <a:cs typeface="Helvetica" charset="0"/>
+                  <a:sym typeface="Helvetica" charset="0"/>
+                </a:rPr>
+                <a:t>Arith</a:t>
+              </a:r>
+              <a:r>
+                <a:rPr lang="en-US" sz="2000" b="1" dirty="0">
+                  <a:solidFill>
+                    <a:srgbClr val="000066"/>
+                  </a:solidFill>
+                  <a:ea typeface="Helvetica" charset="0"/>
+                  <a:cs typeface="Helvetica" charset="0"/>
+                  <a:sym typeface="Helvetica" charset="0"/>
+                </a:rPr>
+                <a:t>. </a:t>
+              </a:r>
+              <a:r>
+                <a:rPr lang="en-US" sz="2000" b="1" dirty="0">
+                  <a:solidFill>
+                    <a:srgbClr val="000066"/>
+                  </a:solidFill>
+                  <a:ea typeface="Courier New Bold" charset="0"/>
+                  <a:cs typeface="Courier New Bold" charset="0"/>
+                  <a:sym typeface="Courier New Bold" charset="0"/>
+                </a:rPr>
+                <a:t>&gt;&gt; 2</a:t>
+              </a:r>
+            </a:p>
+          </p:txBody>
+        </p:sp>
+      </p:grpSp>
+      <p:grpSp>
+        <p:nvGrpSpPr>
+          <p:cNvPr id="137" name="Group 53"/>
+          <p:cNvGrpSpPr>
+            <a:grpSpLocks/>
+          </p:cNvGrpSpPr>
+          <p:nvPr/>
+        </p:nvGrpSpPr>
+        <p:grpSpPr bwMode="auto">
+          <a:xfrm>
+            <a:off x="8915400" y="2171700"/>
+            <a:ext cx="1371600" cy="457200"/>
+            <a:chOff x="0" y="0"/>
+            <a:chExt cx="864" cy="288"/>
+          </a:xfrm>
+          <a:solidFill>
+            <a:srgbClr val="F7B217"/>
+          </a:solidFill>
+        </p:grpSpPr>
+        <p:sp>
+          <p:nvSpPr>
+            <p:cNvPr id="138" name="Rectangle 54"/>
+            <p:cNvSpPr>
+              <a:spLocks/>
+            </p:cNvSpPr>
+            <p:nvPr/>
+          </p:nvSpPr>
+          <p:spPr bwMode="auto">
+            <a:xfrm>
+              <a:off x="0" y="0"/>
+              <a:ext cx="864" cy="288"/>
+            </a:xfrm>
+            <a:prstGeom prst="rect">
+              <a:avLst/>
+            </a:prstGeom>
+            <a:grpFill/>
+            <a:ln w="25400">
+              <a:solidFill>
+                <a:srgbClr val="000066"/>
+              </a:solidFill>
+              <a:miter lim="800000"/>
+              <a:headEnd/>
+              <a:tailEnd/>
+            </a:ln>
+          </p:spPr>
+          <p:txBody>
+            <a:bodyPr lIns="0" tIns="0" rIns="0" bIns="0">
+              <a:prstTxWarp prst="textNoShape">
+                <a:avLst/>
+              </a:prstTxWarp>
+            </a:bodyPr>
+            <a:lstStyle/>
+            <a:p>
+              <a:pPr algn="ctr" eaLnBrk="1" hangingPunct="1"/>
+              <a:endParaRPr lang="en-US" sz="2000" b="1" smtClean="0">
+                <a:solidFill>
+                  <a:srgbClr val="000000"/>
+                </a:solidFill>
+                <a:ea typeface="ヒラギノ角ゴ ProN W3" charset="-128"/>
+                <a:cs typeface="ヒラギノ角ゴ ProN W3" charset="-128"/>
+                <a:sym typeface="Gill Sans" charset="0"/>
+              </a:endParaRPr>
+            </a:p>
+          </p:txBody>
+        </p:sp>
+        <p:sp>
+          <p:nvSpPr>
+            <p:cNvPr id="139" name="Rectangle 55"/>
+            <p:cNvSpPr>
+              <a:spLocks/>
+            </p:cNvSpPr>
+            <p:nvPr/>
+          </p:nvSpPr>
+          <p:spPr bwMode="auto">
+            <a:xfrm>
+              <a:off x="59" y="15"/>
+              <a:ext cx="745" cy="259"/>
+            </a:xfrm>
+            <a:prstGeom prst="rect">
+              <a:avLst/>
+            </a:prstGeom>
+            <a:grpFill/>
+            <a:ln w="12700">
+              <a:noFill/>
+              <a:miter lim="800000"/>
+              <a:headEnd/>
+              <a:tailEnd/>
+            </a:ln>
+          </p:spPr>
+          <p:txBody>
+            <a:bodyPr wrap="none" lIns="50800" tIns="50800" bIns="50800" anchor="ctr">
+              <a:prstTxWarp prst="textNoShape">
+                <a:avLst/>
+              </a:prstTxWarp>
+              <a:spAutoFit/>
+            </a:bodyPr>
+            <a:lstStyle/>
+            <a:p>
+              <a:pPr algn="ctr" eaLnBrk="1" hangingPunct="1"/>
+              <a:r>
+                <a:rPr lang="en-US" sz="2000" b="1">
+                  <a:solidFill>
+                    <a:srgbClr val="000066"/>
+                  </a:solidFill>
+                  <a:ea typeface="Courier New Bold" charset="0"/>
+                  <a:cs typeface="Courier New Bold" charset="0"/>
+                  <a:sym typeface="Courier New Bold" charset="0"/>
+                </a:rPr>
+                <a:t>00010</a:t>
+              </a:r>
+              <a:r>
+                <a:rPr lang="en-US" sz="2000" b="1">
+                  <a:solidFill>
+                    <a:srgbClr val="FFFFFF"/>
+                  </a:solidFill>
+                  <a:ea typeface="Courier New Bold Italic" charset="0"/>
+                  <a:cs typeface="Courier New Bold Italic" charset="0"/>
+                  <a:sym typeface="Courier New Bold Italic" charset="0"/>
+                </a:rPr>
+                <a:t>000</a:t>
+              </a:r>
+            </a:p>
+          </p:txBody>
+        </p:sp>
+      </p:grpSp>
+      <p:grpSp>
+        <p:nvGrpSpPr>
+          <p:cNvPr id="140" name="Group 56"/>
+          <p:cNvGrpSpPr>
+            <a:grpSpLocks/>
+          </p:cNvGrpSpPr>
+          <p:nvPr/>
+        </p:nvGrpSpPr>
+        <p:grpSpPr bwMode="auto">
+          <a:xfrm>
+            <a:off x="8915400" y="2171700"/>
+            <a:ext cx="1371600" cy="457200"/>
+            <a:chOff x="0" y="0"/>
+            <a:chExt cx="864" cy="288"/>
+          </a:xfrm>
+          <a:solidFill>
+            <a:srgbClr val="F7B217"/>
+          </a:solidFill>
+        </p:grpSpPr>
+        <p:sp>
+          <p:nvSpPr>
+            <p:cNvPr id="141" name="Rectangle 57"/>
+            <p:cNvSpPr>
+              <a:spLocks/>
+            </p:cNvSpPr>
+            <p:nvPr/>
+          </p:nvSpPr>
+          <p:spPr bwMode="auto">
+            <a:xfrm>
+              <a:off x="0" y="0"/>
+              <a:ext cx="864" cy="288"/>
+            </a:xfrm>
+            <a:prstGeom prst="rect">
+              <a:avLst/>
+            </a:prstGeom>
+            <a:grpFill/>
+            <a:ln w="25400">
+              <a:solidFill>
+                <a:srgbClr val="000066"/>
+              </a:solidFill>
+              <a:miter lim="800000"/>
+              <a:headEnd/>
+              <a:tailEnd/>
+            </a:ln>
+          </p:spPr>
+          <p:txBody>
+            <a:bodyPr lIns="0" tIns="0" rIns="0" bIns="0">
+              <a:prstTxWarp prst="textNoShape">
+                <a:avLst/>
+              </a:prstTxWarp>
+            </a:bodyPr>
+            <a:lstStyle/>
+            <a:p>
+              <a:pPr algn="ctr" eaLnBrk="1" hangingPunct="1"/>
+              <a:endParaRPr lang="en-US" sz="2000" b="1" smtClean="0">
+                <a:solidFill>
+                  <a:srgbClr val="000000"/>
+                </a:solidFill>
+                <a:ea typeface="ヒラギノ角ゴ ProN W3" charset="-128"/>
+                <a:cs typeface="ヒラギノ角ゴ ProN W3" charset="-128"/>
+                <a:sym typeface="Gill Sans" charset="0"/>
+              </a:endParaRPr>
+            </a:p>
+          </p:txBody>
+        </p:sp>
+        <p:sp>
+          <p:nvSpPr>
+            <p:cNvPr id="142" name="Rectangle 58"/>
+            <p:cNvSpPr>
+              <a:spLocks/>
+            </p:cNvSpPr>
+            <p:nvPr/>
+          </p:nvSpPr>
+          <p:spPr bwMode="auto">
+            <a:xfrm>
+              <a:off x="59" y="15"/>
+              <a:ext cx="745" cy="259"/>
+            </a:xfrm>
+            <a:prstGeom prst="rect">
+              <a:avLst/>
+            </a:prstGeom>
+            <a:grpFill/>
+            <a:ln w="12700">
+              <a:noFill/>
+              <a:miter lim="800000"/>
+              <a:headEnd/>
+              <a:tailEnd/>
+            </a:ln>
+          </p:spPr>
+          <p:txBody>
+            <a:bodyPr wrap="none" lIns="50800" tIns="50800" bIns="50800" anchor="ctr">
+              <a:prstTxWarp prst="textNoShape">
+                <a:avLst/>
+              </a:prstTxWarp>
+              <a:spAutoFit/>
+            </a:bodyPr>
+            <a:lstStyle/>
+            <a:p>
+              <a:pPr algn="ctr" eaLnBrk="1" hangingPunct="1"/>
+              <a:r>
+                <a:rPr lang="en-US" sz="2000" b="1">
+                  <a:solidFill>
+                    <a:srgbClr val="000066"/>
+                  </a:solidFill>
+                  <a:ea typeface="Courier New Bold" charset="0"/>
+                  <a:cs typeface="Courier New Bold" charset="0"/>
+                  <a:sym typeface="Courier New Bold" charset="0"/>
+                </a:rPr>
+                <a:t>00010</a:t>
+              </a:r>
+              <a:r>
+                <a:rPr lang="en-US" sz="2000" b="1">
+                  <a:solidFill>
+                    <a:srgbClr val="000066"/>
+                  </a:solidFill>
+                  <a:ea typeface="Courier New Bold Italic" charset="0"/>
+                  <a:cs typeface="Courier New Bold Italic" charset="0"/>
+                  <a:sym typeface="Courier New Bold Italic" charset="0"/>
+                </a:rPr>
+                <a:t>000</a:t>
+              </a:r>
+            </a:p>
+          </p:txBody>
+        </p:sp>
+      </p:grpSp>
+      <p:grpSp>
+        <p:nvGrpSpPr>
+          <p:cNvPr id="143" name="Group 59"/>
+          <p:cNvGrpSpPr>
+            <a:grpSpLocks/>
+          </p:cNvGrpSpPr>
+          <p:nvPr/>
+        </p:nvGrpSpPr>
+        <p:grpSpPr bwMode="auto">
+          <a:xfrm>
+            <a:off x="8915400" y="2628900"/>
+            <a:ext cx="1371600" cy="457200"/>
+            <a:chOff x="0" y="0"/>
+            <a:chExt cx="864" cy="288"/>
+          </a:xfrm>
+          <a:solidFill>
+            <a:srgbClr val="F7B217"/>
+          </a:solidFill>
+        </p:grpSpPr>
+        <p:sp>
+          <p:nvSpPr>
+            <p:cNvPr id="144" name="Rectangle 60"/>
+            <p:cNvSpPr>
+              <a:spLocks/>
+            </p:cNvSpPr>
+            <p:nvPr/>
+          </p:nvSpPr>
+          <p:spPr bwMode="auto">
+            <a:xfrm>
+              <a:off x="0" y="0"/>
+              <a:ext cx="864" cy="288"/>
+            </a:xfrm>
+            <a:prstGeom prst="rect">
+              <a:avLst/>
+            </a:prstGeom>
+            <a:grpFill/>
+            <a:ln w="25400">
+              <a:solidFill>
+                <a:srgbClr val="000066"/>
+              </a:solidFill>
+              <a:miter lim="800000"/>
+              <a:headEnd/>
+              <a:tailEnd/>
+            </a:ln>
+          </p:spPr>
+          <p:txBody>
+            <a:bodyPr lIns="0" tIns="0" rIns="0" bIns="0">
+              <a:prstTxWarp prst="textNoShape">
+                <a:avLst/>
+              </a:prstTxWarp>
+            </a:bodyPr>
+            <a:lstStyle/>
+            <a:p>
+              <a:pPr algn="ctr" eaLnBrk="1" hangingPunct="1"/>
+              <a:endParaRPr lang="en-US" sz="2000" b="1" smtClean="0">
+                <a:solidFill>
+                  <a:srgbClr val="000000"/>
+                </a:solidFill>
+                <a:ea typeface="ヒラギノ角ゴ ProN W3" charset="-128"/>
+                <a:cs typeface="ヒラギノ角ゴ ProN W3" charset="-128"/>
+                <a:sym typeface="Gill Sans" charset="0"/>
+              </a:endParaRPr>
+            </a:p>
+          </p:txBody>
+        </p:sp>
+        <p:sp>
+          <p:nvSpPr>
+            <p:cNvPr id="145" name="Rectangle 61"/>
+            <p:cNvSpPr>
+              <a:spLocks/>
+            </p:cNvSpPr>
+            <p:nvPr/>
+          </p:nvSpPr>
+          <p:spPr bwMode="auto">
+            <a:xfrm>
+              <a:off x="59" y="15"/>
+              <a:ext cx="745" cy="259"/>
+            </a:xfrm>
+            <a:prstGeom prst="rect">
+              <a:avLst/>
+            </a:prstGeom>
+            <a:grpFill/>
+            <a:ln w="12700">
+              <a:noFill/>
+              <a:miter lim="800000"/>
+              <a:headEnd/>
+              <a:tailEnd/>
+            </a:ln>
+          </p:spPr>
+          <p:txBody>
+            <a:bodyPr wrap="none" lIns="50800" tIns="50800" bIns="50800" anchor="ctr">
+              <a:prstTxWarp prst="textNoShape">
+                <a:avLst/>
+              </a:prstTxWarp>
+              <a:spAutoFit/>
+            </a:bodyPr>
+            <a:lstStyle/>
+            <a:p>
+              <a:pPr algn="ctr" eaLnBrk="1" hangingPunct="1"/>
+              <a:r>
+                <a:rPr lang="en-US" sz="2000" b="1">
+                  <a:solidFill>
+                    <a:srgbClr val="FFFFFF"/>
+                  </a:solidFill>
+                  <a:ea typeface="Courier New Bold Italic" charset="0"/>
+                  <a:cs typeface="Courier New Bold Italic" charset="0"/>
+                  <a:sym typeface="Courier New Bold Italic" charset="0"/>
+                </a:rPr>
+                <a:t>00</a:t>
+              </a:r>
+              <a:r>
+                <a:rPr lang="en-US" sz="2000" b="1">
+                  <a:solidFill>
+                    <a:srgbClr val="000066"/>
+                  </a:solidFill>
+                  <a:ea typeface="Courier New Bold" charset="0"/>
+                  <a:cs typeface="Courier New Bold" charset="0"/>
+                  <a:sym typeface="Courier New Bold" charset="0"/>
+                </a:rPr>
+                <a:t>011000</a:t>
+              </a:r>
+            </a:p>
+          </p:txBody>
+        </p:sp>
+      </p:grpSp>
+      <p:grpSp>
+        <p:nvGrpSpPr>
+          <p:cNvPr id="146" name="Group 62"/>
+          <p:cNvGrpSpPr>
+            <a:grpSpLocks/>
+          </p:cNvGrpSpPr>
+          <p:nvPr/>
+        </p:nvGrpSpPr>
+        <p:grpSpPr bwMode="auto">
+          <a:xfrm>
+            <a:off x="8915400" y="2628900"/>
+            <a:ext cx="1371600" cy="457200"/>
+            <a:chOff x="0" y="0"/>
+            <a:chExt cx="864" cy="288"/>
+          </a:xfrm>
+          <a:solidFill>
+            <a:srgbClr val="F7B217"/>
+          </a:solidFill>
+        </p:grpSpPr>
+        <p:sp>
+          <p:nvSpPr>
+            <p:cNvPr id="147" name="Rectangle 63"/>
+            <p:cNvSpPr>
+              <a:spLocks/>
+            </p:cNvSpPr>
+            <p:nvPr/>
+          </p:nvSpPr>
+          <p:spPr bwMode="auto">
+            <a:xfrm>
+              <a:off x="0" y="0"/>
+              <a:ext cx="864" cy="288"/>
+            </a:xfrm>
+            <a:prstGeom prst="rect">
+              <a:avLst/>
+            </a:prstGeom>
+            <a:grpFill/>
+            <a:ln w="25400">
+              <a:solidFill>
+                <a:srgbClr val="000066"/>
+              </a:solidFill>
+              <a:miter lim="800000"/>
+              <a:headEnd/>
+              <a:tailEnd/>
+            </a:ln>
+          </p:spPr>
+          <p:txBody>
+            <a:bodyPr lIns="0" tIns="0" rIns="0" bIns="0">
+              <a:prstTxWarp prst="textNoShape">
+                <a:avLst/>
+              </a:prstTxWarp>
+            </a:bodyPr>
+            <a:lstStyle/>
+            <a:p>
+              <a:pPr algn="ctr" eaLnBrk="1" hangingPunct="1"/>
+              <a:endParaRPr lang="en-US" sz="2000" b="1" smtClean="0">
+                <a:solidFill>
+                  <a:srgbClr val="000000"/>
+                </a:solidFill>
+                <a:ea typeface="ヒラギノ角ゴ ProN W3" charset="-128"/>
+                <a:cs typeface="ヒラギノ角ゴ ProN W3" charset="-128"/>
+                <a:sym typeface="Gill Sans" charset="0"/>
+              </a:endParaRPr>
+            </a:p>
+          </p:txBody>
+        </p:sp>
+        <p:sp>
+          <p:nvSpPr>
+            <p:cNvPr id="148" name="Rectangle 64"/>
+            <p:cNvSpPr>
+              <a:spLocks/>
+            </p:cNvSpPr>
+            <p:nvPr/>
+          </p:nvSpPr>
+          <p:spPr bwMode="auto">
+            <a:xfrm>
+              <a:off x="59" y="15"/>
+              <a:ext cx="745" cy="259"/>
+            </a:xfrm>
+            <a:prstGeom prst="rect">
+              <a:avLst/>
+            </a:prstGeom>
+            <a:grpFill/>
+            <a:ln w="12700">
+              <a:noFill/>
+              <a:miter lim="800000"/>
+              <a:headEnd/>
+              <a:tailEnd/>
+            </a:ln>
+          </p:spPr>
+          <p:txBody>
+            <a:bodyPr wrap="none" lIns="50800" tIns="50800" bIns="50800" anchor="ctr">
+              <a:prstTxWarp prst="textNoShape">
+                <a:avLst/>
+              </a:prstTxWarp>
+              <a:spAutoFit/>
+            </a:bodyPr>
+            <a:lstStyle/>
+            <a:p>
+              <a:pPr algn="ctr" eaLnBrk="1" hangingPunct="1"/>
+              <a:r>
+                <a:rPr lang="en-US" sz="2000" b="1">
+                  <a:solidFill>
+                    <a:srgbClr val="000066"/>
+                  </a:solidFill>
+                  <a:ea typeface="Courier New Bold Italic" charset="0"/>
+                  <a:cs typeface="Courier New Bold Italic" charset="0"/>
+                  <a:sym typeface="Courier New Bold Italic" charset="0"/>
+                </a:rPr>
+                <a:t>00</a:t>
+              </a:r>
+              <a:r>
+                <a:rPr lang="en-US" sz="2000" b="1">
+                  <a:solidFill>
+                    <a:srgbClr val="000066"/>
+                  </a:solidFill>
+                  <a:ea typeface="Courier New Bold" charset="0"/>
+                  <a:cs typeface="Courier New Bold" charset="0"/>
+                  <a:sym typeface="Courier New Bold" charset="0"/>
+                </a:rPr>
+                <a:t>011000</a:t>
+              </a:r>
+            </a:p>
+          </p:txBody>
+        </p:sp>
+      </p:grpSp>
+      <p:grpSp>
+        <p:nvGrpSpPr>
+          <p:cNvPr id="149" name="Group 65"/>
+          <p:cNvGrpSpPr>
+            <a:grpSpLocks/>
+          </p:cNvGrpSpPr>
+          <p:nvPr/>
+        </p:nvGrpSpPr>
+        <p:grpSpPr bwMode="auto">
+          <a:xfrm>
+            <a:off x="8915400" y="3086100"/>
+            <a:ext cx="1371600" cy="457200"/>
+            <a:chOff x="0" y="0"/>
+            <a:chExt cx="864" cy="288"/>
+          </a:xfrm>
+          <a:solidFill>
+            <a:srgbClr val="F7B217"/>
+          </a:solidFill>
+        </p:grpSpPr>
+        <p:sp>
+          <p:nvSpPr>
+            <p:cNvPr id="150" name="Rectangle 66"/>
+            <p:cNvSpPr>
+              <a:spLocks/>
+            </p:cNvSpPr>
+            <p:nvPr/>
+          </p:nvSpPr>
+          <p:spPr bwMode="auto">
+            <a:xfrm>
+              <a:off x="0" y="0"/>
+              <a:ext cx="864" cy="288"/>
+            </a:xfrm>
+            <a:prstGeom prst="rect">
+              <a:avLst/>
+            </a:prstGeom>
+            <a:grpFill/>
+            <a:ln w="25400">
+              <a:solidFill>
+                <a:srgbClr val="000066"/>
+              </a:solidFill>
+              <a:miter lim="800000"/>
+              <a:headEnd/>
+              <a:tailEnd/>
+            </a:ln>
+          </p:spPr>
+          <p:txBody>
+            <a:bodyPr lIns="0" tIns="0" rIns="0" bIns="0">
+              <a:prstTxWarp prst="textNoShape">
+                <a:avLst/>
+              </a:prstTxWarp>
+            </a:bodyPr>
+            <a:lstStyle/>
+            <a:p>
+              <a:pPr algn="ctr" eaLnBrk="1" hangingPunct="1"/>
+              <a:endParaRPr lang="en-US" sz="2000" b="1" smtClean="0">
+                <a:solidFill>
+                  <a:srgbClr val="000000"/>
+                </a:solidFill>
+                <a:ea typeface="ヒラギノ角ゴ ProN W3" charset="-128"/>
+                <a:cs typeface="ヒラギノ角ゴ ProN W3" charset="-128"/>
+                <a:sym typeface="Gill Sans" charset="0"/>
+              </a:endParaRPr>
+            </a:p>
+          </p:txBody>
+        </p:sp>
+        <p:sp>
+          <p:nvSpPr>
+            <p:cNvPr id="151" name="Rectangle 67"/>
+            <p:cNvSpPr>
+              <a:spLocks/>
+            </p:cNvSpPr>
+            <p:nvPr/>
+          </p:nvSpPr>
+          <p:spPr bwMode="auto">
+            <a:xfrm>
+              <a:off x="59" y="15"/>
+              <a:ext cx="745" cy="259"/>
+            </a:xfrm>
+            <a:prstGeom prst="rect">
+              <a:avLst/>
+            </a:prstGeom>
+            <a:grpFill/>
+            <a:ln w="12700">
+              <a:noFill/>
+              <a:miter lim="800000"/>
+              <a:headEnd/>
+              <a:tailEnd/>
+            </a:ln>
+          </p:spPr>
+          <p:txBody>
+            <a:bodyPr wrap="none" lIns="50800" tIns="50800" bIns="50800" anchor="ctr">
+              <a:prstTxWarp prst="textNoShape">
+                <a:avLst/>
+              </a:prstTxWarp>
+              <a:spAutoFit/>
+            </a:bodyPr>
+            <a:lstStyle/>
+            <a:p>
+              <a:pPr algn="ctr" eaLnBrk="1" hangingPunct="1"/>
+              <a:r>
+                <a:rPr lang="en-US" sz="2000" b="1">
+                  <a:solidFill>
+                    <a:srgbClr val="FFFFFF"/>
+                  </a:solidFill>
+                  <a:ea typeface="Courier New Bold Italic" charset="0"/>
+                  <a:cs typeface="Courier New Bold Italic" charset="0"/>
+                  <a:sym typeface="Courier New Bold Italic" charset="0"/>
+                </a:rPr>
+                <a:t>00</a:t>
+              </a:r>
+              <a:r>
+                <a:rPr lang="en-US" sz="2000" b="1">
+                  <a:solidFill>
+                    <a:srgbClr val="000066"/>
+                  </a:solidFill>
+                  <a:ea typeface="Courier New Bold" charset="0"/>
+                  <a:cs typeface="Courier New Bold" charset="0"/>
+                  <a:sym typeface="Courier New Bold" charset="0"/>
+                </a:rPr>
+                <a:t>011000</a:t>
+              </a:r>
+            </a:p>
+          </p:txBody>
+        </p:sp>
+      </p:grpSp>
+      <p:grpSp>
+        <p:nvGrpSpPr>
+          <p:cNvPr id="152" name="Group 68"/>
+          <p:cNvGrpSpPr>
+            <a:grpSpLocks/>
+          </p:cNvGrpSpPr>
+          <p:nvPr/>
+        </p:nvGrpSpPr>
+        <p:grpSpPr bwMode="auto">
+          <a:xfrm>
+            <a:off x="8915400" y="3086100"/>
+            <a:ext cx="1371600" cy="457200"/>
+            <a:chOff x="0" y="0"/>
+            <a:chExt cx="864" cy="288"/>
+          </a:xfrm>
+          <a:solidFill>
+            <a:srgbClr val="F7B217"/>
+          </a:solidFill>
+        </p:grpSpPr>
+        <p:sp>
+          <p:nvSpPr>
+            <p:cNvPr id="153" name="Rectangle 69"/>
+            <p:cNvSpPr>
+              <a:spLocks/>
+            </p:cNvSpPr>
+            <p:nvPr/>
+          </p:nvSpPr>
+          <p:spPr bwMode="auto">
+            <a:xfrm>
+              <a:off x="0" y="0"/>
+              <a:ext cx="864" cy="288"/>
+            </a:xfrm>
+            <a:prstGeom prst="rect">
+              <a:avLst/>
+            </a:prstGeom>
+            <a:grpFill/>
+            <a:ln w="25400">
+              <a:solidFill>
+                <a:srgbClr val="000066"/>
+              </a:solidFill>
+              <a:miter lim="800000"/>
+              <a:headEnd/>
+              <a:tailEnd/>
+            </a:ln>
+          </p:spPr>
+          <p:txBody>
+            <a:bodyPr lIns="0" tIns="0" rIns="0" bIns="0">
+              <a:prstTxWarp prst="textNoShape">
+                <a:avLst/>
+              </a:prstTxWarp>
+            </a:bodyPr>
+            <a:lstStyle/>
+            <a:p>
+              <a:pPr algn="ctr" eaLnBrk="1" hangingPunct="1"/>
+              <a:endParaRPr lang="en-US" sz="2000" b="1" smtClean="0">
+                <a:solidFill>
+                  <a:srgbClr val="000000"/>
+                </a:solidFill>
+                <a:ea typeface="ヒラギノ角ゴ ProN W3" charset="-128"/>
+                <a:cs typeface="ヒラギノ角ゴ ProN W3" charset="-128"/>
+                <a:sym typeface="Gill Sans" charset="0"/>
+              </a:endParaRPr>
+            </a:p>
+          </p:txBody>
+        </p:sp>
+        <p:sp>
+          <p:nvSpPr>
+            <p:cNvPr id="154" name="Rectangle 70"/>
+            <p:cNvSpPr>
+              <a:spLocks/>
+            </p:cNvSpPr>
+            <p:nvPr/>
+          </p:nvSpPr>
+          <p:spPr bwMode="auto">
+            <a:xfrm>
+              <a:off x="59" y="15"/>
+              <a:ext cx="745" cy="259"/>
+            </a:xfrm>
+            <a:prstGeom prst="rect">
+              <a:avLst/>
+            </a:prstGeom>
+            <a:grpFill/>
+            <a:ln w="12700">
+              <a:noFill/>
+              <a:miter lim="800000"/>
+              <a:headEnd/>
+              <a:tailEnd/>
+            </a:ln>
+          </p:spPr>
+          <p:txBody>
+            <a:bodyPr wrap="none" lIns="50800" tIns="50800" bIns="50800" anchor="ctr">
+              <a:prstTxWarp prst="textNoShape">
+                <a:avLst/>
+              </a:prstTxWarp>
+              <a:spAutoFit/>
+            </a:bodyPr>
+            <a:lstStyle/>
+            <a:p>
+              <a:pPr algn="ctr" eaLnBrk="1" hangingPunct="1"/>
+              <a:r>
+                <a:rPr lang="en-US" sz="2000" b="1">
+                  <a:solidFill>
+                    <a:srgbClr val="000066"/>
+                  </a:solidFill>
+                  <a:ea typeface="Courier New Bold Italic" charset="0"/>
+                  <a:cs typeface="Courier New Bold Italic" charset="0"/>
+                  <a:sym typeface="Courier New Bold Italic" charset="0"/>
+                </a:rPr>
+                <a:t>00</a:t>
+              </a:r>
+              <a:r>
+                <a:rPr lang="en-US" sz="2000" b="1">
+                  <a:solidFill>
+                    <a:srgbClr val="000066"/>
+                  </a:solidFill>
+                  <a:ea typeface="Courier New Bold" charset="0"/>
+                  <a:cs typeface="Courier New Bold" charset="0"/>
+                  <a:sym typeface="Courier New Bold" charset="0"/>
+                </a:rPr>
+                <a:t>011000</a:t>
+              </a:r>
+            </a:p>
+          </p:txBody>
+        </p:sp>
+      </p:grpSp>
+      <p:grpSp>
+        <p:nvGrpSpPr>
+          <p:cNvPr id="155" name="Group 71"/>
+          <p:cNvGrpSpPr>
+            <a:grpSpLocks/>
+          </p:cNvGrpSpPr>
+          <p:nvPr/>
+        </p:nvGrpSpPr>
+        <p:grpSpPr bwMode="auto">
+          <a:xfrm>
+            <a:off x="8915400" y="4381500"/>
+            <a:ext cx="1371600" cy="457200"/>
+            <a:chOff x="0" y="0"/>
+            <a:chExt cx="864" cy="288"/>
+          </a:xfrm>
+          <a:solidFill>
+            <a:srgbClr val="F7B217"/>
+          </a:solidFill>
+        </p:grpSpPr>
+        <p:sp>
+          <p:nvSpPr>
+            <p:cNvPr id="156" name="Rectangle 72"/>
+            <p:cNvSpPr>
+              <a:spLocks/>
+            </p:cNvSpPr>
+            <p:nvPr/>
+          </p:nvSpPr>
+          <p:spPr bwMode="auto">
+            <a:xfrm>
+              <a:off x="0" y="0"/>
+              <a:ext cx="864" cy="288"/>
+            </a:xfrm>
+            <a:prstGeom prst="rect">
+              <a:avLst/>
+            </a:prstGeom>
+            <a:grpFill/>
+            <a:ln w="25400">
+              <a:solidFill>
+                <a:srgbClr val="000066"/>
+              </a:solidFill>
+              <a:miter lim="800000"/>
+              <a:headEnd/>
+              <a:tailEnd/>
+            </a:ln>
+          </p:spPr>
+          <p:txBody>
+            <a:bodyPr lIns="0" tIns="0" rIns="0" bIns="0">
+              <a:prstTxWarp prst="textNoShape">
+                <a:avLst/>
+              </a:prstTxWarp>
+            </a:bodyPr>
+            <a:lstStyle/>
+            <a:p>
+              <a:pPr algn="ctr" eaLnBrk="1" hangingPunct="1"/>
+              <a:endParaRPr lang="en-US" sz="2000" b="1" smtClean="0">
+                <a:solidFill>
+                  <a:srgbClr val="000000"/>
+                </a:solidFill>
+                <a:ea typeface="ヒラギノ角ゴ ProN W3" charset="-128"/>
+                <a:cs typeface="ヒラギノ角ゴ ProN W3" charset="-128"/>
+                <a:sym typeface="Gill Sans" charset="0"/>
+              </a:endParaRPr>
+            </a:p>
+          </p:txBody>
+        </p:sp>
+        <p:sp>
+          <p:nvSpPr>
+            <p:cNvPr id="157" name="Rectangle 73"/>
+            <p:cNvSpPr>
+              <a:spLocks/>
+            </p:cNvSpPr>
+            <p:nvPr/>
+          </p:nvSpPr>
+          <p:spPr bwMode="auto">
+            <a:xfrm>
+              <a:off x="59" y="15"/>
+              <a:ext cx="745" cy="259"/>
+            </a:xfrm>
+            <a:prstGeom prst="rect">
+              <a:avLst/>
+            </a:prstGeom>
+            <a:grpFill/>
+            <a:ln w="12700">
+              <a:noFill/>
+              <a:miter lim="800000"/>
+              <a:headEnd/>
+              <a:tailEnd/>
+            </a:ln>
+          </p:spPr>
+          <p:txBody>
+            <a:bodyPr wrap="none" lIns="50800" tIns="50800" bIns="50800" anchor="ctr">
+              <a:prstTxWarp prst="textNoShape">
+                <a:avLst/>
+              </a:prstTxWarp>
+              <a:spAutoFit/>
+            </a:bodyPr>
+            <a:lstStyle/>
+            <a:p>
+              <a:pPr algn="ctr" eaLnBrk="1" hangingPunct="1"/>
+              <a:r>
+                <a:rPr lang="en-US" sz="2000" b="1">
+                  <a:solidFill>
+                    <a:srgbClr val="000066"/>
+                  </a:solidFill>
+                  <a:ea typeface="Courier New Bold" charset="0"/>
+                  <a:cs typeface="Courier New Bold" charset="0"/>
+                  <a:sym typeface="Courier New Bold" charset="0"/>
+                </a:rPr>
+                <a:t>00010</a:t>
+              </a:r>
+              <a:r>
+                <a:rPr lang="en-US" sz="2000" b="1">
+                  <a:solidFill>
+                    <a:srgbClr val="FFFFFF"/>
+                  </a:solidFill>
+                  <a:ea typeface="Courier New Bold Italic" charset="0"/>
+                  <a:cs typeface="Courier New Bold Italic" charset="0"/>
+                  <a:sym typeface="Courier New Bold Italic" charset="0"/>
+                </a:rPr>
+                <a:t>000</a:t>
+              </a:r>
+            </a:p>
+          </p:txBody>
+        </p:sp>
+      </p:grpSp>
+      <p:grpSp>
+        <p:nvGrpSpPr>
+          <p:cNvPr id="158" name="Group 74"/>
+          <p:cNvGrpSpPr>
+            <a:grpSpLocks/>
+          </p:cNvGrpSpPr>
+          <p:nvPr/>
+        </p:nvGrpSpPr>
+        <p:grpSpPr bwMode="auto">
+          <a:xfrm>
+            <a:off x="8915400" y="4838700"/>
+            <a:ext cx="1371600" cy="457200"/>
+            <a:chOff x="0" y="0"/>
+            <a:chExt cx="864" cy="288"/>
+          </a:xfrm>
+          <a:solidFill>
+            <a:srgbClr val="F7B217"/>
+          </a:solidFill>
+        </p:grpSpPr>
+        <p:sp>
+          <p:nvSpPr>
+            <p:cNvPr id="159" name="Rectangle 75"/>
+            <p:cNvSpPr>
+              <a:spLocks/>
+            </p:cNvSpPr>
+            <p:nvPr/>
+          </p:nvSpPr>
+          <p:spPr bwMode="auto">
+            <a:xfrm>
+              <a:off x="0" y="0"/>
+              <a:ext cx="864" cy="288"/>
+            </a:xfrm>
+            <a:prstGeom prst="rect">
+              <a:avLst/>
+            </a:prstGeom>
+            <a:grpFill/>
+            <a:ln w="25400">
+              <a:solidFill>
+                <a:srgbClr val="000066"/>
+              </a:solidFill>
+              <a:miter lim="800000"/>
+              <a:headEnd/>
+              <a:tailEnd/>
+            </a:ln>
+          </p:spPr>
+          <p:txBody>
+            <a:bodyPr lIns="0" tIns="0" rIns="0" bIns="0">
+              <a:prstTxWarp prst="textNoShape">
+                <a:avLst/>
+              </a:prstTxWarp>
+            </a:bodyPr>
+            <a:lstStyle/>
+            <a:p>
+              <a:pPr algn="ctr" eaLnBrk="1" hangingPunct="1"/>
+              <a:endParaRPr lang="en-US" sz="2000" b="1" smtClean="0">
+                <a:solidFill>
+                  <a:srgbClr val="000000"/>
+                </a:solidFill>
+                <a:ea typeface="ヒラギノ角ゴ ProN W3" charset="-128"/>
+                <a:cs typeface="ヒラギノ角ゴ ProN W3" charset="-128"/>
+                <a:sym typeface="Gill Sans" charset="0"/>
+              </a:endParaRPr>
+            </a:p>
+          </p:txBody>
+        </p:sp>
+        <p:sp>
+          <p:nvSpPr>
+            <p:cNvPr id="160" name="Rectangle 76"/>
+            <p:cNvSpPr>
+              <a:spLocks/>
+            </p:cNvSpPr>
+            <p:nvPr/>
+          </p:nvSpPr>
+          <p:spPr bwMode="auto">
+            <a:xfrm>
+              <a:off x="59" y="15"/>
+              <a:ext cx="745" cy="259"/>
+            </a:xfrm>
+            <a:prstGeom prst="rect">
+              <a:avLst/>
+            </a:prstGeom>
+            <a:grpFill/>
+            <a:ln w="12700">
+              <a:noFill/>
+              <a:miter lim="800000"/>
+              <a:headEnd/>
+              <a:tailEnd/>
+            </a:ln>
+          </p:spPr>
+          <p:txBody>
+            <a:bodyPr wrap="none" lIns="50800" tIns="50800" bIns="50800" anchor="ctr">
+              <a:prstTxWarp prst="textNoShape">
+                <a:avLst/>
+              </a:prstTxWarp>
+              <a:spAutoFit/>
+            </a:bodyPr>
+            <a:lstStyle/>
+            <a:p>
+              <a:pPr algn="ctr" eaLnBrk="1" hangingPunct="1"/>
+              <a:r>
+                <a:rPr lang="en-US" sz="2000" b="1">
+                  <a:solidFill>
+                    <a:srgbClr val="FFFFFF"/>
+                  </a:solidFill>
+                  <a:ea typeface="Courier New Bold Italic" charset="0"/>
+                  <a:cs typeface="Courier New Bold Italic" charset="0"/>
+                  <a:sym typeface="Courier New Bold Italic" charset="0"/>
+                </a:rPr>
+                <a:t>00</a:t>
+              </a:r>
+              <a:r>
+                <a:rPr lang="en-US" sz="2000" b="1">
+                  <a:solidFill>
+                    <a:srgbClr val="000066"/>
+                  </a:solidFill>
+                  <a:ea typeface="Courier New Bold" charset="0"/>
+                  <a:cs typeface="Courier New Bold" charset="0"/>
+                  <a:sym typeface="Courier New Bold" charset="0"/>
+                </a:rPr>
+                <a:t>101000</a:t>
+              </a:r>
+            </a:p>
+          </p:txBody>
+        </p:sp>
+      </p:grpSp>
+      <p:grpSp>
+        <p:nvGrpSpPr>
+          <p:cNvPr id="161" name="Group 77"/>
+          <p:cNvGrpSpPr>
+            <a:grpSpLocks/>
+          </p:cNvGrpSpPr>
+          <p:nvPr/>
+        </p:nvGrpSpPr>
+        <p:grpSpPr bwMode="auto">
+          <a:xfrm>
+            <a:off x="8915400" y="5295900"/>
+            <a:ext cx="1371600" cy="457200"/>
+            <a:chOff x="0" y="0"/>
+            <a:chExt cx="864" cy="288"/>
+          </a:xfrm>
+          <a:solidFill>
+            <a:srgbClr val="F7B217"/>
+          </a:solidFill>
+        </p:grpSpPr>
+        <p:sp>
+          <p:nvSpPr>
+            <p:cNvPr id="162" name="Rectangle 78"/>
+            <p:cNvSpPr>
+              <a:spLocks/>
+            </p:cNvSpPr>
+            <p:nvPr/>
+          </p:nvSpPr>
+          <p:spPr bwMode="auto">
+            <a:xfrm>
+              <a:off x="0" y="0"/>
+              <a:ext cx="864" cy="288"/>
+            </a:xfrm>
+            <a:prstGeom prst="rect">
+              <a:avLst/>
+            </a:prstGeom>
+            <a:grpFill/>
+            <a:ln w="25400">
+              <a:solidFill>
+                <a:srgbClr val="000066"/>
+              </a:solidFill>
+              <a:miter lim="800000"/>
+              <a:headEnd/>
+              <a:tailEnd/>
+            </a:ln>
+          </p:spPr>
+          <p:txBody>
+            <a:bodyPr lIns="0" tIns="0" rIns="0" bIns="0">
+              <a:prstTxWarp prst="textNoShape">
+                <a:avLst/>
+              </a:prstTxWarp>
+            </a:bodyPr>
+            <a:lstStyle/>
+            <a:p>
+              <a:pPr algn="ctr" eaLnBrk="1" hangingPunct="1"/>
+              <a:endParaRPr lang="en-US" sz="2000" b="1" smtClean="0">
+                <a:solidFill>
+                  <a:srgbClr val="000000"/>
+                </a:solidFill>
+                <a:ea typeface="ヒラギノ角ゴ ProN W3" charset="-128"/>
+                <a:cs typeface="ヒラギノ角ゴ ProN W3" charset="-128"/>
+                <a:sym typeface="Gill Sans" charset="0"/>
+              </a:endParaRPr>
+            </a:p>
+          </p:txBody>
+        </p:sp>
+        <p:sp>
+          <p:nvSpPr>
+            <p:cNvPr id="163" name="Rectangle 79"/>
+            <p:cNvSpPr>
+              <a:spLocks/>
+            </p:cNvSpPr>
+            <p:nvPr/>
+          </p:nvSpPr>
+          <p:spPr bwMode="auto">
+            <a:xfrm>
+              <a:off x="59" y="15"/>
+              <a:ext cx="745" cy="259"/>
+            </a:xfrm>
+            <a:prstGeom prst="rect">
+              <a:avLst/>
+            </a:prstGeom>
+            <a:grpFill/>
+            <a:ln w="12700">
+              <a:noFill/>
+              <a:miter lim="800000"/>
+              <a:headEnd/>
+              <a:tailEnd/>
+            </a:ln>
+          </p:spPr>
+          <p:txBody>
+            <a:bodyPr wrap="none" lIns="50800" tIns="50800" bIns="50800" anchor="ctr">
+              <a:prstTxWarp prst="textNoShape">
+                <a:avLst/>
+              </a:prstTxWarp>
+              <a:spAutoFit/>
+            </a:bodyPr>
+            <a:lstStyle/>
+            <a:p>
+              <a:pPr algn="ctr" eaLnBrk="1" hangingPunct="1"/>
+              <a:r>
+                <a:rPr lang="en-US" sz="2000" b="1">
+                  <a:solidFill>
+                    <a:srgbClr val="FFFFFF"/>
+                  </a:solidFill>
+                  <a:ea typeface="Courier New Bold Italic" charset="0"/>
+                  <a:cs typeface="Courier New Bold Italic" charset="0"/>
+                  <a:sym typeface="Courier New Bold Italic" charset="0"/>
+                </a:rPr>
+                <a:t>11</a:t>
+              </a:r>
+              <a:r>
+                <a:rPr lang="en-US" sz="2000" b="1">
+                  <a:solidFill>
+                    <a:srgbClr val="000066"/>
+                  </a:solidFill>
+                  <a:ea typeface="Courier New Bold" charset="0"/>
+                  <a:cs typeface="Courier New Bold" charset="0"/>
+                  <a:sym typeface="Courier New Bold" charset="0"/>
+                </a:rPr>
+                <a:t>101000</a:t>
+              </a:r>
+            </a:p>
+          </p:txBody>
+        </p:sp>
+      </p:grpSp>
+      <p:grpSp>
+        <p:nvGrpSpPr>
+          <p:cNvPr id="164" name="Group 80"/>
+          <p:cNvGrpSpPr>
+            <a:grpSpLocks/>
+          </p:cNvGrpSpPr>
+          <p:nvPr/>
+        </p:nvGrpSpPr>
+        <p:grpSpPr bwMode="auto">
+          <a:xfrm>
+            <a:off x="8915400" y="4381500"/>
+            <a:ext cx="1371600" cy="457200"/>
+            <a:chOff x="0" y="0"/>
+            <a:chExt cx="864" cy="288"/>
+          </a:xfrm>
+          <a:solidFill>
+            <a:srgbClr val="F7B217"/>
+          </a:solidFill>
+        </p:grpSpPr>
+        <p:sp>
+          <p:nvSpPr>
+            <p:cNvPr id="165" name="Rectangle 81"/>
+            <p:cNvSpPr>
+              <a:spLocks/>
+            </p:cNvSpPr>
+            <p:nvPr/>
+          </p:nvSpPr>
+          <p:spPr bwMode="auto">
+            <a:xfrm>
+              <a:off x="0" y="0"/>
+              <a:ext cx="864" cy="288"/>
+            </a:xfrm>
+            <a:prstGeom prst="rect">
+              <a:avLst/>
+            </a:prstGeom>
+            <a:grpFill/>
+            <a:ln w="25400">
+              <a:solidFill>
+                <a:srgbClr val="000066"/>
+              </a:solidFill>
+              <a:miter lim="800000"/>
+              <a:headEnd/>
+              <a:tailEnd/>
+            </a:ln>
+          </p:spPr>
+          <p:txBody>
+            <a:bodyPr lIns="0" tIns="0" rIns="0" bIns="0">
+              <a:prstTxWarp prst="textNoShape">
+                <a:avLst/>
+              </a:prstTxWarp>
+            </a:bodyPr>
+            <a:lstStyle/>
+            <a:p>
+              <a:pPr algn="ctr" eaLnBrk="1" hangingPunct="1"/>
+              <a:endParaRPr lang="en-US" sz="2000" b="1" smtClean="0">
+                <a:solidFill>
+                  <a:srgbClr val="000000"/>
+                </a:solidFill>
+                <a:ea typeface="ヒラギノ角ゴ ProN W3" charset="-128"/>
+                <a:cs typeface="ヒラギノ角ゴ ProN W3" charset="-128"/>
+                <a:sym typeface="Gill Sans" charset="0"/>
+              </a:endParaRPr>
+            </a:p>
+          </p:txBody>
+        </p:sp>
+        <p:sp>
+          <p:nvSpPr>
+            <p:cNvPr id="166" name="Rectangle 82"/>
+            <p:cNvSpPr>
+              <a:spLocks/>
+            </p:cNvSpPr>
+            <p:nvPr/>
+          </p:nvSpPr>
+          <p:spPr bwMode="auto">
+            <a:xfrm>
+              <a:off x="59" y="15"/>
+              <a:ext cx="745" cy="259"/>
+            </a:xfrm>
+            <a:prstGeom prst="rect">
+              <a:avLst/>
+            </a:prstGeom>
+            <a:grpFill/>
+            <a:ln w="12700">
+              <a:noFill/>
+              <a:miter lim="800000"/>
+              <a:headEnd/>
+              <a:tailEnd/>
+            </a:ln>
+          </p:spPr>
+          <p:txBody>
+            <a:bodyPr wrap="none" lIns="50800" tIns="50800" bIns="50800" anchor="ctr">
+              <a:prstTxWarp prst="textNoShape">
+                <a:avLst/>
+              </a:prstTxWarp>
+              <a:spAutoFit/>
+            </a:bodyPr>
+            <a:lstStyle/>
+            <a:p>
+              <a:pPr algn="ctr" eaLnBrk="1" hangingPunct="1"/>
+              <a:r>
+                <a:rPr lang="en-US" sz="2000" b="1">
+                  <a:solidFill>
+                    <a:srgbClr val="000066"/>
+                  </a:solidFill>
+                  <a:ea typeface="Courier New Bold" charset="0"/>
+                  <a:cs typeface="Courier New Bold" charset="0"/>
+                  <a:sym typeface="Courier New Bold" charset="0"/>
+                </a:rPr>
+                <a:t>00010</a:t>
+              </a:r>
+              <a:r>
+                <a:rPr lang="en-US" sz="2000" b="1">
+                  <a:solidFill>
+                    <a:srgbClr val="000066"/>
+                  </a:solidFill>
+                  <a:ea typeface="Courier New Bold Italic" charset="0"/>
+                  <a:cs typeface="Courier New Bold Italic" charset="0"/>
+                  <a:sym typeface="Courier New Bold Italic" charset="0"/>
+                </a:rPr>
+                <a:t>000</a:t>
+              </a:r>
+            </a:p>
+          </p:txBody>
+        </p:sp>
+      </p:grpSp>
+      <p:grpSp>
+        <p:nvGrpSpPr>
+          <p:cNvPr id="167" name="Group 83"/>
+          <p:cNvGrpSpPr>
+            <a:grpSpLocks/>
+          </p:cNvGrpSpPr>
+          <p:nvPr/>
+        </p:nvGrpSpPr>
+        <p:grpSpPr bwMode="auto">
+          <a:xfrm>
+            <a:off x="8915400" y="4838700"/>
+            <a:ext cx="1371600" cy="457200"/>
+            <a:chOff x="0" y="0"/>
+            <a:chExt cx="864" cy="288"/>
+          </a:xfrm>
+          <a:solidFill>
+            <a:srgbClr val="F7B217"/>
+          </a:solidFill>
+        </p:grpSpPr>
+        <p:sp>
+          <p:nvSpPr>
+            <p:cNvPr id="168" name="Rectangle 84"/>
+            <p:cNvSpPr>
+              <a:spLocks/>
+            </p:cNvSpPr>
+            <p:nvPr/>
+          </p:nvSpPr>
+          <p:spPr bwMode="auto">
+            <a:xfrm>
+              <a:off x="0" y="0"/>
+              <a:ext cx="864" cy="288"/>
+            </a:xfrm>
+            <a:prstGeom prst="rect">
+              <a:avLst/>
+            </a:prstGeom>
+            <a:grpFill/>
+            <a:ln w="25400">
+              <a:solidFill>
+                <a:srgbClr val="000066"/>
+              </a:solidFill>
+              <a:miter lim="800000"/>
+              <a:headEnd/>
+              <a:tailEnd/>
+            </a:ln>
+          </p:spPr>
+          <p:txBody>
+            <a:bodyPr lIns="0" tIns="0" rIns="0" bIns="0">
+              <a:prstTxWarp prst="textNoShape">
+                <a:avLst/>
+              </a:prstTxWarp>
+            </a:bodyPr>
+            <a:lstStyle/>
+            <a:p>
+              <a:pPr algn="ctr" eaLnBrk="1" hangingPunct="1"/>
+              <a:endParaRPr lang="en-US" sz="2000" b="1" smtClean="0">
+                <a:solidFill>
+                  <a:srgbClr val="000000"/>
+                </a:solidFill>
+                <a:ea typeface="ヒラギノ角ゴ ProN W3" charset="-128"/>
+                <a:cs typeface="ヒラギノ角ゴ ProN W3" charset="-128"/>
+                <a:sym typeface="Gill Sans" charset="0"/>
+              </a:endParaRPr>
+            </a:p>
+          </p:txBody>
+        </p:sp>
+        <p:sp>
+          <p:nvSpPr>
+            <p:cNvPr id="169" name="Rectangle 85"/>
+            <p:cNvSpPr>
+              <a:spLocks/>
+            </p:cNvSpPr>
+            <p:nvPr/>
+          </p:nvSpPr>
+          <p:spPr bwMode="auto">
+            <a:xfrm>
+              <a:off x="59" y="15"/>
+              <a:ext cx="745" cy="259"/>
+            </a:xfrm>
+            <a:prstGeom prst="rect">
+              <a:avLst/>
+            </a:prstGeom>
+            <a:grpFill/>
+            <a:ln w="12700">
+              <a:noFill/>
+              <a:miter lim="800000"/>
+              <a:headEnd/>
+              <a:tailEnd/>
+            </a:ln>
+          </p:spPr>
+          <p:txBody>
+            <a:bodyPr wrap="none" lIns="50800" tIns="50800" bIns="50800" anchor="ctr">
+              <a:prstTxWarp prst="textNoShape">
+                <a:avLst/>
+              </a:prstTxWarp>
+              <a:spAutoFit/>
+            </a:bodyPr>
+            <a:lstStyle/>
+            <a:p>
+              <a:pPr algn="ctr" eaLnBrk="1" hangingPunct="1"/>
+              <a:r>
+                <a:rPr lang="en-US" sz="2000" b="1" dirty="0">
+                  <a:solidFill>
+                    <a:srgbClr val="000066"/>
+                  </a:solidFill>
+                  <a:ea typeface="Courier New Bold Italic" charset="0"/>
+                  <a:cs typeface="Courier New Bold Italic" charset="0"/>
+                  <a:sym typeface="Courier New Bold Italic" charset="0"/>
+                </a:rPr>
+                <a:t>00</a:t>
+              </a:r>
+              <a:r>
+                <a:rPr lang="en-US" sz="2000" b="1" dirty="0">
+                  <a:solidFill>
+                    <a:srgbClr val="000066"/>
+                  </a:solidFill>
+                  <a:ea typeface="Courier New Bold" charset="0"/>
+                  <a:cs typeface="Courier New Bold" charset="0"/>
+                  <a:sym typeface="Courier New Bold" charset="0"/>
+                </a:rPr>
+                <a:t>101000</a:t>
+              </a:r>
+            </a:p>
+          </p:txBody>
+        </p:sp>
+      </p:grpSp>
+      <p:grpSp>
+        <p:nvGrpSpPr>
+          <p:cNvPr id="170" name="Group 86"/>
+          <p:cNvGrpSpPr>
+            <a:grpSpLocks/>
+          </p:cNvGrpSpPr>
+          <p:nvPr/>
+        </p:nvGrpSpPr>
+        <p:grpSpPr bwMode="auto">
+          <a:xfrm>
+            <a:off x="8915400" y="5295900"/>
+            <a:ext cx="1371600" cy="457200"/>
+            <a:chOff x="0" y="0"/>
+            <a:chExt cx="864" cy="288"/>
+          </a:xfrm>
+          <a:solidFill>
+            <a:srgbClr val="F7B217"/>
+          </a:solidFill>
+        </p:grpSpPr>
+        <p:sp>
+          <p:nvSpPr>
+            <p:cNvPr id="171" name="Rectangle 87"/>
+            <p:cNvSpPr>
+              <a:spLocks/>
+            </p:cNvSpPr>
+            <p:nvPr/>
+          </p:nvSpPr>
+          <p:spPr bwMode="auto">
+            <a:xfrm>
+              <a:off x="0" y="0"/>
+              <a:ext cx="864" cy="288"/>
+            </a:xfrm>
+            <a:prstGeom prst="rect">
+              <a:avLst/>
+            </a:prstGeom>
+            <a:grpFill/>
+            <a:ln w="25400">
+              <a:solidFill>
+                <a:srgbClr val="000066"/>
+              </a:solidFill>
+              <a:miter lim="800000"/>
+              <a:headEnd/>
+              <a:tailEnd/>
+            </a:ln>
+          </p:spPr>
+          <p:txBody>
+            <a:bodyPr lIns="0" tIns="0" rIns="0" bIns="0">
+              <a:prstTxWarp prst="textNoShape">
+                <a:avLst/>
+              </a:prstTxWarp>
+            </a:bodyPr>
+            <a:lstStyle/>
+            <a:p>
+              <a:pPr algn="ctr" eaLnBrk="1" hangingPunct="1"/>
+              <a:endParaRPr lang="en-US" sz="2000" b="1" smtClean="0">
+                <a:solidFill>
+                  <a:srgbClr val="000000"/>
+                </a:solidFill>
+                <a:ea typeface="ヒラギノ角ゴ ProN W3" charset="-128"/>
+                <a:cs typeface="ヒラギノ角ゴ ProN W3" charset="-128"/>
+                <a:sym typeface="Gill Sans" charset="0"/>
+              </a:endParaRPr>
+            </a:p>
+          </p:txBody>
+        </p:sp>
+        <p:sp>
+          <p:nvSpPr>
+            <p:cNvPr id="172" name="Rectangle 88"/>
+            <p:cNvSpPr>
+              <a:spLocks/>
+            </p:cNvSpPr>
+            <p:nvPr/>
+          </p:nvSpPr>
+          <p:spPr bwMode="auto">
+            <a:xfrm>
+              <a:off x="59" y="15"/>
+              <a:ext cx="745" cy="259"/>
+            </a:xfrm>
+            <a:prstGeom prst="rect">
+              <a:avLst/>
+            </a:prstGeom>
+            <a:grpFill/>
+            <a:ln w="12700">
+              <a:noFill/>
+              <a:miter lim="800000"/>
+              <a:headEnd/>
+              <a:tailEnd/>
+            </a:ln>
+          </p:spPr>
+          <p:txBody>
+            <a:bodyPr wrap="none" lIns="50800" tIns="50800" bIns="50800" anchor="ctr">
+              <a:prstTxWarp prst="textNoShape">
+                <a:avLst/>
+              </a:prstTxWarp>
+              <a:spAutoFit/>
+            </a:bodyPr>
+            <a:lstStyle/>
+            <a:p>
+              <a:pPr algn="ctr" eaLnBrk="1" hangingPunct="1"/>
+              <a:r>
+                <a:rPr lang="en-US" sz="2000" b="1">
+                  <a:solidFill>
+                    <a:srgbClr val="000066"/>
+                  </a:solidFill>
+                  <a:ea typeface="Courier New Bold Italic" charset="0"/>
+                  <a:cs typeface="Courier New Bold Italic" charset="0"/>
+                  <a:sym typeface="Courier New Bold Italic" charset="0"/>
+                </a:rPr>
+                <a:t>11</a:t>
+              </a:r>
+              <a:r>
+                <a:rPr lang="en-US" sz="2000" b="1">
+                  <a:solidFill>
+                    <a:srgbClr val="000066"/>
+                  </a:solidFill>
+                  <a:ea typeface="Courier New Bold" charset="0"/>
+                  <a:cs typeface="Courier New Bold" charset="0"/>
+                  <a:sym typeface="Courier New Bold" charset="0"/>
+                </a:rPr>
+                <a:t>101000</a:t>
+              </a:r>
+            </a:p>
+          </p:txBody>
+        </p:sp>
+      </p:grpSp>
+    </p:spTree>
+  </p:cSld>
+  <p:clrMapOvr>
+    <a:masterClrMapping/>
+  </p:clrMapOvr>
+  <p:timing>
+    <p:tnLst>
+      <p:par>
+        <p:cTn id="1" dur="indefinite" restart="never" nodeType="tmRoot"/>
+      </p:par>
+    </p:tnLst>
+  </p:timing>
+</p:sld>
+</file>
+
+<file path=ppt/slides/slide25.xml><?xml version="1.0" encoding="utf-8"?>
 <p:sld xmlns:a="http://schemas.openxmlformats.org/drawingml/2006/main" xmlns:r="http://schemas.openxmlformats.org/officeDocument/2006/relationships" xmlns:p="http://schemas.openxmlformats.org/presentationml/2006/main">
   <p:cSld>
     <p:spTree>
@@ -24552,7 +29768,7 @@
             <a:fld id="{1397BFD8-F312-4EF2-A268-44FB4BDDBBB0}" type="slidenum">
               <a:rPr lang="ru-RU" smtClean="0"/>
               <a:pPr algn="ctr"/>
-              <a:t>22</a:t>
+              <a:t>25</a:t>
             </a:fld>
             <a:endParaRPr lang="ru-RU" dirty="0"/>
           </a:p>
@@ -24561,7 +29777,7 @@
     </p:spTree>
     <p:extLst>
       <p:ext uri="{BB962C8B-B14F-4D97-AF65-F5344CB8AC3E}">
-        <p14:creationId xmlns="" xmlns:p14="http://schemas.microsoft.com/office/powerpoint/2010/main" val="4217875043"/>
+        <p14:creationId xmlns:p14="http://schemas.microsoft.com/office/powerpoint/2010/main" xmlns="" val="4217875043"/>
       </p:ext>
     </p:extLst>
   </p:cSld>
@@ -26246,7 +31462,7 @@
             </p:custDataLst>
             <p:extLst>
               <p:ext uri="{D42A27DB-BD31-4B8C-83A1-F6EECF244321}">
-                <p14:modId xmlns="" xmlns:p14="http://schemas.microsoft.com/office/powerpoint/2010/main" val="3887112680"/>
+                <p14:modId xmlns:p14="http://schemas.microsoft.com/office/powerpoint/2010/main" xmlns="" val="3887112680"/>
               </p:ext>
             </p:extLst>
           </p:nvPr>
@@ -26295,7 +31511,7 @@
                             <a:schemeClr val="bg1"/>
                           </a:solidFill>
                           <a:effectLst/>
-                          <a:latin typeface="Times New Roman" pitchFamily="18" charset="0"/>
+                          <a:latin typeface="+mn-lt"/>
                           <a:cs typeface="Arial" charset="0"/>
                         </a:rPr>
                         <a:t>Hex Digit</a:t>
@@ -26380,7 +31596,7 @@
                             <a:schemeClr val="bg1"/>
                           </a:solidFill>
                           <a:effectLst/>
-                          <a:latin typeface="Times New Roman" pitchFamily="18" charset="0"/>
+                          <a:latin typeface="+mn-lt"/>
                           <a:cs typeface="Arial" charset="0"/>
                         </a:rPr>
                         <a:t>Decimal Equivalent</a:t>
@@ -26465,7 +31681,7 @@
                             <a:schemeClr val="bg1"/>
                           </a:solidFill>
                           <a:effectLst/>
-                          <a:latin typeface="Times New Roman" pitchFamily="18" charset="0"/>
+                          <a:latin typeface="+mn-lt"/>
                           <a:cs typeface="Arial" charset="0"/>
                         </a:rPr>
                         <a:t>Binary Equivalent</a:t>
@@ -26552,7 +31768,7 @@
                             <a:srgbClr val="273272"/>
                           </a:solidFill>
                           <a:effectLst/>
-                          <a:latin typeface="Times New Roman" pitchFamily="18" charset="0"/>
+                          <a:latin typeface="+mn-lt"/>
                           <a:cs typeface="Arial" charset="0"/>
                         </a:rPr>
                         <a:t>0</a:t>
@@ -26561,89 +31777,6 @@
                   </a:txBody>
                   <a:tcPr horzOverflow="overflow">
                     <a:lnL w="28575" cap="flat" cmpd="sng" algn="ctr">
-                      <a:solidFill>
-                        <a:schemeClr val="tx1"/>
-                      </a:solidFill>
-                      <a:prstDash val="solid"/>
-                      <a:round/>
-                      <a:headEnd type="none" w="med" len="med"/>
-                      <a:tailEnd type="none" w="med" len="med"/>
-                    </a:lnL>
-                    <a:lnR w="12700" cap="flat" cmpd="sng" algn="ctr">
-                      <a:solidFill>
-                        <a:schemeClr val="tx1"/>
-                      </a:solidFill>
-                      <a:prstDash val="solid"/>
-                      <a:round/>
-                      <a:headEnd type="none" w="med" len="med"/>
-                      <a:tailEnd type="none" w="med" len="med"/>
-                    </a:lnR>
-                    <a:lnT w="12700" cap="flat" cmpd="sng" algn="ctr">
-                      <a:solidFill>
-                        <a:schemeClr val="tx1"/>
-                      </a:solidFill>
-                      <a:prstDash val="solid"/>
-                      <a:round/>
-                      <a:headEnd type="none" w="med" len="med"/>
-                      <a:tailEnd type="none" w="med" len="med"/>
-                    </a:lnT>
-                    <a:lnB w="12700" cap="flat" cmpd="sng" algn="ctr">
-                      <a:solidFill>
-                        <a:schemeClr val="tx1"/>
-                      </a:solidFill>
-                      <a:prstDash val="solid"/>
-                      <a:round/>
-                      <a:headEnd type="none" w="med" len="med"/>
-                      <a:tailEnd type="none" w="med" len="med"/>
-                    </a:lnB>
-                    <a:lnTlToBr>
-                      <a:noFill/>
-                    </a:lnTlToBr>
-                    <a:lnBlToTr>
-                      <a:noFill/>
-                    </a:lnBlToTr>
-                    <a:noFill/>
-                  </a:tcPr>
-                </a:tc>
-                <a:tc>
-                  <a:txBody>
-                    <a:bodyPr/>
-                    <a:lstStyle/>
-                    <a:p>
-                      <a:pPr marL="0" marR="0" lvl="0" indent="0" algn="l" defTabSz="914400" rtl="0" eaLnBrk="1" fontAlgn="base" latinLnBrk="0" hangingPunct="1">
-                        <a:lnSpc>
-                          <a:spcPct val="100000"/>
-                        </a:lnSpc>
-                        <a:spcBef>
-                          <a:spcPct val="20000"/>
-                        </a:spcBef>
-                        <a:spcAft>
-                          <a:spcPct val="0"/>
-                        </a:spcAft>
-                        <a:buClrTx/>
-                        <a:buSzTx/>
-                        <a:buFontTx/>
-                        <a:buNone/>
-                        <a:tabLst/>
-                      </a:pPr>
-                      <a:r>
-                        <a:rPr kumimoji="0" lang="en-US" sz="1600" b="1" i="0" u="none" strike="noStrike" cap="none" normalizeH="0" baseline="0" smtClean="0">
-                          <a:ln>
-                            <a:noFill/>
-                          </a:ln>
-                          <a:solidFill>
-                            <a:srgbClr val="273272"/>
-                          </a:solidFill>
-                          <a:effectLst/>
-                          <a:latin typeface="Times New Roman" pitchFamily="18" charset="0"/>
-                          <a:cs typeface="Arial" charset="0"/>
-                        </a:rPr>
-                        <a:t>0</a:t>
-                      </a:r>
-                    </a:p>
-                  </a:txBody>
-                  <a:tcPr horzOverflow="overflow">
-                    <a:lnL w="12700" cap="flat" cmpd="sng" algn="ctr">
                       <a:solidFill>
                         <a:schemeClr val="tx1"/>
                       </a:solidFill>
@@ -26718,7 +31851,90 @@
                             <a:srgbClr val="273272"/>
                           </a:solidFill>
                           <a:effectLst/>
-                          <a:latin typeface="Times New Roman" pitchFamily="18" charset="0"/>
+                          <a:latin typeface="+mn-lt"/>
+                          <a:cs typeface="Arial" charset="0"/>
+                        </a:rPr>
+                        <a:t>0</a:t>
+                      </a:r>
+                    </a:p>
+                  </a:txBody>
+                  <a:tcPr horzOverflow="overflow">
+                    <a:lnL w="12700" cap="flat" cmpd="sng" algn="ctr">
+                      <a:solidFill>
+                        <a:schemeClr val="tx1"/>
+                      </a:solidFill>
+                      <a:prstDash val="solid"/>
+                      <a:round/>
+                      <a:headEnd type="none" w="med" len="med"/>
+                      <a:tailEnd type="none" w="med" len="med"/>
+                    </a:lnL>
+                    <a:lnR w="12700" cap="flat" cmpd="sng" algn="ctr">
+                      <a:solidFill>
+                        <a:schemeClr val="tx1"/>
+                      </a:solidFill>
+                      <a:prstDash val="solid"/>
+                      <a:round/>
+                      <a:headEnd type="none" w="med" len="med"/>
+                      <a:tailEnd type="none" w="med" len="med"/>
+                    </a:lnR>
+                    <a:lnT w="12700" cap="flat" cmpd="sng" algn="ctr">
+                      <a:solidFill>
+                        <a:schemeClr val="tx1"/>
+                      </a:solidFill>
+                      <a:prstDash val="solid"/>
+                      <a:round/>
+                      <a:headEnd type="none" w="med" len="med"/>
+                      <a:tailEnd type="none" w="med" len="med"/>
+                    </a:lnT>
+                    <a:lnB w="12700" cap="flat" cmpd="sng" algn="ctr">
+                      <a:solidFill>
+                        <a:schemeClr val="tx1"/>
+                      </a:solidFill>
+                      <a:prstDash val="solid"/>
+                      <a:round/>
+                      <a:headEnd type="none" w="med" len="med"/>
+                      <a:tailEnd type="none" w="med" len="med"/>
+                    </a:lnB>
+                    <a:lnTlToBr>
+                      <a:noFill/>
+                    </a:lnTlToBr>
+                    <a:lnBlToTr>
+                      <a:noFill/>
+                    </a:lnBlToTr>
+                    <a:noFill/>
+                  </a:tcPr>
+                </a:tc>
+                <a:tc>
+                  <a:txBody>
+                    <a:bodyPr/>
+                    <a:lstStyle/>
+                    <a:p>
+                      <a:pPr marL="0" marR="0" lvl="0" indent="0" algn="l" defTabSz="914400" rtl="0" eaLnBrk="1" fontAlgn="base" latinLnBrk="0" hangingPunct="1">
+                        <a:lnSpc>
+                          <a:spcPct val="100000"/>
+                        </a:lnSpc>
+                        <a:spcBef>
+                          <a:spcPct val="20000"/>
+                        </a:spcBef>
+                        <a:spcAft>
+                          <a:spcPct val="0"/>
+                        </a:spcAft>
+                        <a:buClrTx/>
+                        <a:buSzTx/>
+                        <a:buFontTx/>
+                        <a:buNone/>
+                        <a:tabLst/>
+                      </a:pPr>
+                      <a:r>
+                        <a:rPr kumimoji="0" lang="en-US" sz="1600" b="1" i="0" u="none" strike="noStrike" cap="none" normalizeH="0" baseline="0" dirty="0" smtClean="0">
+                          <a:ln>
+                            <a:noFill/>
+                          </a:ln>
+                          <a:solidFill>
+                            <a:srgbClr val="273272"/>
+                          </a:solidFill>
+                          <a:effectLst/>
+                          <a:latin typeface="+mn-lt"/>
                           <a:cs typeface="Arial" charset="0"/>
                         </a:rPr>
                         <a:t>0000</a:t>
@@ -26803,7 +32019,7 @@
                             <a:srgbClr val="273272"/>
                           </a:solidFill>
                           <a:effectLst/>
-                          <a:latin typeface="Times New Roman" pitchFamily="18" charset="0"/>
+                          <a:latin typeface="+mn-lt"/>
                           <a:cs typeface="Arial" charset="0"/>
                         </a:rPr>
                         <a:t>1</a:t>
@@ -26886,7 +32102,7 @@
                             <a:srgbClr val="273272"/>
                           </a:solidFill>
                           <a:effectLst/>
-                          <a:latin typeface="Times New Roman" pitchFamily="18" charset="0"/>
+                          <a:latin typeface="+mn-lt"/>
                           <a:cs typeface="Arial" charset="0"/>
                         </a:rPr>
                         <a:t>1</a:t>
@@ -26969,7 +32185,7 @@
                             <a:srgbClr val="273272"/>
                           </a:solidFill>
                           <a:effectLst/>
-                          <a:latin typeface="Times New Roman" pitchFamily="18" charset="0"/>
+                          <a:latin typeface="+mn-lt"/>
                           <a:cs typeface="Arial" charset="0"/>
                         </a:rPr>
                         <a:t>0001</a:t>
@@ -27054,7 +32270,7 @@
                             <a:srgbClr val="273272"/>
                           </a:solidFill>
                           <a:effectLst/>
-                          <a:latin typeface="Times New Roman" pitchFamily="18" charset="0"/>
+                          <a:latin typeface="+mn-lt"/>
                           <a:cs typeface="Arial" charset="0"/>
                         </a:rPr>
                         <a:t>2</a:t>
@@ -27137,7 +32353,7 @@
                             <a:srgbClr val="273272"/>
                           </a:solidFill>
                           <a:effectLst/>
-                          <a:latin typeface="Times New Roman" pitchFamily="18" charset="0"/>
+                          <a:latin typeface="+mn-lt"/>
                           <a:cs typeface="Arial" charset="0"/>
                         </a:rPr>
                         <a:t>2</a:t>
@@ -27220,7 +32436,7 @@
                             <a:srgbClr val="273272"/>
                           </a:solidFill>
                           <a:effectLst/>
-                          <a:latin typeface="Times New Roman" pitchFamily="18" charset="0"/>
+                          <a:latin typeface="+mn-lt"/>
                           <a:cs typeface="Arial" charset="0"/>
                         </a:rPr>
                         <a:t>0010</a:t>
@@ -27305,7 +32521,7 @@
                             <a:srgbClr val="273272"/>
                           </a:solidFill>
                           <a:effectLst/>
-                          <a:latin typeface="Times New Roman" pitchFamily="18" charset="0"/>
+                          <a:latin typeface="+mn-lt"/>
                           <a:cs typeface="Arial" charset="0"/>
                         </a:rPr>
                         <a:t>3</a:t>
@@ -27388,7 +32604,7 @@
                             <a:srgbClr val="273272"/>
                           </a:solidFill>
                           <a:effectLst/>
-                          <a:latin typeface="Times New Roman" pitchFamily="18" charset="0"/>
+                          <a:latin typeface="+mn-lt"/>
                           <a:cs typeface="Arial" charset="0"/>
                         </a:rPr>
                         <a:t>3</a:t>
@@ -27471,7 +32687,7 @@
                             <a:srgbClr val="273272"/>
                           </a:solidFill>
                           <a:effectLst/>
-                          <a:latin typeface="Times New Roman" pitchFamily="18" charset="0"/>
+                          <a:latin typeface="+mn-lt"/>
                           <a:cs typeface="Arial" charset="0"/>
                         </a:rPr>
                         <a:t>0011</a:t>
@@ -27556,7 +32772,7 @@
                             <a:srgbClr val="273272"/>
                           </a:solidFill>
                           <a:effectLst/>
-                          <a:latin typeface="Times New Roman" pitchFamily="18" charset="0"/>
+                          <a:latin typeface="+mn-lt"/>
                           <a:cs typeface="Arial" charset="0"/>
                         </a:rPr>
                         <a:t>4</a:t>
@@ -27639,7 +32855,7 @@
                             <a:srgbClr val="273272"/>
                           </a:solidFill>
                           <a:effectLst/>
-                          <a:latin typeface="Times New Roman" pitchFamily="18" charset="0"/>
+                          <a:latin typeface="+mn-lt"/>
                           <a:cs typeface="Arial" charset="0"/>
                         </a:rPr>
                         <a:t>4</a:t>
@@ -27722,7 +32938,7 @@
                             <a:srgbClr val="273272"/>
                           </a:solidFill>
                           <a:effectLst/>
-                          <a:latin typeface="Times New Roman" pitchFamily="18" charset="0"/>
+                          <a:latin typeface="+mn-lt"/>
                           <a:cs typeface="Arial" charset="0"/>
                         </a:rPr>
                         <a:t>0100</a:t>
@@ -27807,7 +33023,7 @@
                             <a:srgbClr val="273272"/>
                           </a:solidFill>
                           <a:effectLst/>
-                          <a:latin typeface="Times New Roman" pitchFamily="18" charset="0"/>
+                          <a:latin typeface="+mn-lt"/>
                           <a:cs typeface="Arial" charset="0"/>
                         </a:rPr>
                         <a:t>5</a:t>
@@ -27890,7 +33106,7 @@
                             <a:srgbClr val="273272"/>
                           </a:solidFill>
                           <a:effectLst/>
-                          <a:latin typeface="Times New Roman" pitchFamily="18" charset="0"/>
+                          <a:latin typeface="+mn-lt"/>
                           <a:cs typeface="Arial" charset="0"/>
                         </a:rPr>
                         <a:t>5</a:t>
@@ -27973,7 +33189,7 @@
                             <a:srgbClr val="273272"/>
                           </a:solidFill>
                           <a:effectLst/>
-                          <a:latin typeface="Times New Roman" pitchFamily="18" charset="0"/>
+                          <a:latin typeface="+mn-lt"/>
                           <a:cs typeface="Arial" charset="0"/>
                         </a:rPr>
                         <a:t>0101</a:t>
@@ -28058,7 +33274,7 @@
                             <a:srgbClr val="273272"/>
                           </a:solidFill>
                           <a:effectLst/>
-                          <a:latin typeface="Times New Roman" pitchFamily="18" charset="0"/>
+                          <a:latin typeface="+mn-lt"/>
                           <a:cs typeface="Arial" charset="0"/>
                         </a:rPr>
                         <a:t>6</a:t>
@@ -28067,89 +33283,6 @@
                   </a:txBody>
                   <a:tcPr horzOverflow="overflow">
                     <a:lnL w="28575" cap="flat" cmpd="sng" algn="ctr">
-                      <a:solidFill>
-                        <a:schemeClr val="tx1"/>
-                      </a:solidFill>
-                      <a:prstDash val="solid"/>
-                      <a:round/>
-                      <a:headEnd type="none" w="med" len="med"/>
-                      <a:tailEnd type="none" w="med" len="med"/>
-                    </a:lnL>
-                    <a:lnR w="12700" cap="flat" cmpd="sng" algn="ctr">
-                      <a:solidFill>
-                        <a:schemeClr val="tx1"/>
-                      </a:solidFill>
-                      <a:prstDash val="solid"/>
-                      <a:round/>
-                      <a:headEnd type="none" w="med" len="med"/>
-                      <a:tailEnd type="none" w="med" len="med"/>
-                    </a:lnR>
-                    <a:lnT w="12700" cap="flat" cmpd="sng" algn="ctr">
-                      <a:solidFill>
-                        <a:schemeClr val="tx1"/>
-                      </a:solidFill>
-                      <a:prstDash val="solid"/>
-                      <a:round/>
-                      <a:headEnd type="none" w="med" len="med"/>
-                      <a:tailEnd type="none" w="med" len="med"/>
-                    </a:lnT>
-                    <a:lnB w="12700" cap="flat" cmpd="sng" algn="ctr">
-                      <a:solidFill>
-                        <a:schemeClr val="tx1"/>
-                      </a:solidFill>
-                      <a:prstDash val="solid"/>
-                      <a:round/>
-                      <a:headEnd type="none" w="med" len="med"/>
-                      <a:tailEnd type="none" w="med" len="med"/>
-                    </a:lnB>
-                    <a:lnTlToBr>
-                      <a:noFill/>
-                    </a:lnTlToBr>
-                    <a:lnBlToTr>
-                      <a:noFill/>
-                    </a:lnBlToTr>
-                    <a:noFill/>
-                  </a:tcPr>
-                </a:tc>
-                <a:tc>
-                  <a:txBody>
-                    <a:bodyPr/>
-                    <a:lstStyle/>
-                    <a:p>
-                      <a:pPr marL="0" marR="0" lvl="0" indent="0" algn="l" defTabSz="914400" rtl="0" eaLnBrk="1" fontAlgn="base" latinLnBrk="0" hangingPunct="1">
-                        <a:lnSpc>
-                          <a:spcPct val="100000"/>
-                        </a:lnSpc>
-                        <a:spcBef>
-                          <a:spcPct val="20000"/>
-                        </a:spcBef>
-                        <a:spcAft>
-                          <a:spcPct val="0"/>
-                        </a:spcAft>
-                        <a:buClrTx/>
-                        <a:buSzTx/>
-                        <a:buFontTx/>
-                        <a:buNone/>
-                        <a:tabLst/>
-                      </a:pPr>
-                      <a:r>
-                        <a:rPr kumimoji="0" lang="en-US" sz="1600" b="1" i="0" u="none" strike="noStrike" cap="none" normalizeH="0" baseline="0" smtClean="0">
-                          <a:ln>
-                            <a:noFill/>
-                          </a:ln>
-                          <a:solidFill>
-                            <a:srgbClr val="273272"/>
-                          </a:solidFill>
-                          <a:effectLst/>
-                          <a:latin typeface="Times New Roman" pitchFamily="18" charset="0"/>
-                          <a:cs typeface="Arial" charset="0"/>
-                        </a:rPr>
-                        <a:t>6</a:t>
-                      </a:r>
-                    </a:p>
-                  </a:txBody>
-                  <a:tcPr horzOverflow="overflow">
-                    <a:lnL w="12700" cap="flat" cmpd="sng" algn="ctr">
                       <a:solidFill>
                         <a:schemeClr val="tx1"/>
                       </a:solidFill>
@@ -28224,7 +33357,90 @@
                             <a:srgbClr val="273272"/>
                           </a:solidFill>
                           <a:effectLst/>
-                          <a:latin typeface="Times New Roman" pitchFamily="18" charset="0"/>
+                          <a:latin typeface="+mn-lt"/>
+                          <a:cs typeface="Arial" charset="0"/>
+                        </a:rPr>
+                        <a:t>6</a:t>
+                      </a:r>
+                    </a:p>
+                  </a:txBody>
+                  <a:tcPr horzOverflow="overflow">
+                    <a:lnL w="12700" cap="flat" cmpd="sng" algn="ctr">
+                      <a:solidFill>
+                        <a:schemeClr val="tx1"/>
+                      </a:solidFill>
+                      <a:prstDash val="solid"/>
+                      <a:round/>
+                      <a:headEnd type="none" w="med" len="med"/>
+                      <a:tailEnd type="none" w="med" len="med"/>
+                    </a:lnL>
+                    <a:lnR w="12700" cap="flat" cmpd="sng" algn="ctr">
+                      <a:solidFill>
+                        <a:schemeClr val="tx1"/>
+                      </a:solidFill>
+                      <a:prstDash val="solid"/>
+                      <a:round/>
+                      <a:headEnd type="none" w="med" len="med"/>
+                      <a:tailEnd type="none" w="med" len="med"/>
+                    </a:lnR>
+                    <a:lnT w="12700" cap="flat" cmpd="sng" algn="ctr">
+                      <a:solidFill>
+                        <a:schemeClr val="tx1"/>
+                      </a:solidFill>
+                      <a:prstDash val="solid"/>
+                      <a:round/>
+                      <a:headEnd type="none" w="med" len="med"/>
+                      <a:tailEnd type="none" w="med" len="med"/>
+                    </a:lnT>
+                    <a:lnB w="12700" cap="flat" cmpd="sng" algn="ctr">
+                      <a:solidFill>
+                        <a:schemeClr val="tx1"/>
+                      </a:solidFill>
+                      <a:prstDash val="solid"/>
+                      <a:round/>
+                      <a:headEnd type="none" w="med" len="med"/>
+                      <a:tailEnd type="none" w="med" len="med"/>
+                    </a:lnB>
+                    <a:lnTlToBr>
+                      <a:noFill/>
+                    </a:lnTlToBr>
+                    <a:lnBlToTr>
+                      <a:noFill/>
+                    </a:lnBlToTr>
+                    <a:noFill/>
+                  </a:tcPr>
+                </a:tc>
+                <a:tc>
+                  <a:txBody>
+                    <a:bodyPr/>
+                    <a:lstStyle/>
+                    <a:p>
+                      <a:pPr marL="0" marR="0" lvl="0" indent="0" algn="l" defTabSz="914400" rtl="0" eaLnBrk="1" fontAlgn="base" latinLnBrk="0" hangingPunct="1">
+                        <a:lnSpc>
+                          <a:spcPct val="100000"/>
+                        </a:lnSpc>
+                        <a:spcBef>
+                          <a:spcPct val="20000"/>
+                        </a:spcBef>
+                        <a:spcAft>
+                          <a:spcPct val="0"/>
+                        </a:spcAft>
+                        <a:buClrTx/>
+                        <a:buSzTx/>
+                        <a:buFontTx/>
+                        <a:buNone/>
+                        <a:tabLst/>
+                      </a:pPr>
+                      <a:r>
+                        <a:rPr kumimoji="0" lang="en-US" sz="1600" b="1" i="0" u="none" strike="noStrike" cap="none" normalizeH="0" baseline="0" dirty="0" smtClean="0">
+                          <a:ln>
+                            <a:noFill/>
+                          </a:ln>
+                          <a:solidFill>
+                            <a:srgbClr val="273272"/>
+                          </a:solidFill>
+                          <a:effectLst/>
+                          <a:latin typeface="+mn-lt"/>
                           <a:cs typeface="Arial" charset="0"/>
                         </a:rPr>
                         <a:t>0110</a:t>
@@ -28309,7 +33525,7 @@
                             <a:srgbClr val="273272"/>
                           </a:solidFill>
                           <a:effectLst/>
-                          <a:latin typeface="Times New Roman" pitchFamily="18" charset="0"/>
+                          <a:latin typeface="+mn-lt"/>
                           <a:cs typeface="Arial" charset="0"/>
                         </a:rPr>
                         <a:t>7</a:t>
@@ -28318,89 +33534,6 @@
                   </a:txBody>
                   <a:tcPr horzOverflow="overflow">
                     <a:lnL w="28575" cap="flat" cmpd="sng" algn="ctr">
-                      <a:solidFill>
-                        <a:schemeClr val="tx1"/>
-                      </a:solidFill>
-                      <a:prstDash val="solid"/>
-                      <a:round/>
-                      <a:headEnd type="none" w="med" len="med"/>
-                      <a:tailEnd type="none" w="med" len="med"/>
-                    </a:lnL>
-                    <a:lnR w="12700" cap="flat" cmpd="sng" algn="ctr">
-                      <a:solidFill>
-                        <a:schemeClr val="tx1"/>
-                      </a:solidFill>
-                      <a:prstDash val="solid"/>
-                      <a:round/>
-                      <a:headEnd type="none" w="med" len="med"/>
-                      <a:tailEnd type="none" w="med" len="med"/>
-                    </a:lnR>
-                    <a:lnT w="12700" cap="flat" cmpd="sng" algn="ctr">
-                      <a:solidFill>
-                        <a:schemeClr val="tx1"/>
-                      </a:solidFill>
-                      <a:prstDash val="solid"/>
-                      <a:round/>
-                      <a:headEnd type="none" w="med" len="med"/>
-                      <a:tailEnd type="none" w="med" len="med"/>
-                    </a:lnT>
-                    <a:lnB w="12700" cap="flat" cmpd="sng" algn="ctr">
-                      <a:solidFill>
-                        <a:schemeClr val="tx1"/>
-                      </a:solidFill>
-                      <a:prstDash val="solid"/>
-                      <a:round/>
-                      <a:headEnd type="none" w="med" len="med"/>
-                      <a:tailEnd type="none" w="med" len="med"/>
-                    </a:lnB>
-                    <a:lnTlToBr>
-                      <a:noFill/>
-                    </a:lnTlToBr>
-                    <a:lnBlToTr>
-                      <a:noFill/>
-                    </a:lnBlToTr>
-                    <a:noFill/>
-                  </a:tcPr>
-                </a:tc>
-                <a:tc>
-                  <a:txBody>
-                    <a:bodyPr/>
-                    <a:lstStyle/>
-                    <a:p>
-                      <a:pPr marL="0" marR="0" lvl="0" indent="0" algn="l" defTabSz="914400" rtl="0" eaLnBrk="1" fontAlgn="base" latinLnBrk="0" hangingPunct="1">
-                        <a:lnSpc>
-                          <a:spcPct val="100000"/>
-                        </a:lnSpc>
-                        <a:spcBef>
-                          <a:spcPct val="20000"/>
-                        </a:spcBef>
-                        <a:spcAft>
-                          <a:spcPct val="0"/>
-                        </a:spcAft>
-                        <a:buClrTx/>
-                        <a:buSzTx/>
-                        <a:buFontTx/>
-                        <a:buNone/>
-                        <a:tabLst/>
-                      </a:pPr>
-                      <a:r>
-                        <a:rPr kumimoji="0" lang="en-US" sz="1600" b="1" i="0" u="none" strike="noStrike" cap="none" normalizeH="0" baseline="0" smtClean="0">
-                          <a:ln>
-                            <a:noFill/>
-                          </a:ln>
-                          <a:solidFill>
-                            <a:srgbClr val="273272"/>
-                          </a:solidFill>
-                          <a:effectLst/>
-                          <a:latin typeface="Times New Roman" pitchFamily="18" charset="0"/>
-                          <a:cs typeface="Arial" charset="0"/>
-                        </a:rPr>
-                        <a:t>7</a:t>
-                      </a:r>
-                    </a:p>
-                  </a:txBody>
-                  <a:tcPr horzOverflow="overflow">
-                    <a:lnL w="12700" cap="flat" cmpd="sng" algn="ctr">
                       <a:solidFill>
                         <a:schemeClr val="tx1"/>
                       </a:solidFill>
@@ -28475,7 +33608,90 @@
                             <a:srgbClr val="273272"/>
                           </a:solidFill>
                           <a:effectLst/>
-                          <a:latin typeface="Times New Roman" pitchFamily="18" charset="0"/>
+                          <a:latin typeface="+mn-lt"/>
+                          <a:cs typeface="Arial" charset="0"/>
+                        </a:rPr>
+                        <a:t>7</a:t>
+                      </a:r>
+                    </a:p>
+                  </a:txBody>
+                  <a:tcPr horzOverflow="overflow">
+                    <a:lnL w="12700" cap="flat" cmpd="sng" algn="ctr">
+                      <a:solidFill>
+                        <a:schemeClr val="tx1"/>
+                      </a:solidFill>
+                      <a:prstDash val="solid"/>
+                      <a:round/>
+                      <a:headEnd type="none" w="med" len="med"/>
+                      <a:tailEnd type="none" w="med" len="med"/>
+                    </a:lnL>
+                    <a:lnR w="12700" cap="flat" cmpd="sng" algn="ctr">
+                      <a:solidFill>
+                        <a:schemeClr val="tx1"/>
+                      </a:solidFill>
+                      <a:prstDash val="solid"/>
+                      <a:round/>
+                      <a:headEnd type="none" w="med" len="med"/>
+                      <a:tailEnd type="none" w="med" len="med"/>
+                    </a:lnR>
+                    <a:lnT w="12700" cap="flat" cmpd="sng" algn="ctr">
+                      <a:solidFill>
+                        <a:schemeClr val="tx1"/>
+                      </a:solidFill>
+                      <a:prstDash val="solid"/>
+                      <a:round/>
+                      <a:headEnd type="none" w="med" len="med"/>
+                      <a:tailEnd type="none" w="med" len="med"/>
+                    </a:lnT>
+                    <a:lnB w="12700" cap="flat" cmpd="sng" algn="ctr">
+                      <a:solidFill>
+                        <a:schemeClr val="tx1"/>
+                      </a:solidFill>
+                      <a:prstDash val="solid"/>
+                      <a:round/>
+                      <a:headEnd type="none" w="med" len="med"/>
+                      <a:tailEnd type="none" w="med" len="med"/>
+                    </a:lnB>
+                    <a:lnTlToBr>
+                      <a:noFill/>
+                    </a:lnTlToBr>
+                    <a:lnBlToTr>
+                      <a:noFill/>
+                    </a:lnBlToTr>
+                    <a:noFill/>
+                  </a:tcPr>
+                </a:tc>
+                <a:tc>
+                  <a:txBody>
+                    <a:bodyPr/>
+                    <a:lstStyle/>
+                    <a:p>
+                      <a:pPr marL="0" marR="0" lvl="0" indent="0" algn="l" defTabSz="914400" rtl="0" eaLnBrk="1" fontAlgn="base" latinLnBrk="0" hangingPunct="1">
+                        <a:lnSpc>
+                          <a:spcPct val="100000"/>
+                        </a:lnSpc>
+                        <a:spcBef>
+                          <a:spcPct val="20000"/>
+                        </a:spcBef>
+                        <a:spcAft>
+                          <a:spcPct val="0"/>
+                        </a:spcAft>
+                        <a:buClrTx/>
+                        <a:buSzTx/>
+                        <a:buFontTx/>
+                        <a:buNone/>
+                        <a:tabLst/>
+                      </a:pPr>
+                      <a:r>
+                        <a:rPr kumimoji="0" lang="en-US" sz="1600" b="1" i="0" u="none" strike="noStrike" cap="none" normalizeH="0" baseline="0" dirty="0" smtClean="0">
+                          <a:ln>
+                            <a:noFill/>
+                          </a:ln>
+                          <a:solidFill>
+                            <a:srgbClr val="273272"/>
+                          </a:solidFill>
+                          <a:effectLst/>
+                          <a:latin typeface="+mn-lt"/>
                           <a:cs typeface="Arial" charset="0"/>
                         </a:rPr>
                         <a:t>0111</a:t>
@@ -28560,7 +33776,7 @@
                             <a:srgbClr val="273272"/>
                           </a:solidFill>
                           <a:effectLst/>
-                          <a:latin typeface="Times New Roman" pitchFamily="18" charset="0"/>
+                          <a:latin typeface="+mn-lt"/>
                           <a:cs typeface="Arial" charset="0"/>
                         </a:rPr>
                         <a:t>8</a:t>
@@ -28569,89 +33785,6 @@
                   </a:txBody>
                   <a:tcPr horzOverflow="overflow">
                     <a:lnL w="28575" cap="flat" cmpd="sng" algn="ctr">
-                      <a:solidFill>
-                        <a:schemeClr val="tx1"/>
-                      </a:solidFill>
-                      <a:prstDash val="solid"/>
-                      <a:round/>
-                      <a:headEnd type="none" w="med" len="med"/>
-                      <a:tailEnd type="none" w="med" len="med"/>
-                    </a:lnL>
-                    <a:lnR w="12700" cap="flat" cmpd="sng" algn="ctr">
-                      <a:solidFill>
-                        <a:schemeClr val="tx1"/>
-                      </a:solidFill>
-                      <a:prstDash val="solid"/>
-                      <a:round/>
-                      <a:headEnd type="none" w="med" len="med"/>
-                      <a:tailEnd type="none" w="med" len="med"/>
-                    </a:lnR>
-                    <a:lnT w="12700" cap="flat" cmpd="sng" algn="ctr">
-                      <a:solidFill>
-                        <a:schemeClr val="tx1"/>
-                      </a:solidFill>
-                      <a:prstDash val="solid"/>
-                      <a:round/>
-                      <a:headEnd type="none" w="med" len="med"/>
-                      <a:tailEnd type="none" w="med" len="med"/>
-                    </a:lnT>
-                    <a:lnB w="12700" cap="flat" cmpd="sng" algn="ctr">
-                      <a:solidFill>
-                        <a:schemeClr val="tx1"/>
-                      </a:solidFill>
-                      <a:prstDash val="solid"/>
-                      <a:round/>
-                      <a:headEnd type="none" w="med" len="med"/>
-                      <a:tailEnd type="none" w="med" len="med"/>
-                    </a:lnB>
-                    <a:lnTlToBr>
-                      <a:noFill/>
-                    </a:lnTlToBr>
-                    <a:lnBlToTr>
-                      <a:noFill/>
-                    </a:lnBlToTr>
-                    <a:noFill/>
-                  </a:tcPr>
-                </a:tc>
-                <a:tc>
-                  <a:txBody>
-                    <a:bodyPr/>
-                    <a:lstStyle/>
-                    <a:p>
-                      <a:pPr marL="0" marR="0" lvl="0" indent="0" algn="l" defTabSz="914400" rtl="0" eaLnBrk="1" fontAlgn="base" latinLnBrk="0" hangingPunct="1">
-                        <a:lnSpc>
-                          <a:spcPct val="100000"/>
-                        </a:lnSpc>
-                        <a:spcBef>
-                          <a:spcPct val="20000"/>
-                        </a:spcBef>
-                        <a:spcAft>
-                          <a:spcPct val="0"/>
-                        </a:spcAft>
-                        <a:buClrTx/>
-                        <a:buSzTx/>
-                        <a:buFontTx/>
-                        <a:buNone/>
-                        <a:tabLst/>
-                      </a:pPr>
-                      <a:r>
-                        <a:rPr kumimoji="0" lang="en-US" sz="1600" b="1" i="0" u="none" strike="noStrike" cap="none" normalizeH="0" baseline="0" smtClean="0">
-                          <a:ln>
-                            <a:noFill/>
-                          </a:ln>
-                          <a:solidFill>
-                            <a:srgbClr val="273272"/>
-                          </a:solidFill>
-                          <a:effectLst/>
-                          <a:latin typeface="Times New Roman" pitchFamily="18" charset="0"/>
-                          <a:cs typeface="Arial" charset="0"/>
-                        </a:rPr>
-                        <a:t>8</a:t>
-                      </a:r>
-                    </a:p>
-                  </a:txBody>
-                  <a:tcPr horzOverflow="overflow">
-                    <a:lnL w="12700" cap="flat" cmpd="sng" algn="ctr">
                       <a:solidFill>
                         <a:schemeClr val="tx1"/>
                       </a:solidFill>
@@ -28726,7 +33859,90 @@
                             <a:srgbClr val="273272"/>
                           </a:solidFill>
                           <a:effectLst/>
-                          <a:latin typeface="Times New Roman" pitchFamily="18" charset="0"/>
+                          <a:latin typeface="+mn-lt"/>
+                          <a:cs typeface="Arial" charset="0"/>
+                        </a:rPr>
+                        <a:t>8</a:t>
+                      </a:r>
+                    </a:p>
+                  </a:txBody>
+                  <a:tcPr horzOverflow="overflow">
+                    <a:lnL w="12700" cap="flat" cmpd="sng" algn="ctr">
+                      <a:solidFill>
+                        <a:schemeClr val="tx1"/>
+                      </a:solidFill>
+                      <a:prstDash val="solid"/>
+                      <a:round/>
+                      <a:headEnd type="none" w="med" len="med"/>
+                      <a:tailEnd type="none" w="med" len="med"/>
+                    </a:lnL>
+                    <a:lnR w="12700" cap="flat" cmpd="sng" algn="ctr">
+                      <a:solidFill>
+                        <a:schemeClr val="tx1"/>
+                      </a:solidFill>
+                      <a:prstDash val="solid"/>
+                      <a:round/>
+                      <a:headEnd type="none" w="med" len="med"/>
+                      <a:tailEnd type="none" w="med" len="med"/>
+                    </a:lnR>
+                    <a:lnT w="12700" cap="flat" cmpd="sng" algn="ctr">
+                      <a:solidFill>
+                        <a:schemeClr val="tx1"/>
+                      </a:solidFill>
+                      <a:prstDash val="solid"/>
+                      <a:round/>
+                      <a:headEnd type="none" w="med" len="med"/>
+                      <a:tailEnd type="none" w="med" len="med"/>
+                    </a:lnT>
+                    <a:lnB w="12700" cap="flat" cmpd="sng" algn="ctr">
+                      <a:solidFill>
+                        <a:schemeClr val="tx1"/>
+                      </a:solidFill>
+                      <a:prstDash val="solid"/>
+                      <a:round/>
+                      <a:headEnd type="none" w="med" len="med"/>
+                      <a:tailEnd type="none" w="med" len="med"/>
+                    </a:lnB>
+                    <a:lnTlToBr>
+                      <a:noFill/>
+                    </a:lnTlToBr>
+                    <a:lnBlToTr>
+                      <a:noFill/>
+                    </a:lnBlToTr>
+                    <a:noFill/>
+                  </a:tcPr>
+                </a:tc>
+                <a:tc>
+                  <a:txBody>
+                    <a:bodyPr/>
+                    <a:lstStyle/>
+                    <a:p>
+                      <a:pPr marL="0" marR="0" lvl="0" indent="0" algn="l" defTabSz="914400" rtl="0" eaLnBrk="1" fontAlgn="base" latinLnBrk="0" hangingPunct="1">
+                        <a:lnSpc>
+                          <a:spcPct val="100000"/>
+                        </a:lnSpc>
+                        <a:spcBef>
+                          <a:spcPct val="20000"/>
+                        </a:spcBef>
+                        <a:spcAft>
+                          <a:spcPct val="0"/>
+                        </a:spcAft>
+                        <a:buClrTx/>
+                        <a:buSzTx/>
+                        <a:buFontTx/>
+                        <a:buNone/>
+                        <a:tabLst/>
+                      </a:pPr>
+                      <a:r>
+                        <a:rPr kumimoji="0" lang="en-US" sz="1600" b="1" i="0" u="none" strike="noStrike" cap="none" normalizeH="0" baseline="0" dirty="0" smtClean="0">
+                          <a:ln>
+                            <a:noFill/>
+                          </a:ln>
+                          <a:solidFill>
+                            <a:srgbClr val="273272"/>
+                          </a:solidFill>
+                          <a:effectLst/>
+                          <a:latin typeface="+mn-lt"/>
                           <a:cs typeface="Arial" charset="0"/>
                         </a:rPr>
                         <a:t>1000</a:t>
@@ -28811,7 +34027,7 @@
                             <a:srgbClr val="273272"/>
                           </a:solidFill>
                           <a:effectLst/>
-                          <a:latin typeface="Times New Roman" pitchFamily="18" charset="0"/>
+                          <a:latin typeface="+mn-lt"/>
                           <a:cs typeface="Arial" charset="0"/>
                         </a:rPr>
                         <a:t>9</a:t>
@@ -28820,89 +34036,6 @@
                   </a:txBody>
                   <a:tcPr horzOverflow="overflow">
                     <a:lnL w="28575" cap="flat" cmpd="sng" algn="ctr">
-                      <a:solidFill>
-                        <a:schemeClr val="tx1"/>
-                      </a:solidFill>
-                      <a:prstDash val="solid"/>
-                      <a:round/>
-                      <a:headEnd type="none" w="med" len="med"/>
-                      <a:tailEnd type="none" w="med" len="med"/>
-                    </a:lnL>
-                    <a:lnR w="12700" cap="flat" cmpd="sng" algn="ctr">
-                      <a:solidFill>
-                        <a:schemeClr val="tx1"/>
-                      </a:solidFill>
-                      <a:prstDash val="solid"/>
-                      <a:round/>
-                      <a:headEnd type="none" w="med" len="med"/>
-                      <a:tailEnd type="none" w="med" len="med"/>
-                    </a:lnR>
-                    <a:lnT w="12700" cap="flat" cmpd="sng" algn="ctr">
-                      <a:solidFill>
-                        <a:schemeClr val="tx1"/>
-                      </a:solidFill>
-                      <a:prstDash val="solid"/>
-                      <a:round/>
-                      <a:headEnd type="none" w="med" len="med"/>
-                      <a:tailEnd type="none" w="med" len="med"/>
-                    </a:lnT>
-                    <a:lnB w="12700" cap="flat" cmpd="sng" algn="ctr">
-                      <a:solidFill>
-                        <a:schemeClr val="tx1"/>
-                      </a:solidFill>
-                      <a:prstDash val="solid"/>
-                      <a:round/>
-                      <a:headEnd type="none" w="med" len="med"/>
-                      <a:tailEnd type="none" w="med" len="med"/>
-                    </a:lnB>
-                    <a:lnTlToBr>
-                      <a:noFill/>
-                    </a:lnTlToBr>
-                    <a:lnBlToTr>
-                      <a:noFill/>
-                    </a:lnBlToTr>
-                    <a:noFill/>
-                  </a:tcPr>
-                </a:tc>
-                <a:tc>
-                  <a:txBody>
-                    <a:bodyPr/>
-                    <a:lstStyle/>
-                    <a:p>
-                      <a:pPr marL="0" marR="0" lvl="0" indent="0" algn="l" defTabSz="914400" rtl="0" eaLnBrk="1" fontAlgn="base" latinLnBrk="0" hangingPunct="1">
-                        <a:lnSpc>
-                          <a:spcPct val="100000"/>
-                        </a:lnSpc>
-                        <a:spcBef>
-                          <a:spcPct val="20000"/>
-                        </a:spcBef>
-                        <a:spcAft>
-                          <a:spcPct val="0"/>
-                        </a:spcAft>
-                        <a:buClrTx/>
-                        <a:buSzTx/>
-                        <a:buFontTx/>
-                        <a:buNone/>
-                        <a:tabLst/>
-                      </a:pPr>
-                      <a:r>
-                        <a:rPr kumimoji="0" lang="en-US" sz="1600" b="1" i="0" u="none" strike="noStrike" cap="none" normalizeH="0" baseline="0" smtClean="0">
-                          <a:ln>
-                            <a:noFill/>
-                          </a:ln>
-                          <a:solidFill>
-                            <a:srgbClr val="273272"/>
-                          </a:solidFill>
-                          <a:effectLst/>
-                          <a:latin typeface="Times New Roman" pitchFamily="18" charset="0"/>
-                          <a:cs typeface="Arial" charset="0"/>
-                        </a:rPr>
-                        <a:t>9</a:t>
-                      </a:r>
-                    </a:p>
-                  </a:txBody>
-                  <a:tcPr horzOverflow="overflow">
-                    <a:lnL w="12700" cap="flat" cmpd="sng" algn="ctr">
                       <a:solidFill>
                         <a:schemeClr val="tx1"/>
                       </a:solidFill>
@@ -28977,7 +34110,90 @@
                             <a:srgbClr val="273272"/>
                           </a:solidFill>
                           <a:effectLst/>
-                          <a:latin typeface="Times New Roman" pitchFamily="18" charset="0"/>
+                          <a:latin typeface="+mn-lt"/>
+                          <a:cs typeface="Arial" charset="0"/>
+                        </a:rPr>
+                        <a:t>9</a:t>
+                      </a:r>
+                    </a:p>
+                  </a:txBody>
+                  <a:tcPr horzOverflow="overflow">
+                    <a:lnL w="12700" cap="flat" cmpd="sng" algn="ctr">
+                      <a:solidFill>
+                        <a:schemeClr val="tx1"/>
+                      </a:solidFill>
+                      <a:prstDash val="solid"/>
+                      <a:round/>
+                      <a:headEnd type="none" w="med" len="med"/>
+                      <a:tailEnd type="none" w="med" len="med"/>
+                    </a:lnL>
+                    <a:lnR w="12700" cap="flat" cmpd="sng" algn="ctr">
+                      <a:solidFill>
+                        <a:schemeClr val="tx1"/>
+                      </a:solidFill>
+                      <a:prstDash val="solid"/>
+                      <a:round/>
+                      <a:headEnd type="none" w="med" len="med"/>
+                      <a:tailEnd type="none" w="med" len="med"/>
+                    </a:lnR>
+                    <a:lnT w="12700" cap="flat" cmpd="sng" algn="ctr">
+                      <a:solidFill>
+                        <a:schemeClr val="tx1"/>
+                      </a:solidFill>
+                      <a:prstDash val="solid"/>
+                      <a:round/>
+                      <a:headEnd type="none" w="med" len="med"/>
+                      <a:tailEnd type="none" w="med" len="med"/>
+                    </a:lnT>
+                    <a:lnB w="12700" cap="flat" cmpd="sng" algn="ctr">
+                      <a:solidFill>
+                        <a:schemeClr val="tx1"/>
+                      </a:solidFill>
+                      <a:prstDash val="solid"/>
+                      <a:round/>
+                      <a:headEnd type="none" w="med" len="med"/>
+                      <a:tailEnd type="none" w="med" len="med"/>
+                    </a:lnB>
+                    <a:lnTlToBr>
+                      <a:noFill/>
+                    </a:lnTlToBr>
+                    <a:lnBlToTr>
+                      <a:noFill/>
+                    </a:lnBlToTr>
+                    <a:noFill/>
+                  </a:tcPr>
+                </a:tc>
+                <a:tc>
+                  <a:txBody>
+                    <a:bodyPr/>
+                    <a:lstStyle/>
+                    <a:p>
+                      <a:pPr marL="0" marR="0" lvl="0" indent="0" algn="l" defTabSz="914400" rtl="0" eaLnBrk="1" fontAlgn="base" latinLnBrk="0" hangingPunct="1">
+                        <a:lnSpc>
+                          <a:spcPct val="100000"/>
+                        </a:lnSpc>
+                        <a:spcBef>
+                          <a:spcPct val="20000"/>
+                        </a:spcBef>
+                        <a:spcAft>
+                          <a:spcPct val="0"/>
+                        </a:spcAft>
+                        <a:buClrTx/>
+                        <a:buSzTx/>
+                        <a:buFontTx/>
+                        <a:buNone/>
+                        <a:tabLst/>
+                      </a:pPr>
+                      <a:r>
+                        <a:rPr kumimoji="0" lang="en-US" sz="1600" b="1" i="0" u="none" strike="noStrike" cap="none" normalizeH="0" baseline="0" dirty="0" smtClean="0">
+                          <a:ln>
+                            <a:noFill/>
+                          </a:ln>
+                          <a:solidFill>
+                            <a:srgbClr val="273272"/>
+                          </a:solidFill>
+                          <a:effectLst/>
+                          <a:latin typeface="+mn-lt"/>
                           <a:cs typeface="Arial" charset="0"/>
                         </a:rPr>
                         <a:t>1001</a:t>
@@ -29062,7 +34278,7 @@
                             <a:srgbClr val="273272"/>
                           </a:solidFill>
                           <a:effectLst/>
-                          <a:latin typeface="Times New Roman" pitchFamily="18" charset="0"/>
+                          <a:latin typeface="+mn-lt"/>
                           <a:cs typeface="Arial" charset="0"/>
                         </a:rPr>
                         <a:t>A</a:t>
@@ -29071,89 +34287,6 @@
                   </a:txBody>
                   <a:tcPr horzOverflow="overflow">
                     <a:lnL w="28575" cap="flat" cmpd="sng" algn="ctr">
-                      <a:solidFill>
-                        <a:schemeClr val="tx1"/>
-                      </a:solidFill>
-                      <a:prstDash val="solid"/>
-                      <a:round/>
-                      <a:headEnd type="none" w="med" len="med"/>
-                      <a:tailEnd type="none" w="med" len="med"/>
-                    </a:lnL>
-                    <a:lnR w="12700" cap="flat" cmpd="sng" algn="ctr">
-                      <a:solidFill>
-                        <a:schemeClr val="tx1"/>
-                      </a:solidFill>
-                      <a:prstDash val="solid"/>
-                      <a:round/>
-                      <a:headEnd type="none" w="med" len="med"/>
-                      <a:tailEnd type="none" w="med" len="med"/>
-                    </a:lnR>
-                    <a:lnT w="12700" cap="flat" cmpd="sng" algn="ctr">
-                      <a:solidFill>
-                        <a:schemeClr val="tx1"/>
-                      </a:solidFill>
-                      <a:prstDash val="solid"/>
-                      <a:round/>
-                      <a:headEnd type="none" w="med" len="med"/>
-                      <a:tailEnd type="none" w="med" len="med"/>
-                    </a:lnT>
-                    <a:lnB w="12700" cap="flat" cmpd="sng" algn="ctr">
-                      <a:solidFill>
-                        <a:schemeClr val="tx1"/>
-                      </a:solidFill>
-                      <a:prstDash val="solid"/>
-                      <a:round/>
-                      <a:headEnd type="none" w="med" len="med"/>
-                      <a:tailEnd type="none" w="med" len="med"/>
-                    </a:lnB>
-                    <a:lnTlToBr>
-                      <a:noFill/>
-                    </a:lnTlToBr>
-                    <a:lnBlToTr>
-                      <a:noFill/>
-                    </a:lnBlToTr>
-                    <a:noFill/>
-                  </a:tcPr>
-                </a:tc>
-                <a:tc>
-                  <a:txBody>
-                    <a:bodyPr/>
-                    <a:lstStyle/>
-                    <a:p>
-                      <a:pPr marL="0" marR="0" lvl="0" indent="0" algn="l" defTabSz="914400" rtl="0" eaLnBrk="1" fontAlgn="base" latinLnBrk="0" hangingPunct="1">
-                        <a:lnSpc>
-                          <a:spcPct val="100000"/>
-                        </a:lnSpc>
-                        <a:spcBef>
-                          <a:spcPct val="20000"/>
-                        </a:spcBef>
-                        <a:spcAft>
-                          <a:spcPct val="0"/>
-                        </a:spcAft>
-                        <a:buClrTx/>
-                        <a:buSzTx/>
-                        <a:buFontTx/>
-                        <a:buNone/>
-                        <a:tabLst/>
-                      </a:pPr>
-                      <a:r>
-                        <a:rPr kumimoji="0" lang="en-US" sz="1600" b="1" i="0" u="none" strike="noStrike" cap="none" normalizeH="0" baseline="0" smtClean="0">
-                          <a:ln>
-                            <a:noFill/>
-                          </a:ln>
-                          <a:solidFill>
-                            <a:srgbClr val="273272"/>
-                          </a:solidFill>
-                          <a:effectLst/>
-                          <a:latin typeface="Times New Roman" pitchFamily="18" charset="0"/>
-                          <a:cs typeface="Arial" charset="0"/>
-                        </a:rPr>
-                        <a:t>10</a:t>
-                      </a:r>
-                    </a:p>
-                  </a:txBody>
-                  <a:tcPr horzOverflow="overflow">
-                    <a:lnL w="12700" cap="flat" cmpd="sng" algn="ctr">
                       <a:solidFill>
                         <a:schemeClr val="tx1"/>
                       </a:solidFill>
@@ -29228,7 +34361,90 @@
                             <a:srgbClr val="273272"/>
                           </a:solidFill>
                           <a:effectLst/>
-                          <a:latin typeface="Times New Roman" pitchFamily="18" charset="0"/>
+                          <a:latin typeface="+mn-lt"/>
+                          <a:cs typeface="Arial" charset="0"/>
+                        </a:rPr>
+                        <a:t>10</a:t>
+                      </a:r>
+                    </a:p>
+                  </a:txBody>
+                  <a:tcPr horzOverflow="overflow">
+                    <a:lnL w="12700" cap="flat" cmpd="sng" algn="ctr">
+                      <a:solidFill>
+                        <a:schemeClr val="tx1"/>
+                      </a:solidFill>
+                      <a:prstDash val="solid"/>
+                      <a:round/>
+                      <a:headEnd type="none" w="med" len="med"/>
+                      <a:tailEnd type="none" w="med" len="med"/>
+                    </a:lnL>
+                    <a:lnR w="12700" cap="flat" cmpd="sng" algn="ctr">
+                      <a:solidFill>
+                        <a:schemeClr val="tx1"/>
+                      </a:solidFill>
+                      <a:prstDash val="solid"/>
+                      <a:round/>
+                      <a:headEnd type="none" w="med" len="med"/>
+                      <a:tailEnd type="none" w="med" len="med"/>
+                    </a:lnR>
+                    <a:lnT w="12700" cap="flat" cmpd="sng" algn="ctr">
+                      <a:solidFill>
+                        <a:schemeClr val="tx1"/>
+                      </a:solidFill>
+                      <a:prstDash val="solid"/>
+                      <a:round/>
+                      <a:headEnd type="none" w="med" len="med"/>
+                      <a:tailEnd type="none" w="med" len="med"/>
+                    </a:lnT>
+                    <a:lnB w="12700" cap="flat" cmpd="sng" algn="ctr">
+                      <a:solidFill>
+                        <a:schemeClr val="tx1"/>
+                      </a:solidFill>
+                      <a:prstDash val="solid"/>
+                      <a:round/>
+                      <a:headEnd type="none" w="med" len="med"/>
+                      <a:tailEnd type="none" w="med" len="med"/>
+                    </a:lnB>
+                    <a:lnTlToBr>
+                      <a:noFill/>
+                    </a:lnTlToBr>
+                    <a:lnBlToTr>
+                      <a:noFill/>
+                    </a:lnBlToTr>
+                    <a:noFill/>
+                  </a:tcPr>
+                </a:tc>
+                <a:tc>
+                  <a:txBody>
+                    <a:bodyPr/>
+                    <a:lstStyle/>
+                    <a:p>
+                      <a:pPr marL="0" marR="0" lvl="0" indent="0" algn="l" defTabSz="914400" rtl="0" eaLnBrk="1" fontAlgn="base" latinLnBrk="0" hangingPunct="1">
+                        <a:lnSpc>
+                          <a:spcPct val="100000"/>
+                        </a:lnSpc>
+                        <a:spcBef>
+                          <a:spcPct val="20000"/>
+                        </a:spcBef>
+                        <a:spcAft>
+                          <a:spcPct val="0"/>
+                        </a:spcAft>
+                        <a:buClrTx/>
+                        <a:buSzTx/>
+                        <a:buFontTx/>
+                        <a:buNone/>
+                        <a:tabLst/>
+                      </a:pPr>
+                      <a:r>
+                        <a:rPr kumimoji="0" lang="en-US" sz="1600" b="1" i="0" u="none" strike="noStrike" cap="none" normalizeH="0" baseline="0" dirty="0" smtClean="0">
+                          <a:ln>
+                            <a:noFill/>
+                          </a:ln>
+                          <a:solidFill>
+                            <a:srgbClr val="273272"/>
+                          </a:solidFill>
+                          <a:effectLst/>
+                          <a:latin typeface="+mn-lt"/>
                           <a:cs typeface="Arial" charset="0"/>
                         </a:rPr>
                         <a:t>1010</a:t>
@@ -29313,7 +34529,7 @@
                             <a:srgbClr val="273272"/>
                           </a:solidFill>
                           <a:effectLst/>
-                          <a:latin typeface="Times New Roman" pitchFamily="18" charset="0"/>
+                          <a:latin typeface="+mn-lt"/>
                           <a:cs typeface="Arial" charset="0"/>
                         </a:rPr>
                         <a:t>B</a:t>
@@ -29322,89 +34538,6 @@
                   </a:txBody>
                   <a:tcPr horzOverflow="overflow">
                     <a:lnL w="28575" cap="flat" cmpd="sng" algn="ctr">
-                      <a:solidFill>
-                        <a:schemeClr val="tx1"/>
-                      </a:solidFill>
-                      <a:prstDash val="solid"/>
-                      <a:round/>
-                      <a:headEnd type="none" w="med" len="med"/>
-                      <a:tailEnd type="none" w="med" len="med"/>
-                    </a:lnL>
-                    <a:lnR w="12700" cap="flat" cmpd="sng" algn="ctr">
-                      <a:solidFill>
-                        <a:schemeClr val="tx1"/>
-                      </a:solidFill>
-                      <a:prstDash val="solid"/>
-                      <a:round/>
-                      <a:headEnd type="none" w="med" len="med"/>
-                      <a:tailEnd type="none" w="med" len="med"/>
-                    </a:lnR>
-                    <a:lnT w="12700" cap="flat" cmpd="sng" algn="ctr">
-                      <a:solidFill>
-                        <a:schemeClr val="tx1"/>
-                      </a:solidFill>
-                      <a:prstDash val="solid"/>
-                      <a:round/>
-                      <a:headEnd type="none" w="med" len="med"/>
-                      <a:tailEnd type="none" w="med" len="med"/>
-                    </a:lnT>
-                    <a:lnB w="12700" cap="flat" cmpd="sng" algn="ctr">
-                      <a:solidFill>
-                        <a:schemeClr val="tx1"/>
-                      </a:solidFill>
-                      <a:prstDash val="solid"/>
-                      <a:round/>
-                      <a:headEnd type="none" w="med" len="med"/>
-                      <a:tailEnd type="none" w="med" len="med"/>
-                    </a:lnB>
-                    <a:lnTlToBr>
-                      <a:noFill/>
-                    </a:lnTlToBr>
-                    <a:lnBlToTr>
-                      <a:noFill/>
-                    </a:lnBlToTr>
-                    <a:noFill/>
-                  </a:tcPr>
-                </a:tc>
-                <a:tc>
-                  <a:txBody>
-                    <a:bodyPr/>
-                    <a:lstStyle/>
-                    <a:p>
-                      <a:pPr marL="0" marR="0" lvl="0" indent="0" algn="l" defTabSz="914400" rtl="0" eaLnBrk="1" fontAlgn="base" latinLnBrk="0" hangingPunct="1">
-                        <a:lnSpc>
-                          <a:spcPct val="100000"/>
-                        </a:lnSpc>
-                        <a:spcBef>
-                          <a:spcPct val="20000"/>
-                        </a:spcBef>
-                        <a:spcAft>
-                          <a:spcPct val="0"/>
-                        </a:spcAft>
-                        <a:buClrTx/>
-                        <a:buSzTx/>
-                        <a:buFontTx/>
-                        <a:buNone/>
-                        <a:tabLst/>
-                      </a:pPr>
-                      <a:r>
-                        <a:rPr kumimoji="0" lang="en-US" sz="1600" b="1" i="0" u="none" strike="noStrike" cap="none" normalizeH="0" baseline="0" smtClean="0">
-                          <a:ln>
-                            <a:noFill/>
-                          </a:ln>
-                          <a:solidFill>
-                            <a:srgbClr val="273272"/>
-                          </a:solidFill>
-                          <a:effectLst/>
-                          <a:latin typeface="Times New Roman" pitchFamily="18" charset="0"/>
-                          <a:cs typeface="Arial" charset="0"/>
-                        </a:rPr>
-                        <a:t>11</a:t>
-                      </a:r>
-                    </a:p>
-                  </a:txBody>
-                  <a:tcPr horzOverflow="overflow">
-                    <a:lnL w="12700" cap="flat" cmpd="sng" algn="ctr">
                       <a:solidFill>
                         <a:schemeClr val="tx1"/>
                       </a:solidFill>
@@ -29479,7 +34612,90 @@
                             <a:srgbClr val="273272"/>
                           </a:solidFill>
                           <a:effectLst/>
-                          <a:latin typeface="Times New Roman" pitchFamily="18" charset="0"/>
+                          <a:latin typeface="+mn-lt"/>
+                          <a:cs typeface="Arial" charset="0"/>
+                        </a:rPr>
+                        <a:t>11</a:t>
+                      </a:r>
+                    </a:p>
+                  </a:txBody>
+                  <a:tcPr horzOverflow="overflow">
+                    <a:lnL w="12700" cap="flat" cmpd="sng" algn="ctr">
+                      <a:solidFill>
+                        <a:schemeClr val="tx1"/>
+                      </a:solidFill>
+                      <a:prstDash val="solid"/>
+                      <a:round/>
+                      <a:headEnd type="none" w="med" len="med"/>
+                      <a:tailEnd type="none" w="med" len="med"/>
+                    </a:lnL>
+                    <a:lnR w="12700" cap="flat" cmpd="sng" algn="ctr">
+                      <a:solidFill>
+                        <a:schemeClr val="tx1"/>
+                      </a:solidFill>
+                      <a:prstDash val="solid"/>
+                      <a:round/>
+                      <a:headEnd type="none" w="med" len="med"/>
+                      <a:tailEnd type="none" w="med" len="med"/>
+                    </a:lnR>
+                    <a:lnT w="12700" cap="flat" cmpd="sng" algn="ctr">
+                      <a:solidFill>
+                        <a:schemeClr val="tx1"/>
+                      </a:solidFill>
+                      <a:prstDash val="solid"/>
+                      <a:round/>
+                      <a:headEnd type="none" w="med" len="med"/>
+                      <a:tailEnd type="none" w="med" len="med"/>
+                    </a:lnT>
+                    <a:lnB w="12700" cap="flat" cmpd="sng" algn="ctr">
+                      <a:solidFill>
+                        <a:schemeClr val="tx1"/>
+                      </a:solidFill>
+                      <a:prstDash val="solid"/>
+                      <a:round/>
+                      <a:headEnd type="none" w="med" len="med"/>
+                      <a:tailEnd type="none" w="med" len="med"/>
+                    </a:lnB>
+                    <a:lnTlToBr>
+                      <a:noFill/>
+                    </a:lnTlToBr>
+                    <a:lnBlToTr>
+                      <a:noFill/>
+                    </a:lnBlToTr>
+                    <a:noFill/>
+                  </a:tcPr>
+                </a:tc>
+                <a:tc>
+                  <a:txBody>
+                    <a:bodyPr/>
+                    <a:lstStyle/>
+                    <a:p>
+                      <a:pPr marL="0" marR="0" lvl="0" indent="0" algn="l" defTabSz="914400" rtl="0" eaLnBrk="1" fontAlgn="base" latinLnBrk="0" hangingPunct="1">
+                        <a:lnSpc>
+                          <a:spcPct val="100000"/>
+                        </a:lnSpc>
+                        <a:spcBef>
+                          <a:spcPct val="20000"/>
+                        </a:spcBef>
+                        <a:spcAft>
+                          <a:spcPct val="0"/>
+                        </a:spcAft>
+                        <a:buClrTx/>
+                        <a:buSzTx/>
+                        <a:buFontTx/>
+                        <a:buNone/>
+                        <a:tabLst/>
+                      </a:pPr>
+                      <a:r>
+                        <a:rPr kumimoji="0" lang="en-US" sz="1600" b="1" i="0" u="none" strike="noStrike" cap="none" normalizeH="0" baseline="0" dirty="0" smtClean="0">
+                          <a:ln>
+                            <a:noFill/>
+                          </a:ln>
+                          <a:solidFill>
+                            <a:srgbClr val="273272"/>
+                          </a:solidFill>
+                          <a:effectLst/>
+                          <a:latin typeface="+mn-lt"/>
                           <a:cs typeface="Arial" charset="0"/>
                         </a:rPr>
                         <a:t>1011</a:t>
@@ -29564,7 +34780,7 @@
                             <a:srgbClr val="273272"/>
                           </a:solidFill>
                           <a:effectLst/>
-                          <a:latin typeface="Times New Roman" pitchFamily="18" charset="0"/>
+                          <a:latin typeface="+mn-lt"/>
                           <a:cs typeface="Arial" charset="0"/>
                         </a:rPr>
                         <a:t>C</a:t>
@@ -29573,89 +34789,6 @@
                   </a:txBody>
                   <a:tcPr horzOverflow="overflow">
                     <a:lnL w="28575" cap="flat" cmpd="sng" algn="ctr">
-                      <a:solidFill>
-                        <a:schemeClr val="tx1"/>
-                      </a:solidFill>
-                      <a:prstDash val="solid"/>
-                      <a:round/>
-                      <a:headEnd type="none" w="med" len="med"/>
-                      <a:tailEnd type="none" w="med" len="med"/>
-                    </a:lnL>
-                    <a:lnR w="12700" cap="flat" cmpd="sng" algn="ctr">
-                      <a:solidFill>
-                        <a:schemeClr val="tx1"/>
-                      </a:solidFill>
-                      <a:prstDash val="solid"/>
-                      <a:round/>
-                      <a:headEnd type="none" w="med" len="med"/>
-                      <a:tailEnd type="none" w="med" len="med"/>
-                    </a:lnR>
-                    <a:lnT w="12700" cap="flat" cmpd="sng" algn="ctr">
-                      <a:solidFill>
-                        <a:schemeClr val="tx1"/>
-                      </a:solidFill>
-                      <a:prstDash val="solid"/>
-                      <a:round/>
-                      <a:headEnd type="none" w="med" len="med"/>
-                      <a:tailEnd type="none" w="med" len="med"/>
-                    </a:lnT>
-                    <a:lnB w="12700" cap="flat" cmpd="sng" algn="ctr">
-                      <a:solidFill>
-                        <a:schemeClr val="tx1"/>
-                      </a:solidFill>
-                      <a:prstDash val="solid"/>
-                      <a:round/>
-                      <a:headEnd type="none" w="med" len="med"/>
-                      <a:tailEnd type="none" w="med" len="med"/>
-                    </a:lnB>
-                    <a:lnTlToBr>
-                      <a:noFill/>
-                    </a:lnTlToBr>
-                    <a:lnBlToTr>
-                      <a:noFill/>
-                    </a:lnBlToTr>
-                    <a:noFill/>
-                  </a:tcPr>
-                </a:tc>
-                <a:tc>
-                  <a:txBody>
-                    <a:bodyPr/>
-                    <a:lstStyle/>
-                    <a:p>
-                      <a:pPr marL="0" marR="0" lvl="0" indent="0" algn="l" defTabSz="914400" rtl="0" eaLnBrk="1" fontAlgn="base" latinLnBrk="0" hangingPunct="1">
-                        <a:lnSpc>
-                          <a:spcPct val="100000"/>
-                        </a:lnSpc>
-                        <a:spcBef>
-                          <a:spcPct val="20000"/>
-                        </a:spcBef>
-                        <a:spcAft>
-                          <a:spcPct val="0"/>
-                        </a:spcAft>
-                        <a:buClrTx/>
-                        <a:buSzTx/>
-                        <a:buFontTx/>
-                        <a:buNone/>
-                        <a:tabLst/>
-                      </a:pPr>
-                      <a:r>
-                        <a:rPr kumimoji="0" lang="en-US" sz="1600" b="1" i="0" u="none" strike="noStrike" cap="none" normalizeH="0" baseline="0" smtClean="0">
-                          <a:ln>
-                            <a:noFill/>
-                          </a:ln>
-                          <a:solidFill>
-                            <a:srgbClr val="273272"/>
-                          </a:solidFill>
-                          <a:effectLst/>
-                          <a:latin typeface="Times New Roman" pitchFamily="18" charset="0"/>
-                          <a:cs typeface="Arial" charset="0"/>
-                        </a:rPr>
-                        <a:t>12</a:t>
-                      </a:r>
-                    </a:p>
-                  </a:txBody>
-                  <a:tcPr horzOverflow="overflow">
-                    <a:lnL w="12700" cap="flat" cmpd="sng" algn="ctr">
                       <a:solidFill>
                         <a:schemeClr val="tx1"/>
                       </a:solidFill>
@@ -29730,7 +34863,90 @@
                             <a:srgbClr val="273272"/>
                           </a:solidFill>
                           <a:effectLst/>
-                          <a:latin typeface="Times New Roman" pitchFamily="18" charset="0"/>
+                          <a:latin typeface="+mn-lt"/>
+                          <a:cs typeface="Arial" charset="0"/>
+                        </a:rPr>
+                        <a:t>12</a:t>
+                      </a:r>
+                    </a:p>
+                  </a:txBody>
+                  <a:tcPr horzOverflow="overflow">
+                    <a:lnL w="12700" cap="flat" cmpd="sng" algn="ctr">
+                      <a:solidFill>
+                        <a:schemeClr val="tx1"/>
+                      </a:solidFill>
+                      <a:prstDash val="solid"/>
+                      <a:round/>
+                      <a:headEnd type="none" w="med" len="med"/>
+                      <a:tailEnd type="none" w="med" len="med"/>
+                    </a:lnL>
+                    <a:lnR w="12700" cap="flat" cmpd="sng" algn="ctr">
+                      <a:solidFill>
+                        <a:schemeClr val="tx1"/>
+                      </a:solidFill>
+                      <a:prstDash val="solid"/>
+                      <a:round/>
+                      <a:headEnd type="none" w="med" len="med"/>
+                      <a:tailEnd type="none" w="med" len="med"/>
+                    </a:lnR>
+                    <a:lnT w="12700" cap="flat" cmpd="sng" algn="ctr">
+                      <a:solidFill>
+                        <a:schemeClr val="tx1"/>
+                      </a:solidFill>
+                      <a:prstDash val="solid"/>
+                      <a:round/>
+                      <a:headEnd type="none" w="med" len="med"/>
+                      <a:tailEnd type="none" w="med" len="med"/>
+                    </a:lnT>
+                    <a:lnB w="12700" cap="flat" cmpd="sng" algn="ctr">
+                      <a:solidFill>
+                        <a:schemeClr val="tx1"/>
+                      </a:solidFill>
+                      <a:prstDash val="solid"/>
+                      <a:round/>
+                      <a:headEnd type="none" w="med" len="med"/>
+                      <a:tailEnd type="none" w="med" len="med"/>
+                    </a:lnB>
+                    <a:lnTlToBr>
+                      <a:noFill/>
+                    </a:lnTlToBr>
+                    <a:lnBlToTr>
+                      <a:noFill/>
+                    </a:lnBlToTr>
+                    <a:noFill/>
+                  </a:tcPr>
+                </a:tc>
+                <a:tc>
+                  <a:txBody>
+                    <a:bodyPr/>
+                    <a:lstStyle/>
+                    <a:p>
+                      <a:pPr marL="0" marR="0" lvl="0" indent="0" algn="l" defTabSz="914400" rtl="0" eaLnBrk="1" fontAlgn="base" latinLnBrk="0" hangingPunct="1">
+                        <a:lnSpc>
+                          <a:spcPct val="100000"/>
+                        </a:lnSpc>
+                        <a:spcBef>
+                          <a:spcPct val="20000"/>
+                        </a:spcBef>
+                        <a:spcAft>
+                          <a:spcPct val="0"/>
+                        </a:spcAft>
+                        <a:buClrTx/>
+                        <a:buSzTx/>
+                        <a:buFontTx/>
+                        <a:buNone/>
+                        <a:tabLst/>
+                      </a:pPr>
+                      <a:r>
+                        <a:rPr kumimoji="0" lang="en-US" sz="1600" b="1" i="0" u="none" strike="noStrike" cap="none" normalizeH="0" baseline="0" dirty="0" smtClean="0">
+                          <a:ln>
+                            <a:noFill/>
+                          </a:ln>
+                          <a:solidFill>
+                            <a:srgbClr val="273272"/>
+                          </a:solidFill>
+                          <a:effectLst/>
+                          <a:latin typeface="+mn-lt"/>
                           <a:cs typeface="Arial" charset="0"/>
                         </a:rPr>
                         <a:t>1100</a:t>
@@ -29815,7 +35031,7 @@
                             <a:srgbClr val="273272"/>
                           </a:solidFill>
                           <a:effectLst/>
-                          <a:latin typeface="Times New Roman" pitchFamily="18" charset="0"/>
+                          <a:latin typeface="+mn-lt"/>
                           <a:cs typeface="Arial" charset="0"/>
                         </a:rPr>
                         <a:t>D</a:t>
@@ -29898,7 +35114,7 @@
                             <a:srgbClr val="273272"/>
                           </a:solidFill>
                           <a:effectLst/>
-                          <a:latin typeface="Times New Roman" pitchFamily="18" charset="0"/>
+                          <a:latin typeface="+mn-lt"/>
                           <a:cs typeface="Arial" charset="0"/>
                         </a:rPr>
                         <a:t>13</a:t>
@@ -29981,7 +35197,7 @@
                             <a:srgbClr val="273272"/>
                           </a:solidFill>
                           <a:effectLst/>
-                          <a:latin typeface="Times New Roman" pitchFamily="18" charset="0"/>
+                          <a:latin typeface="+mn-lt"/>
                           <a:cs typeface="Arial" charset="0"/>
                         </a:rPr>
                         <a:t>1101</a:t>
@@ -30066,7 +35282,7 @@
                             <a:srgbClr val="273272"/>
                           </a:solidFill>
                           <a:effectLst/>
-                          <a:latin typeface="Times New Roman" pitchFamily="18" charset="0"/>
+                          <a:latin typeface="+mn-lt"/>
                           <a:cs typeface="Arial" charset="0"/>
                         </a:rPr>
                         <a:t>E</a:t>
@@ -30149,7 +35365,7 @@
                             <a:srgbClr val="273272"/>
                           </a:solidFill>
                           <a:effectLst/>
-                          <a:latin typeface="Times New Roman" pitchFamily="18" charset="0"/>
+                          <a:latin typeface="+mn-lt"/>
                           <a:cs typeface="Arial" charset="0"/>
                         </a:rPr>
                         <a:t>14</a:t>
@@ -30232,7 +35448,7 @@
                             <a:srgbClr val="273272"/>
                           </a:solidFill>
                           <a:effectLst/>
-                          <a:latin typeface="Times New Roman" pitchFamily="18" charset="0"/>
+                          <a:latin typeface="+mn-lt"/>
                           <a:cs typeface="Arial" charset="0"/>
                         </a:rPr>
                         <a:t>1110</a:t>
@@ -30317,7 +35533,7 @@
                             <a:srgbClr val="273272"/>
                           </a:solidFill>
                           <a:effectLst/>
-                          <a:latin typeface="Times New Roman" pitchFamily="18" charset="0"/>
+                          <a:latin typeface="+mn-lt"/>
                           <a:cs typeface="Arial" charset="0"/>
                         </a:rPr>
                         <a:t>F</a:t>
@@ -30400,7 +35616,7 @@
                             <a:srgbClr val="273272"/>
                           </a:solidFill>
                           <a:effectLst/>
-                          <a:latin typeface="Times New Roman" pitchFamily="18" charset="0"/>
+                          <a:latin typeface="+mn-lt"/>
                           <a:cs typeface="Arial" charset="0"/>
                         </a:rPr>
                         <a:t>15</a:t>
@@ -30483,7 +35699,7 @@
                             <a:srgbClr val="273272"/>
                           </a:solidFill>
                           <a:effectLst/>
-                          <a:latin typeface="Times New Roman" pitchFamily="18" charset="0"/>
+                          <a:latin typeface="+mn-lt"/>
                           <a:cs typeface="Arial" charset="0"/>
                         </a:rPr>
                         <a:t>1111</a:t>
@@ -31277,7 +36493,7 @@
   <a:extraClrSchemeLst/>
   <a:extLst>
     <a:ext uri="{05A4C25C-085E-4340-85A3-A5531E510DB2}">
-      <thm15:themeFamily xmlns="" xmlns:thm15="http://schemas.microsoft.com/office/thememl/2012/main" name="Office Theme" id="{62F939B6-93AF-4DB8-9C6B-D6C7DFDC589F}" vid="{4A3C46E8-61CC-4603-A589-7422A47A8E4A}"/>
+      <thm15:themeFamily xmlns:thm15="http://schemas.microsoft.com/office/thememl/2012/main" xmlns="" name="Office Theme" id="{62F939B6-93AF-4DB8-9C6B-D6C7DFDC589F}" vid="{4A3C46E8-61CC-4603-A589-7422A47A8E4A}"/>
     </a:ext>
   </a:extLst>
 </a:theme>
@@ -31538,7 +36754,7 @@
   <a:extraClrSchemeLst/>
   <a:extLst>
     <a:ext uri="{05A4C25C-085E-4340-85A3-A5531E510DB2}">
-      <thm15:themeFamily xmlns="" xmlns:thm15="http://schemas.microsoft.com/office/thememl/2012/main" name="Office Theme" id="{62F939B6-93AF-4DB8-9C6B-D6C7DFDC589F}" vid="{4A3C46E8-61CC-4603-A589-7422A47A8E4A}"/>
+      <thm15:themeFamily xmlns:thm15="http://schemas.microsoft.com/office/thememl/2012/main" xmlns="" name="Office Theme" id="{62F939B6-93AF-4DB8-9C6B-D6C7DFDC589F}" vid="{4A3C46E8-61CC-4603-A589-7422A47A8E4A}"/>
     </a:ext>
   </a:extLst>
 </a:theme>
@@ -31799,7 +37015,7 @@
   <a:extraClrSchemeLst/>
   <a:extLst>
     <a:ext uri="{05A4C25C-085E-4340-85A3-A5531E510DB2}">
-      <thm15:themeFamily xmlns="" xmlns:thm15="http://schemas.microsoft.com/office/thememl/2012/main" name="Office Theme" id="{62F939B6-93AF-4DB8-9C6B-D6C7DFDC589F}" vid="{4A3C46E8-61CC-4603-A589-7422A47A8E4A}"/>
+      <thm15:themeFamily xmlns:thm15="http://schemas.microsoft.com/office/thememl/2012/main" xmlns="" name="Office Theme" id="{62F939B6-93AF-4DB8-9C6B-D6C7DFDC589F}" vid="{4A3C46E8-61CC-4603-A589-7422A47A8E4A}"/>
     </a:ext>
   </a:extLst>
 </a:theme>
